--- a/GM/Placement/An Analytical Placement Algorithm with Routing topology Optimization/An Analytical Placement Algorithm with Routing topology Optimization.pptx
+++ b/GM/Placement/An Analytical Placement Algorithm with Routing topology Optimization/An Analytical Placement Algorithm with Routing topology Optimization.pptx
@@ -5,7 +5,7 @@
     <p:sldMasterId id="2147483648" r:id="rId1"/>
   </p:sldMasterIdLst>
   <p:notesMasterIdLst>
-    <p:notesMasterId r:id="rId9"/>
+    <p:notesMasterId r:id="rId15"/>
   </p:notesMasterIdLst>
   <p:sldIdLst>
     <p:sldId id="256" r:id="rId2"/>
@@ -14,7 +14,13 @@
     <p:sldId id="302" r:id="rId5"/>
     <p:sldId id="303" r:id="rId6"/>
     <p:sldId id="301" r:id="rId7"/>
-    <p:sldId id="298" r:id="rId8"/>
+    <p:sldId id="304" r:id="rId8"/>
+    <p:sldId id="305" r:id="rId9"/>
+    <p:sldId id="306" r:id="rId10"/>
+    <p:sldId id="307" r:id="rId11"/>
+    <p:sldId id="308" r:id="rId12"/>
+    <p:sldId id="309" r:id="rId13"/>
+    <p:sldId id="298" r:id="rId14"/>
   </p:sldIdLst>
   <p:sldSz cx="12192000" cy="6858000"/>
   <p:notesSz cx="6858000" cy="9144000"/>
@@ -1459,7 +1465,7 @@
           <a:p>
             <a:fld id="{C9ED61FB-B9B0-4D85-A72E-A614C28ECC4E}" type="datetimeFigureOut">
               <a:rPr lang="en-US" smtClean="0"/>
-              <a:t>3/8/2024</a:t>
+              <a:t>3/11/2024</a:t>
             </a:fld>
             <a:endParaRPr lang="en-US"/>
           </a:p>
@@ -1948,12 +1954,8 @@
               <a:t>因為她的</a:t>
             </a:r>
             <a:r>
-              <a:rPr lang="en-US" altLang="zh-TW" dirty="0" err="1"/>
-              <a:t>steiner</a:t>
-            </a:r>
-            <a:r>
               <a:rPr lang="en-US" altLang="zh-TW" dirty="0"/>
-              <a:t> tree</a:t>
+              <a:t>steiner tree</a:t>
             </a:r>
             <a:r>
               <a:rPr lang="zh-TW" altLang="en-US" dirty="0"/>
@@ -2210,6 +2212,789 @@
     <p:extLst>
       <p:ext uri="{BB962C8B-B14F-4D97-AF65-F5344CB8AC3E}">
         <p14:creationId xmlns:p14="http://schemas.microsoft.com/office/powerpoint/2010/main" val="2192857030"/>
+      </p:ext>
+    </p:extLst>
+  </p:cSld>
+  <p:clrMapOvr>
+    <a:masterClrMapping/>
+  </p:clrMapOvr>
+</p:notes>
+</file>
+
+<file path=ppt/notesSlides/notesSlide4.xml><?xml version="1.0" encoding="utf-8"?>
+<p:notes xmlns:a="http://schemas.openxmlformats.org/drawingml/2006/main" xmlns:r="http://schemas.openxmlformats.org/officeDocument/2006/relationships" xmlns:p="http://schemas.openxmlformats.org/presentationml/2006/main">
+  <p:cSld>
+    <p:spTree>
+      <p:nvGrpSpPr>
+        <p:cNvPr id="1" name=""/>
+        <p:cNvGrpSpPr/>
+        <p:nvPr/>
+      </p:nvGrpSpPr>
+      <p:grpSpPr>
+        <a:xfrm>
+          <a:off x="0" y="0"/>
+          <a:ext cx="0" cy="0"/>
+          <a:chOff x="0" y="0"/>
+          <a:chExt cx="0" cy="0"/>
+        </a:xfrm>
+      </p:grpSpPr>
+      <p:sp>
+        <p:nvSpPr>
+          <p:cNvPr id="2" name="投影片影像版面配置區 1"/>
+          <p:cNvSpPr>
+            <a:spLocks noGrp="1" noRot="1" noChangeAspect="1"/>
+          </p:cNvSpPr>
+          <p:nvPr>
+            <p:ph type="sldImg"/>
+          </p:nvPr>
+        </p:nvSpPr>
+        <p:spPr/>
+      </p:sp>
+      <p:sp>
+        <p:nvSpPr>
+          <p:cNvPr id="3" name="備忘稿版面配置區 2"/>
+          <p:cNvSpPr>
+            <a:spLocks noGrp="1"/>
+          </p:cNvSpPr>
+          <p:nvPr>
+            <p:ph type="body" idx="1"/>
+          </p:nvPr>
+        </p:nvSpPr>
+        <p:spPr/>
+        <p:txBody>
+          <a:bodyPr/>
+          <a:lstStyle/>
+          <a:p>
+            <a:pPr marL="171450" indent="-171450">
+              <a:buFont typeface="Arial" panose="020B0604020202020204" pitchFamily="34" charset="0"/>
+              <a:buChar char="•"/>
+            </a:pPr>
+            <a:r>
+              <a:rPr lang="en-US" altLang="zh-TW" dirty="0"/>
+              <a:t>(b)</a:t>
+            </a:r>
+            <a:r>
+              <a:rPr lang="zh-TW" altLang="en-US" dirty="0"/>
+              <a:t>圖中的綠色箭頭是</a:t>
+            </a:r>
+            <a:r>
+              <a:rPr lang="en-US" altLang="zh-TW" dirty="0"/>
+              <a:t>HPWL Model</a:t>
+            </a:r>
+            <a:r>
+              <a:rPr lang="zh-TW" altLang="en-US" dirty="0"/>
+              <a:t>的</a:t>
+            </a:r>
+            <a:r>
+              <a:rPr lang="en-US" altLang="zh-TW" dirty="0"/>
+              <a:t>wirelength gradient (</a:t>
+            </a:r>
+            <a:r>
+              <a:rPr lang="zh-TW" altLang="en-US" dirty="0"/>
+              <a:t>只有</a:t>
+            </a:r>
+            <a:r>
+              <a:rPr lang="en-US" altLang="zh-TW" dirty="0"/>
+              <a:t>p1,p2,p4,p6</a:t>
+            </a:r>
+            <a:r>
+              <a:rPr lang="zh-TW" altLang="en-US" dirty="0"/>
+              <a:t>有，其他的</a:t>
+            </a:r>
+            <a:r>
+              <a:rPr lang="en-US" altLang="zh-TW" dirty="0"/>
+              <a:t>interior point </a:t>
+            </a:r>
+            <a:r>
+              <a:rPr lang="zh-TW" altLang="en-US" dirty="0"/>
+              <a:t>沒有</a:t>
+            </a:r>
+            <a:r>
+              <a:rPr lang="en-US" altLang="zh-TW" dirty="0"/>
+              <a:t>)</a:t>
+            </a:r>
+            <a:endParaRPr lang="zh-TW" altLang="en-US" dirty="0"/>
+          </a:p>
+        </p:txBody>
+      </p:sp>
+      <p:sp>
+        <p:nvSpPr>
+          <p:cNvPr id="4" name="投影片編號版面配置區 3"/>
+          <p:cNvSpPr>
+            <a:spLocks noGrp="1"/>
+          </p:cNvSpPr>
+          <p:nvPr>
+            <p:ph type="sldNum" sz="quarter" idx="5"/>
+          </p:nvPr>
+        </p:nvSpPr>
+        <p:spPr/>
+        <p:txBody>
+          <a:bodyPr/>
+          <a:lstStyle/>
+          <a:p>
+            <a:fld id="{9D457EAB-1485-47AD-BEAD-484FAEBF5A54}" type="slidenum">
+              <a:rPr lang="en-US" smtClean="0"/>
+              <a:t>6</a:t>
+            </a:fld>
+            <a:endParaRPr lang="en-US"/>
+          </a:p>
+        </p:txBody>
+      </p:sp>
+    </p:spTree>
+    <p:extLst>
+      <p:ext uri="{BB962C8B-B14F-4D97-AF65-F5344CB8AC3E}">
+        <p14:creationId xmlns:p14="http://schemas.microsoft.com/office/powerpoint/2010/main" val="1883612593"/>
+      </p:ext>
+    </p:extLst>
+  </p:cSld>
+  <p:clrMapOvr>
+    <a:masterClrMapping/>
+  </p:clrMapOvr>
+</p:notes>
+</file>
+
+<file path=ppt/notesSlides/notesSlide5.xml><?xml version="1.0" encoding="utf-8"?>
+<p:notes xmlns:a="http://schemas.openxmlformats.org/drawingml/2006/main" xmlns:r="http://schemas.openxmlformats.org/officeDocument/2006/relationships" xmlns:p="http://schemas.openxmlformats.org/presentationml/2006/main">
+  <p:cSld>
+    <p:spTree>
+      <p:nvGrpSpPr>
+        <p:cNvPr id="1" name=""/>
+        <p:cNvGrpSpPr/>
+        <p:nvPr/>
+      </p:nvGrpSpPr>
+      <p:grpSpPr>
+        <a:xfrm>
+          <a:off x="0" y="0"/>
+          <a:ext cx="0" cy="0"/>
+          <a:chOff x="0" y="0"/>
+          <a:chExt cx="0" cy="0"/>
+        </a:xfrm>
+      </p:grpSpPr>
+      <p:sp>
+        <p:nvSpPr>
+          <p:cNvPr id="2" name="投影片影像版面配置區 1"/>
+          <p:cNvSpPr>
+            <a:spLocks noGrp="1" noRot="1" noChangeAspect="1"/>
+          </p:cNvSpPr>
+          <p:nvPr>
+            <p:ph type="sldImg"/>
+          </p:nvPr>
+        </p:nvSpPr>
+        <p:spPr/>
+      </p:sp>
+      <p:sp>
+        <p:nvSpPr>
+          <p:cNvPr id="3" name="備忘稿版面配置區 2"/>
+          <p:cNvSpPr>
+            <a:spLocks noGrp="1"/>
+          </p:cNvSpPr>
+          <p:nvPr>
+            <p:ph type="body" idx="1"/>
+          </p:nvPr>
+        </p:nvSpPr>
+        <p:spPr/>
+        <p:txBody>
+          <a:bodyPr/>
+          <a:lstStyle/>
+          <a:p>
+            <a:endParaRPr lang="zh-TW" altLang="en-US" dirty="0"/>
+          </a:p>
+        </p:txBody>
+      </p:sp>
+      <p:sp>
+        <p:nvSpPr>
+          <p:cNvPr id="4" name="投影片編號版面配置區 3"/>
+          <p:cNvSpPr>
+            <a:spLocks noGrp="1"/>
+          </p:cNvSpPr>
+          <p:nvPr>
+            <p:ph type="sldNum" sz="quarter" idx="5"/>
+          </p:nvPr>
+        </p:nvSpPr>
+        <p:spPr/>
+        <p:txBody>
+          <a:bodyPr/>
+          <a:lstStyle/>
+          <a:p>
+            <a:fld id="{9D457EAB-1485-47AD-BEAD-484FAEBF5A54}" type="slidenum">
+              <a:rPr lang="en-US" smtClean="0"/>
+              <a:t>7</a:t>
+            </a:fld>
+            <a:endParaRPr lang="en-US"/>
+          </a:p>
+        </p:txBody>
+      </p:sp>
+    </p:spTree>
+    <p:extLst>
+      <p:ext uri="{BB962C8B-B14F-4D97-AF65-F5344CB8AC3E}">
+        <p14:creationId xmlns:p14="http://schemas.microsoft.com/office/powerpoint/2010/main" val="171829768"/>
+      </p:ext>
+    </p:extLst>
+  </p:cSld>
+  <p:clrMapOvr>
+    <a:masterClrMapping/>
+  </p:clrMapOvr>
+</p:notes>
+</file>
+
+<file path=ppt/notesSlides/notesSlide6.xml><?xml version="1.0" encoding="utf-8"?>
+<p:notes xmlns:a="http://schemas.openxmlformats.org/drawingml/2006/main" xmlns:r="http://schemas.openxmlformats.org/officeDocument/2006/relationships" xmlns:p="http://schemas.openxmlformats.org/presentationml/2006/main">
+  <p:cSld>
+    <p:spTree>
+      <p:nvGrpSpPr>
+        <p:cNvPr id="1" name=""/>
+        <p:cNvGrpSpPr/>
+        <p:nvPr/>
+      </p:nvGrpSpPr>
+      <p:grpSpPr>
+        <a:xfrm>
+          <a:off x="0" y="0"/>
+          <a:ext cx="0" cy="0"/>
+          <a:chOff x="0" y="0"/>
+          <a:chExt cx="0" cy="0"/>
+        </a:xfrm>
+      </p:grpSpPr>
+      <p:sp>
+        <p:nvSpPr>
+          <p:cNvPr id="2" name="投影片影像版面配置區 1"/>
+          <p:cNvSpPr>
+            <a:spLocks noGrp="1" noRot="1" noChangeAspect="1"/>
+          </p:cNvSpPr>
+          <p:nvPr>
+            <p:ph type="sldImg"/>
+          </p:nvPr>
+        </p:nvSpPr>
+        <p:spPr/>
+      </p:sp>
+      <p:sp>
+        <p:nvSpPr>
+          <p:cNvPr id="3" name="備忘稿版面配置區 2"/>
+          <p:cNvSpPr>
+            <a:spLocks noGrp="1"/>
+          </p:cNvSpPr>
+          <p:nvPr>
+            <p:ph type="body" idx="1"/>
+          </p:nvPr>
+        </p:nvSpPr>
+        <p:spPr/>
+        <p:txBody>
+          <a:bodyPr/>
+          <a:lstStyle/>
+          <a:p>
+            <a:endParaRPr lang="zh-TW" altLang="en-US" dirty="0"/>
+          </a:p>
+        </p:txBody>
+      </p:sp>
+      <p:sp>
+        <p:nvSpPr>
+          <p:cNvPr id="4" name="投影片編號版面配置區 3"/>
+          <p:cNvSpPr>
+            <a:spLocks noGrp="1"/>
+          </p:cNvSpPr>
+          <p:nvPr>
+            <p:ph type="sldNum" sz="quarter" idx="5"/>
+          </p:nvPr>
+        </p:nvSpPr>
+        <p:spPr/>
+        <p:txBody>
+          <a:bodyPr/>
+          <a:lstStyle/>
+          <a:p>
+            <a:fld id="{9D457EAB-1485-47AD-BEAD-484FAEBF5A54}" type="slidenum">
+              <a:rPr lang="en-US" smtClean="0"/>
+              <a:t>8</a:t>
+            </a:fld>
+            <a:endParaRPr lang="en-US"/>
+          </a:p>
+        </p:txBody>
+      </p:sp>
+    </p:spTree>
+    <p:extLst>
+      <p:ext uri="{BB962C8B-B14F-4D97-AF65-F5344CB8AC3E}">
+        <p14:creationId xmlns:p14="http://schemas.microsoft.com/office/powerpoint/2010/main" val="4036611091"/>
+      </p:ext>
+    </p:extLst>
+  </p:cSld>
+  <p:clrMapOvr>
+    <a:masterClrMapping/>
+  </p:clrMapOvr>
+</p:notes>
+</file>
+
+<file path=ppt/notesSlides/notesSlide7.xml><?xml version="1.0" encoding="utf-8"?>
+<p:notes xmlns:a="http://schemas.openxmlformats.org/drawingml/2006/main" xmlns:r="http://schemas.openxmlformats.org/officeDocument/2006/relationships" xmlns:p="http://schemas.openxmlformats.org/presentationml/2006/main">
+  <p:cSld>
+    <p:spTree>
+      <p:nvGrpSpPr>
+        <p:cNvPr id="1" name="">
+          <a:extLst>
+            <a:ext uri="{FF2B5EF4-FFF2-40B4-BE49-F238E27FC236}">
+              <a16:creationId xmlns:a16="http://schemas.microsoft.com/office/drawing/2014/main" id="{E2A0994A-0CFC-0200-355D-158873F93103}"/>
+            </a:ext>
+          </a:extLst>
+        </p:cNvPr>
+        <p:cNvGrpSpPr/>
+        <p:nvPr/>
+      </p:nvGrpSpPr>
+      <p:grpSpPr>
+        <a:xfrm>
+          <a:off x="0" y="0"/>
+          <a:ext cx="0" cy="0"/>
+          <a:chOff x="0" y="0"/>
+          <a:chExt cx="0" cy="0"/>
+        </a:xfrm>
+      </p:grpSpPr>
+      <p:sp>
+        <p:nvSpPr>
+          <p:cNvPr id="2" name="投影片影像版面配置區 1">
+            <a:extLst>
+              <a:ext uri="{FF2B5EF4-FFF2-40B4-BE49-F238E27FC236}">
+                <a16:creationId xmlns:a16="http://schemas.microsoft.com/office/drawing/2014/main" id="{F00B6C85-077D-FBE4-DB89-D9B3220BA93F}"/>
+              </a:ext>
+            </a:extLst>
+          </p:cNvPr>
+          <p:cNvSpPr>
+            <a:spLocks noGrp="1" noRot="1" noChangeAspect="1"/>
+          </p:cNvSpPr>
+          <p:nvPr>
+            <p:ph type="sldImg"/>
+          </p:nvPr>
+        </p:nvSpPr>
+        <p:spPr/>
+      </p:sp>
+      <p:sp>
+        <p:nvSpPr>
+          <p:cNvPr id="3" name="備忘稿版面配置區 2">
+            <a:extLst>
+              <a:ext uri="{FF2B5EF4-FFF2-40B4-BE49-F238E27FC236}">
+                <a16:creationId xmlns:a16="http://schemas.microsoft.com/office/drawing/2014/main" id="{F567312F-B314-A3CA-3BAB-1DA5A3724AC3}"/>
+              </a:ext>
+            </a:extLst>
+          </p:cNvPr>
+          <p:cNvSpPr>
+            <a:spLocks noGrp="1"/>
+          </p:cNvSpPr>
+          <p:nvPr>
+            <p:ph type="body" idx="1"/>
+          </p:nvPr>
+        </p:nvSpPr>
+        <p:spPr/>
+        <p:txBody>
+          <a:bodyPr/>
+          <a:lstStyle/>
+          <a:p>
+            <a:pPr marL="285750" indent="-285750" algn="l">
+              <a:buFont typeface="Arial" panose="020B0604020202020204" pitchFamily="34" charset="0"/>
+              <a:buChar char="•"/>
+            </a:pPr>
+            <a:r>
+              <a:rPr lang="zh-TW" altLang="en-US" sz="1800" b="0" i="0" u="none" strike="noStrike" baseline="0" dirty="0">
+                <a:latin typeface="LinLibertineT"/>
+              </a:rPr>
+              <a:t>就是把</a:t>
+            </a:r>
+            <a:r>
+              <a:rPr lang="en-US" altLang="zh-TW" sz="1800" b="0" i="0" u="none" strike="noStrike" baseline="0" dirty="0">
+                <a:latin typeface="LinLibertineT"/>
+              </a:rPr>
+              <a:t>net</a:t>
+            </a:r>
+            <a:r>
+              <a:rPr lang="zh-TW" altLang="en-US" sz="1800" b="0" i="0" u="none" strike="noStrike" baseline="0" dirty="0">
+                <a:latin typeface="LinLibertineT"/>
+              </a:rPr>
+              <a:t>分成</a:t>
+            </a:r>
+            <a:r>
+              <a:rPr lang="en-US" altLang="zh-TW" sz="1800" b="0" i="0" u="none" strike="noStrike" baseline="0" dirty="0">
+                <a:latin typeface="LinLibertineT"/>
+              </a:rPr>
+              <a:t>trunk</a:t>
+            </a:r>
+            <a:r>
+              <a:rPr lang="zh-TW" altLang="en-US" sz="1800" b="0" i="0" u="none" strike="noStrike" baseline="0" dirty="0">
+                <a:latin typeface="LinLibertineT"/>
+              </a:rPr>
+              <a:t>跟</a:t>
+            </a:r>
+            <a:r>
+              <a:rPr lang="en-US" altLang="zh-TW" sz="1800" b="0" i="0" u="none" strike="noStrike" baseline="0" dirty="0">
+                <a:latin typeface="LinLibertineT"/>
+              </a:rPr>
+              <a:t>branch</a:t>
+            </a:r>
+          </a:p>
+          <a:p>
+            <a:pPr marL="285750" indent="-285750" algn="l">
+              <a:buFont typeface="Arial" panose="020B0604020202020204" pitchFamily="34" charset="0"/>
+              <a:buChar char="•"/>
+            </a:pPr>
+            <a:r>
+              <a:rPr lang="zh-TW" altLang="en-US" dirty="0"/>
+              <a:t>利用</a:t>
+            </a:r>
+            <a:r>
+              <a:rPr lang="en-US" altLang="zh-TW" sz="1200" dirty="0">
+                <a:latin typeface="+mj-lt"/>
+              </a:rPr>
+              <a:t>Hybrid wirelength model</a:t>
+            </a:r>
+            <a:r>
+              <a:rPr lang="zh-TW" altLang="en-US" sz="1200" dirty="0">
+                <a:latin typeface="+mj-lt"/>
+              </a:rPr>
+              <a:t>，將</a:t>
+            </a:r>
+            <a:r>
+              <a:rPr lang="en-US" altLang="zh-TW" sz="1200" dirty="0">
+                <a:latin typeface="+mj-lt"/>
+              </a:rPr>
+              <a:t>WA</a:t>
+            </a:r>
+            <a:r>
+              <a:rPr lang="zh-TW" altLang="en-US" sz="1200" dirty="0">
+                <a:latin typeface="+mj-lt"/>
+              </a:rPr>
+              <a:t> </a:t>
+            </a:r>
+            <a:r>
+              <a:rPr lang="en-US" altLang="zh-TW" sz="1200" dirty="0">
+                <a:latin typeface="+mj-lt"/>
+              </a:rPr>
+              <a:t>model</a:t>
+            </a:r>
+            <a:r>
+              <a:rPr lang="zh-TW" altLang="en-US" sz="1200" dirty="0">
+                <a:latin typeface="+mj-lt"/>
+              </a:rPr>
+              <a:t>可以處理的先處理好</a:t>
+            </a:r>
+            <a:r>
+              <a:rPr lang="en-US" altLang="zh-TW" sz="1200" dirty="0">
+                <a:latin typeface="+mj-lt"/>
+              </a:rPr>
+              <a:t>(</a:t>
+            </a:r>
+            <a:r>
+              <a:rPr lang="zh-TW" altLang="en-US" sz="1200" dirty="0">
+                <a:latin typeface="+mj-lt"/>
+              </a:rPr>
+              <a:t>因為速度比較快</a:t>
+            </a:r>
+            <a:r>
+              <a:rPr lang="en-US" altLang="zh-TW" sz="1200" dirty="0">
+                <a:latin typeface="+mj-lt"/>
+              </a:rPr>
+              <a:t>)</a:t>
+            </a:r>
+            <a:r>
+              <a:rPr lang="zh-TW" altLang="en-US" sz="1200" dirty="0">
+                <a:latin typeface="+mj-lt"/>
+              </a:rPr>
+              <a:t>，接著那些</a:t>
+            </a:r>
+            <a:r>
+              <a:rPr lang="en-US" altLang="zh-TW" sz="1200" dirty="0">
+                <a:latin typeface="+mj-lt"/>
+              </a:rPr>
+              <a:t>inner part</a:t>
+            </a:r>
+            <a:r>
+              <a:rPr lang="zh-TW" altLang="en-US" sz="1200" dirty="0">
+                <a:latin typeface="+mj-lt"/>
+              </a:rPr>
+              <a:t>再用</a:t>
+            </a:r>
+            <a:r>
+              <a:rPr lang="en-US" altLang="zh-TW" sz="1200" dirty="0" err="1">
+                <a:latin typeface="+mj-lt"/>
+              </a:rPr>
+              <a:t>StWL</a:t>
+            </a:r>
+            <a:r>
+              <a:rPr lang="zh-TW" altLang="en-US" sz="1200" dirty="0">
+                <a:latin typeface="+mj-lt"/>
+              </a:rPr>
+              <a:t>來處理，得到完整的</a:t>
+            </a:r>
+            <a:r>
+              <a:rPr lang="en-US" altLang="zh-TW" sz="1200" dirty="0">
+                <a:latin typeface="+mj-lt"/>
+              </a:rPr>
+              <a:t>gradient</a:t>
+            </a:r>
+            <a:r>
+              <a:rPr lang="zh-TW" altLang="en-US" sz="1200" dirty="0">
+                <a:latin typeface="+mj-lt"/>
+              </a:rPr>
+              <a:t>來得到更精準的</a:t>
+            </a:r>
+            <a:r>
+              <a:rPr lang="en-US" altLang="zh-TW" sz="1200" dirty="0">
+                <a:latin typeface="+mj-lt"/>
+              </a:rPr>
+              <a:t>wirelength.</a:t>
+            </a:r>
+          </a:p>
+        </p:txBody>
+      </p:sp>
+      <p:sp>
+        <p:nvSpPr>
+          <p:cNvPr id="4" name="投影片編號版面配置區 3">
+            <a:extLst>
+              <a:ext uri="{FF2B5EF4-FFF2-40B4-BE49-F238E27FC236}">
+                <a16:creationId xmlns:a16="http://schemas.microsoft.com/office/drawing/2014/main" id="{2C9877FF-D18C-61FB-839D-8B10955E90C8}"/>
+              </a:ext>
+            </a:extLst>
+          </p:cNvPr>
+          <p:cNvSpPr>
+            <a:spLocks noGrp="1"/>
+          </p:cNvSpPr>
+          <p:nvPr>
+            <p:ph type="sldNum" sz="quarter" idx="5"/>
+          </p:nvPr>
+        </p:nvSpPr>
+        <p:spPr/>
+        <p:txBody>
+          <a:bodyPr/>
+          <a:lstStyle/>
+          <a:p>
+            <a:fld id="{9D457EAB-1485-47AD-BEAD-484FAEBF5A54}" type="slidenum">
+              <a:rPr lang="en-US" smtClean="0"/>
+              <a:t>9</a:t>
+            </a:fld>
+            <a:endParaRPr lang="en-US"/>
+          </a:p>
+        </p:txBody>
+      </p:sp>
+    </p:spTree>
+    <p:extLst>
+      <p:ext uri="{BB962C8B-B14F-4D97-AF65-F5344CB8AC3E}">
+        <p14:creationId xmlns:p14="http://schemas.microsoft.com/office/powerpoint/2010/main" val="4045972828"/>
+      </p:ext>
+    </p:extLst>
+  </p:cSld>
+  <p:clrMapOvr>
+    <a:masterClrMapping/>
+  </p:clrMapOvr>
+</p:notes>
+</file>
+
+<file path=ppt/notesSlides/notesSlide8.xml><?xml version="1.0" encoding="utf-8"?>
+<p:notes xmlns:a="http://schemas.openxmlformats.org/drawingml/2006/main" xmlns:r="http://schemas.openxmlformats.org/officeDocument/2006/relationships" xmlns:p="http://schemas.openxmlformats.org/presentationml/2006/main">
+  <p:cSld>
+    <p:spTree>
+      <p:nvGrpSpPr>
+        <p:cNvPr id="1" name="">
+          <a:extLst>
+            <a:ext uri="{FF2B5EF4-FFF2-40B4-BE49-F238E27FC236}">
+              <a16:creationId xmlns:a16="http://schemas.microsoft.com/office/drawing/2014/main" id="{675D64E4-9CB7-2840-5301-7BDBB4FD71EB}"/>
+            </a:ext>
+          </a:extLst>
+        </p:cNvPr>
+        <p:cNvGrpSpPr/>
+        <p:nvPr/>
+      </p:nvGrpSpPr>
+      <p:grpSpPr>
+        <a:xfrm>
+          <a:off x="0" y="0"/>
+          <a:ext cx="0" cy="0"/>
+          <a:chOff x="0" y="0"/>
+          <a:chExt cx="0" cy="0"/>
+        </a:xfrm>
+      </p:grpSpPr>
+      <p:sp>
+        <p:nvSpPr>
+          <p:cNvPr id="2" name="投影片影像版面配置區 1">
+            <a:extLst>
+              <a:ext uri="{FF2B5EF4-FFF2-40B4-BE49-F238E27FC236}">
+                <a16:creationId xmlns:a16="http://schemas.microsoft.com/office/drawing/2014/main" id="{788CC2E5-083B-CC6D-D298-24DB2E9248C4}"/>
+              </a:ext>
+            </a:extLst>
+          </p:cNvPr>
+          <p:cNvSpPr>
+            <a:spLocks noGrp="1" noRot="1" noChangeAspect="1"/>
+          </p:cNvSpPr>
+          <p:nvPr>
+            <p:ph type="sldImg"/>
+          </p:nvPr>
+        </p:nvSpPr>
+        <p:spPr/>
+      </p:sp>
+      <p:sp>
+        <p:nvSpPr>
+          <p:cNvPr id="3" name="備忘稿版面配置區 2">
+            <a:extLst>
+              <a:ext uri="{FF2B5EF4-FFF2-40B4-BE49-F238E27FC236}">
+                <a16:creationId xmlns:a16="http://schemas.microsoft.com/office/drawing/2014/main" id="{F191780E-51D3-8E71-5165-A60B8F0C9D9C}"/>
+              </a:ext>
+            </a:extLst>
+          </p:cNvPr>
+          <p:cNvSpPr>
+            <a:spLocks noGrp="1"/>
+          </p:cNvSpPr>
+          <p:nvPr>
+            <p:ph type="body" idx="1"/>
+          </p:nvPr>
+        </p:nvSpPr>
+        <p:spPr/>
+        <p:txBody>
+          <a:bodyPr/>
+          <a:lstStyle/>
+          <a:p>
+            <a:pPr marL="285750" indent="-285750" algn="l">
+              <a:buFont typeface="Arial" panose="020B0604020202020204" pitchFamily="34" charset="0"/>
+              <a:buChar char="•"/>
+            </a:pPr>
+            <a:endParaRPr lang="zh-TW" altLang="en-US" dirty="0"/>
+          </a:p>
+        </p:txBody>
+      </p:sp>
+      <p:sp>
+        <p:nvSpPr>
+          <p:cNvPr id="4" name="投影片編號版面配置區 3">
+            <a:extLst>
+              <a:ext uri="{FF2B5EF4-FFF2-40B4-BE49-F238E27FC236}">
+                <a16:creationId xmlns:a16="http://schemas.microsoft.com/office/drawing/2014/main" id="{21FCD2A9-EC9C-7CC5-DC45-FC6A34B8771F}"/>
+              </a:ext>
+            </a:extLst>
+          </p:cNvPr>
+          <p:cNvSpPr>
+            <a:spLocks noGrp="1"/>
+          </p:cNvSpPr>
+          <p:nvPr>
+            <p:ph type="sldNum" sz="quarter" idx="5"/>
+          </p:nvPr>
+        </p:nvSpPr>
+        <p:spPr/>
+        <p:txBody>
+          <a:bodyPr/>
+          <a:lstStyle/>
+          <a:p>
+            <a:fld id="{9D457EAB-1485-47AD-BEAD-484FAEBF5A54}" type="slidenum">
+              <a:rPr lang="en-US" smtClean="0"/>
+              <a:t>10</a:t>
+            </a:fld>
+            <a:endParaRPr lang="en-US"/>
+          </a:p>
+        </p:txBody>
+      </p:sp>
+    </p:spTree>
+    <p:extLst>
+      <p:ext uri="{BB962C8B-B14F-4D97-AF65-F5344CB8AC3E}">
+        <p14:creationId xmlns:p14="http://schemas.microsoft.com/office/powerpoint/2010/main" val="3174835727"/>
+      </p:ext>
+    </p:extLst>
+  </p:cSld>
+  <p:clrMapOvr>
+    <a:masterClrMapping/>
+  </p:clrMapOvr>
+</p:notes>
+</file>
+
+<file path=ppt/notesSlides/notesSlide9.xml><?xml version="1.0" encoding="utf-8"?>
+<p:notes xmlns:a="http://schemas.openxmlformats.org/drawingml/2006/main" xmlns:r="http://schemas.openxmlformats.org/officeDocument/2006/relationships" xmlns:p="http://schemas.openxmlformats.org/presentationml/2006/main">
+  <p:cSld>
+    <p:spTree>
+      <p:nvGrpSpPr>
+        <p:cNvPr id="1" name="">
+          <a:extLst>
+            <a:ext uri="{FF2B5EF4-FFF2-40B4-BE49-F238E27FC236}">
+              <a16:creationId xmlns:a16="http://schemas.microsoft.com/office/drawing/2014/main" id="{6BAD882C-C5B8-00AF-82D7-1171AF273AE1}"/>
+            </a:ext>
+          </a:extLst>
+        </p:cNvPr>
+        <p:cNvGrpSpPr/>
+        <p:nvPr/>
+      </p:nvGrpSpPr>
+      <p:grpSpPr>
+        <a:xfrm>
+          <a:off x="0" y="0"/>
+          <a:ext cx="0" cy="0"/>
+          <a:chOff x="0" y="0"/>
+          <a:chExt cx="0" cy="0"/>
+        </a:xfrm>
+      </p:grpSpPr>
+      <p:sp>
+        <p:nvSpPr>
+          <p:cNvPr id="2" name="投影片影像版面配置區 1">
+            <a:extLst>
+              <a:ext uri="{FF2B5EF4-FFF2-40B4-BE49-F238E27FC236}">
+                <a16:creationId xmlns:a16="http://schemas.microsoft.com/office/drawing/2014/main" id="{92A0FC44-0AA6-979C-98F3-6A2362C6E341}"/>
+              </a:ext>
+            </a:extLst>
+          </p:cNvPr>
+          <p:cNvSpPr>
+            <a:spLocks noGrp="1" noRot="1" noChangeAspect="1"/>
+          </p:cNvSpPr>
+          <p:nvPr>
+            <p:ph type="sldImg"/>
+          </p:nvPr>
+        </p:nvSpPr>
+        <p:spPr/>
+      </p:sp>
+      <p:sp>
+        <p:nvSpPr>
+          <p:cNvPr id="3" name="備忘稿版面配置區 2">
+            <a:extLst>
+              <a:ext uri="{FF2B5EF4-FFF2-40B4-BE49-F238E27FC236}">
+                <a16:creationId xmlns:a16="http://schemas.microsoft.com/office/drawing/2014/main" id="{766DB162-10F8-B0A5-FD69-52489E2E3BB1}"/>
+              </a:ext>
+            </a:extLst>
+          </p:cNvPr>
+          <p:cNvSpPr>
+            <a:spLocks noGrp="1"/>
+          </p:cNvSpPr>
+          <p:nvPr>
+            <p:ph type="body" idx="1"/>
+          </p:nvPr>
+        </p:nvSpPr>
+        <p:spPr/>
+        <p:txBody>
+          <a:bodyPr/>
+          <a:lstStyle/>
+          <a:p>
+            <a:pPr marL="285750" indent="-285750" algn="l">
+              <a:buFont typeface="Arial" panose="020B0604020202020204" pitchFamily="34" charset="0"/>
+              <a:buChar char="•"/>
+            </a:pPr>
+            <a:endParaRPr lang="zh-TW" altLang="en-US" dirty="0"/>
+          </a:p>
+        </p:txBody>
+      </p:sp>
+      <p:sp>
+        <p:nvSpPr>
+          <p:cNvPr id="4" name="投影片編號版面配置區 3">
+            <a:extLst>
+              <a:ext uri="{FF2B5EF4-FFF2-40B4-BE49-F238E27FC236}">
+                <a16:creationId xmlns:a16="http://schemas.microsoft.com/office/drawing/2014/main" id="{01A1B939-2855-2AA3-45A5-6DF9E5483376}"/>
+              </a:ext>
+            </a:extLst>
+          </p:cNvPr>
+          <p:cNvSpPr>
+            <a:spLocks noGrp="1"/>
+          </p:cNvSpPr>
+          <p:nvPr>
+            <p:ph type="sldNum" sz="quarter" idx="5"/>
+          </p:nvPr>
+        </p:nvSpPr>
+        <p:spPr/>
+        <p:txBody>
+          <a:bodyPr/>
+          <a:lstStyle/>
+          <a:p>
+            <a:fld id="{9D457EAB-1485-47AD-BEAD-484FAEBF5A54}" type="slidenum">
+              <a:rPr lang="en-US" smtClean="0"/>
+              <a:t>11</a:t>
+            </a:fld>
+            <a:endParaRPr lang="en-US"/>
+          </a:p>
+        </p:txBody>
+      </p:sp>
+    </p:spTree>
+    <p:extLst>
+      <p:ext uri="{BB962C8B-B14F-4D97-AF65-F5344CB8AC3E}">
+        <p14:creationId xmlns:p14="http://schemas.microsoft.com/office/powerpoint/2010/main" val="1956012132"/>
       </p:ext>
     </p:extLst>
   </p:cSld>
@@ -2366,7 +3151,7 @@
           <a:p>
             <a:fld id="{99BA7BAB-F69F-4C21-8D40-7AA273A2D01F}" type="datetime1">
               <a:rPr lang="en-US" smtClean="0"/>
-              <a:t>3/8/2024</a:t>
+              <a:t>3/11/2024</a:t>
             </a:fld>
             <a:endParaRPr lang="en-US"/>
           </a:p>
@@ -2571,7 +3356,7 @@
           <a:p>
             <a:fld id="{FB00A8EC-4678-43EE-BE64-F312B7F1A46F}" type="datetime1">
               <a:rPr lang="en-US" smtClean="0"/>
-              <a:t>3/8/2024</a:t>
+              <a:t>3/11/2024</a:t>
             </a:fld>
             <a:endParaRPr lang="en-US"/>
           </a:p>
@@ -2779,7 +3564,7 @@
           <a:p>
             <a:fld id="{9487F23D-EA8F-4C56-9373-23F6109AD11F}" type="datetime1">
               <a:rPr lang="en-US" smtClean="0"/>
-              <a:t>3/8/2024</a:t>
+              <a:t>3/11/2024</a:t>
             </a:fld>
             <a:endParaRPr lang="en-US"/>
           </a:p>
@@ -2977,7 +3762,7 @@
           <a:p>
             <a:fld id="{A34E716E-0239-4A81-9CF4-D3B9651721CF}" type="datetime1">
               <a:rPr lang="en-US" smtClean="0"/>
-              <a:t>3/8/2024</a:t>
+              <a:t>3/11/2024</a:t>
             </a:fld>
             <a:endParaRPr lang="en-US"/>
           </a:p>
@@ -3259,7 +4044,7 @@
           <a:p>
             <a:fld id="{CC112E56-3D97-4B86-935C-1C493DD86A08}" type="datetime1">
               <a:rPr lang="en-US" smtClean="0"/>
-              <a:t>3/8/2024</a:t>
+              <a:t>3/11/2024</a:t>
             </a:fld>
             <a:endParaRPr lang="en-US"/>
           </a:p>
@@ -3524,7 +4309,7 @@
           <a:p>
             <a:fld id="{40649135-BABF-4F63-9AF8-3CEC545E47DC}" type="datetime1">
               <a:rPr lang="en-US" smtClean="0"/>
-              <a:t>3/8/2024</a:t>
+              <a:t>3/11/2024</a:t>
             </a:fld>
             <a:endParaRPr lang="en-US"/>
           </a:p>
@@ -3936,7 +4721,7 @@
           <a:p>
             <a:fld id="{B16EBC02-C9C0-442D-A8A6-494057203542}" type="datetime1">
               <a:rPr lang="en-US" smtClean="0"/>
-              <a:t>3/8/2024</a:t>
+              <a:t>3/11/2024</a:t>
             </a:fld>
             <a:endParaRPr lang="en-US"/>
           </a:p>
@@ -4077,7 +4862,7 @@
           <a:p>
             <a:fld id="{A126C4B4-559D-414E-BC9C-16A745BBF3C3}" type="datetime1">
               <a:rPr lang="en-US" smtClean="0"/>
-              <a:t>3/8/2024</a:t>
+              <a:t>3/11/2024</a:t>
             </a:fld>
             <a:endParaRPr lang="en-US"/>
           </a:p>
@@ -4190,7 +4975,7 @@
           <a:p>
             <a:fld id="{0D49D49E-73A5-4C03-BFEA-3D845EB044D8}" type="datetime1">
               <a:rPr lang="en-US" smtClean="0"/>
-              <a:t>3/8/2024</a:t>
+              <a:t>3/11/2024</a:t>
             </a:fld>
             <a:endParaRPr lang="en-US"/>
           </a:p>
@@ -4501,7 +5286,7 @@
           <a:p>
             <a:fld id="{4A0F93E6-3134-410C-B573-A5F6B38FC346}" type="datetime1">
               <a:rPr lang="en-US" smtClean="0"/>
-              <a:t>3/8/2024</a:t>
+              <a:t>3/11/2024</a:t>
             </a:fld>
             <a:endParaRPr lang="en-US"/>
           </a:p>
@@ -4789,7 +5574,7 @@
           <a:p>
             <a:fld id="{F766E70F-5320-45A5-BE33-1819A93C2AF4}" type="datetime1">
               <a:rPr lang="en-US" smtClean="0"/>
-              <a:t>3/8/2024</a:t>
+              <a:t>3/11/2024</a:t>
             </a:fld>
             <a:endParaRPr lang="en-US"/>
           </a:p>
@@ -5030,7 +5815,7 @@
           <a:p>
             <a:fld id="{A706458B-0289-40FF-A02D-2C541B7F1CB6}" type="datetime1">
               <a:rPr lang="en-US" smtClean="0"/>
-              <a:t>3/8/2024</a:t>
+              <a:t>3/11/2024</a:t>
             </a:fld>
             <a:endParaRPr lang="en-US"/>
           </a:p>
@@ -5832,6 +6617,1304 @@
 </p:sld>
 </file>
 
+<file path=ppt/slides/slide10.xml><?xml version="1.0" encoding="utf-8"?>
+<p:sld xmlns:a="http://schemas.openxmlformats.org/drawingml/2006/main" xmlns:r="http://schemas.openxmlformats.org/officeDocument/2006/relationships" xmlns:p="http://schemas.openxmlformats.org/presentationml/2006/main">
+  <p:cSld>
+    <p:spTree>
+      <p:nvGrpSpPr>
+        <p:cNvPr id="1" name="">
+          <a:extLst>
+            <a:ext uri="{FF2B5EF4-FFF2-40B4-BE49-F238E27FC236}">
+              <a16:creationId xmlns:a16="http://schemas.microsoft.com/office/drawing/2014/main" id="{A697730E-8EF6-3EB8-210B-5D9D76198354}"/>
+            </a:ext>
+          </a:extLst>
+        </p:cNvPr>
+        <p:cNvGrpSpPr/>
+        <p:nvPr/>
+      </p:nvGrpSpPr>
+      <p:grpSpPr>
+        <a:xfrm>
+          <a:off x="0" y="0"/>
+          <a:ext cx="0" cy="0"/>
+          <a:chOff x="0" y="0"/>
+          <a:chExt cx="0" cy="0"/>
+        </a:xfrm>
+      </p:grpSpPr>
+      <p:sp>
+        <p:nvSpPr>
+          <p:cNvPr id="2" name="標題 1">
+            <a:extLst>
+              <a:ext uri="{FF2B5EF4-FFF2-40B4-BE49-F238E27FC236}">
+                <a16:creationId xmlns:a16="http://schemas.microsoft.com/office/drawing/2014/main" id="{71C568AC-EEE4-A0F9-5F7D-EC8717D59625}"/>
+              </a:ext>
+            </a:extLst>
+          </p:cNvPr>
+          <p:cNvSpPr>
+            <a:spLocks noGrp="1"/>
+          </p:cNvSpPr>
+          <p:nvPr>
+            <p:ph type="title"/>
+          </p:nvPr>
+        </p:nvSpPr>
+        <p:spPr/>
+        <p:txBody>
+          <a:bodyPr/>
+          <a:lstStyle/>
+          <a:p>
+            <a:r>
+              <a:rPr lang="en-US" altLang="zh-TW" dirty="0"/>
+              <a:t>Proposed Algorithm - </a:t>
+            </a:r>
+            <a:r>
+              <a:rPr lang="en-US" altLang="zh-TW" sz="3200" dirty="0" err="1"/>
+              <a:t>StWL</a:t>
+            </a:r>
+            <a:r>
+              <a:rPr lang="en-US" altLang="zh-TW" sz="3200" dirty="0"/>
+              <a:t> Optimization in GP</a:t>
+            </a:r>
+            <a:endParaRPr lang="zh-TW" altLang="en-US" dirty="0"/>
+          </a:p>
+        </p:txBody>
+      </p:sp>
+      <p:sp>
+        <p:nvSpPr>
+          <p:cNvPr id="3" name="內容版面配置區 2">
+            <a:extLst>
+              <a:ext uri="{FF2B5EF4-FFF2-40B4-BE49-F238E27FC236}">
+                <a16:creationId xmlns:a16="http://schemas.microsoft.com/office/drawing/2014/main" id="{780C4160-7FA6-5F85-4A4E-DFAAF973AB7E}"/>
+              </a:ext>
+            </a:extLst>
+          </p:cNvPr>
+          <p:cNvSpPr>
+            <a:spLocks noGrp="1"/>
+          </p:cNvSpPr>
+          <p:nvPr>
+            <p:ph idx="1"/>
+          </p:nvPr>
+        </p:nvSpPr>
+        <p:spPr/>
+        <p:txBody>
+          <a:bodyPr>
+            <a:normAutofit/>
+          </a:bodyPr>
+          <a:lstStyle/>
+          <a:p>
+            <a:pPr marL="0" indent="0">
+              <a:buNone/>
+            </a:pPr>
+            <a:r>
+              <a:rPr lang="en-US" altLang="zh-TW" sz="2200" b="1" dirty="0"/>
+              <a:t>(2)</a:t>
+            </a:r>
+            <a:r>
+              <a:rPr lang="zh-TW" altLang="en-US" sz="2200" b="1" dirty="0"/>
+              <a:t>  </a:t>
+            </a:r>
+            <a:r>
+              <a:rPr lang="en-US" altLang="zh-TW" sz="2200" b="1" dirty="0"/>
+              <a:t>RSMT segments division</a:t>
+            </a:r>
+          </a:p>
+          <a:p>
+            <a:pPr marL="0" indent="0">
+              <a:buNone/>
+            </a:pPr>
+            <a:endParaRPr lang="en-US" altLang="zh-TW" sz="400" b="1" dirty="0"/>
+          </a:p>
+          <a:p>
+            <a:pPr lvl="1">
+              <a:lnSpc>
+                <a:spcPct val="150000"/>
+              </a:lnSpc>
+            </a:pPr>
+            <a:r>
+              <a:rPr lang="en-US" altLang="zh-TW" sz="2000" dirty="0">
+                <a:latin typeface="+mj-lt"/>
+              </a:rPr>
+              <a:t>It</a:t>
+            </a:r>
+            <a:r>
+              <a:rPr lang="zh-TW" altLang="en-US" sz="2000" dirty="0">
+                <a:latin typeface="+mj-lt"/>
+              </a:rPr>
+              <a:t> </a:t>
+            </a:r>
+            <a:r>
+              <a:rPr lang="en-US" altLang="zh-TW" sz="2000" dirty="0">
+                <a:latin typeface="+mj-lt"/>
+              </a:rPr>
+              <a:t>is time-consuming and unnecessary to optimize all parts by a</a:t>
+            </a:r>
+            <a:r>
+              <a:rPr lang="zh-TW" altLang="en-US" sz="2000" dirty="0">
+                <a:latin typeface="+mj-lt"/>
+              </a:rPr>
+              <a:t> </a:t>
+            </a:r>
+            <a:r>
+              <a:rPr lang="en-US" altLang="zh-TW" sz="2000" dirty="0">
+                <a:latin typeface="+mj-lt"/>
+              </a:rPr>
+              <a:t>single </a:t>
+            </a:r>
+            <a:r>
+              <a:rPr lang="en-US" altLang="zh-TW" sz="2000" dirty="0" err="1">
+                <a:latin typeface="+mj-lt"/>
+              </a:rPr>
+              <a:t>StWL</a:t>
+            </a:r>
+            <a:r>
+              <a:rPr lang="en-US" altLang="zh-TW" sz="2000" dirty="0">
+                <a:latin typeface="+mj-lt"/>
+              </a:rPr>
+              <a:t> model.</a:t>
+            </a:r>
+          </a:p>
+          <a:p>
+            <a:pPr lvl="1">
+              <a:lnSpc>
+                <a:spcPct val="150000"/>
+              </a:lnSpc>
+            </a:pPr>
+            <a:endParaRPr lang="en-US" altLang="zh-TW" sz="400" dirty="0">
+              <a:latin typeface="+mj-lt"/>
+            </a:endParaRPr>
+          </a:p>
+          <a:p>
+            <a:pPr lvl="1">
+              <a:lnSpc>
+                <a:spcPct val="150000"/>
+              </a:lnSpc>
+            </a:pPr>
+            <a:r>
+              <a:rPr lang="en-US" altLang="zh-TW" sz="2000" i="1" u="sng" dirty="0">
+                <a:latin typeface="+mj-lt"/>
+              </a:rPr>
+              <a:t>Assumption</a:t>
+            </a:r>
+            <a:r>
+              <a:rPr lang="en-US" altLang="zh-TW" sz="2000" dirty="0">
+                <a:latin typeface="+mj-lt"/>
+              </a:rPr>
+              <a:t>: The Steiner points in the topology can be considered </a:t>
+            </a:r>
+            <a:r>
+              <a:rPr lang="en-US" altLang="zh-TW" sz="2000" b="1" i="1" dirty="0">
+                <a:latin typeface="+mj-lt"/>
+              </a:rPr>
+              <a:t>fixed</a:t>
+            </a:r>
+            <a:r>
+              <a:rPr lang="en-US" altLang="zh-TW" sz="2000" dirty="0">
+                <a:latin typeface="+mj-lt"/>
+              </a:rPr>
+              <a:t> in each iteration.</a:t>
+            </a:r>
+          </a:p>
+          <a:p>
+            <a:pPr lvl="2">
+              <a:lnSpc>
+                <a:spcPct val="150000"/>
+              </a:lnSpc>
+            </a:pPr>
+            <a:r>
+              <a:rPr lang="en-US" altLang="zh-TW" sz="1600" dirty="0">
+                <a:latin typeface="+mj-lt"/>
+              </a:rPr>
+              <a:t>Splits the net into a fixed trunk part and a changeable branch part.</a:t>
+            </a:r>
+          </a:p>
+          <a:p>
+            <a:pPr lvl="2">
+              <a:lnSpc>
+                <a:spcPct val="150000"/>
+              </a:lnSpc>
+            </a:pPr>
+            <a:r>
+              <a:rPr lang="en-US" altLang="zh-TW" sz="1600" dirty="0">
+                <a:latin typeface="+mj-lt"/>
+              </a:rPr>
+              <a:t>Typically, this assumption is satisfied for most iterations in the GP stage.</a:t>
+            </a:r>
+          </a:p>
+          <a:p>
+            <a:pPr lvl="2">
+              <a:lnSpc>
+                <a:spcPct val="150000"/>
+              </a:lnSpc>
+            </a:pPr>
+            <a:endParaRPr lang="en-US" altLang="zh-TW" sz="400" dirty="0">
+              <a:latin typeface="+mj-lt"/>
+            </a:endParaRPr>
+          </a:p>
+          <a:p>
+            <a:pPr lvl="1">
+              <a:lnSpc>
+                <a:spcPct val="150000"/>
+              </a:lnSpc>
+            </a:pPr>
+            <a:r>
+              <a:rPr lang="en-US" altLang="zh-TW" sz="2000" dirty="0">
+                <a:latin typeface="+mj-lt"/>
+              </a:rPr>
+              <a:t>Hybrid wirelength model:</a:t>
+            </a:r>
+          </a:p>
+          <a:p>
+            <a:pPr lvl="2">
+              <a:lnSpc>
+                <a:spcPct val="150000"/>
+              </a:lnSpc>
+            </a:pPr>
+            <a:r>
+              <a:rPr lang="en-US" altLang="zh-TW" sz="1600" dirty="0">
+                <a:latin typeface="+mj-lt"/>
+              </a:rPr>
+              <a:t> </a:t>
+            </a:r>
+          </a:p>
+          <a:p>
+            <a:pPr lvl="2">
+              <a:lnSpc>
+                <a:spcPct val="150000"/>
+              </a:lnSpc>
+            </a:pPr>
+            <a:endParaRPr lang="en-US" altLang="zh-TW" sz="1600" dirty="0">
+              <a:latin typeface="+mj-lt"/>
+            </a:endParaRPr>
+          </a:p>
+        </p:txBody>
+      </p:sp>
+      <p:sp>
+        <p:nvSpPr>
+          <p:cNvPr id="4" name="投影片編號版面配置區 3">
+            <a:extLst>
+              <a:ext uri="{FF2B5EF4-FFF2-40B4-BE49-F238E27FC236}">
+                <a16:creationId xmlns:a16="http://schemas.microsoft.com/office/drawing/2014/main" id="{84C84211-0109-220E-5083-3B5BFBBE2378}"/>
+              </a:ext>
+            </a:extLst>
+          </p:cNvPr>
+          <p:cNvSpPr>
+            <a:spLocks noGrp="1"/>
+          </p:cNvSpPr>
+          <p:nvPr>
+            <p:ph type="sldNum" sz="quarter" idx="12"/>
+          </p:nvPr>
+        </p:nvSpPr>
+        <p:spPr/>
+        <p:txBody>
+          <a:bodyPr/>
+          <a:lstStyle/>
+          <a:p>
+            <a:fld id="{666274A1-CF9C-426A-8DD4-B13ED0C24231}" type="slidenum">
+              <a:rPr lang="en-US" smtClean="0"/>
+              <a:t>9</a:t>
+            </a:fld>
+            <a:endParaRPr lang="en-US"/>
+          </a:p>
+        </p:txBody>
+      </p:sp>
+      <p:grpSp>
+        <p:nvGrpSpPr>
+          <p:cNvPr id="12" name="群組 11">
+            <a:extLst>
+              <a:ext uri="{FF2B5EF4-FFF2-40B4-BE49-F238E27FC236}">
+                <a16:creationId xmlns:a16="http://schemas.microsoft.com/office/drawing/2014/main" id="{700BBF54-A890-E257-0E50-13F81324313C}"/>
+              </a:ext>
+            </a:extLst>
+          </p:cNvPr>
+          <p:cNvGrpSpPr/>
+          <p:nvPr/>
+        </p:nvGrpSpPr>
+        <p:grpSpPr>
+          <a:xfrm>
+            <a:off x="7076499" y="4367213"/>
+            <a:ext cx="4597341" cy="2354262"/>
+            <a:chOff x="5308659" y="2993818"/>
+            <a:chExt cx="6233310" cy="3324225"/>
+          </a:xfrm>
+        </p:grpSpPr>
+        <p:pic>
+          <p:nvPicPr>
+            <p:cNvPr id="13" name="圖片 12">
+              <a:extLst>
+                <a:ext uri="{FF2B5EF4-FFF2-40B4-BE49-F238E27FC236}">
+                  <a16:creationId xmlns:a16="http://schemas.microsoft.com/office/drawing/2014/main" id="{3803A9C9-0565-6CD2-D7C9-BF6A2E2C17F7}"/>
+                </a:ext>
+              </a:extLst>
+            </p:cNvPr>
+            <p:cNvPicPr>
+              <a:picLocks noChangeAspect="1"/>
+            </p:cNvPicPr>
+            <p:nvPr/>
+          </p:nvPicPr>
+          <p:blipFill rotWithShape="1">
+            <a:blip r:embed="rId3"/>
+            <a:srcRect t="1431"/>
+            <a:stretch/>
+          </p:blipFill>
+          <p:spPr>
+            <a:xfrm>
+              <a:off x="5308659" y="2993818"/>
+              <a:ext cx="6233310" cy="3324225"/>
+            </a:xfrm>
+            <a:prstGeom prst="rect">
+              <a:avLst/>
+            </a:prstGeom>
+          </p:spPr>
+        </p:pic>
+        <p:sp>
+          <p:nvSpPr>
+            <p:cNvPr id="14" name="文字方塊 13">
+              <a:extLst>
+                <a:ext uri="{FF2B5EF4-FFF2-40B4-BE49-F238E27FC236}">
+                  <a16:creationId xmlns:a16="http://schemas.microsoft.com/office/drawing/2014/main" id="{4286CD4B-4967-A685-9C7E-DD258A95769A}"/>
+                </a:ext>
+              </a:extLst>
+            </p:cNvPr>
+            <p:cNvSpPr txBox="1"/>
+            <p:nvPr/>
+          </p:nvSpPr>
+          <p:spPr>
+            <a:xfrm>
+              <a:off x="6343048" y="3955983"/>
+              <a:ext cx="671979" cy="369332"/>
+            </a:xfrm>
+            <a:prstGeom prst="rect">
+              <a:avLst/>
+            </a:prstGeom>
+            <a:noFill/>
+          </p:spPr>
+          <p:txBody>
+            <a:bodyPr wrap="none" rtlCol="0">
+              <a:spAutoFit/>
+            </a:bodyPr>
+            <a:lstStyle/>
+            <a:p>
+              <a:r>
+                <a:rPr lang="en-US" altLang="zh-TW" dirty="0"/>
+                <a:t>trunk</a:t>
+              </a:r>
+              <a:endParaRPr lang="zh-TW" altLang="en-US" dirty="0"/>
+            </a:p>
+          </p:txBody>
+        </p:sp>
+        <p:sp>
+          <p:nvSpPr>
+            <p:cNvPr id="15" name="文字方塊 14">
+              <a:extLst>
+                <a:ext uri="{FF2B5EF4-FFF2-40B4-BE49-F238E27FC236}">
+                  <a16:creationId xmlns:a16="http://schemas.microsoft.com/office/drawing/2014/main" id="{31DD4D2A-44AD-2BAF-ADE8-9382FF2BEFD2}"/>
+                </a:ext>
+              </a:extLst>
+            </p:cNvPr>
+            <p:cNvSpPr txBox="1"/>
+            <p:nvPr/>
+          </p:nvSpPr>
+          <p:spPr>
+            <a:xfrm>
+              <a:off x="6437697" y="4868668"/>
+              <a:ext cx="813043" cy="369332"/>
+            </a:xfrm>
+            <a:prstGeom prst="rect">
+              <a:avLst/>
+            </a:prstGeom>
+            <a:noFill/>
+          </p:spPr>
+          <p:txBody>
+            <a:bodyPr wrap="none" rtlCol="0">
+              <a:spAutoFit/>
+            </a:bodyPr>
+            <a:lstStyle/>
+            <a:p>
+              <a:r>
+                <a:rPr lang="en-US" altLang="zh-TW" dirty="0">
+                  <a:solidFill>
+                    <a:srgbClr val="00B0F0"/>
+                  </a:solidFill>
+                </a:rPr>
+                <a:t>branch</a:t>
+              </a:r>
+              <a:endParaRPr lang="zh-TW" altLang="en-US" dirty="0">
+                <a:solidFill>
+                  <a:srgbClr val="00B0F0"/>
+                </a:solidFill>
+              </a:endParaRPr>
+            </a:p>
+          </p:txBody>
+        </p:sp>
+      </p:grpSp>
+      <p:pic>
+        <p:nvPicPr>
+          <p:cNvPr id="17" name="圖片 16">
+            <a:extLst>
+              <a:ext uri="{FF2B5EF4-FFF2-40B4-BE49-F238E27FC236}">
+                <a16:creationId xmlns:a16="http://schemas.microsoft.com/office/drawing/2014/main" id="{81F48AC1-5511-20E1-67C7-A4203E71C129}"/>
+              </a:ext>
+            </a:extLst>
+          </p:cNvPr>
+          <p:cNvPicPr>
+            <a:picLocks noChangeAspect="1"/>
+          </p:cNvPicPr>
+          <p:nvPr/>
+        </p:nvPicPr>
+        <p:blipFill rotWithShape="1">
+          <a:blip r:embed="rId4"/>
+          <a:srcRect l="3308"/>
+          <a:stretch/>
+        </p:blipFill>
+        <p:spPr>
+          <a:xfrm>
+            <a:off x="2042419" y="5143468"/>
+            <a:ext cx="3618338" cy="547890"/>
+          </a:xfrm>
+          <a:prstGeom prst="rect">
+            <a:avLst/>
+          </a:prstGeom>
+        </p:spPr>
+      </p:pic>
+      <mc:AlternateContent xmlns:mc="http://schemas.openxmlformats.org/markup-compatibility/2006">
+        <mc:Choice xmlns:a14="http://schemas.microsoft.com/office/drawing/2010/main" Requires="a14">
+          <p:sp>
+            <p:nvSpPr>
+              <p:cNvPr id="18" name="文字方塊 17">
+                <a:extLst>
+                  <a:ext uri="{FF2B5EF4-FFF2-40B4-BE49-F238E27FC236}">
+                    <a16:creationId xmlns:a16="http://schemas.microsoft.com/office/drawing/2014/main" id="{44842323-7CC1-C786-BFBE-99C8D1042E32}"/>
+                  </a:ext>
+                </a:extLst>
+              </p:cNvPr>
+              <p:cNvSpPr txBox="1"/>
+              <p:nvPr/>
+            </p:nvSpPr>
+            <p:spPr>
+              <a:xfrm>
+                <a:off x="2581744" y="5812124"/>
+                <a:ext cx="2539688" cy="338554"/>
+              </a:xfrm>
+              <a:prstGeom prst="rect">
+                <a:avLst/>
+              </a:prstGeom>
+              <a:noFill/>
+              <a:ln>
+                <a:solidFill>
+                  <a:schemeClr val="tx1"/>
+                </a:solidFill>
+              </a:ln>
+            </p:spPr>
+            <p:txBody>
+              <a:bodyPr wrap="square" rtlCol="0">
+                <a:spAutoFit/>
+              </a:bodyPr>
+              <a:lstStyle/>
+              <a:p>
+                <a14:m>
+                  <m:oMathPara xmlns:m="http://schemas.openxmlformats.org/officeDocument/2006/math">
+                    <m:oMathParaPr>
+                      <m:jc m:val="centerGroup"/>
+                    </m:oMathParaPr>
+                    <m:oMath xmlns:m="http://schemas.openxmlformats.org/officeDocument/2006/math">
+                      <m:sSub>
+                        <m:sSubPr>
+                          <m:ctrlPr>
+                            <a:rPr lang="en-US" altLang="zh-TW" sz="1600" i="1" smtClean="0">
+                              <a:latin typeface="Cambria Math" panose="02040503050406030204" pitchFamily="18" charset="0"/>
+                            </a:rPr>
+                          </m:ctrlPr>
+                        </m:sSubPr>
+                        <m:e>
+                          <m:r>
+                            <a:rPr lang="en-US" altLang="zh-TW" sz="1600" b="0" i="1" smtClean="0">
+                              <a:latin typeface="Cambria Math" panose="02040503050406030204" pitchFamily="18" charset="0"/>
+                            </a:rPr>
+                            <m:t>𝑒</m:t>
+                          </m:r>
+                        </m:e>
+                        <m:sub>
+                          <m:r>
+                            <a:rPr lang="en-US" altLang="zh-TW" sz="1600" b="0" i="1" smtClean="0">
+                              <a:latin typeface="Cambria Math" panose="02040503050406030204" pitchFamily="18" charset="0"/>
+                            </a:rPr>
+                            <m:t>𝑖𝑛</m:t>
+                          </m:r>
+                        </m:sub>
+                      </m:sSub>
+                      <m:r>
+                        <a:rPr lang="en-US" altLang="zh-TW" sz="1600" b="0" i="1" smtClean="0">
+                          <a:latin typeface="Cambria Math" panose="02040503050406030204" pitchFamily="18" charset="0"/>
+                        </a:rPr>
+                        <m:t>:</m:t>
+                      </m:r>
+                      <m:r>
+                        <a:rPr lang="en-US" altLang="zh-TW" sz="1600" b="0" i="1" smtClean="0">
+                          <a:latin typeface="Cambria Math" panose="02040503050406030204" pitchFamily="18" charset="0"/>
+                        </a:rPr>
+                        <m:t>𝑖𝑛𝑡𝑒𝑟𝑎𝑙</m:t>
+                      </m:r>
+                      <m:r>
+                        <a:rPr lang="en-US" altLang="zh-TW" sz="1600" b="0" i="1" smtClean="0">
+                          <a:latin typeface="Cambria Math" panose="02040503050406030204" pitchFamily="18" charset="0"/>
+                        </a:rPr>
+                        <m:t> </m:t>
+                      </m:r>
+                      <m:r>
+                        <a:rPr lang="en-US" altLang="zh-TW" sz="1600" b="0" i="1" smtClean="0">
+                          <a:latin typeface="Cambria Math" panose="02040503050406030204" pitchFamily="18" charset="0"/>
+                        </a:rPr>
+                        <m:t>𝑝𝑎𝑟𝑡</m:t>
+                      </m:r>
+                      <m:r>
+                        <a:rPr lang="en-US" altLang="zh-TW" sz="1600" b="0" i="1" smtClean="0">
+                          <a:latin typeface="Cambria Math" panose="02040503050406030204" pitchFamily="18" charset="0"/>
+                        </a:rPr>
+                        <m:t> </m:t>
+                      </m:r>
+                      <m:r>
+                        <a:rPr lang="en-US" altLang="zh-TW" sz="1600" b="0" i="1" smtClean="0">
+                          <a:latin typeface="Cambria Math" panose="02040503050406030204" pitchFamily="18" charset="0"/>
+                        </a:rPr>
+                        <m:t>𝑜𝑓</m:t>
+                      </m:r>
+                      <m:r>
+                        <a:rPr lang="en-US" altLang="zh-TW" sz="1600" b="0" i="1" smtClean="0">
+                          <a:latin typeface="Cambria Math" panose="02040503050406030204" pitchFamily="18" charset="0"/>
+                        </a:rPr>
+                        <m:t> </m:t>
+                      </m:r>
+                      <m:r>
+                        <a:rPr lang="en-US" altLang="zh-TW" sz="1600" b="0" i="1" smtClean="0">
+                          <a:latin typeface="Cambria Math" panose="02040503050406030204" pitchFamily="18" charset="0"/>
+                        </a:rPr>
+                        <m:t>𝑛𝑒𝑡</m:t>
+                      </m:r>
+                      <m:r>
+                        <a:rPr lang="en-US" altLang="zh-TW" sz="1600" b="0" i="1" smtClean="0">
+                          <a:latin typeface="Cambria Math" panose="02040503050406030204" pitchFamily="18" charset="0"/>
+                        </a:rPr>
+                        <m:t> </m:t>
+                      </m:r>
+                      <m:r>
+                        <a:rPr lang="en-US" altLang="zh-TW" sz="1600" b="0" i="1" smtClean="0">
+                          <a:latin typeface="Cambria Math" panose="02040503050406030204" pitchFamily="18" charset="0"/>
+                        </a:rPr>
+                        <m:t>𝑒</m:t>
+                      </m:r>
+                    </m:oMath>
+                  </m:oMathPara>
+                </a14:m>
+                <a:endParaRPr lang="zh-TW" altLang="en-US" sz="1600" dirty="0"/>
+              </a:p>
+            </p:txBody>
+          </p:sp>
+        </mc:Choice>
+        <mc:Fallback>
+          <p:sp>
+            <p:nvSpPr>
+              <p:cNvPr id="18" name="文字方塊 17">
+                <a:extLst>
+                  <a:ext uri="{FF2B5EF4-FFF2-40B4-BE49-F238E27FC236}">
+                    <a16:creationId xmlns:a16="http://schemas.microsoft.com/office/drawing/2014/main" id="{44842323-7CC1-C786-BFBE-99C8D1042E32}"/>
+                  </a:ext>
+                </a:extLst>
+              </p:cNvPr>
+              <p:cNvSpPr txBox="1">
+                <a:spLocks noRot="1" noChangeAspect="1" noMove="1" noResize="1" noEditPoints="1" noAdjustHandles="1" noChangeArrowheads="1" noChangeShapeType="1" noTextEdit="1"/>
+              </p:cNvSpPr>
+              <p:nvPr/>
+            </p:nvSpPr>
+            <p:spPr>
+              <a:xfrm>
+                <a:off x="2581744" y="5812124"/>
+                <a:ext cx="2539688" cy="338554"/>
+              </a:xfrm>
+              <a:prstGeom prst="rect">
+                <a:avLst/>
+              </a:prstGeom>
+              <a:blipFill>
+                <a:blip r:embed="rId5"/>
+                <a:stretch>
+                  <a:fillRect b="-8621"/>
+                </a:stretch>
+              </a:blipFill>
+              <a:ln>
+                <a:solidFill>
+                  <a:schemeClr val="tx1"/>
+                </a:solidFill>
+              </a:ln>
+            </p:spPr>
+            <p:txBody>
+              <a:bodyPr/>
+              <a:lstStyle/>
+              <a:p>
+                <a:r>
+                  <a:rPr lang="zh-TW" altLang="en-US">
+                    <a:noFill/>
+                  </a:rPr>
+                  <a:t> </a:t>
+                </a:r>
+              </a:p>
+            </p:txBody>
+          </p:sp>
+        </mc:Fallback>
+      </mc:AlternateContent>
+    </p:spTree>
+    <p:extLst>
+      <p:ext uri="{BB962C8B-B14F-4D97-AF65-F5344CB8AC3E}">
+        <p14:creationId xmlns:p14="http://schemas.microsoft.com/office/powerpoint/2010/main" val="3193431637"/>
+      </p:ext>
+    </p:extLst>
+  </p:cSld>
+  <p:clrMapOvr>
+    <a:masterClrMapping/>
+  </p:clrMapOvr>
+</p:sld>
+</file>
+
+<file path=ppt/slides/slide11.xml><?xml version="1.0" encoding="utf-8"?>
+<p:sld xmlns:a="http://schemas.openxmlformats.org/drawingml/2006/main" xmlns:r="http://schemas.openxmlformats.org/officeDocument/2006/relationships" xmlns:p="http://schemas.openxmlformats.org/presentationml/2006/main">
+  <p:cSld>
+    <p:spTree>
+      <p:nvGrpSpPr>
+        <p:cNvPr id="1" name="">
+          <a:extLst>
+            <a:ext uri="{FF2B5EF4-FFF2-40B4-BE49-F238E27FC236}">
+              <a16:creationId xmlns:a16="http://schemas.microsoft.com/office/drawing/2014/main" id="{A68D3828-A5E4-2ADF-D0C9-8437EF8F18BB}"/>
+            </a:ext>
+          </a:extLst>
+        </p:cNvPr>
+        <p:cNvGrpSpPr/>
+        <p:nvPr/>
+      </p:nvGrpSpPr>
+      <p:grpSpPr>
+        <a:xfrm>
+          <a:off x="0" y="0"/>
+          <a:ext cx="0" cy="0"/>
+          <a:chOff x="0" y="0"/>
+          <a:chExt cx="0" cy="0"/>
+        </a:xfrm>
+      </p:grpSpPr>
+      <p:sp>
+        <p:nvSpPr>
+          <p:cNvPr id="2" name="標題 1">
+            <a:extLst>
+              <a:ext uri="{FF2B5EF4-FFF2-40B4-BE49-F238E27FC236}">
+                <a16:creationId xmlns:a16="http://schemas.microsoft.com/office/drawing/2014/main" id="{3877F22C-9ADA-DE6F-16F1-5CE7C10C2579}"/>
+              </a:ext>
+            </a:extLst>
+          </p:cNvPr>
+          <p:cNvSpPr>
+            <a:spLocks noGrp="1"/>
+          </p:cNvSpPr>
+          <p:nvPr>
+            <p:ph type="title"/>
+          </p:nvPr>
+        </p:nvSpPr>
+        <p:spPr/>
+        <p:txBody>
+          <a:bodyPr/>
+          <a:lstStyle/>
+          <a:p>
+            <a:r>
+              <a:rPr lang="en-US" altLang="zh-TW" dirty="0"/>
+              <a:t>Proposed Algorithm - </a:t>
+            </a:r>
+            <a:r>
+              <a:rPr lang="en-US" altLang="zh-TW" sz="3200" dirty="0" err="1"/>
+              <a:t>StWL</a:t>
+            </a:r>
+            <a:r>
+              <a:rPr lang="en-US" altLang="zh-TW" sz="3200" dirty="0"/>
+              <a:t> Optimization in GP</a:t>
+            </a:r>
+            <a:endParaRPr lang="zh-TW" altLang="en-US" dirty="0"/>
+          </a:p>
+        </p:txBody>
+      </p:sp>
+      <p:sp>
+        <p:nvSpPr>
+          <p:cNvPr id="3" name="內容版面配置區 2">
+            <a:extLst>
+              <a:ext uri="{FF2B5EF4-FFF2-40B4-BE49-F238E27FC236}">
+                <a16:creationId xmlns:a16="http://schemas.microsoft.com/office/drawing/2014/main" id="{D5AA7BD3-8D31-9F36-639F-6AE1D2A0BF34}"/>
+              </a:ext>
+            </a:extLst>
+          </p:cNvPr>
+          <p:cNvSpPr>
+            <a:spLocks noGrp="1"/>
+          </p:cNvSpPr>
+          <p:nvPr>
+            <p:ph idx="1"/>
+          </p:nvPr>
+        </p:nvSpPr>
+        <p:spPr/>
+        <p:txBody>
+          <a:bodyPr>
+            <a:normAutofit/>
+          </a:bodyPr>
+          <a:lstStyle/>
+          <a:p>
+            <a:pPr marL="0" indent="0">
+              <a:buNone/>
+            </a:pPr>
+            <a:r>
+              <a:rPr lang="en-US" altLang="zh-TW" sz="2200" b="1" dirty="0"/>
+              <a:t>(2)</a:t>
+            </a:r>
+            <a:r>
+              <a:rPr lang="zh-TW" altLang="en-US" sz="2200" b="1" dirty="0"/>
+              <a:t>  </a:t>
+            </a:r>
+            <a:r>
+              <a:rPr lang="en-US" altLang="zh-TW" sz="2200" b="1" dirty="0"/>
+              <a:t>RSMT segments division</a:t>
+            </a:r>
+          </a:p>
+          <a:p>
+            <a:pPr marL="0" indent="0">
+              <a:buNone/>
+            </a:pPr>
+            <a:endParaRPr lang="en-US" altLang="zh-TW" sz="400" b="1" dirty="0"/>
+          </a:p>
+          <a:p>
+            <a:pPr lvl="1">
+              <a:lnSpc>
+                <a:spcPct val="150000"/>
+              </a:lnSpc>
+            </a:pPr>
+            <a:r>
+              <a:rPr lang="en-US" altLang="zh-TW" sz="2000" dirty="0">
+                <a:latin typeface="+mj-lt"/>
+              </a:rPr>
+              <a:t>The green arrow is the gradient from the WA wirelength model </a:t>
+            </a:r>
+          </a:p>
+          <a:p>
+            <a:pPr lvl="2">
+              <a:lnSpc>
+                <a:spcPct val="150000"/>
+              </a:lnSpc>
+            </a:pPr>
+            <a:r>
+              <a:rPr lang="en-US" altLang="zh-TW" sz="1600" dirty="0">
+                <a:latin typeface="+mj-lt"/>
+              </a:rPr>
+              <a:t>Computational efficiency.</a:t>
+            </a:r>
+          </a:p>
+          <a:p>
+            <a:pPr lvl="2">
+              <a:lnSpc>
+                <a:spcPct val="150000"/>
+              </a:lnSpc>
+            </a:pPr>
+            <a:r>
+              <a:rPr lang="en-US" altLang="zh-TW" sz="1600" dirty="0">
+                <a:latin typeface="+mj-lt"/>
+              </a:rPr>
+              <a:t>Gradient values and directions are pretty close to those provided by </a:t>
+            </a:r>
+            <a:r>
+              <a:rPr lang="en-US" altLang="zh-TW" sz="1600" dirty="0" err="1">
+                <a:latin typeface="+mj-lt"/>
+              </a:rPr>
+              <a:t>StWL</a:t>
+            </a:r>
+            <a:r>
+              <a:rPr lang="en-US" altLang="zh-TW" sz="1600" dirty="0">
+                <a:latin typeface="+mj-lt"/>
+              </a:rPr>
+              <a:t> model.</a:t>
+            </a:r>
+          </a:p>
+          <a:p>
+            <a:pPr lvl="2">
+              <a:lnSpc>
+                <a:spcPct val="150000"/>
+              </a:lnSpc>
+            </a:pPr>
+            <a:endParaRPr lang="en-US" altLang="zh-TW" sz="500" dirty="0">
+              <a:latin typeface="+mj-lt"/>
+            </a:endParaRPr>
+          </a:p>
+          <a:p>
+            <a:pPr lvl="1">
+              <a:lnSpc>
+                <a:spcPct val="150000"/>
+              </a:lnSpc>
+            </a:pPr>
+            <a:r>
+              <a:rPr lang="en-US" altLang="zh-TW" sz="2000" dirty="0">
+                <a:latin typeface="+mj-lt"/>
+              </a:rPr>
+              <a:t>To avoids a large number of routing topology analyses.</a:t>
+            </a:r>
+          </a:p>
+          <a:p>
+            <a:pPr lvl="2">
+              <a:lnSpc>
+                <a:spcPct val="150000"/>
+              </a:lnSpc>
+            </a:pPr>
+            <a:r>
+              <a:rPr lang="en-US" altLang="zh-TW" sz="1600" dirty="0">
+                <a:latin typeface="+mj-lt"/>
+              </a:rPr>
+              <a:t>The arrows between p3 and vs1, p5 and vs2 in the brown </a:t>
+            </a:r>
+          </a:p>
+          <a:p>
+            <a:pPr marL="914400" lvl="2" indent="0">
+              <a:lnSpc>
+                <a:spcPct val="150000"/>
+              </a:lnSpc>
+              <a:buNone/>
+            </a:pPr>
+            <a:r>
+              <a:rPr lang="en-US" altLang="zh-TW" sz="1600" dirty="0">
+                <a:latin typeface="+mj-lt"/>
+              </a:rPr>
+              <a:t>     box are the inner gradient for this 6-pin net.</a:t>
+            </a:r>
+          </a:p>
+        </p:txBody>
+      </p:sp>
+      <p:sp>
+        <p:nvSpPr>
+          <p:cNvPr id="4" name="投影片編號版面配置區 3">
+            <a:extLst>
+              <a:ext uri="{FF2B5EF4-FFF2-40B4-BE49-F238E27FC236}">
+                <a16:creationId xmlns:a16="http://schemas.microsoft.com/office/drawing/2014/main" id="{CB5CB808-F672-CCA0-9EBD-A275B9A0C14B}"/>
+              </a:ext>
+            </a:extLst>
+          </p:cNvPr>
+          <p:cNvSpPr>
+            <a:spLocks noGrp="1"/>
+          </p:cNvSpPr>
+          <p:nvPr>
+            <p:ph type="sldNum" sz="quarter" idx="12"/>
+          </p:nvPr>
+        </p:nvSpPr>
+        <p:spPr/>
+        <p:txBody>
+          <a:bodyPr/>
+          <a:lstStyle/>
+          <a:p>
+            <a:fld id="{666274A1-CF9C-426A-8DD4-B13ED0C24231}" type="slidenum">
+              <a:rPr lang="en-US" smtClean="0"/>
+              <a:t>10</a:t>
+            </a:fld>
+            <a:endParaRPr lang="en-US"/>
+          </a:p>
+        </p:txBody>
+      </p:sp>
+      <p:grpSp>
+        <p:nvGrpSpPr>
+          <p:cNvPr id="12" name="群組 11">
+            <a:extLst>
+              <a:ext uri="{FF2B5EF4-FFF2-40B4-BE49-F238E27FC236}">
+                <a16:creationId xmlns:a16="http://schemas.microsoft.com/office/drawing/2014/main" id="{B1B6CCF5-575C-0D8F-7E53-DD244EFD98CC}"/>
+              </a:ext>
+            </a:extLst>
+          </p:cNvPr>
+          <p:cNvGrpSpPr/>
+          <p:nvPr/>
+        </p:nvGrpSpPr>
+        <p:grpSpPr>
+          <a:xfrm>
+            <a:off x="7249754" y="4367213"/>
+            <a:ext cx="4597341" cy="2354262"/>
+            <a:chOff x="5308659" y="2993818"/>
+            <a:chExt cx="6233310" cy="3324225"/>
+          </a:xfrm>
+        </p:grpSpPr>
+        <p:pic>
+          <p:nvPicPr>
+            <p:cNvPr id="13" name="圖片 12">
+              <a:extLst>
+                <a:ext uri="{FF2B5EF4-FFF2-40B4-BE49-F238E27FC236}">
+                  <a16:creationId xmlns:a16="http://schemas.microsoft.com/office/drawing/2014/main" id="{9E36AB84-E728-8F68-68CD-54CCFD16CE88}"/>
+                </a:ext>
+              </a:extLst>
+            </p:cNvPr>
+            <p:cNvPicPr>
+              <a:picLocks noChangeAspect="1"/>
+            </p:cNvPicPr>
+            <p:nvPr/>
+          </p:nvPicPr>
+          <p:blipFill rotWithShape="1">
+            <a:blip r:embed="rId3"/>
+            <a:srcRect t="1431"/>
+            <a:stretch/>
+          </p:blipFill>
+          <p:spPr>
+            <a:xfrm>
+              <a:off x="5308659" y="2993818"/>
+              <a:ext cx="6233310" cy="3324225"/>
+            </a:xfrm>
+            <a:prstGeom prst="rect">
+              <a:avLst/>
+            </a:prstGeom>
+          </p:spPr>
+        </p:pic>
+        <p:sp>
+          <p:nvSpPr>
+            <p:cNvPr id="14" name="文字方塊 13">
+              <a:extLst>
+                <a:ext uri="{FF2B5EF4-FFF2-40B4-BE49-F238E27FC236}">
+                  <a16:creationId xmlns:a16="http://schemas.microsoft.com/office/drawing/2014/main" id="{CE5EBA37-AD53-C662-112B-C2B8AE7B60A0}"/>
+                </a:ext>
+              </a:extLst>
+            </p:cNvPr>
+            <p:cNvSpPr txBox="1"/>
+            <p:nvPr/>
+          </p:nvSpPr>
+          <p:spPr>
+            <a:xfrm>
+              <a:off x="6343048" y="3955983"/>
+              <a:ext cx="671979" cy="369332"/>
+            </a:xfrm>
+            <a:prstGeom prst="rect">
+              <a:avLst/>
+            </a:prstGeom>
+            <a:noFill/>
+          </p:spPr>
+          <p:txBody>
+            <a:bodyPr wrap="none" rtlCol="0">
+              <a:spAutoFit/>
+            </a:bodyPr>
+            <a:lstStyle/>
+            <a:p>
+              <a:r>
+                <a:rPr lang="en-US" altLang="zh-TW" dirty="0"/>
+                <a:t>trunk</a:t>
+              </a:r>
+              <a:endParaRPr lang="zh-TW" altLang="en-US" dirty="0"/>
+            </a:p>
+          </p:txBody>
+        </p:sp>
+        <p:sp>
+          <p:nvSpPr>
+            <p:cNvPr id="15" name="文字方塊 14">
+              <a:extLst>
+                <a:ext uri="{FF2B5EF4-FFF2-40B4-BE49-F238E27FC236}">
+                  <a16:creationId xmlns:a16="http://schemas.microsoft.com/office/drawing/2014/main" id="{343F5245-6538-83AB-6BC5-983C35683223}"/>
+                </a:ext>
+              </a:extLst>
+            </p:cNvPr>
+            <p:cNvSpPr txBox="1"/>
+            <p:nvPr/>
+          </p:nvSpPr>
+          <p:spPr>
+            <a:xfrm>
+              <a:off x="6437697" y="4868668"/>
+              <a:ext cx="813043" cy="369332"/>
+            </a:xfrm>
+            <a:prstGeom prst="rect">
+              <a:avLst/>
+            </a:prstGeom>
+            <a:noFill/>
+          </p:spPr>
+          <p:txBody>
+            <a:bodyPr wrap="none" rtlCol="0">
+              <a:spAutoFit/>
+            </a:bodyPr>
+            <a:lstStyle/>
+            <a:p>
+              <a:r>
+                <a:rPr lang="en-US" altLang="zh-TW" dirty="0">
+                  <a:solidFill>
+                    <a:srgbClr val="00B0F0"/>
+                  </a:solidFill>
+                </a:rPr>
+                <a:t>branch</a:t>
+              </a:r>
+              <a:endParaRPr lang="zh-TW" altLang="en-US" dirty="0">
+                <a:solidFill>
+                  <a:srgbClr val="00B0F0"/>
+                </a:solidFill>
+              </a:endParaRPr>
+            </a:p>
+          </p:txBody>
+        </p:sp>
+      </p:grpSp>
+    </p:spTree>
+    <p:extLst>
+      <p:ext uri="{BB962C8B-B14F-4D97-AF65-F5344CB8AC3E}">
+        <p14:creationId xmlns:p14="http://schemas.microsoft.com/office/powerpoint/2010/main" val="3571637749"/>
+      </p:ext>
+    </p:extLst>
+  </p:cSld>
+  <p:clrMapOvr>
+    <a:masterClrMapping/>
+  </p:clrMapOvr>
+</p:sld>
+</file>
+
+<file path=ppt/slides/slide12.xml><?xml version="1.0" encoding="utf-8"?>
+<p:sld xmlns:a="http://schemas.openxmlformats.org/drawingml/2006/main" xmlns:r="http://schemas.openxmlformats.org/officeDocument/2006/relationships" xmlns:p="http://schemas.openxmlformats.org/presentationml/2006/main">
+  <p:cSld>
+    <p:spTree>
+      <p:nvGrpSpPr>
+        <p:cNvPr id="1" name="">
+          <a:extLst>
+            <a:ext uri="{FF2B5EF4-FFF2-40B4-BE49-F238E27FC236}">
+              <a16:creationId xmlns:a16="http://schemas.microsoft.com/office/drawing/2014/main" id="{0B5BB13D-C69E-59A2-05EB-E7F09FD744C5}"/>
+            </a:ext>
+          </a:extLst>
+        </p:cNvPr>
+        <p:cNvGrpSpPr/>
+        <p:nvPr/>
+      </p:nvGrpSpPr>
+      <p:grpSpPr>
+        <a:xfrm>
+          <a:off x="0" y="0"/>
+          <a:ext cx="0" cy="0"/>
+          <a:chOff x="0" y="0"/>
+          <a:chExt cx="0" cy="0"/>
+        </a:xfrm>
+      </p:grpSpPr>
+      <p:sp>
+        <p:nvSpPr>
+          <p:cNvPr id="2" name="標題 1">
+            <a:extLst>
+              <a:ext uri="{FF2B5EF4-FFF2-40B4-BE49-F238E27FC236}">
+                <a16:creationId xmlns:a16="http://schemas.microsoft.com/office/drawing/2014/main" id="{CE70F2C2-4FFD-FF70-69A1-A9422A419CBE}"/>
+              </a:ext>
+            </a:extLst>
+          </p:cNvPr>
+          <p:cNvSpPr>
+            <a:spLocks noGrp="1"/>
+          </p:cNvSpPr>
+          <p:nvPr>
+            <p:ph type="title"/>
+          </p:nvPr>
+        </p:nvSpPr>
+        <p:spPr/>
+        <p:txBody>
+          <a:bodyPr/>
+          <a:lstStyle/>
+          <a:p>
+            <a:r>
+              <a:rPr lang="en-US" altLang="zh-TW" dirty="0"/>
+              <a:t>Proposed Algorithm - </a:t>
+            </a:r>
+            <a:r>
+              <a:rPr lang="en-US" altLang="zh-TW" sz="3200" dirty="0" err="1"/>
+              <a:t>StWL</a:t>
+            </a:r>
+            <a:r>
+              <a:rPr lang="en-US" altLang="zh-TW" sz="3200" dirty="0"/>
+              <a:t> Optimization in GP</a:t>
+            </a:r>
+            <a:endParaRPr lang="zh-TW" altLang="en-US" dirty="0"/>
+          </a:p>
+        </p:txBody>
+      </p:sp>
+      <p:sp>
+        <p:nvSpPr>
+          <p:cNvPr id="3" name="內容版面配置區 2">
+            <a:extLst>
+              <a:ext uri="{FF2B5EF4-FFF2-40B4-BE49-F238E27FC236}">
+                <a16:creationId xmlns:a16="http://schemas.microsoft.com/office/drawing/2014/main" id="{6FEF8CD1-1144-958E-5014-B878C6478857}"/>
+              </a:ext>
+            </a:extLst>
+          </p:cNvPr>
+          <p:cNvSpPr>
+            <a:spLocks noGrp="1"/>
+          </p:cNvSpPr>
+          <p:nvPr>
+            <p:ph idx="1"/>
+          </p:nvPr>
+        </p:nvSpPr>
+        <p:spPr/>
+        <p:txBody>
+          <a:bodyPr>
+            <a:normAutofit/>
+          </a:bodyPr>
+          <a:lstStyle/>
+          <a:p>
+            <a:pPr marL="0" indent="0">
+              <a:buNone/>
+            </a:pPr>
+            <a:r>
+              <a:rPr lang="en-US" altLang="zh-TW" sz="2200" b="1" dirty="0"/>
+              <a:t>(3)</a:t>
+            </a:r>
+            <a:r>
+              <a:rPr lang="zh-TW" altLang="en-US" sz="2200" b="1" dirty="0"/>
+              <a:t>  </a:t>
+            </a:r>
+            <a:r>
+              <a:rPr lang="en-US" altLang="zh-TW" sz="2200" b="1" dirty="0" err="1"/>
+              <a:t>StWL</a:t>
+            </a:r>
+            <a:r>
+              <a:rPr lang="en-US" altLang="zh-TW" sz="2200" b="1" dirty="0"/>
+              <a:t> Optimization in Cell Refinement</a:t>
+            </a:r>
+          </a:p>
+          <a:p>
+            <a:pPr marL="0" indent="0">
+              <a:buNone/>
+            </a:pPr>
+            <a:endParaRPr lang="en-US" altLang="zh-TW" sz="400" b="1" dirty="0"/>
+          </a:p>
+          <a:p>
+            <a:pPr lvl="1">
+              <a:lnSpc>
+                <a:spcPct val="150000"/>
+              </a:lnSpc>
+            </a:pPr>
+            <a:endParaRPr lang="en-US" altLang="zh-TW" sz="1600" dirty="0">
+              <a:latin typeface="+mj-lt"/>
+            </a:endParaRPr>
+          </a:p>
+        </p:txBody>
+      </p:sp>
+      <p:sp>
+        <p:nvSpPr>
+          <p:cNvPr id="4" name="投影片編號版面配置區 3">
+            <a:extLst>
+              <a:ext uri="{FF2B5EF4-FFF2-40B4-BE49-F238E27FC236}">
+                <a16:creationId xmlns:a16="http://schemas.microsoft.com/office/drawing/2014/main" id="{555869EE-00D9-08A8-0A08-F3D5AF564A4E}"/>
+              </a:ext>
+            </a:extLst>
+          </p:cNvPr>
+          <p:cNvSpPr>
+            <a:spLocks noGrp="1"/>
+          </p:cNvSpPr>
+          <p:nvPr>
+            <p:ph type="sldNum" sz="quarter" idx="12"/>
+          </p:nvPr>
+        </p:nvSpPr>
+        <p:spPr/>
+        <p:txBody>
+          <a:bodyPr/>
+          <a:lstStyle/>
+          <a:p>
+            <a:fld id="{666274A1-CF9C-426A-8DD4-B13ED0C24231}" type="slidenum">
+              <a:rPr lang="en-US" smtClean="0"/>
+              <a:t>11</a:t>
+            </a:fld>
+            <a:endParaRPr lang="en-US"/>
+          </a:p>
+        </p:txBody>
+      </p:sp>
+    </p:spTree>
+    <p:extLst>
+      <p:ext uri="{BB962C8B-B14F-4D97-AF65-F5344CB8AC3E}">
+        <p14:creationId xmlns:p14="http://schemas.microsoft.com/office/powerpoint/2010/main" val="3427306375"/>
+      </p:ext>
+    </p:extLst>
+  </p:cSld>
+  <p:clrMapOvr>
+    <a:masterClrMapping/>
+  </p:clrMapOvr>
+</p:sld>
+</file>
+
+<file path=ppt/slides/slide13.xml><?xml version="1.0" encoding="utf-8"?>
+<p:sld xmlns:a="http://schemas.openxmlformats.org/drawingml/2006/main" xmlns:r="http://schemas.openxmlformats.org/officeDocument/2006/relationships" xmlns:p="http://schemas.openxmlformats.org/presentationml/2006/main">
+  <p:cSld>
+    <p:spTree>
+      <p:nvGrpSpPr>
+        <p:cNvPr id="1" name=""/>
+        <p:cNvGrpSpPr/>
+        <p:nvPr/>
+      </p:nvGrpSpPr>
+      <p:grpSpPr>
+        <a:xfrm>
+          <a:off x="0" y="0"/>
+          <a:ext cx="0" cy="0"/>
+          <a:chOff x="0" y="0"/>
+          <a:chExt cx="0" cy="0"/>
+        </a:xfrm>
+      </p:grpSpPr>
+      <p:sp>
+        <p:nvSpPr>
+          <p:cNvPr id="4" name="Slide Number Placeholder 3">
+            <a:extLst>
+              <a:ext uri="{FF2B5EF4-FFF2-40B4-BE49-F238E27FC236}">
+                <a16:creationId xmlns:a16="http://schemas.microsoft.com/office/drawing/2014/main" id="{DB47E6D4-11C1-7FA3-40FD-EC8CC1AC8613}"/>
+              </a:ext>
+            </a:extLst>
+          </p:cNvPr>
+          <p:cNvSpPr>
+            <a:spLocks noGrp="1"/>
+          </p:cNvSpPr>
+          <p:nvPr>
+            <p:ph type="sldNum" sz="quarter" idx="12"/>
+          </p:nvPr>
+        </p:nvSpPr>
+        <p:spPr/>
+        <p:txBody>
+          <a:bodyPr/>
+          <a:lstStyle/>
+          <a:p>
+            <a:fld id="{666274A1-CF9C-426A-8DD4-B13ED0C24231}" type="slidenum">
+              <a:rPr lang="en-US" smtClean="0"/>
+              <a:t>12</a:t>
+            </a:fld>
+            <a:endParaRPr lang="en-US"/>
+          </a:p>
+        </p:txBody>
+      </p:sp>
+      <p:sp>
+        <p:nvSpPr>
+          <p:cNvPr id="5" name="TextBox 4">
+            <a:extLst>
+              <a:ext uri="{FF2B5EF4-FFF2-40B4-BE49-F238E27FC236}">
+                <a16:creationId xmlns:a16="http://schemas.microsoft.com/office/drawing/2014/main" id="{DE342AA9-4E4B-2420-9858-9BBA5A519307}"/>
+              </a:ext>
+            </a:extLst>
+          </p:cNvPr>
+          <p:cNvSpPr txBox="1"/>
+          <p:nvPr/>
+        </p:nvSpPr>
+        <p:spPr>
+          <a:xfrm>
+            <a:off x="2627743" y="2967335"/>
+            <a:ext cx="6936514" cy="923330"/>
+          </a:xfrm>
+          <a:prstGeom prst="rect">
+            <a:avLst/>
+          </a:prstGeom>
+          <a:noFill/>
+        </p:spPr>
+        <p:txBody>
+          <a:bodyPr wrap="none" rtlCol="0">
+            <a:spAutoFit/>
+          </a:bodyPr>
+          <a:lstStyle/>
+          <a:p>
+            <a:r>
+              <a:rPr lang="en-US" altLang="zh-TW" sz="5400" dirty="0">
+                <a:latin typeface="Times" panose="02020603050405020304" pitchFamily="18" charset="0"/>
+                <a:cs typeface="Times" panose="02020603050405020304" pitchFamily="18" charset="0"/>
+              </a:rPr>
+              <a:t>Thank you for listening!</a:t>
+            </a:r>
+            <a:endParaRPr lang="zh-TW" altLang="en-US" sz="5400" dirty="0">
+              <a:latin typeface="Times" panose="02020603050405020304" pitchFamily="18" charset="0"/>
+              <a:cs typeface="Times" panose="02020603050405020304" pitchFamily="18" charset="0"/>
+            </a:endParaRPr>
+          </a:p>
+        </p:txBody>
+      </p:sp>
+    </p:spTree>
+    <p:extLst>
+      <p:ext uri="{BB962C8B-B14F-4D97-AF65-F5344CB8AC3E}">
+        <p14:creationId xmlns:p14="http://schemas.microsoft.com/office/powerpoint/2010/main" val="1947749228"/>
+      </p:ext>
+    </p:extLst>
+  </p:cSld>
+  <p:clrMapOvr>
+    <a:masterClrMapping/>
+  </p:clrMapOvr>
+</p:sld>
+</file>
+
 <file path=ppt/slides/slide2.xml><?xml version="1.0" encoding="utf-8"?>
 <p:sld xmlns:a="http://schemas.openxmlformats.org/drawingml/2006/main" xmlns:r="http://schemas.openxmlformats.org/officeDocument/2006/relationships" xmlns:p="http://schemas.openxmlformats.org/presentationml/2006/main">
   <p:cSld>
@@ -5931,6 +8014,17 @@
             <a:r>
               <a:rPr lang="en-US" altLang="zh-TW" sz="2400" dirty="0"/>
               <a:t>Preliminaries</a:t>
+            </a:r>
+          </a:p>
+          <a:p>
+            <a:pPr>
+              <a:lnSpc>
+                <a:spcPct val="150000"/>
+              </a:lnSpc>
+            </a:pPr>
+            <a:r>
+              <a:rPr lang="en-US" altLang="zh-TW" sz="2400" dirty="0"/>
+              <a:t>Proposed Algorithm</a:t>
             </a:r>
             <a:endParaRPr lang="zh-TW" altLang="en-US" sz="2400" dirty="0"/>
           </a:p>
@@ -6030,8 +8124,8 @@
           </a:p>
         </p:txBody>
       </p:sp>
-      <mc:AlternateContent xmlns:mc="http://schemas.openxmlformats.org/markup-compatibility/2006">
-        <mc:Choice xmlns:a14="http://schemas.microsoft.com/office/drawing/2010/main" Requires="a14">
+      <mc:AlternateContent xmlns:mc="http://schemas.openxmlformats.org/markup-compatibility/2006" xmlns:a14="http://schemas.microsoft.com/office/drawing/2010/main">
+        <mc:Choice Requires="a14">
           <p:sp>
             <p:nvSpPr>
               <p:cNvPr id="3" name="內容版面配置區 2">
@@ -6086,7 +8180,7 @@
                   <m:oMath xmlns:m="http://schemas.openxmlformats.org/officeDocument/2006/math">
                     <m:r>
                       <a:rPr lang="en-US" altLang="zh-TW" sz="2200" i="1" smtClean="0">
-                        <a:latin typeface="+mj-lt"/>
+                        <a:latin typeface="Cambria Math" panose="02040503050406030204" pitchFamily="18" charset="0"/>
                         <a:ea typeface="Cambria Math" panose="02040503050406030204" pitchFamily="18" charset="0"/>
                       </a:rPr>
                       <m:t>≥</m:t>
@@ -6222,7 +8316,7 @@
             </p:txBody>
           </p:sp>
         </mc:Choice>
-        <mc:Fallback>
+        <mc:Fallback xmlns="">
           <p:sp>
             <p:nvSpPr>
               <p:cNvPr id="3" name="內容版面配置區 2">
@@ -6729,11 +8823,11 @@
           <a:p>
             <a:r>
               <a:rPr lang="en-US" altLang="zh-TW" dirty="0"/>
-              <a:t>Preliminaries </a:t>
+              <a:t>Preliminaries -</a:t>
             </a:r>
             <a:r>
               <a:rPr lang="en-US" altLang="zh-TW" sz="4000" dirty="0"/>
-              <a:t>- </a:t>
+              <a:t> </a:t>
             </a:r>
             <a:r>
               <a:rPr lang="en-US" altLang="zh-TW" sz="3200" dirty="0"/>
@@ -6926,8 +9020,8 @@
           </a:p>
         </p:txBody>
       </p:sp>
-      <mc:AlternateContent xmlns:mc="http://schemas.openxmlformats.org/markup-compatibility/2006">
-        <mc:Choice xmlns:a14="http://schemas.microsoft.com/office/drawing/2010/main" Requires="a14">
+      <mc:AlternateContent xmlns:mc="http://schemas.openxmlformats.org/markup-compatibility/2006" xmlns:a14="http://schemas.microsoft.com/office/drawing/2010/main">
+        <mc:Choice Requires="a14">
           <p:sp>
             <p:nvSpPr>
               <p:cNvPr id="3" name="內容版面配置區 2">
@@ -7429,7 +9523,7 @@
             </p:txBody>
           </p:sp>
         </mc:Choice>
-        <mc:Fallback>
+        <mc:Fallback xmlns="">
           <p:sp>
             <p:nvSpPr>
               <p:cNvPr id="3" name="內容版面配置區 2">
@@ -7532,8 +9626,8 @@
           </a:prstGeom>
         </p:spPr>
       </p:pic>
-      <mc:AlternateContent xmlns:mc="http://schemas.openxmlformats.org/markup-compatibility/2006">
-        <mc:Choice xmlns:a14="http://schemas.microsoft.com/office/drawing/2010/main" Requires="a14">
+      <mc:AlternateContent xmlns:mc="http://schemas.openxmlformats.org/markup-compatibility/2006" xmlns:a14="http://schemas.microsoft.com/office/drawing/2010/main">
+        <mc:Choice Requires="a14">
           <p:sp>
             <p:nvSpPr>
               <p:cNvPr id="9" name="文字方塊 8">
@@ -7567,6 +9661,7 @@
               </a:bodyPr>
               <a:lstStyle/>
               <a:p>
+                <a:pPr/>
                 <a14:m>
                   <m:oMathPara xmlns:m="http://schemas.openxmlformats.org/officeDocument/2006/math">
                     <m:oMathParaPr>
@@ -7593,6 +9688,7 @@
                 </a:endParaRPr>
               </a:p>
               <a:p>
+                <a:pPr/>
                 <a14:m>
                   <m:oMathPara xmlns:m="http://schemas.openxmlformats.org/officeDocument/2006/math">
                     <m:oMathParaPr>
@@ -7615,13 +9711,13 @@
                         <a:rPr lang="en-US" altLang="zh-TW" sz="1600" b="0" i="1" smtClean="0">
                           <a:latin typeface="Cambria Math" panose="02040503050406030204" pitchFamily="18" charset="0"/>
                         </a:rPr>
-                        <m:t>𝑚𝑎𝑥𝑡</m:t>
+                        <m:t>𝑚𝑎𝑥𝑡𝑒</m:t>
                       </m:r>
                       <m:r>
                         <a:rPr lang="en-US" altLang="zh-TW" sz="1600" i="1">
                           <a:latin typeface="Cambria Math" panose="02040503050406030204" pitchFamily="18" charset="0"/>
                         </a:rPr>
-                        <m:t>𝑒𝑟𝑚</m:t>
+                        <m:t>𝑟𝑚</m:t>
                       </m:r>
                       <m:r>
                         <a:rPr lang="en-US" altLang="zh-TW" sz="1600" i="1">
@@ -7678,7 +9774,7 @@
             </p:txBody>
           </p:sp>
         </mc:Choice>
-        <mc:Fallback>
+        <mc:Fallback xmlns="">
           <p:sp>
             <p:nvSpPr>
               <p:cNvPr id="9" name="文字方塊 8">
@@ -7728,8 +9824,8 @@
           </p:sp>
         </mc:Fallback>
       </mc:AlternateContent>
-      <mc:AlternateContent xmlns:mc="http://schemas.openxmlformats.org/markup-compatibility/2006">
-        <mc:Choice xmlns:a14="http://schemas.microsoft.com/office/drawing/2010/main" Requires="a14">
+      <mc:AlternateContent xmlns:mc="http://schemas.openxmlformats.org/markup-compatibility/2006" xmlns:a14="http://schemas.microsoft.com/office/drawing/2010/main">
+        <mc:Choice Requires="a14">
           <p:sp>
             <p:nvSpPr>
               <p:cNvPr id="10" name="文字方塊 9">
@@ -7763,6 +9859,7 @@
               </a:bodyPr>
               <a:lstStyle/>
               <a:p>
+                <a:pPr/>
                 <a14:m>
                   <m:oMathPara xmlns:m="http://schemas.openxmlformats.org/officeDocument/2006/math">
                     <m:oMathParaPr>
@@ -7789,6 +9886,7 @@
                 </a:endParaRPr>
               </a:p>
               <a:p>
+                <a:pPr/>
                 <a14:m>
                   <m:oMathPara xmlns:m="http://schemas.openxmlformats.org/officeDocument/2006/math">
                     <m:oMathParaPr>
@@ -7811,13 +9909,13 @@
                         <a:rPr lang="en-US" altLang="zh-TW" sz="1600" b="0" i="1" smtClean="0">
                           <a:latin typeface="Cambria Math" panose="02040503050406030204" pitchFamily="18" charset="0"/>
                         </a:rPr>
-                        <m:t>𝑚𝑖𝑛𝑡</m:t>
+                        <m:t>𝑚𝑖𝑛𝑡𝑒</m:t>
                       </m:r>
                       <m:r>
                         <a:rPr lang="en-US" altLang="zh-TW" sz="1600" i="1">
                           <a:latin typeface="Cambria Math" panose="02040503050406030204" pitchFamily="18" charset="0"/>
                         </a:rPr>
-                        <m:t>𝑒𝑟𝑚</m:t>
+                        <m:t>𝑟𝑚</m:t>
                       </m:r>
                       <m:r>
                         <a:rPr lang="en-US" altLang="zh-TW" sz="1600" i="1">
@@ -7874,7 +9972,7 @@
             </p:txBody>
           </p:sp>
         </mc:Choice>
-        <mc:Fallback>
+        <mc:Fallback xmlns="">
           <p:sp>
             <p:nvSpPr>
               <p:cNvPr id="10" name="文字方塊 9">
@@ -7956,10 +10054,160 @@
       </p:grpSpPr>
       <p:sp>
         <p:nvSpPr>
-          <p:cNvPr id="4" name="Slide Number Placeholder 3">
-            <a:extLst>
-              <a:ext uri="{FF2B5EF4-FFF2-40B4-BE49-F238E27FC236}">
-                <a16:creationId xmlns:a16="http://schemas.microsoft.com/office/drawing/2014/main" id="{DB47E6D4-11C1-7FA3-40FD-EC8CC1AC8613}"/>
+          <p:cNvPr id="2" name="標題 1">
+            <a:extLst>
+              <a:ext uri="{FF2B5EF4-FFF2-40B4-BE49-F238E27FC236}">
+                <a16:creationId xmlns:a16="http://schemas.microsoft.com/office/drawing/2014/main" id="{0F831D18-68BA-6CAD-A135-082A87612D6A}"/>
+              </a:ext>
+            </a:extLst>
+          </p:cNvPr>
+          <p:cNvSpPr>
+            <a:spLocks noGrp="1"/>
+          </p:cNvSpPr>
+          <p:nvPr>
+            <p:ph type="title"/>
+          </p:nvPr>
+        </p:nvSpPr>
+        <p:spPr/>
+        <p:txBody>
+          <a:bodyPr/>
+          <a:lstStyle/>
+          <a:p>
+            <a:r>
+              <a:rPr lang="en-US" altLang="zh-TW" dirty="0"/>
+              <a:t>Preliminaries - </a:t>
+            </a:r>
+            <a:r>
+              <a:rPr lang="en-US" altLang="zh-TW" sz="3200" dirty="0"/>
+              <a:t>Analysis of HPWL &amp; RSMT Topology</a:t>
+            </a:r>
+            <a:endParaRPr lang="zh-TW" altLang="en-US" dirty="0"/>
+          </a:p>
+        </p:txBody>
+      </p:sp>
+      <p:sp>
+        <p:nvSpPr>
+          <p:cNvPr id="3" name="內容版面配置區 2">
+            <a:extLst>
+              <a:ext uri="{FF2B5EF4-FFF2-40B4-BE49-F238E27FC236}">
+                <a16:creationId xmlns:a16="http://schemas.microsoft.com/office/drawing/2014/main" id="{2616D49B-78C3-75F7-F9AE-BEAE9208777F}"/>
+              </a:ext>
+            </a:extLst>
+          </p:cNvPr>
+          <p:cNvSpPr>
+            <a:spLocks noGrp="1"/>
+          </p:cNvSpPr>
+          <p:nvPr>
+            <p:ph idx="1"/>
+          </p:nvPr>
+        </p:nvSpPr>
+        <p:spPr>
+          <a:xfrm>
+            <a:off x="838200" y="1620000"/>
+            <a:ext cx="10515600" cy="4351338"/>
+          </a:xfrm>
+        </p:spPr>
+        <p:txBody>
+          <a:bodyPr>
+            <a:normAutofit/>
+          </a:bodyPr>
+          <a:lstStyle/>
+          <a:p>
+            <a:pPr>
+              <a:lnSpc>
+                <a:spcPct val="150000"/>
+              </a:lnSpc>
+            </a:pPr>
+            <a:r>
+              <a:rPr lang="en-US" altLang="zh-TW" sz="2200" dirty="0"/>
+              <a:t>HPWL model ignores the distribution of interior points, thus losing  track of the practical gradient guidance.</a:t>
+            </a:r>
+          </a:p>
+          <a:p>
+            <a:pPr>
+              <a:lnSpc>
+                <a:spcPct val="150000"/>
+              </a:lnSpc>
+            </a:pPr>
+            <a:r>
+              <a:rPr lang="en-US" altLang="zh-TW" sz="2200" dirty="0"/>
+              <a:t>Trunks:</a:t>
+            </a:r>
+          </a:p>
+          <a:p>
+            <a:pPr lvl="1">
+              <a:lnSpc>
+                <a:spcPct val="100000"/>
+              </a:lnSpc>
+            </a:pPr>
+            <a:r>
+              <a:rPr lang="en-US" altLang="zh-TW" sz="1800" dirty="0"/>
+              <a:t>Directly connected to the input and </a:t>
+            </a:r>
+          </a:p>
+          <a:p>
+            <a:pPr marL="457200" lvl="1" indent="0">
+              <a:lnSpc>
+                <a:spcPct val="100000"/>
+              </a:lnSpc>
+              <a:buNone/>
+            </a:pPr>
+            <a:r>
+              <a:rPr lang="en-US" altLang="zh-TW" sz="1800" dirty="0"/>
+              <a:t>    output pins (Physical pins).</a:t>
+            </a:r>
+          </a:p>
+          <a:p>
+            <a:pPr>
+              <a:lnSpc>
+                <a:spcPct val="150000"/>
+              </a:lnSpc>
+            </a:pPr>
+            <a:r>
+              <a:rPr lang="en-US" altLang="zh-TW" sz="2200" dirty="0"/>
+              <a:t>Branches:</a:t>
+            </a:r>
+          </a:p>
+          <a:p>
+            <a:pPr lvl="1">
+              <a:lnSpc>
+                <a:spcPct val="100000"/>
+              </a:lnSpc>
+            </a:pPr>
+            <a:r>
+              <a:rPr lang="en-US" altLang="zh-TW" sz="1800" dirty="0"/>
+              <a:t>The remaining part composed </a:t>
+            </a:r>
+          </a:p>
+          <a:p>
+            <a:pPr marL="457200" lvl="1" indent="0">
+              <a:lnSpc>
+                <a:spcPct val="100000"/>
+              </a:lnSpc>
+              <a:buNone/>
+            </a:pPr>
+            <a:r>
+              <a:rPr lang="en-US" altLang="zh-TW" sz="1800" dirty="0"/>
+              <a:t>    of Steiner points.</a:t>
+            </a:r>
+          </a:p>
+          <a:p>
+            <a:pPr marL="457200" lvl="1" indent="0">
+              <a:lnSpc>
+                <a:spcPct val="100000"/>
+              </a:lnSpc>
+              <a:buNone/>
+            </a:pPr>
+            <a:endParaRPr lang="en-US" altLang="zh-TW" sz="1800" dirty="0"/>
+          </a:p>
+        </p:txBody>
+      </p:sp>
+      <p:sp>
+        <p:nvSpPr>
+          <p:cNvPr id="4" name="投影片編號版面配置區 3">
+            <a:extLst>
+              <a:ext uri="{FF2B5EF4-FFF2-40B4-BE49-F238E27FC236}">
+                <a16:creationId xmlns:a16="http://schemas.microsoft.com/office/drawing/2014/main" id="{6767C877-A462-E6C9-6768-ABD5B2CBADBD}"/>
               </a:ext>
             </a:extLst>
           </p:cNvPr>
@@ -7979,16 +10227,722 @@
               <a:rPr lang="en-US" smtClean="0"/>
               <a:t>6</a:t>
             </a:fld>
+            <a:endParaRPr lang="en-US" dirty="0"/>
+          </a:p>
+        </p:txBody>
+      </p:sp>
+      <p:grpSp>
+        <p:nvGrpSpPr>
+          <p:cNvPr id="9" name="群組 8">
+            <a:extLst>
+              <a:ext uri="{FF2B5EF4-FFF2-40B4-BE49-F238E27FC236}">
+                <a16:creationId xmlns:a16="http://schemas.microsoft.com/office/drawing/2014/main" id="{0583B00F-ADB0-E79E-3CEC-03D11515ED74}"/>
+              </a:ext>
+            </a:extLst>
+          </p:cNvPr>
+          <p:cNvGrpSpPr/>
+          <p:nvPr/>
+        </p:nvGrpSpPr>
+        <p:grpSpPr>
+          <a:xfrm>
+            <a:off x="5308659" y="2945563"/>
+            <a:ext cx="6233310" cy="3372480"/>
+            <a:chOff x="5308659" y="2945563"/>
+            <a:chExt cx="6233310" cy="3372480"/>
+          </a:xfrm>
+        </p:grpSpPr>
+        <p:pic>
+          <p:nvPicPr>
+            <p:cNvPr id="6" name="圖片 5">
+              <a:extLst>
+                <a:ext uri="{FF2B5EF4-FFF2-40B4-BE49-F238E27FC236}">
+                  <a16:creationId xmlns:a16="http://schemas.microsoft.com/office/drawing/2014/main" id="{70B81346-50B0-EEC4-33DE-88425CC133EE}"/>
+                </a:ext>
+              </a:extLst>
+            </p:cNvPr>
+            <p:cNvPicPr>
+              <a:picLocks noChangeAspect="1"/>
+            </p:cNvPicPr>
+            <p:nvPr/>
+          </p:nvPicPr>
+          <p:blipFill>
+            <a:blip r:embed="rId3"/>
+            <a:stretch>
+              <a:fillRect/>
+            </a:stretch>
+          </p:blipFill>
+          <p:spPr>
+            <a:xfrm>
+              <a:off x="5308659" y="2945563"/>
+              <a:ext cx="6233310" cy="3372480"/>
+            </a:xfrm>
+            <a:prstGeom prst="rect">
+              <a:avLst/>
+            </a:prstGeom>
+          </p:spPr>
+        </p:pic>
+        <p:sp>
+          <p:nvSpPr>
+            <p:cNvPr id="7" name="文字方塊 6">
+              <a:extLst>
+                <a:ext uri="{FF2B5EF4-FFF2-40B4-BE49-F238E27FC236}">
+                  <a16:creationId xmlns:a16="http://schemas.microsoft.com/office/drawing/2014/main" id="{A2175001-EDDA-6079-E69D-17656E90EE9D}"/>
+                </a:ext>
+              </a:extLst>
+            </p:cNvPr>
+            <p:cNvSpPr txBox="1"/>
+            <p:nvPr/>
+          </p:nvSpPr>
+          <p:spPr>
+            <a:xfrm>
+              <a:off x="6343048" y="3955983"/>
+              <a:ext cx="671979" cy="369332"/>
+            </a:xfrm>
+            <a:prstGeom prst="rect">
+              <a:avLst/>
+            </a:prstGeom>
+            <a:noFill/>
+          </p:spPr>
+          <p:txBody>
+            <a:bodyPr wrap="none" rtlCol="0">
+              <a:spAutoFit/>
+            </a:bodyPr>
+            <a:lstStyle/>
+            <a:p>
+              <a:r>
+                <a:rPr lang="en-US" altLang="zh-TW" dirty="0"/>
+                <a:t>trunk</a:t>
+              </a:r>
+              <a:endParaRPr lang="zh-TW" altLang="en-US" dirty="0"/>
+            </a:p>
+          </p:txBody>
+        </p:sp>
+        <p:sp>
+          <p:nvSpPr>
+            <p:cNvPr id="8" name="文字方塊 7">
+              <a:extLst>
+                <a:ext uri="{FF2B5EF4-FFF2-40B4-BE49-F238E27FC236}">
+                  <a16:creationId xmlns:a16="http://schemas.microsoft.com/office/drawing/2014/main" id="{E36D7AA6-E736-FAD2-6BD1-9600EDAEA6D2}"/>
+                </a:ext>
+              </a:extLst>
+            </p:cNvPr>
+            <p:cNvSpPr txBox="1"/>
+            <p:nvPr/>
+          </p:nvSpPr>
+          <p:spPr>
+            <a:xfrm>
+              <a:off x="6437697" y="4868668"/>
+              <a:ext cx="813043" cy="369332"/>
+            </a:xfrm>
+            <a:prstGeom prst="rect">
+              <a:avLst/>
+            </a:prstGeom>
+            <a:noFill/>
+          </p:spPr>
+          <p:txBody>
+            <a:bodyPr wrap="none" rtlCol="0">
+              <a:spAutoFit/>
+            </a:bodyPr>
+            <a:lstStyle/>
+            <a:p>
+              <a:r>
+                <a:rPr lang="en-US" altLang="zh-TW" dirty="0">
+                  <a:solidFill>
+                    <a:srgbClr val="00B0F0"/>
+                  </a:solidFill>
+                </a:rPr>
+                <a:t>branch</a:t>
+              </a:r>
+              <a:endParaRPr lang="zh-TW" altLang="en-US" dirty="0">
+                <a:solidFill>
+                  <a:srgbClr val="00B0F0"/>
+                </a:solidFill>
+              </a:endParaRPr>
+            </a:p>
+          </p:txBody>
+        </p:sp>
+      </p:grpSp>
+    </p:spTree>
+    <p:extLst>
+      <p:ext uri="{BB962C8B-B14F-4D97-AF65-F5344CB8AC3E}">
+        <p14:creationId xmlns:p14="http://schemas.microsoft.com/office/powerpoint/2010/main" val="1285625215"/>
+      </p:ext>
+    </p:extLst>
+  </p:cSld>
+  <p:clrMapOvr>
+    <a:masterClrMapping/>
+  </p:clrMapOvr>
+</p:sld>
+</file>
+
+<file path=ppt/slides/slide8.xml><?xml version="1.0" encoding="utf-8"?>
+<p:sld xmlns:a="http://schemas.openxmlformats.org/drawingml/2006/main" xmlns:r="http://schemas.openxmlformats.org/officeDocument/2006/relationships" xmlns:p="http://schemas.openxmlformats.org/presentationml/2006/main">
+  <p:cSld>
+    <p:spTree>
+      <p:nvGrpSpPr>
+        <p:cNvPr id="1" name=""/>
+        <p:cNvGrpSpPr/>
+        <p:nvPr/>
+      </p:nvGrpSpPr>
+      <p:grpSpPr>
+        <a:xfrm>
+          <a:off x="0" y="0"/>
+          <a:ext cx="0" cy="0"/>
+          <a:chOff x="0" y="0"/>
+          <a:chExt cx="0" cy="0"/>
+        </a:xfrm>
+      </p:grpSpPr>
+      <p:sp>
+        <p:nvSpPr>
+          <p:cNvPr id="2" name="標題 1">
+            <a:extLst>
+              <a:ext uri="{FF2B5EF4-FFF2-40B4-BE49-F238E27FC236}">
+                <a16:creationId xmlns:a16="http://schemas.microsoft.com/office/drawing/2014/main" id="{E3186F28-1D48-455C-350F-1CFBF2EA6D4C}"/>
+              </a:ext>
+            </a:extLst>
+          </p:cNvPr>
+          <p:cNvSpPr>
+            <a:spLocks noGrp="1"/>
+          </p:cNvSpPr>
+          <p:nvPr>
+            <p:ph type="title"/>
+          </p:nvPr>
+        </p:nvSpPr>
+        <p:spPr/>
+        <p:txBody>
+          <a:bodyPr/>
+          <a:lstStyle/>
+          <a:p>
+            <a:r>
+              <a:rPr lang="en-US" altLang="zh-TW" dirty="0"/>
+              <a:t>Proposed Algorithm</a:t>
+            </a:r>
+            <a:endParaRPr lang="zh-TW" altLang="en-US" dirty="0"/>
+          </a:p>
+        </p:txBody>
+      </p:sp>
+      <p:sp>
+        <p:nvSpPr>
+          <p:cNvPr id="3" name="內容版面配置區 2">
+            <a:extLst>
+              <a:ext uri="{FF2B5EF4-FFF2-40B4-BE49-F238E27FC236}">
+                <a16:creationId xmlns:a16="http://schemas.microsoft.com/office/drawing/2014/main" id="{515AC8EE-FBDF-D8D3-470A-E5B02B96A3C4}"/>
+              </a:ext>
+            </a:extLst>
+          </p:cNvPr>
+          <p:cNvSpPr>
+            <a:spLocks noGrp="1"/>
+          </p:cNvSpPr>
+          <p:nvPr>
+            <p:ph idx="1"/>
+          </p:nvPr>
+        </p:nvSpPr>
+        <p:spPr/>
+        <p:txBody>
+          <a:bodyPr>
+            <a:normAutofit/>
+          </a:bodyPr>
+          <a:lstStyle/>
+          <a:p>
+            <a:pPr marL="514350" indent="-514350">
+              <a:buFont typeface="+mj-lt"/>
+              <a:buAutoNum type="alphaUcPeriod"/>
+            </a:pPr>
+            <a:r>
+              <a:rPr lang="en-US" altLang="zh-TW" sz="2000" dirty="0" err="1"/>
+              <a:t>StWL</a:t>
+            </a:r>
+            <a:r>
+              <a:rPr lang="en-US" altLang="zh-TW" sz="2000" dirty="0"/>
+              <a:t> Optimization in Global Placement.</a:t>
+            </a:r>
+          </a:p>
+          <a:p>
+            <a:pPr marL="0" indent="0">
+              <a:buNone/>
+            </a:pPr>
+            <a:endParaRPr lang="en-US" altLang="zh-TW" sz="2200" dirty="0"/>
+          </a:p>
+          <a:p>
+            <a:pPr marL="457200" indent="-457200">
+              <a:buFont typeface="+mj-lt"/>
+              <a:buAutoNum type="alphaUcPeriod" startAt="2"/>
+            </a:pPr>
+            <a:r>
+              <a:rPr lang="en-US" altLang="zh-TW" sz="2000" dirty="0"/>
+              <a:t> </a:t>
+            </a:r>
+            <a:r>
+              <a:rPr lang="en-US" altLang="zh-TW" sz="2000" dirty="0" err="1"/>
+              <a:t>StWL</a:t>
+            </a:r>
+            <a:r>
+              <a:rPr lang="en-US" altLang="zh-TW" sz="2000" dirty="0"/>
+              <a:t> Optimization in Cell Refinement.</a:t>
+            </a:r>
+            <a:endParaRPr lang="zh-TW" altLang="en-US" sz="2000" dirty="0"/>
+          </a:p>
+        </p:txBody>
+      </p:sp>
+      <p:sp>
+        <p:nvSpPr>
+          <p:cNvPr id="4" name="投影片編號版面配置區 3">
+            <a:extLst>
+              <a:ext uri="{FF2B5EF4-FFF2-40B4-BE49-F238E27FC236}">
+                <a16:creationId xmlns:a16="http://schemas.microsoft.com/office/drawing/2014/main" id="{9BB63E83-31A6-38EE-9E71-A7B0D38B2584}"/>
+              </a:ext>
+            </a:extLst>
+          </p:cNvPr>
+          <p:cNvSpPr>
+            <a:spLocks noGrp="1"/>
+          </p:cNvSpPr>
+          <p:nvPr>
+            <p:ph type="sldNum" sz="quarter" idx="12"/>
+          </p:nvPr>
+        </p:nvSpPr>
+        <p:spPr/>
+        <p:txBody>
+          <a:bodyPr/>
+          <a:lstStyle/>
+          <a:p>
+            <a:fld id="{666274A1-CF9C-426A-8DD4-B13ED0C24231}" type="slidenum">
+              <a:rPr lang="en-US" smtClean="0"/>
+              <a:t>7</a:t>
+            </a:fld>
             <a:endParaRPr lang="en-US"/>
           </a:p>
         </p:txBody>
       </p:sp>
-      <p:sp>
-        <p:nvSpPr>
-          <p:cNvPr id="5" name="TextBox 4">
-            <a:extLst>
-              <a:ext uri="{FF2B5EF4-FFF2-40B4-BE49-F238E27FC236}">
-                <a16:creationId xmlns:a16="http://schemas.microsoft.com/office/drawing/2014/main" id="{DE342AA9-4E4B-2420-9858-9BBA5A519307}"/>
+      <p:pic>
+        <p:nvPicPr>
+          <p:cNvPr id="6" name="圖片 5">
+            <a:extLst>
+              <a:ext uri="{FF2B5EF4-FFF2-40B4-BE49-F238E27FC236}">
+                <a16:creationId xmlns:a16="http://schemas.microsoft.com/office/drawing/2014/main" id="{64035916-CA11-CA2F-EB5C-56038A6AF8CE}"/>
+              </a:ext>
+            </a:extLst>
+          </p:cNvPr>
+          <p:cNvPicPr>
+            <a:picLocks noChangeAspect="1"/>
+          </p:cNvPicPr>
+          <p:nvPr/>
+        </p:nvPicPr>
+        <p:blipFill>
+          <a:blip r:embed="rId3"/>
+          <a:stretch>
+            <a:fillRect/>
+          </a:stretch>
+        </p:blipFill>
+        <p:spPr>
+          <a:xfrm>
+            <a:off x="5826551" y="365125"/>
+            <a:ext cx="5781516" cy="6040181"/>
+          </a:xfrm>
+          <a:prstGeom prst="rect">
+            <a:avLst/>
+          </a:prstGeom>
+        </p:spPr>
+      </p:pic>
+    </p:spTree>
+    <p:extLst>
+      <p:ext uri="{BB962C8B-B14F-4D97-AF65-F5344CB8AC3E}">
+        <p14:creationId xmlns:p14="http://schemas.microsoft.com/office/powerpoint/2010/main" val="2460374186"/>
+      </p:ext>
+    </p:extLst>
+  </p:cSld>
+  <p:clrMapOvr>
+    <a:masterClrMapping/>
+  </p:clrMapOvr>
+</p:sld>
+</file>
+
+<file path=ppt/slides/slide9.xml><?xml version="1.0" encoding="utf-8"?>
+<p:sld xmlns:a="http://schemas.openxmlformats.org/drawingml/2006/main" xmlns:r="http://schemas.openxmlformats.org/officeDocument/2006/relationships" xmlns:p="http://schemas.openxmlformats.org/presentationml/2006/main">
+  <p:cSld>
+    <p:spTree>
+      <p:nvGrpSpPr>
+        <p:cNvPr id="1" name=""/>
+        <p:cNvGrpSpPr/>
+        <p:nvPr/>
+      </p:nvGrpSpPr>
+      <p:grpSpPr>
+        <a:xfrm>
+          <a:off x="0" y="0"/>
+          <a:ext cx="0" cy="0"/>
+          <a:chOff x="0" y="0"/>
+          <a:chExt cx="0" cy="0"/>
+        </a:xfrm>
+      </p:grpSpPr>
+      <p:sp>
+        <p:nvSpPr>
+          <p:cNvPr id="2" name="標題 1">
+            <a:extLst>
+              <a:ext uri="{FF2B5EF4-FFF2-40B4-BE49-F238E27FC236}">
+                <a16:creationId xmlns:a16="http://schemas.microsoft.com/office/drawing/2014/main" id="{F6F8B13A-2133-AFE8-53EF-3B87CF15EB2C}"/>
+              </a:ext>
+            </a:extLst>
+          </p:cNvPr>
+          <p:cNvSpPr>
+            <a:spLocks noGrp="1"/>
+          </p:cNvSpPr>
+          <p:nvPr>
+            <p:ph type="title"/>
+          </p:nvPr>
+        </p:nvSpPr>
+        <p:spPr/>
+        <p:txBody>
+          <a:bodyPr/>
+          <a:lstStyle/>
+          <a:p>
+            <a:r>
+              <a:rPr lang="en-US" altLang="zh-TW" dirty="0"/>
+              <a:t>Proposed Algorithm - </a:t>
+            </a:r>
+            <a:r>
+              <a:rPr lang="en-US" altLang="zh-TW" sz="3200" dirty="0" err="1"/>
+              <a:t>StWL</a:t>
+            </a:r>
+            <a:r>
+              <a:rPr lang="en-US" altLang="zh-TW" sz="3200" dirty="0"/>
+              <a:t> Optimization in GP</a:t>
+            </a:r>
+            <a:endParaRPr lang="zh-TW" altLang="en-US" dirty="0"/>
+          </a:p>
+        </p:txBody>
+      </p:sp>
+      <mc:AlternateContent xmlns:mc="http://schemas.openxmlformats.org/markup-compatibility/2006">
+        <mc:Choice xmlns:a14="http://schemas.microsoft.com/office/drawing/2010/main" Requires="a14">
+          <p:sp>
+            <p:nvSpPr>
+              <p:cNvPr id="3" name="內容版面配置區 2">
+                <a:extLst>
+                  <a:ext uri="{FF2B5EF4-FFF2-40B4-BE49-F238E27FC236}">
+                    <a16:creationId xmlns:a16="http://schemas.microsoft.com/office/drawing/2014/main" id="{30191587-EE37-4405-867D-9259B59A6461}"/>
+                  </a:ext>
+                </a:extLst>
+              </p:cNvPr>
+              <p:cNvSpPr>
+                <a:spLocks noGrp="1"/>
+              </p:cNvSpPr>
+              <p:nvPr>
+                <p:ph idx="1"/>
+              </p:nvPr>
+            </p:nvSpPr>
+            <p:spPr/>
+            <p:txBody>
+              <a:bodyPr>
+                <a:normAutofit/>
+              </a:bodyPr>
+              <a:lstStyle/>
+              <a:p>
+                <a:pPr marL="457200" indent="-457200">
+                  <a:buAutoNum type="arabicParenBoth"/>
+                </a:pPr>
+                <a:r>
+                  <a:rPr lang="en-US" altLang="zh-TW" sz="2200" b="1" dirty="0"/>
+                  <a:t>Differentiable </a:t>
+                </a:r>
+                <a:r>
+                  <a:rPr lang="en-US" altLang="zh-TW" sz="2200" b="1" dirty="0" err="1"/>
+                  <a:t>StWL</a:t>
+                </a:r>
+                <a:r>
+                  <a:rPr lang="en-US" altLang="zh-TW" sz="2200" b="1" dirty="0"/>
+                  <a:t> Approximation</a:t>
+                </a:r>
+              </a:p>
+              <a:p>
+                <a:pPr marL="0" indent="0">
+                  <a:buNone/>
+                </a:pPr>
+                <a:endParaRPr lang="en-US" altLang="zh-TW" sz="400" b="1" i="1" dirty="0">
+                  <a:latin typeface="Cambria Math" panose="02040503050406030204" pitchFamily="18" charset="0"/>
+                </a:endParaRPr>
+              </a:p>
+              <a:p>
+                <a:pPr lvl="1">
+                  <a:lnSpc>
+                    <a:spcPct val="150000"/>
+                  </a:lnSpc>
+                </a:pPr>
+                <a14:m>
+                  <m:oMath xmlns:m="http://schemas.openxmlformats.org/officeDocument/2006/math">
+                    <m:r>
+                      <a:rPr lang="en-US" altLang="zh-TW" sz="2000" b="0" i="1" smtClean="0">
+                        <a:latin typeface="Cambria Math" panose="02040503050406030204" pitchFamily="18" charset="0"/>
+                      </a:rPr>
+                      <m:t>𝑆𝑡𝑊𝐿</m:t>
+                    </m:r>
+                    <m:d>
+                      <m:dPr>
+                        <m:ctrlPr>
+                          <a:rPr lang="en-US" altLang="zh-TW" sz="2000" i="1" smtClean="0">
+                            <a:latin typeface="Cambria Math" panose="02040503050406030204" pitchFamily="18" charset="0"/>
+                          </a:rPr>
+                        </m:ctrlPr>
+                      </m:dPr>
+                      <m:e>
+                        <m:r>
+                          <a:rPr lang="en-US" altLang="zh-TW" sz="2000" b="0" i="1" smtClean="0">
+                            <a:latin typeface="Cambria Math" panose="02040503050406030204" pitchFamily="18" charset="0"/>
+                          </a:rPr>
+                          <m:t>𝑒</m:t>
+                        </m:r>
+                      </m:e>
+                    </m:d>
+                    <m:r>
+                      <a:rPr lang="en-US" altLang="zh-TW" sz="2000" b="0" i="1" smtClean="0">
+                        <a:latin typeface="Cambria Math" panose="02040503050406030204" pitchFamily="18" charset="0"/>
+                      </a:rPr>
+                      <m:t>= </m:t>
+                    </m:r>
+                    <m:nary>
+                      <m:naryPr>
+                        <m:chr m:val="∑"/>
+                        <m:supHide m:val="on"/>
+                        <m:ctrlPr>
+                          <a:rPr lang="en-US" altLang="zh-TW" sz="2000" i="1" smtClean="0">
+                            <a:latin typeface="Cambria Math" panose="02040503050406030204" pitchFamily="18" charset="0"/>
+                          </a:rPr>
+                        </m:ctrlPr>
+                      </m:naryPr>
+                      <m:sub>
+                        <m:r>
+                          <m:rPr>
+                            <m:brk m:alnAt="7"/>
+                          </m:rPr>
+                          <a:rPr lang="en-US" altLang="zh-TW" sz="2000" b="0" i="1" smtClean="0">
+                            <a:latin typeface="Cambria Math" panose="02040503050406030204" pitchFamily="18" charset="0"/>
+                          </a:rPr>
+                          <m:t>𝑖</m:t>
+                        </m:r>
+                        <m:r>
+                          <a:rPr lang="en-US" altLang="zh-TW" sz="2000" b="0" i="1" smtClean="0">
+                            <a:latin typeface="Cambria Math" panose="02040503050406030204" pitchFamily="18" charset="0"/>
+                            <a:ea typeface="Cambria Math" panose="02040503050406030204" pitchFamily="18" charset="0"/>
+                          </a:rPr>
+                          <m:t>∈</m:t>
+                        </m:r>
+                        <m:r>
+                          <a:rPr lang="en-US" altLang="zh-TW" sz="2000" b="0" i="1" smtClean="0">
+                            <a:latin typeface="Cambria Math" panose="02040503050406030204" pitchFamily="18" charset="0"/>
+                            <a:ea typeface="Cambria Math" panose="02040503050406030204" pitchFamily="18" charset="0"/>
+                          </a:rPr>
+                          <m:t>𝐸</m:t>
+                        </m:r>
+                      </m:sub>
+                      <m:sup/>
+                      <m:e>
+                        <m:r>
+                          <a:rPr lang="en-US" altLang="zh-TW" sz="2000" b="0" i="1" smtClean="0">
+                            <a:latin typeface="Cambria Math" panose="02040503050406030204" pitchFamily="18" charset="0"/>
+                          </a:rPr>
+                          <m:t>|</m:t>
+                        </m:r>
+                        <m:sSub>
+                          <m:sSubPr>
+                            <m:ctrlPr>
+                              <a:rPr lang="en-US" altLang="zh-TW" sz="2000" i="1" smtClean="0">
+                                <a:latin typeface="Cambria Math" panose="02040503050406030204" pitchFamily="18" charset="0"/>
+                              </a:rPr>
+                            </m:ctrlPr>
+                          </m:sSubPr>
+                          <m:e>
+                            <m:r>
+                              <a:rPr lang="en-US" altLang="zh-TW" sz="2000" b="0" i="1" smtClean="0">
+                                <a:latin typeface="Cambria Math" panose="02040503050406030204" pitchFamily="18" charset="0"/>
+                              </a:rPr>
+                              <m:t>𝑥</m:t>
+                            </m:r>
+                          </m:e>
+                          <m:sub>
+                            <m:r>
+                              <a:rPr lang="en-US" altLang="zh-TW" sz="2000" b="0" i="1" smtClean="0">
+                                <a:latin typeface="Cambria Math" panose="02040503050406030204" pitchFamily="18" charset="0"/>
+                              </a:rPr>
+                              <m:t>𝑖</m:t>
+                            </m:r>
+                          </m:sub>
+                        </m:sSub>
+                        <m:r>
+                          <a:rPr lang="en-US" altLang="zh-TW" sz="2000" b="0" i="1" smtClean="0">
+                            <a:latin typeface="Cambria Math" panose="02040503050406030204" pitchFamily="18" charset="0"/>
+                          </a:rPr>
+                          <m:t> − </m:t>
+                        </m:r>
+                        <m:sSub>
+                          <m:sSubPr>
+                            <m:ctrlPr>
+                              <a:rPr lang="en-US" altLang="zh-TW" sz="2000" i="1" smtClean="0">
+                                <a:latin typeface="Cambria Math" panose="02040503050406030204" pitchFamily="18" charset="0"/>
+                              </a:rPr>
+                            </m:ctrlPr>
+                          </m:sSubPr>
+                          <m:e>
+                            <m:r>
+                              <a:rPr lang="en-US" altLang="zh-TW" sz="2000" b="0" i="1" smtClean="0">
+                                <a:latin typeface="Cambria Math" panose="02040503050406030204" pitchFamily="18" charset="0"/>
+                              </a:rPr>
+                              <m:t>𝑥</m:t>
+                            </m:r>
+                          </m:e>
+                          <m:sub>
+                            <m:r>
+                              <a:rPr lang="en-US" altLang="zh-TW" sz="2000" b="0" i="1" smtClean="0">
+                                <a:latin typeface="Cambria Math" panose="02040503050406030204" pitchFamily="18" charset="0"/>
+                              </a:rPr>
+                              <m:t>𝑠𝑖</m:t>
+                            </m:r>
+                          </m:sub>
+                        </m:sSub>
+                        <m:r>
+                          <a:rPr lang="en-US" altLang="zh-TW" sz="2000" b="0" i="1" smtClean="0">
+                            <a:latin typeface="Cambria Math" panose="02040503050406030204" pitchFamily="18" charset="0"/>
+                          </a:rPr>
+                          <m:t>|</m:t>
+                        </m:r>
+                      </m:e>
+                    </m:nary>
+                  </m:oMath>
+                </a14:m>
+                <a:endParaRPr lang="en-US" altLang="zh-TW" sz="2000" i="1" dirty="0"/>
+              </a:p>
+              <a:p>
+                <a:pPr lvl="1">
+                  <a:lnSpc>
+                    <a:spcPct val="200000"/>
+                  </a:lnSpc>
+                </a:pPr>
+                <a:r>
+                  <a:rPr lang="en-US" altLang="zh-TW" sz="2000" dirty="0"/>
+                  <a:t>Each segment can be analyzed separately and seen as a 2-pin net.</a:t>
+                </a:r>
+              </a:p>
+              <a:p>
+                <a:pPr lvl="1">
+                  <a:lnSpc>
+                    <a:spcPct val="200000"/>
+                  </a:lnSpc>
+                </a:pPr>
+                <a:r>
+                  <a:rPr lang="en-US" altLang="zh-TW" sz="2000" dirty="0"/>
+                  <a:t>weighted average approximation of horizontal </a:t>
+                </a:r>
+                <a:r>
+                  <a:rPr lang="en-US" altLang="zh-TW" sz="2000" dirty="0" err="1"/>
+                  <a:t>StWL</a:t>
+                </a:r>
+                <a:r>
+                  <a:rPr lang="en-US" altLang="zh-TW" sz="2000" dirty="0"/>
+                  <a:t> for</a:t>
+                </a:r>
+                <a:r>
+                  <a:rPr lang="zh-TW" altLang="en-US" sz="2000" dirty="0"/>
+                  <a:t> </a:t>
+                </a:r>
+                <a:r>
+                  <a:rPr lang="en-US" altLang="zh-TW" sz="2000" dirty="0"/>
+                  <a:t>net e:</a:t>
+                </a:r>
+              </a:p>
+              <a:p>
+                <a:pPr lvl="1">
+                  <a:lnSpc>
+                    <a:spcPct val="150000"/>
+                  </a:lnSpc>
+                </a:pPr>
+                <a:endParaRPr lang="en-US" altLang="zh-TW" sz="800" dirty="0"/>
+              </a:p>
+              <a:p>
+                <a:pPr lvl="1">
+                  <a:lnSpc>
+                    <a:spcPct val="150000"/>
+                  </a:lnSpc>
+                </a:pPr>
+                <a:r>
+                  <a:rPr lang="zh-TW" altLang="en-US" sz="2000" dirty="0"/>
+                  <a:t> </a:t>
+                </a:r>
+                <a:endParaRPr lang="en-US" altLang="zh-TW" sz="2000" dirty="0"/>
+              </a:p>
+            </p:txBody>
+          </p:sp>
+        </mc:Choice>
+        <mc:Fallback>
+          <p:sp>
+            <p:nvSpPr>
+              <p:cNvPr id="3" name="內容版面配置區 2">
+                <a:extLst>
+                  <a:ext uri="{FF2B5EF4-FFF2-40B4-BE49-F238E27FC236}">
+                    <a16:creationId xmlns:a16="http://schemas.microsoft.com/office/drawing/2014/main" id="{30191587-EE37-4405-867D-9259B59A6461}"/>
+                  </a:ext>
+                </a:extLst>
+              </p:cNvPr>
+              <p:cNvSpPr>
+                <a:spLocks noGrp="1" noRot="1" noChangeAspect="1" noMove="1" noResize="1" noEditPoints="1" noAdjustHandles="1" noChangeArrowheads="1" noChangeShapeType="1" noTextEdit="1"/>
+              </p:cNvSpPr>
+              <p:nvPr>
+                <p:ph idx="1"/>
+              </p:nvPr>
+            </p:nvSpPr>
+            <p:spPr>
+              <a:blipFill>
+                <a:blip r:embed="rId3"/>
+                <a:stretch>
+                  <a:fillRect l="-638" t="-1541"/>
+                </a:stretch>
+              </a:blipFill>
+            </p:spPr>
+            <p:txBody>
+              <a:bodyPr/>
+              <a:lstStyle/>
+              <a:p>
+                <a:r>
+                  <a:rPr lang="zh-TW" altLang="en-US">
+                    <a:noFill/>
+                  </a:rPr>
+                  <a:t> </a:t>
+                </a:r>
+              </a:p>
+            </p:txBody>
+          </p:sp>
+        </mc:Fallback>
+      </mc:AlternateContent>
+      <p:sp>
+        <p:nvSpPr>
+          <p:cNvPr id="4" name="投影片編號版面配置區 3">
+            <a:extLst>
+              <a:ext uri="{FF2B5EF4-FFF2-40B4-BE49-F238E27FC236}">
+                <a16:creationId xmlns:a16="http://schemas.microsoft.com/office/drawing/2014/main" id="{D3074287-8483-E349-6EE8-9B7530C8AFD6}"/>
+              </a:ext>
+            </a:extLst>
+          </p:cNvPr>
+          <p:cNvSpPr>
+            <a:spLocks noGrp="1"/>
+          </p:cNvSpPr>
+          <p:nvPr>
+            <p:ph type="sldNum" sz="quarter" idx="12"/>
+          </p:nvPr>
+        </p:nvSpPr>
+        <p:spPr/>
+        <p:txBody>
+          <a:bodyPr/>
+          <a:lstStyle/>
+          <a:p>
+            <a:fld id="{666274A1-CF9C-426A-8DD4-B13ED0C24231}" type="slidenum">
+              <a:rPr lang="en-US" smtClean="0"/>
+              <a:t>8</a:t>
+            </a:fld>
+            <a:endParaRPr lang="en-US"/>
+          </a:p>
+        </p:txBody>
+      </p:sp>
+      <p:sp>
+        <p:nvSpPr>
+          <p:cNvPr id="5" name="文字方塊 4">
+            <a:extLst>
+              <a:ext uri="{FF2B5EF4-FFF2-40B4-BE49-F238E27FC236}">
+                <a16:creationId xmlns:a16="http://schemas.microsoft.com/office/drawing/2014/main" id="{27BE8418-A59F-AD7C-84C6-36AF8D00E011}"/>
               </a:ext>
             </a:extLst>
           </p:cNvPr>
@@ -7997,38 +10951,114 @@
         </p:nvSpPr>
         <p:spPr>
           <a:xfrm>
-            <a:off x="2627743" y="2967335"/>
-            <a:ext cx="6936514" cy="923330"/>
+            <a:off x="7141945" y="1872830"/>
+            <a:ext cx="4494997" cy="891975"/>
           </a:xfrm>
           <a:prstGeom prst="rect">
             <a:avLst/>
           </a:prstGeom>
           <a:noFill/>
+          <a:ln>
+            <a:solidFill>
+              <a:schemeClr val="tx1"/>
+            </a:solidFill>
+          </a:ln>
         </p:spPr>
         <p:txBody>
-          <a:bodyPr wrap="none" rtlCol="0">
+          <a:bodyPr wrap="square" rtlCol="0">
             <a:spAutoFit/>
           </a:bodyPr>
           <a:lstStyle/>
           <a:p>
-            <a:r>
-              <a:rPr lang="en-US" altLang="zh-TW" sz="5400" dirty="0">
-                <a:latin typeface="Times" panose="02020603050405020304" pitchFamily="18" charset="0"/>
-                <a:cs typeface="Times" panose="02020603050405020304" pitchFamily="18" charset="0"/>
-              </a:rPr>
-              <a:t>Thank you for listening!</a:t>
-            </a:r>
-            <a:endParaRPr lang="zh-TW" altLang="en-US" sz="5400" dirty="0">
-              <a:latin typeface="Times" panose="02020603050405020304" pitchFamily="18" charset="0"/>
-              <a:cs typeface="Times" panose="02020603050405020304" pitchFamily="18" charset="0"/>
-            </a:endParaRPr>
-          </a:p>
-        </p:txBody>
-      </p:sp>
+            <a:pPr>
+              <a:lnSpc>
+                <a:spcPct val="150000"/>
+              </a:lnSpc>
+            </a:pPr>
+            <a:r>
+              <a:rPr lang="en-US" altLang="zh-TW" sz="1600" b="1" i="1" dirty="0"/>
+              <a:t>i</a:t>
+            </a:r>
+            <a:r>
+              <a:rPr lang="en-US" altLang="zh-TW" sz="1600" i="1" dirty="0"/>
+              <a:t> </a:t>
+            </a:r>
+            <a:r>
+              <a:rPr lang="en-US" altLang="zh-TW" sz="1600" dirty="0"/>
+              <a:t>:  inner point of net e (include steiner points).</a:t>
+            </a:r>
+          </a:p>
+          <a:p>
+            <a:pPr>
+              <a:lnSpc>
+                <a:spcPct val="150000"/>
+              </a:lnSpc>
+            </a:pPr>
+            <a:r>
+              <a:rPr lang="en-US" altLang="zh-TW" sz="1600" b="1" i="1" dirty="0" err="1"/>
+              <a:t>si</a:t>
+            </a:r>
+            <a:r>
+              <a:rPr lang="en-US" altLang="zh-TW" sz="1600" i="1" dirty="0"/>
+              <a:t> </a:t>
+            </a:r>
+            <a:r>
+              <a:rPr lang="en-US" altLang="zh-TW" sz="1600" dirty="0"/>
+              <a:t>: the parent node of point </a:t>
+            </a:r>
+            <a:r>
+              <a:rPr lang="en-US" altLang="zh-TW" sz="1600" dirty="0" err="1"/>
+              <a:t>i</a:t>
+            </a:r>
+            <a:r>
+              <a:rPr lang="en-US" altLang="zh-TW" sz="1600" dirty="0"/>
+              <a:t>.</a:t>
+            </a:r>
+          </a:p>
+          <a:p>
+            <a:pPr>
+              <a:lnSpc>
+                <a:spcPct val="150000"/>
+              </a:lnSpc>
+            </a:pPr>
+            <a:endParaRPr lang="en-US" altLang="zh-TW" sz="300" dirty="0"/>
+          </a:p>
+        </p:txBody>
+      </p:sp>
+      <p:pic>
+        <p:nvPicPr>
+          <p:cNvPr id="8" name="圖片 7">
+            <a:extLst>
+              <a:ext uri="{FF2B5EF4-FFF2-40B4-BE49-F238E27FC236}">
+                <a16:creationId xmlns:a16="http://schemas.microsoft.com/office/drawing/2014/main" id="{9A464EA8-E95E-16DD-5147-D8A24CB4D3B0}"/>
+              </a:ext>
+            </a:extLst>
+          </p:cNvPr>
+          <p:cNvPicPr>
+            <a:picLocks noChangeAspect="1"/>
+          </p:cNvPicPr>
+          <p:nvPr/>
+        </p:nvPicPr>
+        <p:blipFill>
+          <a:blip r:embed="rId4"/>
+          <a:stretch>
+            <a:fillRect/>
+          </a:stretch>
+        </p:blipFill>
+        <p:spPr>
+          <a:xfrm>
+            <a:off x="1556963" y="4438267"/>
+            <a:ext cx="4855534" cy="1341201"/>
+          </a:xfrm>
+          <a:prstGeom prst="rect">
+            <a:avLst/>
+          </a:prstGeom>
+        </p:spPr>
+      </p:pic>
     </p:spTree>
     <p:extLst>
       <p:ext uri="{BB962C8B-B14F-4D97-AF65-F5344CB8AC3E}">
-        <p14:creationId xmlns:p14="http://schemas.microsoft.com/office/powerpoint/2010/main" val="1947749228"/>
+        <p14:creationId xmlns:p14="http://schemas.microsoft.com/office/powerpoint/2010/main" val="118648045"/>
       </p:ext>
     </p:extLst>
   </p:cSld>

--- a/GM/Placement/An Analytical Placement Algorithm with Routing topology Optimization/An Analytical Placement Algorithm with Routing topology Optimization.pptx
+++ b/GM/Placement/An Analytical Placement Algorithm with Routing topology Optimization/An Analytical Placement Algorithm with Routing topology Optimization.pptx
@@ -1938,7 +1938,7 @@
               <a:t>低，但是</a:t>
             </a:r>
             <a:r>
-              <a:rPr lang="en-US" altLang="zh-TW" dirty="0" err="1"/>
+              <a:rPr lang="en-US" altLang="zh-TW" dirty="0"/>
               <a:t>StWL</a:t>
             </a:r>
             <a:r>
@@ -2029,7 +2029,7 @@
               <a:t>高，但是</a:t>
             </a:r>
             <a:r>
-              <a:rPr lang="en-US" altLang="zh-TW" dirty="0" err="1"/>
+              <a:rPr lang="en-US" altLang="zh-TW" dirty="0"/>
               <a:t>StWL</a:t>
             </a:r>
             <a:r>
@@ -2706,7 +2706,7 @@
               <a:t>再用</a:t>
             </a:r>
             <a:r>
-              <a:rPr lang="en-US" altLang="zh-TW" sz="1200" dirty="0" err="1">
+              <a:rPr lang="en-US" altLang="zh-TW" sz="1200" dirty="0">
                 <a:latin typeface="+mj-lt"/>
               </a:rPr>
               <a:t>StWL</a:t>
@@ -2958,6 +2958,58 @@
               <a:buFont typeface="Arial" panose="020B0604020202020204" pitchFamily="34" charset="0"/>
               <a:buChar char="•"/>
             </a:pPr>
+            <a:r>
+              <a:rPr lang="zh-TW" altLang="en-US" dirty="0"/>
+              <a:t>相較於</a:t>
+            </a:r>
+            <a:r>
+              <a:rPr lang="en-US" altLang="zh-TW" dirty="0"/>
+              <a:t>WA Model</a:t>
+            </a:r>
+            <a:r>
+              <a:rPr lang="zh-TW" altLang="en-US" dirty="0"/>
+              <a:t>的</a:t>
+            </a:r>
+            <a:r>
+              <a:rPr lang="en-US" altLang="zh-TW" dirty="0"/>
+              <a:t>net</a:t>
+            </a:r>
+            <a:r>
+              <a:rPr lang="zh-TW" altLang="en-US" dirty="0"/>
+              <a:t>依舊十分混亂，他們的</a:t>
+            </a:r>
+            <a:r>
+              <a:rPr lang="en-US" altLang="zh-TW" dirty="0"/>
+              <a:t>Model</a:t>
+            </a:r>
+            <a:r>
+              <a:rPr lang="zh-TW" altLang="en-US" dirty="0"/>
+              <a:t>會將</a:t>
+            </a:r>
+            <a:r>
+              <a:rPr lang="en-US" altLang="zh-TW" dirty="0"/>
+              <a:t>trunk</a:t>
+            </a:r>
+            <a:r>
+              <a:rPr lang="zh-TW" altLang="en-US" dirty="0"/>
+              <a:t>附近的</a:t>
+            </a:r>
+            <a:r>
+              <a:rPr lang="en-US" altLang="zh-TW" dirty="0"/>
+              <a:t>cell</a:t>
+            </a:r>
+            <a:r>
+              <a:rPr lang="zh-TW" altLang="en-US" dirty="0"/>
+              <a:t>聚集，使的</a:t>
+            </a:r>
+            <a:r>
+              <a:rPr lang="en-US" altLang="zh-TW" dirty="0"/>
+              <a:t>net</a:t>
+            </a:r>
+            <a:r>
+              <a:rPr lang="zh-TW" altLang="en-US"/>
+              <a:t>的內部部分的結構更加整潔</a:t>
+            </a:r>
             <a:endParaRPr lang="zh-TW" altLang="en-US" dirty="0"/>
           </a:p>
         </p:txBody>
@@ -6666,12 +6718,8 @@
               <a:t>Proposed Algorithm - </a:t>
             </a:r>
             <a:r>
-              <a:rPr lang="en-US" altLang="zh-TW" sz="3200" dirty="0" err="1"/>
-              <a:t>StWL</a:t>
-            </a:r>
-            <a:r>
               <a:rPr lang="en-US" altLang="zh-TW" sz="3200" dirty="0"/>
-              <a:t> Optimization in GP</a:t>
+              <a:t>StWL Optimization in GP</a:t>
             </a:r>
             <a:endParaRPr lang="zh-TW" altLang="en-US" dirty="0"/>
           </a:p>
@@ -6756,19 +6804,7 @@
               <a:rPr lang="en-US" altLang="zh-TW" sz="2000" dirty="0">
                 <a:latin typeface="+mj-lt"/>
               </a:rPr>
-              <a:t>single </a:t>
-            </a:r>
-            <a:r>
-              <a:rPr lang="en-US" altLang="zh-TW" sz="2000" dirty="0" err="1">
-                <a:latin typeface="+mj-lt"/>
-              </a:rPr>
-              <a:t>StWL</a:t>
-            </a:r>
-            <a:r>
-              <a:rPr lang="en-US" altLang="zh-TW" sz="2000" dirty="0">
-                <a:latin typeface="+mj-lt"/>
-              </a:rPr>
-              <a:t> model.</a:t>
+              <a:t>single StWL model.</a:t>
             </a:r>
           </a:p>
           <a:p>
@@ -7074,8 +7110,8 @@
           </a:prstGeom>
         </p:spPr>
       </p:pic>
-      <mc:AlternateContent xmlns:mc="http://schemas.openxmlformats.org/markup-compatibility/2006">
-        <mc:Choice xmlns:a14="http://schemas.microsoft.com/office/drawing/2010/main" Requires="a14">
+      <mc:AlternateContent xmlns:mc="http://schemas.openxmlformats.org/markup-compatibility/2006" xmlns:a14="http://schemas.microsoft.com/office/drawing/2010/main">
+        <mc:Choice Requires="a14">
           <p:sp>
             <p:nvSpPr>
               <p:cNvPr id="18" name="文字方塊 17">
@@ -7109,6 +7145,7 @@
               </a:bodyPr>
               <a:lstStyle/>
               <a:p>
+                <a:pPr/>
                 <a14:m>
                   <m:oMathPara xmlns:m="http://schemas.openxmlformats.org/officeDocument/2006/math">
                     <m:oMathParaPr>
@@ -7208,7 +7245,7 @@
             </p:txBody>
           </p:sp>
         </mc:Choice>
-        <mc:Fallback>
+        <mc:Fallback xmlns="">
           <p:sp>
             <p:nvSpPr>
               <p:cNvPr id="18" name="文字方塊 17">
@@ -7320,12 +7357,8 @@
               <a:t>Proposed Algorithm - </a:t>
             </a:r>
             <a:r>
-              <a:rPr lang="en-US" altLang="zh-TW" sz="3200" dirty="0" err="1"/>
-              <a:t>StWL</a:t>
-            </a:r>
-            <a:r>
               <a:rPr lang="en-US" altLang="zh-TW" sz="3200" dirty="0"/>
-              <a:t> Optimization in GP</a:t>
+              <a:t>StWL Optimization in GP</a:t>
             </a:r>
             <a:endParaRPr lang="zh-TW" altLang="en-US" dirty="0"/>
           </a:p>
@@ -7412,19 +7445,7 @@
               <a:rPr lang="en-US" altLang="zh-TW" sz="1600" dirty="0">
                 <a:latin typeface="+mj-lt"/>
               </a:rPr>
-              <a:t>Gradient values and directions are pretty close to those provided by </a:t>
-            </a:r>
-            <a:r>
-              <a:rPr lang="en-US" altLang="zh-TW" sz="1600" dirty="0" err="1">
-                <a:latin typeface="+mj-lt"/>
-              </a:rPr>
-              <a:t>StWL</a:t>
-            </a:r>
-            <a:r>
-              <a:rPr lang="en-US" altLang="zh-TW" sz="1600" dirty="0">
-                <a:latin typeface="+mj-lt"/>
-              </a:rPr>
-              <a:t> model.</a:t>
+              <a:t>Gradient values and directions are pretty close to those provided by StWL model.</a:t>
             </a:r>
           </a:p>
           <a:p>
@@ -7700,78 +7721,175 @@
               <a:t>Proposed Algorithm - </a:t>
             </a:r>
             <a:r>
-              <a:rPr lang="en-US" altLang="zh-TW" sz="3200" dirty="0" err="1"/>
-              <a:t>StWL</a:t>
-            </a:r>
-            <a:r>
               <a:rPr lang="en-US" altLang="zh-TW" sz="3200" dirty="0"/>
-              <a:t> Optimization in GP</a:t>
+              <a:t>StWL Optimization in GP</a:t>
             </a:r>
             <a:endParaRPr lang="zh-TW" altLang="en-US" dirty="0"/>
           </a:p>
         </p:txBody>
       </p:sp>
-      <p:sp>
-        <p:nvSpPr>
-          <p:cNvPr id="3" name="內容版面配置區 2">
-            <a:extLst>
-              <a:ext uri="{FF2B5EF4-FFF2-40B4-BE49-F238E27FC236}">
-                <a16:creationId xmlns:a16="http://schemas.microsoft.com/office/drawing/2014/main" id="{6FEF8CD1-1144-958E-5014-B878C6478857}"/>
-              </a:ext>
-            </a:extLst>
-          </p:cNvPr>
-          <p:cNvSpPr>
-            <a:spLocks noGrp="1"/>
-          </p:cNvSpPr>
-          <p:nvPr>
-            <p:ph idx="1"/>
-          </p:nvPr>
-        </p:nvSpPr>
-        <p:spPr/>
-        <p:txBody>
-          <a:bodyPr>
-            <a:normAutofit/>
-          </a:bodyPr>
-          <a:lstStyle/>
-          <a:p>
-            <a:pPr marL="0" indent="0">
-              <a:buNone/>
-            </a:pPr>
-            <a:r>
-              <a:rPr lang="en-US" altLang="zh-TW" sz="2200" b="1" dirty="0"/>
-              <a:t>(3)</a:t>
-            </a:r>
-            <a:r>
-              <a:rPr lang="zh-TW" altLang="en-US" sz="2200" b="1" dirty="0"/>
-              <a:t>  </a:t>
-            </a:r>
-            <a:r>
-              <a:rPr lang="en-US" altLang="zh-TW" sz="2200" b="1" dirty="0" err="1"/>
-              <a:t>StWL</a:t>
-            </a:r>
-            <a:r>
-              <a:rPr lang="en-US" altLang="zh-TW" sz="2200" b="1" dirty="0"/>
-              <a:t> Optimization in Cell Refinement</a:t>
-            </a:r>
-          </a:p>
-          <a:p>
-            <a:pPr marL="0" indent="0">
-              <a:buNone/>
-            </a:pPr>
-            <a:endParaRPr lang="en-US" altLang="zh-TW" sz="400" b="1" dirty="0"/>
-          </a:p>
-          <a:p>
-            <a:pPr lvl="1">
-              <a:lnSpc>
-                <a:spcPct val="150000"/>
-              </a:lnSpc>
-            </a:pPr>
-            <a:endParaRPr lang="en-US" altLang="zh-TW" sz="1600" dirty="0">
-              <a:latin typeface="+mj-lt"/>
-            </a:endParaRPr>
-          </a:p>
-        </p:txBody>
-      </p:sp>
+      <mc:AlternateContent xmlns:mc="http://schemas.openxmlformats.org/markup-compatibility/2006">
+        <mc:Choice xmlns:a14="http://schemas.microsoft.com/office/drawing/2010/main" Requires="a14">
+          <p:sp>
+            <p:nvSpPr>
+              <p:cNvPr id="3" name="內容版面配置區 2">
+                <a:extLst>
+                  <a:ext uri="{FF2B5EF4-FFF2-40B4-BE49-F238E27FC236}">
+                    <a16:creationId xmlns:a16="http://schemas.microsoft.com/office/drawing/2014/main" id="{6FEF8CD1-1144-958E-5014-B878C6478857}"/>
+                  </a:ext>
+                </a:extLst>
+              </p:cNvPr>
+              <p:cNvSpPr>
+                <a:spLocks noGrp="1"/>
+              </p:cNvSpPr>
+              <p:nvPr>
+                <p:ph idx="1"/>
+              </p:nvPr>
+            </p:nvSpPr>
+            <p:spPr/>
+            <p:txBody>
+              <a:bodyPr>
+                <a:normAutofit/>
+              </a:bodyPr>
+              <a:lstStyle/>
+              <a:p>
+                <a:pPr marL="0" indent="0">
+                  <a:buNone/>
+                </a:pPr>
+                <a:r>
+                  <a:rPr lang="en-US" altLang="zh-TW" sz="2200" b="1" dirty="0"/>
+                  <a:t>(3)</a:t>
+                </a:r>
+                <a:r>
+                  <a:rPr lang="zh-TW" altLang="en-US" sz="2200" b="1" dirty="0"/>
+                  <a:t>  </a:t>
+                </a:r>
+                <a:r>
+                  <a:rPr lang="en-US" altLang="zh-TW" sz="2200" b="1" dirty="0"/>
+                  <a:t>Gradient descent of our wirelength model</a:t>
+                </a:r>
+              </a:p>
+              <a:p>
+                <a:pPr marL="0" indent="0">
+                  <a:buNone/>
+                </a:pPr>
+                <a:endParaRPr lang="en-US" altLang="zh-TW" sz="400" b="1" dirty="0"/>
+              </a:p>
+              <a:p>
+                <a:pPr lvl="1">
+                  <a:lnSpc>
+                    <a:spcPct val="150000"/>
+                  </a:lnSpc>
+                </a:pPr>
+                <a:r>
+                  <a:rPr lang="en-US" altLang="zh-TW" sz="2000" dirty="0">
+                    <a:latin typeface="+mj-lt"/>
+                  </a:rPr>
+                  <a:t>For the interior pins, the hybrid Wirelength model can provide gradients to minimize the length of its corresponding segments.</a:t>
+                </a:r>
+              </a:p>
+              <a:p>
+                <a:pPr lvl="1">
+                  <a:lnSpc>
+                    <a:spcPct val="150000"/>
+                  </a:lnSpc>
+                </a:pPr>
+                <a:r>
+                  <a:rPr lang="en-US" altLang="zh-TW" sz="2000" dirty="0">
+                    <a:latin typeface="+mj-lt"/>
+                  </a:rPr>
+                  <a:t>For the pin on the net bound, their shrinking gradient is provided by the </a:t>
+                </a:r>
+                <a14:m>
+                  <m:oMath xmlns:m="http://schemas.openxmlformats.org/officeDocument/2006/math">
+                    <m:r>
+                      <a:rPr lang="en-US" altLang="zh-TW" sz="2000" i="1" dirty="0" smtClean="0">
+                        <a:latin typeface="Cambria Math" panose="02040503050406030204" pitchFamily="18" charset="0"/>
+                      </a:rPr>
+                      <m:t>𝑊𝐴</m:t>
+                    </m:r>
+                    <m:r>
+                      <a:rPr lang="en-US" altLang="zh-TW" sz="2000" i="1" dirty="0" smtClean="0">
+                        <a:latin typeface="Cambria Math" panose="02040503050406030204" pitchFamily="18" charset="0"/>
+                      </a:rPr>
+                      <m:t>(</m:t>
+                    </m:r>
+                    <m:r>
+                      <a:rPr lang="en-US" altLang="zh-TW" sz="2000" i="1" dirty="0" smtClean="0">
+                        <a:latin typeface="Cambria Math" panose="02040503050406030204" pitchFamily="18" charset="0"/>
+                      </a:rPr>
+                      <m:t>𝑥</m:t>
+                    </m:r>
+                    <m:r>
+                      <a:rPr lang="en-US" altLang="zh-TW" sz="2000" i="1" dirty="0" smtClean="0">
+                        <a:latin typeface="Cambria Math" panose="02040503050406030204" pitchFamily="18" charset="0"/>
+                      </a:rPr>
+                      <m:t>, </m:t>
+                    </m:r>
+                    <m:r>
+                      <a:rPr lang="en-US" altLang="zh-TW" sz="2000" i="1" dirty="0" smtClean="0">
+                        <a:latin typeface="Cambria Math" panose="02040503050406030204" pitchFamily="18" charset="0"/>
+                      </a:rPr>
+                      <m:t>𝑦</m:t>
+                    </m:r>
+                    <m:r>
+                      <a:rPr lang="en-US" altLang="zh-TW" sz="2000" i="1" dirty="0" smtClean="0">
+                        <a:latin typeface="Cambria Math" panose="02040503050406030204" pitchFamily="18" charset="0"/>
+                      </a:rPr>
+                      <m:t>) </m:t>
+                    </m:r>
+                  </m:oMath>
+                </a14:m>
+                <a:r>
+                  <a:rPr lang="en-US" altLang="zh-TW" sz="2000" dirty="0">
+                    <a:latin typeface="+mj-lt"/>
+                  </a:rPr>
+                  <a:t>term.</a:t>
+                </a:r>
+              </a:p>
+            </p:txBody>
+          </p:sp>
+        </mc:Choice>
+        <mc:Fallback>
+          <p:sp>
+            <p:nvSpPr>
+              <p:cNvPr id="3" name="內容版面配置區 2">
+                <a:extLst>
+                  <a:ext uri="{FF2B5EF4-FFF2-40B4-BE49-F238E27FC236}">
+                    <a16:creationId xmlns:a16="http://schemas.microsoft.com/office/drawing/2014/main" id="{6FEF8CD1-1144-958E-5014-B878C6478857}"/>
+                  </a:ext>
+                </a:extLst>
+              </p:cNvPr>
+              <p:cNvSpPr>
+                <a:spLocks noGrp="1" noRot="1" noChangeAspect="1" noMove="1" noResize="1" noEditPoints="1" noAdjustHandles="1" noChangeArrowheads="1" noChangeShapeType="1" noTextEdit="1"/>
+              </p:cNvSpPr>
+              <p:nvPr>
+                <p:ph idx="1"/>
+              </p:nvPr>
+            </p:nvSpPr>
+            <p:spPr>
+              <a:blipFill>
+                <a:blip r:embed="rId3"/>
+                <a:stretch>
+                  <a:fillRect l="-754" t="-1541"/>
+                </a:stretch>
+              </a:blipFill>
+            </p:spPr>
+            <p:txBody>
+              <a:bodyPr/>
+              <a:lstStyle/>
+              <a:p>
+                <a:r>
+                  <a:rPr lang="zh-TW" altLang="en-US">
+                    <a:noFill/>
+                  </a:rPr>
+                  <a:t> </a:t>
+                </a:r>
+              </a:p>
+            </p:txBody>
+          </p:sp>
+        </mc:Fallback>
+      </mc:AlternateContent>
       <p:sp>
         <p:nvSpPr>
           <p:cNvPr id="4" name="投影片編號版面配置區 3">
@@ -7801,6 +7919,36 @@
           </a:p>
         </p:txBody>
       </p:sp>
+      <p:pic>
+        <p:nvPicPr>
+          <p:cNvPr id="6" name="圖片 5">
+            <a:extLst>
+              <a:ext uri="{FF2B5EF4-FFF2-40B4-BE49-F238E27FC236}">
+                <a16:creationId xmlns:a16="http://schemas.microsoft.com/office/drawing/2014/main" id="{48E8B1E0-DFD9-FEAA-F9C1-A2F7328B4E7E}"/>
+              </a:ext>
+            </a:extLst>
+          </p:cNvPr>
+          <p:cNvPicPr>
+            <a:picLocks noChangeAspect="1"/>
+          </p:cNvPicPr>
+          <p:nvPr/>
+        </p:nvPicPr>
+        <p:blipFill>
+          <a:blip r:embed="rId4"/>
+          <a:stretch>
+            <a:fillRect/>
+          </a:stretch>
+        </p:blipFill>
+        <p:spPr>
+          <a:xfrm>
+            <a:off x="0" y="2415228"/>
+            <a:ext cx="12192000" cy="4077647"/>
+          </a:xfrm>
+          <a:prstGeom prst="rect">
+            <a:avLst/>
+          </a:prstGeom>
+        </p:spPr>
+      </p:pic>
     </p:spTree>
     <p:extLst>
       <p:ext uri="{BB962C8B-B14F-4D97-AF65-F5344CB8AC3E}">
@@ -7811,6 +7959,81 @@
   <p:clrMapOvr>
     <a:masterClrMapping/>
   </p:clrMapOvr>
+  <p:timing>
+    <p:tnLst>
+      <p:par>
+        <p:cTn id="1" dur="indefinite" restart="never" nodeType="tmRoot">
+          <p:childTnLst>
+            <p:seq concurrent="1" nextAc="seek">
+              <p:cTn id="2" dur="indefinite" nodeType="mainSeq">
+                <p:childTnLst>
+                  <p:par>
+                    <p:cTn id="3" fill="hold">
+                      <p:stCondLst>
+                        <p:cond delay="indefinite"/>
+                      </p:stCondLst>
+                      <p:childTnLst>
+                        <p:par>
+                          <p:cTn id="4" fill="hold">
+                            <p:stCondLst>
+                              <p:cond delay="0"/>
+                            </p:stCondLst>
+                            <p:childTnLst>
+                              <p:par>
+                                <p:cTn id="5" presetID="1" presetClass="entr" presetSubtype="0" fill="hold" nodeType="clickEffect">
+                                  <p:stCondLst>
+                                    <p:cond delay="0"/>
+                                  </p:stCondLst>
+                                  <p:childTnLst>
+                                    <p:set>
+                                      <p:cBhvr>
+                                        <p:cTn id="6" dur="1" fill="hold">
+                                          <p:stCondLst>
+                                            <p:cond delay="0"/>
+                                          </p:stCondLst>
+                                        </p:cTn>
+                                        <p:tgtEl>
+                                          <p:spTgt spid="6"/>
+                                        </p:tgtEl>
+                                        <p:attrNameLst>
+                                          <p:attrName>style.visibility</p:attrName>
+                                        </p:attrNameLst>
+                                      </p:cBhvr>
+                                      <p:to>
+                                        <p:strVal val="visible"/>
+                                      </p:to>
+                                    </p:set>
+                                  </p:childTnLst>
+                                </p:cTn>
+                              </p:par>
+                            </p:childTnLst>
+                          </p:cTn>
+                        </p:par>
+                      </p:childTnLst>
+                    </p:cTn>
+                  </p:par>
+                </p:childTnLst>
+              </p:cTn>
+              <p:prevCondLst>
+                <p:cond evt="onPrev" delay="0">
+                  <p:tgtEl>
+                    <p:sldTgt/>
+                  </p:tgtEl>
+                </p:cond>
+              </p:prevCondLst>
+              <p:nextCondLst>
+                <p:cond evt="onNext" delay="0">
+                  <p:tgtEl>
+                    <p:sldTgt/>
+                  </p:tgtEl>
+                </p:cond>
+              </p:nextCondLst>
+            </p:seq>
+          </p:childTnLst>
+        </p:cTn>
+      </p:par>
+    </p:tnLst>
+  </p:timing>
 </p:sld>
 </file>
 
@@ -8752,7 +8975,7 @@
           <a:lstStyle/>
           <a:p>
             <a:r>
-              <a:rPr lang="en-US" altLang="zh-TW" sz="1600" b="1" dirty="0" err="1"/>
+              <a:rPr lang="en-US" altLang="zh-TW" sz="1600" b="1" dirty="0"/>
               <a:t>StWL</a:t>
             </a:r>
             <a:r>
@@ -9711,13 +9934,13 @@
                         <a:rPr lang="en-US" altLang="zh-TW" sz="1600" b="0" i="1" smtClean="0">
                           <a:latin typeface="Cambria Math" panose="02040503050406030204" pitchFamily="18" charset="0"/>
                         </a:rPr>
-                        <m:t>𝑚𝑎𝑥𝑡𝑒</m:t>
+                        <m:t>𝑚𝑎𝑥𝑡𝑒𝑟</m:t>
                       </m:r>
                       <m:r>
                         <a:rPr lang="en-US" altLang="zh-TW" sz="1600" i="1">
                           <a:latin typeface="Cambria Math" panose="02040503050406030204" pitchFamily="18" charset="0"/>
                         </a:rPr>
-                        <m:t>𝑟𝑚</m:t>
+                        <m:t>𝑚</m:t>
                       </m:r>
                       <m:r>
                         <a:rPr lang="en-US" altLang="zh-TW" sz="1600" i="1">
@@ -9909,13 +10132,13 @@
                         <a:rPr lang="en-US" altLang="zh-TW" sz="1600" b="0" i="1" smtClean="0">
                           <a:latin typeface="Cambria Math" panose="02040503050406030204" pitchFamily="18" charset="0"/>
                         </a:rPr>
-                        <m:t>𝑚𝑖𝑛𝑡𝑒</m:t>
+                        <m:t>𝑚𝑖𝑛𝑡𝑒𝑟</m:t>
                       </m:r>
                       <m:r>
                         <a:rPr lang="en-US" altLang="zh-TW" sz="1600" i="1">
                           <a:latin typeface="Cambria Math" panose="02040503050406030204" pitchFamily="18" charset="0"/>
                         </a:rPr>
-                        <m:t>𝑟𝑚</m:t>
+                        <m:t>𝑚</m:t>
                       </m:r>
                       <m:r>
                         <a:rPr lang="en-US" altLang="zh-TW" sz="1600" i="1">
@@ -10449,12 +10672,8 @@
               <a:buAutoNum type="alphaUcPeriod"/>
             </a:pPr>
             <a:r>
-              <a:rPr lang="en-US" altLang="zh-TW" sz="2000" dirty="0" err="1"/>
-              <a:t>StWL</a:t>
-            </a:r>
-            <a:r>
               <a:rPr lang="en-US" altLang="zh-TW" sz="2000" dirty="0"/>
-              <a:t> Optimization in Global Placement.</a:t>
+              <a:t>StWL Optimization in Global Placement.</a:t>
             </a:r>
           </a:p>
           <a:p>
@@ -10470,15 +10689,7 @@
             </a:pPr>
             <a:r>
               <a:rPr lang="en-US" altLang="zh-TW" sz="2000" dirty="0"/>
-              <a:t> </a:t>
-            </a:r>
-            <a:r>
-              <a:rPr lang="en-US" altLang="zh-TW" sz="2000" dirty="0" err="1"/>
-              <a:t>StWL</a:t>
-            </a:r>
-            <a:r>
-              <a:rPr lang="en-US" altLang="zh-TW" sz="2000" dirty="0"/>
-              <a:t> Optimization in Cell Refinement.</a:t>
+              <a:t> StWL Optimization in Cell Refinement.</a:t>
             </a:r>
             <a:endParaRPr lang="zh-TW" altLang="en-US" sz="2000" dirty="0"/>
           </a:p>
@@ -10599,19 +10810,15 @@
               <a:t>Proposed Algorithm - </a:t>
             </a:r>
             <a:r>
-              <a:rPr lang="en-US" altLang="zh-TW" sz="3200" dirty="0" err="1"/>
-              <a:t>StWL</a:t>
-            </a:r>
-            <a:r>
               <a:rPr lang="en-US" altLang="zh-TW" sz="3200" dirty="0"/>
-              <a:t> Optimization in GP</a:t>
+              <a:t>StWL Optimization in GP</a:t>
             </a:r>
             <a:endParaRPr lang="zh-TW" altLang="en-US" dirty="0"/>
           </a:p>
         </p:txBody>
       </p:sp>
-      <mc:AlternateContent xmlns:mc="http://schemas.openxmlformats.org/markup-compatibility/2006">
-        <mc:Choice xmlns:a14="http://schemas.microsoft.com/office/drawing/2010/main" Requires="a14">
+      <mc:AlternateContent xmlns:mc="http://schemas.openxmlformats.org/markup-compatibility/2006" xmlns:a14="http://schemas.microsoft.com/office/drawing/2010/main">
+        <mc:Choice Requires="a14">
           <p:sp>
             <p:nvSpPr>
               <p:cNvPr id="3" name="內容版面配置區 2">
@@ -10640,15 +10847,7 @@
                 </a:pPr>
                 <a:r>
                   <a:rPr lang="en-US" altLang="zh-TW" sz="2200" b="1" dirty="0"/>
-                  <a:t>Differentiable </a:t>
-                </a:r>
-                <a:r>
-                  <a:rPr lang="en-US" altLang="zh-TW" sz="2200" b="1" dirty="0" err="1"/>
-                  <a:t>StWL</a:t>
-                </a:r>
-                <a:r>
-                  <a:rPr lang="en-US" altLang="zh-TW" sz="2200" b="1" dirty="0"/>
-                  <a:t> Approximation</a:t>
+                  <a:t>Differentiable StWL Approximation</a:t>
                 </a:r>
               </a:p>
               <a:p>
@@ -10826,15 +11025,7 @@
                 </a:pPr>
                 <a:r>
                   <a:rPr lang="en-US" altLang="zh-TW" sz="2000" dirty="0"/>
-                  <a:t>weighted average approximation of horizontal </a:t>
-                </a:r>
-                <a:r>
-                  <a:rPr lang="en-US" altLang="zh-TW" sz="2000" dirty="0" err="1"/>
-                  <a:t>StWL</a:t>
-                </a:r>
-                <a:r>
-                  <a:rPr lang="en-US" altLang="zh-TW" sz="2000" dirty="0"/>
-                  <a:t> for</a:t>
+                  <a:t>weighted average approximation of horizontal StWL for</a:t>
                 </a:r>
                 <a:r>
                   <a:rPr lang="zh-TW" altLang="en-US" sz="2000" dirty="0"/>
@@ -10868,7 +11059,7 @@
             </p:txBody>
           </p:sp>
         </mc:Choice>
-        <mc:Fallback>
+        <mc:Fallback xmlns="">
           <p:sp>
             <p:nvSpPr>
               <p:cNvPr id="3" name="內容版面配置區 2">

--- a/GM/Placement/An Analytical Placement Algorithm with Routing topology Optimization/An Analytical Placement Algorithm with Routing topology Optimization.pptx
+++ b/GM/Placement/An Analytical Placement Algorithm with Routing topology Optimization/An Analytical Placement Algorithm with Routing topology Optimization.pptx
@@ -5,7 +5,7 @@
     <p:sldMasterId id="2147483648" r:id="rId1"/>
   </p:sldMasterIdLst>
   <p:notesMasterIdLst>
-    <p:notesMasterId r:id="rId15"/>
+    <p:notesMasterId r:id="rId17"/>
   </p:notesMasterIdLst>
   <p:sldIdLst>
     <p:sldId id="256" r:id="rId2"/>
@@ -20,7 +20,9 @@
     <p:sldId id="307" r:id="rId11"/>
     <p:sldId id="308" r:id="rId12"/>
     <p:sldId id="309" r:id="rId13"/>
-    <p:sldId id="298" r:id="rId14"/>
+    <p:sldId id="310" r:id="rId14"/>
+    <p:sldId id="312" r:id="rId15"/>
+    <p:sldId id="298" r:id="rId16"/>
   </p:sldIdLst>
   <p:sldSz cx="12192000" cy="6858000"/>
   <p:notesSz cx="6858000" cy="9144000"/>
@@ -1465,7 +1467,7 @@
           <a:p>
             <a:fld id="{C9ED61FB-B9B0-4D85-A72E-A614C28ECC4E}" type="datetimeFigureOut">
               <a:rPr lang="en-US" smtClean="0"/>
-              <a:t>3/11/2024</a:t>
+              <a:t>3/12/2024</a:t>
             </a:fld>
             <a:endParaRPr lang="en-US"/>
           </a:p>
@@ -1845,6 +1847,278 @@
 </p:notes>
 </file>
 
+<file path=ppt/notesSlides/notesSlide10.xml><?xml version="1.0" encoding="utf-8"?>
+<p:notes xmlns:a="http://schemas.openxmlformats.org/drawingml/2006/main" xmlns:r="http://schemas.openxmlformats.org/officeDocument/2006/relationships" xmlns:p="http://schemas.openxmlformats.org/presentationml/2006/main">
+  <p:cSld>
+    <p:spTree>
+      <p:nvGrpSpPr>
+        <p:cNvPr id="1" name=""/>
+        <p:cNvGrpSpPr/>
+        <p:nvPr/>
+      </p:nvGrpSpPr>
+      <p:grpSpPr>
+        <a:xfrm>
+          <a:off x="0" y="0"/>
+          <a:ext cx="0" cy="0"/>
+          <a:chOff x="0" y="0"/>
+          <a:chExt cx="0" cy="0"/>
+        </a:xfrm>
+      </p:grpSpPr>
+      <p:sp>
+        <p:nvSpPr>
+          <p:cNvPr id="2" name="投影片影像版面配置區 1"/>
+          <p:cNvSpPr>
+            <a:spLocks noGrp="1" noRot="1" noChangeAspect="1"/>
+          </p:cNvSpPr>
+          <p:nvPr>
+            <p:ph type="sldImg"/>
+          </p:nvPr>
+        </p:nvSpPr>
+        <p:spPr/>
+      </p:sp>
+      <p:sp>
+        <p:nvSpPr>
+          <p:cNvPr id="3" name="備忘稿版面配置區 2"/>
+          <p:cNvSpPr>
+            <a:spLocks noGrp="1"/>
+          </p:cNvSpPr>
+          <p:nvPr>
+            <p:ph type="body" idx="1"/>
+          </p:nvPr>
+        </p:nvSpPr>
+        <p:spPr/>
+        <p:txBody>
+          <a:bodyPr/>
+          <a:lstStyle/>
+          <a:p>
+            <a:pPr marL="171450" marR="0" lvl="0" indent="-171450" algn="l" defTabSz="914400" rtl="0" eaLnBrk="1" fontAlgn="auto" latinLnBrk="0" hangingPunct="1">
+              <a:lnSpc>
+                <a:spcPct val="100000"/>
+              </a:lnSpc>
+              <a:spcBef>
+                <a:spcPts val="0"/>
+              </a:spcBef>
+              <a:spcAft>
+                <a:spcPts val="0"/>
+              </a:spcAft>
+              <a:buClrTx/>
+              <a:buSzTx/>
+              <a:buFont typeface="Arial" panose="020B0604020202020204" pitchFamily="34" charset="0"/>
+              <a:buChar char="•"/>
+              <a:tabLst/>
+              <a:defRPr/>
+            </a:pPr>
+            <a:r>
+              <a:rPr lang="zh-TW" altLang="en-US" dirty="0"/>
+              <a:t>會破壞</a:t>
+            </a:r>
+            <a:r>
+              <a:rPr lang="en-US" altLang="zh-TW" dirty="0"/>
+              <a:t>GP</a:t>
+            </a:r>
+            <a:r>
+              <a:rPr lang="zh-TW" altLang="en-US" dirty="0"/>
+              <a:t>所做出來的</a:t>
+            </a:r>
+            <a:r>
+              <a:rPr lang="en-US" altLang="zh-TW" dirty="0"/>
+              <a:t>solution</a:t>
+            </a:r>
+            <a:endParaRPr lang="zh-TW" altLang="en-US" dirty="0"/>
+          </a:p>
+          <a:p>
+            <a:endParaRPr lang="zh-TW" altLang="en-US" dirty="0"/>
+          </a:p>
+        </p:txBody>
+      </p:sp>
+      <p:sp>
+        <p:nvSpPr>
+          <p:cNvPr id="4" name="投影片編號版面配置區 3"/>
+          <p:cNvSpPr>
+            <a:spLocks noGrp="1"/>
+          </p:cNvSpPr>
+          <p:nvPr>
+            <p:ph type="sldNum" sz="quarter" idx="5"/>
+          </p:nvPr>
+        </p:nvSpPr>
+        <p:spPr/>
+        <p:txBody>
+          <a:bodyPr/>
+          <a:lstStyle/>
+          <a:p>
+            <a:fld id="{9D457EAB-1485-47AD-BEAD-484FAEBF5A54}" type="slidenum">
+              <a:rPr lang="en-US" smtClean="0"/>
+              <a:t>12</a:t>
+            </a:fld>
+            <a:endParaRPr lang="en-US"/>
+          </a:p>
+        </p:txBody>
+      </p:sp>
+    </p:spTree>
+    <p:extLst>
+      <p:ext uri="{BB962C8B-B14F-4D97-AF65-F5344CB8AC3E}">
+        <p14:creationId xmlns:p14="http://schemas.microsoft.com/office/powerpoint/2010/main" val="2485797088"/>
+      </p:ext>
+    </p:extLst>
+  </p:cSld>
+  <p:clrMapOvr>
+    <a:masterClrMapping/>
+  </p:clrMapOvr>
+</p:notes>
+</file>
+
+<file path=ppt/notesSlides/notesSlide11.xml><?xml version="1.0" encoding="utf-8"?>
+<p:notes xmlns:a="http://schemas.openxmlformats.org/drawingml/2006/main" xmlns:r="http://schemas.openxmlformats.org/officeDocument/2006/relationships" xmlns:p="http://schemas.openxmlformats.org/presentationml/2006/main">
+  <p:cSld>
+    <p:spTree>
+      <p:nvGrpSpPr>
+        <p:cNvPr id="1" name="">
+          <a:extLst>
+            <a:ext uri="{FF2B5EF4-FFF2-40B4-BE49-F238E27FC236}">
+              <a16:creationId xmlns:a16="http://schemas.microsoft.com/office/drawing/2014/main" id="{C600E26D-3C41-35FB-3302-CABA111D9AC8}"/>
+            </a:ext>
+          </a:extLst>
+        </p:cNvPr>
+        <p:cNvGrpSpPr/>
+        <p:nvPr/>
+      </p:nvGrpSpPr>
+      <p:grpSpPr>
+        <a:xfrm>
+          <a:off x="0" y="0"/>
+          <a:ext cx="0" cy="0"/>
+          <a:chOff x="0" y="0"/>
+          <a:chExt cx="0" cy="0"/>
+        </a:xfrm>
+      </p:grpSpPr>
+      <p:sp>
+        <p:nvSpPr>
+          <p:cNvPr id="2" name="投影片影像版面配置區 1">
+            <a:extLst>
+              <a:ext uri="{FF2B5EF4-FFF2-40B4-BE49-F238E27FC236}">
+                <a16:creationId xmlns:a16="http://schemas.microsoft.com/office/drawing/2014/main" id="{65E3FFA2-0A51-E317-440F-2B3BB6993738}"/>
+              </a:ext>
+            </a:extLst>
+          </p:cNvPr>
+          <p:cNvSpPr>
+            <a:spLocks noGrp="1" noRot="1" noChangeAspect="1"/>
+          </p:cNvSpPr>
+          <p:nvPr>
+            <p:ph type="sldImg"/>
+          </p:nvPr>
+        </p:nvSpPr>
+        <p:spPr/>
+      </p:sp>
+      <p:sp>
+        <p:nvSpPr>
+          <p:cNvPr id="3" name="備忘稿版面配置區 2">
+            <a:extLst>
+              <a:ext uri="{FF2B5EF4-FFF2-40B4-BE49-F238E27FC236}">
+                <a16:creationId xmlns:a16="http://schemas.microsoft.com/office/drawing/2014/main" id="{DA02DABA-3A18-B286-6EAD-D454EF2A0950}"/>
+              </a:ext>
+            </a:extLst>
+          </p:cNvPr>
+          <p:cNvSpPr>
+            <a:spLocks noGrp="1"/>
+          </p:cNvSpPr>
+          <p:nvPr>
+            <p:ph type="body" idx="1"/>
+          </p:nvPr>
+        </p:nvSpPr>
+        <p:spPr/>
+        <p:txBody>
+          <a:bodyPr/>
+          <a:lstStyle/>
+          <a:p>
+            <a:pPr marL="171450" indent="-171450">
+              <a:buFont typeface="Arial" panose="020B0604020202020204" pitchFamily="34" charset="0"/>
+              <a:buChar char="•"/>
+            </a:pPr>
+            <a:r>
+              <a:rPr lang="zh-TW" altLang="en-US" dirty="0"/>
+              <a:t>在每一個</a:t>
+            </a:r>
+            <a:r>
+              <a:rPr lang="en-US" altLang="zh-TW" dirty="0"/>
+              <a:t>level</a:t>
+            </a:r>
+            <a:r>
+              <a:rPr lang="zh-TW" altLang="en-US" dirty="0"/>
+              <a:t>中，在同一個</a:t>
+            </a:r>
+            <a:r>
+              <a:rPr lang="en-US" altLang="zh-TW" dirty="0"/>
+              <a:t>bin(</a:t>
+            </a:r>
+            <a:r>
+              <a:rPr lang="zh-TW" altLang="en-US" dirty="0"/>
+              <a:t>也就是樹的</a:t>
+            </a:r>
+            <a:r>
+              <a:rPr lang="en-US" altLang="zh-TW" dirty="0"/>
+              <a:t>node)</a:t>
+            </a:r>
+            <a:r>
+              <a:rPr lang="zh-TW" altLang="en-US" dirty="0"/>
+              <a:t>的</a:t>
+            </a:r>
+            <a:r>
+              <a:rPr lang="en-US" altLang="zh-TW" dirty="0"/>
+              <a:t>cell</a:t>
+            </a:r>
+            <a:r>
+              <a:rPr lang="zh-TW" altLang="en-US" dirty="0"/>
+              <a:t>都會被看成共享同一個</a:t>
+            </a:r>
+            <a:r>
+              <a:rPr lang="en-US" altLang="zh-TW"/>
+              <a:t>coordinate.</a:t>
+            </a:r>
+            <a:endParaRPr lang="zh-TW" altLang="en-US" dirty="0"/>
+          </a:p>
+        </p:txBody>
+      </p:sp>
+      <p:sp>
+        <p:nvSpPr>
+          <p:cNvPr id="4" name="投影片編號版面配置區 3">
+            <a:extLst>
+              <a:ext uri="{FF2B5EF4-FFF2-40B4-BE49-F238E27FC236}">
+                <a16:creationId xmlns:a16="http://schemas.microsoft.com/office/drawing/2014/main" id="{E675872C-242D-B16D-7E33-796ED8DB4D26}"/>
+              </a:ext>
+            </a:extLst>
+          </p:cNvPr>
+          <p:cNvSpPr>
+            <a:spLocks noGrp="1"/>
+          </p:cNvSpPr>
+          <p:nvPr>
+            <p:ph type="sldNum" sz="quarter" idx="5"/>
+          </p:nvPr>
+        </p:nvSpPr>
+        <p:spPr/>
+        <p:txBody>
+          <a:bodyPr/>
+          <a:lstStyle/>
+          <a:p>
+            <a:fld id="{9D457EAB-1485-47AD-BEAD-484FAEBF5A54}" type="slidenum">
+              <a:rPr lang="en-US" smtClean="0"/>
+              <a:t>13</a:t>
+            </a:fld>
+            <a:endParaRPr lang="en-US"/>
+          </a:p>
+        </p:txBody>
+      </p:sp>
+    </p:spTree>
+    <p:extLst>
+      <p:ext uri="{BB962C8B-B14F-4D97-AF65-F5344CB8AC3E}">
+        <p14:creationId xmlns:p14="http://schemas.microsoft.com/office/powerpoint/2010/main" val="621923809"/>
+      </p:ext>
+    </p:extLst>
+  </p:cSld>
+  <p:clrMapOvr>
+    <a:masterClrMapping/>
+  </p:clrMapOvr>
+</p:notes>
+</file>
+
 <file path=ppt/notesSlides/notesSlide2.xml><?xml version="1.0" encoding="utf-8"?>
 <p:notes xmlns:a="http://schemas.openxmlformats.org/drawingml/2006/main" xmlns:r="http://schemas.openxmlformats.org/officeDocument/2006/relationships" xmlns:p="http://schemas.openxmlformats.org/presentationml/2006/main">
   <p:cSld>
@@ -3203,7 +3477,7 @@
           <a:p>
             <a:fld id="{99BA7BAB-F69F-4C21-8D40-7AA273A2D01F}" type="datetime1">
               <a:rPr lang="en-US" smtClean="0"/>
-              <a:t>3/11/2024</a:t>
+              <a:t>3/12/2024</a:t>
             </a:fld>
             <a:endParaRPr lang="en-US"/>
           </a:p>
@@ -3408,7 +3682,7 @@
           <a:p>
             <a:fld id="{FB00A8EC-4678-43EE-BE64-F312B7F1A46F}" type="datetime1">
               <a:rPr lang="en-US" smtClean="0"/>
-              <a:t>3/11/2024</a:t>
+              <a:t>3/12/2024</a:t>
             </a:fld>
             <a:endParaRPr lang="en-US"/>
           </a:p>
@@ -3616,7 +3890,7 @@
           <a:p>
             <a:fld id="{9487F23D-EA8F-4C56-9373-23F6109AD11F}" type="datetime1">
               <a:rPr lang="en-US" smtClean="0"/>
-              <a:t>3/11/2024</a:t>
+              <a:t>3/12/2024</a:t>
             </a:fld>
             <a:endParaRPr lang="en-US"/>
           </a:p>
@@ -3814,7 +4088,7 @@
           <a:p>
             <a:fld id="{A34E716E-0239-4A81-9CF4-D3B9651721CF}" type="datetime1">
               <a:rPr lang="en-US" smtClean="0"/>
-              <a:t>3/11/2024</a:t>
+              <a:t>3/12/2024</a:t>
             </a:fld>
             <a:endParaRPr lang="en-US"/>
           </a:p>
@@ -4096,7 +4370,7 @@
           <a:p>
             <a:fld id="{CC112E56-3D97-4B86-935C-1C493DD86A08}" type="datetime1">
               <a:rPr lang="en-US" smtClean="0"/>
-              <a:t>3/11/2024</a:t>
+              <a:t>3/12/2024</a:t>
             </a:fld>
             <a:endParaRPr lang="en-US"/>
           </a:p>
@@ -4361,7 +4635,7 @@
           <a:p>
             <a:fld id="{40649135-BABF-4F63-9AF8-3CEC545E47DC}" type="datetime1">
               <a:rPr lang="en-US" smtClean="0"/>
-              <a:t>3/11/2024</a:t>
+              <a:t>3/12/2024</a:t>
             </a:fld>
             <a:endParaRPr lang="en-US"/>
           </a:p>
@@ -4773,7 +5047,7 @@
           <a:p>
             <a:fld id="{B16EBC02-C9C0-442D-A8A6-494057203542}" type="datetime1">
               <a:rPr lang="en-US" smtClean="0"/>
-              <a:t>3/11/2024</a:t>
+              <a:t>3/12/2024</a:t>
             </a:fld>
             <a:endParaRPr lang="en-US"/>
           </a:p>
@@ -4914,7 +5188,7 @@
           <a:p>
             <a:fld id="{A126C4B4-559D-414E-BC9C-16A745BBF3C3}" type="datetime1">
               <a:rPr lang="en-US" smtClean="0"/>
-              <a:t>3/11/2024</a:t>
+              <a:t>3/12/2024</a:t>
             </a:fld>
             <a:endParaRPr lang="en-US"/>
           </a:p>
@@ -5027,7 +5301,7 @@
           <a:p>
             <a:fld id="{0D49D49E-73A5-4C03-BFEA-3D845EB044D8}" type="datetime1">
               <a:rPr lang="en-US" smtClean="0"/>
-              <a:t>3/11/2024</a:t>
+              <a:t>3/12/2024</a:t>
             </a:fld>
             <a:endParaRPr lang="en-US"/>
           </a:p>
@@ -5338,7 +5612,7 @@
           <a:p>
             <a:fld id="{4A0F93E6-3134-410C-B573-A5F6B38FC346}" type="datetime1">
               <a:rPr lang="en-US" smtClean="0"/>
-              <a:t>3/11/2024</a:t>
+              <a:t>3/12/2024</a:t>
             </a:fld>
             <a:endParaRPr lang="en-US"/>
           </a:p>
@@ -5626,7 +5900,7 @@
           <a:p>
             <a:fld id="{F766E70F-5320-45A5-BE33-1819A93C2AF4}" type="datetime1">
               <a:rPr lang="en-US" smtClean="0"/>
-              <a:t>3/11/2024</a:t>
+              <a:t>3/12/2024</a:t>
             </a:fld>
             <a:endParaRPr lang="en-US"/>
           </a:p>
@@ -5867,7 +6141,7 @@
           <a:p>
             <a:fld id="{A706458B-0289-40FF-A02D-2C541B7F1CB6}" type="datetime1">
               <a:rPr lang="en-US" smtClean="0"/>
-              <a:t>3/11/2024</a:t>
+              <a:t>3/12/2024</a:t>
             </a:fld>
             <a:endParaRPr lang="en-US"/>
           </a:p>
@@ -7728,8 +8002,8 @@
           </a:p>
         </p:txBody>
       </p:sp>
-      <mc:AlternateContent xmlns:mc="http://schemas.openxmlformats.org/markup-compatibility/2006">
-        <mc:Choice xmlns:a14="http://schemas.microsoft.com/office/drawing/2010/main" Requires="a14">
+      <mc:AlternateContent xmlns:mc="http://schemas.openxmlformats.org/markup-compatibility/2006" xmlns:a14="http://schemas.microsoft.com/office/drawing/2010/main">
+        <mc:Choice Requires="a14">
           <p:sp>
             <p:nvSpPr>
               <p:cNvPr id="3" name="內容版面配置區 2">
@@ -7850,7 +8124,7 @@
             </p:txBody>
           </p:sp>
         </mc:Choice>
-        <mc:Fallback>
+        <mc:Fallback xmlns="">
           <p:sp>
             <p:nvSpPr>
               <p:cNvPr id="3" name="內容版面配置區 2">
@@ -8056,10 +8330,186 @@
       </p:grpSpPr>
       <p:sp>
         <p:nvSpPr>
-          <p:cNvPr id="4" name="Slide Number Placeholder 3">
-            <a:extLst>
-              <a:ext uri="{FF2B5EF4-FFF2-40B4-BE49-F238E27FC236}">
-                <a16:creationId xmlns:a16="http://schemas.microsoft.com/office/drawing/2014/main" id="{DB47E6D4-11C1-7FA3-40FD-EC8CC1AC8613}"/>
+          <p:cNvPr id="2" name="標題 1">
+            <a:extLst>
+              <a:ext uri="{FF2B5EF4-FFF2-40B4-BE49-F238E27FC236}">
+                <a16:creationId xmlns:a16="http://schemas.microsoft.com/office/drawing/2014/main" id="{68B091BF-29AD-6134-6CC3-AE4DF7B27FF7}"/>
+              </a:ext>
+            </a:extLst>
+          </p:cNvPr>
+          <p:cNvSpPr>
+            <a:spLocks noGrp="1"/>
+          </p:cNvSpPr>
+          <p:nvPr>
+            <p:ph type="title"/>
+          </p:nvPr>
+        </p:nvSpPr>
+        <p:spPr/>
+        <p:txBody>
+          <a:bodyPr/>
+          <a:lstStyle/>
+          <a:p>
+            <a:r>
+              <a:rPr lang="en-US" altLang="zh-TW" dirty="0"/>
+              <a:t>Proposed Algorithm - </a:t>
+            </a:r>
+            <a:r>
+              <a:rPr lang="en-US" altLang="zh-TW" sz="2600" dirty="0"/>
+              <a:t>StWL Optimization in Cell Refinement</a:t>
+            </a:r>
+            <a:endParaRPr lang="zh-TW" altLang="en-US" sz="2600" dirty="0"/>
+          </a:p>
+        </p:txBody>
+      </p:sp>
+      <p:sp>
+        <p:nvSpPr>
+          <p:cNvPr id="3" name="內容版面配置區 2">
+            <a:extLst>
+              <a:ext uri="{FF2B5EF4-FFF2-40B4-BE49-F238E27FC236}">
+                <a16:creationId xmlns:a16="http://schemas.microsoft.com/office/drawing/2014/main" id="{61BF4F3A-E123-997F-66CC-EA6E60A56A6B}"/>
+              </a:ext>
+            </a:extLst>
+          </p:cNvPr>
+          <p:cNvSpPr>
+            <a:spLocks noGrp="1"/>
+          </p:cNvSpPr>
+          <p:nvPr>
+            <p:ph idx="1"/>
+          </p:nvPr>
+        </p:nvSpPr>
+        <p:spPr>
+          <a:xfrm>
+            <a:off x="838200" y="1619999"/>
+            <a:ext cx="10515600" cy="4872875"/>
+          </a:xfrm>
+        </p:spPr>
+        <p:txBody>
+          <a:bodyPr>
+            <a:normAutofit fontScale="92500" lnSpcReduction="20000"/>
+          </a:bodyPr>
+          <a:lstStyle/>
+          <a:p>
+            <a:pPr>
+              <a:lnSpc>
+                <a:spcPct val="150000"/>
+              </a:lnSpc>
+            </a:pPr>
+            <a:r>
+              <a:rPr lang="en-US" altLang="zh-TW" sz="2000" dirty="0"/>
+              <a:t>Analytical placement is “convergence” when cells are scattering with tolerable density violations.</a:t>
+            </a:r>
+          </a:p>
+          <a:p>
+            <a:pPr lvl="1">
+              <a:lnSpc>
+                <a:spcPct val="150000"/>
+              </a:lnSpc>
+            </a:pPr>
+            <a:r>
+              <a:rPr lang="en-US" altLang="zh-TW" sz="1700" dirty="0"/>
+              <a:t>If convergence, further iterations only perform trivial cell displacement.</a:t>
+            </a:r>
+          </a:p>
+          <a:p>
+            <a:pPr lvl="1">
+              <a:lnSpc>
+                <a:spcPct val="150000"/>
+              </a:lnSpc>
+            </a:pPr>
+            <a:endParaRPr lang="en-US" altLang="zh-TW" sz="400" dirty="0"/>
+          </a:p>
+          <a:p>
+            <a:pPr>
+              <a:lnSpc>
+                <a:spcPct val="150000"/>
+              </a:lnSpc>
+            </a:pPr>
+            <a:r>
+              <a:rPr lang="en-US" altLang="zh-TW" sz="2000" dirty="0"/>
+              <a:t>Aside from gradient descent, there is still room for RSMT refinement with routing-topology-aware wirelength model.</a:t>
+            </a:r>
+          </a:p>
+          <a:p>
+            <a:pPr lvl="1">
+              <a:lnSpc>
+                <a:spcPct val="150000"/>
+              </a:lnSpc>
+            </a:pPr>
+            <a:endParaRPr lang="en-US" altLang="zh-TW" sz="400" dirty="0"/>
+          </a:p>
+          <a:p>
+            <a:pPr>
+              <a:lnSpc>
+                <a:spcPct val="150000"/>
+              </a:lnSpc>
+            </a:pPr>
+            <a:r>
+              <a:rPr lang="en-US" altLang="zh-TW" sz="2000" dirty="0"/>
+              <a:t>They propose a placement violation refinement algorithm with a heuristic RSMT optimization strategy.</a:t>
+            </a:r>
+          </a:p>
+          <a:p>
+            <a:pPr>
+              <a:lnSpc>
+                <a:spcPct val="150000"/>
+              </a:lnSpc>
+            </a:pPr>
+            <a:endParaRPr lang="en-US" altLang="zh-TW" sz="400" dirty="0"/>
+          </a:p>
+          <a:p>
+            <a:pPr>
+              <a:lnSpc>
+                <a:spcPct val="150000"/>
+              </a:lnSpc>
+            </a:pPr>
+            <a:r>
+              <a:rPr lang="en-US" altLang="zh-TW" sz="2000" dirty="0"/>
+              <a:t>Moving cells to their wirelength-optimal region hastily would obviously deteriorate the low overlap distribution given by analytical global placement.</a:t>
+            </a:r>
+          </a:p>
+          <a:p>
+            <a:pPr>
+              <a:lnSpc>
+                <a:spcPct val="150000"/>
+              </a:lnSpc>
+            </a:pPr>
+            <a:endParaRPr lang="en-US" altLang="zh-TW" sz="500" dirty="0"/>
+          </a:p>
+          <a:p>
+            <a:pPr>
+              <a:lnSpc>
+                <a:spcPct val="150000"/>
+              </a:lnSpc>
+            </a:pPr>
+            <a:r>
+              <a:rPr lang="en-US" altLang="zh-TW" sz="2000" dirty="0"/>
+              <a:t>They posed bin-level density control in cell movement to keep the incremental refinement swift and plausible.</a:t>
+            </a:r>
+          </a:p>
+          <a:p>
+            <a:pPr>
+              <a:lnSpc>
+                <a:spcPct val="150000"/>
+              </a:lnSpc>
+            </a:pPr>
+            <a:endParaRPr lang="en-US" altLang="zh-TW" sz="2000" dirty="0"/>
+          </a:p>
+          <a:p>
+            <a:pPr>
+              <a:lnSpc>
+                <a:spcPct val="150000"/>
+              </a:lnSpc>
+            </a:pPr>
+            <a:endParaRPr lang="zh-TW" altLang="en-US" sz="2000" dirty="0"/>
+          </a:p>
+        </p:txBody>
+      </p:sp>
+      <p:sp>
+        <p:nvSpPr>
+          <p:cNvPr id="4" name="投影片編號版面配置區 3">
+            <a:extLst>
+              <a:ext uri="{FF2B5EF4-FFF2-40B4-BE49-F238E27FC236}">
+                <a16:creationId xmlns:a16="http://schemas.microsoft.com/office/drawing/2014/main" id="{069A9438-8BB7-43A8-1081-0693069D7201}"/>
               </a:ext>
             </a:extLst>
           </p:cNvPr>
@@ -8078,6 +8528,345 @@
             <a:fld id="{666274A1-CF9C-426A-8DD4-B13ED0C24231}" type="slidenum">
               <a:rPr lang="en-US" smtClean="0"/>
               <a:t>12</a:t>
+            </a:fld>
+            <a:endParaRPr lang="en-US"/>
+          </a:p>
+        </p:txBody>
+      </p:sp>
+    </p:spTree>
+    <p:extLst>
+      <p:ext uri="{BB962C8B-B14F-4D97-AF65-F5344CB8AC3E}">
+        <p14:creationId xmlns:p14="http://schemas.microsoft.com/office/powerpoint/2010/main" val="434904348"/>
+      </p:ext>
+    </p:extLst>
+  </p:cSld>
+  <p:clrMapOvr>
+    <a:masterClrMapping/>
+  </p:clrMapOvr>
+</p:sld>
+</file>
+
+<file path=ppt/slides/slide14.xml><?xml version="1.0" encoding="utf-8"?>
+<p:sld xmlns:a="http://schemas.openxmlformats.org/drawingml/2006/main" xmlns:r="http://schemas.openxmlformats.org/officeDocument/2006/relationships" xmlns:p="http://schemas.openxmlformats.org/presentationml/2006/main">
+  <p:cSld>
+    <p:spTree>
+      <p:nvGrpSpPr>
+        <p:cNvPr id="1" name="">
+          <a:extLst>
+            <a:ext uri="{FF2B5EF4-FFF2-40B4-BE49-F238E27FC236}">
+              <a16:creationId xmlns:a16="http://schemas.microsoft.com/office/drawing/2014/main" id="{D49AE102-08B5-40B2-6236-D734B5E94927}"/>
+            </a:ext>
+          </a:extLst>
+        </p:cNvPr>
+        <p:cNvGrpSpPr/>
+        <p:nvPr/>
+      </p:nvGrpSpPr>
+      <p:grpSpPr>
+        <a:xfrm>
+          <a:off x="0" y="0"/>
+          <a:ext cx="0" cy="0"/>
+          <a:chOff x="0" y="0"/>
+          <a:chExt cx="0" cy="0"/>
+        </a:xfrm>
+      </p:grpSpPr>
+      <p:sp>
+        <p:nvSpPr>
+          <p:cNvPr id="2" name="標題 1">
+            <a:extLst>
+              <a:ext uri="{FF2B5EF4-FFF2-40B4-BE49-F238E27FC236}">
+                <a16:creationId xmlns:a16="http://schemas.microsoft.com/office/drawing/2014/main" id="{7B95DFAD-F3F8-B751-B830-3CEA51FDDB0B}"/>
+              </a:ext>
+            </a:extLst>
+          </p:cNvPr>
+          <p:cNvSpPr>
+            <a:spLocks noGrp="1"/>
+          </p:cNvSpPr>
+          <p:nvPr>
+            <p:ph type="title"/>
+          </p:nvPr>
+        </p:nvSpPr>
+        <p:spPr/>
+        <p:txBody>
+          <a:bodyPr/>
+          <a:lstStyle/>
+          <a:p>
+            <a:r>
+              <a:rPr kumimoji="0" lang="en-US" altLang="zh-TW" sz="4400" b="0" i="0" u="none" strike="noStrike" kern="1200" cap="none" spc="0" normalizeH="0" baseline="0" noProof="0" dirty="0">
+                <a:ln>
+                  <a:noFill/>
+                </a:ln>
+                <a:solidFill>
+                  <a:prstClr val="black"/>
+                </a:solidFill>
+                <a:effectLst/>
+                <a:uLnTx/>
+                <a:uFillTx/>
+                <a:latin typeface="Times New Roman"/>
+                <a:ea typeface="標楷體"/>
+                <a:cs typeface="+mj-cs"/>
+              </a:rPr>
+              <a:t>Proposed Algorithm - </a:t>
+            </a:r>
+            <a:r>
+              <a:rPr kumimoji="0" lang="en-US" altLang="zh-TW" sz="2600" b="0" i="0" u="none" strike="noStrike" kern="1200" cap="none" spc="0" normalizeH="0" baseline="0" noProof="0" dirty="0">
+                <a:ln>
+                  <a:noFill/>
+                </a:ln>
+                <a:solidFill>
+                  <a:prstClr val="black"/>
+                </a:solidFill>
+                <a:effectLst/>
+                <a:uLnTx/>
+                <a:uFillTx/>
+                <a:latin typeface="Times New Roman"/>
+                <a:ea typeface="標楷體"/>
+                <a:cs typeface="+mj-cs"/>
+              </a:rPr>
+              <a:t>StWL Optimization in Cell Refinement</a:t>
+            </a:r>
+            <a:endParaRPr lang="zh-TW" altLang="en-US" dirty="0"/>
+          </a:p>
+        </p:txBody>
+      </p:sp>
+      <p:sp>
+        <p:nvSpPr>
+          <p:cNvPr id="3" name="內容版面配置區 2">
+            <a:extLst>
+              <a:ext uri="{FF2B5EF4-FFF2-40B4-BE49-F238E27FC236}">
+                <a16:creationId xmlns:a16="http://schemas.microsoft.com/office/drawing/2014/main" id="{D82688BC-1362-9785-D8CA-F27762C49A64}"/>
+              </a:ext>
+            </a:extLst>
+          </p:cNvPr>
+          <p:cNvSpPr>
+            <a:spLocks noGrp="1"/>
+          </p:cNvSpPr>
+          <p:nvPr>
+            <p:ph idx="1"/>
+          </p:nvPr>
+        </p:nvSpPr>
+        <p:spPr/>
+        <p:txBody>
+          <a:bodyPr>
+            <a:normAutofit/>
+          </a:bodyPr>
+          <a:lstStyle/>
+          <a:p>
+            <a:pPr marL="457200" indent="-457200">
+              <a:buAutoNum type="arabicParenBoth"/>
+            </a:pPr>
+            <a:r>
+              <a:rPr lang="en-US" altLang="zh-TW" sz="2200" b="1" dirty="0"/>
+              <a:t>Framework of the refinement algorithm</a:t>
+            </a:r>
+          </a:p>
+          <a:p>
+            <a:pPr marL="457200" indent="-457200">
+              <a:buAutoNum type="arabicParenBoth"/>
+            </a:pPr>
+            <a:endParaRPr lang="en-US" altLang="zh-TW" sz="400" b="1" dirty="0"/>
+          </a:p>
+          <a:p>
+            <a:pPr lvl="1">
+              <a:lnSpc>
+                <a:spcPct val="150000"/>
+              </a:lnSpc>
+            </a:pPr>
+            <a:r>
+              <a:rPr lang="en-US" altLang="zh-TW" sz="2000" dirty="0"/>
+              <a:t>Utilize</a:t>
+            </a:r>
+            <a:r>
+              <a:rPr lang="zh-TW" altLang="en-US" sz="2000" dirty="0"/>
+              <a:t> </a:t>
+            </a:r>
+            <a:r>
+              <a:rPr lang="en-US" altLang="zh-TW" sz="2000" dirty="0"/>
+              <a:t>branch and bound method for swift density check.</a:t>
+            </a:r>
+          </a:p>
+          <a:p>
+            <a:pPr lvl="1">
+              <a:lnSpc>
+                <a:spcPct val="150000"/>
+              </a:lnSpc>
+            </a:pPr>
+            <a:endParaRPr lang="en-US" altLang="zh-TW" sz="200" dirty="0"/>
+          </a:p>
+          <a:p>
+            <a:pPr marL="1257300" lvl="2" indent="-342900">
+              <a:lnSpc>
+                <a:spcPct val="150000"/>
+              </a:lnSpc>
+              <a:buFont typeface="+mj-lt"/>
+              <a:buAutoNum type="arabicPeriod"/>
+            </a:pPr>
+            <a:r>
+              <a:rPr lang="en-US" altLang="zh-TW" sz="1600" dirty="0"/>
+              <a:t>The whole die is divided into four identical coarse bins.</a:t>
+            </a:r>
+          </a:p>
+          <a:p>
+            <a:pPr marL="1257300" lvl="2" indent="-342900">
+              <a:lnSpc>
+                <a:spcPct val="150000"/>
+              </a:lnSpc>
+              <a:buFont typeface="+mj-lt"/>
+              <a:buAutoNum type="arabicPeriod"/>
+            </a:pPr>
+            <a:r>
+              <a:rPr lang="en-US" altLang="zh-TW" sz="1600" dirty="0"/>
+              <a:t>Use a quadtree to store the available area of the four bins in each node.</a:t>
+            </a:r>
+          </a:p>
+          <a:p>
+            <a:pPr marL="1257300" lvl="2" indent="-342900">
+              <a:lnSpc>
+                <a:spcPct val="150000"/>
+              </a:lnSpc>
+              <a:buFont typeface="+mj-lt"/>
+              <a:buAutoNum type="arabicPeriod"/>
+            </a:pPr>
+            <a:r>
+              <a:rPr lang="en-US" altLang="zh-TW" sz="1600" dirty="0"/>
+              <a:t>Each child node regions will continue to be divided until the finest bin granularity (5-10 times the row height).</a:t>
+            </a:r>
+          </a:p>
+          <a:p>
+            <a:pPr marL="1257300" lvl="2" indent="-342900">
+              <a:lnSpc>
+                <a:spcPct val="150000"/>
+              </a:lnSpc>
+              <a:buFont typeface="+mj-lt"/>
+              <a:buAutoNum type="arabicPeriod"/>
+            </a:pPr>
+            <a:endParaRPr lang="en-US" altLang="zh-TW" sz="400" dirty="0"/>
+          </a:p>
+          <a:p>
+            <a:pPr lvl="1">
+              <a:lnSpc>
+                <a:spcPct val="150000"/>
+              </a:lnSpc>
+            </a:pPr>
+            <a:r>
+              <a:rPr lang="en-US" altLang="zh-TW" sz="2000" dirty="0"/>
+              <a:t>The cells in the same bin are considered to share the same coordinates at each granularity.</a:t>
+            </a:r>
+          </a:p>
+        </p:txBody>
+      </p:sp>
+      <p:sp>
+        <p:nvSpPr>
+          <p:cNvPr id="4" name="投影片編號版面配置區 3">
+            <a:extLst>
+              <a:ext uri="{FF2B5EF4-FFF2-40B4-BE49-F238E27FC236}">
+                <a16:creationId xmlns:a16="http://schemas.microsoft.com/office/drawing/2014/main" id="{33F8CAA6-DD51-5C50-F31C-FB2D0551D565}"/>
+              </a:ext>
+            </a:extLst>
+          </p:cNvPr>
+          <p:cNvSpPr>
+            <a:spLocks noGrp="1"/>
+          </p:cNvSpPr>
+          <p:nvPr>
+            <p:ph type="sldNum" sz="quarter" idx="12"/>
+          </p:nvPr>
+        </p:nvSpPr>
+        <p:spPr/>
+        <p:txBody>
+          <a:bodyPr/>
+          <a:lstStyle/>
+          <a:p>
+            <a:fld id="{666274A1-CF9C-426A-8DD4-B13ED0C24231}" type="slidenum">
+              <a:rPr lang="en-US" smtClean="0"/>
+              <a:t>13</a:t>
+            </a:fld>
+            <a:endParaRPr lang="en-US"/>
+          </a:p>
+        </p:txBody>
+      </p:sp>
+      <p:pic>
+        <p:nvPicPr>
+          <p:cNvPr id="7" name="圖片 6">
+            <a:extLst>
+              <a:ext uri="{FF2B5EF4-FFF2-40B4-BE49-F238E27FC236}">
+                <a16:creationId xmlns:a16="http://schemas.microsoft.com/office/drawing/2014/main" id="{B6B65E1A-A6FB-6D69-3AA4-51CB2AD04A78}"/>
+              </a:ext>
+            </a:extLst>
+          </p:cNvPr>
+          <p:cNvPicPr>
+            <a:picLocks noChangeAspect="1"/>
+          </p:cNvPicPr>
+          <p:nvPr/>
+        </p:nvPicPr>
+        <p:blipFill>
+          <a:blip r:embed="rId3"/>
+          <a:stretch>
+            <a:fillRect/>
+          </a:stretch>
+        </p:blipFill>
+        <p:spPr>
+          <a:xfrm>
+            <a:off x="7794893" y="1400341"/>
+            <a:ext cx="4214201" cy="2028659"/>
+          </a:xfrm>
+          <a:prstGeom prst="rect">
+            <a:avLst/>
+          </a:prstGeom>
+        </p:spPr>
+      </p:pic>
+    </p:spTree>
+    <p:extLst>
+      <p:ext uri="{BB962C8B-B14F-4D97-AF65-F5344CB8AC3E}">
+        <p14:creationId xmlns:p14="http://schemas.microsoft.com/office/powerpoint/2010/main" val="413286503"/>
+      </p:ext>
+    </p:extLst>
+  </p:cSld>
+  <p:clrMapOvr>
+    <a:masterClrMapping/>
+  </p:clrMapOvr>
+</p:sld>
+</file>
+
+<file path=ppt/slides/slide15.xml><?xml version="1.0" encoding="utf-8"?>
+<p:sld xmlns:a="http://schemas.openxmlformats.org/drawingml/2006/main" xmlns:r="http://schemas.openxmlformats.org/officeDocument/2006/relationships" xmlns:p="http://schemas.openxmlformats.org/presentationml/2006/main">
+  <p:cSld>
+    <p:spTree>
+      <p:nvGrpSpPr>
+        <p:cNvPr id="1" name=""/>
+        <p:cNvGrpSpPr/>
+        <p:nvPr/>
+      </p:nvGrpSpPr>
+      <p:grpSpPr>
+        <a:xfrm>
+          <a:off x="0" y="0"/>
+          <a:ext cx="0" cy="0"/>
+          <a:chOff x="0" y="0"/>
+          <a:chExt cx="0" cy="0"/>
+        </a:xfrm>
+      </p:grpSpPr>
+      <p:sp>
+        <p:nvSpPr>
+          <p:cNvPr id="4" name="Slide Number Placeholder 3">
+            <a:extLst>
+              <a:ext uri="{FF2B5EF4-FFF2-40B4-BE49-F238E27FC236}">
+                <a16:creationId xmlns:a16="http://schemas.microsoft.com/office/drawing/2014/main" id="{DB47E6D4-11C1-7FA3-40FD-EC8CC1AC8613}"/>
+              </a:ext>
+            </a:extLst>
+          </p:cNvPr>
+          <p:cNvSpPr>
+            <a:spLocks noGrp="1"/>
+          </p:cNvSpPr>
+          <p:nvPr>
+            <p:ph type="sldNum" sz="quarter" idx="12"/>
+          </p:nvPr>
+        </p:nvSpPr>
+        <p:spPr/>
+        <p:txBody>
+          <a:bodyPr/>
+          <a:lstStyle/>
+          <a:p>
+            <a:fld id="{666274A1-CF9C-426A-8DD4-B13ED0C24231}" type="slidenum">
+              <a:rPr lang="en-US" smtClean="0"/>
+              <a:t>14</a:t>
             </a:fld>
             <a:endParaRPr lang="en-US"/>
           </a:p>
@@ -9934,13 +10723,7 @@
                         <a:rPr lang="en-US" altLang="zh-TW" sz="1600" b="0" i="1" smtClean="0">
                           <a:latin typeface="Cambria Math" panose="02040503050406030204" pitchFamily="18" charset="0"/>
                         </a:rPr>
-                        <m:t>𝑚𝑎𝑥𝑡𝑒𝑟</m:t>
-                      </m:r>
-                      <m:r>
-                        <a:rPr lang="en-US" altLang="zh-TW" sz="1600" i="1">
-                          <a:latin typeface="Cambria Math" panose="02040503050406030204" pitchFamily="18" charset="0"/>
-                        </a:rPr>
-                        <m:t>𝑚</m:t>
+                        <m:t>𝑚𝑎𝑥𝑡𝑒𝑟𝑚</m:t>
                       </m:r>
                       <m:r>
                         <a:rPr lang="en-US" altLang="zh-TW" sz="1600" i="1">
@@ -10132,13 +10915,7 @@
                         <a:rPr lang="en-US" altLang="zh-TW" sz="1600" b="0" i="1" smtClean="0">
                           <a:latin typeface="Cambria Math" panose="02040503050406030204" pitchFamily="18" charset="0"/>
                         </a:rPr>
-                        <m:t>𝑚𝑖𝑛𝑡𝑒𝑟</m:t>
-                      </m:r>
-                      <m:r>
-                        <a:rPr lang="en-US" altLang="zh-TW" sz="1600" i="1">
-                          <a:latin typeface="Cambria Math" panose="02040503050406030204" pitchFamily="18" charset="0"/>
-                        </a:rPr>
-                        <m:t>𝑚</m:t>
+                        <m:t>𝑚𝑖𝑛𝑡𝑒𝑟𝑚</m:t>
                       </m:r>
                       <m:r>
                         <a:rPr lang="en-US" altLang="zh-TW" sz="1600" i="1">

--- a/GM/Placement/An Analytical Placement Algorithm with Routing topology Optimization/An Analytical Placement Algorithm with Routing topology Optimization.pptx
+++ b/GM/Placement/An Analytical Placement Algorithm with Routing topology Optimization/An Analytical Placement Algorithm with Routing topology Optimization.pptx
@@ -5,7 +5,7 @@
     <p:sldMasterId id="2147483648" r:id="rId1"/>
   </p:sldMasterIdLst>
   <p:notesMasterIdLst>
-    <p:notesMasterId r:id="rId17"/>
+    <p:notesMasterId r:id="rId25"/>
   </p:notesMasterIdLst>
   <p:sldIdLst>
     <p:sldId id="256" r:id="rId2"/>
@@ -21,8 +21,16 @@
     <p:sldId id="308" r:id="rId12"/>
     <p:sldId id="309" r:id="rId13"/>
     <p:sldId id="310" r:id="rId14"/>
-    <p:sldId id="312" r:id="rId15"/>
-    <p:sldId id="298" r:id="rId16"/>
+    <p:sldId id="315" r:id="rId15"/>
+    <p:sldId id="312" r:id="rId16"/>
+    <p:sldId id="313" r:id="rId17"/>
+    <p:sldId id="314" r:id="rId18"/>
+    <p:sldId id="320" r:id="rId19"/>
+    <p:sldId id="316" r:id="rId20"/>
+    <p:sldId id="319" r:id="rId21"/>
+    <p:sldId id="318" r:id="rId22"/>
+    <p:sldId id="317" r:id="rId23"/>
+    <p:sldId id="298" r:id="rId24"/>
   </p:sldIdLst>
   <p:sldSz cx="12192000" cy="6858000"/>
   <p:notesSz cx="6858000" cy="9144000"/>
@@ -1778,35 +1786,6 @@
           <a:bodyPr/>
           <a:lstStyle/>
           <a:p>
-            <a:r>
-              <a:rPr lang="zh-TW" altLang="en-US" b="0" i="0" dirty="0">
-                <a:solidFill>
-                  <a:srgbClr val="252525"/>
-                </a:solidFill>
-                <a:effectLst/>
-                <a:latin typeface="Roboto" panose="02000000000000000000" pitchFamily="2" charset="0"/>
-              </a:rPr>
-              <a:t>上海鐳達晶元智慧科技有限公司</a:t>
-            </a:r>
-            <a:endParaRPr lang="en-US" altLang="zh-TW" b="0" i="0" dirty="0">
-              <a:solidFill>
-                <a:srgbClr val="252525"/>
-              </a:solidFill>
-              <a:effectLst/>
-              <a:latin typeface="Roboto" panose="02000000000000000000" pitchFamily="2" charset="0"/>
-            </a:endParaRPr>
-          </a:p>
-          <a:p>
-            <a:r>
-              <a:rPr lang="zh-TW" altLang="en-US" b="0" i="0" dirty="0">
-                <a:solidFill>
-                  <a:srgbClr val="252525"/>
-                </a:solidFill>
-                <a:effectLst/>
-                <a:latin typeface="Roboto" panose="02000000000000000000" pitchFamily="2" charset="0"/>
-              </a:rPr>
-              <a:t>復旦大學專用積體電路與系統國家重點實驗室</a:t>
-            </a:r>
             <a:endParaRPr lang="en-US" dirty="0"/>
           </a:p>
         </p:txBody>
@@ -1975,6 +1954,158 @@
         <p:cNvPr id="1" name="">
           <a:extLst>
             <a:ext uri="{FF2B5EF4-FFF2-40B4-BE49-F238E27FC236}">
+              <a16:creationId xmlns:a16="http://schemas.microsoft.com/office/drawing/2014/main" id="{5794A881-63EC-C5B5-FDB7-C1DD0B6792C7}"/>
+            </a:ext>
+          </a:extLst>
+        </p:cNvPr>
+        <p:cNvGrpSpPr/>
+        <p:nvPr/>
+      </p:nvGrpSpPr>
+      <p:grpSpPr>
+        <a:xfrm>
+          <a:off x="0" y="0"/>
+          <a:ext cx="0" cy="0"/>
+          <a:chOff x="0" y="0"/>
+          <a:chExt cx="0" cy="0"/>
+        </a:xfrm>
+      </p:grpSpPr>
+      <p:sp>
+        <p:nvSpPr>
+          <p:cNvPr id="2" name="投影片影像版面配置區 1">
+            <a:extLst>
+              <a:ext uri="{FF2B5EF4-FFF2-40B4-BE49-F238E27FC236}">
+                <a16:creationId xmlns:a16="http://schemas.microsoft.com/office/drawing/2014/main" id="{469E4FDC-1815-1AA7-2AE1-DE978C6A026B}"/>
+              </a:ext>
+            </a:extLst>
+          </p:cNvPr>
+          <p:cNvSpPr>
+            <a:spLocks noGrp="1" noRot="1" noChangeAspect="1"/>
+          </p:cNvSpPr>
+          <p:nvPr>
+            <p:ph type="sldImg"/>
+          </p:nvPr>
+        </p:nvSpPr>
+        <p:spPr/>
+      </p:sp>
+      <p:sp>
+        <p:nvSpPr>
+          <p:cNvPr id="3" name="備忘稿版面配置區 2">
+            <a:extLst>
+              <a:ext uri="{FF2B5EF4-FFF2-40B4-BE49-F238E27FC236}">
+                <a16:creationId xmlns:a16="http://schemas.microsoft.com/office/drawing/2014/main" id="{13237103-DA4B-C5A8-1444-A512E4FD47EA}"/>
+              </a:ext>
+            </a:extLst>
+          </p:cNvPr>
+          <p:cNvSpPr>
+            <a:spLocks noGrp="1"/>
+          </p:cNvSpPr>
+          <p:nvPr>
+            <p:ph type="body" idx="1"/>
+          </p:nvPr>
+        </p:nvSpPr>
+        <p:spPr/>
+        <p:txBody>
+          <a:bodyPr/>
+          <a:lstStyle/>
+          <a:p>
+            <a:pPr marL="171450" indent="-171450">
+              <a:buFont typeface="Arial" panose="020B0604020202020204" pitchFamily="34" charset="0"/>
+              <a:buChar char="•"/>
+            </a:pPr>
+            <a:r>
+              <a:rPr lang="zh-TW" altLang="en-US" dirty="0"/>
+              <a:t>在每一個</a:t>
+            </a:r>
+            <a:r>
+              <a:rPr lang="en-US" altLang="zh-TW" dirty="0"/>
+              <a:t>level</a:t>
+            </a:r>
+            <a:r>
+              <a:rPr lang="zh-TW" altLang="en-US" dirty="0"/>
+              <a:t>中，在同一個</a:t>
+            </a:r>
+            <a:r>
+              <a:rPr lang="en-US" altLang="zh-TW" dirty="0"/>
+              <a:t>bin(</a:t>
+            </a:r>
+            <a:r>
+              <a:rPr lang="zh-TW" altLang="en-US" dirty="0"/>
+              <a:t>也就是樹的</a:t>
+            </a:r>
+            <a:r>
+              <a:rPr lang="en-US" altLang="zh-TW" dirty="0"/>
+              <a:t>node)</a:t>
+            </a:r>
+            <a:r>
+              <a:rPr lang="zh-TW" altLang="en-US" dirty="0"/>
+              <a:t>的</a:t>
+            </a:r>
+            <a:r>
+              <a:rPr lang="en-US" altLang="zh-TW" dirty="0"/>
+              <a:t>cell</a:t>
+            </a:r>
+            <a:r>
+              <a:rPr lang="zh-TW" altLang="en-US" dirty="0"/>
+              <a:t>都會被看成共享同一個</a:t>
+            </a:r>
+            <a:r>
+              <a:rPr lang="en-US" altLang="zh-TW" dirty="0"/>
+              <a:t>coordinate.</a:t>
+            </a:r>
+            <a:endParaRPr lang="zh-TW" altLang="en-US" dirty="0"/>
+          </a:p>
+        </p:txBody>
+      </p:sp>
+      <p:sp>
+        <p:nvSpPr>
+          <p:cNvPr id="4" name="投影片編號版面配置區 3">
+            <a:extLst>
+              <a:ext uri="{FF2B5EF4-FFF2-40B4-BE49-F238E27FC236}">
+                <a16:creationId xmlns:a16="http://schemas.microsoft.com/office/drawing/2014/main" id="{4F02BD67-82ED-533E-A164-1D9E8C6201E5}"/>
+              </a:ext>
+            </a:extLst>
+          </p:cNvPr>
+          <p:cNvSpPr>
+            <a:spLocks noGrp="1"/>
+          </p:cNvSpPr>
+          <p:nvPr>
+            <p:ph type="sldNum" sz="quarter" idx="5"/>
+          </p:nvPr>
+        </p:nvSpPr>
+        <p:spPr/>
+        <p:txBody>
+          <a:bodyPr/>
+          <a:lstStyle/>
+          <a:p>
+            <a:fld id="{9D457EAB-1485-47AD-BEAD-484FAEBF5A54}" type="slidenum">
+              <a:rPr lang="en-US" smtClean="0"/>
+              <a:t>13</a:t>
+            </a:fld>
+            <a:endParaRPr lang="en-US"/>
+          </a:p>
+        </p:txBody>
+      </p:sp>
+    </p:spTree>
+    <p:extLst>
+      <p:ext uri="{BB962C8B-B14F-4D97-AF65-F5344CB8AC3E}">
+        <p14:creationId xmlns:p14="http://schemas.microsoft.com/office/powerpoint/2010/main" val="1529710004"/>
+      </p:ext>
+    </p:extLst>
+  </p:cSld>
+  <p:clrMapOvr>
+    <a:masterClrMapping/>
+  </p:clrMapOvr>
+</p:notes>
+</file>
+
+<file path=ppt/notesSlides/notesSlide12.xml><?xml version="1.0" encoding="utf-8"?>
+<p:notes xmlns:a="http://schemas.openxmlformats.org/drawingml/2006/main" xmlns:r="http://schemas.openxmlformats.org/officeDocument/2006/relationships" xmlns:p="http://schemas.openxmlformats.org/presentationml/2006/main">
+  <p:cSld>
+    <p:spTree>
+      <p:nvGrpSpPr>
+        <p:cNvPr id="1" name="">
+          <a:extLst>
+            <a:ext uri="{FF2B5EF4-FFF2-40B4-BE49-F238E27FC236}">
               <a16:creationId xmlns:a16="http://schemas.microsoft.com/office/drawing/2014/main" id="{C600E26D-3C41-35FB-3302-CABA111D9AC8}"/>
             </a:ext>
           </a:extLst>
@@ -2070,7 +2201,7 @@
               <a:t>都會被看成共享同一個</a:t>
             </a:r>
             <a:r>
-              <a:rPr lang="en-US" altLang="zh-TW"/>
+              <a:rPr lang="en-US" altLang="zh-TW" dirty="0"/>
               <a:t>coordinate.</a:t>
             </a:r>
             <a:endParaRPr lang="zh-TW" altLang="en-US" dirty="0"/>
@@ -2100,7 +2231,7 @@
           <a:p>
             <a:fld id="{9D457EAB-1485-47AD-BEAD-484FAEBF5A54}" type="slidenum">
               <a:rPr lang="en-US" smtClean="0"/>
-              <a:t>13</a:t>
+              <a:t>14</a:t>
             </a:fld>
             <a:endParaRPr lang="en-US"/>
           </a:p>
@@ -2110,6 +2241,984 @@
     <p:extLst>
       <p:ext uri="{BB962C8B-B14F-4D97-AF65-F5344CB8AC3E}">
         <p14:creationId xmlns:p14="http://schemas.microsoft.com/office/powerpoint/2010/main" val="621923809"/>
+      </p:ext>
+    </p:extLst>
+  </p:cSld>
+  <p:clrMapOvr>
+    <a:masterClrMapping/>
+  </p:clrMapOvr>
+</p:notes>
+</file>
+
+<file path=ppt/notesSlides/notesSlide13.xml><?xml version="1.0" encoding="utf-8"?>
+<p:notes xmlns:a="http://schemas.openxmlformats.org/drawingml/2006/main" xmlns:r="http://schemas.openxmlformats.org/officeDocument/2006/relationships" xmlns:p="http://schemas.openxmlformats.org/presentationml/2006/main">
+  <p:cSld>
+    <p:spTree>
+      <p:nvGrpSpPr>
+        <p:cNvPr id="1" name="">
+          <a:extLst>
+            <a:ext uri="{FF2B5EF4-FFF2-40B4-BE49-F238E27FC236}">
+              <a16:creationId xmlns:a16="http://schemas.microsoft.com/office/drawing/2014/main" id="{1A77E8ED-185B-12A6-B8C6-57BB84CDFED0}"/>
+            </a:ext>
+          </a:extLst>
+        </p:cNvPr>
+        <p:cNvGrpSpPr/>
+        <p:nvPr/>
+      </p:nvGrpSpPr>
+      <p:grpSpPr>
+        <a:xfrm>
+          <a:off x="0" y="0"/>
+          <a:ext cx="0" cy="0"/>
+          <a:chOff x="0" y="0"/>
+          <a:chExt cx="0" cy="0"/>
+        </a:xfrm>
+      </p:grpSpPr>
+      <p:sp>
+        <p:nvSpPr>
+          <p:cNvPr id="2" name="投影片影像版面配置區 1">
+            <a:extLst>
+              <a:ext uri="{FF2B5EF4-FFF2-40B4-BE49-F238E27FC236}">
+                <a16:creationId xmlns:a16="http://schemas.microsoft.com/office/drawing/2014/main" id="{4977CCE2-DE9F-BDAE-AEED-60399131BFD2}"/>
+              </a:ext>
+            </a:extLst>
+          </p:cNvPr>
+          <p:cNvSpPr>
+            <a:spLocks noGrp="1" noRot="1" noChangeAspect="1"/>
+          </p:cNvSpPr>
+          <p:nvPr>
+            <p:ph type="sldImg"/>
+          </p:nvPr>
+        </p:nvSpPr>
+        <p:spPr/>
+      </p:sp>
+      <p:sp>
+        <p:nvSpPr>
+          <p:cNvPr id="3" name="備忘稿版面配置區 2">
+            <a:extLst>
+              <a:ext uri="{FF2B5EF4-FFF2-40B4-BE49-F238E27FC236}">
+                <a16:creationId xmlns:a16="http://schemas.microsoft.com/office/drawing/2014/main" id="{888F2770-BB30-0A4B-6CF5-DBC2DA5D57EB}"/>
+              </a:ext>
+            </a:extLst>
+          </p:cNvPr>
+          <p:cNvSpPr>
+            <a:spLocks noGrp="1"/>
+          </p:cNvSpPr>
+          <p:nvPr>
+            <p:ph type="body" idx="1"/>
+          </p:nvPr>
+        </p:nvSpPr>
+        <p:spPr/>
+        <p:txBody>
+          <a:bodyPr/>
+          <a:lstStyle/>
+          <a:p>
+            <a:pPr marL="171450" indent="-171450">
+              <a:buFont typeface="Arial" panose="020B0604020202020204" pitchFamily="34" charset="0"/>
+              <a:buChar char="•"/>
+            </a:pPr>
+            <a:endParaRPr lang="zh-TW" altLang="en-US" dirty="0"/>
+          </a:p>
+        </p:txBody>
+      </p:sp>
+      <p:sp>
+        <p:nvSpPr>
+          <p:cNvPr id="4" name="投影片編號版面配置區 3">
+            <a:extLst>
+              <a:ext uri="{FF2B5EF4-FFF2-40B4-BE49-F238E27FC236}">
+                <a16:creationId xmlns:a16="http://schemas.microsoft.com/office/drawing/2014/main" id="{4B0898BA-8C5E-2904-38AE-B93225782867}"/>
+              </a:ext>
+            </a:extLst>
+          </p:cNvPr>
+          <p:cNvSpPr>
+            <a:spLocks noGrp="1"/>
+          </p:cNvSpPr>
+          <p:nvPr>
+            <p:ph type="sldNum" sz="quarter" idx="5"/>
+          </p:nvPr>
+        </p:nvSpPr>
+        <p:spPr/>
+        <p:txBody>
+          <a:bodyPr/>
+          <a:lstStyle/>
+          <a:p>
+            <a:fld id="{9D457EAB-1485-47AD-BEAD-484FAEBF5A54}" type="slidenum">
+              <a:rPr lang="en-US" smtClean="0"/>
+              <a:t>15</a:t>
+            </a:fld>
+            <a:endParaRPr lang="en-US"/>
+          </a:p>
+        </p:txBody>
+      </p:sp>
+    </p:spTree>
+    <p:extLst>
+      <p:ext uri="{BB962C8B-B14F-4D97-AF65-F5344CB8AC3E}">
+        <p14:creationId xmlns:p14="http://schemas.microsoft.com/office/powerpoint/2010/main" val="1605775098"/>
+      </p:ext>
+    </p:extLst>
+  </p:cSld>
+  <p:clrMapOvr>
+    <a:masterClrMapping/>
+  </p:clrMapOvr>
+</p:notes>
+</file>
+
+<file path=ppt/notesSlides/notesSlide14.xml><?xml version="1.0" encoding="utf-8"?>
+<p:notes xmlns:a="http://schemas.openxmlformats.org/drawingml/2006/main" xmlns:r="http://schemas.openxmlformats.org/officeDocument/2006/relationships" xmlns:p="http://schemas.openxmlformats.org/presentationml/2006/main">
+  <p:cSld>
+    <p:spTree>
+      <p:nvGrpSpPr>
+        <p:cNvPr id="1" name="">
+          <a:extLst>
+            <a:ext uri="{FF2B5EF4-FFF2-40B4-BE49-F238E27FC236}">
+              <a16:creationId xmlns:a16="http://schemas.microsoft.com/office/drawing/2014/main" id="{BDD5676C-7A53-7C16-0B25-BC28F3C2A39A}"/>
+            </a:ext>
+          </a:extLst>
+        </p:cNvPr>
+        <p:cNvGrpSpPr/>
+        <p:nvPr/>
+      </p:nvGrpSpPr>
+      <p:grpSpPr>
+        <a:xfrm>
+          <a:off x="0" y="0"/>
+          <a:ext cx="0" cy="0"/>
+          <a:chOff x="0" y="0"/>
+          <a:chExt cx="0" cy="0"/>
+        </a:xfrm>
+      </p:grpSpPr>
+      <p:sp>
+        <p:nvSpPr>
+          <p:cNvPr id="2" name="投影片影像版面配置區 1">
+            <a:extLst>
+              <a:ext uri="{FF2B5EF4-FFF2-40B4-BE49-F238E27FC236}">
+                <a16:creationId xmlns:a16="http://schemas.microsoft.com/office/drawing/2014/main" id="{C46C5F7E-8283-9F75-CC1F-7B36EFB62DF9}"/>
+              </a:ext>
+            </a:extLst>
+          </p:cNvPr>
+          <p:cNvSpPr>
+            <a:spLocks noGrp="1" noRot="1" noChangeAspect="1"/>
+          </p:cNvSpPr>
+          <p:nvPr>
+            <p:ph type="sldImg"/>
+          </p:nvPr>
+        </p:nvSpPr>
+        <p:spPr/>
+      </p:sp>
+      <p:sp>
+        <p:nvSpPr>
+          <p:cNvPr id="3" name="備忘稿版面配置區 2">
+            <a:extLst>
+              <a:ext uri="{FF2B5EF4-FFF2-40B4-BE49-F238E27FC236}">
+                <a16:creationId xmlns:a16="http://schemas.microsoft.com/office/drawing/2014/main" id="{353AE578-33AF-E89D-238A-BF2C4BF495D4}"/>
+              </a:ext>
+            </a:extLst>
+          </p:cNvPr>
+          <p:cNvSpPr>
+            <a:spLocks noGrp="1"/>
+          </p:cNvSpPr>
+          <p:nvPr>
+            <p:ph type="body" idx="1"/>
+          </p:nvPr>
+        </p:nvSpPr>
+        <p:spPr/>
+        <p:txBody>
+          <a:bodyPr/>
+          <a:lstStyle/>
+          <a:p>
+            <a:pPr marL="171450" indent="-171450">
+              <a:buFont typeface="Arial" panose="020B0604020202020204" pitchFamily="34" charset="0"/>
+              <a:buChar char="•"/>
+            </a:pPr>
+            <a:r>
+              <a:rPr lang="zh-TW" altLang="en-US" dirty="0"/>
+              <a:t>這是一個密度感知的單元微調算法，用於在電路布局中最小化線長。以下是算法的簡要解釋：</a:t>
+            </a:r>
+          </a:p>
+          <a:p>
+            <a:pPr marL="171450" indent="-171450">
+              <a:buFont typeface="Arial" panose="020B0604020202020204" pitchFamily="34" charset="0"/>
+              <a:buChar char="•"/>
+            </a:pPr>
+            <a:endParaRPr lang="zh-TW" altLang="en-US" dirty="0"/>
+          </a:p>
+          <a:p>
+            <a:pPr marL="171450" indent="-171450">
+              <a:buFont typeface="Arial" panose="020B0604020202020204" pitchFamily="34" charset="0"/>
+              <a:buChar char="•"/>
+            </a:pPr>
+            <a:r>
+              <a:rPr lang="en-US" altLang="zh-TW" dirty="0"/>
+              <a:t>1. **</a:t>
+            </a:r>
+            <a:r>
+              <a:rPr lang="zh-TW" altLang="en-US" dirty="0"/>
+              <a:t>輸入：** 對於每個單元 </a:t>
+            </a:r>
+            <a:r>
+              <a:rPr lang="en-US" altLang="zh-TW" dirty="0"/>
+              <a:t>v</a:t>
+            </a:r>
+            <a:r>
+              <a:rPr lang="zh-TW" altLang="en-US" dirty="0"/>
+              <a:t>，提供了一組錨點 </a:t>
+            </a:r>
+            <a:r>
+              <a:rPr lang="en-US" altLang="zh-TW" dirty="0" err="1"/>
+              <a:t>Gv</a:t>
+            </a:r>
+            <a:r>
+              <a:rPr lang="zh-TW" altLang="en-US" dirty="0"/>
+              <a:t>。</a:t>
+            </a:r>
+          </a:p>
+          <a:p>
+            <a:pPr marL="171450" indent="-171450">
+              <a:buFont typeface="Arial" panose="020B0604020202020204" pitchFamily="34" charset="0"/>
+              <a:buChar char="•"/>
+            </a:pPr>
+            <a:r>
+              <a:rPr lang="en-US" altLang="zh-TW" dirty="0"/>
+              <a:t>2. **</a:t>
+            </a:r>
+            <a:r>
+              <a:rPr lang="zh-TW" altLang="en-US" dirty="0"/>
+              <a:t>輸出：** 優化後的單元位置 </a:t>
+            </a:r>
+            <a:r>
+              <a:rPr lang="en-US" altLang="zh-TW" dirty="0"/>
+              <a:t>(x, y)</a:t>
+            </a:r>
+            <a:r>
+              <a:rPr lang="zh-TW" altLang="en-US" dirty="0"/>
+              <a:t>，以實現最小化線長。</a:t>
+            </a:r>
+          </a:p>
+          <a:p>
+            <a:pPr marL="171450" indent="-171450">
+              <a:buFont typeface="Arial" panose="020B0604020202020204" pitchFamily="34" charset="0"/>
+              <a:buChar char="•"/>
+            </a:pPr>
+            <a:endParaRPr lang="zh-TW" altLang="en-US" dirty="0"/>
+          </a:p>
+          <a:p>
+            <a:pPr marL="171450" indent="-171450">
+              <a:buFont typeface="Arial" panose="020B0604020202020204" pitchFamily="34" charset="0"/>
+              <a:buChar char="•"/>
+            </a:pPr>
+            <a:r>
+              <a:rPr lang="zh-TW" altLang="en-US" dirty="0"/>
+              <a:t>算法步驟：</a:t>
+            </a:r>
+          </a:p>
+          <a:p>
+            <a:pPr marL="171450" indent="-171450">
+              <a:buFont typeface="Arial" panose="020B0604020202020204" pitchFamily="34" charset="0"/>
+              <a:buChar char="•"/>
+            </a:pPr>
+            <a:endParaRPr lang="zh-TW" altLang="en-US" dirty="0"/>
+          </a:p>
+          <a:p>
+            <a:pPr marL="171450" indent="-171450">
+              <a:buFont typeface="Arial" panose="020B0604020202020204" pitchFamily="34" charset="0"/>
+              <a:buChar char="•"/>
+            </a:pPr>
+            <a:r>
+              <a:rPr lang="en-US" altLang="zh-TW" dirty="0"/>
+              <a:t>1. **</a:t>
+            </a:r>
+            <a:r>
+              <a:rPr lang="zh-TW" altLang="en-US" dirty="0"/>
+              <a:t>初始化：** 使用一個四叉樹 </a:t>
+            </a:r>
+            <a:r>
+              <a:rPr lang="en-US" altLang="zh-TW" dirty="0"/>
+              <a:t>T </a:t>
+            </a:r>
+            <a:r>
+              <a:rPr lang="zh-TW" altLang="en-US" dirty="0"/>
+              <a:t>存儲剩餘的區域。四叉樹是一種分區數據結構，用於有效地組織和查詢空間中的信息。</a:t>
+            </a:r>
+          </a:p>
+          <a:p>
+            <a:pPr marL="171450" indent="-171450">
+              <a:buFont typeface="Arial" panose="020B0604020202020204" pitchFamily="34" charset="0"/>
+              <a:buChar char="•"/>
+            </a:pPr>
+            <a:endParaRPr lang="zh-TW" altLang="en-US" dirty="0"/>
+          </a:p>
+          <a:p>
+            <a:pPr marL="171450" indent="-171450">
+              <a:buFont typeface="Arial" panose="020B0604020202020204" pitchFamily="34" charset="0"/>
+              <a:buChar char="•"/>
+            </a:pPr>
+            <a:r>
+              <a:rPr lang="en-US" altLang="zh-TW" dirty="0"/>
+              <a:t>2. **</a:t>
+            </a:r>
+            <a:r>
+              <a:rPr lang="zh-TW" altLang="en-US" dirty="0"/>
+              <a:t>遍歷每個單元：** 對於每個單元 </a:t>
+            </a:r>
+            <a:r>
+              <a:rPr lang="en-US" altLang="zh-TW" dirty="0"/>
+              <a:t>v</a:t>
+            </a:r>
+            <a:r>
+              <a:rPr lang="zh-TW" altLang="en-US" dirty="0"/>
+              <a:t>：</a:t>
+            </a:r>
+          </a:p>
+          <a:p>
+            <a:pPr marL="171450" indent="-171450">
+              <a:buFont typeface="Arial" panose="020B0604020202020204" pitchFamily="34" charset="0"/>
+              <a:buChar char="•"/>
+            </a:pPr>
+            <a:r>
+              <a:rPr lang="zh-TW" altLang="en-US" dirty="0"/>
+              <a:t>   </a:t>
+            </a:r>
+            <a:r>
+              <a:rPr lang="en-US" altLang="zh-TW" dirty="0"/>
+              <a:t>- </a:t>
+            </a:r>
+            <a:r>
+              <a:rPr lang="zh-TW" altLang="en-US" dirty="0"/>
+              <a:t>從根節點開始，遍歷四叉樹的每一層（</a:t>
+            </a:r>
+            <a:r>
+              <a:rPr lang="en-US" altLang="zh-TW" dirty="0"/>
+              <a:t>level</a:t>
+            </a:r>
+            <a:r>
+              <a:rPr lang="zh-TW" altLang="en-US" dirty="0"/>
+              <a:t>）。</a:t>
+            </a:r>
+          </a:p>
+          <a:p>
+            <a:pPr marL="171450" indent="-171450">
+              <a:buFont typeface="Arial" panose="020B0604020202020204" pitchFamily="34" charset="0"/>
+              <a:buChar char="•"/>
+            </a:pPr>
+            <a:r>
+              <a:rPr lang="zh-TW" altLang="en-US" dirty="0"/>
+              <a:t>   </a:t>
+            </a:r>
+            <a:r>
+              <a:rPr lang="en-US" altLang="zh-TW" dirty="0"/>
+              <a:t>- </a:t>
+            </a:r>
+            <a:r>
+              <a:rPr lang="zh-TW" altLang="en-US" dirty="0"/>
+              <a:t>在每個層級，找到足夠容納單元 </a:t>
+            </a:r>
+            <a:r>
+              <a:rPr lang="en-US" altLang="zh-TW" dirty="0"/>
+              <a:t>v </a:t>
+            </a:r>
+            <a:r>
+              <a:rPr lang="zh-TW" altLang="en-US" dirty="0"/>
+              <a:t>的區域節點。</a:t>
+            </a:r>
+          </a:p>
+          <a:p>
+            <a:pPr marL="171450" indent="-171450">
+              <a:buFont typeface="Arial" panose="020B0604020202020204" pitchFamily="34" charset="0"/>
+              <a:buChar char="•"/>
+            </a:pPr>
+            <a:r>
+              <a:rPr lang="zh-TW" altLang="en-US" dirty="0"/>
+              <a:t>   </a:t>
+            </a:r>
+            <a:r>
+              <a:rPr lang="en-US" altLang="zh-TW" dirty="0"/>
+              <a:t>- </a:t>
+            </a:r>
+            <a:r>
+              <a:rPr lang="zh-TW" altLang="en-US" dirty="0"/>
+              <a:t>在這些節點中找到最優的節點 </a:t>
+            </a:r>
+            <a:r>
+              <a:rPr lang="en-US" altLang="zh-TW" dirty="0" err="1"/>
+              <a:t>Nl</a:t>
+            </a:r>
+            <a:r>
+              <a:rPr lang="zh-TW" altLang="en-US" dirty="0"/>
+              <a:t>，以最小化單元 </a:t>
+            </a:r>
+            <a:r>
+              <a:rPr lang="en-US" altLang="zh-TW" dirty="0"/>
+              <a:t>v </a:t>
+            </a:r>
+            <a:r>
+              <a:rPr lang="zh-TW" altLang="en-US" dirty="0"/>
+              <a:t>的線長。</a:t>
+            </a:r>
+          </a:p>
+          <a:p>
+            <a:pPr marL="171450" indent="-171450">
+              <a:buFont typeface="Arial" panose="020B0604020202020204" pitchFamily="34" charset="0"/>
+              <a:buChar char="•"/>
+            </a:pPr>
+            <a:endParaRPr lang="zh-TW" altLang="en-US" dirty="0"/>
+          </a:p>
+          <a:p>
+            <a:pPr marL="171450" indent="-171450">
+              <a:buFont typeface="Arial" panose="020B0604020202020204" pitchFamily="34" charset="0"/>
+              <a:buChar char="•"/>
+            </a:pPr>
+            <a:r>
+              <a:rPr lang="en-US" altLang="zh-TW" dirty="0"/>
+              <a:t>3. **</a:t>
+            </a:r>
+            <a:r>
+              <a:rPr lang="zh-TW" altLang="en-US" dirty="0"/>
+              <a:t>更新節點：** 選擇在最低層的節點 </a:t>
+            </a:r>
+            <a:r>
+              <a:rPr lang="en-US" altLang="zh-TW" dirty="0" err="1"/>
+              <a:t>Nopt</a:t>
+            </a:r>
+            <a:r>
+              <a:rPr lang="zh-TW" altLang="en-US" dirty="0"/>
+              <a:t>，該節點具有最小的線長。</a:t>
+            </a:r>
+          </a:p>
+          <a:p>
+            <a:pPr marL="171450" indent="-171450">
+              <a:buFont typeface="Arial" panose="020B0604020202020204" pitchFamily="34" charset="0"/>
+              <a:buChar char="•"/>
+            </a:pPr>
+            <a:endParaRPr lang="zh-TW" altLang="en-US" dirty="0"/>
+          </a:p>
+          <a:p>
+            <a:pPr marL="171450" indent="-171450">
+              <a:buFont typeface="Arial" panose="020B0604020202020204" pitchFamily="34" charset="0"/>
+              <a:buChar char="•"/>
+            </a:pPr>
+            <a:r>
+              <a:rPr lang="en-US" altLang="zh-TW" dirty="0"/>
+              <a:t>4. **</a:t>
+            </a:r>
+            <a:r>
+              <a:rPr lang="zh-TW" altLang="en-US" dirty="0"/>
+              <a:t>計算線長增益：** 計算當將單元 </a:t>
+            </a:r>
+            <a:r>
+              <a:rPr lang="en-US" altLang="zh-TW" dirty="0"/>
+              <a:t>v </a:t>
+            </a:r>
+            <a:r>
+              <a:rPr lang="zh-TW" altLang="en-US" dirty="0"/>
+              <a:t>移動到節點 </a:t>
+            </a:r>
+            <a:r>
+              <a:rPr lang="en-US" altLang="zh-TW" dirty="0" err="1"/>
+              <a:t>Nopt</a:t>
+            </a:r>
+            <a:r>
+              <a:rPr lang="en-US" altLang="zh-TW" dirty="0"/>
+              <a:t> </a:t>
+            </a:r>
+            <a:r>
+              <a:rPr lang="zh-TW" altLang="en-US" dirty="0"/>
+              <a:t>時的線長增益 </a:t>
+            </a:r>
+            <a:r>
+              <a:rPr lang="en-US" altLang="zh-TW" dirty="0"/>
+              <a:t>ΔF(x∗, y∗)</a:t>
+            </a:r>
+            <a:r>
+              <a:rPr lang="zh-TW" altLang="en-US" dirty="0"/>
+              <a:t>。</a:t>
+            </a:r>
+          </a:p>
+          <a:p>
+            <a:pPr marL="171450" indent="-171450">
+              <a:buFont typeface="Arial" panose="020B0604020202020204" pitchFamily="34" charset="0"/>
+              <a:buChar char="•"/>
+            </a:pPr>
+            <a:endParaRPr lang="zh-TW" altLang="en-US" dirty="0"/>
+          </a:p>
+          <a:p>
+            <a:pPr marL="171450" indent="-171450">
+              <a:buFont typeface="Arial" panose="020B0604020202020204" pitchFamily="34" charset="0"/>
+              <a:buChar char="•"/>
+            </a:pPr>
+            <a:r>
+              <a:rPr lang="en-US" altLang="zh-TW" dirty="0"/>
+              <a:t>5. **</a:t>
+            </a:r>
+            <a:r>
+              <a:rPr lang="zh-TW" altLang="en-US" dirty="0"/>
+              <a:t>移動單元：** 如果線長增益 </a:t>
+            </a:r>
+            <a:r>
+              <a:rPr lang="en-US" altLang="zh-TW" dirty="0"/>
+              <a:t>ΔF(x∗, y∗) </a:t>
+            </a:r>
+            <a:r>
+              <a:rPr lang="zh-TW" altLang="en-US" dirty="0"/>
+              <a:t>為負，則將單元 </a:t>
+            </a:r>
+            <a:r>
+              <a:rPr lang="en-US" altLang="zh-TW" dirty="0"/>
+              <a:t>v </a:t>
+            </a:r>
+            <a:r>
+              <a:rPr lang="zh-TW" altLang="en-US" dirty="0"/>
+              <a:t>移動到位置 </a:t>
+            </a:r>
+            <a:r>
+              <a:rPr lang="en-US" altLang="zh-TW" dirty="0"/>
+              <a:t>(x∗, y∗)</a:t>
+            </a:r>
+            <a:r>
+              <a:rPr lang="zh-TW" altLang="en-US" dirty="0"/>
+              <a:t>。</a:t>
+            </a:r>
+          </a:p>
+          <a:p>
+            <a:pPr marL="171450" indent="-171450">
+              <a:buFont typeface="Arial" panose="020B0604020202020204" pitchFamily="34" charset="0"/>
+              <a:buChar char="•"/>
+            </a:pPr>
+            <a:endParaRPr lang="zh-TW" altLang="en-US" dirty="0"/>
+          </a:p>
+          <a:p>
+            <a:pPr marL="171450" indent="-171450">
+              <a:buFont typeface="Arial" panose="020B0604020202020204" pitchFamily="34" charset="0"/>
+              <a:buChar char="•"/>
+            </a:pPr>
+            <a:r>
+              <a:rPr lang="en-US" altLang="zh-TW" dirty="0"/>
+              <a:t>6. **</a:t>
+            </a:r>
+            <a:r>
+              <a:rPr lang="zh-TW" altLang="en-US" dirty="0"/>
+              <a:t>更新四叉樹：** 更新四叉樹 </a:t>
+            </a:r>
+            <a:r>
+              <a:rPr lang="en-US" altLang="zh-TW" dirty="0"/>
+              <a:t>T </a:t>
+            </a:r>
+            <a:r>
+              <a:rPr lang="zh-TW" altLang="en-US" dirty="0"/>
+              <a:t>中的剩餘區域。</a:t>
+            </a:r>
+          </a:p>
+          <a:p>
+            <a:pPr marL="171450" indent="-171450">
+              <a:buFont typeface="Arial" panose="020B0604020202020204" pitchFamily="34" charset="0"/>
+              <a:buChar char="•"/>
+            </a:pPr>
+            <a:endParaRPr lang="zh-TW" altLang="en-US" dirty="0"/>
+          </a:p>
+          <a:p>
+            <a:pPr marL="171450" indent="-171450">
+              <a:buFont typeface="Arial" panose="020B0604020202020204" pitchFamily="34" charset="0"/>
+              <a:buChar char="•"/>
+            </a:pPr>
+            <a:r>
+              <a:rPr lang="zh-TW" altLang="en-US" dirty="0"/>
+              <a:t>簡而言之，該算法通過遍歷四叉樹，找到每個單元的最優位置，以最小化線長。如果新位置導致線長減少，則移動該單元。</a:t>
+            </a:r>
+          </a:p>
+        </p:txBody>
+      </p:sp>
+      <p:sp>
+        <p:nvSpPr>
+          <p:cNvPr id="4" name="投影片編號版面配置區 3">
+            <a:extLst>
+              <a:ext uri="{FF2B5EF4-FFF2-40B4-BE49-F238E27FC236}">
+                <a16:creationId xmlns:a16="http://schemas.microsoft.com/office/drawing/2014/main" id="{D69D0EE9-0F66-FD24-0F5F-DDC102A4CC47}"/>
+              </a:ext>
+            </a:extLst>
+          </p:cNvPr>
+          <p:cNvSpPr>
+            <a:spLocks noGrp="1"/>
+          </p:cNvSpPr>
+          <p:nvPr>
+            <p:ph type="sldNum" sz="quarter" idx="5"/>
+          </p:nvPr>
+        </p:nvSpPr>
+        <p:spPr/>
+        <p:txBody>
+          <a:bodyPr/>
+          <a:lstStyle/>
+          <a:p>
+            <a:fld id="{9D457EAB-1485-47AD-BEAD-484FAEBF5A54}" type="slidenum">
+              <a:rPr lang="en-US" smtClean="0"/>
+              <a:t>16</a:t>
+            </a:fld>
+            <a:endParaRPr lang="en-US"/>
+          </a:p>
+        </p:txBody>
+      </p:sp>
+    </p:spTree>
+    <p:extLst>
+      <p:ext uri="{BB962C8B-B14F-4D97-AF65-F5344CB8AC3E}">
+        <p14:creationId xmlns:p14="http://schemas.microsoft.com/office/powerpoint/2010/main" val="3635817137"/>
+      </p:ext>
+    </p:extLst>
+  </p:cSld>
+  <p:clrMapOvr>
+    <a:masterClrMapping/>
+  </p:clrMapOvr>
+</p:notes>
+</file>
+
+<file path=ppt/notesSlides/notesSlide15.xml><?xml version="1.0" encoding="utf-8"?>
+<p:notes xmlns:a="http://schemas.openxmlformats.org/drawingml/2006/main" xmlns:r="http://schemas.openxmlformats.org/officeDocument/2006/relationships" xmlns:p="http://schemas.openxmlformats.org/presentationml/2006/main">
+  <p:cSld>
+    <p:spTree>
+      <p:nvGrpSpPr>
+        <p:cNvPr id="1" name="">
+          <a:extLst>
+            <a:ext uri="{FF2B5EF4-FFF2-40B4-BE49-F238E27FC236}">
+              <a16:creationId xmlns:a16="http://schemas.microsoft.com/office/drawing/2014/main" id="{24B4CC27-787F-5360-8ABA-6AE0F879BF7D}"/>
+            </a:ext>
+          </a:extLst>
+        </p:cNvPr>
+        <p:cNvGrpSpPr/>
+        <p:nvPr/>
+      </p:nvGrpSpPr>
+      <p:grpSpPr>
+        <a:xfrm>
+          <a:off x="0" y="0"/>
+          <a:ext cx="0" cy="0"/>
+          <a:chOff x="0" y="0"/>
+          <a:chExt cx="0" cy="0"/>
+        </a:xfrm>
+      </p:grpSpPr>
+      <p:sp>
+        <p:nvSpPr>
+          <p:cNvPr id="2" name="投影片影像版面配置區 1">
+            <a:extLst>
+              <a:ext uri="{FF2B5EF4-FFF2-40B4-BE49-F238E27FC236}">
+                <a16:creationId xmlns:a16="http://schemas.microsoft.com/office/drawing/2014/main" id="{939BC212-A119-DB33-CC50-4EDCC57956CC}"/>
+              </a:ext>
+            </a:extLst>
+          </p:cNvPr>
+          <p:cNvSpPr>
+            <a:spLocks noGrp="1" noRot="1" noChangeAspect="1"/>
+          </p:cNvSpPr>
+          <p:nvPr>
+            <p:ph type="sldImg"/>
+          </p:nvPr>
+        </p:nvSpPr>
+        <p:spPr/>
+      </p:sp>
+      <p:sp>
+        <p:nvSpPr>
+          <p:cNvPr id="3" name="備忘稿版面配置區 2">
+            <a:extLst>
+              <a:ext uri="{FF2B5EF4-FFF2-40B4-BE49-F238E27FC236}">
+                <a16:creationId xmlns:a16="http://schemas.microsoft.com/office/drawing/2014/main" id="{7B8BB955-80B6-4912-BDEA-2E2D0D484FC9}"/>
+              </a:ext>
+            </a:extLst>
+          </p:cNvPr>
+          <p:cNvSpPr>
+            <a:spLocks noGrp="1"/>
+          </p:cNvSpPr>
+          <p:nvPr>
+            <p:ph type="body" idx="1"/>
+          </p:nvPr>
+        </p:nvSpPr>
+        <p:spPr/>
+        <p:txBody>
+          <a:bodyPr/>
+          <a:lstStyle/>
+          <a:p>
+            <a:pPr marL="171450" indent="-171450">
+              <a:buFont typeface="Arial" panose="020B0604020202020204" pitchFamily="34" charset="0"/>
+              <a:buChar char="•"/>
+            </a:pPr>
+            <a:r>
+              <a:rPr lang="zh-TW" altLang="en-US" dirty="0"/>
+              <a:t>在每一個</a:t>
+            </a:r>
+            <a:r>
+              <a:rPr lang="en-US" altLang="zh-TW" dirty="0"/>
+              <a:t>level</a:t>
+            </a:r>
+            <a:r>
+              <a:rPr lang="zh-TW" altLang="en-US" dirty="0"/>
+              <a:t>中，在同一個</a:t>
+            </a:r>
+            <a:r>
+              <a:rPr lang="en-US" altLang="zh-TW" dirty="0"/>
+              <a:t>bin(</a:t>
+            </a:r>
+            <a:r>
+              <a:rPr lang="zh-TW" altLang="en-US" dirty="0"/>
+              <a:t>也就是樹的</a:t>
+            </a:r>
+            <a:r>
+              <a:rPr lang="en-US" altLang="zh-TW" dirty="0"/>
+              <a:t>node)</a:t>
+            </a:r>
+            <a:r>
+              <a:rPr lang="zh-TW" altLang="en-US" dirty="0"/>
+              <a:t>的</a:t>
+            </a:r>
+            <a:r>
+              <a:rPr lang="en-US" altLang="zh-TW" dirty="0"/>
+              <a:t>cell</a:t>
+            </a:r>
+            <a:r>
+              <a:rPr lang="zh-TW" altLang="en-US" dirty="0"/>
+              <a:t>都會被看成共享同一個</a:t>
+            </a:r>
+            <a:r>
+              <a:rPr lang="en-US" altLang="zh-TW" dirty="0"/>
+              <a:t>coordinate.</a:t>
+            </a:r>
+            <a:endParaRPr lang="zh-TW" altLang="en-US" dirty="0"/>
+          </a:p>
+        </p:txBody>
+      </p:sp>
+      <p:sp>
+        <p:nvSpPr>
+          <p:cNvPr id="4" name="投影片編號版面配置區 3">
+            <a:extLst>
+              <a:ext uri="{FF2B5EF4-FFF2-40B4-BE49-F238E27FC236}">
+                <a16:creationId xmlns:a16="http://schemas.microsoft.com/office/drawing/2014/main" id="{C7B44D20-8C44-D2B7-5115-F117EBC7E92E}"/>
+              </a:ext>
+            </a:extLst>
+          </p:cNvPr>
+          <p:cNvSpPr>
+            <a:spLocks noGrp="1"/>
+          </p:cNvSpPr>
+          <p:nvPr>
+            <p:ph type="sldNum" sz="quarter" idx="5"/>
+          </p:nvPr>
+        </p:nvSpPr>
+        <p:spPr/>
+        <p:txBody>
+          <a:bodyPr/>
+          <a:lstStyle/>
+          <a:p>
+            <a:fld id="{9D457EAB-1485-47AD-BEAD-484FAEBF5A54}" type="slidenum">
+              <a:rPr lang="en-US" smtClean="0"/>
+              <a:t>17</a:t>
+            </a:fld>
+            <a:endParaRPr lang="en-US"/>
+          </a:p>
+        </p:txBody>
+      </p:sp>
+    </p:spTree>
+    <p:extLst>
+      <p:ext uri="{BB962C8B-B14F-4D97-AF65-F5344CB8AC3E}">
+        <p14:creationId xmlns:p14="http://schemas.microsoft.com/office/powerpoint/2010/main" val="1522153131"/>
+      </p:ext>
+    </p:extLst>
+  </p:cSld>
+  <p:clrMapOvr>
+    <a:masterClrMapping/>
+  </p:clrMapOvr>
+</p:notes>
+</file>
+
+<file path=ppt/notesSlides/notesSlide16.xml><?xml version="1.0" encoding="utf-8"?>
+<p:notes xmlns:a="http://schemas.openxmlformats.org/drawingml/2006/main" xmlns:r="http://schemas.openxmlformats.org/officeDocument/2006/relationships" xmlns:p="http://schemas.openxmlformats.org/presentationml/2006/main">
+  <p:cSld>
+    <p:spTree>
+      <p:nvGrpSpPr>
+        <p:cNvPr id="1" name=""/>
+        <p:cNvGrpSpPr/>
+        <p:nvPr/>
+      </p:nvGrpSpPr>
+      <p:grpSpPr>
+        <a:xfrm>
+          <a:off x="0" y="0"/>
+          <a:ext cx="0" cy="0"/>
+          <a:chOff x="0" y="0"/>
+          <a:chExt cx="0" cy="0"/>
+        </a:xfrm>
+      </p:grpSpPr>
+      <p:sp>
+        <p:nvSpPr>
+          <p:cNvPr id="2" name="投影片影像版面配置區 1"/>
+          <p:cNvSpPr>
+            <a:spLocks noGrp="1" noRot="1" noChangeAspect="1"/>
+          </p:cNvSpPr>
+          <p:nvPr>
+            <p:ph type="sldImg"/>
+          </p:nvPr>
+        </p:nvSpPr>
+        <p:spPr/>
+      </p:sp>
+      <p:sp>
+        <p:nvSpPr>
+          <p:cNvPr id="3" name="備忘稿版面配置區 2"/>
+          <p:cNvSpPr>
+            <a:spLocks noGrp="1"/>
+          </p:cNvSpPr>
+          <p:nvPr>
+            <p:ph type="body" idx="1"/>
+          </p:nvPr>
+        </p:nvSpPr>
+        <p:spPr/>
+        <p:txBody>
+          <a:bodyPr/>
+          <a:lstStyle/>
+          <a:p>
+            <a:endParaRPr lang="zh-TW" altLang="en-US" dirty="0"/>
+          </a:p>
+        </p:txBody>
+      </p:sp>
+      <p:sp>
+        <p:nvSpPr>
+          <p:cNvPr id="4" name="投影片編號版面配置區 3"/>
+          <p:cNvSpPr>
+            <a:spLocks noGrp="1"/>
+          </p:cNvSpPr>
+          <p:nvPr>
+            <p:ph type="sldNum" sz="quarter" idx="5"/>
+          </p:nvPr>
+        </p:nvSpPr>
+        <p:spPr/>
+        <p:txBody>
+          <a:bodyPr/>
+          <a:lstStyle/>
+          <a:p>
+            <a:fld id="{9D457EAB-1485-47AD-BEAD-484FAEBF5A54}" type="slidenum">
+              <a:rPr lang="en-US" smtClean="0"/>
+              <a:t>18</a:t>
+            </a:fld>
+            <a:endParaRPr lang="en-US"/>
+          </a:p>
+        </p:txBody>
+      </p:sp>
+    </p:spTree>
+    <p:extLst>
+      <p:ext uri="{BB962C8B-B14F-4D97-AF65-F5344CB8AC3E}">
+        <p14:creationId xmlns:p14="http://schemas.microsoft.com/office/powerpoint/2010/main" val="850139107"/>
+      </p:ext>
+    </p:extLst>
+  </p:cSld>
+  <p:clrMapOvr>
+    <a:masterClrMapping/>
+  </p:clrMapOvr>
+</p:notes>
+</file>
+
+<file path=ppt/notesSlides/notesSlide17.xml><?xml version="1.0" encoding="utf-8"?>
+<p:notes xmlns:a="http://schemas.openxmlformats.org/drawingml/2006/main" xmlns:r="http://schemas.openxmlformats.org/officeDocument/2006/relationships" xmlns:p="http://schemas.openxmlformats.org/presentationml/2006/main">
+  <p:cSld>
+    <p:spTree>
+      <p:nvGrpSpPr>
+        <p:cNvPr id="1" name=""/>
+        <p:cNvGrpSpPr/>
+        <p:nvPr/>
+      </p:nvGrpSpPr>
+      <p:grpSpPr>
+        <a:xfrm>
+          <a:off x="0" y="0"/>
+          <a:ext cx="0" cy="0"/>
+          <a:chOff x="0" y="0"/>
+          <a:chExt cx="0" cy="0"/>
+        </a:xfrm>
+      </p:grpSpPr>
+      <p:sp>
+        <p:nvSpPr>
+          <p:cNvPr id="2" name="投影片影像版面配置區 1"/>
+          <p:cNvSpPr>
+            <a:spLocks noGrp="1" noRot="1" noChangeAspect="1"/>
+          </p:cNvSpPr>
+          <p:nvPr>
+            <p:ph type="sldImg"/>
+          </p:nvPr>
+        </p:nvSpPr>
+        <p:spPr/>
+      </p:sp>
+      <p:sp>
+        <p:nvSpPr>
+          <p:cNvPr id="3" name="備忘稿版面配置區 2"/>
+          <p:cNvSpPr>
+            <a:spLocks noGrp="1"/>
+          </p:cNvSpPr>
+          <p:nvPr>
+            <p:ph type="body" idx="1"/>
+          </p:nvPr>
+        </p:nvSpPr>
+        <p:spPr/>
+        <p:txBody>
+          <a:bodyPr/>
+          <a:lstStyle/>
+          <a:p>
+            <a:pPr marL="171450" indent="-171450">
+              <a:buFont typeface="Arial" panose="020B0604020202020204" pitchFamily="34" charset="0"/>
+              <a:buChar char="•"/>
+            </a:pPr>
+            <a:r>
+              <a:rPr lang="zh-TW" altLang="en-US" dirty="0"/>
+              <a:t>因為沒有特別修復</a:t>
+            </a:r>
+            <a:r>
+              <a:rPr lang="en-US" altLang="zh-TW" dirty="0"/>
+              <a:t>critical net, </a:t>
+            </a:r>
+            <a:r>
+              <a:rPr lang="zh-TW" altLang="en-US" dirty="0"/>
+              <a:t>所以</a:t>
+            </a:r>
+            <a:r>
+              <a:rPr lang="en-US" altLang="zh-TW" dirty="0"/>
+              <a:t>WNS</a:t>
+            </a:r>
+            <a:r>
+              <a:rPr lang="zh-TW" altLang="en-US" dirty="0"/>
+              <a:t>沒有進步很多</a:t>
+            </a:r>
+            <a:endParaRPr lang="en-US" altLang="zh-TW" dirty="0"/>
+          </a:p>
+          <a:p>
+            <a:pPr marL="171450" indent="-171450">
+              <a:buFont typeface="Arial" panose="020B0604020202020204" pitchFamily="34" charset="0"/>
+              <a:buChar char="•"/>
+            </a:pPr>
+            <a:r>
+              <a:rPr lang="zh-TW" altLang="en-US" dirty="0"/>
+              <a:t>但是</a:t>
+            </a:r>
+            <a:r>
+              <a:rPr lang="en-US" altLang="zh-TW" dirty="0"/>
+              <a:t>Runtime</a:t>
+            </a:r>
+            <a:r>
+              <a:rPr lang="zh-TW" altLang="en-US" dirty="0"/>
+              <a:t>都比較高</a:t>
+            </a:r>
+          </a:p>
+        </p:txBody>
+      </p:sp>
+      <p:sp>
+        <p:nvSpPr>
+          <p:cNvPr id="4" name="投影片編號版面配置區 3"/>
+          <p:cNvSpPr>
+            <a:spLocks noGrp="1"/>
+          </p:cNvSpPr>
+          <p:nvPr>
+            <p:ph type="sldNum" sz="quarter" idx="5"/>
+          </p:nvPr>
+        </p:nvSpPr>
+        <p:spPr/>
+        <p:txBody>
+          <a:bodyPr/>
+          <a:lstStyle/>
+          <a:p>
+            <a:fld id="{9D457EAB-1485-47AD-BEAD-484FAEBF5A54}" type="slidenum">
+              <a:rPr lang="en-US" smtClean="0"/>
+              <a:t>19</a:t>
+            </a:fld>
+            <a:endParaRPr lang="en-US"/>
+          </a:p>
+        </p:txBody>
+      </p:sp>
+    </p:spTree>
+    <p:extLst>
+      <p:ext uri="{BB962C8B-B14F-4D97-AF65-F5344CB8AC3E}">
+        <p14:creationId xmlns:p14="http://schemas.microsoft.com/office/powerpoint/2010/main" val="3850073484"/>
       </p:ext>
     </p:extLst>
   </p:cSld>
@@ -8554,6 +9663,374 @@
         <p:cNvPr id="1" name="">
           <a:extLst>
             <a:ext uri="{FF2B5EF4-FFF2-40B4-BE49-F238E27FC236}">
+              <a16:creationId xmlns:a16="http://schemas.microsoft.com/office/drawing/2014/main" id="{06EBB486-4E4F-D5B8-E44E-E60DF8F1AFE2}"/>
+            </a:ext>
+          </a:extLst>
+        </p:cNvPr>
+        <p:cNvGrpSpPr/>
+        <p:nvPr/>
+      </p:nvGrpSpPr>
+      <p:grpSpPr>
+        <a:xfrm>
+          <a:off x="0" y="0"/>
+          <a:ext cx="0" cy="0"/>
+          <a:chOff x="0" y="0"/>
+          <a:chExt cx="0" cy="0"/>
+        </a:xfrm>
+      </p:grpSpPr>
+      <p:sp>
+        <p:nvSpPr>
+          <p:cNvPr id="2" name="標題 1">
+            <a:extLst>
+              <a:ext uri="{FF2B5EF4-FFF2-40B4-BE49-F238E27FC236}">
+                <a16:creationId xmlns:a16="http://schemas.microsoft.com/office/drawing/2014/main" id="{6D0CCA86-40A9-A7E1-537F-A2306371B439}"/>
+              </a:ext>
+            </a:extLst>
+          </p:cNvPr>
+          <p:cNvSpPr>
+            <a:spLocks noGrp="1"/>
+          </p:cNvSpPr>
+          <p:nvPr>
+            <p:ph type="title"/>
+          </p:nvPr>
+        </p:nvSpPr>
+        <p:spPr/>
+        <p:txBody>
+          <a:bodyPr/>
+          <a:lstStyle/>
+          <a:p>
+            <a:r>
+              <a:rPr kumimoji="0" lang="en-US" altLang="zh-TW" sz="4400" b="0" i="0" u="none" strike="noStrike" kern="1200" cap="none" spc="0" normalizeH="0" baseline="0" noProof="0" dirty="0">
+                <a:ln>
+                  <a:noFill/>
+                </a:ln>
+                <a:solidFill>
+                  <a:prstClr val="black"/>
+                </a:solidFill>
+                <a:effectLst/>
+                <a:uLnTx/>
+                <a:uFillTx/>
+                <a:latin typeface="Times New Roman"/>
+                <a:ea typeface="標楷體"/>
+                <a:cs typeface="+mj-cs"/>
+              </a:rPr>
+              <a:t>Proposed Algorithm - </a:t>
+            </a:r>
+            <a:r>
+              <a:rPr kumimoji="0" lang="en-US" altLang="zh-TW" sz="2600" b="0" i="0" u="none" strike="noStrike" kern="1200" cap="none" spc="0" normalizeH="0" baseline="0" noProof="0" dirty="0">
+                <a:ln>
+                  <a:noFill/>
+                </a:ln>
+                <a:solidFill>
+                  <a:prstClr val="black"/>
+                </a:solidFill>
+                <a:effectLst/>
+                <a:uLnTx/>
+                <a:uFillTx/>
+                <a:latin typeface="Times New Roman"/>
+                <a:ea typeface="標楷體"/>
+                <a:cs typeface="+mj-cs"/>
+              </a:rPr>
+              <a:t>StWL Optimization in Cell Refinement</a:t>
+            </a:r>
+            <a:endParaRPr lang="zh-TW" altLang="en-US" dirty="0"/>
+          </a:p>
+        </p:txBody>
+      </p:sp>
+      <p:sp>
+        <p:nvSpPr>
+          <p:cNvPr id="3" name="內容版面配置區 2">
+            <a:extLst>
+              <a:ext uri="{FF2B5EF4-FFF2-40B4-BE49-F238E27FC236}">
+                <a16:creationId xmlns:a16="http://schemas.microsoft.com/office/drawing/2014/main" id="{48C580E3-A55A-5B2B-D446-2E661DBFC53F}"/>
+              </a:ext>
+            </a:extLst>
+          </p:cNvPr>
+          <p:cNvSpPr>
+            <a:spLocks noGrp="1"/>
+          </p:cNvSpPr>
+          <p:nvPr>
+            <p:ph idx="1"/>
+          </p:nvPr>
+        </p:nvSpPr>
+        <p:spPr/>
+        <p:txBody>
+          <a:bodyPr>
+            <a:normAutofit/>
+          </a:bodyPr>
+          <a:lstStyle/>
+          <a:p>
+            <a:pPr marL="457200" indent="-457200">
+              <a:buAutoNum type="arabicParenBoth"/>
+            </a:pPr>
+            <a:r>
+              <a:rPr lang="en-US" altLang="zh-TW" sz="2200" b="1" dirty="0"/>
+              <a:t>Anchor generation for a certain net</a:t>
+            </a:r>
+          </a:p>
+          <a:p>
+            <a:pPr marL="457200" indent="-457200">
+              <a:buAutoNum type="arabicParenBoth"/>
+            </a:pPr>
+            <a:endParaRPr lang="en-US" altLang="zh-TW" sz="400" b="1" dirty="0"/>
+          </a:p>
+        </p:txBody>
+      </p:sp>
+      <p:sp>
+        <p:nvSpPr>
+          <p:cNvPr id="4" name="投影片編號版面配置區 3">
+            <a:extLst>
+              <a:ext uri="{FF2B5EF4-FFF2-40B4-BE49-F238E27FC236}">
+                <a16:creationId xmlns:a16="http://schemas.microsoft.com/office/drawing/2014/main" id="{FD88DAD9-2E45-DE4C-BDAA-4ECB9F2D616A}"/>
+              </a:ext>
+            </a:extLst>
+          </p:cNvPr>
+          <p:cNvSpPr>
+            <a:spLocks noGrp="1"/>
+          </p:cNvSpPr>
+          <p:nvPr>
+            <p:ph type="sldNum" sz="quarter" idx="12"/>
+          </p:nvPr>
+        </p:nvSpPr>
+        <p:spPr/>
+        <p:txBody>
+          <a:bodyPr/>
+          <a:lstStyle/>
+          <a:p>
+            <a:fld id="{666274A1-CF9C-426A-8DD4-B13ED0C24231}" type="slidenum">
+              <a:rPr lang="en-US" smtClean="0"/>
+              <a:t>13</a:t>
+            </a:fld>
+            <a:endParaRPr lang="en-US"/>
+          </a:p>
+        </p:txBody>
+      </p:sp>
+      <p:pic>
+        <p:nvPicPr>
+          <p:cNvPr id="6" name="圖片 5">
+            <a:extLst>
+              <a:ext uri="{FF2B5EF4-FFF2-40B4-BE49-F238E27FC236}">
+                <a16:creationId xmlns:a16="http://schemas.microsoft.com/office/drawing/2014/main" id="{027FD855-8739-34A9-2089-69B1AC1D2D2C}"/>
+              </a:ext>
+            </a:extLst>
+          </p:cNvPr>
+          <p:cNvPicPr>
+            <a:picLocks noChangeAspect="1"/>
+          </p:cNvPicPr>
+          <p:nvPr/>
+        </p:nvPicPr>
+        <p:blipFill>
+          <a:blip r:embed="rId3"/>
+          <a:stretch>
+            <a:fillRect/>
+          </a:stretch>
+        </p:blipFill>
+        <p:spPr>
+          <a:xfrm>
+            <a:off x="3451292" y="0"/>
+            <a:ext cx="5289415" cy="6858000"/>
+          </a:xfrm>
+          <a:prstGeom prst="rect">
+            <a:avLst/>
+          </a:prstGeom>
+        </p:spPr>
+      </p:pic>
+      <p:sp>
+        <p:nvSpPr>
+          <p:cNvPr id="8" name="矩形 7">
+            <a:extLst>
+              <a:ext uri="{FF2B5EF4-FFF2-40B4-BE49-F238E27FC236}">
+                <a16:creationId xmlns:a16="http://schemas.microsoft.com/office/drawing/2014/main" id="{2D1D3E6D-0450-ECDB-87D3-94B42E21F0BF}"/>
+              </a:ext>
+            </a:extLst>
+          </p:cNvPr>
+          <p:cNvSpPr/>
+          <p:nvPr/>
+        </p:nvSpPr>
+        <p:spPr>
+          <a:xfrm>
+            <a:off x="3782728" y="1106905"/>
+            <a:ext cx="4827872" cy="2117558"/>
+          </a:xfrm>
+          <a:prstGeom prst="rect">
+            <a:avLst/>
+          </a:prstGeom>
+          <a:noFill/>
+          <a:ln w="28575">
+            <a:solidFill>
+              <a:srgbClr val="FF0000"/>
+            </a:solidFill>
+          </a:ln>
+        </p:spPr>
+        <p:style>
+          <a:lnRef idx="2">
+            <a:schemeClr val="accent1">
+              <a:shade val="15000"/>
+            </a:schemeClr>
+          </a:lnRef>
+          <a:fillRef idx="1">
+            <a:schemeClr val="accent1"/>
+          </a:fillRef>
+          <a:effectRef idx="0">
+            <a:schemeClr val="accent1"/>
+          </a:effectRef>
+          <a:fontRef idx="minor">
+            <a:schemeClr val="lt1"/>
+          </a:fontRef>
+        </p:style>
+        <p:txBody>
+          <a:bodyPr rtlCol="0" anchor="ctr"/>
+          <a:lstStyle/>
+          <a:p>
+            <a:pPr algn="ctr"/>
+            <a:endParaRPr lang="zh-TW" altLang="en-US"/>
+          </a:p>
+        </p:txBody>
+      </p:sp>
+    </p:spTree>
+    <p:extLst>
+      <p:ext uri="{BB962C8B-B14F-4D97-AF65-F5344CB8AC3E}">
+        <p14:creationId xmlns:p14="http://schemas.microsoft.com/office/powerpoint/2010/main" val="1329579407"/>
+      </p:ext>
+    </p:extLst>
+  </p:cSld>
+  <p:clrMapOvr>
+    <a:masterClrMapping/>
+  </p:clrMapOvr>
+  <p:timing>
+    <p:tnLst>
+      <p:par>
+        <p:cTn id="1" dur="indefinite" restart="never" nodeType="tmRoot">
+          <p:childTnLst>
+            <p:seq concurrent="1" nextAc="seek">
+              <p:cTn id="2" dur="indefinite" nodeType="mainSeq">
+                <p:childTnLst>
+                  <p:par>
+                    <p:cTn id="3" fill="hold">
+                      <p:stCondLst>
+                        <p:cond delay="indefinite"/>
+                      </p:stCondLst>
+                      <p:childTnLst>
+                        <p:par>
+                          <p:cTn id="4" fill="hold">
+                            <p:stCondLst>
+                              <p:cond delay="0"/>
+                            </p:stCondLst>
+                            <p:childTnLst>
+                              <p:par>
+                                <p:cTn id="5" presetID="1" presetClass="entr" presetSubtype="0" fill="hold" nodeType="clickEffect">
+                                  <p:stCondLst>
+                                    <p:cond delay="0"/>
+                                  </p:stCondLst>
+                                  <p:childTnLst>
+                                    <p:set>
+                                      <p:cBhvr>
+                                        <p:cTn id="6" dur="1" fill="hold">
+                                          <p:stCondLst>
+                                            <p:cond delay="0"/>
+                                          </p:stCondLst>
+                                        </p:cTn>
+                                        <p:tgtEl>
+                                          <p:spTgt spid="6"/>
+                                        </p:tgtEl>
+                                        <p:attrNameLst>
+                                          <p:attrName>style.visibility</p:attrName>
+                                        </p:attrNameLst>
+                                      </p:cBhvr>
+                                      <p:to>
+                                        <p:strVal val="visible"/>
+                                      </p:to>
+                                    </p:set>
+                                  </p:childTnLst>
+                                </p:cTn>
+                              </p:par>
+                            </p:childTnLst>
+                          </p:cTn>
+                        </p:par>
+                      </p:childTnLst>
+                    </p:cTn>
+                  </p:par>
+                  <p:par>
+                    <p:cTn id="7" fill="hold">
+                      <p:stCondLst>
+                        <p:cond delay="indefinite"/>
+                      </p:stCondLst>
+                      <p:childTnLst>
+                        <p:par>
+                          <p:cTn id="8" fill="hold">
+                            <p:stCondLst>
+                              <p:cond delay="0"/>
+                            </p:stCondLst>
+                            <p:childTnLst>
+                              <p:par>
+                                <p:cTn id="9" presetID="1" presetClass="entr" presetSubtype="0" fill="hold" grpId="0" nodeType="clickEffect">
+                                  <p:stCondLst>
+                                    <p:cond delay="0"/>
+                                  </p:stCondLst>
+                                  <p:childTnLst>
+                                    <p:set>
+                                      <p:cBhvr>
+                                        <p:cTn id="10" dur="1" fill="hold">
+                                          <p:stCondLst>
+                                            <p:cond delay="0"/>
+                                          </p:stCondLst>
+                                        </p:cTn>
+                                        <p:tgtEl>
+                                          <p:spTgt spid="8"/>
+                                        </p:tgtEl>
+                                        <p:attrNameLst>
+                                          <p:attrName>style.visibility</p:attrName>
+                                        </p:attrNameLst>
+                                      </p:cBhvr>
+                                      <p:to>
+                                        <p:strVal val="visible"/>
+                                      </p:to>
+                                    </p:set>
+                                  </p:childTnLst>
+                                </p:cTn>
+                              </p:par>
+                            </p:childTnLst>
+                          </p:cTn>
+                        </p:par>
+                      </p:childTnLst>
+                    </p:cTn>
+                  </p:par>
+                </p:childTnLst>
+              </p:cTn>
+              <p:prevCondLst>
+                <p:cond evt="onPrev" delay="0">
+                  <p:tgtEl>
+                    <p:sldTgt/>
+                  </p:tgtEl>
+                </p:cond>
+              </p:prevCondLst>
+              <p:nextCondLst>
+                <p:cond evt="onNext" delay="0">
+                  <p:tgtEl>
+                    <p:sldTgt/>
+                  </p:tgtEl>
+                </p:cond>
+              </p:nextCondLst>
+            </p:seq>
+          </p:childTnLst>
+        </p:cTn>
+      </p:par>
+    </p:tnLst>
+    <p:bldLst>
+      <p:bldP spid="8" grpId="0" animBg="1"/>
+    </p:bldLst>
+  </p:timing>
+</p:sld>
+</file>
+
+<file path=ppt/slides/slide15.xml><?xml version="1.0" encoding="utf-8"?>
+<p:sld xmlns:a="http://schemas.openxmlformats.org/drawingml/2006/main" xmlns:r="http://schemas.openxmlformats.org/officeDocument/2006/relationships" xmlns:p="http://schemas.openxmlformats.org/presentationml/2006/main">
+  <p:cSld>
+    <p:spTree>
+      <p:nvGrpSpPr>
+        <p:cNvPr id="1" name="">
+          <a:extLst>
+            <a:ext uri="{FF2B5EF4-FFF2-40B4-BE49-F238E27FC236}">
               <a16:creationId xmlns:a16="http://schemas.microsoft.com/office/drawing/2014/main" id="{D49AE102-08B5-40B2-6236-D734B5E94927}"/>
             </a:ext>
           </a:extLst>
@@ -8651,12 +10128,12 @@
           </a:bodyPr>
           <a:lstStyle/>
           <a:p>
-            <a:pPr marL="457200" indent="-457200">
-              <a:buAutoNum type="arabicParenBoth"/>
+            <a:pPr marL="0" indent="0">
+              <a:buNone/>
             </a:pPr>
             <a:r>
               <a:rPr lang="en-US" altLang="zh-TW" sz="2200" b="1" dirty="0"/>
-              <a:t>Framework of the refinement algorithm</a:t>
+              <a:t>(2)  Framework of the refinement algorithm</a:t>
             </a:r>
           </a:p>
           <a:p>
@@ -8777,7 +10254,7 @@
           <a:p>
             <a:fld id="{666274A1-CF9C-426A-8DD4-B13ED0C24231}" type="slidenum">
               <a:rPr lang="en-US" smtClean="0"/>
-              <a:t>13</a:t>
+              <a:t>14</a:t>
             </a:fld>
             <a:endParaRPr lang="en-US"/>
           </a:p>
@@ -8826,7 +10303,1211 @@
 </p:sld>
 </file>
 
-<file path=ppt/slides/slide15.xml><?xml version="1.0" encoding="utf-8"?>
+<file path=ppt/slides/slide16.xml><?xml version="1.0" encoding="utf-8"?>
+<p:sld xmlns:a="http://schemas.openxmlformats.org/drawingml/2006/main" xmlns:r="http://schemas.openxmlformats.org/officeDocument/2006/relationships" xmlns:p="http://schemas.openxmlformats.org/presentationml/2006/main">
+  <p:cSld>
+    <p:spTree>
+      <p:nvGrpSpPr>
+        <p:cNvPr id="1" name="">
+          <a:extLst>
+            <a:ext uri="{FF2B5EF4-FFF2-40B4-BE49-F238E27FC236}">
+              <a16:creationId xmlns:a16="http://schemas.microsoft.com/office/drawing/2014/main" id="{1FC7915B-A9DD-A580-C5F3-8EE5E4C43EB8}"/>
+            </a:ext>
+          </a:extLst>
+        </p:cNvPr>
+        <p:cNvGrpSpPr/>
+        <p:nvPr/>
+      </p:nvGrpSpPr>
+      <p:grpSpPr>
+        <a:xfrm>
+          <a:off x="0" y="0"/>
+          <a:ext cx="0" cy="0"/>
+          <a:chOff x="0" y="0"/>
+          <a:chExt cx="0" cy="0"/>
+        </a:xfrm>
+      </p:grpSpPr>
+      <p:sp>
+        <p:nvSpPr>
+          <p:cNvPr id="2" name="標題 1">
+            <a:extLst>
+              <a:ext uri="{FF2B5EF4-FFF2-40B4-BE49-F238E27FC236}">
+                <a16:creationId xmlns:a16="http://schemas.microsoft.com/office/drawing/2014/main" id="{F35312E1-D863-9AB2-C930-B4D8309BE9F3}"/>
+              </a:ext>
+            </a:extLst>
+          </p:cNvPr>
+          <p:cNvSpPr>
+            <a:spLocks noGrp="1"/>
+          </p:cNvSpPr>
+          <p:nvPr>
+            <p:ph type="title"/>
+          </p:nvPr>
+        </p:nvSpPr>
+        <p:spPr/>
+        <p:txBody>
+          <a:bodyPr/>
+          <a:lstStyle/>
+          <a:p>
+            <a:r>
+              <a:rPr kumimoji="0" lang="en-US" altLang="zh-TW" sz="4400" b="0" i="0" u="none" strike="noStrike" kern="1200" cap="none" spc="0" normalizeH="0" baseline="0" noProof="0" dirty="0">
+                <a:ln>
+                  <a:noFill/>
+                </a:ln>
+                <a:solidFill>
+                  <a:prstClr val="black"/>
+                </a:solidFill>
+                <a:effectLst/>
+                <a:uLnTx/>
+                <a:uFillTx/>
+                <a:latin typeface="Times New Roman"/>
+                <a:ea typeface="標楷體"/>
+                <a:cs typeface="+mj-cs"/>
+              </a:rPr>
+              <a:t>Proposed Algorithm - </a:t>
+            </a:r>
+            <a:r>
+              <a:rPr kumimoji="0" lang="en-US" altLang="zh-TW" sz="2600" b="0" i="0" u="none" strike="noStrike" kern="1200" cap="none" spc="0" normalizeH="0" baseline="0" noProof="0" dirty="0">
+                <a:ln>
+                  <a:noFill/>
+                </a:ln>
+                <a:solidFill>
+                  <a:prstClr val="black"/>
+                </a:solidFill>
+                <a:effectLst/>
+                <a:uLnTx/>
+                <a:uFillTx/>
+                <a:latin typeface="Times New Roman"/>
+                <a:ea typeface="標楷體"/>
+                <a:cs typeface="+mj-cs"/>
+              </a:rPr>
+              <a:t>StWL Optimization in Cell Refinement</a:t>
+            </a:r>
+            <a:endParaRPr lang="zh-TW" altLang="en-US" dirty="0"/>
+          </a:p>
+        </p:txBody>
+      </p:sp>
+      <p:sp>
+        <p:nvSpPr>
+          <p:cNvPr id="3" name="內容版面配置區 2">
+            <a:extLst>
+              <a:ext uri="{FF2B5EF4-FFF2-40B4-BE49-F238E27FC236}">
+                <a16:creationId xmlns:a16="http://schemas.microsoft.com/office/drawing/2014/main" id="{5AFEE557-734F-FA16-0174-9BE0CB22EC11}"/>
+              </a:ext>
+            </a:extLst>
+          </p:cNvPr>
+          <p:cNvSpPr>
+            <a:spLocks noGrp="1"/>
+          </p:cNvSpPr>
+          <p:nvPr>
+            <p:ph idx="1"/>
+          </p:nvPr>
+        </p:nvSpPr>
+        <p:spPr/>
+        <p:txBody>
+          <a:bodyPr>
+            <a:normAutofit/>
+          </a:bodyPr>
+          <a:lstStyle/>
+          <a:p>
+            <a:pPr marL="0" indent="0">
+              <a:buNone/>
+            </a:pPr>
+            <a:r>
+              <a:rPr lang="en-US" altLang="zh-TW" sz="2200" b="1" dirty="0"/>
+              <a:t>(2)  Framework of the refinement algorithm</a:t>
+            </a:r>
+          </a:p>
+          <a:p>
+            <a:pPr marL="457200" indent="-457200">
+              <a:buAutoNum type="arabicParenBoth"/>
+            </a:pPr>
+            <a:endParaRPr lang="en-US" altLang="zh-TW" sz="400" b="1" dirty="0"/>
+          </a:p>
+          <a:p>
+            <a:pPr lvl="1">
+              <a:lnSpc>
+                <a:spcPct val="150000"/>
+              </a:lnSpc>
+            </a:pPr>
+            <a:r>
+              <a:rPr lang="en-US" altLang="zh-TW" sz="2000" dirty="0"/>
+              <a:t>For a new cell, the algorithm traverses the quadtree to find potential regions with enough area.</a:t>
+            </a:r>
+          </a:p>
+          <a:p>
+            <a:pPr lvl="2">
+              <a:lnSpc>
+                <a:spcPct val="150000"/>
+              </a:lnSpc>
+            </a:pPr>
+            <a:r>
+              <a:rPr lang="en-US" altLang="zh-TW" sz="1600" dirty="0"/>
+              <a:t>If the node bin does not have enough area, it will drop out of the set of candidate region.</a:t>
+            </a:r>
+          </a:p>
+          <a:p>
+            <a:pPr lvl="2">
+              <a:lnSpc>
+                <a:spcPct val="150000"/>
+              </a:lnSpc>
+            </a:pPr>
+            <a:r>
+              <a:rPr lang="en-US" altLang="zh-TW" sz="1600" dirty="0"/>
+              <a:t>At each level, the final optimal region that the traversing algorithm shall step into is determined by a pessimistic cost function based on RSMT topology</a:t>
+            </a:r>
+          </a:p>
+          <a:p>
+            <a:pPr lvl="1">
+              <a:lnSpc>
+                <a:spcPct val="150000"/>
+              </a:lnSpc>
+            </a:pPr>
+            <a:endParaRPr lang="en-US" altLang="zh-TW" sz="600" dirty="0"/>
+          </a:p>
+          <a:p>
+            <a:pPr lvl="1">
+              <a:lnSpc>
+                <a:spcPct val="150000"/>
+              </a:lnSpc>
+            </a:pPr>
+            <a:r>
+              <a:rPr lang="en-US" altLang="zh-TW" sz="2000" dirty="0"/>
+              <a:t>After the cell is moved into its optimal region, the density of nodes affected throughout the quadtree will update accordingly.</a:t>
+            </a:r>
+          </a:p>
+        </p:txBody>
+      </p:sp>
+      <p:sp>
+        <p:nvSpPr>
+          <p:cNvPr id="4" name="投影片編號版面配置區 3">
+            <a:extLst>
+              <a:ext uri="{FF2B5EF4-FFF2-40B4-BE49-F238E27FC236}">
+                <a16:creationId xmlns:a16="http://schemas.microsoft.com/office/drawing/2014/main" id="{72801BE4-BCD6-0DEB-C76E-5A0BD501A322}"/>
+              </a:ext>
+            </a:extLst>
+          </p:cNvPr>
+          <p:cNvSpPr>
+            <a:spLocks noGrp="1"/>
+          </p:cNvSpPr>
+          <p:nvPr>
+            <p:ph type="sldNum" sz="quarter" idx="12"/>
+          </p:nvPr>
+        </p:nvSpPr>
+        <p:spPr/>
+        <p:txBody>
+          <a:bodyPr/>
+          <a:lstStyle/>
+          <a:p>
+            <a:fld id="{666274A1-CF9C-426A-8DD4-B13ED0C24231}" type="slidenum">
+              <a:rPr lang="en-US" smtClean="0"/>
+              <a:t>15</a:t>
+            </a:fld>
+            <a:endParaRPr lang="en-US"/>
+          </a:p>
+        </p:txBody>
+      </p:sp>
+    </p:spTree>
+    <p:extLst>
+      <p:ext uri="{BB962C8B-B14F-4D97-AF65-F5344CB8AC3E}">
+        <p14:creationId xmlns:p14="http://schemas.microsoft.com/office/powerpoint/2010/main" val="3185009287"/>
+      </p:ext>
+    </p:extLst>
+  </p:cSld>
+  <p:clrMapOvr>
+    <a:masterClrMapping/>
+  </p:clrMapOvr>
+</p:sld>
+</file>
+
+<file path=ppt/slides/slide17.xml><?xml version="1.0" encoding="utf-8"?>
+<p:sld xmlns:a="http://schemas.openxmlformats.org/drawingml/2006/main" xmlns:r="http://schemas.openxmlformats.org/officeDocument/2006/relationships" xmlns:p="http://schemas.openxmlformats.org/presentationml/2006/main">
+  <p:cSld>
+    <p:spTree>
+      <p:nvGrpSpPr>
+        <p:cNvPr id="1" name="">
+          <a:extLst>
+            <a:ext uri="{FF2B5EF4-FFF2-40B4-BE49-F238E27FC236}">
+              <a16:creationId xmlns:a16="http://schemas.microsoft.com/office/drawing/2014/main" id="{165F33CB-97FF-7814-4AA3-1A08C6BE4642}"/>
+            </a:ext>
+          </a:extLst>
+        </p:cNvPr>
+        <p:cNvGrpSpPr/>
+        <p:nvPr/>
+      </p:nvGrpSpPr>
+      <p:grpSpPr>
+        <a:xfrm>
+          <a:off x="0" y="0"/>
+          <a:ext cx="0" cy="0"/>
+          <a:chOff x="0" y="0"/>
+          <a:chExt cx="0" cy="0"/>
+        </a:xfrm>
+      </p:grpSpPr>
+      <p:sp>
+        <p:nvSpPr>
+          <p:cNvPr id="2" name="標題 1">
+            <a:extLst>
+              <a:ext uri="{FF2B5EF4-FFF2-40B4-BE49-F238E27FC236}">
+                <a16:creationId xmlns:a16="http://schemas.microsoft.com/office/drawing/2014/main" id="{7E1F97B8-AC9C-0FD9-6956-A1052AC23666}"/>
+              </a:ext>
+            </a:extLst>
+          </p:cNvPr>
+          <p:cNvSpPr>
+            <a:spLocks noGrp="1"/>
+          </p:cNvSpPr>
+          <p:nvPr>
+            <p:ph type="title"/>
+          </p:nvPr>
+        </p:nvSpPr>
+        <p:spPr/>
+        <p:txBody>
+          <a:bodyPr/>
+          <a:lstStyle/>
+          <a:p>
+            <a:r>
+              <a:rPr kumimoji="0" lang="en-US" altLang="zh-TW" sz="4400" b="0" i="0" u="none" strike="noStrike" kern="1200" cap="none" spc="0" normalizeH="0" baseline="0" noProof="0" dirty="0">
+                <a:ln>
+                  <a:noFill/>
+                </a:ln>
+                <a:solidFill>
+                  <a:prstClr val="black"/>
+                </a:solidFill>
+                <a:effectLst/>
+                <a:uLnTx/>
+                <a:uFillTx/>
+                <a:latin typeface="Times New Roman"/>
+                <a:ea typeface="標楷體"/>
+                <a:cs typeface="+mj-cs"/>
+              </a:rPr>
+              <a:t>Proposed Algorithm - </a:t>
+            </a:r>
+            <a:r>
+              <a:rPr kumimoji="0" lang="en-US" altLang="zh-TW" sz="2600" b="0" i="0" u="none" strike="noStrike" kern="1200" cap="none" spc="0" normalizeH="0" baseline="0" noProof="0" dirty="0">
+                <a:ln>
+                  <a:noFill/>
+                </a:ln>
+                <a:solidFill>
+                  <a:prstClr val="black"/>
+                </a:solidFill>
+                <a:effectLst/>
+                <a:uLnTx/>
+                <a:uFillTx/>
+                <a:latin typeface="Times New Roman"/>
+                <a:ea typeface="標楷體"/>
+                <a:cs typeface="+mj-cs"/>
+              </a:rPr>
+              <a:t>StWL Optimization in Cell Refinement</a:t>
+            </a:r>
+            <a:endParaRPr lang="zh-TW" altLang="en-US" dirty="0"/>
+          </a:p>
+        </p:txBody>
+      </p:sp>
+      <p:sp>
+        <p:nvSpPr>
+          <p:cNvPr id="3" name="內容版面配置區 2">
+            <a:extLst>
+              <a:ext uri="{FF2B5EF4-FFF2-40B4-BE49-F238E27FC236}">
+                <a16:creationId xmlns:a16="http://schemas.microsoft.com/office/drawing/2014/main" id="{78167244-533E-F277-9ABA-3735AECF848E}"/>
+              </a:ext>
+            </a:extLst>
+          </p:cNvPr>
+          <p:cNvSpPr>
+            <a:spLocks noGrp="1"/>
+          </p:cNvSpPr>
+          <p:nvPr>
+            <p:ph idx="1"/>
+          </p:nvPr>
+        </p:nvSpPr>
+        <p:spPr/>
+        <p:txBody>
+          <a:bodyPr>
+            <a:normAutofit/>
+          </a:bodyPr>
+          <a:lstStyle/>
+          <a:p>
+            <a:pPr marL="0" indent="0">
+              <a:buNone/>
+            </a:pPr>
+            <a:r>
+              <a:rPr lang="en-US" altLang="zh-TW" sz="2200" b="1" dirty="0"/>
+              <a:t>(2)  Framework of the refinement algorithm</a:t>
+            </a:r>
+          </a:p>
+        </p:txBody>
+      </p:sp>
+      <p:sp>
+        <p:nvSpPr>
+          <p:cNvPr id="4" name="投影片編號版面配置區 3">
+            <a:extLst>
+              <a:ext uri="{FF2B5EF4-FFF2-40B4-BE49-F238E27FC236}">
+                <a16:creationId xmlns:a16="http://schemas.microsoft.com/office/drawing/2014/main" id="{725EFAF5-DA19-922A-ED74-4CB861BD4A39}"/>
+              </a:ext>
+            </a:extLst>
+          </p:cNvPr>
+          <p:cNvSpPr>
+            <a:spLocks noGrp="1"/>
+          </p:cNvSpPr>
+          <p:nvPr>
+            <p:ph type="sldNum" sz="quarter" idx="12"/>
+          </p:nvPr>
+        </p:nvSpPr>
+        <p:spPr/>
+        <p:txBody>
+          <a:bodyPr/>
+          <a:lstStyle/>
+          <a:p>
+            <a:fld id="{666274A1-CF9C-426A-8DD4-B13ED0C24231}" type="slidenum">
+              <a:rPr lang="en-US" smtClean="0"/>
+              <a:t>16</a:t>
+            </a:fld>
+            <a:endParaRPr lang="en-US"/>
+          </a:p>
+        </p:txBody>
+      </p:sp>
+      <p:pic>
+        <p:nvPicPr>
+          <p:cNvPr id="6" name="圖片 5">
+            <a:extLst>
+              <a:ext uri="{FF2B5EF4-FFF2-40B4-BE49-F238E27FC236}">
+                <a16:creationId xmlns:a16="http://schemas.microsoft.com/office/drawing/2014/main" id="{B550A429-2FCA-F7E5-E55C-0B8FF06B360D}"/>
+              </a:ext>
+            </a:extLst>
+          </p:cNvPr>
+          <p:cNvPicPr>
+            <a:picLocks noChangeAspect="1"/>
+          </p:cNvPicPr>
+          <p:nvPr/>
+        </p:nvPicPr>
+        <p:blipFill>
+          <a:blip r:embed="rId3"/>
+          <a:stretch>
+            <a:fillRect/>
+          </a:stretch>
+        </p:blipFill>
+        <p:spPr>
+          <a:xfrm>
+            <a:off x="2446731" y="229381"/>
+            <a:ext cx="7298537" cy="6399237"/>
+          </a:xfrm>
+          <a:prstGeom prst="rect">
+            <a:avLst/>
+          </a:prstGeom>
+        </p:spPr>
+      </p:pic>
+      <p:sp>
+        <p:nvSpPr>
+          <p:cNvPr id="7" name="矩形 6">
+            <a:extLst>
+              <a:ext uri="{FF2B5EF4-FFF2-40B4-BE49-F238E27FC236}">
+                <a16:creationId xmlns:a16="http://schemas.microsoft.com/office/drawing/2014/main" id="{04C61EFA-6A10-E726-96B1-1F24100DA7B4}"/>
+              </a:ext>
+            </a:extLst>
+          </p:cNvPr>
+          <p:cNvSpPr/>
+          <p:nvPr/>
+        </p:nvSpPr>
+        <p:spPr>
+          <a:xfrm>
+            <a:off x="3118585" y="2387065"/>
+            <a:ext cx="6930190" cy="1597794"/>
+          </a:xfrm>
+          <a:prstGeom prst="rect">
+            <a:avLst/>
+          </a:prstGeom>
+          <a:noFill/>
+          <a:ln w="28575">
+            <a:solidFill>
+              <a:srgbClr val="FF0000"/>
+            </a:solidFill>
+          </a:ln>
+        </p:spPr>
+        <p:style>
+          <a:lnRef idx="2">
+            <a:schemeClr val="accent1">
+              <a:shade val="15000"/>
+            </a:schemeClr>
+          </a:lnRef>
+          <a:fillRef idx="1">
+            <a:schemeClr val="accent1"/>
+          </a:fillRef>
+          <a:effectRef idx="0">
+            <a:schemeClr val="accent1"/>
+          </a:effectRef>
+          <a:fontRef idx="minor">
+            <a:schemeClr val="lt1"/>
+          </a:fontRef>
+        </p:style>
+        <p:txBody>
+          <a:bodyPr rtlCol="0" anchor="ctr"/>
+          <a:lstStyle/>
+          <a:p>
+            <a:pPr algn="ctr"/>
+            <a:endParaRPr lang="zh-TW" altLang="en-US"/>
+          </a:p>
+        </p:txBody>
+      </p:sp>
+    </p:spTree>
+    <p:extLst>
+      <p:ext uri="{BB962C8B-B14F-4D97-AF65-F5344CB8AC3E}">
+        <p14:creationId xmlns:p14="http://schemas.microsoft.com/office/powerpoint/2010/main" val="2958570480"/>
+      </p:ext>
+    </p:extLst>
+  </p:cSld>
+  <p:clrMapOvr>
+    <a:masterClrMapping/>
+  </p:clrMapOvr>
+  <p:timing>
+    <p:tnLst>
+      <p:par>
+        <p:cTn id="1" dur="indefinite" restart="never" nodeType="tmRoot">
+          <p:childTnLst>
+            <p:seq concurrent="1" nextAc="seek">
+              <p:cTn id="2" dur="indefinite" nodeType="mainSeq">
+                <p:childTnLst>
+                  <p:par>
+                    <p:cTn id="3" fill="hold">
+                      <p:stCondLst>
+                        <p:cond delay="indefinite"/>
+                      </p:stCondLst>
+                      <p:childTnLst>
+                        <p:par>
+                          <p:cTn id="4" fill="hold">
+                            <p:stCondLst>
+                              <p:cond delay="0"/>
+                            </p:stCondLst>
+                            <p:childTnLst>
+                              <p:par>
+                                <p:cTn id="5" presetID="1" presetClass="entr" presetSubtype="0" fill="hold" grpId="0" nodeType="clickEffect">
+                                  <p:stCondLst>
+                                    <p:cond delay="0"/>
+                                  </p:stCondLst>
+                                  <p:childTnLst>
+                                    <p:set>
+                                      <p:cBhvr>
+                                        <p:cTn id="6" dur="1" fill="hold">
+                                          <p:stCondLst>
+                                            <p:cond delay="0"/>
+                                          </p:stCondLst>
+                                        </p:cTn>
+                                        <p:tgtEl>
+                                          <p:spTgt spid="7"/>
+                                        </p:tgtEl>
+                                        <p:attrNameLst>
+                                          <p:attrName>style.visibility</p:attrName>
+                                        </p:attrNameLst>
+                                      </p:cBhvr>
+                                      <p:to>
+                                        <p:strVal val="visible"/>
+                                      </p:to>
+                                    </p:set>
+                                  </p:childTnLst>
+                                </p:cTn>
+                              </p:par>
+                            </p:childTnLst>
+                          </p:cTn>
+                        </p:par>
+                      </p:childTnLst>
+                    </p:cTn>
+                  </p:par>
+                </p:childTnLst>
+              </p:cTn>
+              <p:prevCondLst>
+                <p:cond evt="onPrev" delay="0">
+                  <p:tgtEl>
+                    <p:sldTgt/>
+                  </p:tgtEl>
+                </p:cond>
+              </p:prevCondLst>
+              <p:nextCondLst>
+                <p:cond evt="onNext" delay="0">
+                  <p:tgtEl>
+                    <p:sldTgt/>
+                  </p:tgtEl>
+                </p:cond>
+              </p:nextCondLst>
+            </p:seq>
+          </p:childTnLst>
+        </p:cTn>
+      </p:par>
+    </p:tnLst>
+    <p:bldLst>
+      <p:bldP spid="7" grpId="0" animBg="1"/>
+    </p:bldLst>
+  </p:timing>
+</p:sld>
+</file>
+
+<file path=ppt/slides/slide18.xml><?xml version="1.0" encoding="utf-8"?>
+<p:sld xmlns:a="http://schemas.openxmlformats.org/drawingml/2006/main" xmlns:r="http://schemas.openxmlformats.org/officeDocument/2006/relationships" xmlns:p="http://schemas.openxmlformats.org/presentationml/2006/main">
+  <p:cSld>
+    <p:spTree>
+      <p:nvGrpSpPr>
+        <p:cNvPr id="1" name="">
+          <a:extLst>
+            <a:ext uri="{FF2B5EF4-FFF2-40B4-BE49-F238E27FC236}">
+              <a16:creationId xmlns:a16="http://schemas.microsoft.com/office/drawing/2014/main" id="{2B0230E3-82D7-DACA-F00C-DBEA0E92BB5E}"/>
+            </a:ext>
+          </a:extLst>
+        </p:cNvPr>
+        <p:cNvGrpSpPr/>
+        <p:nvPr/>
+      </p:nvGrpSpPr>
+      <p:grpSpPr>
+        <a:xfrm>
+          <a:off x="0" y="0"/>
+          <a:ext cx="0" cy="0"/>
+          <a:chOff x="0" y="0"/>
+          <a:chExt cx="0" cy="0"/>
+        </a:xfrm>
+      </p:grpSpPr>
+      <p:sp>
+        <p:nvSpPr>
+          <p:cNvPr id="2" name="標題 1">
+            <a:extLst>
+              <a:ext uri="{FF2B5EF4-FFF2-40B4-BE49-F238E27FC236}">
+                <a16:creationId xmlns:a16="http://schemas.microsoft.com/office/drawing/2014/main" id="{CE6C0A4A-6FE1-3222-F27E-115419957397}"/>
+              </a:ext>
+            </a:extLst>
+          </p:cNvPr>
+          <p:cNvSpPr>
+            <a:spLocks noGrp="1"/>
+          </p:cNvSpPr>
+          <p:nvPr>
+            <p:ph type="title"/>
+          </p:nvPr>
+        </p:nvSpPr>
+        <p:spPr/>
+        <p:txBody>
+          <a:bodyPr/>
+          <a:lstStyle/>
+          <a:p>
+            <a:r>
+              <a:rPr kumimoji="0" lang="en-US" altLang="zh-TW" sz="4400" b="0" i="0" u="none" strike="noStrike" kern="1200" cap="none" spc="0" normalizeH="0" baseline="0" noProof="0" dirty="0">
+                <a:ln>
+                  <a:noFill/>
+                </a:ln>
+                <a:solidFill>
+                  <a:prstClr val="black"/>
+                </a:solidFill>
+                <a:effectLst/>
+                <a:uLnTx/>
+                <a:uFillTx/>
+                <a:latin typeface="Times New Roman"/>
+                <a:ea typeface="標楷體"/>
+                <a:cs typeface="+mj-cs"/>
+              </a:rPr>
+              <a:t>Proposed Algorithm - </a:t>
+            </a:r>
+            <a:r>
+              <a:rPr kumimoji="0" lang="en-US" altLang="zh-TW" sz="2600" b="0" i="0" u="none" strike="noStrike" kern="1200" cap="none" spc="0" normalizeH="0" baseline="0" noProof="0" dirty="0">
+                <a:ln>
+                  <a:noFill/>
+                </a:ln>
+                <a:solidFill>
+                  <a:prstClr val="black"/>
+                </a:solidFill>
+                <a:effectLst/>
+                <a:uLnTx/>
+                <a:uFillTx/>
+                <a:latin typeface="Times New Roman"/>
+                <a:ea typeface="標楷體"/>
+                <a:cs typeface="+mj-cs"/>
+              </a:rPr>
+              <a:t>StWL Optimization in Cell Refinement</a:t>
+            </a:r>
+            <a:endParaRPr lang="zh-TW" altLang="en-US" dirty="0"/>
+          </a:p>
+        </p:txBody>
+      </p:sp>
+      <mc:AlternateContent xmlns:mc="http://schemas.openxmlformats.org/markup-compatibility/2006">
+        <mc:Choice xmlns:a14="http://schemas.microsoft.com/office/drawing/2010/main" Requires="a14">
+          <p:sp>
+            <p:nvSpPr>
+              <p:cNvPr id="3" name="內容版面配置區 2">
+                <a:extLst>
+                  <a:ext uri="{FF2B5EF4-FFF2-40B4-BE49-F238E27FC236}">
+                    <a16:creationId xmlns:a16="http://schemas.microsoft.com/office/drawing/2014/main" id="{44B3D10D-473D-A27F-8281-18CF3DC7847A}"/>
+                  </a:ext>
+                </a:extLst>
+              </p:cNvPr>
+              <p:cNvSpPr>
+                <a:spLocks noGrp="1"/>
+              </p:cNvSpPr>
+              <p:nvPr>
+                <p:ph idx="1"/>
+              </p:nvPr>
+            </p:nvSpPr>
+            <p:spPr>
+              <a:xfrm>
+                <a:off x="838200" y="1825625"/>
+                <a:ext cx="10515600" cy="4748430"/>
+              </a:xfrm>
+            </p:spPr>
+            <p:txBody>
+              <a:bodyPr>
+                <a:normAutofit/>
+              </a:bodyPr>
+              <a:lstStyle/>
+              <a:p>
+                <a:pPr marL="457200" indent="-457200">
+                  <a:buAutoNum type="arabicParenBoth" startAt="3"/>
+                </a:pPr>
+                <a:r>
+                  <a:rPr lang="en-US" altLang="zh-TW" sz="2200" b="1" dirty="0"/>
+                  <a:t>Convergence and complexity analysis</a:t>
+                </a:r>
+              </a:p>
+              <a:p>
+                <a:pPr marL="457200" indent="-457200">
+                  <a:buAutoNum type="arabicParenBoth" startAt="3"/>
+                </a:pPr>
+                <a:endParaRPr lang="en-US" altLang="zh-TW" sz="400" b="1" dirty="0"/>
+              </a:p>
+              <a:p>
+                <a:pPr lvl="1">
+                  <a:lnSpc>
+                    <a:spcPct val="150000"/>
+                  </a:lnSpc>
+                </a:pPr>
+                <a:r>
+                  <a:rPr lang="en-US" altLang="zh-TW" sz="2000" dirty="0"/>
+                  <a:t>This procedure repeats until the reduction of StWL(x, y) in a single iteration falls below a threshold </a:t>
+                </a:r>
+                <a14:m>
+                  <m:oMath xmlns:m="http://schemas.openxmlformats.org/officeDocument/2006/math">
+                    <m:r>
+                      <a:rPr lang="zh-TW" altLang="en-US" sz="2000" i="1" smtClean="0">
+                        <a:latin typeface="Cambria Math" panose="02040503050406030204" pitchFamily="18" charset="0"/>
+                      </a:rPr>
+                      <m:t>𝜖</m:t>
+                    </m:r>
+                  </m:oMath>
+                </a14:m>
+                <a:r>
+                  <a:rPr lang="en-US" altLang="zh-TW" sz="2000" dirty="0"/>
+                  <a:t> (</a:t>
+                </a:r>
+                <a:r>
+                  <a:rPr lang="en-US" altLang="zh-TW" sz="2000" i="0" dirty="0">
+                    <a:latin typeface="+mj-lt"/>
+                  </a:rPr>
+                  <a:t>equals to 10 or more</a:t>
+                </a:r>
+                <a:r>
+                  <a:rPr lang="en-US" altLang="zh-TW" sz="2000" dirty="0"/>
+                  <a:t>).</a:t>
+                </a:r>
+              </a:p>
+              <a:p>
+                <a:pPr lvl="2">
+                  <a:lnSpc>
+                    <a:spcPct val="150000"/>
+                  </a:lnSpc>
+                </a:pPr>
+                <a:r>
+                  <a:rPr lang="en-US" altLang="zh-TW" sz="1600" dirty="0"/>
+                  <a:t>StWL is a bounded function, this optimization process should always converge to a local minimum (x∗, y∗).</a:t>
+                </a:r>
+              </a:p>
+              <a:p>
+                <a:pPr lvl="2">
+                  <a:lnSpc>
+                    <a:spcPct val="150000"/>
+                  </a:lnSpc>
+                </a:pPr>
+                <a:endParaRPr lang="en-US" altLang="zh-TW" sz="300" dirty="0"/>
+              </a:p>
+              <a:p>
+                <a:pPr lvl="1">
+                  <a:lnSpc>
+                    <a:spcPct val="150000"/>
+                  </a:lnSpc>
+                </a:pPr>
+                <a:r>
+                  <a:rPr lang="en-US" altLang="zh-TW" sz="2000" dirty="0"/>
+                  <a:t>Suppose we have </a:t>
+                </a:r>
+                <a14:m>
+                  <m:oMath xmlns:m="http://schemas.openxmlformats.org/officeDocument/2006/math">
+                    <m:sSub>
+                      <m:sSubPr>
+                        <m:ctrlPr>
+                          <a:rPr lang="en-US" altLang="zh-TW" sz="2000" i="1" smtClean="0">
+                            <a:latin typeface="Cambria Math" panose="02040503050406030204" pitchFamily="18" charset="0"/>
+                          </a:rPr>
+                        </m:ctrlPr>
+                      </m:sSubPr>
+                      <m:e>
+                        <m:r>
+                          <a:rPr lang="en-US" altLang="zh-TW" sz="2000" b="0" i="1" smtClean="0">
+                            <a:latin typeface="Cambria Math" panose="02040503050406030204" pitchFamily="18" charset="0"/>
+                          </a:rPr>
+                          <m:t>𝑛</m:t>
+                        </m:r>
+                      </m:e>
+                      <m:sub>
+                        <m:r>
+                          <a:rPr lang="en-US" altLang="zh-TW" sz="2000" b="0" i="1" smtClean="0">
+                            <a:latin typeface="Cambria Math" panose="02040503050406030204" pitchFamily="18" charset="0"/>
+                          </a:rPr>
+                          <m:t>𝑣</m:t>
+                        </m:r>
+                      </m:sub>
+                    </m:sSub>
+                  </m:oMath>
+                </a14:m>
+                <a:r>
+                  <a:rPr lang="en-US" altLang="zh-TW" sz="2000" dirty="0"/>
+                  <a:t> cells, </a:t>
+                </a:r>
+                <a14:m>
+                  <m:oMath xmlns:m="http://schemas.openxmlformats.org/officeDocument/2006/math">
+                    <m:sSub>
+                      <m:sSubPr>
+                        <m:ctrlPr>
+                          <a:rPr lang="en-US" altLang="zh-TW" sz="2000" i="1" smtClean="0">
+                            <a:latin typeface="Cambria Math" panose="02040503050406030204" pitchFamily="18" charset="0"/>
+                          </a:rPr>
+                        </m:ctrlPr>
+                      </m:sSubPr>
+                      <m:e>
+                        <m:r>
+                          <a:rPr lang="en-US" altLang="zh-TW" sz="2000" b="0" i="1" smtClean="0">
+                            <a:latin typeface="Cambria Math" panose="02040503050406030204" pitchFamily="18" charset="0"/>
+                          </a:rPr>
+                          <m:t>𝑛</m:t>
+                        </m:r>
+                      </m:e>
+                      <m:sub>
+                        <m:r>
+                          <a:rPr lang="en-US" altLang="zh-TW" sz="2000" b="0" i="1" smtClean="0">
+                            <a:latin typeface="Cambria Math" panose="02040503050406030204" pitchFamily="18" charset="0"/>
+                          </a:rPr>
+                          <m:t>𝑒</m:t>
+                        </m:r>
+                      </m:sub>
+                    </m:sSub>
+                  </m:oMath>
+                </a14:m>
+                <a:r>
+                  <a:rPr lang="en-US" altLang="zh-TW" sz="2000" dirty="0"/>
+                  <a:t> nets, </a:t>
+                </a:r>
+                <a14:m>
+                  <m:oMath xmlns:m="http://schemas.openxmlformats.org/officeDocument/2006/math">
+                    <m:sSub>
+                      <m:sSubPr>
+                        <m:ctrlPr>
+                          <a:rPr lang="en-US" altLang="zh-TW" sz="2000" i="1" smtClean="0">
+                            <a:latin typeface="Cambria Math" panose="02040503050406030204" pitchFamily="18" charset="0"/>
+                          </a:rPr>
+                        </m:ctrlPr>
+                      </m:sSubPr>
+                      <m:e>
+                        <m:r>
+                          <a:rPr lang="en-US" altLang="zh-TW" sz="2000" b="0" i="1" smtClean="0">
+                            <a:latin typeface="Cambria Math" panose="02040503050406030204" pitchFamily="18" charset="0"/>
+                          </a:rPr>
+                          <m:t>𝑛</m:t>
+                        </m:r>
+                      </m:e>
+                      <m:sub>
+                        <m:r>
+                          <a:rPr lang="en-US" altLang="zh-TW" sz="2000" b="0" i="1" smtClean="0">
+                            <a:latin typeface="Cambria Math" panose="02040503050406030204" pitchFamily="18" charset="0"/>
+                          </a:rPr>
+                          <m:t>𝑝</m:t>
+                        </m:r>
+                      </m:sub>
+                    </m:sSub>
+                  </m:oMath>
+                </a14:m>
+                <a:r>
+                  <a:rPr lang="en-US" altLang="zh-TW" sz="2000" dirty="0"/>
+                  <a:t> pin, and the die area is divided into </a:t>
+                </a:r>
+                <a14:m>
+                  <m:oMath xmlns:m="http://schemas.openxmlformats.org/officeDocument/2006/math">
+                    <m:r>
+                      <a:rPr lang="en-US" altLang="zh-TW" sz="2000" b="0" i="1" smtClean="0">
+                        <a:latin typeface="Cambria Math" panose="02040503050406030204" pitchFamily="18" charset="0"/>
+                      </a:rPr>
+                      <m:t>𝑚</m:t>
+                    </m:r>
+                    <m:r>
+                      <a:rPr lang="en-US" altLang="zh-TW" sz="2000" b="0" i="1" smtClean="0">
+                        <a:latin typeface="Cambria Math" panose="02040503050406030204" pitchFamily="18" charset="0"/>
+                        <a:ea typeface="Cambria Math" panose="02040503050406030204" pitchFamily="18" charset="0"/>
+                      </a:rPr>
+                      <m:t>×</m:t>
+                    </m:r>
+                    <m:r>
+                      <a:rPr lang="en-US" altLang="zh-TW" sz="2000" b="0" i="1" smtClean="0">
+                        <a:latin typeface="Cambria Math" panose="02040503050406030204" pitchFamily="18" charset="0"/>
+                        <a:ea typeface="Cambria Math" panose="02040503050406030204" pitchFamily="18" charset="0"/>
+                      </a:rPr>
+                      <m:t>𝑚</m:t>
+                    </m:r>
+                  </m:oMath>
+                </a14:m>
+                <a:r>
+                  <a:rPr lang="en-US" altLang="zh-TW" sz="2000" dirty="0"/>
+                  <a:t> bins.</a:t>
+                </a:r>
+              </a:p>
+              <a:p>
+                <a:pPr lvl="2">
+                  <a:lnSpc>
+                    <a:spcPct val="150000"/>
+                  </a:lnSpc>
+                </a:pPr>
+                <a:r>
+                  <a:rPr lang="en-US" altLang="zh-TW" sz="1600" dirty="0"/>
+                  <a:t>Algorithm 1 needs to traverse the quadtree for each cell, the complexity of which is </a:t>
+                </a:r>
+                <a14:m>
+                  <m:oMath xmlns:m="http://schemas.openxmlformats.org/officeDocument/2006/math">
+                    <m:r>
+                      <a:rPr lang="en-US" altLang="zh-TW" sz="1600" i="1" dirty="0" smtClean="0">
+                        <a:latin typeface="Cambria Math" panose="02040503050406030204" pitchFamily="18" charset="0"/>
+                      </a:rPr>
+                      <m:t>𝑂</m:t>
+                    </m:r>
+                    <m:r>
+                      <a:rPr lang="en-US" altLang="zh-TW" sz="1600" i="1" dirty="0" smtClean="0">
+                        <a:latin typeface="Cambria Math" panose="02040503050406030204" pitchFamily="18" charset="0"/>
+                      </a:rPr>
+                      <m:t>(</m:t>
+                    </m:r>
+                    <m:sSub>
+                      <m:sSubPr>
+                        <m:ctrlPr>
+                          <a:rPr lang="en-US" altLang="zh-TW" sz="1600" i="1" dirty="0" smtClean="0">
+                            <a:latin typeface="Cambria Math" panose="02040503050406030204" pitchFamily="18" charset="0"/>
+                          </a:rPr>
+                        </m:ctrlPr>
+                      </m:sSubPr>
+                      <m:e>
+                        <m:r>
+                          <a:rPr lang="en-US" altLang="zh-TW" sz="1600" b="0" i="1" dirty="0" smtClean="0">
+                            <a:latin typeface="Cambria Math" panose="02040503050406030204" pitchFamily="18" charset="0"/>
+                          </a:rPr>
+                          <m:t>𝑛</m:t>
+                        </m:r>
+                      </m:e>
+                      <m:sub>
+                        <m:r>
+                          <a:rPr lang="en-US" altLang="zh-TW" sz="1600" b="0" i="1" dirty="0" smtClean="0">
+                            <a:latin typeface="Cambria Math" panose="02040503050406030204" pitchFamily="18" charset="0"/>
+                          </a:rPr>
+                          <m:t>𝑣</m:t>
+                        </m:r>
+                      </m:sub>
+                    </m:sSub>
+                    <m:r>
+                      <a:rPr lang="en-US" altLang="zh-TW" sz="1600" i="1" dirty="0" err="1" smtClean="0">
+                        <a:latin typeface="Cambria Math" panose="02040503050406030204" pitchFamily="18" charset="0"/>
+                      </a:rPr>
+                      <m:t>𝑙𝑜𝑔</m:t>
+                    </m:r>
+                    <m:r>
+                      <a:rPr lang="en-US" altLang="zh-TW" sz="1600" i="1" dirty="0" smtClean="0">
+                        <a:latin typeface="Cambria Math" panose="02040503050406030204" pitchFamily="18" charset="0"/>
+                      </a:rPr>
+                      <m:t>(</m:t>
+                    </m:r>
+                    <m:r>
+                      <a:rPr lang="en-US" altLang="zh-TW" sz="1600" i="1" dirty="0" smtClean="0">
+                        <a:latin typeface="Cambria Math" panose="02040503050406030204" pitchFamily="18" charset="0"/>
+                      </a:rPr>
+                      <m:t>𝑚</m:t>
+                    </m:r>
+                    <m:r>
+                      <a:rPr lang="en-US" altLang="zh-TW" sz="1600" i="1" dirty="0" smtClean="0">
+                        <a:latin typeface="Cambria Math" panose="02040503050406030204" pitchFamily="18" charset="0"/>
+                      </a:rPr>
+                      <m:t>)).</m:t>
+                    </m:r>
+                  </m:oMath>
+                </a14:m>
+                <a:endParaRPr lang="en-US" altLang="zh-TW" sz="1600" dirty="0"/>
+              </a:p>
+              <a:p>
+                <a:pPr lvl="2">
+                  <a:lnSpc>
+                    <a:spcPct val="150000"/>
+                  </a:lnSpc>
+                </a:pPr>
+                <a:r>
+                  <a:rPr lang="en-US" altLang="zh-TW" sz="1600" dirty="0"/>
+                  <a:t>Algorithm2 has a complexity of O(</a:t>
+                </a:r>
+                <a14:m>
+                  <m:oMath xmlns:m="http://schemas.openxmlformats.org/officeDocument/2006/math">
+                    <m:sSub>
+                      <m:sSubPr>
+                        <m:ctrlPr>
+                          <a:rPr lang="en-US" altLang="zh-TW" sz="1600" i="1" smtClean="0">
+                            <a:latin typeface="Cambria Math" panose="02040503050406030204" pitchFamily="18" charset="0"/>
+                          </a:rPr>
+                        </m:ctrlPr>
+                      </m:sSubPr>
+                      <m:e>
+                        <m:r>
+                          <a:rPr lang="en-US" altLang="zh-TW" sz="1600" b="0" i="1" smtClean="0">
+                            <a:latin typeface="Cambria Math" panose="02040503050406030204" pitchFamily="18" charset="0"/>
+                          </a:rPr>
+                          <m:t>𝑛</m:t>
+                        </m:r>
+                      </m:e>
+                      <m:sub>
+                        <m:r>
+                          <a:rPr lang="en-US" altLang="zh-TW" sz="1600" b="0" i="1" smtClean="0">
+                            <a:latin typeface="Cambria Math" panose="02040503050406030204" pitchFamily="18" charset="0"/>
+                          </a:rPr>
+                          <m:t>𝑝</m:t>
+                        </m:r>
+                      </m:sub>
+                    </m:sSub>
+                  </m:oMath>
+                </a14:m>
+                <a:r>
+                  <a:rPr lang="en-US" altLang="zh-TW" sz="1600" dirty="0"/>
+                  <a:t>) in traversing all pins to generate the anchor set </a:t>
+                </a:r>
+                <a14:m>
+                  <m:oMath xmlns:m="http://schemas.openxmlformats.org/officeDocument/2006/math">
+                    <m:sSub>
+                      <m:sSubPr>
+                        <m:ctrlPr>
+                          <a:rPr lang="en-US" altLang="zh-TW" sz="1600" i="1" smtClean="0">
+                            <a:latin typeface="Cambria Math" panose="02040503050406030204" pitchFamily="18" charset="0"/>
+                          </a:rPr>
+                        </m:ctrlPr>
+                      </m:sSubPr>
+                      <m:e>
+                        <m:r>
+                          <a:rPr lang="en-US" altLang="zh-TW" sz="1600" b="0" i="1" smtClean="0">
+                            <a:latin typeface="Cambria Math" panose="02040503050406030204" pitchFamily="18" charset="0"/>
+                          </a:rPr>
+                          <m:t>𝐺</m:t>
+                        </m:r>
+                      </m:e>
+                      <m:sub>
+                        <m:r>
+                          <a:rPr lang="en-US" altLang="zh-TW" sz="1600" b="0" i="1" smtClean="0">
+                            <a:latin typeface="Cambria Math" panose="02040503050406030204" pitchFamily="18" charset="0"/>
+                          </a:rPr>
+                          <m:t>𝑣</m:t>
+                        </m:r>
+                      </m:sub>
+                    </m:sSub>
+                  </m:oMath>
+                </a14:m>
+                <a:r>
+                  <a:rPr lang="en-US" altLang="zh-TW" sz="1600" dirty="0"/>
+                  <a:t>.</a:t>
+                </a:r>
+              </a:p>
+              <a:p>
+                <a:pPr lvl="2">
+                  <a:lnSpc>
+                    <a:spcPct val="150000"/>
+                  </a:lnSpc>
+                </a:pPr>
+                <a:r>
+                  <a:rPr lang="en-US" altLang="zh-TW" sz="1600" dirty="0"/>
+                  <a:t>In total, our algorithm consumes </a:t>
+                </a:r>
+                <a14:m>
+                  <m:oMath xmlns:m="http://schemas.openxmlformats.org/officeDocument/2006/math">
+                    <m:r>
+                      <a:rPr lang="en-US" altLang="zh-TW" sz="1600" i="1" dirty="0" smtClean="0">
+                        <a:latin typeface="Cambria Math" panose="02040503050406030204" pitchFamily="18" charset="0"/>
+                      </a:rPr>
+                      <m:t>𝑂</m:t>
+                    </m:r>
+                    <m:r>
+                      <a:rPr lang="en-US" altLang="zh-TW" sz="1600" i="1" dirty="0" smtClean="0">
+                        <a:latin typeface="Cambria Math" panose="02040503050406030204" pitchFamily="18" charset="0"/>
+                      </a:rPr>
+                      <m:t>(</m:t>
+                    </m:r>
+                    <m:sSub>
+                      <m:sSubPr>
+                        <m:ctrlPr>
+                          <a:rPr lang="en-US" altLang="zh-TW" sz="1600" i="1" dirty="0" smtClean="0">
+                            <a:latin typeface="Cambria Math" panose="02040503050406030204" pitchFamily="18" charset="0"/>
+                          </a:rPr>
+                        </m:ctrlPr>
+                      </m:sSubPr>
+                      <m:e>
+                        <m:r>
+                          <a:rPr lang="en-US" altLang="zh-TW" sz="1600" b="0" i="1" dirty="0" smtClean="0">
+                            <a:latin typeface="Cambria Math" panose="02040503050406030204" pitchFamily="18" charset="0"/>
+                          </a:rPr>
+                          <m:t>𝑛</m:t>
+                        </m:r>
+                      </m:e>
+                      <m:sub>
+                        <m:r>
+                          <a:rPr lang="en-US" altLang="zh-TW" sz="1600" b="0" i="1" dirty="0" smtClean="0">
+                            <a:latin typeface="Cambria Math" panose="02040503050406030204" pitchFamily="18" charset="0"/>
+                          </a:rPr>
+                          <m:t>𝑣</m:t>
+                        </m:r>
+                      </m:sub>
+                    </m:sSub>
+                    <m:r>
+                      <a:rPr lang="en-US" altLang="zh-TW" sz="1600" i="1" dirty="0" err="1" smtClean="0">
+                        <a:latin typeface="Cambria Math" panose="02040503050406030204" pitchFamily="18" charset="0"/>
+                      </a:rPr>
+                      <m:t>𝑙𝑜𝑔</m:t>
+                    </m:r>
+                    <m:r>
+                      <a:rPr lang="en-US" altLang="zh-TW" sz="1600" i="1" dirty="0" smtClean="0">
+                        <a:latin typeface="Cambria Math" panose="02040503050406030204" pitchFamily="18" charset="0"/>
+                      </a:rPr>
+                      <m:t>(</m:t>
+                    </m:r>
+                    <m:r>
+                      <a:rPr lang="en-US" altLang="zh-TW" sz="1600" i="1" dirty="0" smtClean="0">
+                        <a:latin typeface="Cambria Math" panose="02040503050406030204" pitchFamily="18" charset="0"/>
+                      </a:rPr>
+                      <m:t>𝑚</m:t>
+                    </m:r>
+                    <m:r>
+                      <a:rPr lang="en-US" altLang="zh-TW" sz="1600" i="1" dirty="0" smtClean="0">
+                        <a:latin typeface="Cambria Math" panose="02040503050406030204" pitchFamily="18" charset="0"/>
+                      </a:rPr>
+                      <m:t>) + </m:t>
+                    </m:r>
+                    <m:sSub>
+                      <m:sSubPr>
+                        <m:ctrlPr>
+                          <a:rPr lang="en-US" altLang="zh-TW" sz="1600" i="1" dirty="0" smtClean="0">
+                            <a:latin typeface="Cambria Math" panose="02040503050406030204" pitchFamily="18" charset="0"/>
+                          </a:rPr>
+                        </m:ctrlPr>
+                      </m:sSubPr>
+                      <m:e>
+                        <m:r>
+                          <a:rPr lang="en-US" altLang="zh-TW" sz="1600" b="0" i="1" dirty="0" smtClean="0">
+                            <a:latin typeface="Cambria Math" panose="02040503050406030204" pitchFamily="18" charset="0"/>
+                          </a:rPr>
+                          <m:t>𝑛</m:t>
+                        </m:r>
+                      </m:e>
+                      <m:sub>
+                        <m:r>
+                          <a:rPr lang="en-US" altLang="zh-TW" sz="1600" b="0" i="1" dirty="0" smtClean="0">
+                            <a:latin typeface="Cambria Math" panose="02040503050406030204" pitchFamily="18" charset="0"/>
+                          </a:rPr>
+                          <m:t>𝑝</m:t>
+                        </m:r>
+                      </m:sub>
+                    </m:sSub>
+                    <m:r>
+                      <a:rPr lang="en-US" altLang="zh-TW" sz="1600" i="1" dirty="0" smtClean="0">
+                        <a:latin typeface="Cambria Math" panose="02040503050406030204" pitchFamily="18" charset="0"/>
+                      </a:rPr>
+                      <m:t>) </m:t>
+                    </m:r>
+                  </m:oMath>
+                </a14:m>
+                <a:r>
+                  <a:rPr lang="en-US" altLang="zh-TW" sz="1600" dirty="0"/>
+                  <a:t>runtime to refine the placement in one iteration, which is relatively efficient.</a:t>
+                </a:r>
+              </a:p>
+            </p:txBody>
+          </p:sp>
+        </mc:Choice>
+        <mc:Fallback>
+          <p:sp>
+            <p:nvSpPr>
+              <p:cNvPr id="3" name="內容版面配置區 2">
+                <a:extLst>
+                  <a:ext uri="{FF2B5EF4-FFF2-40B4-BE49-F238E27FC236}">
+                    <a16:creationId xmlns:a16="http://schemas.microsoft.com/office/drawing/2014/main" id="{44B3D10D-473D-A27F-8281-18CF3DC7847A}"/>
+                  </a:ext>
+                </a:extLst>
+              </p:cNvPr>
+              <p:cNvSpPr>
+                <a:spLocks noGrp="1" noRot="1" noChangeAspect="1" noMove="1" noResize="1" noEditPoints="1" noAdjustHandles="1" noChangeArrowheads="1" noChangeShapeType="1" noTextEdit="1"/>
+              </p:cNvSpPr>
+              <p:nvPr>
+                <p:ph idx="1"/>
+              </p:nvPr>
+            </p:nvSpPr>
+            <p:spPr>
+              <a:xfrm>
+                <a:off x="838200" y="1825625"/>
+                <a:ext cx="10515600" cy="4748430"/>
+              </a:xfrm>
+              <a:blipFill>
+                <a:blip r:embed="rId3"/>
+                <a:stretch>
+                  <a:fillRect l="-638" t="-1412"/>
+                </a:stretch>
+              </a:blipFill>
+            </p:spPr>
+            <p:txBody>
+              <a:bodyPr/>
+              <a:lstStyle/>
+              <a:p>
+                <a:r>
+                  <a:rPr lang="zh-TW" altLang="en-US">
+                    <a:noFill/>
+                  </a:rPr>
+                  <a:t> </a:t>
+                </a:r>
+              </a:p>
+            </p:txBody>
+          </p:sp>
+        </mc:Fallback>
+      </mc:AlternateContent>
+      <p:sp>
+        <p:nvSpPr>
+          <p:cNvPr id="4" name="投影片編號版面配置區 3">
+            <a:extLst>
+              <a:ext uri="{FF2B5EF4-FFF2-40B4-BE49-F238E27FC236}">
+                <a16:creationId xmlns:a16="http://schemas.microsoft.com/office/drawing/2014/main" id="{0C036FB6-0F69-E20E-D8DD-04CEA296D5E0}"/>
+              </a:ext>
+            </a:extLst>
+          </p:cNvPr>
+          <p:cNvSpPr>
+            <a:spLocks noGrp="1"/>
+          </p:cNvSpPr>
+          <p:nvPr>
+            <p:ph type="sldNum" sz="quarter" idx="12"/>
+          </p:nvPr>
+        </p:nvSpPr>
+        <p:spPr/>
+        <p:txBody>
+          <a:bodyPr/>
+          <a:lstStyle/>
+          <a:p>
+            <a:fld id="{666274A1-CF9C-426A-8DD4-B13ED0C24231}" type="slidenum">
+              <a:rPr lang="en-US" smtClean="0"/>
+              <a:t>17</a:t>
+            </a:fld>
+            <a:endParaRPr lang="en-US"/>
+          </a:p>
+        </p:txBody>
+      </p:sp>
+    </p:spTree>
+    <p:extLst>
+      <p:ext uri="{BB962C8B-B14F-4D97-AF65-F5344CB8AC3E}">
+        <p14:creationId xmlns:p14="http://schemas.microsoft.com/office/powerpoint/2010/main" val="2209029615"/>
+      </p:ext>
+    </p:extLst>
+  </p:cSld>
+  <p:clrMapOvr>
+    <a:masterClrMapping/>
+  </p:clrMapOvr>
+</p:sld>
+</file>
+
+<file path=ppt/slides/slide19.xml><?xml version="1.0" encoding="utf-8"?>
 <p:sld xmlns:a="http://schemas.openxmlformats.org/drawingml/2006/main" xmlns:r="http://schemas.openxmlformats.org/officeDocument/2006/relationships" xmlns:p="http://schemas.openxmlformats.org/presentationml/2006/main">
   <p:cSld>
     <p:spTree>
@@ -8845,10 +11526,10 @@
       </p:grpSpPr>
       <p:sp>
         <p:nvSpPr>
-          <p:cNvPr id="4" name="Slide Number Placeholder 3">
-            <a:extLst>
-              <a:ext uri="{FF2B5EF4-FFF2-40B4-BE49-F238E27FC236}">
-                <a16:creationId xmlns:a16="http://schemas.microsoft.com/office/drawing/2014/main" id="{DB47E6D4-11C1-7FA3-40FD-EC8CC1AC8613}"/>
+          <p:cNvPr id="2" name="標題 1">
+            <a:extLst>
+              <a:ext uri="{FF2B5EF4-FFF2-40B4-BE49-F238E27FC236}">
+                <a16:creationId xmlns:a16="http://schemas.microsoft.com/office/drawing/2014/main" id="{2F7A243A-E9E9-E340-CF72-4FF30F1C5DC0}"/>
               </a:ext>
             </a:extLst>
           </p:cNvPr>
@@ -8856,7 +11537,7 @@
             <a:spLocks noGrp="1"/>
           </p:cNvSpPr>
           <p:nvPr>
-            <p:ph type="sldNum" sz="quarter" idx="12"/>
+            <p:ph type="title"/>
           </p:nvPr>
         </p:nvSpPr>
         <p:spPr/>
@@ -8864,60 +11545,201 @@
           <a:bodyPr/>
           <a:lstStyle/>
           <a:p>
+            <a:r>
+              <a:rPr lang="en-US" altLang="zh-TW" dirty="0"/>
+              <a:t>Experimental Result</a:t>
+            </a:r>
+            <a:endParaRPr lang="zh-TW" altLang="en-US" dirty="0"/>
+          </a:p>
+        </p:txBody>
+      </p:sp>
+      <p:sp>
+        <p:nvSpPr>
+          <p:cNvPr id="3" name="內容版面配置區 2">
+            <a:extLst>
+              <a:ext uri="{FF2B5EF4-FFF2-40B4-BE49-F238E27FC236}">
+                <a16:creationId xmlns:a16="http://schemas.microsoft.com/office/drawing/2014/main" id="{A8872EEE-D2B9-FF71-ED0B-9DDD80241311}"/>
+              </a:ext>
+            </a:extLst>
+          </p:cNvPr>
+          <p:cNvSpPr>
+            <a:spLocks noGrp="1"/>
+          </p:cNvSpPr>
+          <p:nvPr>
+            <p:ph idx="1"/>
+          </p:nvPr>
+        </p:nvSpPr>
+        <p:spPr>
+          <a:xfrm>
+            <a:off x="838200" y="1825625"/>
+            <a:ext cx="10515600" cy="4667250"/>
+          </a:xfrm>
+        </p:spPr>
+        <p:txBody>
+          <a:bodyPr>
+            <a:normAutofit/>
+          </a:bodyPr>
+          <a:lstStyle/>
+          <a:p>
+            <a:pPr>
+              <a:lnSpc>
+                <a:spcPct val="150000"/>
+              </a:lnSpc>
+            </a:pPr>
+            <a:r>
+              <a:rPr lang="en-US" altLang="zh-TW" sz="2000" dirty="0">
+                <a:latin typeface="+mj-lt"/>
+              </a:rPr>
+              <a:t>The framework is i</a:t>
+            </a:r>
+            <a:r>
+              <a:rPr lang="en-US" altLang="zh-TW" sz="2000" b="0" i="0" u="none" strike="noStrike" baseline="0" dirty="0">
+                <a:latin typeface="+mj-lt"/>
+              </a:rPr>
+              <a:t>mplemented in C++.</a:t>
+            </a:r>
+          </a:p>
+          <a:p>
+            <a:pPr>
+              <a:lnSpc>
+                <a:spcPct val="150000"/>
+              </a:lnSpc>
+            </a:pPr>
+            <a:r>
+              <a:rPr lang="en-US" altLang="zh-TW" sz="2000" dirty="0">
+                <a:latin typeface="+mj-lt"/>
+              </a:rPr>
+              <a:t>Benchmarks:</a:t>
+            </a:r>
+          </a:p>
+          <a:p>
+            <a:pPr lvl="1">
+              <a:lnSpc>
+                <a:spcPct val="150000"/>
+              </a:lnSpc>
+            </a:pPr>
+            <a:r>
+              <a:rPr lang="en-US" altLang="zh-TW" sz="1800" b="0" i="0" u="none" strike="noStrike" baseline="0" dirty="0">
+                <a:latin typeface="+mj-lt"/>
+              </a:rPr>
+              <a:t>ICCAD2015 incremental timing-driven placement contest benchmarks.</a:t>
+            </a:r>
+          </a:p>
+          <a:p>
+            <a:pPr lvl="1">
+              <a:lnSpc>
+                <a:spcPct val="150000"/>
+              </a:lnSpc>
+            </a:pPr>
+            <a:r>
+              <a:rPr lang="en-US" altLang="zh-TW" sz="1800" b="0" i="0" u="none" strike="noStrike" baseline="0" dirty="0">
+                <a:latin typeface="+mj-lt"/>
+              </a:rPr>
+              <a:t>Industrial benchmarks.</a:t>
+            </a:r>
+          </a:p>
+          <a:p>
+            <a:pPr>
+              <a:lnSpc>
+                <a:spcPct val="150000"/>
+              </a:lnSpc>
+            </a:pPr>
+            <a:r>
+              <a:rPr lang="en-US" altLang="zh-TW" sz="2000" dirty="0">
+                <a:latin typeface="+mj-lt"/>
+              </a:rPr>
+              <a:t>64-bit Linux machine with 24-core Intel Xeon processors running at 2.4GHz with </a:t>
+            </a:r>
+            <a:r>
+              <a:rPr lang="en-US" altLang="zh-TW" sz="1800" b="0" i="0" u="none" strike="noStrike" baseline="0" dirty="0">
+                <a:latin typeface="+mj-lt"/>
+              </a:rPr>
+              <a:t>8 threads</a:t>
+            </a:r>
+            <a:r>
+              <a:rPr lang="en-US" altLang="zh-TW" sz="2000" dirty="0">
+                <a:latin typeface="+mj-lt"/>
+              </a:rPr>
+              <a:t>.</a:t>
+            </a:r>
+          </a:p>
+          <a:p>
+            <a:pPr>
+              <a:lnSpc>
+                <a:spcPct val="150000"/>
+              </a:lnSpc>
+            </a:pPr>
+            <a:r>
+              <a:rPr lang="en-US" altLang="zh-TW" sz="2000" dirty="0">
+                <a:latin typeface="+mj-lt"/>
+              </a:rPr>
+              <a:t>Utilize Innovus refinePlace for layout legalization and fine-tuning.</a:t>
+            </a:r>
+          </a:p>
+          <a:p>
+            <a:pPr>
+              <a:lnSpc>
+                <a:spcPct val="150000"/>
+              </a:lnSpc>
+            </a:pPr>
+            <a:r>
+              <a:rPr lang="en-US" altLang="zh-TW" sz="2000" dirty="0">
+                <a:latin typeface="+mj-lt"/>
+              </a:rPr>
+              <a:t>Compared the routed wirelength(RWL) by Innovus earlyGlobalRoute.</a:t>
+            </a:r>
+          </a:p>
+          <a:p>
+            <a:pPr>
+              <a:lnSpc>
+                <a:spcPct val="150000"/>
+              </a:lnSpc>
+            </a:pPr>
+            <a:r>
+              <a:rPr lang="en-US" altLang="zh-TW" sz="2000" dirty="0">
+                <a:latin typeface="+mj-lt"/>
+              </a:rPr>
+              <a:t>Compared the timing metrics by UItimer2.0.</a:t>
+            </a:r>
+            <a:endParaRPr lang="zh-TW" altLang="en-US" sz="2000" dirty="0">
+              <a:latin typeface="+mj-lt"/>
+            </a:endParaRPr>
+          </a:p>
+        </p:txBody>
+      </p:sp>
+      <p:sp>
+        <p:nvSpPr>
+          <p:cNvPr id="4" name="投影片編號版面配置區 3">
+            <a:extLst>
+              <a:ext uri="{FF2B5EF4-FFF2-40B4-BE49-F238E27FC236}">
+                <a16:creationId xmlns:a16="http://schemas.microsoft.com/office/drawing/2014/main" id="{B0840094-83D1-F689-59BB-F494C42A3167}"/>
+              </a:ext>
+            </a:extLst>
+          </p:cNvPr>
+          <p:cNvSpPr>
+            <a:spLocks noGrp="1"/>
+          </p:cNvSpPr>
+          <p:nvPr>
+            <p:ph type="sldNum" sz="quarter" idx="12"/>
+          </p:nvPr>
+        </p:nvSpPr>
+        <p:spPr/>
+        <p:txBody>
+          <a:bodyPr/>
+          <a:lstStyle/>
+          <a:p>
             <a:fld id="{666274A1-CF9C-426A-8DD4-B13ED0C24231}" type="slidenum">
               <a:rPr lang="en-US" smtClean="0"/>
-              <a:t>14</a:t>
+              <a:t>18</a:t>
             </a:fld>
             <a:endParaRPr lang="en-US"/>
-          </a:p>
-        </p:txBody>
-      </p:sp>
-      <p:sp>
-        <p:nvSpPr>
-          <p:cNvPr id="5" name="TextBox 4">
-            <a:extLst>
-              <a:ext uri="{FF2B5EF4-FFF2-40B4-BE49-F238E27FC236}">
-                <a16:creationId xmlns:a16="http://schemas.microsoft.com/office/drawing/2014/main" id="{DE342AA9-4E4B-2420-9858-9BBA5A519307}"/>
-              </a:ext>
-            </a:extLst>
-          </p:cNvPr>
-          <p:cNvSpPr txBox="1"/>
-          <p:nvPr/>
-        </p:nvSpPr>
-        <p:spPr>
-          <a:xfrm>
-            <a:off x="2627743" y="2967335"/>
-            <a:ext cx="6936514" cy="923330"/>
-          </a:xfrm>
-          <a:prstGeom prst="rect">
-            <a:avLst/>
-          </a:prstGeom>
-          <a:noFill/>
-        </p:spPr>
-        <p:txBody>
-          <a:bodyPr wrap="none" rtlCol="0">
-            <a:spAutoFit/>
-          </a:bodyPr>
-          <a:lstStyle/>
-          <a:p>
-            <a:r>
-              <a:rPr lang="en-US" altLang="zh-TW" sz="5400" dirty="0">
-                <a:latin typeface="Times" panose="02020603050405020304" pitchFamily="18" charset="0"/>
-                <a:cs typeface="Times" panose="02020603050405020304" pitchFamily="18" charset="0"/>
-              </a:rPr>
-              <a:t>Thank you for listening!</a:t>
-            </a:r>
-            <a:endParaRPr lang="zh-TW" altLang="en-US" sz="5400" dirty="0">
-              <a:latin typeface="Times" panose="02020603050405020304" pitchFamily="18" charset="0"/>
-              <a:cs typeface="Times" panose="02020603050405020304" pitchFamily="18" charset="0"/>
-            </a:endParaRPr>
           </a:p>
         </p:txBody>
       </p:sp>
     </p:spTree>
     <p:extLst>
       <p:ext uri="{BB962C8B-B14F-4D97-AF65-F5344CB8AC3E}">
-        <p14:creationId xmlns:p14="http://schemas.microsoft.com/office/powerpoint/2010/main" val="1947749228"/>
+        <p14:creationId xmlns:p14="http://schemas.microsoft.com/office/powerpoint/2010/main" val="3562361027"/>
       </p:ext>
     </p:extLst>
   </p:cSld>
@@ -9075,6 +11897,472 @@
     <p:extLst>
       <p:ext uri="{BB962C8B-B14F-4D97-AF65-F5344CB8AC3E}">
         <p14:creationId xmlns:p14="http://schemas.microsoft.com/office/powerpoint/2010/main" val="701454037"/>
+      </p:ext>
+    </p:extLst>
+  </p:cSld>
+  <p:clrMapOvr>
+    <a:masterClrMapping/>
+  </p:clrMapOvr>
+</p:sld>
+</file>
+
+<file path=ppt/slides/slide20.xml><?xml version="1.0" encoding="utf-8"?>
+<p:sld xmlns:a="http://schemas.openxmlformats.org/drawingml/2006/main" xmlns:r="http://schemas.openxmlformats.org/officeDocument/2006/relationships" xmlns:p="http://schemas.openxmlformats.org/presentationml/2006/main">
+  <p:cSld>
+    <p:spTree>
+      <p:nvGrpSpPr>
+        <p:cNvPr id="1" name="">
+          <a:extLst>
+            <a:ext uri="{FF2B5EF4-FFF2-40B4-BE49-F238E27FC236}">
+              <a16:creationId xmlns:a16="http://schemas.microsoft.com/office/drawing/2014/main" id="{4F22E89E-A47B-97A1-AE3B-C04633766CDE}"/>
+            </a:ext>
+          </a:extLst>
+        </p:cNvPr>
+        <p:cNvGrpSpPr/>
+        <p:nvPr/>
+      </p:nvGrpSpPr>
+      <p:grpSpPr>
+        <a:xfrm>
+          <a:off x="0" y="0"/>
+          <a:ext cx="0" cy="0"/>
+          <a:chOff x="0" y="0"/>
+          <a:chExt cx="0" cy="0"/>
+        </a:xfrm>
+      </p:grpSpPr>
+      <p:sp>
+        <p:nvSpPr>
+          <p:cNvPr id="2" name="標題 1">
+            <a:extLst>
+              <a:ext uri="{FF2B5EF4-FFF2-40B4-BE49-F238E27FC236}">
+                <a16:creationId xmlns:a16="http://schemas.microsoft.com/office/drawing/2014/main" id="{12653988-E353-C44D-84CC-B7ABA767922E}"/>
+              </a:ext>
+            </a:extLst>
+          </p:cNvPr>
+          <p:cNvSpPr>
+            <a:spLocks noGrp="1"/>
+          </p:cNvSpPr>
+          <p:nvPr>
+            <p:ph type="title"/>
+          </p:nvPr>
+        </p:nvSpPr>
+        <p:spPr/>
+        <p:txBody>
+          <a:bodyPr/>
+          <a:lstStyle/>
+          <a:p>
+            <a:r>
+              <a:rPr lang="en-US" altLang="zh-TW" dirty="0"/>
+              <a:t>Experimental Result</a:t>
+            </a:r>
+            <a:endParaRPr lang="zh-TW" altLang="en-US" dirty="0"/>
+          </a:p>
+        </p:txBody>
+      </p:sp>
+      <p:sp>
+        <p:nvSpPr>
+          <p:cNvPr id="4" name="投影片編號版面配置區 3">
+            <a:extLst>
+              <a:ext uri="{FF2B5EF4-FFF2-40B4-BE49-F238E27FC236}">
+                <a16:creationId xmlns:a16="http://schemas.microsoft.com/office/drawing/2014/main" id="{B8144786-E8A6-DD5F-8C3F-30FADD7F56CC}"/>
+              </a:ext>
+            </a:extLst>
+          </p:cNvPr>
+          <p:cNvSpPr>
+            <a:spLocks noGrp="1"/>
+          </p:cNvSpPr>
+          <p:nvPr>
+            <p:ph type="sldNum" sz="quarter" idx="12"/>
+          </p:nvPr>
+        </p:nvSpPr>
+        <p:spPr/>
+        <p:txBody>
+          <a:bodyPr/>
+          <a:lstStyle/>
+          <a:p>
+            <a:fld id="{666274A1-CF9C-426A-8DD4-B13ED0C24231}" type="slidenum">
+              <a:rPr lang="en-US" smtClean="0"/>
+              <a:t>19</a:t>
+            </a:fld>
+            <a:endParaRPr lang="en-US"/>
+          </a:p>
+        </p:txBody>
+      </p:sp>
+      <p:pic>
+        <p:nvPicPr>
+          <p:cNvPr id="10" name="圖片 9">
+            <a:extLst>
+              <a:ext uri="{FF2B5EF4-FFF2-40B4-BE49-F238E27FC236}">
+                <a16:creationId xmlns:a16="http://schemas.microsoft.com/office/drawing/2014/main" id="{E895B919-B093-7D70-3899-38DDD11A452A}"/>
+              </a:ext>
+            </a:extLst>
+          </p:cNvPr>
+          <p:cNvPicPr>
+            <a:picLocks noChangeAspect="1"/>
+          </p:cNvPicPr>
+          <p:nvPr/>
+        </p:nvPicPr>
+        <p:blipFill>
+          <a:blip r:embed="rId3"/>
+          <a:stretch>
+            <a:fillRect/>
+          </a:stretch>
+        </p:blipFill>
+        <p:spPr>
+          <a:xfrm>
+            <a:off x="234214" y="2484800"/>
+            <a:ext cx="11723571" cy="3077437"/>
+          </a:xfrm>
+          <a:prstGeom prst="rect">
+            <a:avLst/>
+          </a:prstGeom>
+        </p:spPr>
+      </p:pic>
+    </p:spTree>
+    <p:extLst>
+      <p:ext uri="{BB962C8B-B14F-4D97-AF65-F5344CB8AC3E}">
+        <p14:creationId xmlns:p14="http://schemas.microsoft.com/office/powerpoint/2010/main" val="1542767286"/>
+      </p:ext>
+    </p:extLst>
+  </p:cSld>
+  <p:clrMapOvr>
+    <a:masterClrMapping/>
+  </p:clrMapOvr>
+</p:sld>
+</file>
+
+<file path=ppt/slides/slide21.xml><?xml version="1.0" encoding="utf-8"?>
+<p:sld xmlns:a="http://schemas.openxmlformats.org/drawingml/2006/main" xmlns:r="http://schemas.openxmlformats.org/officeDocument/2006/relationships" xmlns:p="http://schemas.openxmlformats.org/presentationml/2006/main">
+  <p:cSld>
+    <p:spTree>
+      <p:nvGrpSpPr>
+        <p:cNvPr id="1" name="">
+          <a:extLst>
+            <a:ext uri="{FF2B5EF4-FFF2-40B4-BE49-F238E27FC236}">
+              <a16:creationId xmlns:a16="http://schemas.microsoft.com/office/drawing/2014/main" id="{A9137D64-C130-3BFA-3A35-DD32C9D6594F}"/>
+            </a:ext>
+          </a:extLst>
+        </p:cNvPr>
+        <p:cNvGrpSpPr/>
+        <p:nvPr/>
+      </p:nvGrpSpPr>
+      <p:grpSpPr>
+        <a:xfrm>
+          <a:off x="0" y="0"/>
+          <a:ext cx="0" cy="0"/>
+          <a:chOff x="0" y="0"/>
+          <a:chExt cx="0" cy="0"/>
+        </a:xfrm>
+      </p:grpSpPr>
+      <p:sp>
+        <p:nvSpPr>
+          <p:cNvPr id="2" name="標題 1">
+            <a:extLst>
+              <a:ext uri="{FF2B5EF4-FFF2-40B4-BE49-F238E27FC236}">
+                <a16:creationId xmlns:a16="http://schemas.microsoft.com/office/drawing/2014/main" id="{8B870F08-4AE3-4841-C091-25A2D736C553}"/>
+              </a:ext>
+            </a:extLst>
+          </p:cNvPr>
+          <p:cNvSpPr>
+            <a:spLocks noGrp="1"/>
+          </p:cNvSpPr>
+          <p:nvPr>
+            <p:ph type="title"/>
+          </p:nvPr>
+        </p:nvSpPr>
+        <p:spPr/>
+        <p:txBody>
+          <a:bodyPr/>
+          <a:lstStyle/>
+          <a:p>
+            <a:r>
+              <a:rPr lang="en-US" altLang="zh-TW" dirty="0"/>
+              <a:t>Experimental Result</a:t>
+            </a:r>
+            <a:endParaRPr lang="zh-TW" altLang="en-US" dirty="0"/>
+          </a:p>
+        </p:txBody>
+      </p:sp>
+      <p:sp>
+        <p:nvSpPr>
+          <p:cNvPr id="4" name="投影片編號版面配置區 3">
+            <a:extLst>
+              <a:ext uri="{FF2B5EF4-FFF2-40B4-BE49-F238E27FC236}">
+                <a16:creationId xmlns:a16="http://schemas.microsoft.com/office/drawing/2014/main" id="{CAFEF3DE-1CE8-B6A5-312F-F6F802A82BC7}"/>
+              </a:ext>
+            </a:extLst>
+          </p:cNvPr>
+          <p:cNvSpPr>
+            <a:spLocks noGrp="1"/>
+          </p:cNvSpPr>
+          <p:nvPr>
+            <p:ph type="sldNum" sz="quarter" idx="12"/>
+          </p:nvPr>
+        </p:nvSpPr>
+        <p:spPr/>
+        <p:txBody>
+          <a:bodyPr/>
+          <a:lstStyle/>
+          <a:p>
+            <a:fld id="{666274A1-CF9C-426A-8DD4-B13ED0C24231}" type="slidenum">
+              <a:rPr lang="en-US" smtClean="0"/>
+              <a:t>20</a:t>
+            </a:fld>
+            <a:endParaRPr lang="en-US"/>
+          </a:p>
+        </p:txBody>
+      </p:sp>
+      <p:pic>
+        <p:nvPicPr>
+          <p:cNvPr id="10" name="圖片 9">
+            <a:extLst>
+              <a:ext uri="{FF2B5EF4-FFF2-40B4-BE49-F238E27FC236}">
+                <a16:creationId xmlns:a16="http://schemas.microsoft.com/office/drawing/2014/main" id="{28005EAB-7DDA-DC06-EF0B-CCE4BC257808}"/>
+              </a:ext>
+            </a:extLst>
+          </p:cNvPr>
+          <p:cNvPicPr>
+            <a:picLocks noChangeAspect="1"/>
+          </p:cNvPicPr>
+          <p:nvPr/>
+        </p:nvPicPr>
+        <p:blipFill>
+          <a:blip r:embed="rId2"/>
+          <a:stretch>
+            <a:fillRect/>
+          </a:stretch>
+        </p:blipFill>
+        <p:spPr>
+          <a:xfrm>
+            <a:off x="3475302" y="1780132"/>
+            <a:ext cx="5241395" cy="4712743"/>
+          </a:xfrm>
+          <a:prstGeom prst="rect">
+            <a:avLst/>
+          </a:prstGeom>
+        </p:spPr>
+      </p:pic>
+    </p:spTree>
+    <p:extLst>
+      <p:ext uri="{BB962C8B-B14F-4D97-AF65-F5344CB8AC3E}">
+        <p14:creationId xmlns:p14="http://schemas.microsoft.com/office/powerpoint/2010/main" val="825695809"/>
+      </p:ext>
+    </p:extLst>
+  </p:cSld>
+  <p:clrMapOvr>
+    <a:masterClrMapping/>
+  </p:clrMapOvr>
+</p:sld>
+</file>
+
+<file path=ppt/slides/slide22.xml><?xml version="1.0" encoding="utf-8"?>
+<p:sld xmlns:a="http://schemas.openxmlformats.org/drawingml/2006/main" xmlns:r="http://schemas.openxmlformats.org/officeDocument/2006/relationships" xmlns:p="http://schemas.openxmlformats.org/presentationml/2006/main">
+  <p:cSld>
+    <p:spTree>
+      <p:nvGrpSpPr>
+        <p:cNvPr id="1" name=""/>
+        <p:cNvGrpSpPr/>
+        <p:nvPr/>
+      </p:nvGrpSpPr>
+      <p:grpSpPr>
+        <a:xfrm>
+          <a:off x="0" y="0"/>
+          <a:ext cx="0" cy="0"/>
+          <a:chOff x="0" y="0"/>
+          <a:chExt cx="0" cy="0"/>
+        </a:xfrm>
+      </p:grpSpPr>
+      <p:sp>
+        <p:nvSpPr>
+          <p:cNvPr id="2" name="標題 1">
+            <a:extLst>
+              <a:ext uri="{FF2B5EF4-FFF2-40B4-BE49-F238E27FC236}">
+                <a16:creationId xmlns:a16="http://schemas.microsoft.com/office/drawing/2014/main" id="{928794AF-0DE9-3C15-C100-845D5B26527D}"/>
+              </a:ext>
+            </a:extLst>
+          </p:cNvPr>
+          <p:cNvSpPr>
+            <a:spLocks noGrp="1"/>
+          </p:cNvSpPr>
+          <p:nvPr>
+            <p:ph type="title"/>
+          </p:nvPr>
+        </p:nvSpPr>
+        <p:spPr/>
+        <p:txBody>
+          <a:bodyPr/>
+          <a:lstStyle/>
+          <a:p>
+            <a:r>
+              <a:rPr lang="en-US" altLang="zh-TW" dirty="0"/>
+              <a:t>Experimental Result</a:t>
+            </a:r>
+            <a:endParaRPr lang="zh-TW" altLang="en-US" dirty="0"/>
+          </a:p>
+        </p:txBody>
+      </p:sp>
+      <p:pic>
+        <p:nvPicPr>
+          <p:cNvPr id="6" name="內容版面配置區 5">
+            <a:extLst>
+              <a:ext uri="{FF2B5EF4-FFF2-40B4-BE49-F238E27FC236}">
+                <a16:creationId xmlns:a16="http://schemas.microsoft.com/office/drawing/2014/main" id="{4F00089C-9DEC-05A4-4031-0A67DBE6AD37}"/>
+              </a:ext>
+            </a:extLst>
+          </p:cNvPr>
+          <p:cNvPicPr>
+            <a:picLocks noGrp="1" noChangeAspect="1"/>
+          </p:cNvPicPr>
+          <p:nvPr>
+            <p:ph idx="1"/>
+          </p:nvPr>
+        </p:nvPicPr>
+        <p:blipFill>
+          <a:blip r:embed="rId2"/>
+          <a:stretch>
+            <a:fillRect/>
+          </a:stretch>
+        </p:blipFill>
+        <p:spPr>
+          <a:xfrm>
+            <a:off x="16798" y="1974231"/>
+            <a:ext cx="12158403" cy="4098575"/>
+          </a:xfrm>
+        </p:spPr>
+      </p:pic>
+      <p:sp>
+        <p:nvSpPr>
+          <p:cNvPr id="4" name="投影片編號版面配置區 3">
+            <a:extLst>
+              <a:ext uri="{FF2B5EF4-FFF2-40B4-BE49-F238E27FC236}">
+                <a16:creationId xmlns:a16="http://schemas.microsoft.com/office/drawing/2014/main" id="{C2B8DF60-8451-5385-E96C-1BC41477E6DA}"/>
+              </a:ext>
+            </a:extLst>
+          </p:cNvPr>
+          <p:cNvSpPr>
+            <a:spLocks noGrp="1"/>
+          </p:cNvSpPr>
+          <p:nvPr>
+            <p:ph type="sldNum" sz="quarter" idx="12"/>
+          </p:nvPr>
+        </p:nvSpPr>
+        <p:spPr/>
+        <p:txBody>
+          <a:bodyPr/>
+          <a:lstStyle/>
+          <a:p>
+            <a:fld id="{666274A1-CF9C-426A-8DD4-B13ED0C24231}" type="slidenum">
+              <a:rPr lang="en-US" smtClean="0"/>
+              <a:t>21</a:t>
+            </a:fld>
+            <a:endParaRPr lang="en-US"/>
+          </a:p>
+        </p:txBody>
+      </p:sp>
+    </p:spTree>
+    <p:extLst>
+      <p:ext uri="{BB962C8B-B14F-4D97-AF65-F5344CB8AC3E}">
+        <p14:creationId xmlns:p14="http://schemas.microsoft.com/office/powerpoint/2010/main" val="547074742"/>
+      </p:ext>
+    </p:extLst>
+  </p:cSld>
+  <p:clrMapOvr>
+    <a:masterClrMapping/>
+  </p:clrMapOvr>
+</p:sld>
+</file>
+
+<file path=ppt/slides/slide23.xml><?xml version="1.0" encoding="utf-8"?>
+<p:sld xmlns:a="http://schemas.openxmlformats.org/drawingml/2006/main" xmlns:r="http://schemas.openxmlformats.org/officeDocument/2006/relationships" xmlns:p="http://schemas.openxmlformats.org/presentationml/2006/main">
+  <p:cSld>
+    <p:spTree>
+      <p:nvGrpSpPr>
+        <p:cNvPr id="1" name=""/>
+        <p:cNvGrpSpPr/>
+        <p:nvPr/>
+      </p:nvGrpSpPr>
+      <p:grpSpPr>
+        <a:xfrm>
+          <a:off x="0" y="0"/>
+          <a:ext cx="0" cy="0"/>
+          <a:chOff x="0" y="0"/>
+          <a:chExt cx="0" cy="0"/>
+        </a:xfrm>
+      </p:grpSpPr>
+      <p:sp>
+        <p:nvSpPr>
+          <p:cNvPr id="4" name="Slide Number Placeholder 3">
+            <a:extLst>
+              <a:ext uri="{FF2B5EF4-FFF2-40B4-BE49-F238E27FC236}">
+                <a16:creationId xmlns:a16="http://schemas.microsoft.com/office/drawing/2014/main" id="{DB47E6D4-11C1-7FA3-40FD-EC8CC1AC8613}"/>
+              </a:ext>
+            </a:extLst>
+          </p:cNvPr>
+          <p:cNvSpPr>
+            <a:spLocks noGrp="1"/>
+          </p:cNvSpPr>
+          <p:nvPr>
+            <p:ph type="sldNum" sz="quarter" idx="12"/>
+          </p:nvPr>
+        </p:nvSpPr>
+        <p:spPr/>
+        <p:txBody>
+          <a:bodyPr/>
+          <a:lstStyle/>
+          <a:p>
+            <a:fld id="{666274A1-CF9C-426A-8DD4-B13ED0C24231}" type="slidenum">
+              <a:rPr lang="en-US" smtClean="0"/>
+              <a:t>22</a:t>
+            </a:fld>
+            <a:endParaRPr lang="en-US"/>
+          </a:p>
+        </p:txBody>
+      </p:sp>
+      <p:sp>
+        <p:nvSpPr>
+          <p:cNvPr id="5" name="TextBox 4">
+            <a:extLst>
+              <a:ext uri="{FF2B5EF4-FFF2-40B4-BE49-F238E27FC236}">
+                <a16:creationId xmlns:a16="http://schemas.microsoft.com/office/drawing/2014/main" id="{DE342AA9-4E4B-2420-9858-9BBA5A519307}"/>
+              </a:ext>
+            </a:extLst>
+          </p:cNvPr>
+          <p:cNvSpPr txBox="1"/>
+          <p:nvPr/>
+        </p:nvSpPr>
+        <p:spPr>
+          <a:xfrm>
+            <a:off x="2627743" y="2967335"/>
+            <a:ext cx="6936514" cy="923330"/>
+          </a:xfrm>
+          <a:prstGeom prst="rect">
+            <a:avLst/>
+          </a:prstGeom>
+          <a:noFill/>
+        </p:spPr>
+        <p:txBody>
+          <a:bodyPr wrap="none" rtlCol="0">
+            <a:spAutoFit/>
+          </a:bodyPr>
+          <a:lstStyle/>
+          <a:p>
+            <a:r>
+              <a:rPr lang="en-US" altLang="zh-TW" sz="5400" dirty="0">
+                <a:latin typeface="Times" panose="02020603050405020304" pitchFamily="18" charset="0"/>
+                <a:cs typeface="Times" panose="02020603050405020304" pitchFamily="18" charset="0"/>
+              </a:rPr>
+              <a:t>Thank you for listening!</a:t>
+            </a:r>
+            <a:endParaRPr lang="zh-TW" altLang="en-US" sz="5400" dirty="0">
+              <a:latin typeface="Times" panose="02020603050405020304" pitchFamily="18" charset="0"/>
+              <a:cs typeface="Times" panose="02020603050405020304" pitchFamily="18" charset="0"/>
+            </a:endParaRPr>
+          </a:p>
+        </p:txBody>
+      </p:sp>
+    </p:spTree>
+    <p:extLst>
+      <p:ext uri="{BB962C8B-B14F-4D97-AF65-F5344CB8AC3E}">
+        <p14:creationId xmlns:p14="http://schemas.microsoft.com/office/powerpoint/2010/main" val="1947749228"/>
       </p:ext>
     </p:extLst>
   </p:cSld>

--- a/GM/Placement/An Analytical Placement Algorithm with Routing topology Optimization/An Analytical Placement Algorithm with Routing topology Optimization.pptx
+++ b/GM/Placement/An Analytical Placement Algorithm with Routing topology Optimization/An Analytical Placement Algorithm with Routing topology Optimization.pptx
@@ -5,32 +5,36 @@
     <p:sldMasterId id="2147483648" r:id="rId1"/>
   </p:sldMasterIdLst>
   <p:notesMasterIdLst>
-    <p:notesMasterId r:id="rId25"/>
+    <p:notesMasterId r:id="rId29"/>
   </p:notesMasterIdLst>
   <p:sldIdLst>
     <p:sldId id="256" r:id="rId2"/>
     <p:sldId id="299" r:id="rId3"/>
-    <p:sldId id="300" r:id="rId4"/>
-    <p:sldId id="302" r:id="rId5"/>
-    <p:sldId id="303" r:id="rId6"/>
-    <p:sldId id="301" r:id="rId7"/>
-    <p:sldId id="304" r:id="rId8"/>
-    <p:sldId id="305" r:id="rId9"/>
-    <p:sldId id="306" r:id="rId10"/>
-    <p:sldId id="307" r:id="rId11"/>
-    <p:sldId id="308" r:id="rId12"/>
-    <p:sldId id="309" r:id="rId13"/>
-    <p:sldId id="310" r:id="rId14"/>
-    <p:sldId id="315" r:id="rId15"/>
-    <p:sldId id="312" r:id="rId16"/>
-    <p:sldId id="313" r:id="rId17"/>
-    <p:sldId id="314" r:id="rId18"/>
-    <p:sldId id="320" r:id="rId19"/>
-    <p:sldId id="316" r:id="rId20"/>
-    <p:sldId id="319" r:id="rId21"/>
-    <p:sldId id="318" r:id="rId22"/>
-    <p:sldId id="317" r:id="rId23"/>
-    <p:sldId id="298" r:id="rId24"/>
+    <p:sldId id="321" r:id="rId4"/>
+    <p:sldId id="300" r:id="rId5"/>
+    <p:sldId id="302" r:id="rId6"/>
+    <p:sldId id="322" r:id="rId7"/>
+    <p:sldId id="303" r:id="rId8"/>
+    <p:sldId id="301" r:id="rId9"/>
+    <p:sldId id="304" r:id="rId10"/>
+    <p:sldId id="323" r:id="rId11"/>
+    <p:sldId id="305" r:id="rId12"/>
+    <p:sldId id="306" r:id="rId13"/>
+    <p:sldId id="307" r:id="rId14"/>
+    <p:sldId id="308" r:id="rId15"/>
+    <p:sldId id="309" r:id="rId16"/>
+    <p:sldId id="310" r:id="rId17"/>
+    <p:sldId id="315" r:id="rId18"/>
+    <p:sldId id="312" r:id="rId19"/>
+    <p:sldId id="313" r:id="rId20"/>
+    <p:sldId id="314" r:id="rId21"/>
+    <p:sldId id="320" r:id="rId22"/>
+    <p:sldId id="324" r:id="rId23"/>
+    <p:sldId id="316" r:id="rId24"/>
+    <p:sldId id="319" r:id="rId25"/>
+    <p:sldId id="318" r:id="rId26"/>
+    <p:sldId id="317" r:id="rId27"/>
+    <p:sldId id="298" r:id="rId28"/>
   </p:sldIdLst>
   <p:sldSz cx="12192000" cy="6858000"/>
   <p:notesSz cx="6858000" cy="9144000"/>
@@ -1475,7 +1479,7 @@
           <a:p>
             <a:fld id="{C9ED61FB-B9B0-4D85-A72E-A614C28ECC4E}" type="datetimeFigureOut">
               <a:rPr lang="en-US" smtClean="0"/>
-              <a:t>3/12/2024</a:t>
+              <a:t>3/15/2024</a:t>
             </a:fld>
             <a:endParaRPr lang="en-US"/>
           </a:p>
@@ -1927,7 +1931,7 @@
           <a:p>
             <a:fld id="{9D457EAB-1485-47AD-BEAD-484FAEBF5A54}" type="slidenum">
               <a:rPr lang="en-US" smtClean="0"/>
-              <a:t>12</a:t>
+              <a:t>15</a:t>
             </a:fld>
             <a:endParaRPr lang="en-US"/>
           </a:p>
@@ -2079,7 +2083,7 @@
           <a:p>
             <a:fld id="{9D457EAB-1485-47AD-BEAD-484FAEBF5A54}" type="slidenum">
               <a:rPr lang="en-US" smtClean="0"/>
-              <a:t>13</a:t>
+              <a:t>16</a:t>
             </a:fld>
             <a:endParaRPr lang="en-US"/>
           </a:p>
@@ -2231,7 +2235,7 @@
           <a:p>
             <a:fld id="{9D457EAB-1485-47AD-BEAD-484FAEBF5A54}" type="slidenum">
               <a:rPr lang="en-US" smtClean="0"/>
-              <a:t>14</a:t>
+              <a:t>17</a:t>
             </a:fld>
             <a:endParaRPr lang="en-US"/>
           </a:p>
@@ -2343,7 +2347,7 @@
           <a:p>
             <a:fld id="{9D457EAB-1485-47AD-BEAD-484FAEBF5A54}" type="slidenum">
               <a:rPr lang="en-US" smtClean="0"/>
-              <a:t>15</a:t>
+              <a:t>18</a:t>
             </a:fld>
             <a:endParaRPr lang="en-US"/>
           </a:p>
@@ -2847,7 +2851,7 @@
           <a:p>
             <a:fld id="{9D457EAB-1485-47AD-BEAD-484FAEBF5A54}" type="slidenum">
               <a:rPr lang="en-US" smtClean="0"/>
-              <a:t>16</a:t>
+              <a:t>19</a:t>
             </a:fld>
             <a:endParaRPr lang="en-US"/>
           </a:p>
@@ -2999,7 +3003,7 @@
           <a:p>
             <a:fld id="{9D457EAB-1485-47AD-BEAD-484FAEBF5A54}" type="slidenum">
               <a:rPr lang="en-US" smtClean="0"/>
-              <a:t>17</a:t>
+              <a:t>20</a:t>
             </a:fld>
             <a:endParaRPr lang="en-US"/>
           </a:p>
@@ -3083,7 +3087,7 @@
           <a:p>
             <a:fld id="{9D457EAB-1485-47AD-BEAD-484FAEBF5A54}" type="slidenum">
               <a:rPr lang="en-US" smtClean="0"/>
-              <a:t>18</a:t>
+              <a:t>22</a:t>
             </a:fld>
             <a:endParaRPr lang="en-US"/>
           </a:p>
@@ -3209,7 +3213,7 @@
           <a:p>
             <a:fld id="{9D457EAB-1485-47AD-BEAD-484FAEBF5A54}" type="slidenum">
               <a:rPr lang="en-US" smtClean="0"/>
-              <a:t>19</a:t>
+              <a:t>23</a:t>
             </a:fld>
             <a:endParaRPr lang="en-US"/>
           </a:p>
@@ -3467,7 +3471,7 @@
           <a:p>
             <a:fld id="{9D457EAB-1485-47AD-BEAD-484FAEBF5A54}" type="slidenum">
               <a:rPr lang="en-US" smtClean="0"/>
-              <a:t>3</a:t>
+              <a:t>4</a:t>
             </a:fld>
             <a:endParaRPr lang="en-US"/>
           </a:p>
@@ -3585,7 +3589,7 @@
           <a:p>
             <a:fld id="{9D457EAB-1485-47AD-BEAD-484FAEBF5A54}" type="slidenum">
               <a:rPr lang="en-US" smtClean="0"/>
-              <a:t>5</a:t>
+              <a:t>7</a:t>
             </a:fld>
             <a:endParaRPr lang="en-US"/>
           </a:p>
@@ -3717,7 +3721,7 @@
           <a:p>
             <a:fld id="{9D457EAB-1485-47AD-BEAD-484FAEBF5A54}" type="slidenum">
               <a:rPr lang="en-US" smtClean="0"/>
-              <a:t>6</a:t>
+              <a:t>8</a:t>
             </a:fld>
             <a:endParaRPr lang="en-US"/>
           </a:p>
@@ -3801,7 +3805,7 @@
           <a:p>
             <a:fld id="{9D457EAB-1485-47AD-BEAD-484FAEBF5A54}" type="slidenum">
               <a:rPr lang="en-US" smtClean="0"/>
-              <a:t>7</a:t>
+              <a:t>10</a:t>
             </a:fld>
             <a:endParaRPr lang="en-US"/>
           </a:p>
@@ -3885,7 +3889,7 @@
           <a:p>
             <a:fld id="{9D457EAB-1485-47AD-BEAD-484FAEBF5A54}" type="slidenum">
               <a:rPr lang="en-US" smtClean="0"/>
-              <a:t>8</a:t>
+              <a:t>11</a:t>
             </a:fld>
             <a:endParaRPr lang="en-US"/>
           </a:p>
@@ -4144,7 +4148,7 @@
           <a:p>
             <a:fld id="{9D457EAB-1485-47AD-BEAD-484FAEBF5A54}" type="slidenum">
               <a:rPr lang="en-US" smtClean="0"/>
-              <a:t>9</a:t>
+              <a:t>12</a:t>
             </a:fld>
             <a:endParaRPr lang="en-US"/>
           </a:p>
@@ -4256,7 +4260,7 @@
           <a:p>
             <a:fld id="{9D457EAB-1485-47AD-BEAD-484FAEBF5A54}" type="slidenum">
               <a:rPr lang="en-US" smtClean="0"/>
-              <a:t>10</a:t>
+              <a:t>13</a:t>
             </a:fld>
             <a:endParaRPr lang="en-US"/>
           </a:p>
@@ -4420,7 +4424,7 @@
           <a:p>
             <a:fld id="{9D457EAB-1485-47AD-BEAD-484FAEBF5A54}" type="slidenum">
               <a:rPr lang="en-US" smtClean="0"/>
-              <a:t>11</a:t>
+              <a:t>14</a:t>
             </a:fld>
             <a:endParaRPr lang="en-US"/>
           </a:p>
@@ -4586,7 +4590,7 @@
           <a:p>
             <a:fld id="{99BA7BAB-F69F-4C21-8D40-7AA273A2D01F}" type="datetime1">
               <a:rPr lang="en-US" smtClean="0"/>
-              <a:t>3/12/2024</a:t>
+              <a:t>3/15/2024</a:t>
             </a:fld>
             <a:endParaRPr lang="en-US"/>
           </a:p>
@@ -4791,7 +4795,7 @@
           <a:p>
             <a:fld id="{FB00A8EC-4678-43EE-BE64-F312B7F1A46F}" type="datetime1">
               <a:rPr lang="en-US" smtClean="0"/>
-              <a:t>3/12/2024</a:t>
+              <a:t>3/15/2024</a:t>
             </a:fld>
             <a:endParaRPr lang="en-US"/>
           </a:p>
@@ -4999,7 +5003,7 @@
           <a:p>
             <a:fld id="{9487F23D-EA8F-4C56-9373-23F6109AD11F}" type="datetime1">
               <a:rPr lang="en-US" smtClean="0"/>
-              <a:t>3/12/2024</a:t>
+              <a:t>3/15/2024</a:t>
             </a:fld>
             <a:endParaRPr lang="en-US"/>
           </a:p>
@@ -5197,7 +5201,7 @@
           <a:p>
             <a:fld id="{A34E716E-0239-4A81-9CF4-D3B9651721CF}" type="datetime1">
               <a:rPr lang="en-US" smtClean="0"/>
-              <a:t>3/12/2024</a:t>
+              <a:t>3/15/2024</a:t>
             </a:fld>
             <a:endParaRPr lang="en-US"/>
           </a:p>
@@ -5479,7 +5483,7 @@
           <a:p>
             <a:fld id="{CC112E56-3D97-4B86-935C-1C493DD86A08}" type="datetime1">
               <a:rPr lang="en-US" smtClean="0"/>
-              <a:t>3/12/2024</a:t>
+              <a:t>3/15/2024</a:t>
             </a:fld>
             <a:endParaRPr lang="en-US"/>
           </a:p>
@@ -5744,7 +5748,7 @@
           <a:p>
             <a:fld id="{40649135-BABF-4F63-9AF8-3CEC545E47DC}" type="datetime1">
               <a:rPr lang="en-US" smtClean="0"/>
-              <a:t>3/12/2024</a:t>
+              <a:t>3/15/2024</a:t>
             </a:fld>
             <a:endParaRPr lang="en-US"/>
           </a:p>
@@ -6156,7 +6160,7 @@
           <a:p>
             <a:fld id="{B16EBC02-C9C0-442D-A8A6-494057203542}" type="datetime1">
               <a:rPr lang="en-US" smtClean="0"/>
-              <a:t>3/12/2024</a:t>
+              <a:t>3/15/2024</a:t>
             </a:fld>
             <a:endParaRPr lang="en-US"/>
           </a:p>
@@ -6297,7 +6301,7 @@
           <a:p>
             <a:fld id="{A126C4B4-559D-414E-BC9C-16A745BBF3C3}" type="datetime1">
               <a:rPr lang="en-US" smtClean="0"/>
-              <a:t>3/12/2024</a:t>
+              <a:t>3/15/2024</a:t>
             </a:fld>
             <a:endParaRPr lang="en-US"/>
           </a:p>
@@ -6410,7 +6414,7 @@
           <a:p>
             <a:fld id="{0D49D49E-73A5-4C03-BFEA-3D845EB044D8}" type="datetime1">
               <a:rPr lang="en-US" smtClean="0"/>
-              <a:t>3/12/2024</a:t>
+              <a:t>3/15/2024</a:t>
             </a:fld>
             <a:endParaRPr lang="en-US"/>
           </a:p>
@@ -6721,7 +6725,7 @@
           <a:p>
             <a:fld id="{4A0F93E6-3134-410C-B573-A5F6B38FC346}" type="datetime1">
               <a:rPr lang="en-US" smtClean="0"/>
-              <a:t>3/12/2024</a:t>
+              <a:t>3/15/2024</a:t>
             </a:fld>
             <a:endParaRPr lang="en-US"/>
           </a:p>
@@ -7009,7 +7013,7 @@
           <a:p>
             <a:fld id="{F766E70F-5320-45A5-BE33-1819A93C2AF4}" type="datetime1">
               <a:rPr lang="en-US" smtClean="0"/>
-              <a:t>3/12/2024</a:t>
+              <a:t>3/15/2024</a:t>
             </a:fld>
             <a:endParaRPr lang="en-US"/>
           </a:p>
@@ -7250,7 +7254,7 @@
           <a:p>
             <a:fld id="{A706458B-0289-40FF-A02D-2C541B7F1CB6}" type="datetime1">
               <a:rPr lang="en-US" smtClean="0"/>
-              <a:t>3/12/2024</a:t>
+              <a:t>3/15/2024</a:t>
             </a:fld>
             <a:endParaRPr lang="en-US"/>
           </a:p>
@@ -8060,6 +8064,865 @@
         <p:cNvPr id="1" name="">
           <a:extLst>
             <a:ext uri="{FF2B5EF4-FFF2-40B4-BE49-F238E27FC236}">
+              <a16:creationId xmlns:a16="http://schemas.microsoft.com/office/drawing/2014/main" id="{878E36EF-7191-7A9B-6E40-070492BCCB57}"/>
+            </a:ext>
+          </a:extLst>
+        </p:cNvPr>
+        <p:cNvGrpSpPr/>
+        <p:nvPr/>
+      </p:nvGrpSpPr>
+      <p:grpSpPr>
+        <a:xfrm>
+          <a:off x="0" y="0"/>
+          <a:ext cx="0" cy="0"/>
+          <a:chOff x="0" y="0"/>
+          <a:chExt cx="0" cy="0"/>
+        </a:xfrm>
+      </p:grpSpPr>
+      <p:sp>
+        <p:nvSpPr>
+          <p:cNvPr id="2" name="標題 1">
+            <a:extLst>
+              <a:ext uri="{FF2B5EF4-FFF2-40B4-BE49-F238E27FC236}">
+                <a16:creationId xmlns:a16="http://schemas.microsoft.com/office/drawing/2014/main" id="{111DF3C1-C18C-9E61-A5B4-A8B2EDD4FA65}"/>
+              </a:ext>
+            </a:extLst>
+          </p:cNvPr>
+          <p:cNvSpPr>
+            <a:spLocks noGrp="1"/>
+          </p:cNvSpPr>
+          <p:nvPr>
+            <p:ph type="title"/>
+          </p:nvPr>
+        </p:nvSpPr>
+        <p:spPr/>
+        <p:txBody>
+          <a:bodyPr/>
+          <a:lstStyle/>
+          <a:p>
+            <a:r>
+              <a:rPr lang="en-US" altLang="zh-TW" dirty="0">
+                <a:latin typeface="Times" panose="02020603050405020304" pitchFamily="18" charset="0"/>
+                <a:cs typeface="Times" panose="02020603050405020304" pitchFamily="18" charset="0"/>
+              </a:rPr>
+              <a:t>Outline</a:t>
+            </a:r>
+            <a:endParaRPr lang="zh-TW" altLang="en-US" dirty="0">
+              <a:latin typeface="Times" panose="02020603050405020304" pitchFamily="18" charset="0"/>
+              <a:cs typeface="Times" panose="02020603050405020304" pitchFamily="18" charset="0"/>
+            </a:endParaRPr>
+          </a:p>
+        </p:txBody>
+      </p:sp>
+      <p:sp>
+        <p:nvSpPr>
+          <p:cNvPr id="3" name="內容版面配置區 2">
+            <a:extLst>
+              <a:ext uri="{FF2B5EF4-FFF2-40B4-BE49-F238E27FC236}">
+                <a16:creationId xmlns:a16="http://schemas.microsoft.com/office/drawing/2014/main" id="{7ED6EAB7-BFCA-DAB1-06B0-D3C36F142E42}"/>
+              </a:ext>
+            </a:extLst>
+          </p:cNvPr>
+          <p:cNvSpPr>
+            <a:spLocks noGrp="1"/>
+          </p:cNvSpPr>
+          <p:nvPr>
+            <p:ph idx="1"/>
+          </p:nvPr>
+        </p:nvSpPr>
+        <p:spPr bwMode="auto">
+          <a:xfrm>
+            <a:off x="838200" y="1620000"/>
+            <a:ext cx="10515600" cy="4351338"/>
+          </a:xfrm>
+        </p:spPr>
+        <p:txBody>
+          <a:bodyPr>
+            <a:normAutofit/>
+          </a:bodyPr>
+          <a:lstStyle/>
+          <a:p>
+            <a:pPr>
+              <a:lnSpc>
+                <a:spcPct val="150000"/>
+              </a:lnSpc>
+            </a:pPr>
+            <a:r>
+              <a:rPr lang="en-US" altLang="zh-TW" sz="2400" dirty="0">
+                <a:solidFill>
+                  <a:schemeClr val="bg1">
+                    <a:lumMod val="65000"/>
+                  </a:schemeClr>
+                </a:solidFill>
+              </a:rPr>
+              <a:t>Introduction</a:t>
+            </a:r>
+          </a:p>
+          <a:p>
+            <a:pPr>
+              <a:lnSpc>
+                <a:spcPct val="150000"/>
+              </a:lnSpc>
+            </a:pPr>
+            <a:r>
+              <a:rPr lang="en-US" altLang="zh-TW" sz="2400" dirty="0">
+                <a:solidFill>
+                  <a:schemeClr val="bg1">
+                    <a:lumMod val="65000"/>
+                  </a:schemeClr>
+                </a:solidFill>
+              </a:rPr>
+              <a:t>Preliminaries</a:t>
+            </a:r>
+          </a:p>
+          <a:p>
+            <a:pPr>
+              <a:lnSpc>
+                <a:spcPct val="150000"/>
+              </a:lnSpc>
+            </a:pPr>
+            <a:r>
+              <a:rPr lang="en-US" altLang="zh-TW" sz="2400" dirty="0"/>
+              <a:t>Proposed Algorithm</a:t>
+            </a:r>
+          </a:p>
+          <a:p>
+            <a:pPr>
+              <a:lnSpc>
+                <a:spcPct val="150000"/>
+              </a:lnSpc>
+            </a:pPr>
+            <a:r>
+              <a:rPr lang="en-US" altLang="zh-TW" sz="2400" dirty="0">
+                <a:solidFill>
+                  <a:schemeClr val="bg1">
+                    <a:lumMod val="65000"/>
+                  </a:schemeClr>
+                </a:solidFill>
+              </a:rPr>
+              <a:t>Experimental Result</a:t>
+            </a:r>
+            <a:endParaRPr lang="zh-TW" altLang="en-US" sz="2400" dirty="0">
+              <a:solidFill>
+                <a:schemeClr val="bg1">
+                  <a:lumMod val="65000"/>
+                </a:schemeClr>
+              </a:solidFill>
+            </a:endParaRPr>
+          </a:p>
+        </p:txBody>
+      </p:sp>
+      <p:sp>
+        <p:nvSpPr>
+          <p:cNvPr id="4" name="投影片編號版面配置區 3">
+            <a:extLst>
+              <a:ext uri="{FF2B5EF4-FFF2-40B4-BE49-F238E27FC236}">
+                <a16:creationId xmlns:a16="http://schemas.microsoft.com/office/drawing/2014/main" id="{CF9994B7-A9D0-AEE1-3001-07D1C06A65FA}"/>
+              </a:ext>
+            </a:extLst>
+          </p:cNvPr>
+          <p:cNvSpPr>
+            <a:spLocks noGrp="1"/>
+          </p:cNvSpPr>
+          <p:nvPr>
+            <p:ph type="sldNum" sz="quarter" idx="12"/>
+          </p:nvPr>
+        </p:nvSpPr>
+        <p:spPr/>
+        <p:txBody>
+          <a:bodyPr/>
+          <a:lstStyle/>
+          <a:p>
+            <a:fld id="{666274A1-CF9C-426A-8DD4-B13ED0C24231}" type="slidenum">
+              <a:rPr lang="en-US" smtClean="0"/>
+              <a:t>9</a:t>
+            </a:fld>
+            <a:endParaRPr lang="en-US"/>
+          </a:p>
+        </p:txBody>
+      </p:sp>
+    </p:spTree>
+    <p:extLst>
+      <p:ext uri="{BB962C8B-B14F-4D97-AF65-F5344CB8AC3E}">
+        <p14:creationId xmlns:p14="http://schemas.microsoft.com/office/powerpoint/2010/main" val="3579546524"/>
+      </p:ext>
+    </p:extLst>
+  </p:cSld>
+  <p:clrMapOvr>
+    <a:masterClrMapping/>
+  </p:clrMapOvr>
+</p:sld>
+</file>
+
+<file path=ppt/slides/slide11.xml><?xml version="1.0" encoding="utf-8"?>
+<p:sld xmlns:a="http://schemas.openxmlformats.org/drawingml/2006/main" xmlns:r="http://schemas.openxmlformats.org/officeDocument/2006/relationships" xmlns:p="http://schemas.openxmlformats.org/presentationml/2006/main">
+  <p:cSld>
+    <p:spTree>
+      <p:nvGrpSpPr>
+        <p:cNvPr id="1" name=""/>
+        <p:cNvGrpSpPr/>
+        <p:nvPr/>
+      </p:nvGrpSpPr>
+      <p:grpSpPr>
+        <a:xfrm>
+          <a:off x="0" y="0"/>
+          <a:ext cx="0" cy="0"/>
+          <a:chOff x="0" y="0"/>
+          <a:chExt cx="0" cy="0"/>
+        </a:xfrm>
+      </p:grpSpPr>
+      <p:sp>
+        <p:nvSpPr>
+          <p:cNvPr id="2" name="標題 1">
+            <a:extLst>
+              <a:ext uri="{FF2B5EF4-FFF2-40B4-BE49-F238E27FC236}">
+                <a16:creationId xmlns:a16="http://schemas.microsoft.com/office/drawing/2014/main" id="{E3186F28-1D48-455C-350F-1CFBF2EA6D4C}"/>
+              </a:ext>
+            </a:extLst>
+          </p:cNvPr>
+          <p:cNvSpPr>
+            <a:spLocks noGrp="1"/>
+          </p:cNvSpPr>
+          <p:nvPr>
+            <p:ph type="title"/>
+          </p:nvPr>
+        </p:nvSpPr>
+        <p:spPr/>
+        <p:txBody>
+          <a:bodyPr/>
+          <a:lstStyle/>
+          <a:p>
+            <a:r>
+              <a:rPr lang="en-US" altLang="zh-TW" dirty="0"/>
+              <a:t>Proposed Algorithm</a:t>
+            </a:r>
+            <a:endParaRPr lang="zh-TW" altLang="en-US" dirty="0"/>
+          </a:p>
+        </p:txBody>
+      </p:sp>
+      <p:sp>
+        <p:nvSpPr>
+          <p:cNvPr id="3" name="內容版面配置區 2">
+            <a:extLst>
+              <a:ext uri="{FF2B5EF4-FFF2-40B4-BE49-F238E27FC236}">
+                <a16:creationId xmlns:a16="http://schemas.microsoft.com/office/drawing/2014/main" id="{515AC8EE-FBDF-D8D3-470A-E5B02B96A3C4}"/>
+              </a:ext>
+            </a:extLst>
+          </p:cNvPr>
+          <p:cNvSpPr>
+            <a:spLocks noGrp="1"/>
+          </p:cNvSpPr>
+          <p:nvPr>
+            <p:ph idx="1"/>
+          </p:nvPr>
+        </p:nvSpPr>
+        <p:spPr/>
+        <p:txBody>
+          <a:bodyPr>
+            <a:normAutofit/>
+          </a:bodyPr>
+          <a:lstStyle/>
+          <a:p>
+            <a:pPr marL="514350" indent="-514350">
+              <a:buFont typeface="+mj-lt"/>
+              <a:buAutoNum type="alphaUcPeriod"/>
+            </a:pPr>
+            <a:r>
+              <a:rPr lang="en-US" altLang="zh-TW" sz="2000" dirty="0"/>
+              <a:t>StWL Optimization in Global Placement.</a:t>
+            </a:r>
+          </a:p>
+          <a:p>
+            <a:pPr marL="0" indent="0">
+              <a:buNone/>
+            </a:pPr>
+            <a:endParaRPr lang="en-US" altLang="zh-TW" sz="2200" dirty="0"/>
+          </a:p>
+          <a:p>
+            <a:pPr marL="457200" indent="-457200">
+              <a:buFont typeface="+mj-lt"/>
+              <a:buAutoNum type="alphaUcPeriod" startAt="2"/>
+            </a:pPr>
+            <a:r>
+              <a:rPr lang="en-US" altLang="zh-TW" sz="2000" dirty="0"/>
+              <a:t> StWL Optimization in Cell Refinement.</a:t>
+            </a:r>
+            <a:endParaRPr lang="zh-TW" altLang="en-US" sz="2000" dirty="0"/>
+          </a:p>
+        </p:txBody>
+      </p:sp>
+      <p:sp>
+        <p:nvSpPr>
+          <p:cNvPr id="4" name="投影片編號版面配置區 3">
+            <a:extLst>
+              <a:ext uri="{FF2B5EF4-FFF2-40B4-BE49-F238E27FC236}">
+                <a16:creationId xmlns:a16="http://schemas.microsoft.com/office/drawing/2014/main" id="{9BB63E83-31A6-38EE-9E71-A7B0D38B2584}"/>
+              </a:ext>
+            </a:extLst>
+          </p:cNvPr>
+          <p:cNvSpPr>
+            <a:spLocks noGrp="1"/>
+          </p:cNvSpPr>
+          <p:nvPr>
+            <p:ph type="sldNum" sz="quarter" idx="12"/>
+          </p:nvPr>
+        </p:nvSpPr>
+        <p:spPr/>
+        <p:txBody>
+          <a:bodyPr/>
+          <a:lstStyle/>
+          <a:p>
+            <a:fld id="{666274A1-CF9C-426A-8DD4-B13ED0C24231}" type="slidenum">
+              <a:rPr lang="en-US" smtClean="0"/>
+              <a:t>10</a:t>
+            </a:fld>
+            <a:endParaRPr lang="en-US"/>
+          </a:p>
+        </p:txBody>
+      </p:sp>
+      <p:pic>
+        <p:nvPicPr>
+          <p:cNvPr id="6" name="圖片 5">
+            <a:extLst>
+              <a:ext uri="{FF2B5EF4-FFF2-40B4-BE49-F238E27FC236}">
+                <a16:creationId xmlns:a16="http://schemas.microsoft.com/office/drawing/2014/main" id="{64035916-CA11-CA2F-EB5C-56038A6AF8CE}"/>
+              </a:ext>
+            </a:extLst>
+          </p:cNvPr>
+          <p:cNvPicPr>
+            <a:picLocks noChangeAspect="1"/>
+          </p:cNvPicPr>
+          <p:nvPr/>
+        </p:nvPicPr>
+        <p:blipFill>
+          <a:blip r:embed="rId3"/>
+          <a:stretch>
+            <a:fillRect/>
+          </a:stretch>
+        </p:blipFill>
+        <p:spPr>
+          <a:xfrm>
+            <a:off x="5826551" y="365125"/>
+            <a:ext cx="5781516" cy="6040181"/>
+          </a:xfrm>
+          <a:prstGeom prst="rect">
+            <a:avLst/>
+          </a:prstGeom>
+        </p:spPr>
+      </p:pic>
+    </p:spTree>
+    <p:extLst>
+      <p:ext uri="{BB962C8B-B14F-4D97-AF65-F5344CB8AC3E}">
+        <p14:creationId xmlns:p14="http://schemas.microsoft.com/office/powerpoint/2010/main" val="2460374186"/>
+      </p:ext>
+    </p:extLst>
+  </p:cSld>
+  <p:clrMapOvr>
+    <a:masterClrMapping/>
+  </p:clrMapOvr>
+</p:sld>
+</file>
+
+<file path=ppt/slides/slide12.xml><?xml version="1.0" encoding="utf-8"?>
+<p:sld xmlns:a="http://schemas.openxmlformats.org/drawingml/2006/main" xmlns:r="http://schemas.openxmlformats.org/officeDocument/2006/relationships" xmlns:p="http://schemas.openxmlformats.org/presentationml/2006/main">
+  <p:cSld>
+    <p:spTree>
+      <p:nvGrpSpPr>
+        <p:cNvPr id="1" name=""/>
+        <p:cNvGrpSpPr/>
+        <p:nvPr/>
+      </p:nvGrpSpPr>
+      <p:grpSpPr>
+        <a:xfrm>
+          <a:off x="0" y="0"/>
+          <a:ext cx="0" cy="0"/>
+          <a:chOff x="0" y="0"/>
+          <a:chExt cx="0" cy="0"/>
+        </a:xfrm>
+      </p:grpSpPr>
+      <p:sp>
+        <p:nvSpPr>
+          <p:cNvPr id="2" name="標題 1">
+            <a:extLst>
+              <a:ext uri="{FF2B5EF4-FFF2-40B4-BE49-F238E27FC236}">
+                <a16:creationId xmlns:a16="http://schemas.microsoft.com/office/drawing/2014/main" id="{F6F8B13A-2133-AFE8-53EF-3B87CF15EB2C}"/>
+              </a:ext>
+            </a:extLst>
+          </p:cNvPr>
+          <p:cNvSpPr>
+            <a:spLocks noGrp="1"/>
+          </p:cNvSpPr>
+          <p:nvPr>
+            <p:ph type="title"/>
+          </p:nvPr>
+        </p:nvSpPr>
+        <p:spPr/>
+        <p:txBody>
+          <a:bodyPr/>
+          <a:lstStyle/>
+          <a:p>
+            <a:r>
+              <a:rPr lang="en-US" altLang="zh-TW" dirty="0"/>
+              <a:t>Proposed Algorithm - </a:t>
+            </a:r>
+            <a:r>
+              <a:rPr lang="en-US" altLang="zh-TW" sz="3200" dirty="0"/>
+              <a:t>StWL Optimization in GP</a:t>
+            </a:r>
+            <a:endParaRPr lang="zh-TW" altLang="en-US" dirty="0"/>
+          </a:p>
+        </p:txBody>
+      </p:sp>
+      <mc:AlternateContent xmlns:mc="http://schemas.openxmlformats.org/markup-compatibility/2006" xmlns:a14="http://schemas.microsoft.com/office/drawing/2010/main">
+        <mc:Choice Requires="a14">
+          <p:sp>
+            <p:nvSpPr>
+              <p:cNvPr id="3" name="內容版面配置區 2">
+                <a:extLst>
+                  <a:ext uri="{FF2B5EF4-FFF2-40B4-BE49-F238E27FC236}">
+                    <a16:creationId xmlns:a16="http://schemas.microsoft.com/office/drawing/2014/main" id="{30191587-EE37-4405-867D-9259B59A6461}"/>
+                  </a:ext>
+                </a:extLst>
+              </p:cNvPr>
+              <p:cNvSpPr>
+                <a:spLocks noGrp="1"/>
+              </p:cNvSpPr>
+              <p:nvPr>
+                <p:ph idx="1"/>
+              </p:nvPr>
+            </p:nvSpPr>
+            <p:spPr/>
+            <p:txBody>
+              <a:bodyPr>
+                <a:normAutofit/>
+              </a:bodyPr>
+              <a:lstStyle/>
+              <a:p>
+                <a:pPr marL="457200" indent="-457200">
+                  <a:buAutoNum type="arabicParenBoth"/>
+                </a:pPr>
+                <a:r>
+                  <a:rPr lang="en-US" altLang="zh-TW" sz="2200" b="1" dirty="0"/>
+                  <a:t>Differentiable StWL Approximation</a:t>
+                </a:r>
+              </a:p>
+              <a:p>
+                <a:pPr marL="0" indent="0">
+                  <a:buNone/>
+                </a:pPr>
+                <a:endParaRPr lang="en-US" altLang="zh-TW" sz="400" b="1" i="1" dirty="0">
+                  <a:latin typeface="Cambria Math" panose="02040503050406030204" pitchFamily="18" charset="0"/>
+                </a:endParaRPr>
+              </a:p>
+              <a:p>
+                <a:pPr lvl="1">
+                  <a:lnSpc>
+                    <a:spcPct val="150000"/>
+                  </a:lnSpc>
+                </a:pPr>
+                <a14:m>
+                  <m:oMath xmlns:m="http://schemas.openxmlformats.org/officeDocument/2006/math">
+                    <m:r>
+                      <a:rPr lang="en-US" altLang="zh-TW" sz="2000" b="0" i="1" smtClean="0">
+                        <a:latin typeface="Cambria Math" panose="02040503050406030204" pitchFamily="18" charset="0"/>
+                      </a:rPr>
+                      <m:t>𝑆𝑡𝑊𝐿</m:t>
+                    </m:r>
+                    <m:d>
+                      <m:dPr>
+                        <m:ctrlPr>
+                          <a:rPr lang="en-US" altLang="zh-TW" sz="2000" i="1" smtClean="0">
+                            <a:latin typeface="Cambria Math" panose="02040503050406030204" pitchFamily="18" charset="0"/>
+                          </a:rPr>
+                        </m:ctrlPr>
+                      </m:dPr>
+                      <m:e>
+                        <m:r>
+                          <a:rPr lang="en-US" altLang="zh-TW" sz="2000" b="0" i="1" smtClean="0">
+                            <a:latin typeface="Cambria Math" panose="02040503050406030204" pitchFamily="18" charset="0"/>
+                          </a:rPr>
+                          <m:t>𝑒</m:t>
+                        </m:r>
+                      </m:e>
+                    </m:d>
+                    <m:r>
+                      <a:rPr lang="en-US" altLang="zh-TW" sz="2000" b="0" i="1" smtClean="0">
+                        <a:latin typeface="Cambria Math" panose="02040503050406030204" pitchFamily="18" charset="0"/>
+                      </a:rPr>
+                      <m:t>= </m:t>
+                    </m:r>
+                    <m:nary>
+                      <m:naryPr>
+                        <m:chr m:val="∑"/>
+                        <m:supHide m:val="on"/>
+                        <m:ctrlPr>
+                          <a:rPr lang="en-US" altLang="zh-TW" sz="2000" i="1" smtClean="0">
+                            <a:latin typeface="Cambria Math" panose="02040503050406030204" pitchFamily="18" charset="0"/>
+                          </a:rPr>
+                        </m:ctrlPr>
+                      </m:naryPr>
+                      <m:sub>
+                        <m:r>
+                          <m:rPr>
+                            <m:brk m:alnAt="7"/>
+                          </m:rPr>
+                          <a:rPr lang="en-US" altLang="zh-TW" sz="2000" b="0" i="1" smtClean="0">
+                            <a:latin typeface="Cambria Math" panose="02040503050406030204" pitchFamily="18" charset="0"/>
+                          </a:rPr>
+                          <m:t>𝑖</m:t>
+                        </m:r>
+                        <m:r>
+                          <a:rPr lang="en-US" altLang="zh-TW" sz="2000" b="0" i="1" smtClean="0">
+                            <a:latin typeface="Cambria Math" panose="02040503050406030204" pitchFamily="18" charset="0"/>
+                            <a:ea typeface="Cambria Math" panose="02040503050406030204" pitchFamily="18" charset="0"/>
+                          </a:rPr>
+                          <m:t>∈</m:t>
+                        </m:r>
+                        <m:r>
+                          <a:rPr lang="en-US" altLang="zh-TW" sz="2000" b="0" i="1" smtClean="0">
+                            <a:latin typeface="Cambria Math" panose="02040503050406030204" pitchFamily="18" charset="0"/>
+                            <a:ea typeface="Cambria Math" panose="02040503050406030204" pitchFamily="18" charset="0"/>
+                          </a:rPr>
+                          <m:t>𝐸</m:t>
+                        </m:r>
+                      </m:sub>
+                      <m:sup/>
+                      <m:e>
+                        <m:r>
+                          <a:rPr lang="en-US" altLang="zh-TW" sz="2000" b="0" i="1" smtClean="0">
+                            <a:latin typeface="Cambria Math" panose="02040503050406030204" pitchFamily="18" charset="0"/>
+                          </a:rPr>
+                          <m:t>|</m:t>
+                        </m:r>
+                        <m:sSub>
+                          <m:sSubPr>
+                            <m:ctrlPr>
+                              <a:rPr lang="en-US" altLang="zh-TW" sz="2000" i="1" smtClean="0">
+                                <a:latin typeface="Cambria Math" panose="02040503050406030204" pitchFamily="18" charset="0"/>
+                              </a:rPr>
+                            </m:ctrlPr>
+                          </m:sSubPr>
+                          <m:e>
+                            <m:r>
+                              <a:rPr lang="en-US" altLang="zh-TW" sz="2000" b="0" i="1" smtClean="0">
+                                <a:latin typeface="Cambria Math" panose="02040503050406030204" pitchFamily="18" charset="0"/>
+                              </a:rPr>
+                              <m:t>𝑥</m:t>
+                            </m:r>
+                          </m:e>
+                          <m:sub>
+                            <m:r>
+                              <a:rPr lang="en-US" altLang="zh-TW" sz="2000" b="0" i="1" smtClean="0">
+                                <a:latin typeface="Cambria Math" panose="02040503050406030204" pitchFamily="18" charset="0"/>
+                              </a:rPr>
+                              <m:t>𝑖</m:t>
+                            </m:r>
+                          </m:sub>
+                        </m:sSub>
+                        <m:r>
+                          <a:rPr lang="en-US" altLang="zh-TW" sz="2000" b="0" i="1" smtClean="0">
+                            <a:latin typeface="Cambria Math" panose="02040503050406030204" pitchFamily="18" charset="0"/>
+                          </a:rPr>
+                          <m:t> − </m:t>
+                        </m:r>
+                        <m:sSub>
+                          <m:sSubPr>
+                            <m:ctrlPr>
+                              <a:rPr lang="en-US" altLang="zh-TW" sz="2000" i="1" smtClean="0">
+                                <a:latin typeface="Cambria Math" panose="02040503050406030204" pitchFamily="18" charset="0"/>
+                              </a:rPr>
+                            </m:ctrlPr>
+                          </m:sSubPr>
+                          <m:e>
+                            <m:r>
+                              <a:rPr lang="en-US" altLang="zh-TW" sz="2000" b="0" i="1" smtClean="0">
+                                <a:latin typeface="Cambria Math" panose="02040503050406030204" pitchFamily="18" charset="0"/>
+                              </a:rPr>
+                              <m:t>𝑥</m:t>
+                            </m:r>
+                          </m:e>
+                          <m:sub>
+                            <m:r>
+                              <a:rPr lang="en-US" altLang="zh-TW" sz="2000" b="0" i="1" smtClean="0">
+                                <a:latin typeface="Cambria Math" panose="02040503050406030204" pitchFamily="18" charset="0"/>
+                              </a:rPr>
+                              <m:t>𝑠𝑖</m:t>
+                            </m:r>
+                          </m:sub>
+                        </m:sSub>
+                        <m:r>
+                          <a:rPr lang="en-US" altLang="zh-TW" sz="2000" b="0" i="1" smtClean="0">
+                            <a:latin typeface="Cambria Math" panose="02040503050406030204" pitchFamily="18" charset="0"/>
+                          </a:rPr>
+                          <m:t>|</m:t>
+                        </m:r>
+                      </m:e>
+                    </m:nary>
+                  </m:oMath>
+                </a14:m>
+                <a:endParaRPr lang="en-US" altLang="zh-TW" sz="2000" i="1" dirty="0"/>
+              </a:p>
+              <a:p>
+                <a:pPr lvl="1">
+                  <a:lnSpc>
+                    <a:spcPct val="200000"/>
+                  </a:lnSpc>
+                </a:pPr>
+                <a:r>
+                  <a:rPr lang="en-US" altLang="zh-TW" sz="2000" dirty="0"/>
+                  <a:t>Each segment can be analyzed separately and seen as a 2-pin net.</a:t>
+                </a:r>
+              </a:p>
+              <a:p>
+                <a:pPr lvl="1">
+                  <a:lnSpc>
+                    <a:spcPct val="200000"/>
+                  </a:lnSpc>
+                </a:pPr>
+                <a:r>
+                  <a:rPr lang="en-US" altLang="zh-TW" sz="2000" dirty="0"/>
+                  <a:t>weighted average approximation of horizontal StWL for</a:t>
+                </a:r>
+                <a:r>
+                  <a:rPr lang="zh-TW" altLang="en-US" sz="2000" dirty="0"/>
+                  <a:t> </a:t>
+                </a:r>
+                <a:r>
+                  <a:rPr lang="en-US" altLang="zh-TW" sz="2000" dirty="0"/>
+                  <a:t>net e:</a:t>
+                </a:r>
+              </a:p>
+              <a:p>
+                <a:pPr lvl="1">
+                  <a:lnSpc>
+                    <a:spcPct val="150000"/>
+                  </a:lnSpc>
+                </a:pPr>
+                <a:endParaRPr lang="en-US" altLang="zh-TW" sz="800" dirty="0"/>
+              </a:p>
+              <a:p>
+                <a:pPr lvl="1">
+                  <a:lnSpc>
+                    <a:spcPct val="150000"/>
+                  </a:lnSpc>
+                </a:pPr>
+                <a:r>
+                  <a:rPr lang="zh-TW" altLang="en-US" sz="2000" dirty="0"/>
+                  <a:t> </a:t>
+                </a:r>
+                <a:endParaRPr lang="en-US" altLang="zh-TW" sz="2000" dirty="0"/>
+              </a:p>
+            </p:txBody>
+          </p:sp>
+        </mc:Choice>
+        <mc:Fallback xmlns="">
+          <p:sp>
+            <p:nvSpPr>
+              <p:cNvPr id="3" name="內容版面配置區 2">
+                <a:extLst>
+                  <a:ext uri="{FF2B5EF4-FFF2-40B4-BE49-F238E27FC236}">
+                    <a16:creationId xmlns:a16="http://schemas.microsoft.com/office/drawing/2014/main" id="{30191587-EE37-4405-867D-9259B59A6461}"/>
+                  </a:ext>
+                </a:extLst>
+              </p:cNvPr>
+              <p:cNvSpPr>
+                <a:spLocks noGrp="1" noRot="1" noChangeAspect="1" noMove="1" noResize="1" noEditPoints="1" noAdjustHandles="1" noChangeArrowheads="1" noChangeShapeType="1" noTextEdit="1"/>
+              </p:cNvSpPr>
+              <p:nvPr>
+                <p:ph idx="1"/>
+              </p:nvPr>
+            </p:nvSpPr>
+            <p:spPr>
+              <a:blipFill>
+                <a:blip r:embed="rId3"/>
+                <a:stretch>
+                  <a:fillRect l="-638" t="-1541"/>
+                </a:stretch>
+              </a:blipFill>
+            </p:spPr>
+            <p:txBody>
+              <a:bodyPr/>
+              <a:lstStyle/>
+              <a:p>
+                <a:r>
+                  <a:rPr lang="zh-TW" altLang="en-US">
+                    <a:noFill/>
+                  </a:rPr>
+                  <a:t> </a:t>
+                </a:r>
+              </a:p>
+            </p:txBody>
+          </p:sp>
+        </mc:Fallback>
+      </mc:AlternateContent>
+      <p:sp>
+        <p:nvSpPr>
+          <p:cNvPr id="4" name="投影片編號版面配置區 3">
+            <a:extLst>
+              <a:ext uri="{FF2B5EF4-FFF2-40B4-BE49-F238E27FC236}">
+                <a16:creationId xmlns:a16="http://schemas.microsoft.com/office/drawing/2014/main" id="{D3074287-8483-E349-6EE8-9B7530C8AFD6}"/>
+              </a:ext>
+            </a:extLst>
+          </p:cNvPr>
+          <p:cNvSpPr>
+            <a:spLocks noGrp="1"/>
+          </p:cNvSpPr>
+          <p:nvPr>
+            <p:ph type="sldNum" sz="quarter" idx="12"/>
+          </p:nvPr>
+        </p:nvSpPr>
+        <p:spPr/>
+        <p:txBody>
+          <a:bodyPr/>
+          <a:lstStyle/>
+          <a:p>
+            <a:fld id="{666274A1-CF9C-426A-8DD4-B13ED0C24231}" type="slidenum">
+              <a:rPr lang="en-US" smtClean="0"/>
+              <a:t>11</a:t>
+            </a:fld>
+            <a:endParaRPr lang="en-US"/>
+          </a:p>
+        </p:txBody>
+      </p:sp>
+      <p:sp>
+        <p:nvSpPr>
+          <p:cNvPr id="5" name="文字方塊 4">
+            <a:extLst>
+              <a:ext uri="{FF2B5EF4-FFF2-40B4-BE49-F238E27FC236}">
+                <a16:creationId xmlns:a16="http://schemas.microsoft.com/office/drawing/2014/main" id="{27BE8418-A59F-AD7C-84C6-36AF8D00E011}"/>
+              </a:ext>
+            </a:extLst>
+          </p:cNvPr>
+          <p:cNvSpPr txBox="1"/>
+          <p:nvPr/>
+        </p:nvSpPr>
+        <p:spPr>
+          <a:xfrm>
+            <a:off x="7141945" y="1872830"/>
+            <a:ext cx="4494997" cy="891975"/>
+          </a:xfrm>
+          <a:prstGeom prst="rect">
+            <a:avLst/>
+          </a:prstGeom>
+          <a:noFill/>
+          <a:ln>
+            <a:solidFill>
+              <a:schemeClr val="tx1"/>
+            </a:solidFill>
+          </a:ln>
+        </p:spPr>
+        <p:txBody>
+          <a:bodyPr wrap="square" rtlCol="0">
+            <a:spAutoFit/>
+          </a:bodyPr>
+          <a:lstStyle/>
+          <a:p>
+            <a:pPr>
+              <a:lnSpc>
+                <a:spcPct val="150000"/>
+              </a:lnSpc>
+            </a:pPr>
+            <a:r>
+              <a:rPr lang="en-US" altLang="zh-TW" sz="1600" b="1" i="1" dirty="0"/>
+              <a:t>i</a:t>
+            </a:r>
+            <a:r>
+              <a:rPr lang="en-US" altLang="zh-TW" sz="1600" i="1" dirty="0"/>
+              <a:t> </a:t>
+            </a:r>
+            <a:r>
+              <a:rPr lang="en-US" altLang="zh-TW" sz="1600" dirty="0"/>
+              <a:t>:  inner point of net e (include steiner points).</a:t>
+            </a:r>
+          </a:p>
+          <a:p>
+            <a:pPr>
+              <a:lnSpc>
+                <a:spcPct val="150000"/>
+              </a:lnSpc>
+            </a:pPr>
+            <a:r>
+              <a:rPr lang="en-US" altLang="zh-TW" sz="1600" b="1" i="1" dirty="0" err="1"/>
+              <a:t>si</a:t>
+            </a:r>
+            <a:r>
+              <a:rPr lang="en-US" altLang="zh-TW" sz="1600" i="1" dirty="0"/>
+              <a:t> </a:t>
+            </a:r>
+            <a:r>
+              <a:rPr lang="en-US" altLang="zh-TW" sz="1600" dirty="0"/>
+              <a:t>: the parent node of point </a:t>
+            </a:r>
+            <a:r>
+              <a:rPr lang="en-US" altLang="zh-TW" sz="1600" dirty="0" err="1"/>
+              <a:t>i</a:t>
+            </a:r>
+            <a:r>
+              <a:rPr lang="en-US" altLang="zh-TW" sz="1600" dirty="0"/>
+              <a:t>.</a:t>
+            </a:r>
+          </a:p>
+          <a:p>
+            <a:pPr>
+              <a:lnSpc>
+                <a:spcPct val="150000"/>
+              </a:lnSpc>
+            </a:pPr>
+            <a:endParaRPr lang="en-US" altLang="zh-TW" sz="300" dirty="0"/>
+          </a:p>
+        </p:txBody>
+      </p:sp>
+      <p:pic>
+        <p:nvPicPr>
+          <p:cNvPr id="8" name="圖片 7">
+            <a:extLst>
+              <a:ext uri="{FF2B5EF4-FFF2-40B4-BE49-F238E27FC236}">
+                <a16:creationId xmlns:a16="http://schemas.microsoft.com/office/drawing/2014/main" id="{9A464EA8-E95E-16DD-5147-D8A24CB4D3B0}"/>
+              </a:ext>
+            </a:extLst>
+          </p:cNvPr>
+          <p:cNvPicPr>
+            <a:picLocks noChangeAspect="1"/>
+          </p:cNvPicPr>
+          <p:nvPr/>
+        </p:nvPicPr>
+        <p:blipFill>
+          <a:blip r:embed="rId4"/>
+          <a:stretch>
+            <a:fillRect/>
+          </a:stretch>
+        </p:blipFill>
+        <p:spPr>
+          <a:xfrm>
+            <a:off x="1556963" y="4438267"/>
+            <a:ext cx="4855534" cy="1341201"/>
+          </a:xfrm>
+          <a:prstGeom prst="rect">
+            <a:avLst/>
+          </a:prstGeom>
+        </p:spPr>
+      </p:pic>
+    </p:spTree>
+    <p:extLst>
+      <p:ext uri="{BB962C8B-B14F-4D97-AF65-F5344CB8AC3E}">
+        <p14:creationId xmlns:p14="http://schemas.microsoft.com/office/powerpoint/2010/main" val="118648045"/>
+      </p:ext>
+    </p:extLst>
+  </p:cSld>
+  <p:clrMapOvr>
+    <a:masterClrMapping/>
+  </p:clrMapOvr>
+</p:sld>
+</file>
+
+<file path=ppt/slides/slide13.xml><?xml version="1.0" encoding="utf-8"?>
+<p:sld xmlns:a="http://schemas.openxmlformats.org/drawingml/2006/main" xmlns:r="http://schemas.openxmlformats.org/officeDocument/2006/relationships" xmlns:p="http://schemas.openxmlformats.org/presentationml/2006/main">
+  <p:cSld>
+    <p:spTree>
+      <p:nvGrpSpPr>
+        <p:cNvPr id="1" name="">
+          <a:extLst>
+            <a:ext uri="{FF2B5EF4-FFF2-40B4-BE49-F238E27FC236}">
               <a16:creationId xmlns:a16="http://schemas.microsoft.com/office/drawing/2014/main" id="{A697730E-8EF6-3EB8-210B-5D9D76198354}"/>
             </a:ext>
           </a:extLst>
@@ -8328,7 +9191,7 @@
           <a:p>
             <a:fld id="{666274A1-CF9C-426A-8DD4-B13ED0C24231}" type="slidenum">
               <a:rPr lang="en-US" smtClean="0"/>
-              <a:t>9</a:t>
+              <a:t>12</a:t>
             </a:fld>
             <a:endParaRPr lang="en-US"/>
           </a:p>
@@ -8691,7 +9554,7 @@
 </p:sld>
 </file>
 
-<file path=ppt/slides/slide11.xml><?xml version="1.0" encoding="utf-8"?>
+<file path=ppt/slides/slide14.xml><?xml version="1.0" encoding="utf-8"?>
 <p:sld xmlns:a="http://schemas.openxmlformats.org/drawingml/2006/main" xmlns:r="http://schemas.openxmlformats.org/officeDocument/2006/relationships" xmlns:p="http://schemas.openxmlformats.org/presentationml/2006/main">
   <p:cSld>
     <p:spTree>
@@ -8906,7 +9769,7 @@
           <a:p>
             <a:fld id="{666274A1-CF9C-426A-8DD4-B13ED0C24231}" type="slidenum">
               <a:rPr lang="en-US" smtClean="0"/>
-              <a:t>10</a:t>
+              <a:t>13</a:t>
             </a:fld>
             <a:endParaRPr lang="en-US"/>
           </a:p>
@@ -9055,7 +9918,7 @@
 </p:sld>
 </file>
 
-<file path=ppt/slides/slide12.xml><?xml version="1.0" encoding="utf-8"?>
+<file path=ppt/slides/slide15.xml><?xml version="1.0" encoding="utf-8"?>
 <p:sld xmlns:a="http://schemas.openxmlformats.org/drawingml/2006/main" xmlns:r="http://schemas.openxmlformats.org/officeDocument/2006/relationships" xmlns:p="http://schemas.openxmlformats.org/presentationml/2006/main">
   <p:cSld>
     <p:spTree>
@@ -9296,7 +10159,7 @@
           <a:p>
             <a:fld id="{666274A1-CF9C-426A-8DD4-B13ED0C24231}" type="slidenum">
               <a:rPr lang="en-US" smtClean="0"/>
-              <a:t>11</a:t>
+              <a:t>14</a:t>
             </a:fld>
             <a:endParaRPr lang="en-US"/>
           </a:p>
@@ -9420,7 +10283,7 @@
 </p:sld>
 </file>
 
-<file path=ppt/slides/slide13.xml><?xml version="1.0" encoding="utf-8"?>
+<file path=ppt/slides/slide16.xml><?xml version="1.0" encoding="utf-8"?>
 <p:sld xmlns:a="http://schemas.openxmlformats.org/drawingml/2006/main" xmlns:r="http://schemas.openxmlformats.org/officeDocument/2006/relationships" xmlns:p="http://schemas.openxmlformats.org/presentationml/2006/main">
   <p:cSld>
     <p:spTree>
@@ -9636,7 +10499,7 @@
           <a:p>
             <a:fld id="{666274A1-CF9C-426A-8DD4-B13ED0C24231}" type="slidenum">
               <a:rPr lang="en-US" smtClean="0"/>
-              <a:t>12</a:t>
+              <a:t>15</a:t>
             </a:fld>
             <a:endParaRPr lang="en-US"/>
           </a:p>
@@ -9655,7 +10518,7 @@
 </p:sld>
 </file>
 
-<file path=ppt/slides/slide14.xml><?xml version="1.0" encoding="utf-8"?>
+<file path=ppt/slides/slide17.xml><?xml version="1.0" encoding="utf-8"?>
 <p:sld xmlns:a="http://schemas.openxmlformats.org/drawingml/2006/main" xmlns:r="http://schemas.openxmlformats.org/officeDocument/2006/relationships" xmlns:p="http://schemas.openxmlformats.org/presentationml/2006/main">
   <p:cSld>
     <p:spTree>
@@ -9799,7 +10662,7 @@
           <a:p>
             <a:fld id="{666274A1-CF9C-426A-8DD4-B13ED0C24231}" type="slidenum">
               <a:rPr lang="en-US" smtClean="0"/>
-              <a:t>13</a:t>
+              <a:t>16</a:t>
             </a:fld>
             <a:endParaRPr lang="en-US"/>
           </a:p>
@@ -10023,7 +10886,7 @@
 </p:sld>
 </file>
 
-<file path=ppt/slides/slide15.xml><?xml version="1.0" encoding="utf-8"?>
+<file path=ppt/slides/slide18.xml><?xml version="1.0" encoding="utf-8"?>
 <p:sld xmlns:a="http://schemas.openxmlformats.org/drawingml/2006/main" xmlns:r="http://schemas.openxmlformats.org/officeDocument/2006/relationships" xmlns:p="http://schemas.openxmlformats.org/presentationml/2006/main">
   <p:cSld>
     <p:spTree>
@@ -10254,7 +11117,7 @@
           <a:p>
             <a:fld id="{666274A1-CF9C-426A-8DD4-B13ED0C24231}" type="slidenum">
               <a:rPr lang="en-US" smtClean="0"/>
-              <a:t>14</a:t>
+              <a:t>17</a:t>
             </a:fld>
             <a:endParaRPr lang="en-US"/>
           </a:p>
@@ -10303,7 +11166,7 @@
 </p:sld>
 </file>
 
-<file path=ppt/slides/slide16.xml><?xml version="1.0" encoding="utf-8"?>
+<file path=ppt/slides/slide19.xml><?xml version="1.0" encoding="utf-8"?>
 <p:sld xmlns:a="http://schemas.openxmlformats.org/drawingml/2006/main" xmlns:r="http://schemas.openxmlformats.org/officeDocument/2006/relationships" xmlns:p="http://schemas.openxmlformats.org/presentationml/2006/main">
   <p:cSld>
     <p:spTree>
@@ -10499,7 +11362,7 @@
           <a:p>
             <a:fld id="{666274A1-CF9C-426A-8DD4-B13ED0C24231}" type="slidenum">
               <a:rPr lang="en-US" smtClean="0"/>
-              <a:t>15</a:t>
+              <a:t>18</a:t>
             </a:fld>
             <a:endParaRPr lang="en-US"/>
           </a:p>
@@ -10518,7 +11381,175 @@
 </p:sld>
 </file>
 
-<file path=ppt/slides/slide17.xml><?xml version="1.0" encoding="utf-8"?>
+<file path=ppt/slides/slide2.xml><?xml version="1.0" encoding="utf-8"?>
+<p:sld xmlns:a="http://schemas.openxmlformats.org/drawingml/2006/main" xmlns:r="http://schemas.openxmlformats.org/officeDocument/2006/relationships" xmlns:p="http://schemas.openxmlformats.org/presentationml/2006/main">
+  <p:cSld>
+    <p:spTree>
+      <p:nvGrpSpPr>
+        <p:cNvPr id="1" name=""/>
+        <p:cNvGrpSpPr/>
+        <p:nvPr/>
+      </p:nvGrpSpPr>
+      <p:grpSpPr>
+        <a:xfrm>
+          <a:off x="0" y="0"/>
+          <a:ext cx="0" cy="0"/>
+          <a:chOff x="0" y="0"/>
+          <a:chExt cx="0" cy="0"/>
+        </a:xfrm>
+      </p:grpSpPr>
+      <p:sp>
+        <p:nvSpPr>
+          <p:cNvPr id="2" name="標題 1">
+            <a:extLst>
+              <a:ext uri="{FF2B5EF4-FFF2-40B4-BE49-F238E27FC236}">
+                <a16:creationId xmlns:a16="http://schemas.microsoft.com/office/drawing/2014/main" id="{F95E0C03-DA09-BCA5-440A-A05C34D99715}"/>
+              </a:ext>
+            </a:extLst>
+          </p:cNvPr>
+          <p:cNvSpPr>
+            <a:spLocks noGrp="1"/>
+          </p:cNvSpPr>
+          <p:nvPr>
+            <p:ph type="title"/>
+          </p:nvPr>
+        </p:nvSpPr>
+        <p:spPr/>
+        <p:txBody>
+          <a:bodyPr/>
+          <a:lstStyle/>
+          <a:p>
+            <a:r>
+              <a:rPr lang="en-US" altLang="zh-TW" dirty="0">
+                <a:latin typeface="Times" panose="02020603050405020304" pitchFamily="18" charset="0"/>
+                <a:cs typeface="Times" panose="02020603050405020304" pitchFamily="18" charset="0"/>
+              </a:rPr>
+              <a:t>Outline</a:t>
+            </a:r>
+            <a:endParaRPr lang="zh-TW" altLang="en-US" dirty="0">
+              <a:latin typeface="Times" panose="02020603050405020304" pitchFamily="18" charset="0"/>
+              <a:cs typeface="Times" panose="02020603050405020304" pitchFamily="18" charset="0"/>
+            </a:endParaRPr>
+          </a:p>
+        </p:txBody>
+      </p:sp>
+      <p:sp>
+        <p:nvSpPr>
+          <p:cNvPr id="3" name="內容版面配置區 2">
+            <a:extLst>
+              <a:ext uri="{FF2B5EF4-FFF2-40B4-BE49-F238E27FC236}">
+                <a16:creationId xmlns:a16="http://schemas.microsoft.com/office/drawing/2014/main" id="{F671C038-AE51-E136-6B1E-6C38BF235BBE}"/>
+              </a:ext>
+            </a:extLst>
+          </p:cNvPr>
+          <p:cNvSpPr>
+            <a:spLocks noGrp="1"/>
+          </p:cNvSpPr>
+          <p:nvPr>
+            <p:ph idx="1"/>
+          </p:nvPr>
+        </p:nvSpPr>
+        <p:spPr bwMode="auto">
+          <a:xfrm>
+            <a:off x="838200" y="1620000"/>
+            <a:ext cx="10515600" cy="4351338"/>
+          </a:xfrm>
+        </p:spPr>
+        <p:txBody>
+          <a:bodyPr>
+            <a:normAutofit/>
+          </a:bodyPr>
+          <a:lstStyle/>
+          <a:p>
+            <a:pPr>
+              <a:lnSpc>
+                <a:spcPct val="150000"/>
+              </a:lnSpc>
+            </a:pPr>
+            <a:r>
+              <a:rPr lang="en-US" altLang="zh-TW" sz="2400" dirty="0"/>
+              <a:t>Introduction</a:t>
+            </a:r>
+          </a:p>
+          <a:p>
+            <a:pPr>
+              <a:lnSpc>
+                <a:spcPct val="150000"/>
+              </a:lnSpc>
+            </a:pPr>
+            <a:r>
+              <a:rPr lang="en-US" altLang="zh-TW" sz="2400" dirty="0"/>
+              <a:t>Preliminaries</a:t>
+            </a:r>
+          </a:p>
+          <a:p>
+            <a:pPr>
+              <a:lnSpc>
+                <a:spcPct val="150000"/>
+              </a:lnSpc>
+            </a:pPr>
+            <a:r>
+              <a:rPr lang="en-US" altLang="zh-TW" sz="2400" dirty="0"/>
+              <a:t>Proposed Algorithm</a:t>
+            </a:r>
+          </a:p>
+          <a:p>
+            <a:pPr>
+              <a:lnSpc>
+                <a:spcPct val="150000"/>
+              </a:lnSpc>
+            </a:pPr>
+            <a:r>
+              <a:rPr lang="en-US" altLang="zh-TW" sz="2400" dirty="0"/>
+              <a:t>Experimental Result</a:t>
+            </a:r>
+            <a:endParaRPr lang="zh-TW" altLang="en-US" sz="2400" dirty="0"/>
+          </a:p>
+        </p:txBody>
+      </p:sp>
+      <p:sp>
+        <p:nvSpPr>
+          <p:cNvPr id="4" name="投影片編號版面配置區 3">
+            <a:extLst>
+              <a:ext uri="{FF2B5EF4-FFF2-40B4-BE49-F238E27FC236}">
+                <a16:creationId xmlns:a16="http://schemas.microsoft.com/office/drawing/2014/main" id="{5891B803-9796-C957-1032-D2F5DFAFFD47}"/>
+              </a:ext>
+            </a:extLst>
+          </p:cNvPr>
+          <p:cNvSpPr>
+            <a:spLocks noGrp="1"/>
+          </p:cNvSpPr>
+          <p:nvPr>
+            <p:ph type="sldNum" sz="quarter" idx="12"/>
+          </p:nvPr>
+        </p:nvSpPr>
+        <p:spPr/>
+        <p:txBody>
+          <a:bodyPr/>
+          <a:lstStyle/>
+          <a:p>
+            <a:fld id="{666274A1-CF9C-426A-8DD4-B13ED0C24231}" type="slidenum">
+              <a:rPr lang="en-US" smtClean="0"/>
+              <a:t>1</a:t>
+            </a:fld>
+            <a:endParaRPr lang="en-US"/>
+          </a:p>
+        </p:txBody>
+      </p:sp>
+    </p:spTree>
+    <p:extLst>
+      <p:ext uri="{BB962C8B-B14F-4D97-AF65-F5344CB8AC3E}">
+        <p14:creationId xmlns:p14="http://schemas.microsoft.com/office/powerpoint/2010/main" val="701454037"/>
+      </p:ext>
+    </p:extLst>
+  </p:cSld>
+  <p:clrMapOvr>
+    <a:masterClrMapping/>
+  </p:clrMapOvr>
+</p:sld>
+</file>
+
+<file path=ppt/slides/slide20.xml><?xml version="1.0" encoding="utf-8"?>
 <p:sld xmlns:a="http://schemas.openxmlformats.org/drawingml/2006/main" xmlns:r="http://schemas.openxmlformats.org/officeDocument/2006/relationships" xmlns:p="http://schemas.openxmlformats.org/presentationml/2006/main">
   <p:cSld>
     <p:spTree>
@@ -10656,7 +11687,7 @@
           <a:p>
             <a:fld id="{666274A1-CF9C-426A-8DD4-B13ED0C24231}" type="slidenum">
               <a:rPr lang="en-US" smtClean="0"/>
-              <a:t>16</a:t>
+              <a:t>19</a:t>
             </a:fld>
             <a:endParaRPr lang="en-US"/>
           </a:p>
@@ -10835,7 +11866,7 @@
 </p:sld>
 </file>
 
-<file path=ppt/slides/slide18.xml><?xml version="1.0" encoding="utf-8"?>
+<file path=ppt/slides/slide21.xml><?xml version="1.0" encoding="utf-8"?>
 <p:sld xmlns:a="http://schemas.openxmlformats.org/drawingml/2006/main" xmlns:r="http://schemas.openxmlformats.org/officeDocument/2006/relationships" xmlns:p="http://schemas.openxmlformats.org/presentationml/2006/main">
   <p:cSld>
     <p:spTree>
@@ -10917,8 +11948,8 @@
           </a:p>
         </p:txBody>
       </p:sp>
-      <mc:AlternateContent xmlns:mc="http://schemas.openxmlformats.org/markup-compatibility/2006">
-        <mc:Choice xmlns:a14="http://schemas.microsoft.com/office/drawing/2010/main" Requires="a14">
+      <mc:AlternateContent xmlns:mc="http://schemas.openxmlformats.org/markup-compatibility/2006" xmlns:a14="http://schemas.microsoft.com/office/drawing/2010/main">
+        <mc:Choice Requires="a14">
           <p:sp>
             <p:nvSpPr>
               <p:cNvPr id="3" name="內容版面配置區 2">
@@ -11421,7 +12452,7 @@
             </p:txBody>
           </p:sp>
         </mc:Choice>
-        <mc:Fallback>
+        <mc:Fallback xmlns="">
           <p:sp>
             <p:nvSpPr>
               <p:cNvPr id="3" name="內容版面配置區 2">
@@ -11488,7 +12519,7 @@
           <a:p>
             <a:fld id="{666274A1-CF9C-426A-8DD4-B13ED0C24231}" type="slidenum">
               <a:rPr lang="en-US" smtClean="0"/>
-              <a:t>17</a:t>
+              <a:t>20</a:t>
             </a:fld>
             <a:endParaRPr lang="en-US"/>
           </a:p>
@@ -11507,7 +12538,199 @@
 </p:sld>
 </file>
 
-<file path=ppt/slides/slide19.xml><?xml version="1.0" encoding="utf-8"?>
+<file path=ppt/slides/slide22.xml><?xml version="1.0" encoding="utf-8"?>
+<p:sld xmlns:a="http://schemas.openxmlformats.org/drawingml/2006/main" xmlns:r="http://schemas.openxmlformats.org/officeDocument/2006/relationships" xmlns:p="http://schemas.openxmlformats.org/presentationml/2006/main">
+  <p:cSld>
+    <p:spTree>
+      <p:nvGrpSpPr>
+        <p:cNvPr id="1" name="">
+          <a:extLst>
+            <a:ext uri="{FF2B5EF4-FFF2-40B4-BE49-F238E27FC236}">
+              <a16:creationId xmlns:a16="http://schemas.microsoft.com/office/drawing/2014/main" id="{C2FBC74B-7316-BDFC-37D7-ED173A6A58B7}"/>
+            </a:ext>
+          </a:extLst>
+        </p:cNvPr>
+        <p:cNvGrpSpPr/>
+        <p:nvPr/>
+      </p:nvGrpSpPr>
+      <p:grpSpPr>
+        <a:xfrm>
+          <a:off x="0" y="0"/>
+          <a:ext cx="0" cy="0"/>
+          <a:chOff x="0" y="0"/>
+          <a:chExt cx="0" cy="0"/>
+        </a:xfrm>
+      </p:grpSpPr>
+      <p:sp>
+        <p:nvSpPr>
+          <p:cNvPr id="2" name="標題 1">
+            <a:extLst>
+              <a:ext uri="{FF2B5EF4-FFF2-40B4-BE49-F238E27FC236}">
+                <a16:creationId xmlns:a16="http://schemas.microsoft.com/office/drawing/2014/main" id="{DBCB3E5D-6C0E-3431-D53B-03284277EC2A}"/>
+              </a:ext>
+            </a:extLst>
+          </p:cNvPr>
+          <p:cNvSpPr>
+            <a:spLocks noGrp="1"/>
+          </p:cNvSpPr>
+          <p:nvPr>
+            <p:ph type="title"/>
+          </p:nvPr>
+        </p:nvSpPr>
+        <p:spPr/>
+        <p:txBody>
+          <a:bodyPr/>
+          <a:lstStyle/>
+          <a:p>
+            <a:r>
+              <a:rPr lang="en-US" altLang="zh-TW" dirty="0">
+                <a:latin typeface="Times" panose="02020603050405020304" pitchFamily="18" charset="0"/>
+                <a:cs typeface="Times" panose="02020603050405020304" pitchFamily="18" charset="0"/>
+              </a:rPr>
+              <a:t>Outline</a:t>
+            </a:r>
+            <a:endParaRPr lang="zh-TW" altLang="en-US" dirty="0">
+              <a:latin typeface="Times" panose="02020603050405020304" pitchFamily="18" charset="0"/>
+              <a:cs typeface="Times" panose="02020603050405020304" pitchFamily="18" charset="0"/>
+            </a:endParaRPr>
+          </a:p>
+        </p:txBody>
+      </p:sp>
+      <p:sp>
+        <p:nvSpPr>
+          <p:cNvPr id="3" name="內容版面配置區 2">
+            <a:extLst>
+              <a:ext uri="{FF2B5EF4-FFF2-40B4-BE49-F238E27FC236}">
+                <a16:creationId xmlns:a16="http://schemas.microsoft.com/office/drawing/2014/main" id="{43CE2877-F24F-3DAA-F3A4-2586FB404D06}"/>
+              </a:ext>
+            </a:extLst>
+          </p:cNvPr>
+          <p:cNvSpPr>
+            <a:spLocks noGrp="1"/>
+          </p:cNvSpPr>
+          <p:nvPr>
+            <p:ph idx="1"/>
+          </p:nvPr>
+        </p:nvSpPr>
+        <p:spPr bwMode="auto">
+          <a:xfrm>
+            <a:off x="838200" y="1620000"/>
+            <a:ext cx="10515600" cy="4351338"/>
+          </a:xfrm>
+        </p:spPr>
+        <p:txBody>
+          <a:bodyPr>
+            <a:normAutofit/>
+          </a:bodyPr>
+          <a:lstStyle/>
+          <a:p>
+            <a:pPr>
+              <a:lnSpc>
+                <a:spcPct val="150000"/>
+              </a:lnSpc>
+            </a:pPr>
+            <a:r>
+              <a:rPr lang="en-US" altLang="zh-TW" sz="2400" dirty="0">
+                <a:solidFill>
+                  <a:schemeClr val="bg1">
+                    <a:lumMod val="65000"/>
+                  </a:schemeClr>
+                </a:solidFill>
+              </a:rPr>
+              <a:t>Introduction</a:t>
+            </a:r>
+          </a:p>
+          <a:p>
+            <a:pPr>
+              <a:lnSpc>
+                <a:spcPct val="150000"/>
+              </a:lnSpc>
+            </a:pPr>
+            <a:r>
+              <a:rPr lang="en-US" altLang="zh-TW" sz="2400" dirty="0">
+                <a:solidFill>
+                  <a:schemeClr val="bg1">
+                    <a:lumMod val="65000"/>
+                  </a:schemeClr>
+                </a:solidFill>
+              </a:rPr>
+              <a:t>Preliminaries</a:t>
+            </a:r>
+          </a:p>
+          <a:p>
+            <a:pPr>
+              <a:lnSpc>
+                <a:spcPct val="150000"/>
+              </a:lnSpc>
+            </a:pPr>
+            <a:r>
+              <a:rPr lang="en-US" altLang="zh-TW" sz="2400" dirty="0">
+                <a:solidFill>
+                  <a:schemeClr val="bg1">
+                    <a:lumMod val="65000"/>
+                  </a:schemeClr>
+                </a:solidFill>
+              </a:rPr>
+              <a:t>Proposed Algorithm</a:t>
+            </a:r>
+          </a:p>
+          <a:p>
+            <a:pPr>
+              <a:lnSpc>
+                <a:spcPct val="150000"/>
+              </a:lnSpc>
+            </a:pPr>
+            <a:r>
+              <a:rPr lang="en-US" altLang="zh-TW" sz="2400" dirty="0"/>
+              <a:t>Experimental Result</a:t>
+            </a:r>
+            <a:endParaRPr lang="zh-TW" altLang="en-US" sz="2400" dirty="0"/>
+          </a:p>
+        </p:txBody>
+      </p:sp>
+      <p:sp>
+        <p:nvSpPr>
+          <p:cNvPr id="4" name="投影片編號版面配置區 3">
+            <a:extLst>
+              <a:ext uri="{FF2B5EF4-FFF2-40B4-BE49-F238E27FC236}">
+                <a16:creationId xmlns:a16="http://schemas.microsoft.com/office/drawing/2014/main" id="{6EFBF0ED-EAC8-E515-A4D8-5B42FD9FD464}"/>
+              </a:ext>
+            </a:extLst>
+          </p:cNvPr>
+          <p:cNvSpPr>
+            <a:spLocks noGrp="1"/>
+          </p:cNvSpPr>
+          <p:nvPr>
+            <p:ph type="sldNum" sz="quarter" idx="12"/>
+          </p:nvPr>
+        </p:nvSpPr>
+        <p:spPr/>
+        <p:txBody>
+          <a:bodyPr/>
+          <a:lstStyle/>
+          <a:p>
+            <a:fld id="{666274A1-CF9C-426A-8DD4-B13ED0C24231}" type="slidenum">
+              <a:rPr lang="en-US" smtClean="0"/>
+              <a:t>21</a:t>
+            </a:fld>
+            <a:endParaRPr lang="en-US"/>
+          </a:p>
+        </p:txBody>
+      </p:sp>
+    </p:spTree>
+    <p:extLst>
+      <p:ext uri="{BB962C8B-B14F-4D97-AF65-F5344CB8AC3E}">
+        <p14:creationId xmlns:p14="http://schemas.microsoft.com/office/powerpoint/2010/main" val="1748824718"/>
+      </p:ext>
+    </p:extLst>
+  </p:cSld>
+  <p:clrMapOvr>
+    <a:masterClrMapping/>
+  </p:clrMapOvr>
+</p:sld>
+</file>
+
+<file path=ppt/slides/slide23.xml><?xml version="1.0" encoding="utf-8"?>
 <p:sld xmlns:a="http://schemas.openxmlformats.org/drawingml/2006/main" xmlns:r="http://schemas.openxmlformats.org/officeDocument/2006/relationships" xmlns:p="http://schemas.openxmlformats.org/presentationml/2006/main">
   <p:cSld>
     <p:spTree>
@@ -11730,7 +12953,7 @@
           <a:p>
             <a:fld id="{666274A1-CF9C-426A-8DD4-B13ED0C24231}" type="slidenum">
               <a:rPr lang="en-US" smtClean="0"/>
-              <a:t>18</a:t>
+              <a:t>22</a:t>
             </a:fld>
             <a:endParaRPr lang="en-US"/>
           </a:p>
@@ -11749,164 +12972,7 @@
 </p:sld>
 </file>
 
-<file path=ppt/slides/slide2.xml><?xml version="1.0" encoding="utf-8"?>
-<p:sld xmlns:a="http://schemas.openxmlformats.org/drawingml/2006/main" xmlns:r="http://schemas.openxmlformats.org/officeDocument/2006/relationships" xmlns:p="http://schemas.openxmlformats.org/presentationml/2006/main">
-  <p:cSld>
-    <p:spTree>
-      <p:nvGrpSpPr>
-        <p:cNvPr id="1" name=""/>
-        <p:cNvGrpSpPr/>
-        <p:nvPr/>
-      </p:nvGrpSpPr>
-      <p:grpSpPr>
-        <a:xfrm>
-          <a:off x="0" y="0"/>
-          <a:ext cx="0" cy="0"/>
-          <a:chOff x="0" y="0"/>
-          <a:chExt cx="0" cy="0"/>
-        </a:xfrm>
-      </p:grpSpPr>
-      <p:sp>
-        <p:nvSpPr>
-          <p:cNvPr id="2" name="標題 1">
-            <a:extLst>
-              <a:ext uri="{FF2B5EF4-FFF2-40B4-BE49-F238E27FC236}">
-                <a16:creationId xmlns:a16="http://schemas.microsoft.com/office/drawing/2014/main" id="{F95E0C03-DA09-BCA5-440A-A05C34D99715}"/>
-              </a:ext>
-            </a:extLst>
-          </p:cNvPr>
-          <p:cNvSpPr>
-            <a:spLocks noGrp="1"/>
-          </p:cNvSpPr>
-          <p:nvPr>
-            <p:ph type="title"/>
-          </p:nvPr>
-        </p:nvSpPr>
-        <p:spPr/>
-        <p:txBody>
-          <a:bodyPr/>
-          <a:lstStyle/>
-          <a:p>
-            <a:r>
-              <a:rPr lang="en-US" altLang="zh-TW" dirty="0">
-                <a:latin typeface="Times" panose="02020603050405020304" pitchFamily="18" charset="0"/>
-                <a:cs typeface="Times" panose="02020603050405020304" pitchFamily="18" charset="0"/>
-              </a:rPr>
-              <a:t>Outline</a:t>
-            </a:r>
-            <a:endParaRPr lang="zh-TW" altLang="en-US" dirty="0">
-              <a:latin typeface="Times" panose="02020603050405020304" pitchFamily="18" charset="0"/>
-              <a:cs typeface="Times" panose="02020603050405020304" pitchFamily="18" charset="0"/>
-            </a:endParaRPr>
-          </a:p>
-        </p:txBody>
-      </p:sp>
-      <p:sp>
-        <p:nvSpPr>
-          <p:cNvPr id="3" name="內容版面配置區 2">
-            <a:extLst>
-              <a:ext uri="{FF2B5EF4-FFF2-40B4-BE49-F238E27FC236}">
-                <a16:creationId xmlns:a16="http://schemas.microsoft.com/office/drawing/2014/main" id="{F671C038-AE51-E136-6B1E-6C38BF235BBE}"/>
-              </a:ext>
-            </a:extLst>
-          </p:cNvPr>
-          <p:cNvSpPr>
-            <a:spLocks noGrp="1"/>
-          </p:cNvSpPr>
-          <p:nvPr>
-            <p:ph idx="1"/>
-          </p:nvPr>
-        </p:nvSpPr>
-        <p:spPr bwMode="auto">
-          <a:xfrm>
-            <a:off x="838200" y="1620000"/>
-            <a:ext cx="10515600" cy="4351338"/>
-          </a:xfrm>
-        </p:spPr>
-        <p:txBody>
-          <a:bodyPr>
-            <a:normAutofit/>
-          </a:bodyPr>
-          <a:lstStyle/>
-          <a:p>
-            <a:pPr>
-              <a:lnSpc>
-                <a:spcPct val="150000"/>
-              </a:lnSpc>
-            </a:pPr>
-            <a:r>
-              <a:rPr lang="en-US" altLang="zh-TW" sz="2400" dirty="0"/>
-              <a:t>Introduction</a:t>
-            </a:r>
-          </a:p>
-          <a:p>
-            <a:pPr>
-              <a:lnSpc>
-                <a:spcPct val="150000"/>
-              </a:lnSpc>
-            </a:pPr>
-            <a:r>
-              <a:rPr lang="en-US" altLang="zh-TW" sz="2400" dirty="0"/>
-              <a:t>Preliminaries</a:t>
-            </a:r>
-          </a:p>
-          <a:p>
-            <a:pPr>
-              <a:lnSpc>
-                <a:spcPct val="150000"/>
-              </a:lnSpc>
-            </a:pPr>
-            <a:r>
-              <a:rPr lang="en-US" altLang="zh-TW" sz="2400" dirty="0"/>
-              <a:t>Proposed Algorithm</a:t>
-            </a:r>
-            <a:endParaRPr lang="zh-TW" altLang="en-US" sz="2400" dirty="0"/>
-          </a:p>
-        </p:txBody>
-      </p:sp>
-      <p:sp>
-        <p:nvSpPr>
-          <p:cNvPr id="4" name="投影片編號版面配置區 3">
-            <a:extLst>
-              <a:ext uri="{FF2B5EF4-FFF2-40B4-BE49-F238E27FC236}">
-                <a16:creationId xmlns:a16="http://schemas.microsoft.com/office/drawing/2014/main" id="{5891B803-9796-C957-1032-D2F5DFAFFD47}"/>
-              </a:ext>
-            </a:extLst>
-          </p:cNvPr>
-          <p:cNvSpPr>
-            <a:spLocks noGrp="1"/>
-          </p:cNvSpPr>
-          <p:nvPr>
-            <p:ph type="sldNum" sz="quarter" idx="12"/>
-          </p:nvPr>
-        </p:nvSpPr>
-        <p:spPr/>
-        <p:txBody>
-          <a:bodyPr/>
-          <a:lstStyle/>
-          <a:p>
-            <a:fld id="{666274A1-CF9C-426A-8DD4-B13ED0C24231}" type="slidenum">
-              <a:rPr lang="en-US" smtClean="0"/>
-              <a:t>1</a:t>
-            </a:fld>
-            <a:endParaRPr lang="en-US"/>
-          </a:p>
-        </p:txBody>
-      </p:sp>
-    </p:spTree>
-    <p:extLst>
-      <p:ext uri="{BB962C8B-B14F-4D97-AF65-F5344CB8AC3E}">
-        <p14:creationId xmlns:p14="http://schemas.microsoft.com/office/powerpoint/2010/main" val="701454037"/>
-      </p:ext>
-    </p:extLst>
-  </p:cSld>
-  <p:clrMapOvr>
-    <a:masterClrMapping/>
-  </p:clrMapOvr>
-</p:sld>
-</file>
-
-<file path=ppt/slides/slide20.xml><?xml version="1.0" encoding="utf-8"?>
+<file path=ppt/slides/slide24.xml><?xml version="1.0" encoding="utf-8"?>
 <p:sld xmlns:a="http://schemas.openxmlformats.org/drawingml/2006/main" xmlns:r="http://schemas.openxmlformats.org/officeDocument/2006/relationships" xmlns:p="http://schemas.openxmlformats.org/presentationml/2006/main">
   <p:cSld>
     <p:spTree>
@@ -11981,7 +13047,7 @@
           <a:p>
             <a:fld id="{666274A1-CF9C-426A-8DD4-B13ED0C24231}" type="slidenum">
               <a:rPr lang="en-US" smtClean="0"/>
-              <a:t>19</a:t>
+              <a:t>23</a:t>
             </a:fld>
             <a:endParaRPr lang="en-US"/>
           </a:p>
@@ -12030,7 +13096,7 @@
 </p:sld>
 </file>
 
-<file path=ppt/slides/slide21.xml><?xml version="1.0" encoding="utf-8"?>
+<file path=ppt/slides/slide25.xml><?xml version="1.0" encoding="utf-8"?>
 <p:sld xmlns:a="http://schemas.openxmlformats.org/drawingml/2006/main" xmlns:r="http://schemas.openxmlformats.org/officeDocument/2006/relationships" xmlns:p="http://schemas.openxmlformats.org/presentationml/2006/main">
   <p:cSld>
     <p:spTree>
@@ -12105,7 +13171,7 @@
           <a:p>
             <a:fld id="{666274A1-CF9C-426A-8DD4-B13ED0C24231}" type="slidenum">
               <a:rPr lang="en-US" smtClean="0"/>
-              <a:t>20</a:t>
+              <a:t>24</a:t>
             </a:fld>
             <a:endParaRPr lang="en-US"/>
           </a:p>
@@ -12154,7 +13220,7 @@
 </p:sld>
 </file>
 
-<file path=ppt/slides/slide22.xml><?xml version="1.0" encoding="utf-8"?>
+<file path=ppt/slides/slide26.xml><?xml version="1.0" encoding="utf-8"?>
 <p:sld xmlns:a="http://schemas.openxmlformats.org/drawingml/2006/main" xmlns:r="http://schemas.openxmlformats.org/officeDocument/2006/relationships" xmlns:p="http://schemas.openxmlformats.org/presentationml/2006/main">
   <p:cSld>
     <p:spTree>
@@ -12252,7 +13318,7 @@
           <a:p>
             <a:fld id="{666274A1-CF9C-426A-8DD4-B13ED0C24231}" type="slidenum">
               <a:rPr lang="en-US" smtClean="0"/>
-              <a:t>21</a:t>
+              <a:t>25</a:t>
             </a:fld>
             <a:endParaRPr lang="en-US"/>
           </a:p>
@@ -12271,7 +13337,7 @@
 </p:sld>
 </file>
 
-<file path=ppt/slides/slide23.xml><?xml version="1.0" encoding="utf-8"?>
+<file path=ppt/slides/slide27.xml><?xml version="1.0" encoding="utf-8"?>
 <p:sld xmlns:a="http://schemas.openxmlformats.org/drawingml/2006/main" xmlns:r="http://schemas.openxmlformats.org/officeDocument/2006/relationships" xmlns:p="http://schemas.openxmlformats.org/presentationml/2006/main">
   <p:cSld>
     <p:spTree>
@@ -12311,7 +13377,7 @@
           <a:p>
             <a:fld id="{666274A1-CF9C-426A-8DD4-B13ED0C24231}" type="slidenum">
               <a:rPr lang="en-US" smtClean="0"/>
-              <a:t>22</a:t>
+              <a:t>26</a:t>
             </a:fld>
             <a:endParaRPr lang="en-US"/>
           </a:p>
@@ -12373,6 +13439,204 @@
 </file>
 
 <file path=ppt/slides/slide3.xml><?xml version="1.0" encoding="utf-8"?>
+<p:sld xmlns:a="http://schemas.openxmlformats.org/drawingml/2006/main" xmlns:r="http://schemas.openxmlformats.org/officeDocument/2006/relationships" xmlns:p="http://schemas.openxmlformats.org/presentationml/2006/main">
+  <p:cSld>
+    <p:spTree>
+      <p:nvGrpSpPr>
+        <p:cNvPr id="1" name="">
+          <a:extLst>
+            <a:ext uri="{FF2B5EF4-FFF2-40B4-BE49-F238E27FC236}">
+              <a16:creationId xmlns:a16="http://schemas.microsoft.com/office/drawing/2014/main" id="{6AD44664-3C84-CEAD-CEA5-8858E42C2B50}"/>
+            </a:ext>
+          </a:extLst>
+        </p:cNvPr>
+        <p:cNvGrpSpPr/>
+        <p:nvPr/>
+      </p:nvGrpSpPr>
+      <p:grpSpPr>
+        <a:xfrm>
+          <a:off x="0" y="0"/>
+          <a:ext cx="0" cy="0"/>
+          <a:chOff x="0" y="0"/>
+          <a:chExt cx="0" cy="0"/>
+        </a:xfrm>
+      </p:grpSpPr>
+      <p:sp>
+        <p:nvSpPr>
+          <p:cNvPr id="2" name="標題 1">
+            <a:extLst>
+              <a:ext uri="{FF2B5EF4-FFF2-40B4-BE49-F238E27FC236}">
+                <a16:creationId xmlns:a16="http://schemas.microsoft.com/office/drawing/2014/main" id="{8DF6A977-0658-FEF0-87AF-582863F0E626}"/>
+              </a:ext>
+            </a:extLst>
+          </p:cNvPr>
+          <p:cNvSpPr>
+            <a:spLocks noGrp="1"/>
+          </p:cNvSpPr>
+          <p:nvPr>
+            <p:ph type="title"/>
+          </p:nvPr>
+        </p:nvSpPr>
+        <p:spPr/>
+        <p:txBody>
+          <a:bodyPr/>
+          <a:lstStyle/>
+          <a:p>
+            <a:r>
+              <a:rPr lang="en-US" altLang="zh-TW" dirty="0">
+                <a:latin typeface="Times" panose="02020603050405020304" pitchFamily="18" charset="0"/>
+                <a:cs typeface="Times" panose="02020603050405020304" pitchFamily="18" charset="0"/>
+              </a:rPr>
+              <a:t>Outline</a:t>
+            </a:r>
+            <a:endParaRPr lang="zh-TW" altLang="en-US" dirty="0">
+              <a:latin typeface="Times" panose="02020603050405020304" pitchFamily="18" charset="0"/>
+              <a:cs typeface="Times" panose="02020603050405020304" pitchFamily="18" charset="0"/>
+            </a:endParaRPr>
+          </a:p>
+        </p:txBody>
+      </p:sp>
+      <p:sp>
+        <p:nvSpPr>
+          <p:cNvPr id="3" name="內容版面配置區 2">
+            <a:extLst>
+              <a:ext uri="{FF2B5EF4-FFF2-40B4-BE49-F238E27FC236}">
+                <a16:creationId xmlns:a16="http://schemas.microsoft.com/office/drawing/2014/main" id="{858BB6CF-7BED-CE28-4C9D-0CE53BD2B4F5}"/>
+              </a:ext>
+            </a:extLst>
+          </p:cNvPr>
+          <p:cNvSpPr>
+            <a:spLocks noGrp="1"/>
+          </p:cNvSpPr>
+          <p:nvPr>
+            <p:ph idx="1"/>
+          </p:nvPr>
+        </p:nvSpPr>
+        <p:spPr bwMode="auto">
+          <a:xfrm>
+            <a:off x="838200" y="1620000"/>
+            <a:ext cx="10515600" cy="4351338"/>
+          </a:xfrm>
+        </p:spPr>
+        <p:txBody>
+          <a:bodyPr>
+            <a:normAutofit/>
+          </a:bodyPr>
+          <a:lstStyle/>
+          <a:p>
+            <a:pPr>
+              <a:lnSpc>
+                <a:spcPct val="150000"/>
+              </a:lnSpc>
+            </a:pPr>
+            <a:r>
+              <a:rPr lang="en-US" altLang="zh-TW" sz="2400" dirty="0"/>
+              <a:t>Introduction</a:t>
+            </a:r>
+          </a:p>
+          <a:p>
+            <a:pPr>
+              <a:lnSpc>
+                <a:spcPct val="150000"/>
+              </a:lnSpc>
+            </a:pPr>
+            <a:r>
+              <a:rPr lang="en-US" altLang="zh-TW" sz="2400" dirty="0">
+                <a:solidFill>
+                  <a:schemeClr val="bg1">
+                    <a:lumMod val="65000"/>
+                  </a:schemeClr>
+                </a:solidFill>
+              </a:rPr>
+              <a:t>Preliminaries</a:t>
+            </a:r>
+          </a:p>
+          <a:p>
+            <a:pPr>
+              <a:lnSpc>
+                <a:spcPct val="150000"/>
+              </a:lnSpc>
+            </a:pPr>
+            <a:r>
+              <a:rPr lang="en-US" altLang="zh-TW" sz="2400" dirty="0">
+                <a:solidFill>
+                  <a:schemeClr val="bg1">
+                    <a:lumMod val="65000"/>
+                  </a:schemeClr>
+                </a:solidFill>
+              </a:rPr>
+              <a:t>Proposed Algorithm</a:t>
+            </a:r>
+          </a:p>
+          <a:p>
+            <a:pPr>
+              <a:lnSpc>
+                <a:spcPct val="150000"/>
+              </a:lnSpc>
+            </a:pPr>
+            <a:r>
+              <a:rPr lang="en-US" altLang="zh-TW" sz="2400" dirty="0">
+                <a:solidFill>
+                  <a:schemeClr val="bg1">
+                    <a:lumMod val="65000"/>
+                  </a:schemeClr>
+                </a:solidFill>
+              </a:rPr>
+              <a:t>Experimental Result</a:t>
+            </a:r>
+            <a:endParaRPr lang="zh-TW" altLang="en-US" sz="2400" dirty="0">
+              <a:solidFill>
+                <a:schemeClr val="bg1">
+                  <a:lumMod val="65000"/>
+                </a:schemeClr>
+              </a:solidFill>
+            </a:endParaRPr>
+          </a:p>
+        </p:txBody>
+      </p:sp>
+      <p:sp>
+        <p:nvSpPr>
+          <p:cNvPr id="4" name="投影片編號版面配置區 3">
+            <a:extLst>
+              <a:ext uri="{FF2B5EF4-FFF2-40B4-BE49-F238E27FC236}">
+                <a16:creationId xmlns:a16="http://schemas.microsoft.com/office/drawing/2014/main" id="{59A4642D-E139-29DE-0182-DD3BE0BAA730}"/>
+              </a:ext>
+            </a:extLst>
+          </p:cNvPr>
+          <p:cNvSpPr>
+            <a:spLocks noGrp="1"/>
+          </p:cNvSpPr>
+          <p:nvPr>
+            <p:ph type="sldNum" sz="quarter" idx="12"/>
+          </p:nvPr>
+        </p:nvSpPr>
+        <p:spPr/>
+        <p:txBody>
+          <a:bodyPr/>
+          <a:lstStyle/>
+          <a:p>
+            <a:fld id="{666274A1-CF9C-426A-8DD4-B13ED0C24231}" type="slidenum">
+              <a:rPr lang="en-US" smtClean="0"/>
+              <a:t>2</a:t>
+            </a:fld>
+            <a:endParaRPr lang="en-US"/>
+          </a:p>
+        </p:txBody>
+      </p:sp>
+    </p:spTree>
+    <p:extLst>
+      <p:ext uri="{BB962C8B-B14F-4D97-AF65-F5344CB8AC3E}">
+        <p14:creationId xmlns:p14="http://schemas.microsoft.com/office/powerpoint/2010/main" val="3510111399"/>
+      </p:ext>
+    </p:extLst>
+  </p:cSld>
+  <p:clrMapOvr>
+    <a:masterClrMapping/>
+  </p:clrMapOvr>
+</p:sld>
+</file>
+
+<file path=ppt/slides/slide4.xml><?xml version="1.0" encoding="utf-8"?>
 <p:sld xmlns:a="http://schemas.openxmlformats.org/drawingml/2006/main" xmlns:r="http://schemas.openxmlformats.org/officeDocument/2006/relationships" xmlns:p="http://schemas.openxmlformats.org/presentationml/2006/main">
   <p:cSld>
     <p:spTree>
@@ -12683,7 +13947,7 @@
           <a:p>
             <a:fld id="{666274A1-CF9C-426A-8DD4-B13ED0C24231}" type="slidenum">
               <a:rPr lang="en-US" smtClean="0"/>
-              <a:t>2</a:t>
+              <a:t>3</a:t>
             </a:fld>
             <a:endParaRPr lang="en-US"/>
           </a:p>
@@ -12702,7 +13966,7 @@
 </p:sld>
 </file>
 
-<file path=ppt/slides/slide4.xml><?xml version="1.0" encoding="utf-8"?>
+<file path=ppt/slides/slide5.xml><?xml version="1.0" encoding="utf-8"?>
 <p:sld xmlns:a="http://schemas.openxmlformats.org/drawingml/2006/main" xmlns:r="http://schemas.openxmlformats.org/officeDocument/2006/relationships" xmlns:p="http://schemas.openxmlformats.org/presentationml/2006/main">
   <p:cSld>
     <p:spTree>
@@ -12800,7 +14064,7 @@
           <a:p>
             <a:fld id="{666274A1-CF9C-426A-8DD4-B13ED0C24231}" type="slidenum">
               <a:rPr lang="en-US" smtClean="0"/>
-              <a:t>3</a:t>
+              <a:t>4</a:t>
             </a:fld>
             <a:endParaRPr lang="en-US"/>
           </a:p>
@@ -13076,7 +14340,205 @@
 </p:sld>
 </file>
 
-<file path=ppt/slides/slide5.xml><?xml version="1.0" encoding="utf-8"?>
+<file path=ppt/slides/slide6.xml><?xml version="1.0" encoding="utf-8"?>
+<p:sld xmlns:a="http://schemas.openxmlformats.org/drawingml/2006/main" xmlns:r="http://schemas.openxmlformats.org/officeDocument/2006/relationships" xmlns:p="http://schemas.openxmlformats.org/presentationml/2006/main">
+  <p:cSld>
+    <p:spTree>
+      <p:nvGrpSpPr>
+        <p:cNvPr id="1" name="">
+          <a:extLst>
+            <a:ext uri="{FF2B5EF4-FFF2-40B4-BE49-F238E27FC236}">
+              <a16:creationId xmlns:a16="http://schemas.microsoft.com/office/drawing/2014/main" id="{62A379A0-C4BC-A34F-EF3E-4D99CBB71825}"/>
+            </a:ext>
+          </a:extLst>
+        </p:cNvPr>
+        <p:cNvGrpSpPr/>
+        <p:nvPr/>
+      </p:nvGrpSpPr>
+      <p:grpSpPr>
+        <a:xfrm>
+          <a:off x="0" y="0"/>
+          <a:ext cx="0" cy="0"/>
+          <a:chOff x="0" y="0"/>
+          <a:chExt cx="0" cy="0"/>
+        </a:xfrm>
+      </p:grpSpPr>
+      <p:sp>
+        <p:nvSpPr>
+          <p:cNvPr id="2" name="標題 1">
+            <a:extLst>
+              <a:ext uri="{FF2B5EF4-FFF2-40B4-BE49-F238E27FC236}">
+                <a16:creationId xmlns:a16="http://schemas.microsoft.com/office/drawing/2014/main" id="{D471666D-74B0-949D-F997-9D1929E5756D}"/>
+              </a:ext>
+            </a:extLst>
+          </p:cNvPr>
+          <p:cNvSpPr>
+            <a:spLocks noGrp="1"/>
+          </p:cNvSpPr>
+          <p:nvPr>
+            <p:ph type="title"/>
+          </p:nvPr>
+        </p:nvSpPr>
+        <p:spPr/>
+        <p:txBody>
+          <a:bodyPr/>
+          <a:lstStyle/>
+          <a:p>
+            <a:r>
+              <a:rPr lang="en-US" altLang="zh-TW" dirty="0">
+                <a:latin typeface="Times" panose="02020603050405020304" pitchFamily="18" charset="0"/>
+                <a:cs typeface="Times" panose="02020603050405020304" pitchFamily="18" charset="0"/>
+              </a:rPr>
+              <a:t>Outline</a:t>
+            </a:r>
+            <a:endParaRPr lang="zh-TW" altLang="en-US" dirty="0">
+              <a:latin typeface="Times" panose="02020603050405020304" pitchFamily="18" charset="0"/>
+              <a:cs typeface="Times" panose="02020603050405020304" pitchFamily="18" charset="0"/>
+            </a:endParaRPr>
+          </a:p>
+        </p:txBody>
+      </p:sp>
+      <p:sp>
+        <p:nvSpPr>
+          <p:cNvPr id="3" name="內容版面配置區 2">
+            <a:extLst>
+              <a:ext uri="{FF2B5EF4-FFF2-40B4-BE49-F238E27FC236}">
+                <a16:creationId xmlns:a16="http://schemas.microsoft.com/office/drawing/2014/main" id="{89078A96-29E3-4A46-1D83-96DB74BE1F07}"/>
+              </a:ext>
+            </a:extLst>
+          </p:cNvPr>
+          <p:cNvSpPr>
+            <a:spLocks noGrp="1"/>
+          </p:cNvSpPr>
+          <p:nvPr>
+            <p:ph idx="1"/>
+          </p:nvPr>
+        </p:nvSpPr>
+        <p:spPr bwMode="auto">
+          <a:xfrm>
+            <a:off x="838200" y="1620000"/>
+            <a:ext cx="10515600" cy="4351338"/>
+          </a:xfrm>
+        </p:spPr>
+        <p:txBody>
+          <a:bodyPr>
+            <a:normAutofit/>
+          </a:bodyPr>
+          <a:lstStyle/>
+          <a:p>
+            <a:pPr>
+              <a:lnSpc>
+                <a:spcPct val="150000"/>
+              </a:lnSpc>
+            </a:pPr>
+            <a:r>
+              <a:rPr lang="en-US" altLang="zh-TW" sz="2400" dirty="0">
+                <a:solidFill>
+                  <a:schemeClr val="bg1">
+                    <a:lumMod val="65000"/>
+                  </a:schemeClr>
+                </a:solidFill>
+              </a:rPr>
+              <a:t>Introduction</a:t>
+            </a:r>
+          </a:p>
+          <a:p>
+            <a:pPr>
+              <a:lnSpc>
+                <a:spcPct val="150000"/>
+              </a:lnSpc>
+            </a:pPr>
+            <a:r>
+              <a:rPr lang="en-US" altLang="zh-TW" sz="2400" dirty="0"/>
+              <a:t>Preliminaries</a:t>
+            </a:r>
+          </a:p>
+          <a:p>
+            <a:pPr>
+              <a:lnSpc>
+                <a:spcPct val="150000"/>
+              </a:lnSpc>
+            </a:pPr>
+            <a:r>
+              <a:rPr lang="en-US" altLang="zh-TW" sz="2400" dirty="0">
+                <a:solidFill>
+                  <a:schemeClr val="bg1">
+                    <a:lumMod val="65000"/>
+                  </a:schemeClr>
+                </a:solidFill>
+              </a:rPr>
+              <a:t>Proposed Algorithm</a:t>
+            </a:r>
+          </a:p>
+          <a:p>
+            <a:pPr>
+              <a:lnSpc>
+                <a:spcPct val="150000"/>
+              </a:lnSpc>
+            </a:pPr>
+            <a:r>
+              <a:rPr lang="en-US" altLang="zh-TW" sz="2400" dirty="0">
+                <a:solidFill>
+                  <a:schemeClr val="bg1">
+                    <a:lumMod val="65000"/>
+                  </a:schemeClr>
+                </a:solidFill>
+              </a:rPr>
+              <a:t>Experimental Result</a:t>
+            </a:r>
+            <a:endParaRPr lang="zh-TW" altLang="en-US" sz="2400" dirty="0">
+              <a:solidFill>
+                <a:schemeClr val="bg1">
+                  <a:lumMod val="65000"/>
+                </a:schemeClr>
+              </a:solidFill>
+            </a:endParaRPr>
+          </a:p>
+        </p:txBody>
+      </p:sp>
+      <p:sp>
+        <p:nvSpPr>
+          <p:cNvPr id="4" name="投影片編號版面配置區 3">
+            <a:extLst>
+              <a:ext uri="{FF2B5EF4-FFF2-40B4-BE49-F238E27FC236}">
+                <a16:creationId xmlns:a16="http://schemas.microsoft.com/office/drawing/2014/main" id="{933063DE-7ED3-6876-B747-01BDB5C0CC75}"/>
+              </a:ext>
+            </a:extLst>
+          </p:cNvPr>
+          <p:cNvSpPr>
+            <a:spLocks noGrp="1"/>
+          </p:cNvSpPr>
+          <p:nvPr>
+            <p:ph type="sldNum" sz="quarter" idx="12"/>
+          </p:nvPr>
+        </p:nvSpPr>
+        <p:spPr/>
+        <p:txBody>
+          <a:bodyPr/>
+          <a:lstStyle/>
+          <a:p>
+            <a:fld id="{666274A1-CF9C-426A-8DD4-B13ED0C24231}" type="slidenum">
+              <a:rPr lang="en-US" smtClean="0"/>
+              <a:t>5</a:t>
+            </a:fld>
+            <a:endParaRPr lang="en-US"/>
+          </a:p>
+        </p:txBody>
+      </p:sp>
+    </p:spTree>
+    <p:extLst>
+      <p:ext uri="{BB962C8B-B14F-4D97-AF65-F5344CB8AC3E}">
+        <p14:creationId xmlns:p14="http://schemas.microsoft.com/office/powerpoint/2010/main" val="1576586667"/>
+      </p:ext>
+    </p:extLst>
+  </p:cSld>
+  <p:clrMapOvr>
+    <a:masterClrMapping/>
+  </p:clrMapOvr>
+</p:sld>
+</file>
+
+<file path=ppt/slides/slide7.xml><?xml version="1.0" encoding="utf-8"?>
 <p:sld xmlns:a="http://schemas.openxmlformats.org/drawingml/2006/main" xmlns:r="http://schemas.openxmlformats.org/officeDocument/2006/relationships" xmlns:p="http://schemas.openxmlformats.org/presentationml/2006/main">
   <p:cSld>
     <p:spTree>
@@ -13212,7 +14674,7 @@
           <a:p>
             <a:fld id="{666274A1-CF9C-426A-8DD4-B13ED0C24231}" type="slidenum">
               <a:rPr lang="en-US" smtClean="0"/>
-              <a:t>4</a:t>
+              <a:t>6</a:t>
             </a:fld>
             <a:endParaRPr lang="en-US"/>
           </a:p>
@@ -13261,7 +14723,7 @@
 </p:sld>
 </file>
 
-<file path=ppt/slides/slide6.xml><?xml version="1.0" encoding="utf-8"?>
+<file path=ppt/slides/slide8.xml><?xml version="1.0" encoding="utf-8"?>
 <p:sld xmlns:a="http://schemas.openxmlformats.org/drawingml/2006/main" xmlns:r="http://schemas.openxmlformats.org/officeDocument/2006/relationships" xmlns:p="http://schemas.openxmlformats.org/presentationml/2006/main">
   <p:cSld>
     <p:spTree>
@@ -13890,7 +15352,7 @@
           <a:p>
             <a:fld id="{666274A1-CF9C-426A-8DD4-B13ED0C24231}" type="slidenum">
               <a:rPr lang="en-US" smtClean="0"/>
-              <a:t>5</a:t>
+              <a:t>7</a:t>
             </a:fld>
             <a:endParaRPr lang="en-US" dirty="0"/>
           </a:p>
@@ -14323,7 +15785,7 @@
 </p:sld>
 </file>
 
-<file path=ppt/slides/slide7.xml><?xml version="1.0" encoding="utf-8"?>
+<file path=ppt/slides/slide9.xml><?xml version="1.0" encoding="utf-8"?>
 <p:sld xmlns:a="http://schemas.openxmlformats.org/drawingml/2006/main" xmlns:r="http://schemas.openxmlformats.org/officeDocument/2006/relationships" xmlns:p="http://schemas.openxmlformats.org/presentationml/2006/main">
   <p:cSld>
     <p:spTree>
@@ -14513,7 +15975,7 @@
           <a:p>
             <a:fld id="{666274A1-CF9C-426A-8DD4-B13ED0C24231}" type="slidenum">
               <a:rPr lang="en-US" smtClean="0"/>
-              <a:t>6</a:t>
+              <a:t>8</a:t>
             </a:fld>
             <a:endParaRPr lang="en-US" dirty="0"/>
           </a:p>
@@ -14654,667 +16116,6 @@
     <p:extLst>
       <p:ext uri="{BB962C8B-B14F-4D97-AF65-F5344CB8AC3E}">
         <p14:creationId xmlns:p14="http://schemas.microsoft.com/office/powerpoint/2010/main" val="1285625215"/>
-      </p:ext>
-    </p:extLst>
-  </p:cSld>
-  <p:clrMapOvr>
-    <a:masterClrMapping/>
-  </p:clrMapOvr>
-</p:sld>
-</file>
-
-<file path=ppt/slides/slide8.xml><?xml version="1.0" encoding="utf-8"?>
-<p:sld xmlns:a="http://schemas.openxmlformats.org/drawingml/2006/main" xmlns:r="http://schemas.openxmlformats.org/officeDocument/2006/relationships" xmlns:p="http://schemas.openxmlformats.org/presentationml/2006/main">
-  <p:cSld>
-    <p:spTree>
-      <p:nvGrpSpPr>
-        <p:cNvPr id="1" name=""/>
-        <p:cNvGrpSpPr/>
-        <p:nvPr/>
-      </p:nvGrpSpPr>
-      <p:grpSpPr>
-        <a:xfrm>
-          <a:off x="0" y="0"/>
-          <a:ext cx="0" cy="0"/>
-          <a:chOff x="0" y="0"/>
-          <a:chExt cx="0" cy="0"/>
-        </a:xfrm>
-      </p:grpSpPr>
-      <p:sp>
-        <p:nvSpPr>
-          <p:cNvPr id="2" name="標題 1">
-            <a:extLst>
-              <a:ext uri="{FF2B5EF4-FFF2-40B4-BE49-F238E27FC236}">
-                <a16:creationId xmlns:a16="http://schemas.microsoft.com/office/drawing/2014/main" id="{E3186F28-1D48-455C-350F-1CFBF2EA6D4C}"/>
-              </a:ext>
-            </a:extLst>
-          </p:cNvPr>
-          <p:cNvSpPr>
-            <a:spLocks noGrp="1"/>
-          </p:cNvSpPr>
-          <p:nvPr>
-            <p:ph type="title"/>
-          </p:nvPr>
-        </p:nvSpPr>
-        <p:spPr/>
-        <p:txBody>
-          <a:bodyPr/>
-          <a:lstStyle/>
-          <a:p>
-            <a:r>
-              <a:rPr lang="en-US" altLang="zh-TW" dirty="0"/>
-              <a:t>Proposed Algorithm</a:t>
-            </a:r>
-            <a:endParaRPr lang="zh-TW" altLang="en-US" dirty="0"/>
-          </a:p>
-        </p:txBody>
-      </p:sp>
-      <p:sp>
-        <p:nvSpPr>
-          <p:cNvPr id="3" name="內容版面配置區 2">
-            <a:extLst>
-              <a:ext uri="{FF2B5EF4-FFF2-40B4-BE49-F238E27FC236}">
-                <a16:creationId xmlns:a16="http://schemas.microsoft.com/office/drawing/2014/main" id="{515AC8EE-FBDF-D8D3-470A-E5B02B96A3C4}"/>
-              </a:ext>
-            </a:extLst>
-          </p:cNvPr>
-          <p:cNvSpPr>
-            <a:spLocks noGrp="1"/>
-          </p:cNvSpPr>
-          <p:nvPr>
-            <p:ph idx="1"/>
-          </p:nvPr>
-        </p:nvSpPr>
-        <p:spPr/>
-        <p:txBody>
-          <a:bodyPr>
-            <a:normAutofit/>
-          </a:bodyPr>
-          <a:lstStyle/>
-          <a:p>
-            <a:pPr marL="514350" indent="-514350">
-              <a:buFont typeface="+mj-lt"/>
-              <a:buAutoNum type="alphaUcPeriod"/>
-            </a:pPr>
-            <a:r>
-              <a:rPr lang="en-US" altLang="zh-TW" sz="2000" dirty="0"/>
-              <a:t>StWL Optimization in Global Placement.</a:t>
-            </a:r>
-          </a:p>
-          <a:p>
-            <a:pPr marL="0" indent="0">
-              <a:buNone/>
-            </a:pPr>
-            <a:endParaRPr lang="en-US" altLang="zh-TW" sz="2200" dirty="0"/>
-          </a:p>
-          <a:p>
-            <a:pPr marL="457200" indent="-457200">
-              <a:buFont typeface="+mj-lt"/>
-              <a:buAutoNum type="alphaUcPeriod" startAt="2"/>
-            </a:pPr>
-            <a:r>
-              <a:rPr lang="en-US" altLang="zh-TW" sz="2000" dirty="0"/>
-              <a:t> StWL Optimization in Cell Refinement.</a:t>
-            </a:r>
-            <a:endParaRPr lang="zh-TW" altLang="en-US" sz="2000" dirty="0"/>
-          </a:p>
-        </p:txBody>
-      </p:sp>
-      <p:sp>
-        <p:nvSpPr>
-          <p:cNvPr id="4" name="投影片編號版面配置區 3">
-            <a:extLst>
-              <a:ext uri="{FF2B5EF4-FFF2-40B4-BE49-F238E27FC236}">
-                <a16:creationId xmlns:a16="http://schemas.microsoft.com/office/drawing/2014/main" id="{9BB63E83-31A6-38EE-9E71-A7B0D38B2584}"/>
-              </a:ext>
-            </a:extLst>
-          </p:cNvPr>
-          <p:cNvSpPr>
-            <a:spLocks noGrp="1"/>
-          </p:cNvSpPr>
-          <p:nvPr>
-            <p:ph type="sldNum" sz="quarter" idx="12"/>
-          </p:nvPr>
-        </p:nvSpPr>
-        <p:spPr/>
-        <p:txBody>
-          <a:bodyPr/>
-          <a:lstStyle/>
-          <a:p>
-            <a:fld id="{666274A1-CF9C-426A-8DD4-B13ED0C24231}" type="slidenum">
-              <a:rPr lang="en-US" smtClean="0"/>
-              <a:t>7</a:t>
-            </a:fld>
-            <a:endParaRPr lang="en-US"/>
-          </a:p>
-        </p:txBody>
-      </p:sp>
-      <p:pic>
-        <p:nvPicPr>
-          <p:cNvPr id="6" name="圖片 5">
-            <a:extLst>
-              <a:ext uri="{FF2B5EF4-FFF2-40B4-BE49-F238E27FC236}">
-                <a16:creationId xmlns:a16="http://schemas.microsoft.com/office/drawing/2014/main" id="{64035916-CA11-CA2F-EB5C-56038A6AF8CE}"/>
-              </a:ext>
-            </a:extLst>
-          </p:cNvPr>
-          <p:cNvPicPr>
-            <a:picLocks noChangeAspect="1"/>
-          </p:cNvPicPr>
-          <p:nvPr/>
-        </p:nvPicPr>
-        <p:blipFill>
-          <a:blip r:embed="rId3"/>
-          <a:stretch>
-            <a:fillRect/>
-          </a:stretch>
-        </p:blipFill>
-        <p:spPr>
-          <a:xfrm>
-            <a:off x="5826551" y="365125"/>
-            <a:ext cx="5781516" cy="6040181"/>
-          </a:xfrm>
-          <a:prstGeom prst="rect">
-            <a:avLst/>
-          </a:prstGeom>
-        </p:spPr>
-      </p:pic>
-    </p:spTree>
-    <p:extLst>
-      <p:ext uri="{BB962C8B-B14F-4D97-AF65-F5344CB8AC3E}">
-        <p14:creationId xmlns:p14="http://schemas.microsoft.com/office/powerpoint/2010/main" val="2460374186"/>
-      </p:ext>
-    </p:extLst>
-  </p:cSld>
-  <p:clrMapOvr>
-    <a:masterClrMapping/>
-  </p:clrMapOvr>
-</p:sld>
-</file>
-
-<file path=ppt/slides/slide9.xml><?xml version="1.0" encoding="utf-8"?>
-<p:sld xmlns:a="http://schemas.openxmlformats.org/drawingml/2006/main" xmlns:r="http://schemas.openxmlformats.org/officeDocument/2006/relationships" xmlns:p="http://schemas.openxmlformats.org/presentationml/2006/main">
-  <p:cSld>
-    <p:spTree>
-      <p:nvGrpSpPr>
-        <p:cNvPr id="1" name=""/>
-        <p:cNvGrpSpPr/>
-        <p:nvPr/>
-      </p:nvGrpSpPr>
-      <p:grpSpPr>
-        <a:xfrm>
-          <a:off x="0" y="0"/>
-          <a:ext cx="0" cy="0"/>
-          <a:chOff x="0" y="0"/>
-          <a:chExt cx="0" cy="0"/>
-        </a:xfrm>
-      </p:grpSpPr>
-      <p:sp>
-        <p:nvSpPr>
-          <p:cNvPr id="2" name="標題 1">
-            <a:extLst>
-              <a:ext uri="{FF2B5EF4-FFF2-40B4-BE49-F238E27FC236}">
-                <a16:creationId xmlns:a16="http://schemas.microsoft.com/office/drawing/2014/main" id="{F6F8B13A-2133-AFE8-53EF-3B87CF15EB2C}"/>
-              </a:ext>
-            </a:extLst>
-          </p:cNvPr>
-          <p:cNvSpPr>
-            <a:spLocks noGrp="1"/>
-          </p:cNvSpPr>
-          <p:nvPr>
-            <p:ph type="title"/>
-          </p:nvPr>
-        </p:nvSpPr>
-        <p:spPr/>
-        <p:txBody>
-          <a:bodyPr/>
-          <a:lstStyle/>
-          <a:p>
-            <a:r>
-              <a:rPr lang="en-US" altLang="zh-TW" dirty="0"/>
-              <a:t>Proposed Algorithm - </a:t>
-            </a:r>
-            <a:r>
-              <a:rPr lang="en-US" altLang="zh-TW" sz="3200" dirty="0"/>
-              <a:t>StWL Optimization in GP</a:t>
-            </a:r>
-            <a:endParaRPr lang="zh-TW" altLang="en-US" dirty="0"/>
-          </a:p>
-        </p:txBody>
-      </p:sp>
-      <mc:AlternateContent xmlns:mc="http://schemas.openxmlformats.org/markup-compatibility/2006" xmlns:a14="http://schemas.microsoft.com/office/drawing/2010/main">
-        <mc:Choice Requires="a14">
-          <p:sp>
-            <p:nvSpPr>
-              <p:cNvPr id="3" name="內容版面配置區 2">
-                <a:extLst>
-                  <a:ext uri="{FF2B5EF4-FFF2-40B4-BE49-F238E27FC236}">
-                    <a16:creationId xmlns:a16="http://schemas.microsoft.com/office/drawing/2014/main" id="{30191587-EE37-4405-867D-9259B59A6461}"/>
-                  </a:ext>
-                </a:extLst>
-              </p:cNvPr>
-              <p:cNvSpPr>
-                <a:spLocks noGrp="1"/>
-              </p:cNvSpPr>
-              <p:nvPr>
-                <p:ph idx="1"/>
-              </p:nvPr>
-            </p:nvSpPr>
-            <p:spPr/>
-            <p:txBody>
-              <a:bodyPr>
-                <a:normAutofit/>
-              </a:bodyPr>
-              <a:lstStyle/>
-              <a:p>
-                <a:pPr marL="457200" indent="-457200">
-                  <a:buAutoNum type="arabicParenBoth"/>
-                </a:pPr>
-                <a:r>
-                  <a:rPr lang="en-US" altLang="zh-TW" sz="2200" b="1" dirty="0"/>
-                  <a:t>Differentiable StWL Approximation</a:t>
-                </a:r>
-              </a:p>
-              <a:p>
-                <a:pPr marL="0" indent="0">
-                  <a:buNone/>
-                </a:pPr>
-                <a:endParaRPr lang="en-US" altLang="zh-TW" sz="400" b="1" i="1" dirty="0">
-                  <a:latin typeface="Cambria Math" panose="02040503050406030204" pitchFamily="18" charset="0"/>
-                </a:endParaRPr>
-              </a:p>
-              <a:p>
-                <a:pPr lvl="1">
-                  <a:lnSpc>
-                    <a:spcPct val="150000"/>
-                  </a:lnSpc>
-                </a:pPr>
-                <a14:m>
-                  <m:oMath xmlns:m="http://schemas.openxmlformats.org/officeDocument/2006/math">
-                    <m:r>
-                      <a:rPr lang="en-US" altLang="zh-TW" sz="2000" b="0" i="1" smtClean="0">
-                        <a:latin typeface="Cambria Math" panose="02040503050406030204" pitchFamily="18" charset="0"/>
-                      </a:rPr>
-                      <m:t>𝑆𝑡𝑊𝐿</m:t>
-                    </m:r>
-                    <m:d>
-                      <m:dPr>
-                        <m:ctrlPr>
-                          <a:rPr lang="en-US" altLang="zh-TW" sz="2000" i="1" smtClean="0">
-                            <a:latin typeface="Cambria Math" panose="02040503050406030204" pitchFamily="18" charset="0"/>
-                          </a:rPr>
-                        </m:ctrlPr>
-                      </m:dPr>
-                      <m:e>
-                        <m:r>
-                          <a:rPr lang="en-US" altLang="zh-TW" sz="2000" b="0" i="1" smtClean="0">
-                            <a:latin typeface="Cambria Math" panose="02040503050406030204" pitchFamily="18" charset="0"/>
-                          </a:rPr>
-                          <m:t>𝑒</m:t>
-                        </m:r>
-                      </m:e>
-                    </m:d>
-                    <m:r>
-                      <a:rPr lang="en-US" altLang="zh-TW" sz="2000" b="0" i="1" smtClean="0">
-                        <a:latin typeface="Cambria Math" panose="02040503050406030204" pitchFamily="18" charset="0"/>
-                      </a:rPr>
-                      <m:t>= </m:t>
-                    </m:r>
-                    <m:nary>
-                      <m:naryPr>
-                        <m:chr m:val="∑"/>
-                        <m:supHide m:val="on"/>
-                        <m:ctrlPr>
-                          <a:rPr lang="en-US" altLang="zh-TW" sz="2000" i="1" smtClean="0">
-                            <a:latin typeface="Cambria Math" panose="02040503050406030204" pitchFamily="18" charset="0"/>
-                          </a:rPr>
-                        </m:ctrlPr>
-                      </m:naryPr>
-                      <m:sub>
-                        <m:r>
-                          <m:rPr>
-                            <m:brk m:alnAt="7"/>
-                          </m:rPr>
-                          <a:rPr lang="en-US" altLang="zh-TW" sz="2000" b="0" i="1" smtClean="0">
-                            <a:latin typeface="Cambria Math" panose="02040503050406030204" pitchFamily="18" charset="0"/>
-                          </a:rPr>
-                          <m:t>𝑖</m:t>
-                        </m:r>
-                        <m:r>
-                          <a:rPr lang="en-US" altLang="zh-TW" sz="2000" b="0" i="1" smtClean="0">
-                            <a:latin typeface="Cambria Math" panose="02040503050406030204" pitchFamily="18" charset="0"/>
-                            <a:ea typeface="Cambria Math" panose="02040503050406030204" pitchFamily="18" charset="0"/>
-                          </a:rPr>
-                          <m:t>∈</m:t>
-                        </m:r>
-                        <m:r>
-                          <a:rPr lang="en-US" altLang="zh-TW" sz="2000" b="0" i="1" smtClean="0">
-                            <a:latin typeface="Cambria Math" panose="02040503050406030204" pitchFamily="18" charset="0"/>
-                            <a:ea typeface="Cambria Math" panose="02040503050406030204" pitchFamily="18" charset="0"/>
-                          </a:rPr>
-                          <m:t>𝐸</m:t>
-                        </m:r>
-                      </m:sub>
-                      <m:sup/>
-                      <m:e>
-                        <m:r>
-                          <a:rPr lang="en-US" altLang="zh-TW" sz="2000" b="0" i="1" smtClean="0">
-                            <a:latin typeface="Cambria Math" panose="02040503050406030204" pitchFamily="18" charset="0"/>
-                          </a:rPr>
-                          <m:t>|</m:t>
-                        </m:r>
-                        <m:sSub>
-                          <m:sSubPr>
-                            <m:ctrlPr>
-                              <a:rPr lang="en-US" altLang="zh-TW" sz="2000" i="1" smtClean="0">
-                                <a:latin typeface="Cambria Math" panose="02040503050406030204" pitchFamily="18" charset="0"/>
-                              </a:rPr>
-                            </m:ctrlPr>
-                          </m:sSubPr>
-                          <m:e>
-                            <m:r>
-                              <a:rPr lang="en-US" altLang="zh-TW" sz="2000" b="0" i="1" smtClean="0">
-                                <a:latin typeface="Cambria Math" panose="02040503050406030204" pitchFamily="18" charset="0"/>
-                              </a:rPr>
-                              <m:t>𝑥</m:t>
-                            </m:r>
-                          </m:e>
-                          <m:sub>
-                            <m:r>
-                              <a:rPr lang="en-US" altLang="zh-TW" sz="2000" b="0" i="1" smtClean="0">
-                                <a:latin typeface="Cambria Math" panose="02040503050406030204" pitchFamily="18" charset="0"/>
-                              </a:rPr>
-                              <m:t>𝑖</m:t>
-                            </m:r>
-                          </m:sub>
-                        </m:sSub>
-                        <m:r>
-                          <a:rPr lang="en-US" altLang="zh-TW" sz="2000" b="0" i="1" smtClean="0">
-                            <a:latin typeface="Cambria Math" panose="02040503050406030204" pitchFamily="18" charset="0"/>
-                          </a:rPr>
-                          <m:t> − </m:t>
-                        </m:r>
-                        <m:sSub>
-                          <m:sSubPr>
-                            <m:ctrlPr>
-                              <a:rPr lang="en-US" altLang="zh-TW" sz="2000" i="1" smtClean="0">
-                                <a:latin typeface="Cambria Math" panose="02040503050406030204" pitchFamily="18" charset="0"/>
-                              </a:rPr>
-                            </m:ctrlPr>
-                          </m:sSubPr>
-                          <m:e>
-                            <m:r>
-                              <a:rPr lang="en-US" altLang="zh-TW" sz="2000" b="0" i="1" smtClean="0">
-                                <a:latin typeface="Cambria Math" panose="02040503050406030204" pitchFamily="18" charset="0"/>
-                              </a:rPr>
-                              <m:t>𝑥</m:t>
-                            </m:r>
-                          </m:e>
-                          <m:sub>
-                            <m:r>
-                              <a:rPr lang="en-US" altLang="zh-TW" sz="2000" b="0" i="1" smtClean="0">
-                                <a:latin typeface="Cambria Math" panose="02040503050406030204" pitchFamily="18" charset="0"/>
-                              </a:rPr>
-                              <m:t>𝑠𝑖</m:t>
-                            </m:r>
-                          </m:sub>
-                        </m:sSub>
-                        <m:r>
-                          <a:rPr lang="en-US" altLang="zh-TW" sz="2000" b="0" i="1" smtClean="0">
-                            <a:latin typeface="Cambria Math" panose="02040503050406030204" pitchFamily="18" charset="0"/>
-                          </a:rPr>
-                          <m:t>|</m:t>
-                        </m:r>
-                      </m:e>
-                    </m:nary>
-                  </m:oMath>
-                </a14:m>
-                <a:endParaRPr lang="en-US" altLang="zh-TW" sz="2000" i="1" dirty="0"/>
-              </a:p>
-              <a:p>
-                <a:pPr lvl="1">
-                  <a:lnSpc>
-                    <a:spcPct val="200000"/>
-                  </a:lnSpc>
-                </a:pPr>
-                <a:r>
-                  <a:rPr lang="en-US" altLang="zh-TW" sz="2000" dirty="0"/>
-                  <a:t>Each segment can be analyzed separately and seen as a 2-pin net.</a:t>
-                </a:r>
-              </a:p>
-              <a:p>
-                <a:pPr lvl="1">
-                  <a:lnSpc>
-                    <a:spcPct val="200000"/>
-                  </a:lnSpc>
-                </a:pPr>
-                <a:r>
-                  <a:rPr lang="en-US" altLang="zh-TW" sz="2000" dirty="0"/>
-                  <a:t>weighted average approximation of horizontal StWL for</a:t>
-                </a:r>
-                <a:r>
-                  <a:rPr lang="zh-TW" altLang="en-US" sz="2000" dirty="0"/>
-                  <a:t> </a:t>
-                </a:r>
-                <a:r>
-                  <a:rPr lang="en-US" altLang="zh-TW" sz="2000" dirty="0"/>
-                  <a:t>net e:</a:t>
-                </a:r>
-              </a:p>
-              <a:p>
-                <a:pPr lvl="1">
-                  <a:lnSpc>
-                    <a:spcPct val="150000"/>
-                  </a:lnSpc>
-                </a:pPr>
-                <a:endParaRPr lang="en-US" altLang="zh-TW" sz="800" dirty="0"/>
-              </a:p>
-              <a:p>
-                <a:pPr lvl="1">
-                  <a:lnSpc>
-                    <a:spcPct val="150000"/>
-                  </a:lnSpc>
-                </a:pPr>
-                <a:r>
-                  <a:rPr lang="zh-TW" altLang="en-US" sz="2000" dirty="0"/>
-                  <a:t> </a:t>
-                </a:r>
-                <a:endParaRPr lang="en-US" altLang="zh-TW" sz="2000" dirty="0"/>
-              </a:p>
-            </p:txBody>
-          </p:sp>
-        </mc:Choice>
-        <mc:Fallback xmlns="">
-          <p:sp>
-            <p:nvSpPr>
-              <p:cNvPr id="3" name="內容版面配置區 2">
-                <a:extLst>
-                  <a:ext uri="{FF2B5EF4-FFF2-40B4-BE49-F238E27FC236}">
-                    <a16:creationId xmlns:a16="http://schemas.microsoft.com/office/drawing/2014/main" id="{30191587-EE37-4405-867D-9259B59A6461}"/>
-                  </a:ext>
-                </a:extLst>
-              </p:cNvPr>
-              <p:cNvSpPr>
-                <a:spLocks noGrp="1" noRot="1" noChangeAspect="1" noMove="1" noResize="1" noEditPoints="1" noAdjustHandles="1" noChangeArrowheads="1" noChangeShapeType="1" noTextEdit="1"/>
-              </p:cNvSpPr>
-              <p:nvPr>
-                <p:ph idx="1"/>
-              </p:nvPr>
-            </p:nvSpPr>
-            <p:spPr>
-              <a:blipFill>
-                <a:blip r:embed="rId3"/>
-                <a:stretch>
-                  <a:fillRect l="-638" t="-1541"/>
-                </a:stretch>
-              </a:blipFill>
-            </p:spPr>
-            <p:txBody>
-              <a:bodyPr/>
-              <a:lstStyle/>
-              <a:p>
-                <a:r>
-                  <a:rPr lang="zh-TW" altLang="en-US">
-                    <a:noFill/>
-                  </a:rPr>
-                  <a:t> </a:t>
-                </a:r>
-              </a:p>
-            </p:txBody>
-          </p:sp>
-        </mc:Fallback>
-      </mc:AlternateContent>
-      <p:sp>
-        <p:nvSpPr>
-          <p:cNvPr id="4" name="投影片編號版面配置區 3">
-            <a:extLst>
-              <a:ext uri="{FF2B5EF4-FFF2-40B4-BE49-F238E27FC236}">
-                <a16:creationId xmlns:a16="http://schemas.microsoft.com/office/drawing/2014/main" id="{D3074287-8483-E349-6EE8-9B7530C8AFD6}"/>
-              </a:ext>
-            </a:extLst>
-          </p:cNvPr>
-          <p:cNvSpPr>
-            <a:spLocks noGrp="1"/>
-          </p:cNvSpPr>
-          <p:nvPr>
-            <p:ph type="sldNum" sz="quarter" idx="12"/>
-          </p:nvPr>
-        </p:nvSpPr>
-        <p:spPr/>
-        <p:txBody>
-          <a:bodyPr/>
-          <a:lstStyle/>
-          <a:p>
-            <a:fld id="{666274A1-CF9C-426A-8DD4-B13ED0C24231}" type="slidenum">
-              <a:rPr lang="en-US" smtClean="0"/>
-              <a:t>8</a:t>
-            </a:fld>
-            <a:endParaRPr lang="en-US"/>
-          </a:p>
-        </p:txBody>
-      </p:sp>
-      <p:sp>
-        <p:nvSpPr>
-          <p:cNvPr id="5" name="文字方塊 4">
-            <a:extLst>
-              <a:ext uri="{FF2B5EF4-FFF2-40B4-BE49-F238E27FC236}">
-                <a16:creationId xmlns:a16="http://schemas.microsoft.com/office/drawing/2014/main" id="{27BE8418-A59F-AD7C-84C6-36AF8D00E011}"/>
-              </a:ext>
-            </a:extLst>
-          </p:cNvPr>
-          <p:cNvSpPr txBox="1"/>
-          <p:nvPr/>
-        </p:nvSpPr>
-        <p:spPr>
-          <a:xfrm>
-            <a:off x="7141945" y="1872830"/>
-            <a:ext cx="4494997" cy="891975"/>
-          </a:xfrm>
-          <a:prstGeom prst="rect">
-            <a:avLst/>
-          </a:prstGeom>
-          <a:noFill/>
-          <a:ln>
-            <a:solidFill>
-              <a:schemeClr val="tx1"/>
-            </a:solidFill>
-          </a:ln>
-        </p:spPr>
-        <p:txBody>
-          <a:bodyPr wrap="square" rtlCol="0">
-            <a:spAutoFit/>
-          </a:bodyPr>
-          <a:lstStyle/>
-          <a:p>
-            <a:pPr>
-              <a:lnSpc>
-                <a:spcPct val="150000"/>
-              </a:lnSpc>
-            </a:pPr>
-            <a:r>
-              <a:rPr lang="en-US" altLang="zh-TW" sz="1600" b="1" i="1" dirty="0"/>
-              <a:t>i</a:t>
-            </a:r>
-            <a:r>
-              <a:rPr lang="en-US" altLang="zh-TW" sz="1600" i="1" dirty="0"/>
-              <a:t> </a:t>
-            </a:r>
-            <a:r>
-              <a:rPr lang="en-US" altLang="zh-TW" sz="1600" dirty="0"/>
-              <a:t>:  inner point of net e (include steiner points).</a:t>
-            </a:r>
-          </a:p>
-          <a:p>
-            <a:pPr>
-              <a:lnSpc>
-                <a:spcPct val="150000"/>
-              </a:lnSpc>
-            </a:pPr>
-            <a:r>
-              <a:rPr lang="en-US" altLang="zh-TW" sz="1600" b="1" i="1" dirty="0" err="1"/>
-              <a:t>si</a:t>
-            </a:r>
-            <a:r>
-              <a:rPr lang="en-US" altLang="zh-TW" sz="1600" i="1" dirty="0"/>
-              <a:t> </a:t>
-            </a:r>
-            <a:r>
-              <a:rPr lang="en-US" altLang="zh-TW" sz="1600" dirty="0"/>
-              <a:t>: the parent node of point </a:t>
-            </a:r>
-            <a:r>
-              <a:rPr lang="en-US" altLang="zh-TW" sz="1600" dirty="0" err="1"/>
-              <a:t>i</a:t>
-            </a:r>
-            <a:r>
-              <a:rPr lang="en-US" altLang="zh-TW" sz="1600" dirty="0"/>
-              <a:t>.</a:t>
-            </a:r>
-          </a:p>
-          <a:p>
-            <a:pPr>
-              <a:lnSpc>
-                <a:spcPct val="150000"/>
-              </a:lnSpc>
-            </a:pPr>
-            <a:endParaRPr lang="en-US" altLang="zh-TW" sz="300" dirty="0"/>
-          </a:p>
-        </p:txBody>
-      </p:sp>
-      <p:pic>
-        <p:nvPicPr>
-          <p:cNvPr id="8" name="圖片 7">
-            <a:extLst>
-              <a:ext uri="{FF2B5EF4-FFF2-40B4-BE49-F238E27FC236}">
-                <a16:creationId xmlns:a16="http://schemas.microsoft.com/office/drawing/2014/main" id="{9A464EA8-E95E-16DD-5147-D8A24CB4D3B0}"/>
-              </a:ext>
-            </a:extLst>
-          </p:cNvPr>
-          <p:cNvPicPr>
-            <a:picLocks noChangeAspect="1"/>
-          </p:cNvPicPr>
-          <p:nvPr/>
-        </p:nvPicPr>
-        <p:blipFill>
-          <a:blip r:embed="rId4"/>
-          <a:stretch>
-            <a:fillRect/>
-          </a:stretch>
-        </p:blipFill>
-        <p:spPr>
-          <a:xfrm>
-            <a:off x="1556963" y="4438267"/>
-            <a:ext cx="4855534" cy="1341201"/>
-          </a:xfrm>
-          <a:prstGeom prst="rect">
-            <a:avLst/>
-          </a:prstGeom>
-        </p:spPr>
-      </p:pic>
-    </p:spTree>
-    <p:extLst>
-      <p:ext uri="{BB962C8B-B14F-4D97-AF65-F5344CB8AC3E}">
-        <p14:creationId xmlns:p14="http://schemas.microsoft.com/office/powerpoint/2010/main" val="118648045"/>
       </p:ext>
     </p:extLst>
   </p:cSld>

--- a/GM/Placement/An Analytical Placement Algorithm with Routing topology Optimization/An Analytical Placement Algorithm with Routing topology Optimization.pptx
+++ b/GM/Placement/An Analytical Placement Algorithm with Routing topology Optimization/An Analytical Placement Algorithm with Routing topology Optimization.pptx
@@ -5,7 +5,7 @@
     <p:sldMasterId id="2147483648" r:id="rId1"/>
   </p:sldMasterIdLst>
   <p:notesMasterIdLst>
-    <p:notesMasterId r:id="rId29"/>
+    <p:notesMasterId r:id="rId33"/>
   </p:notesMasterIdLst>
   <p:sldIdLst>
     <p:sldId id="256" r:id="rId2"/>
@@ -20,21 +20,25 @@
     <p:sldId id="323" r:id="rId11"/>
     <p:sldId id="305" r:id="rId12"/>
     <p:sldId id="306" r:id="rId13"/>
-    <p:sldId id="307" r:id="rId14"/>
-    <p:sldId id="308" r:id="rId15"/>
+    <p:sldId id="308" r:id="rId14"/>
+    <p:sldId id="307" r:id="rId15"/>
     <p:sldId id="309" r:id="rId16"/>
-    <p:sldId id="310" r:id="rId17"/>
-    <p:sldId id="315" r:id="rId18"/>
-    <p:sldId id="312" r:id="rId19"/>
-    <p:sldId id="313" r:id="rId20"/>
-    <p:sldId id="314" r:id="rId21"/>
-    <p:sldId id="320" r:id="rId22"/>
-    <p:sldId id="324" r:id="rId23"/>
-    <p:sldId id="316" r:id="rId24"/>
-    <p:sldId id="319" r:id="rId25"/>
-    <p:sldId id="318" r:id="rId26"/>
-    <p:sldId id="317" r:id="rId27"/>
-    <p:sldId id="298" r:id="rId28"/>
+    <p:sldId id="325" r:id="rId17"/>
+    <p:sldId id="328" r:id="rId18"/>
+    <p:sldId id="310" r:id="rId19"/>
+    <p:sldId id="315" r:id="rId20"/>
+    <p:sldId id="326" r:id="rId21"/>
+    <p:sldId id="312" r:id="rId22"/>
+    <p:sldId id="313" r:id="rId23"/>
+    <p:sldId id="327" r:id="rId24"/>
+    <p:sldId id="314" r:id="rId25"/>
+    <p:sldId id="320" r:id="rId26"/>
+    <p:sldId id="324" r:id="rId27"/>
+    <p:sldId id="316" r:id="rId28"/>
+    <p:sldId id="319" r:id="rId29"/>
+    <p:sldId id="318" r:id="rId30"/>
+    <p:sldId id="317" r:id="rId31"/>
+    <p:sldId id="298" r:id="rId32"/>
   </p:sldIdLst>
   <p:sldSz cx="12192000" cy="6858000"/>
   <p:notesSz cx="6858000" cy="9144000"/>
@@ -1479,7 +1483,7 @@
           <a:p>
             <a:fld id="{C9ED61FB-B9B0-4D85-A72E-A614C28ECC4E}" type="datetimeFigureOut">
               <a:rPr lang="en-US" smtClean="0"/>
-              <a:t>3/15/2024</a:t>
+              <a:t>4/11/2024</a:t>
             </a:fld>
             <a:endParaRPr lang="en-US"/>
           </a:p>
@@ -1835,6 +1839,204 @@
   <p:cSld>
     <p:spTree>
       <p:nvGrpSpPr>
+        <p:cNvPr id="1" name="">
+          <a:extLst>
+            <a:ext uri="{FF2B5EF4-FFF2-40B4-BE49-F238E27FC236}">
+              <a16:creationId xmlns:a16="http://schemas.microsoft.com/office/drawing/2014/main" id="{6BAD882C-C5B8-00AF-82D7-1171AF273AE1}"/>
+            </a:ext>
+          </a:extLst>
+        </p:cNvPr>
+        <p:cNvGrpSpPr/>
+        <p:nvPr/>
+      </p:nvGrpSpPr>
+      <p:grpSpPr>
+        <a:xfrm>
+          <a:off x="0" y="0"/>
+          <a:ext cx="0" cy="0"/>
+          <a:chOff x="0" y="0"/>
+          <a:chExt cx="0" cy="0"/>
+        </a:xfrm>
+      </p:grpSpPr>
+      <p:sp>
+        <p:nvSpPr>
+          <p:cNvPr id="2" name="投影片影像版面配置區 1">
+            <a:extLst>
+              <a:ext uri="{FF2B5EF4-FFF2-40B4-BE49-F238E27FC236}">
+                <a16:creationId xmlns:a16="http://schemas.microsoft.com/office/drawing/2014/main" id="{92A0FC44-0AA6-979C-98F3-6A2362C6E341}"/>
+              </a:ext>
+            </a:extLst>
+          </p:cNvPr>
+          <p:cNvSpPr>
+            <a:spLocks noGrp="1" noRot="1" noChangeAspect="1"/>
+          </p:cNvSpPr>
+          <p:nvPr>
+            <p:ph type="sldImg"/>
+          </p:nvPr>
+        </p:nvSpPr>
+        <p:spPr/>
+      </p:sp>
+      <p:sp>
+        <p:nvSpPr>
+          <p:cNvPr id="3" name="備忘稿版面配置區 2">
+            <a:extLst>
+              <a:ext uri="{FF2B5EF4-FFF2-40B4-BE49-F238E27FC236}">
+                <a16:creationId xmlns:a16="http://schemas.microsoft.com/office/drawing/2014/main" id="{766DB162-10F8-B0A5-FD69-52489E2E3BB1}"/>
+              </a:ext>
+            </a:extLst>
+          </p:cNvPr>
+          <p:cNvSpPr>
+            <a:spLocks noGrp="1"/>
+          </p:cNvSpPr>
+          <p:nvPr>
+            <p:ph type="body" idx="1"/>
+          </p:nvPr>
+        </p:nvSpPr>
+        <p:spPr/>
+        <p:txBody>
+          <a:bodyPr/>
+          <a:lstStyle/>
+          <a:p>
+            <a:pPr marL="285750" indent="-285750" algn="l">
+              <a:buFont typeface="Arial" panose="020B0604020202020204" pitchFamily="34" charset="0"/>
+              <a:buChar char="•"/>
+            </a:pPr>
+            <a:r>
+              <a:rPr lang="zh-TW" altLang="en-US" dirty="0"/>
+              <a:t>相較於</a:t>
+            </a:r>
+            <a:r>
+              <a:rPr lang="en-US" altLang="zh-TW" dirty="0"/>
+              <a:t>WA Model</a:t>
+            </a:r>
+            <a:r>
+              <a:rPr lang="zh-TW" altLang="en-US" dirty="0"/>
+              <a:t>的</a:t>
+            </a:r>
+            <a:r>
+              <a:rPr lang="en-US" altLang="zh-TW" dirty="0"/>
+              <a:t>net</a:t>
+            </a:r>
+            <a:r>
+              <a:rPr lang="zh-TW" altLang="en-US" dirty="0"/>
+              <a:t>依舊十分混亂，他們的</a:t>
+            </a:r>
+            <a:r>
+              <a:rPr lang="en-US" altLang="zh-TW" dirty="0"/>
+              <a:t>Model</a:t>
+            </a:r>
+            <a:r>
+              <a:rPr lang="zh-TW" altLang="en-US" dirty="0"/>
+              <a:t>會將</a:t>
+            </a:r>
+            <a:r>
+              <a:rPr lang="en-US" altLang="zh-TW" dirty="0"/>
+              <a:t>trunk</a:t>
+            </a:r>
+            <a:r>
+              <a:rPr lang="zh-TW" altLang="en-US" dirty="0"/>
+              <a:t>附近的</a:t>
+            </a:r>
+            <a:r>
+              <a:rPr lang="en-US" altLang="zh-TW" dirty="0"/>
+              <a:t>cell</a:t>
+            </a:r>
+            <a:r>
+              <a:rPr lang="zh-TW" altLang="en-US" dirty="0"/>
+              <a:t>聚集，使的</a:t>
+            </a:r>
+            <a:r>
+              <a:rPr lang="en-US" altLang="zh-TW" dirty="0"/>
+              <a:t>net</a:t>
+            </a:r>
+            <a:r>
+              <a:rPr lang="zh-TW" altLang="en-US" dirty="0"/>
+              <a:t>的內部部分的結構更加整潔</a:t>
+            </a:r>
+            <a:endParaRPr lang="en-US" altLang="zh-TW" dirty="0"/>
+          </a:p>
+          <a:p>
+            <a:pPr marL="285750" indent="-285750" algn="l">
+              <a:buFont typeface="Arial" panose="020B0604020202020204" pitchFamily="34" charset="0"/>
+              <a:buChar char="•"/>
+            </a:pPr>
+            <a:r>
+              <a:rPr lang="zh-TW" altLang="en-US" dirty="0"/>
+              <a:t>他們</a:t>
+            </a:r>
+            <a:r>
+              <a:rPr lang="en-US" altLang="zh-TW" dirty="0"/>
+              <a:t>model</a:t>
+            </a:r>
+            <a:r>
+              <a:rPr lang="zh-TW" altLang="en-US" dirty="0"/>
+              <a:t>算出來的</a:t>
+            </a:r>
+            <a:r>
+              <a:rPr lang="en-US" altLang="zh-TW" dirty="0"/>
+              <a:t>HPWL</a:t>
+            </a:r>
+            <a:r>
+              <a:rPr lang="zh-TW" altLang="en-US" dirty="0"/>
+              <a:t>與真實的</a:t>
+            </a:r>
+            <a:r>
+              <a:rPr lang="en-US" altLang="zh-TW" dirty="0"/>
+              <a:t>wirelength</a:t>
+            </a:r>
+            <a:r>
+              <a:rPr lang="zh-TW" altLang="en-US" dirty="0"/>
+              <a:t>差不多</a:t>
+            </a:r>
+          </a:p>
+        </p:txBody>
+      </p:sp>
+      <p:sp>
+        <p:nvSpPr>
+          <p:cNvPr id="4" name="投影片編號版面配置區 3">
+            <a:extLst>
+              <a:ext uri="{FF2B5EF4-FFF2-40B4-BE49-F238E27FC236}">
+                <a16:creationId xmlns:a16="http://schemas.microsoft.com/office/drawing/2014/main" id="{01A1B939-2855-2AA3-45A5-6DF9E5483376}"/>
+              </a:ext>
+            </a:extLst>
+          </p:cNvPr>
+          <p:cNvSpPr>
+            <a:spLocks noGrp="1"/>
+          </p:cNvSpPr>
+          <p:nvPr>
+            <p:ph type="sldNum" sz="quarter" idx="5"/>
+          </p:nvPr>
+        </p:nvSpPr>
+        <p:spPr/>
+        <p:txBody>
+          <a:bodyPr/>
+          <a:lstStyle/>
+          <a:p>
+            <a:fld id="{9D457EAB-1485-47AD-BEAD-484FAEBF5A54}" type="slidenum">
+              <a:rPr lang="en-US" smtClean="0"/>
+              <a:t>15</a:t>
+            </a:fld>
+            <a:endParaRPr lang="en-US"/>
+          </a:p>
+        </p:txBody>
+      </p:sp>
+    </p:spTree>
+    <p:extLst>
+      <p:ext uri="{BB962C8B-B14F-4D97-AF65-F5344CB8AC3E}">
+        <p14:creationId xmlns:p14="http://schemas.microsoft.com/office/powerpoint/2010/main" val="2920771412"/>
+      </p:ext>
+    </p:extLst>
+  </p:cSld>
+  <p:clrMapOvr>
+    <a:masterClrMapping/>
+  </p:clrMapOvr>
+</p:notes>
+</file>
+
+<file path=ppt/notesSlides/notesSlide11.xml><?xml version="1.0" encoding="utf-8"?>
+<p:notes xmlns:a="http://schemas.openxmlformats.org/drawingml/2006/main" xmlns:r="http://schemas.openxmlformats.org/officeDocument/2006/relationships" xmlns:p="http://schemas.openxmlformats.org/presentationml/2006/main">
+  <p:cSld>
+    <p:spTree>
+      <p:nvGrpSpPr>
         <p:cNvPr id="1" name=""/>
         <p:cNvGrpSpPr/>
         <p:nvPr/>
@@ -1931,7 +2133,7 @@
           <a:p>
             <a:fld id="{9D457EAB-1485-47AD-BEAD-484FAEBF5A54}" type="slidenum">
               <a:rPr lang="en-US" smtClean="0"/>
-              <a:t>15</a:t>
+              <a:t>17</a:t>
             </a:fld>
             <a:endParaRPr lang="en-US"/>
           </a:p>
@@ -1950,7 +2152,7 @@
 </p:notes>
 </file>
 
-<file path=ppt/notesSlides/notesSlide11.xml><?xml version="1.0" encoding="utf-8"?>
+<file path=ppt/notesSlides/notesSlide12.xml><?xml version="1.0" encoding="utf-8"?>
 <p:notes xmlns:a="http://schemas.openxmlformats.org/drawingml/2006/main" xmlns:r="http://schemas.openxmlformats.org/officeDocument/2006/relationships" xmlns:p="http://schemas.openxmlformats.org/presentationml/2006/main">
   <p:cSld>
     <p:spTree>
@@ -2083,7 +2285,7 @@
           <a:p>
             <a:fld id="{9D457EAB-1485-47AD-BEAD-484FAEBF5A54}" type="slidenum">
               <a:rPr lang="en-US" smtClean="0"/>
-              <a:t>16</a:t>
+              <a:t>18</a:t>
             </a:fld>
             <a:endParaRPr lang="en-US"/>
           </a:p>
@@ -2102,7 +2304,7 @@
 </p:notes>
 </file>
 
-<file path=ppt/notesSlides/notesSlide12.xml><?xml version="1.0" encoding="utf-8"?>
+<file path=ppt/notesSlides/notesSlide13.xml><?xml version="1.0" encoding="utf-8"?>
 <p:notes xmlns:a="http://schemas.openxmlformats.org/drawingml/2006/main" xmlns:r="http://schemas.openxmlformats.org/officeDocument/2006/relationships" xmlns:p="http://schemas.openxmlformats.org/presentationml/2006/main">
   <p:cSld>
     <p:spTree>
@@ -2235,7 +2437,7 @@
           <a:p>
             <a:fld id="{9D457EAB-1485-47AD-BEAD-484FAEBF5A54}" type="slidenum">
               <a:rPr lang="en-US" smtClean="0"/>
-              <a:t>17</a:t>
+              <a:t>20</a:t>
             </a:fld>
             <a:endParaRPr lang="en-US"/>
           </a:p>
@@ -2254,7 +2456,7 @@
 </p:notes>
 </file>
 
-<file path=ppt/notesSlides/notesSlide13.xml><?xml version="1.0" encoding="utf-8"?>
+<file path=ppt/notesSlides/notesSlide14.xml><?xml version="1.0" encoding="utf-8"?>
 <p:notes xmlns:a="http://schemas.openxmlformats.org/drawingml/2006/main" xmlns:r="http://schemas.openxmlformats.org/officeDocument/2006/relationships" xmlns:p="http://schemas.openxmlformats.org/presentationml/2006/main">
   <p:cSld>
     <p:spTree>
@@ -2347,7 +2549,7 @@
           <a:p>
             <a:fld id="{9D457EAB-1485-47AD-BEAD-484FAEBF5A54}" type="slidenum">
               <a:rPr lang="en-US" smtClean="0"/>
-              <a:t>18</a:t>
+              <a:t>21</a:t>
             </a:fld>
             <a:endParaRPr lang="en-US"/>
           </a:p>
@@ -2366,7 +2568,184 @@
 </p:notes>
 </file>
 
-<file path=ppt/notesSlides/notesSlide14.xml><?xml version="1.0" encoding="utf-8"?>
+<file path=ppt/notesSlides/notesSlide15.xml><?xml version="1.0" encoding="utf-8"?>
+<p:notes xmlns:a="http://schemas.openxmlformats.org/drawingml/2006/main" xmlns:r="http://schemas.openxmlformats.org/officeDocument/2006/relationships" xmlns:p="http://schemas.openxmlformats.org/presentationml/2006/main">
+  <p:cSld>
+    <p:spTree>
+      <p:nvGrpSpPr>
+        <p:cNvPr id="1" name="">
+          <a:extLst>
+            <a:ext uri="{FF2B5EF4-FFF2-40B4-BE49-F238E27FC236}">
+              <a16:creationId xmlns:a16="http://schemas.microsoft.com/office/drawing/2014/main" id="{1A77E8ED-185B-12A6-B8C6-57BB84CDFED0}"/>
+            </a:ext>
+          </a:extLst>
+        </p:cNvPr>
+        <p:cNvGrpSpPr/>
+        <p:nvPr/>
+      </p:nvGrpSpPr>
+      <p:grpSpPr>
+        <a:xfrm>
+          <a:off x="0" y="0"/>
+          <a:ext cx="0" cy="0"/>
+          <a:chOff x="0" y="0"/>
+          <a:chExt cx="0" cy="0"/>
+        </a:xfrm>
+      </p:grpSpPr>
+      <p:sp>
+        <p:nvSpPr>
+          <p:cNvPr id="2" name="投影片影像版面配置區 1">
+            <a:extLst>
+              <a:ext uri="{FF2B5EF4-FFF2-40B4-BE49-F238E27FC236}">
+                <a16:creationId xmlns:a16="http://schemas.microsoft.com/office/drawing/2014/main" id="{4977CCE2-DE9F-BDAE-AEED-60399131BFD2}"/>
+              </a:ext>
+            </a:extLst>
+          </p:cNvPr>
+          <p:cNvSpPr>
+            <a:spLocks noGrp="1" noRot="1" noChangeAspect="1"/>
+          </p:cNvSpPr>
+          <p:nvPr>
+            <p:ph type="sldImg"/>
+          </p:nvPr>
+        </p:nvSpPr>
+        <p:spPr/>
+      </p:sp>
+      <p:sp>
+        <p:nvSpPr>
+          <p:cNvPr id="3" name="備忘稿版面配置區 2">
+            <a:extLst>
+              <a:ext uri="{FF2B5EF4-FFF2-40B4-BE49-F238E27FC236}">
+                <a16:creationId xmlns:a16="http://schemas.microsoft.com/office/drawing/2014/main" id="{888F2770-BB30-0A4B-6CF5-DBC2DA5D57EB}"/>
+              </a:ext>
+            </a:extLst>
+          </p:cNvPr>
+          <p:cNvSpPr>
+            <a:spLocks noGrp="1"/>
+          </p:cNvSpPr>
+          <p:nvPr>
+            <p:ph type="body" idx="1"/>
+          </p:nvPr>
+        </p:nvSpPr>
+        <p:spPr/>
+        <p:txBody>
+          <a:bodyPr/>
+          <a:lstStyle/>
+          <a:p>
+            <a:pPr marL="171450" indent="-171450">
+              <a:buFont typeface="Arial" panose="020B0604020202020204" pitchFamily="34" charset="0"/>
+              <a:buChar char="•"/>
+            </a:pPr>
+            <a:r>
+              <a:rPr lang="zh-TW" altLang="en-US" dirty="0"/>
+              <a:t>是算總電路的結果</a:t>
+            </a:r>
+            <a:endParaRPr lang="en-US" altLang="zh-TW" dirty="0"/>
+          </a:p>
+          <a:p>
+            <a:pPr marL="628650" lvl="1" indent="-171450">
+              <a:buFont typeface="Arial" panose="020B0604020202020204" pitchFamily="34" charset="0"/>
+              <a:buChar char="•"/>
+            </a:pPr>
+            <a:r>
+              <a:rPr lang="zh-TW" altLang="en-US" dirty="0"/>
+              <a:t>對於每一個</a:t>
+            </a:r>
+            <a:r>
+              <a:rPr lang="en-US" altLang="zh-TW" dirty="0"/>
+              <a:t>node</a:t>
+            </a:r>
+            <a:r>
+              <a:rPr lang="zh-TW" altLang="en-US" dirty="0"/>
+              <a:t>，都會去看他所擁有的</a:t>
+            </a:r>
+            <a:r>
+              <a:rPr lang="en-US" altLang="zh-TW" dirty="0"/>
+              <a:t>anchor.</a:t>
+            </a:r>
+          </a:p>
+          <a:p>
+            <a:pPr marL="628650" lvl="1" indent="-171450">
+              <a:buFont typeface="Arial" panose="020B0604020202020204" pitchFamily="34" charset="0"/>
+              <a:buChar char="•"/>
+            </a:pPr>
+            <a:r>
+              <a:rPr lang="zh-TW" altLang="en-US" dirty="0"/>
+              <a:t>計算方法為</a:t>
+            </a:r>
+            <a:r>
+              <a:rPr lang="en-US" altLang="zh-TW" dirty="0"/>
+              <a:t>weight</a:t>
+            </a:r>
+            <a:r>
+              <a:rPr lang="zh-TW" altLang="en-US" dirty="0"/>
+              <a:t>去乘上</a:t>
+            </a:r>
+            <a:r>
+              <a:rPr lang="en-US" altLang="zh-TW" dirty="0"/>
+              <a:t>cell</a:t>
+            </a:r>
+            <a:r>
+              <a:rPr lang="zh-TW" altLang="en-US" dirty="0"/>
+              <a:t>到</a:t>
+            </a:r>
+            <a:r>
+              <a:rPr lang="en-US" altLang="zh-TW" dirty="0"/>
+              <a:t>anchor</a:t>
+            </a:r>
+            <a:r>
+              <a:rPr lang="zh-TW" altLang="en-US" dirty="0"/>
+              <a:t>的</a:t>
+            </a:r>
+            <a:r>
+              <a:rPr lang="en-US" altLang="zh-TW" dirty="0"/>
+              <a:t>Manhattan distance.</a:t>
+            </a:r>
+            <a:endParaRPr lang="zh-TW" altLang="en-US" dirty="0"/>
+          </a:p>
+        </p:txBody>
+      </p:sp>
+      <p:sp>
+        <p:nvSpPr>
+          <p:cNvPr id="4" name="投影片編號版面配置區 3">
+            <a:extLst>
+              <a:ext uri="{FF2B5EF4-FFF2-40B4-BE49-F238E27FC236}">
+                <a16:creationId xmlns:a16="http://schemas.microsoft.com/office/drawing/2014/main" id="{4B0898BA-8C5E-2904-38AE-B93225782867}"/>
+              </a:ext>
+            </a:extLst>
+          </p:cNvPr>
+          <p:cNvSpPr>
+            <a:spLocks noGrp="1"/>
+          </p:cNvSpPr>
+          <p:nvPr>
+            <p:ph type="sldNum" sz="quarter" idx="5"/>
+          </p:nvPr>
+        </p:nvSpPr>
+        <p:spPr/>
+        <p:txBody>
+          <a:bodyPr/>
+          <a:lstStyle/>
+          <a:p>
+            <a:fld id="{9D457EAB-1485-47AD-BEAD-484FAEBF5A54}" type="slidenum">
+              <a:rPr lang="en-US" smtClean="0"/>
+              <a:t>22</a:t>
+            </a:fld>
+            <a:endParaRPr lang="en-US"/>
+          </a:p>
+        </p:txBody>
+      </p:sp>
+    </p:spTree>
+    <p:extLst>
+      <p:ext uri="{BB962C8B-B14F-4D97-AF65-F5344CB8AC3E}">
+        <p14:creationId xmlns:p14="http://schemas.microsoft.com/office/powerpoint/2010/main" val="1505988832"/>
+      </p:ext>
+    </p:extLst>
+  </p:cSld>
+  <p:clrMapOvr>
+    <a:masterClrMapping/>
+  </p:clrMapOvr>
+</p:notes>
+</file>
+
+<file path=ppt/notesSlides/notesSlide16.xml><?xml version="1.0" encoding="utf-8"?>
 <p:notes xmlns:a="http://schemas.openxmlformats.org/drawingml/2006/main" xmlns:r="http://schemas.openxmlformats.org/officeDocument/2006/relationships" xmlns:p="http://schemas.openxmlformats.org/presentationml/2006/main">
   <p:cSld>
     <p:spTree>
@@ -2645,6 +3024,26 @@
               <a:t>Nl</a:t>
             </a:r>
             <a:r>
+              <a:rPr lang="en-US" altLang="zh-TW" dirty="0"/>
+              <a:t>(F(</a:t>
+            </a:r>
+            <a:r>
+              <a:rPr lang="en-US" altLang="zh-TW" dirty="0" err="1"/>
+              <a:t>x,y</a:t>
+            </a:r>
+            <a:r>
+              <a:rPr lang="en-US" altLang="zh-TW" dirty="0"/>
+              <a:t>)</a:t>
+            </a:r>
+            <a:r>
+              <a:rPr lang="zh-TW" altLang="en-US" dirty="0"/>
+              <a:t>最小</a:t>
+            </a:r>
+            <a:r>
+              <a:rPr lang="en-US" altLang="zh-TW" dirty="0"/>
+              <a:t>)</a:t>
+            </a:r>
+            <a:r>
               <a:rPr lang="zh-TW" altLang="en-US" dirty="0"/>
               <a:t>，以最小化單元 </a:t>
             </a:r>
@@ -2851,7 +3250,7 @@
           <a:p>
             <a:fld id="{9D457EAB-1485-47AD-BEAD-484FAEBF5A54}" type="slidenum">
               <a:rPr lang="en-US" smtClean="0"/>
-              <a:t>19</a:t>
+              <a:t>23</a:t>
             </a:fld>
             <a:endParaRPr lang="en-US"/>
           </a:p>
@@ -2870,7 +3269,7 @@
 </p:notes>
 </file>
 
-<file path=ppt/notesSlides/notesSlide15.xml><?xml version="1.0" encoding="utf-8"?>
+<file path=ppt/notesSlides/notesSlide17.xml><?xml version="1.0" encoding="utf-8"?>
 <p:notes xmlns:a="http://schemas.openxmlformats.org/drawingml/2006/main" xmlns:r="http://schemas.openxmlformats.org/officeDocument/2006/relationships" xmlns:p="http://schemas.openxmlformats.org/presentationml/2006/main">
   <p:cSld>
     <p:spTree>
@@ -3003,7 +3402,7 @@
           <a:p>
             <a:fld id="{9D457EAB-1485-47AD-BEAD-484FAEBF5A54}" type="slidenum">
               <a:rPr lang="en-US" smtClean="0"/>
-              <a:t>20</a:t>
+              <a:t>24</a:t>
             </a:fld>
             <a:endParaRPr lang="en-US"/>
           </a:p>
@@ -3022,7 +3421,7 @@
 </p:notes>
 </file>
 
-<file path=ppt/notesSlides/notesSlide16.xml><?xml version="1.0" encoding="utf-8"?>
+<file path=ppt/notesSlides/notesSlide18.xml><?xml version="1.0" encoding="utf-8"?>
 <p:notes xmlns:a="http://schemas.openxmlformats.org/drawingml/2006/main" xmlns:r="http://schemas.openxmlformats.org/officeDocument/2006/relationships" xmlns:p="http://schemas.openxmlformats.org/presentationml/2006/main">
   <p:cSld>
     <p:spTree>
@@ -3087,7 +3486,7 @@
           <a:p>
             <a:fld id="{9D457EAB-1485-47AD-BEAD-484FAEBF5A54}" type="slidenum">
               <a:rPr lang="en-US" smtClean="0"/>
-              <a:t>22</a:t>
+              <a:t>26</a:t>
             </a:fld>
             <a:endParaRPr lang="en-US"/>
           </a:p>
@@ -3106,7 +3505,7 @@
 </p:notes>
 </file>
 
-<file path=ppt/notesSlides/notesSlide17.xml><?xml version="1.0" encoding="utf-8"?>
+<file path=ppt/notesSlides/notesSlide19.xml><?xml version="1.0" encoding="utf-8"?>
 <p:notes xmlns:a="http://schemas.openxmlformats.org/drawingml/2006/main" xmlns:r="http://schemas.openxmlformats.org/officeDocument/2006/relationships" xmlns:p="http://schemas.openxmlformats.org/presentationml/2006/main">
   <p:cSld>
     <p:spTree>
@@ -3213,7 +3612,7 @@
           <a:p>
             <a:fld id="{9D457EAB-1485-47AD-BEAD-484FAEBF5A54}" type="slidenum">
               <a:rPr lang="en-US" smtClean="0"/>
-              <a:t>23</a:t>
+              <a:t>27</a:t>
             </a:fld>
             <a:endParaRPr lang="en-US"/>
           </a:p>
@@ -3413,7 +3812,7 @@
             </a:r>
             <a:r>
               <a:rPr lang="zh-TW" altLang="en-US" dirty="0"/>
-              <a:t>高，但是</a:t>
+              <a:t>變高，但是</a:t>
             </a:r>
             <a:r>
               <a:rPr lang="en-US" altLang="zh-TW" dirty="0"/>
@@ -3421,7 +3820,7 @@
             </a:r>
             <a:r>
               <a:rPr lang="zh-TW" altLang="en-US" dirty="0"/>
-              <a:t>低</a:t>
+              <a:t>變低</a:t>
             </a:r>
             <a:endParaRPr lang="en-US" altLang="zh-TW" dirty="0"/>
           </a:p>
@@ -3700,6 +4099,48 @@
               <a:rPr lang="en-US" altLang="zh-TW" dirty="0"/>
               <a:t>)</a:t>
             </a:r>
+          </a:p>
+          <a:p>
+            <a:pPr marL="171450" indent="-171450">
+              <a:buFont typeface="Arial" panose="020B0604020202020204" pitchFamily="34" charset="0"/>
+              <a:buChar char="•"/>
+            </a:pPr>
+            <a:r>
+              <a:rPr lang="en-US" altLang="zh-TW" dirty="0"/>
+              <a:t>Internal point</a:t>
+            </a:r>
+            <a:r>
+              <a:rPr lang="zh-TW" altLang="en-US" dirty="0"/>
+              <a:t>的意思是說被</a:t>
+            </a:r>
+            <a:r>
+              <a:rPr lang="en-US" altLang="zh-TW" dirty="0"/>
+              <a:t>HPWL</a:t>
+            </a:r>
+            <a:r>
+              <a:rPr lang="zh-TW" altLang="en-US" dirty="0"/>
+              <a:t>的</a:t>
+            </a:r>
+            <a:r>
+              <a:rPr lang="en-US" altLang="zh-TW" dirty="0"/>
+              <a:t>bounding box</a:t>
+            </a:r>
+            <a:r>
+              <a:rPr lang="zh-TW" altLang="en-US" dirty="0"/>
+              <a:t>關起來，並且沒有在</a:t>
+            </a:r>
+            <a:r>
+              <a:rPr lang="en-US" altLang="zh-TW" dirty="0"/>
+              <a:t>bounding box</a:t>
+            </a:r>
+            <a:r>
+              <a:rPr lang="zh-TW" altLang="en-US" dirty="0"/>
+              <a:t>上的那些店</a:t>
+            </a:r>
+            <a:r>
+              <a:rPr lang="en-US" altLang="zh-TW" dirty="0"/>
+              <a:t>(e.g. p3, p5)</a:t>
+            </a:r>
             <a:endParaRPr lang="zh-TW" altLang="en-US" dirty="0"/>
           </a:p>
         </p:txBody>
@@ -3784,6 +4225,46 @@
           <a:bodyPr/>
           <a:lstStyle/>
           <a:p>
+            <a:r>
+              <a:rPr lang="zh-TW" altLang="en-US" dirty="0"/>
+              <a:t>他一開始會將</a:t>
+            </a:r>
+            <a:r>
+              <a:rPr lang="en-US" altLang="zh-TW" dirty="0"/>
+              <a:t>internal point</a:t>
+            </a:r>
+            <a:r>
+              <a:rPr lang="zh-TW" altLang="en-US" dirty="0"/>
+              <a:t>用</a:t>
+            </a:r>
+            <a:r>
+              <a:rPr lang="en-US" altLang="zh-TW" dirty="0"/>
+              <a:t>StWL</a:t>
+            </a:r>
+            <a:r>
+              <a:rPr lang="zh-TW" altLang="en-US" dirty="0"/>
+              <a:t>的方式來近似，並且做</a:t>
+            </a:r>
+            <a:r>
+              <a:rPr lang="en-US" altLang="zh-TW" dirty="0"/>
+              <a:t>gradient descent</a:t>
+            </a:r>
+            <a:r>
+              <a:rPr lang="zh-TW" altLang="en-US" dirty="0"/>
+              <a:t>，得到</a:t>
+            </a:r>
+            <a:r>
+              <a:rPr lang="en-US" altLang="zh-TW" dirty="0"/>
+              <a:t>HPWL model</a:t>
+            </a:r>
+            <a:r>
+              <a:rPr lang="zh-TW" altLang="en-US" dirty="0"/>
+              <a:t>沒有考慮到的</a:t>
+            </a:r>
+            <a:r>
+              <a:rPr lang="en-US" altLang="zh-TW" dirty="0"/>
+              <a:t>gradient</a:t>
+            </a:r>
             <a:endParaRPr lang="zh-TW" altLang="en-US" dirty="0"/>
           </a:p>
         </p:txBody>
@@ -3868,6 +4349,30 @@
           <a:bodyPr/>
           <a:lstStyle/>
           <a:p>
+            <a:r>
+              <a:rPr lang="zh-TW" altLang="en-US" dirty="0"/>
+              <a:t>這邊只考慮</a:t>
+            </a:r>
+            <a:r>
+              <a:rPr lang="en-US" altLang="zh-TW" dirty="0"/>
+              <a:t>internal</a:t>
+            </a:r>
+            <a:r>
+              <a:rPr lang="zh-TW" altLang="en-US" dirty="0"/>
+              <a:t> </a:t>
+            </a:r>
+            <a:r>
+              <a:rPr lang="en-US" altLang="zh-TW" dirty="0"/>
+              <a:t>point</a:t>
+            </a:r>
+            <a:r>
+              <a:rPr lang="zh-TW" altLang="en-US" dirty="0"/>
+              <a:t>的</a:t>
+            </a:r>
+            <a:r>
+              <a:rPr lang="en-US" altLang="zh-TW" dirty="0"/>
+              <a:t>wirelength</a:t>
+            </a:r>
             <a:endParaRPr lang="zh-TW" altLang="en-US" dirty="0"/>
           </a:p>
         </p:txBody>
@@ -3909,6 +4414,118 @@
 </file>
 
 <file path=ppt/notesSlides/notesSlide7.xml><?xml version="1.0" encoding="utf-8"?>
+<p:notes xmlns:a="http://schemas.openxmlformats.org/drawingml/2006/main" xmlns:r="http://schemas.openxmlformats.org/officeDocument/2006/relationships" xmlns:p="http://schemas.openxmlformats.org/presentationml/2006/main">
+  <p:cSld>
+    <p:spTree>
+      <p:nvGrpSpPr>
+        <p:cNvPr id="1" name="">
+          <a:extLst>
+            <a:ext uri="{FF2B5EF4-FFF2-40B4-BE49-F238E27FC236}">
+              <a16:creationId xmlns:a16="http://schemas.microsoft.com/office/drawing/2014/main" id="{675D64E4-9CB7-2840-5301-7BDBB4FD71EB}"/>
+            </a:ext>
+          </a:extLst>
+        </p:cNvPr>
+        <p:cNvGrpSpPr/>
+        <p:nvPr/>
+      </p:nvGrpSpPr>
+      <p:grpSpPr>
+        <a:xfrm>
+          <a:off x="0" y="0"/>
+          <a:ext cx="0" cy="0"/>
+          <a:chOff x="0" y="0"/>
+          <a:chExt cx="0" cy="0"/>
+        </a:xfrm>
+      </p:grpSpPr>
+      <p:sp>
+        <p:nvSpPr>
+          <p:cNvPr id="2" name="投影片影像版面配置區 1">
+            <a:extLst>
+              <a:ext uri="{FF2B5EF4-FFF2-40B4-BE49-F238E27FC236}">
+                <a16:creationId xmlns:a16="http://schemas.microsoft.com/office/drawing/2014/main" id="{788CC2E5-083B-CC6D-D298-24DB2E9248C4}"/>
+              </a:ext>
+            </a:extLst>
+          </p:cNvPr>
+          <p:cNvSpPr>
+            <a:spLocks noGrp="1" noRot="1" noChangeAspect="1"/>
+          </p:cNvSpPr>
+          <p:nvPr>
+            <p:ph type="sldImg"/>
+          </p:nvPr>
+        </p:nvSpPr>
+        <p:spPr/>
+      </p:sp>
+      <p:sp>
+        <p:nvSpPr>
+          <p:cNvPr id="3" name="備忘稿版面配置區 2">
+            <a:extLst>
+              <a:ext uri="{FF2B5EF4-FFF2-40B4-BE49-F238E27FC236}">
+                <a16:creationId xmlns:a16="http://schemas.microsoft.com/office/drawing/2014/main" id="{F191780E-51D3-8E71-5165-A60B8F0C9D9C}"/>
+              </a:ext>
+            </a:extLst>
+          </p:cNvPr>
+          <p:cNvSpPr>
+            <a:spLocks noGrp="1"/>
+          </p:cNvSpPr>
+          <p:nvPr>
+            <p:ph type="body" idx="1"/>
+          </p:nvPr>
+        </p:nvSpPr>
+        <p:spPr/>
+        <p:txBody>
+          <a:bodyPr/>
+          <a:lstStyle/>
+          <a:p>
+            <a:pPr marL="285750" indent="-285750" algn="l">
+              <a:buFont typeface="Arial" panose="020B0604020202020204" pitchFamily="34" charset="0"/>
+              <a:buChar char="•"/>
+            </a:pPr>
+            <a:endParaRPr lang="zh-TW" altLang="en-US" dirty="0"/>
+          </a:p>
+        </p:txBody>
+      </p:sp>
+      <p:sp>
+        <p:nvSpPr>
+          <p:cNvPr id="4" name="投影片編號版面配置區 3">
+            <a:extLst>
+              <a:ext uri="{FF2B5EF4-FFF2-40B4-BE49-F238E27FC236}">
+                <a16:creationId xmlns:a16="http://schemas.microsoft.com/office/drawing/2014/main" id="{21FCD2A9-EC9C-7CC5-DC45-FC6A34B8771F}"/>
+              </a:ext>
+            </a:extLst>
+          </p:cNvPr>
+          <p:cNvSpPr>
+            <a:spLocks noGrp="1"/>
+          </p:cNvSpPr>
+          <p:nvPr>
+            <p:ph type="sldNum" sz="quarter" idx="5"/>
+          </p:nvPr>
+        </p:nvSpPr>
+        <p:spPr/>
+        <p:txBody>
+          <a:bodyPr/>
+          <a:lstStyle/>
+          <a:p>
+            <a:fld id="{9D457EAB-1485-47AD-BEAD-484FAEBF5A54}" type="slidenum">
+              <a:rPr lang="en-US" smtClean="0"/>
+              <a:t>12</a:t>
+            </a:fld>
+            <a:endParaRPr lang="en-US"/>
+          </a:p>
+        </p:txBody>
+      </p:sp>
+    </p:spTree>
+    <p:extLst>
+      <p:ext uri="{BB962C8B-B14F-4D97-AF65-F5344CB8AC3E}">
+        <p14:creationId xmlns:p14="http://schemas.microsoft.com/office/powerpoint/2010/main" val="3174835727"/>
+      </p:ext>
+    </p:extLst>
+  </p:cSld>
+  <p:clrMapOvr>
+    <a:masterClrMapping/>
+  </p:clrMapOvr>
+</p:notes>
+</file>
+
+<file path=ppt/notesSlides/notesSlide8.xml><?xml version="1.0" encoding="utf-8"?>
 <p:notes xmlns:a="http://schemas.openxmlformats.org/drawingml/2006/main" xmlns:r="http://schemas.openxmlformats.org/officeDocument/2006/relationships" xmlns:p="http://schemas.openxmlformats.org/presentationml/2006/main">
   <p:cSld>
     <p:spTree>
@@ -3993,10 +4610,10 @@
               <a:t>分成</a:t>
             </a:r>
             <a:r>
-              <a:rPr lang="en-US" altLang="zh-TW" sz="1800" b="0" i="0" u="none" strike="noStrike" baseline="0" dirty="0">
-                <a:latin typeface="LinLibertineT"/>
+              <a:rPr lang="en-US" altLang="zh-TW" sz="1800" dirty="0">
+                <a:latin typeface="+mj-lt"/>
               </a:rPr>
-              <a:t>trunk</a:t>
+              <a:t>fixed trunk</a:t>
             </a:r>
             <a:r>
               <a:rPr lang="zh-TW" altLang="en-US" sz="1800" b="0" i="0" u="none" strike="noStrike" baseline="0" dirty="0">
@@ -4005,10 +4622,109 @@
               <a:t>跟</a:t>
             </a:r>
             <a:r>
+              <a:rPr lang="en-US" altLang="zh-TW" sz="1800" dirty="0">
+                <a:latin typeface="+mj-lt"/>
+              </a:rPr>
+              <a:t>changeable branch.</a:t>
+            </a:r>
+            <a:endParaRPr lang="en-US" altLang="zh-TW" sz="1800" b="0" i="0" u="none" strike="noStrike" baseline="0" dirty="0">
+              <a:latin typeface="LinLibertineT"/>
+            </a:endParaRPr>
+          </a:p>
+          <a:p>
+            <a:pPr marL="285750" indent="-285750" algn="l">
+              <a:buFont typeface="Arial" panose="020B0604020202020204" pitchFamily="34" charset="0"/>
+              <a:buChar char="•"/>
+            </a:pPr>
+            <a:r>
               <a:rPr lang="en-US" altLang="zh-TW" sz="1800" b="0" i="0" u="none" strike="noStrike" baseline="0" dirty="0">
                 <a:latin typeface="LinLibertineT"/>
               </a:rPr>
-              <a:t>branch</a:t>
+              <a:t>Branch part</a:t>
+            </a:r>
+            <a:r>
+              <a:rPr lang="zh-TW" altLang="en-US" sz="1800" b="0" i="0" u="none" strike="noStrike" baseline="0" dirty="0">
+                <a:latin typeface="LinLibertineT"/>
+              </a:rPr>
+              <a:t>可以移動</a:t>
+            </a:r>
+            <a:r>
+              <a:rPr lang="en-US" altLang="zh-TW" sz="1800" b="0" i="0" u="none" strike="noStrike" baseline="0" dirty="0">
+                <a:latin typeface="LinLibertineT"/>
+              </a:rPr>
+              <a:t>cell</a:t>
+            </a:r>
+            <a:r>
+              <a:rPr lang="zh-TW" altLang="en-US" sz="1800" b="0" i="0" u="none" strike="noStrike" baseline="0" dirty="0">
+                <a:latin typeface="LinLibertineT"/>
+              </a:rPr>
+              <a:t>來優化，但是</a:t>
+            </a:r>
+            <a:r>
+              <a:rPr lang="en-US" altLang="zh-TW" sz="1800" b="0" i="0" u="none" strike="noStrike" baseline="0" dirty="0">
+                <a:latin typeface="LinLibertineT"/>
+              </a:rPr>
+              <a:t>trunk part</a:t>
+            </a:r>
+            <a:r>
+              <a:rPr lang="zh-TW" altLang="en-US" sz="1800" b="0" i="0" u="none" strike="noStrike" baseline="0" dirty="0">
+                <a:latin typeface="LinLibertineT"/>
+              </a:rPr>
+              <a:t>就是那些</a:t>
+            </a:r>
+            <a:r>
+              <a:rPr lang="en-US" altLang="zh-TW" sz="1800" b="0" i="0" u="none" strike="noStrike" baseline="0" dirty="0">
+                <a:latin typeface="LinLibertineT"/>
+              </a:rPr>
+              <a:t>fixed coordinates</a:t>
+            </a:r>
+            <a:r>
+              <a:rPr lang="zh-TW" altLang="en-US" sz="1800" b="0" i="0" u="none" strike="noStrike" baseline="0" dirty="0">
+                <a:latin typeface="LinLibertineT"/>
+              </a:rPr>
+              <a:t>的加減，可以視為</a:t>
+            </a:r>
+            <a:r>
+              <a:rPr lang="en-US" altLang="zh-TW" sz="1800" b="0" i="0" u="none" strike="noStrike" baseline="0" dirty="0">
+                <a:latin typeface="LinLibertineT"/>
+              </a:rPr>
+              <a:t>constant. </a:t>
+            </a:r>
+            <a:r>
+              <a:rPr lang="zh-TW" altLang="en-US" sz="1800" b="0" i="0" u="none" strike="noStrike" baseline="0" dirty="0">
+                <a:latin typeface="LinLibertineT"/>
+              </a:rPr>
+              <a:t>所以</a:t>
+            </a:r>
+            <a:r>
+              <a:rPr lang="en-US" altLang="zh-TW" sz="1800" b="0" i="0" u="none" strike="noStrike" baseline="0" dirty="0">
+                <a:latin typeface="LinLibertineT"/>
+              </a:rPr>
+              <a:t>StWL steiner</a:t>
+            </a:r>
+            <a:r>
+              <a:rPr lang="zh-TW" altLang="en-US" sz="1800" b="0" i="0" u="none" strike="noStrike" baseline="0" dirty="0">
+                <a:latin typeface="LinLibertineT"/>
+              </a:rPr>
+              <a:t>跟</a:t>
+            </a:r>
+            <a:r>
+              <a:rPr lang="en-US" altLang="zh-TW" sz="1800" b="0" i="0" u="none" strike="noStrike" baseline="0" dirty="0">
+                <a:latin typeface="LinLibertineT"/>
+              </a:rPr>
+              <a:t>steiner</a:t>
+            </a:r>
+            <a:r>
+              <a:rPr lang="zh-TW" altLang="en-US" sz="1800" b="0" i="0" u="none" strike="noStrike" baseline="0" dirty="0">
+                <a:latin typeface="LinLibertineT"/>
+              </a:rPr>
+              <a:t>間不會有</a:t>
+            </a:r>
+            <a:r>
+              <a:rPr lang="en-US" altLang="zh-TW" sz="1800" b="0" i="0" u="none" strike="noStrike" baseline="0" dirty="0">
+                <a:latin typeface="LinLibertineT"/>
+              </a:rPr>
+              <a:t>gradient.</a:t>
             </a:r>
           </a:p>
           <a:p>
@@ -4148,7 +4864,7 @@
           <a:p>
             <a:fld id="{9D457EAB-1485-47AD-BEAD-484FAEBF5A54}" type="slidenum">
               <a:rPr lang="en-US" smtClean="0"/>
-              <a:t>12</a:t>
+              <a:t>13</a:t>
             </a:fld>
             <a:endParaRPr lang="en-US"/>
           </a:p>
@@ -4158,118 +4874,6 @@
     <p:extLst>
       <p:ext uri="{BB962C8B-B14F-4D97-AF65-F5344CB8AC3E}">
         <p14:creationId xmlns:p14="http://schemas.microsoft.com/office/powerpoint/2010/main" val="4045972828"/>
-      </p:ext>
-    </p:extLst>
-  </p:cSld>
-  <p:clrMapOvr>
-    <a:masterClrMapping/>
-  </p:clrMapOvr>
-</p:notes>
-</file>
-
-<file path=ppt/notesSlides/notesSlide8.xml><?xml version="1.0" encoding="utf-8"?>
-<p:notes xmlns:a="http://schemas.openxmlformats.org/drawingml/2006/main" xmlns:r="http://schemas.openxmlformats.org/officeDocument/2006/relationships" xmlns:p="http://schemas.openxmlformats.org/presentationml/2006/main">
-  <p:cSld>
-    <p:spTree>
-      <p:nvGrpSpPr>
-        <p:cNvPr id="1" name="">
-          <a:extLst>
-            <a:ext uri="{FF2B5EF4-FFF2-40B4-BE49-F238E27FC236}">
-              <a16:creationId xmlns:a16="http://schemas.microsoft.com/office/drawing/2014/main" id="{675D64E4-9CB7-2840-5301-7BDBB4FD71EB}"/>
-            </a:ext>
-          </a:extLst>
-        </p:cNvPr>
-        <p:cNvGrpSpPr/>
-        <p:nvPr/>
-      </p:nvGrpSpPr>
-      <p:grpSpPr>
-        <a:xfrm>
-          <a:off x="0" y="0"/>
-          <a:ext cx="0" cy="0"/>
-          <a:chOff x="0" y="0"/>
-          <a:chExt cx="0" cy="0"/>
-        </a:xfrm>
-      </p:grpSpPr>
-      <p:sp>
-        <p:nvSpPr>
-          <p:cNvPr id="2" name="投影片影像版面配置區 1">
-            <a:extLst>
-              <a:ext uri="{FF2B5EF4-FFF2-40B4-BE49-F238E27FC236}">
-                <a16:creationId xmlns:a16="http://schemas.microsoft.com/office/drawing/2014/main" id="{788CC2E5-083B-CC6D-D298-24DB2E9248C4}"/>
-              </a:ext>
-            </a:extLst>
-          </p:cNvPr>
-          <p:cNvSpPr>
-            <a:spLocks noGrp="1" noRot="1" noChangeAspect="1"/>
-          </p:cNvSpPr>
-          <p:nvPr>
-            <p:ph type="sldImg"/>
-          </p:nvPr>
-        </p:nvSpPr>
-        <p:spPr/>
-      </p:sp>
-      <p:sp>
-        <p:nvSpPr>
-          <p:cNvPr id="3" name="備忘稿版面配置區 2">
-            <a:extLst>
-              <a:ext uri="{FF2B5EF4-FFF2-40B4-BE49-F238E27FC236}">
-                <a16:creationId xmlns:a16="http://schemas.microsoft.com/office/drawing/2014/main" id="{F191780E-51D3-8E71-5165-A60B8F0C9D9C}"/>
-              </a:ext>
-            </a:extLst>
-          </p:cNvPr>
-          <p:cNvSpPr>
-            <a:spLocks noGrp="1"/>
-          </p:cNvSpPr>
-          <p:nvPr>
-            <p:ph type="body" idx="1"/>
-          </p:nvPr>
-        </p:nvSpPr>
-        <p:spPr/>
-        <p:txBody>
-          <a:bodyPr/>
-          <a:lstStyle/>
-          <a:p>
-            <a:pPr marL="285750" indent="-285750" algn="l">
-              <a:buFont typeface="Arial" panose="020B0604020202020204" pitchFamily="34" charset="0"/>
-              <a:buChar char="•"/>
-            </a:pPr>
-            <a:endParaRPr lang="zh-TW" altLang="en-US" dirty="0"/>
-          </a:p>
-        </p:txBody>
-      </p:sp>
-      <p:sp>
-        <p:nvSpPr>
-          <p:cNvPr id="4" name="投影片編號版面配置區 3">
-            <a:extLst>
-              <a:ext uri="{FF2B5EF4-FFF2-40B4-BE49-F238E27FC236}">
-                <a16:creationId xmlns:a16="http://schemas.microsoft.com/office/drawing/2014/main" id="{21FCD2A9-EC9C-7CC5-DC45-FC6A34B8771F}"/>
-              </a:ext>
-            </a:extLst>
-          </p:cNvPr>
-          <p:cNvSpPr>
-            <a:spLocks noGrp="1"/>
-          </p:cNvSpPr>
-          <p:nvPr>
-            <p:ph type="sldNum" sz="quarter" idx="5"/>
-          </p:nvPr>
-        </p:nvSpPr>
-        <p:spPr/>
-        <p:txBody>
-          <a:bodyPr/>
-          <a:lstStyle/>
-          <a:p>
-            <a:fld id="{9D457EAB-1485-47AD-BEAD-484FAEBF5A54}" type="slidenum">
-              <a:rPr lang="en-US" smtClean="0"/>
-              <a:t>13</a:t>
-            </a:fld>
-            <a:endParaRPr lang="en-US"/>
-          </a:p>
-        </p:txBody>
-      </p:sp>
-    </p:spTree>
-    <p:extLst>
-      <p:ext uri="{BB962C8B-B14F-4D97-AF65-F5344CB8AC3E}">
-        <p14:creationId xmlns:p14="http://schemas.microsoft.com/office/powerpoint/2010/main" val="3174835727"/>
       </p:ext>
     </p:extLst>
   </p:cSld>
@@ -4345,58 +4949,6 @@
               <a:buFont typeface="Arial" panose="020B0604020202020204" pitchFamily="34" charset="0"/>
               <a:buChar char="•"/>
             </a:pPr>
-            <a:r>
-              <a:rPr lang="zh-TW" altLang="en-US" dirty="0"/>
-              <a:t>相較於</a:t>
-            </a:r>
-            <a:r>
-              <a:rPr lang="en-US" altLang="zh-TW" dirty="0"/>
-              <a:t>WA Model</a:t>
-            </a:r>
-            <a:r>
-              <a:rPr lang="zh-TW" altLang="en-US" dirty="0"/>
-              <a:t>的</a:t>
-            </a:r>
-            <a:r>
-              <a:rPr lang="en-US" altLang="zh-TW" dirty="0"/>
-              <a:t>net</a:t>
-            </a:r>
-            <a:r>
-              <a:rPr lang="zh-TW" altLang="en-US" dirty="0"/>
-              <a:t>依舊十分混亂，他們的</a:t>
-            </a:r>
-            <a:r>
-              <a:rPr lang="en-US" altLang="zh-TW" dirty="0"/>
-              <a:t>Model</a:t>
-            </a:r>
-            <a:r>
-              <a:rPr lang="zh-TW" altLang="en-US" dirty="0"/>
-              <a:t>會將</a:t>
-            </a:r>
-            <a:r>
-              <a:rPr lang="en-US" altLang="zh-TW" dirty="0"/>
-              <a:t>trunk</a:t>
-            </a:r>
-            <a:r>
-              <a:rPr lang="zh-TW" altLang="en-US" dirty="0"/>
-              <a:t>附近的</a:t>
-            </a:r>
-            <a:r>
-              <a:rPr lang="en-US" altLang="zh-TW" dirty="0"/>
-              <a:t>cell</a:t>
-            </a:r>
-            <a:r>
-              <a:rPr lang="zh-TW" altLang="en-US" dirty="0"/>
-              <a:t>聚集，使的</a:t>
-            </a:r>
-            <a:r>
-              <a:rPr lang="en-US" altLang="zh-TW" dirty="0"/>
-              <a:t>net</a:t>
-            </a:r>
-            <a:r>
-              <a:rPr lang="zh-TW" altLang="en-US"/>
-              <a:t>的內部部分的結構更加整潔</a:t>
-            </a:r>
             <a:endParaRPr lang="zh-TW" altLang="en-US" dirty="0"/>
           </a:p>
         </p:txBody>
@@ -4590,7 +5142,7 @@
           <a:p>
             <a:fld id="{99BA7BAB-F69F-4C21-8D40-7AA273A2D01F}" type="datetime1">
               <a:rPr lang="en-US" smtClean="0"/>
-              <a:t>3/15/2024</a:t>
+              <a:t>4/11/2024</a:t>
             </a:fld>
             <a:endParaRPr lang="en-US"/>
           </a:p>
@@ -4795,7 +5347,7 @@
           <a:p>
             <a:fld id="{FB00A8EC-4678-43EE-BE64-F312B7F1A46F}" type="datetime1">
               <a:rPr lang="en-US" smtClean="0"/>
-              <a:t>3/15/2024</a:t>
+              <a:t>4/11/2024</a:t>
             </a:fld>
             <a:endParaRPr lang="en-US"/>
           </a:p>
@@ -5003,7 +5555,7 @@
           <a:p>
             <a:fld id="{9487F23D-EA8F-4C56-9373-23F6109AD11F}" type="datetime1">
               <a:rPr lang="en-US" smtClean="0"/>
-              <a:t>3/15/2024</a:t>
+              <a:t>4/11/2024</a:t>
             </a:fld>
             <a:endParaRPr lang="en-US"/>
           </a:p>
@@ -5201,7 +5753,7 @@
           <a:p>
             <a:fld id="{A34E716E-0239-4A81-9CF4-D3B9651721CF}" type="datetime1">
               <a:rPr lang="en-US" smtClean="0"/>
-              <a:t>3/15/2024</a:t>
+              <a:t>4/11/2024</a:t>
             </a:fld>
             <a:endParaRPr lang="en-US"/>
           </a:p>
@@ -5483,7 +6035,7 @@
           <a:p>
             <a:fld id="{CC112E56-3D97-4B86-935C-1C493DD86A08}" type="datetime1">
               <a:rPr lang="en-US" smtClean="0"/>
-              <a:t>3/15/2024</a:t>
+              <a:t>4/11/2024</a:t>
             </a:fld>
             <a:endParaRPr lang="en-US"/>
           </a:p>
@@ -5748,7 +6300,7 @@
           <a:p>
             <a:fld id="{40649135-BABF-4F63-9AF8-3CEC545E47DC}" type="datetime1">
               <a:rPr lang="en-US" smtClean="0"/>
-              <a:t>3/15/2024</a:t>
+              <a:t>4/11/2024</a:t>
             </a:fld>
             <a:endParaRPr lang="en-US"/>
           </a:p>
@@ -6160,7 +6712,7 @@
           <a:p>
             <a:fld id="{B16EBC02-C9C0-442D-A8A6-494057203542}" type="datetime1">
               <a:rPr lang="en-US" smtClean="0"/>
-              <a:t>3/15/2024</a:t>
+              <a:t>4/11/2024</a:t>
             </a:fld>
             <a:endParaRPr lang="en-US"/>
           </a:p>
@@ -6301,7 +6853,7 @@
           <a:p>
             <a:fld id="{A126C4B4-559D-414E-BC9C-16A745BBF3C3}" type="datetime1">
               <a:rPr lang="en-US" smtClean="0"/>
-              <a:t>3/15/2024</a:t>
+              <a:t>4/11/2024</a:t>
             </a:fld>
             <a:endParaRPr lang="en-US"/>
           </a:p>
@@ -6414,7 +6966,7 @@
           <a:p>
             <a:fld id="{0D49D49E-73A5-4C03-BFEA-3D845EB044D8}" type="datetime1">
               <a:rPr lang="en-US" smtClean="0"/>
-              <a:t>3/15/2024</a:t>
+              <a:t>4/11/2024</a:t>
             </a:fld>
             <a:endParaRPr lang="en-US"/>
           </a:p>
@@ -6725,7 +7277,7 @@
           <a:p>
             <a:fld id="{4A0F93E6-3134-410C-B573-A5F6B38FC346}" type="datetime1">
               <a:rPr lang="en-US" smtClean="0"/>
-              <a:t>3/15/2024</a:t>
+              <a:t>4/11/2024</a:t>
             </a:fld>
             <a:endParaRPr lang="en-US"/>
           </a:p>
@@ -7013,7 +7565,7 @@
           <a:p>
             <a:fld id="{F766E70F-5320-45A5-BE33-1819A93C2AF4}" type="datetime1">
               <a:rPr lang="en-US" smtClean="0"/>
-              <a:t>3/15/2024</a:t>
+              <a:t>4/11/2024</a:t>
             </a:fld>
             <a:endParaRPr lang="en-US"/>
           </a:p>
@@ -7254,7 +7806,7 @@
           <a:p>
             <a:fld id="{A706458B-0289-40FF-A02D-2C541B7F1CB6}" type="datetime1">
               <a:rPr lang="en-US" smtClean="0"/>
-              <a:t>3/15/2024</a:t>
+              <a:t>4/11/2024</a:t>
             </a:fld>
             <a:endParaRPr lang="en-US"/>
           </a:p>
@@ -7709,7 +8261,7 @@
               </a:spcBef>
             </a:pPr>
             <a:r>
-              <a:rPr lang="en-US" sz="4400" dirty="0">
+              <a:rPr lang="en-US" sz="3600" dirty="0">
                 <a:latin typeface="Times New Roman" panose="02020603050405020304" pitchFamily="18" charset="0"/>
                 <a:cs typeface="Times New Roman" panose="02020603050405020304" pitchFamily="18" charset="0"/>
               </a:rPr>
@@ -7911,49 +8463,49 @@
           </a:lstStyle>
           <a:p>
             <a:r>
-              <a:rPr lang="en-US" sz="1700" dirty="0">
+              <a:rPr lang="en-US" sz="1600" dirty="0">
                 <a:latin typeface="Times New Roman" panose="02020603050405020304" pitchFamily="18" charset="0"/>
                 <a:cs typeface="Times New Roman" panose="02020603050405020304" pitchFamily="18" charset="0"/>
               </a:rPr>
               <a:t>Min Wei, </a:t>
             </a:r>
             <a:r>
-              <a:rPr lang="en-US" sz="1700" dirty="0" err="1">
+              <a:rPr lang="en-US" sz="1600" dirty="0" err="1">
                 <a:latin typeface="Times New Roman" panose="02020603050405020304" pitchFamily="18" charset="0"/>
                 <a:cs typeface="Times New Roman" panose="02020603050405020304" pitchFamily="18" charset="0"/>
               </a:rPr>
               <a:t>Xingyu</a:t>
             </a:r>
             <a:r>
-              <a:rPr lang="en-US" sz="1700" dirty="0">
+              <a:rPr lang="en-US" sz="1600" dirty="0">
                 <a:latin typeface="Times New Roman" panose="02020603050405020304" pitchFamily="18" charset="0"/>
                 <a:cs typeface="Times New Roman" panose="02020603050405020304" pitchFamily="18" charset="0"/>
               </a:rPr>
               <a:t> Tong, </a:t>
             </a:r>
             <a:r>
-              <a:rPr lang="en-US" sz="1700" dirty="0" err="1">
+              <a:rPr lang="en-US" sz="1600" dirty="0" err="1">
                 <a:latin typeface="Times New Roman" panose="02020603050405020304" pitchFamily="18" charset="0"/>
                 <a:cs typeface="Times New Roman" panose="02020603050405020304" pitchFamily="18" charset="0"/>
               </a:rPr>
               <a:t>Zhijie</a:t>
             </a:r>
             <a:r>
-              <a:rPr lang="en-US" sz="1700" dirty="0">
+              <a:rPr lang="en-US" sz="1600" dirty="0">
                 <a:latin typeface="Times New Roman" panose="02020603050405020304" pitchFamily="18" charset="0"/>
                 <a:cs typeface="Times New Roman" panose="02020603050405020304" pitchFamily="18" charset="0"/>
               </a:rPr>
               <a:t> Cai, Peng Zou, </a:t>
             </a:r>
             <a:r>
-              <a:rPr lang="en-US" sz="1700" dirty="0" err="1">
+              <a:rPr lang="en-US" sz="1600" dirty="0" err="1">
                 <a:latin typeface="Times New Roman" panose="02020603050405020304" pitchFamily="18" charset="0"/>
                 <a:cs typeface="Times New Roman" panose="02020603050405020304" pitchFamily="18" charset="0"/>
               </a:rPr>
               <a:t>Zhifeng</a:t>
             </a:r>
             <a:r>
-              <a:rPr lang="en-US" sz="1700" dirty="0">
+              <a:rPr lang="en-US" sz="1600" dirty="0">
                 <a:latin typeface="Times New Roman" panose="02020603050405020304" pitchFamily="18" charset="0"/>
                 <a:cs typeface="Times New Roman" panose="02020603050405020304" pitchFamily="18" charset="0"/>
               </a:rPr>
@@ -8000,8 +8552,8 @@
         </p:nvSpPr>
         <p:spPr>
           <a:xfrm>
-            <a:off x="4223900" y="5393407"/>
-            <a:ext cx="3021981" cy="846386"/>
+            <a:off x="4724470" y="5431879"/>
+            <a:ext cx="2743059" cy="769441"/>
           </a:xfrm>
           <a:prstGeom prst="rect">
             <a:avLst/>
@@ -8015,7 +8567,7 @@
           <a:lstStyle/>
           <a:p>
             <a:r>
-              <a:rPr lang="en-US" altLang="zh-TW" sz="2000" dirty="0">
+              <a:rPr lang="en-US" altLang="zh-TW" dirty="0">
                 <a:latin typeface="Times" panose="02020603050405020304" pitchFamily="18" charset="0"/>
                 <a:cs typeface="Times" panose="02020603050405020304" pitchFamily="18" charset="0"/>
               </a:rPr>
@@ -8023,20 +8575,20 @@
             </a:r>
           </a:p>
           <a:p>
-            <a:endParaRPr lang="en-US" altLang="zh-TW" sz="900" dirty="0">
+            <a:endParaRPr lang="en-US" altLang="zh-TW" sz="800" dirty="0">
               <a:latin typeface="Times" panose="02020603050405020304" pitchFamily="18" charset="0"/>
               <a:cs typeface="Times" panose="02020603050405020304" pitchFamily="18" charset="0"/>
             </a:endParaRPr>
           </a:p>
           <a:p>
             <a:r>
-              <a:rPr lang="en-US" altLang="zh-TW" sz="2000" dirty="0">
+              <a:rPr lang="en-US" altLang="zh-TW" dirty="0">
                 <a:latin typeface="Times" panose="02020603050405020304" pitchFamily="18" charset="0"/>
                 <a:cs typeface="Times" panose="02020603050405020304" pitchFamily="18" charset="0"/>
               </a:rPr>
               <a:t>Advisor :   Ting-Chi Wang</a:t>
             </a:r>
-            <a:endParaRPr lang="zh-TW" altLang="en-US" sz="2000" dirty="0">
+            <a:endParaRPr lang="zh-TW" altLang="en-US" dirty="0">
               <a:latin typeface="Times" panose="02020603050405020304" pitchFamily="18" charset="0"/>
               <a:cs typeface="Times" panose="02020603050405020304" pitchFamily="18" charset="0"/>
             </a:endParaRPr>
@@ -8187,6 +8739,34 @@
             </a:r>
           </a:p>
           <a:p>
+            <a:pPr lvl="1">
+              <a:lnSpc>
+                <a:spcPct val="150000"/>
+              </a:lnSpc>
+            </a:pPr>
+            <a:r>
+              <a:rPr lang="en-US" altLang="zh-TW" sz="2000" dirty="0"/>
+              <a:t>StWL Optimization in Global Placement</a:t>
+            </a:r>
+          </a:p>
+          <a:p>
+            <a:pPr lvl="1">
+              <a:lnSpc>
+                <a:spcPct val="150000"/>
+              </a:lnSpc>
+            </a:pPr>
+            <a:r>
+              <a:rPr lang="en-US" altLang="zh-TW" sz="2000" dirty="0">
+                <a:solidFill>
+                  <a:schemeClr val="bg1">
+                    <a:lumMod val="65000"/>
+                  </a:schemeClr>
+                </a:solidFill>
+              </a:rPr>
+              <a:t>StWL Optimization in Cell Refinement</a:t>
+            </a:r>
+          </a:p>
+          <a:p>
             <a:pPr>
               <a:lnSpc>
                 <a:spcPct val="150000"/>
@@ -8200,9 +8780,29 @@
                   </a:schemeClr>
                 </a:solidFill>
               </a:rPr>
-              <a:t>Experimental Result</a:t>
-            </a:r>
-            <a:endParaRPr lang="zh-TW" altLang="en-US" sz="2400" dirty="0">
+              <a:t>Experimental</a:t>
+            </a:r>
+            <a:r>
+              <a:rPr lang="en-US" altLang="zh-TW" dirty="0">
+                <a:solidFill>
+                  <a:schemeClr val="bg1">
+                    <a:lumMod val="65000"/>
+                  </a:schemeClr>
+                </a:solidFill>
+              </a:rPr>
+              <a:t> </a:t>
+            </a:r>
+            <a:r>
+              <a:rPr lang="en-US" altLang="zh-TW" sz="2400" dirty="0">
+                <a:solidFill>
+                  <a:schemeClr val="bg1">
+                    <a:lumMod val="65000"/>
+                  </a:schemeClr>
+                </a:solidFill>
+              </a:rPr>
+              <a:t>Result</a:t>
+            </a:r>
+            <a:endParaRPr lang="zh-TW" altLang="en-US" dirty="0">
               <a:solidFill>
                 <a:schemeClr val="bg1">
                   <a:lumMod val="65000"/>
@@ -8402,8 +9002,8 @@
         </p:blipFill>
         <p:spPr>
           <a:xfrm>
-            <a:off x="5826551" y="365125"/>
-            <a:ext cx="5781516" cy="6040181"/>
+            <a:off x="6291512" y="888188"/>
+            <a:ext cx="5062288" cy="5288775"/>
           </a:xfrm>
           <a:prstGeom prst="rect">
             <a:avLst/>
@@ -8681,7 +9281,7 @@
                 </a:pPr>
                 <a:r>
                   <a:rPr lang="en-US" altLang="zh-TW" sz="2000" dirty="0"/>
-                  <a:t>weighted average approximation of horizontal StWL for</a:t>
+                  <a:t>Weighted average approximation of horizontal StWL for</a:t>
                 </a:r>
                 <a:r>
                   <a:rPr lang="zh-TW" altLang="en-US" sz="2000" dirty="0"/>
@@ -8923,6 +9523,370 @@
         <p:cNvPr id="1" name="">
           <a:extLst>
             <a:ext uri="{FF2B5EF4-FFF2-40B4-BE49-F238E27FC236}">
+              <a16:creationId xmlns:a16="http://schemas.microsoft.com/office/drawing/2014/main" id="{A68D3828-A5E4-2ADF-D0C9-8437EF8F18BB}"/>
+            </a:ext>
+          </a:extLst>
+        </p:cNvPr>
+        <p:cNvGrpSpPr/>
+        <p:nvPr/>
+      </p:nvGrpSpPr>
+      <p:grpSpPr>
+        <a:xfrm>
+          <a:off x="0" y="0"/>
+          <a:ext cx="0" cy="0"/>
+          <a:chOff x="0" y="0"/>
+          <a:chExt cx="0" cy="0"/>
+        </a:xfrm>
+      </p:grpSpPr>
+      <p:sp>
+        <p:nvSpPr>
+          <p:cNvPr id="2" name="標題 1">
+            <a:extLst>
+              <a:ext uri="{FF2B5EF4-FFF2-40B4-BE49-F238E27FC236}">
+                <a16:creationId xmlns:a16="http://schemas.microsoft.com/office/drawing/2014/main" id="{3877F22C-9ADA-DE6F-16F1-5CE7C10C2579}"/>
+              </a:ext>
+            </a:extLst>
+          </p:cNvPr>
+          <p:cNvSpPr>
+            <a:spLocks noGrp="1"/>
+          </p:cNvSpPr>
+          <p:nvPr>
+            <p:ph type="title"/>
+          </p:nvPr>
+        </p:nvSpPr>
+        <p:spPr/>
+        <p:txBody>
+          <a:bodyPr/>
+          <a:lstStyle/>
+          <a:p>
+            <a:r>
+              <a:rPr lang="en-US" altLang="zh-TW" dirty="0"/>
+              <a:t>Proposed Algorithm - </a:t>
+            </a:r>
+            <a:r>
+              <a:rPr lang="en-US" altLang="zh-TW" sz="3200" dirty="0"/>
+              <a:t>StWL Optimization in GP</a:t>
+            </a:r>
+            <a:endParaRPr lang="zh-TW" altLang="en-US" dirty="0"/>
+          </a:p>
+        </p:txBody>
+      </p:sp>
+      <p:sp>
+        <p:nvSpPr>
+          <p:cNvPr id="3" name="內容版面配置區 2">
+            <a:extLst>
+              <a:ext uri="{FF2B5EF4-FFF2-40B4-BE49-F238E27FC236}">
+                <a16:creationId xmlns:a16="http://schemas.microsoft.com/office/drawing/2014/main" id="{D5AA7BD3-8D31-9F36-639F-6AE1D2A0BF34}"/>
+              </a:ext>
+            </a:extLst>
+          </p:cNvPr>
+          <p:cNvSpPr>
+            <a:spLocks noGrp="1"/>
+          </p:cNvSpPr>
+          <p:nvPr>
+            <p:ph idx="1"/>
+          </p:nvPr>
+        </p:nvSpPr>
+        <p:spPr/>
+        <p:txBody>
+          <a:bodyPr>
+            <a:normAutofit/>
+          </a:bodyPr>
+          <a:lstStyle/>
+          <a:p>
+            <a:pPr marL="0" indent="0">
+              <a:buNone/>
+            </a:pPr>
+            <a:r>
+              <a:rPr lang="en-US" altLang="zh-TW" sz="2200" b="1" dirty="0"/>
+              <a:t>(2)</a:t>
+            </a:r>
+            <a:r>
+              <a:rPr lang="zh-TW" altLang="en-US" sz="2200" b="1" dirty="0"/>
+              <a:t>  </a:t>
+            </a:r>
+            <a:r>
+              <a:rPr lang="en-US" altLang="zh-TW" sz="2200" b="1" dirty="0"/>
+              <a:t>RSMT segments division</a:t>
+            </a:r>
+          </a:p>
+          <a:p>
+            <a:pPr marL="0" indent="0">
+              <a:buNone/>
+            </a:pPr>
+            <a:endParaRPr lang="en-US" altLang="zh-TW" sz="400" b="1" dirty="0"/>
+          </a:p>
+          <a:p>
+            <a:pPr lvl="1">
+              <a:lnSpc>
+                <a:spcPct val="150000"/>
+              </a:lnSpc>
+            </a:pPr>
+            <a:r>
+              <a:rPr lang="en-US" altLang="zh-TW" sz="2000" dirty="0">
+                <a:latin typeface="+mj-lt"/>
+              </a:rPr>
+              <a:t>The green arrow is the gradient from the WA wirelength model </a:t>
+            </a:r>
+          </a:p>
+          <a:p>
+            <a:pPr lvl="2">
+              <a:lnSpc>
+                <a:spcPct val="150000"/>
+              </a:lnSpc>
+            </a:pPr>
+            <a:r>
+              <a:rPr lang="en-US" altLang="zh-TW" sz="1600" dirty="0">
+                <a:latin typeface="+mj-lt"/>
+              </a:rPr>
+              <a:t>Computational efficiency.</a:t>
+            </a:r>
+          </a:p>
+          <a:p>
+            <a:pPr lvl="2">
+              <a:lnSpc>
+                <a:spcPct val="150000"/>
+              </a:lnSpc>
+            </a:pPr>
+            <a:r>
+              <a:rPr lang="en-US" altLang="zh-TW" sz="1600" dirty="0">
+                <a:latin typeface="+mj-lt"/>
+              </a:rPr>
+              <a:t>Gradient values and directions are pretty close to those provided by StWL model.</a:t>
+            </a:r>
+          </a:p>
+          <a:p>
+            <a:pPr lvl="2">
+              <a:lnSpc>
+                <a:spcPct val="150000"/>
+              </a:lnSpc>
+            </a:pPr>
+            <a:endParaRPr lang="en-US" altLang="zh-TW" sz="500" dirty="0">
+              <a:latin typeface="+mj-lt"/>
+            </a:endParaRPr>
+          </a:p>
+          <a:p>
+            <a:pPr lvl="1">
+              <a:lnSpc>
+                <a:spcPct val="150000"/>
+              </a:lnSpc>
+            </a:pPr>
+            <a:r>
+              <a:rPr lang="en-US" altLang="zh-TW" sz="2000" dirty="0">
+                <a:latin typeface="+mj-lt"/>
+              </a:rPr>
+              <a:t>To avoids a large number of routing topology analyses.</a:t>
+            </a:r>
+          </a:p>
+          <a:p>
+            <a:pPr lvl="2">
+              <a:lnSpc>
+                <a:spcPct val="150000"/>
+              </a:lnSpc>
+            </a:pPr>
+            <a:r>
+              <a:rPr lang="en-US" altLang="zh-TW" sz="1600" dirty="0">
+                <a:latin typeface="+mj-lt"/>
+              </a:rPr>
+              <a:t>The arrows between p3 and vs1, p5 and vs2 in the brown </a:t>
+            </a:r>
+          </a:p>
+          <a:p>
+            <a:pPr marL="914400" lvl="2" indent="0">
+              <a:lnSpc>
+                <a:spcPct val="150000"/>
+              </a:lnSpc>
+              <a:buNone/>
+            </a:pPr>
+            <a:r>
+              <a:rPr lang="en-US" altLang="zh-TW" sz="1600" dirty="0">
+                <a:latin typeface="+mj-lt"/>
+              </a:rPr>
+              <a:t>     box are the inner gradient for this 6-pin net.</a:t>
+            </a:r>
+          </a:p>
+        </p:txBody>
+      </p:sp>
+      <p:sp>
+        <p:nvSpPr>
+          <p:cNvPr id="4" name="投影片編號版面配置區 3">
+            <a:extLst>
+              <a:ext uri="{FF2B5EF4-FFF2-40B4-BE49-F238E27FC236}">
+                <a16:creationId xmlns:a16="http://schemas.microsoft.com/office/drawing/2014/main" id="{CB5CB808-F672-CCA0-9EBD-A275B9A0C14B}"/>
+              </a:ext>
+            </a:extLst>
+          </p:cNvPr>
+          <p:cNvSpPr>
+            <a:spLocks noGrp="1"/>
+          </p:cNvSpPr>
+          <p:nvPr>
+            <p:ph type="sldNum" sz="quarter" idx="12"/>
+          </p:nvPr>
+        </p:nvSpPr>
+        <p:spPr/>
+        <p:txBody>
+          <a:bodyPr/>
+          <a:lstStyle/>
+          <a:p>
+            <a:fld id="{666274A1-CF9C-426A-8DD4-B13ED0C24231}" type="slidenum">
+              <a:rPr lang="en-US" smtClean="0"/>
+              <a:t>12</a:t>
+            </a:fld>
+            <a:endParaRPr lang="en-US"/>
+          </a:p>
+        </p:txBody>
+      </p:sp>
+      <p:grpSp>
+        <p:nvGrpSpPr>
+          <p:cNvPr id="12" name="群組 11">
+            <a:extLst>
+              <a:ext uri="{FF2B5EF4-FFF2-40B4-BE49-F238E27FC236}">
+                <a16:creationId xmlns:a16="http://schemas.microsoft.com/office/drawing/2014/main" id="{B1B6CCF5-575C-0D8F-7E53-DD244EFD98CC}"/>
+              </a:ext>
+            </a:extLst>
+          </p:cNvPr>
+          <p:cNvGrpSpPr/>
+          <p:nvPr/>
+        </p:nvGrpSpPr>
+        <p:grpSpPr>
+          <a:xfrm>
+            <a:off x="7249754" y="4367213"/>
+            <a:ext cx="4597341" cy="2354262"/>
+            <a:chOff x="5308659" y="2993818"/>
+            <a:chExt cx="6233310" cy="3324225"/>
+          </a:xfrm>
+        </p:grpSpPr>
+        <p:pic>
+          <p:nvPicPr>
+            <p:cNvPr id="13" name="圖片 12">
+              <a:extLst>
+                <a:ext uri="{FF2B5EF4-FFF2-40B4-BE49-F238E27FC236}">
+                  <a16:creationId xmlns:a16="http://schemas.microsoft.com/office/drawing/2014/main" id="{9E36AB84-E728-8F68-68CD-54CCFD16CE88}"/>
+                </a:ext>
+              </a:extLst>
+            </p:cNvPr>
+            <p:cNvPicPr>
+              <a:picLocks noChangeAspect="1"/>
+            </p:cNvPicPr>
+            <p:nvPr/>
+          </p:nvPicPr>
+          <p:blipFill rotWithShape="1">
+            <a:blip r:embed="rId3"/>
+            <a:srcRect t="1431"/>
+            <a:stretch/>
+          </p:blipFill>
+          <p:spPr>
+            <a:xfrm>
+              <a:off x="5308659" y="2993818"/>
+              <a:ext cx="6233310" cy="3324225"/>
+            </a:xfrm>
+            <a:prstGeom prst="rect">
+              <a:avLst/>
+            </a:prstGeom>
+          </p:spPr>
+        </p:pic>
+        <p:sp>
+          <p:nvSpPr>
+            <p:cNvPr id="14" name="文字方塊 13">
+              <a:extLst>
+                <a:ext uri="{FF2B5EF4-FFF2-40B4-BE49-F238E27FC236}">
+                  <a16:creationId xmlns:a16="http://schemas.microsoft.com/office/drawing/2014/main" id="{CE5EBA37-AD53-C662-112B-C2B8AE7B60A0}"/>
+                </a:ext>
+              </a:extLst>
+            </p:cNvPr>
+            <p:cNvSpPr txBox="1"/>
+            <p:nvPr/>
+          </p:nvSpPr>
+          <p:spPr>
+            <a:xfrm>
+              <a:off x="6343048" y="3955983"/>
+              <a:ext cx="671979" cy="369332"/>
+            </a:xfrm>
+            <a:prstGeom prst="rect">
+              <a:avLst/>
+            </a:prstGeom>
+            <a:noFill/>
+          </p:spPr>
+          <p:txBody>
+            <a:bodyPr wrap="none" rtlCol="0">
+              <a:spAutoFit/>
+            </a:bodyPr>
+            <a:lstStyle/>
+            <a:p>
+              <a:r>
+                <a:rPr lang="en-US" altLang="zh-TW" dirty="0"/>
+                <a:t>trunk</a:t>
+              </a:r>
+              <a:endParaRPr lang="zh-TW" altLang="en-US" dirty="0"/>
+            </a:p>
+          </p:txBody>
+        </p:sp>
+        <p:sp>
+          <p:nvSpPr>
+            <p:cNvPr id="15" name="文字方塊 14">
+              <a:extLst>
+                <a:ext uri="{FF2B5EF4-FFF2-40B4-BE49-F238E27FC236}">
+                  <a16:creationId xmlns:a16="http://schemas.microsoft.com/office/drawing/2014/main" id="{343F5245-6538-83AB-6BC5-983C35683223}"/>
+                </a:ext>
+              </a:extLst>
+            </p:cNvPr>
+            <p:cNvSpPr txBox="1"/>
+            <p:nvPr/>
+          </p:nvSpPr>
+          <p:spPr>
+            <a:xfrm>
+              <a:off x="6437697" y="4868668"/>
+              <a:ext cx="813043" cy="369332"/>
+            </a:xfrm>
+            <a:prstGeom prst="rect">
+              <a:avLst/>
+            </a:prstGeom>
+            <a:noFill/>
+          </p:spPr>
+          <p:txBody>
+            <a:bodyPr wrap="none" rtlCol="0">
+              <a:spAutoFit/>
+            </a:bodyPr>
+            <a:lstStyle/>
+            <a:p>
+              <a:r>
+                <a:rPr lang="en-US" altLang="zh-TW" dirty="0">
+                  <a:solidFill>
+                    <a:srgbClr val="00B0F0"/>
+                  </a:solidFill>
+                </a:rPr>
+                <a:t>branch</a:t>
+              </a:r>
+              <a:endParaRPr lang="zh-TW" altLang="en-US" dirty="0">
+                <a:solidFill>
+                  <a:srgbClr val="00B0F0"/>
+                </a:solidFill>
+              </a:endParaRPr>
+            </a:p>
+          </p:txBody>
+        </p:sp>
+      </p:grpSp>
+    </p:spTree>
+    <p:extLst>
+      <p:ext uri="{BB962C8B-B14F-4D97-AF65-F5344CB8AC3E}">
+        <p14:creationId xmlns:p14="http://schemas.microsoft.com/office/powerpoint/2010/main" val="3571637749"/>
+      </p:ext>
+    </p:extLst>
+  </p:cSld>
+  <p:clrMapOvr>
+    <a:masterClrMapping/>
+  </p:clrMapOvr>
+</p:sld>
+</file>
+
+<file path=ppt/slides/slide14.xml><?xml version="1.0" encoding="utf-8"?>
+<p:sld xmlns:a="http://schemas.openxmlformats.org/drawingml/2006/main" xmlns:r="http://schemas.openxmlformats.org/officeDocument/2006/relationships" xmlns:p="http://schemas.openxmlformats.org/presentationml/2006/main">
+  <p:cSld>
+    <p:spTree>
+      <p:nvGrpSpPr>
+        <p:cNvPr id="1" name="">
+          <a:extLst>
+            <a:ext uri="{FF2B5EF4-FFF2-40B4-BE49-F238E27FC236}">
               <a16:creationId xmlns:a16="http://schemas.microsoft.com/office/drawing/2014/main" id="{A697730E-8EF6-3EB8-210B-5D9D76198354}"/>
             </a:ext>
           </a:extLst>
@@ -9191,7 +10155,7 @@
           <a:p>
             <a:fld id="{666274A1-CF9C-426A-8DD4-B13ED0C24231}" type="slidenum">
               <a:rPr lang="en-US" smtClean="0"/>
-              <a:t>12</a:t>
+              <a:t>13</a:t>
             </a:fld>
             <a:endParaRPr lang="en-US"/>
           </a:p>
@@ -9211,8 +10175,8 @@
         </p:nvGrpSpPr>
         <p:grpSpPr>
           <a:xfrm>
-            <a:off x="7076499" y="4367213"/>
-            <a:ext cx="4597341" cy="2354262"/>
+            <a:off x="7404301" y="4533499"/>
+            <a:ext cx="4269539" cy="2187976"/>
             <a:chOff x="5308659" y="2993818"/>
             <a:chExt cx="6233310" cy="3324225"/>
           </a:xfrm>
@@ -9541,374 +10505,293 @@
           </p:sp>
         </mc:Fallback>
       </mc:AlternateContent>
+      <mc:AlternateContent xmlns:mc="http://schemas.openxmlformats.org/markup-compatibility/2006" xmlns:a14="http://schemas.microsoft.com/office/drawing/2010/main">
+        <mc:Choice Requires="a14">
+          <p:sp>
+            <p:nvSpPr>
+              <p:cNvPr id="5" name="文字方塊 4">
+                <a:extLst>
+                  <a:ext uri="{FF2B5EF4-FFF2-40B4-BE49-F238E27FC236}">
+                    <a16:creationId xmlns:a16="http://schemas.microsoft.com/office/drawing/2014/main" id="{A817C2D3-67ED-7747-43AC-ED3C6BFCCC54}"/>
+                  </a:ext>
+                </a:extLst>
+              </p:cNvPr>
+              <p:cNvSpPr txBox="1"/>
+              <p:nvPr/>
+            </p:nvSpPr>
+            <p:spPr>
+              <a:xfrm>
+                <a:off x="6703261" y="1722550"/>
+                <a:ext cx="4597341" cy="401520"/>
+              </a:xfrm>
+              <a:prstGeom prst="rect">
+                <a:avLst/>
+              </a:prstGeom>
+              <a:noFill/>
+              <a:ln>
+                <a:solidFill>
+                  <a:schemeClr val="tx1"/>
+                </a:solidFill>
+              </a:ln>
+            </p:spPr>
+            <p:txBody>
+              <a:bodyPr wrap="square" rtlCol="0">
+                <a:spAutoFit/>
+              </a:bodyPr>
+              <a:lstStyle/>
+              <a:p>
+                <a:r>
+                  <a:rPr lang="en-US" altLang="zh-TW" dirty="0"/>
+                  <a:t>Objective function:  </a:t>
+                </a:r>
+                <a14:m>
+                  <m:oMath xmlns:m="http://schemas.openxmlformats.org/officeDocument/2006/math">
+                    <m:sPre>
+                      <m:sPrePr>
+                        <m:ctrlPr>
+                          <a:rPr lang="en-US" altLang="zh-TW" sz="1400" i="1" smtClean="0">
+                            <a:latin typeface="Cambria Math" panose="02040503050406030204" pitchFamily="18" charset="0"/>
+                          </a:rPr>
+                        </m:ctrlPr>
+                      </m:sPrePr>
+                      <m:sub>
+                        <m:r>
+                          <a:rPr lang="en-US" altLang="zh-TW" sz="1400" b="0" i="1" smtClean="0">
+                            <a:latin typeface="Cambria Math" panose="02040503050406030204" pitchFamily="18" charset="0"/>
+                          </a:rPr>
+                          <m:t>(</m:t>
+                        </m:r>
+                        <m:r>
+                          <a:rPr lang="en-US" altLang="zh-TW" sz="1400" b="0" i="1" smtClean="0">
+                            <a:latin typeface="Cambria Math" panose="02040503050406030204" pitchFamily="18" charset="0"/>
+                          </a:rPr>
+                          <m:t>𝑥</m:t>
+                        </m:r>
+                        <m:r>
+                          <a:rPr lang="en-US" altLang="zh-TW" sz="1400" b="0" i="1" smtClean="0">
+                            <a:latin typeface="Cambria Math" panose="02040503050406030204" pitchFamily="18" charset="0"/>
+                          </a:rPr>
+                          <m:t>,</m:t>
+                        </m:r>
+                        <m:r>
+                          <a:rPr lang="en-US" altLang="zh-TW" sz="1400" b="0" i="1" smtClean="0">
+                            <a:latin typeface="Cambria Math" panose="02040503050406030204" pitchFamily="18" charset="0"/>
+                          </a:rPr>
+                          <m:t>𝑦</m:t>
+                        </m:r>
+                        <m:r>
+                          <a:rPr lang="en-US" altLang="zh-TW" sz="1400" b="0" i="1" smtClean="0">
+                            <a:latin typeface="Cambria Math" panose="02040503050406030204" pitchFamily="18" charset="0"/>
+                          </a:rPr>
+                          <m:t>)</m:t>
+                        </m:r>
+                      </m:sub>
+                      <m:sup>
+                        <m:r>
+                          <a:rPr lang="en-US" altLang="zh-TW" sz="1400" b="0" i="1" smtClean="0">
+                            <a:latin typeface="Cambria Math" panose="02040503050406030204" pitchFamily="18" charset="0"/>
+                          </a:rPr>
+                          <m:t>𝑚𝑖𝑛</m:t>
+                        </m:r>
+                      </m:sup>
+                      <m:e>
+                        <m:nary>
+                          <m:naryPr>
+                            <m:chr m:val="∑"/>
+                            <m:supHide m:val="on"/>
+                            <m:ctrlPr>
+                              <a:rPr lang="zh-TW" altLang="en-US" sz="1400" i="1" smtClean="0">
+                                <a:latin typeface="Cambria Math" panose="02040503050406030204" pitchFamily="18" charset="0"/>
+                              </a:rPr>
+                            </m:ctrlPr>
+                          </m:naryPr>
+                          <m:sub>
+                            <m:r>
+                              <m:rPr>
+                                <m:brk m:alnAt="7"/>
+                              </m:rPr>
+                              <a:rPr lang="en-US" altLang="zh-TW" sz="1400" b="0" i="1" smtClean="0">
+                                <a:latin typeface="Cambria Math" panose="02040503050406030204" pitchFamily="18" charset="0"/>
+                              </a:rPr>
+                              <m:t>𝑒</m:t>
+                            </m:r>
+                            <m:r>
+                              <a:rPr lang="en-US" altLang="zh-TW" sz="1400" b="0" i="1" smtClean="0">
+                                <a:latin typeface="Cambria Math" panose="02040503050406030204" pitchFamily="18" charset="0"/>
+                                <a:ea typeface="Cambria Math" panose="02040503050406030204" pitchFamily="18" charset="0"/>
+                              </a:rPr>
+                              <m:t>∈</m:t>
+                            </m:r>
+                            <m:r>
+                              <a:rPr lang="en-US" altLang="zh-TW" sz="1400" b="0" i="1" smtClean="0">
+                                <a:latin typeface="Cambria Math" panose="02040503050406030204" pitchFamily="18" charset="0"/>
+                                <a:ea typeface="Cambria Math" panose="02040503050406030204" pitchFamily="18" charset="0"/>
+                              </a:rPr>
+                              <m:t>𝐸</m:t>
+                            </m:r>
+                          </m:sub>
+                          <m:sup/>
+                          <m:e>
+                            <m:r>
+                              <a:rPr lang="en-US" altLang="zh-TW" sz="1400" b="0" i="1" smtClean="0">
+                                <a:latin typeface="Cambria Math" panose="02040503050406030204" pitchFamily="18" charset="0"/>
+                              </a:rPr>
+                              <m:t>𝑊𝐿</m:t>
+                            </m:r>
+                            <m:d>
+                              <m:dPr>
+                                <m:ctrlPr>
+                                  <a:rPr lang="en-US" altLang="zh-TW" sz="1400" b="0" i="1" smtClean="0">
+                                    <a:latin typeface="Cambria Math" panose="02040503050406030204" pitchFamily="18" charset="0"/>
+                                  </a:rPr>
+                                </m:ctrlPr>
+                              </m:dPr>
+                              <m:e>
+                                <m:r>
+                                  <a:rPr lang="en-US" altLang="zh-TW" sz="1400" b="0" i="1" smtClean="0">
+                                    <a:latin typeface="Cambria Math" panose="02040503050406030204" pitchFamily="18" charset="0"/>
+                                  </a:rPr>
+                                  <m:t>𝑒</m:t>
+                                </m:r>
+                                <m:r>
+                                  <a:rPr lang="en-US" altLang="zh-TW" sz="1400" b="0" i="1" smtClean="0">
+                                    <a:latin typeface="Cambria Math" panose="02040503050406030204" pitchFamily="18" charset="0"/>
+                                  </a:rPr>
+                                  <m:t>;</m:t>
+                                </m:r>
+                                <m:r>
+                                  <a:rPr lang="en-US" altLang="zh-TW" sz="1400" b="0" i="1" smtClean="0">
+                                    <a:latin typeface="Cambria Math" panose="02040503050406030204" pitchFamily="18" charset="0"/>
+                                  </a:rPr>
+                                  <m:t>𝑥</m:t>
+                                </m:r>
+                                <m:r>
+                                  <a:rPr lang="en-US" altLang="zh-TW" sz="1400" b="0" i="1" smtClean="0">
+                                    <a:latin typeface="Cambria Math" panose="02040503050406030204" pitchFamily="18" charset="0"/>
+                                  </a:rPr>
+                                  <m:t>,</m:t>
+                                </m:r>
+                                <m:r>
+                                  <a:rPr lang="en-US" altLang="zh-TW" sz="1400" b="0" i="1" smtClean="0">
+                                    <a:latin typeface="Cambria Math" panose="02040503050406030204" pitchFamily="18" charset="0"/>
+                                  </a:rPr>
+                                  <m:t>𝑦</m:t>
+                                </m:r>
+                              </m:e>
+                            </m:d>
+                            <m:r>
+                              <a:rPr lang="en-US" altLang="zh-TW" sz="1400" b="0" i="1" smtClean="0">
+                                <a:latin typeface="Cambria Math" panose="02040503050406030204" pitchFamily="18" charset="0"/>
+                              </a:rPr>
+                              <m:t>+</m:t>
+                            </m:r>
+                            <m:r>
+                              <a:rPr lang="zh-TW" altLang="en-US" sz="1400" b="0" i="1" smtClean="0">
+                                <a:latin typeface="Cambria Math" panose="02040503050406030204" pitchFamily="18" charset="0"/>
+                              </a:rPr>
+                              <m:t>𝜆</m:t>
+                            </m:r>
+                            <m:r>
+                              <a:rPr lang="en-US" altLang="zh-TW" sz="1400" b="0" i="1" smtClean="0">
+                                <a:latin typeface="Cambria Math" panose="02040503050406030204" pitchFamily="18" charset="0"/>
+                              </a:rPr>
+                              <m:t>𝐷</m:t>
+                            </m:r>
+                            <m:r>
+                              <a:rPr lang="en-US" altLang="zh-TW" sz="1400" b="0" i="1" smtClean="0">
+                                <a:latin typeface="Cambria Math" panose="02040503050406030204" pitchFamily="18" charset="0"/>
+                              </a:rPr>
+                              <m:t>(</m:t>
+                            </m:r>
+                            <m:r>
+                              <a:rPr lang="en-US" altLang="zh-TW" sz="1400" b="0" i="1" smtClean="0">
+                                <a:latin typeface="Cambria Math" panose="02040503050406030204" pitchFamily="18" charset="0"/>
+                              </a:rPr>
+                              <m:t>𝑥</m:t>
+                            </m:r>
+                            <m:r>
+                              <a:rPr lang="en-US" altLang="zh-TW" sz="1400" b="0" i="1" smtClean="0">
+                                <a:latin typeface="Cambria Math" panose="02040503050406030204" pitchFamily="18" charset="0"/>
+                              </a:rPr>
+                              <m:t>,</m:t>
+                            </m:r>
+                            <m:r>
+                              <a:rPr lang="en-US" altLang="zh-TW" sz="1400" b="0" i="1" smtClean="0">
+                                <a:latin typeface="Cambria Math" panose="02040503050406030204" pitchFamily="18" charset="0"/>
+                              </a:rPr>
+                              <m:t>𝑦</m:t>
+                            </m:r>
+                            <m:r>
+                              <a:rPr lang="en-US" altLang="zh-TW" sz="1400" b="0" i="1" smtClean="0">
+                                <a:latin typeface="Cambria Math" panose="02040503050406030204" pitchFamily="18" charset="0"/>
+                              </a:rPr>
+                              <m:t>)</m:t>
+                            </m:r>
+                          </m:e>
+                        </m:nary>
+                      </m:e>
+                    </m:sPre>
+                  </m:oMath>
+                </a14:m>
+                <a:endParaRPr lang="zh-TW" altLang="en-US" dirty="0"/>
+              </a:p>
+            </p:txBody>
+          </p:sp>
+        </mc:Choice>
+        <mc:Fallback xmlns="">
+          <p:sp>
+            <p:nvSpPr>
+              <p:cNvPr id="5" name="文字方塊 4">
+                <a:extLst>
+                  <a:ext uri="{FF2B5EF4-FFF2-40B4-BE49-F238E27FC236}">
+                    <a16:creationId xmlns:a16="http://schemas.microsoft.com/office/drawing/2014/main" id="{A817C2D3-67ED-7747-43AC-ED3C6BFCCC54}"/>
+                  </a:ext>
+                </a:extLst>
+              </p:cNvPr>
+              <p:cNvSpPr txBox="1">
+                <a:spLocks noRot="1" noChangeAspect="1" noMove="1" noResize="1" noEditPoints="1" noAdjustHandles="1" noChangeArrowheads="1" noChangeShapeType="1" noTextEdit="1"/>
+              </p:cNvSpPr>
+              <p:nvPr/>
+            </p:nvSpPr>
+            <p:spPr>
+              <a:xfrm>
+                <a:off x="6703261" y="1722550"/>
+                <a:ext cx="4597341" cy="401520"/>
+              </a:xfrm>
+              <a:prstGeom prst="rect">
+                <a:avLst/>
+              </a:prstGeom>
+              <a:blipFill>
+                <a:blip r:embed="rId6"/>
+                <a:stretch>
+                  <a:fillRect l="-1058" t="-64179" b="-108955"/>
+                </a:stretch>
+              </a:blipFill>
+              <a:ln>
+                <a:solidFill>
+                  <a:schemeClr val="tx1"/>
+                </a:solidFill>
+              </a:ln>
+            </p:spPr>
+            <p:txBody>
+              <a:bodyPr/>
+              <a:lstStyle/>
+              <a:p>
+                <a:r>
+                  <a:rPr lang="zh-TW" altLang="en-US">
+                    <a:noFill/>
+                  </a:rPr>
+                  <a:t> </a:t>
+                </a:r>
+              </a:p>
+            </p:txBody>
+          </p:sp>
+        </mc:Fallback>
+      </mc:AlternateContent>
     </p:spTree>
     <p:extLst>
       <p:ext uri="{BB962C8B-B14F-4D97-AF65-F5344CB8AC3E}">
         <p14:creationId xmlns:p14="http://schemas.microsoft.com/office/powerpoint/2010/main" val="3193431637"/>
-      </p:ext>
-    </p:extLst>
-  </p:cSld>
-  <p:clrMapOvr>
-    <a:masterClrMapping/>
-  </p:clrMapOvr>
-</p:sld>
-</file>
-
-<file path=ppt/slides/slide14.xml><?xml version="1.0" encoding="utf-8"?>
-<p:sld xmlns:a="http://schemas.openxmlformats.org/drawingml/2006/main" xmlns:r="http://schemas.openxmlformats.org/officeDocument/2006/relationships" xmlns:p="http://schemas.openxmlformats.org/presentationml/2006/main">
-  <p:cSld>
-    <p:spTree>
-      <p:nvGrpSpPr>
-        <p:cNvPr id="1" name="">
-          <a:extLst>
-            <a:ext uri="{FF2B5EF4-FFF2-40B4-BE49-F238E27FC236}">
-              <a16:creationId xmlns:a16="http://schemas.microsoft.com/office/drawing/2014/main" id="{A68D3828-A5E4-2ADF-D0C9-8437EF8F18BB}"/>
-            </a:ext>
-          </a:extLst>
-        </p:cNvPr>
-        <p:cNvGrpSpPr/>
-        <p:nvPr/>
-      </p:nvGrpSpPr>
-      <p:grpSpPr>
-        <a:xfrm>
-          <a:off x="0" y="0"/>
-          <a:ext cx="0" cy="0"/>
-          <a:chOff x="0" y="0"/>
-          <a:chExt cx="0" cy="0"/>
-        </a:xfrm>
-      </p:grpSpPr>
-      <p:sp>
-        <p:nvSpPr>
-          <p:cNvPr id="2" name="標題 1">
-            <a:extLst>
-              <a:ext uri="{FF2B5EF4-FFF2-40B4-BE49-F238E27FC236}">
-                <a16:creationId xmlns:a16="http://schemas.microsoft.com/office/drawing/2014/main" id="{3877F22C-9ADA-DE6F-16F1-5CE7C10C2579}"/>
-              </a:ext>
-            </a:extLst>
-          </p:cNvPr>
-          <p:cNvSpPr>
-            <a:spLocks noGrp="1"/>
-          </p:cNvSpPr>
-          <p:nvPr>
-            <p:ph type="title"/>
-          </p:nvPr>
-        </p:nvSpPr>
-        <p:spPr/>
-        <p:txBody>
-          <a:bodyPr/>
-          <a:lstStyle/>
-          <a:p>
-            <a:r>
-              <a:rPr lang="en-US" altLang="zh-TW" dirty="0"/>
-              <a:t>Proposed Algorithm - </a:t>
-            </a:r>
-            <a:r>
-              <a:rPr lang="en-US" altLang="zh-TW" sz="3200" dirty="0"/>
-              <a:t>StWL Optimization in GP</a:t>
-            </a:r>
-            <a:endParaRPr lang="zh-TW" altLang="en-US" dirty="0"/>
-          </a:p>
-        </p:txBody>
-      </p:sp>
-      <p:sp>
-        <p:nvSpPr>
-          <p:cNvPr id="3" name="內容版面配置區 2">
-            <a:extLst>
-              <a:ext uri="{FF2B5EF4-FFF2-40B4-BE49-F238E27FC236}">
-                <a16:creationId xmlns:a16="http://schemas.microsoft.com/office/drawing/2014/main" id="{D5AA7BD3-8D31-9F36-639F-6AE1D2A0BF34}"/>
-              </a:ext>
-            </a:extLst>
-          </p:cNvPr>
-          <p:cNvSpPr>
-            <a:spLocks noGrp="1"/>
-          </p:cNvSpPr>
-          <p:nvPr>
-            <p:ph idx="1"/>
-          </p:nvPr>
-        </p:nvSpPr>
-        <p:spPr/>
-        <p:txBody>
-          <a:bodyPr>
-            <a:normAutofit/>
-          </a:bodyPr>
-          <a:lstStyle/>
-          <a:p>
-            <a:pPr marL="0" indent="0">
-              <a:buNone/>
-            </a:pPr>
-            <a:r>
-              <a:rPr lang="en-US" altLang="zh-TW" sz="2200" b="1" dirty="0"/>
-              <a:t>(2)</a:t>
-            </a:r>
-            <a:r>
-              <a:rPr lang="zh-TW" altLang="en-US" sz="2200" b="1" dirty="0"/>
-              <a:t>  </a:t>
-            </a:r>
-            <a:r>
-              <a:rPr lang="en-US" altLang="zh-TW" sz="2200" b="1" dirty="0"/>
-              <a:t>RSMT segments division</a:t>
-            </a:r>
-          </a:p>
-          <a:p>
-            <a:pPr marL="0" indent="0">
-              <a:buNone/>
-            </a:pPr>
-            <a:endParaRPr lang="en-US" altLang="zh-TW" sz="400" b="1" dirty="0"/>
-          </a:p>
-          <a:p>
-            <a:pPr lvl="1">
-              <a:lnSpc>
-                <a:spcPct val="150000"/>
-              </a:lnSpc>
-            </a:pPr>
-            <a:r>
-              <a:rPr lang="en-US" altLang="zh-TW" sz="2000" dirty="0">
-                <a:latin typeface="+mj-lt"/>
-              </a:rPr>
-              <a:t>The green arrow is the gradient from the WA wirelength model </a:t>
-            </a:r>
-          </a:p>
-          <a:p>
-            <a:pPr lvl="2">
-              <a:lnSpc>
-                <a:spcPct val="150000"/>
-              </a:lnSpc>
-            </a:pPr>
-            <a:r>
-              <a:rPr lang="en-US" altLang="zh-TW" sz="1600" dirty="0">
-                <a:latin typeface="+mj-lt"/>
-              </a:rPr>
-              <a:t>Computational efficiency.</a:t>
-            </a:r>
-          </a:p>
-          <a:p>
-            <a:pPr lvl="2">
-              <a:lnSpc>
-                <a:spcPct val="150000"/>
-              </a:lnSpc>
-            </a:pPr>
-            <a:r>
-              <a:rPr lang="en-US" altLang="zh-TW" sz="1600" dirty="0">
-                <a:latin typeface="+mj-lt"/>
-              </a:rPr>
-              <a:t>Gradient values and directions are pretty close to those provided by StWL model.</a:t>
-            </a:r>
-          </a:p>
-          <a:p>
-            <a:pPr lvl="2">
-              <a:lnSpc>
-                <a:spcPct val="150000"/>
-              </a:lnSpc>
-            </a:pPr>
-            <a:endParaRPr lang="en-US" altLang="zh-TW" sz="500" dirty="0">
-              <a:latin typeface="+mj-lt"/>
-            </a:endParaRPr>
-          </a:p>
-          <a:p>
-            <a:pPr lvl="1">
-              <a:lnSpc>
-                <a:spcPct val="150000"/>
-              </a:lnSpc>
-            </a:pPr>
-            <a:r>
-              <a:rPr lang="en-US" altLang="zh-TW" sz="2000" dirty="0">
-                <a:latin typeface="+mj-lt"/>
-              </a:rPr>
-              <a:t>To avoids a large number of routing topology analyses.</a:t>
-            </a:r>
-          </a:p>
-          <a:p>
-            <a:pPr lvl="2">
-              <a:lnSpc>
-                <a:spcPct val="150000"/>
-              </a:lnSpc>
-            </a:pPr>
-            <a:r>
-              <a:rPr lang="en-US" altLang="zh-TW" sz="1600" dirty="0">
-                <a:latin typeface="+mj-lt"/>
-              </a:rPr>
-              <a:t>The arrows between p3 and vs1, p5 and vs2 in the brown </a:t>
-            </a:r>
-          </a:p>
-          <a:p>
-            <a:pPr marL="914400" lvl="2" indent="0">
-              <a:lnSpc>
-                <a:spcPct val="150000"/>
-              </a:lnSpc>
-              <a:buNone/>
-            </a:pPr>
-            <a:r>
-              <a:rPr lang="en-US" altLang="zh-TW" sz="1600" dirty="0">
-                <a:latin typeface="+mj-lt"/>
-              </a:rPr>
-              <a:t>     box are the inner gradient for this 6-pin net.</a:t>
-            </a:r>
-          </a:p>
-        </p:txBody>
-      </p:sp>
-      <p:sp>
-        <p:nvSpPr>
-          <p:cNvPr id="4" name="投影片編號版面配置區 3">
-            <a:extLst>
-              <a:ext uri="{FF2B5EF4-FFF2-40B4-BE49-F238E27FC236}">
-                <a16:creationId xmlns:a16="http://schemas.microsoft.com/office/drawing/2014/main" id="{CB5CB808-F672-CCA0-9EBD-A275B9A0C14B}"/>
-              </a:ext>
-            </a:extLst>
-          </p:cNvPr>
-          <p:cNvSpPr>
-            <a:spLocks noGrp="1"/>
-          </p:cNvSpPr>
-          <p:nvPr>
-            <p:ph type="sldNum" sz="quarter" idx="12"/>
-          </p:nvPr>
-        </p:nvSpPr>
-        <p:spPr/>
-        <p:txBody>
-          <a:bodyPr/>
-          <a:lstStyle/>
-          <a:p>
-            <a:fld id="{666274A1-CF9C-426A-8DD4-B13ED0C24231}" type="slidenum">
-              <a:rPr lang="en-US" smtClean="0"/>
-              <a:t>13</a:t>
-            </a:fld>
-            <a:endParaRPr lang="en-US"/>
-          </a:p>
-        </p:txBody>
-      </p:sp>
-      <p:grpSp>
-        <p:nvGrpSpPr>
-          <p:cNvPr id="12" name="群組 11">
-            <a:extLst>
-              <a:ext uri="{FF2B5EF4-FFF2-40B4-BE49-F238E27FC236}">
-                <a16:creationId xmlns:a16="http://schemas.microsoft.com/office/drawing/2014/main" id="{B1B6CCF5-575C-0D8F-7E53-DD244EFD98CC}"/>
-              </a:ext>
-            </a:extLst>
-          </p:cNvPr>
-          <p:cNvGrpSpPr/>
-          <p:nvPr/>
-        </p:nvGrpSpPr>
-        <p:grpSpPr>
-          <a:xfrm>
-            <a:off x="7249754" y="4367213"/>
-            <a:ext cx="4597341" cy="2354262"/>
-            <a:chOff x="5308659" y="2993818"/>
-            <a:chExt cx="6233310" cy="3324225"/>
-          </a:xfrm>
-        </p:grpSpPr>
-        <p:pic>
-          <p:nvPicPr>
-            <p:cNvPr id="13" name="圖片 12">
-              <a:extLst>
-                <a:ext uri="{FF2B5EF4-FFF2-40B4-BE49-F238E27FC236}">
-                  <a16:creationId xmlns:a16="http://schemas.microsoft.com/office/drawing/2014/main" id="{9E36AB84-E728-8F68-68CD-54CCFD16CE88}"/>
-                </a:ext>
-              </a:extLst>
-            </p:cNvPr>
-            <p:cNvPicPr>
-              <a:picLocks noChangeAspect="1"/>
-            </p:cNvPicPr>
-            <p:nvPr/>
-          </p:nvPicPr>
-          <p:blipFill rotWithShape="1">
-            <a:blip r:embed="rId3"/>
-            <a:srcRect t="1431"/>
-            <a:stretch/>
-          </p:blipFill>
-          <p:spPr>
-            <a:xfrm>
-              <a:off x="5308659" y="2993818"/>
-              <a:ext cx="6233310" cy="3324225"/>
-            </a:xfrm>
-            <a:prstGeom prst="rect">
-              <a:avLst/>
-            </a:prstGeom>
-          </p:spPr>
-        </p:pic>
-        <p:sp>
-          <p:nvSpPr>
-            <p:cNvPr id="14" name="文字方塊 13">
-              <a:extLst>
-                <a:ext uri="{FF2B5EF4-FFF2-40B4-BE49-F238E27FC236}">
-                  <a16:creationId xmlns:a16="http://schemas.microsoft.com/office/drawing/2014/main" id="{CE5EBA37-AD53-C662-112B-C2B8AE7B60A0}"/>
-                </a:ext>
-              </a:extLst>
-            </p:cNvPr>
-            <p:cNvSpPr txBox="1"/>
-            <p:nvPr/>
-          </p:nvSpPr>
-          <p:spPr>
-            <a:xfrm>
-              <a:off x="6343048" y="3955983"/>
-              <a:ext cx="671979" cy="369332"/>
-            </a:xfrm>
-            <a:prstGeom prst="rect">
-              <a:avLst/>
-            </a:prstGeom>
-            <a:noFill/>
-          </p:spPr>
-          <p:txBody>
-            <a:bodyPr wrap="none" rtlCol="0">
-              <a:spAutoFit/>
-            </a:bodyPr>
-            <a:lstStyle/>
-            <a:p>
-              <a:r>
-                <a:rPr lang="en-US" altLang="zh-TW" dirty="0"/>
-                <a:t>trunk</a:t>
-              </a:r>
-              <a:endParaRPr lang="zh-TW" altLang="en-US" dirty="0"/>
-            </a:p>
-          </p:txBody>
-        </p:sp>
-        <p:sp>
-          <p:nvSpPr>
-            <p:cNvPr id="15" name="文字方塊 14">
-              <a:extLst>
-                <a:ext uri="{FF2B5EF4-FFF2-40B4-BE49-F238E27FC236}">
-                  <a16:creationId xmlns:a16="http://schemas.microsoft.com/office/drawing/2014/main" id="{343F5245-6538-83AB-6BC5-983C35683223}"/>
-                </a:ext>
-              </a:extLst>
-            </p:cNvPr>
-            <p:cNvSpPr txBox="1"/>
-            <p:nvPr/>
-          </p:nvSpPr>
-          <p:spPr>
-            <a:xfrm>
-              <a:off x="6437697" y="4868668"/>
-              <a:ext cx="813043" cy="369332"/>
-            </a:xfrm>
-            <a:prstGeom prst="rect">
-              <a:avLst/>
-            </a:prstGeom>
-            <a:noFill/>
-          </p:spPr>
-          <p:txBody>
-            <a:bodyPr wrap="none" rtlCol="0">
-              <a:spAutoFit/>
-            </a:bodyPr>
-            <a:lstStyle/>
-            <a:p>
-              <a:r>
-                <a:rPr lang="en-US" altLang="zh-TW" dirty="0">
-                  <a:solidFill>
-                    <a:srgbClr val="00B0F0"/>
-                  </a:solidFill>
-                </a:rPr>
-                <a:t>branch</a:t>
-              </a:r>
-              <a:endParaRPr lang="zh-TW" altLang="en-US" dirty="0">
-                <a:solidFill>
-                  <a:srgbClr val="00B0F0"/>
-                </a:solidFill>
-              </a:endParaRPr>
-            </a:p>
-          </p:txBody>
-        </p:sp>
-      </p:grpSp>
-    </p:spTree>
-    <p:extLst>
-      <p:ext uri="{BB962C8B-B14F-4D97-AF65-F5344CB8AC3E}">
-        <p14:creationId xmlns:p14="http://schemas.microsoft.com/office/powerpoint/2010/main" val="3571637749"/>
       </p:ext>
     </p:extLst>
   </p:cSld>
@@ -10031,7 +10914,7 @@
                   <a:rPr lang="en-US" altLang="zh-TW" sz="2000" dirty="0">
                     <a:latin typeface="+mj-lt"/>
                   </a:rPr>
-                  <a:t>For the interior pins, the hybrid Wirelength model can provide gradients to minimize the length of its corresponding segments.</a:t>
+                  <a:t>For the interior pins, the hybrid wirelength model can provide gradients to minimize the length of its corresponding segments.</a:t>
                 </a:r>
               </a:p>
               <a:p>
@@ -10117,7 +11000,7 @@
               <a:blipFill>
                 <a:blip r:embed="rId3"/>
                 <a:stretch>
-                  <a:fillRect l="-754" t="-1541"/>
+                  <a:fillRect l="-754" t="-1541" r="-986"/>
                 </a:stretch>
               </a:blipFill>
             </p:spPr>
@@ -10165,6 +11048,104 @@
           </a:p>
         </p:txBody>
       </p:sp>
+    </p:spTree>
+    <p:extLst>
+      <p:ext uri="{BB962C8B-B14F-4D97-AF65-F5344CB8AC3E}">
+        <p14:creationId xmlns:p14="http://schemas.microsoft.com/office/powerpoint/2010/main" val="3427306375"/>
+      </p:ext>
+    </p:extLst>
+  </p:cSld>
+  <p:clrMapOvr>
+    <a:masterClrMapping/>
+  </p:clrMapOvr>
+</p:sld>
+</file>
+
+<file path=ppt/slides/slide16.xml><?xml version="1.0" encoding="utf-8"?>
+<p:sld xmlns:a="http://schemas.openxmlformats.org/drawingml/2006/main" xmlns:r="http://schemas.openxmlformats.org/officeDocument/2006/relationships" xmlns:p="http://schemas.openxmlformats.org/presentationml/2006/main">
+  <p:cSld>
+    <p:spTree>
+      <p:nvGrpSpPr>
+        <p:cNvPr id="1" name="">
+          <a:extLst>
+            <a:ext uri="{FF2B5EF4-FFF2-40B4-BE49-F238E27FC236}">
+              <a16:creationId xmlns:a16="http://schemas.microsoft.com/office/drawing/2014/main" id="{0B5BB13D-C69E-59A2-05EB-E7F09FD744C5}"/>
+            </a:ext>
+          </a:extLst>
+        </p:cNvPr>
+        <p:cNvGrpSpPr/>
+        <p:nvPr/>
+      </p:nvGrpSpPr>
+      <p:grpSpPr>
+        <a:xfrm>
+          <a:off x="0" y="0"/>
+          <a:ext cx="0" cy="0"/>
+          <a:chOff x="0" y="0"/>
+          <a:chExt cx="0" cy="0"/>
+        </a:xfrm>
+      </p:grpSpPr>
+      <p:sp>
+        <p:nvSpPr>
+          <p:cNvPr id="2" name="標題 1">
+            <a:extLst>
+              <a:ext uri="{FF2B5EF4-FFF2-40B4-BE49-F238E27FC236}">
+                <a16:creationId xmlns:a16="http://schemas.microsoft.com/office/drawing/2014/main" id="{CE70F2C2-4FFD-FF70-69A1-A9422A419CBE}"/>
+              </a:ext>
+            </a:extLst>
+          </p:cNvPr>
+          <p:cNvSpPr>
+            <a:spLocks noGrp="1"/>
+          </p:cNvSpPr>
+          <p:nvPr>
+            <p:ph type="title"/>
+          </p:nvPr>
+        </p:nvSpPr>
+        <p:spPr/>
+        <p:txBody>
+          <a:bodyPr/>
+          <a:lstStyle/>
+          <a:p>
+            <a:r>
+              <a:rPr lang="en-US" altLang="zh-TW" dirty="0"/>
+              <a:t>Proposed Algorithm - </a:t>
+            </a:r>
+            <a:r>
+              <a:rPr lang="en-US" altLang="zh-TW" sz="3200" dirty="0"/>
+              <a:t>StWL Optimization in GP</a:t>
+            </a:r>
+            <a:endParaRPr lang="zh-TW" altLang="en-US" dirty="0"/>
+          </a:p>
+        </p:txBody>
+      </p:sp>
+      <p:sp>
+        <p:nvSpPr>
+          <p:cNvPr id="4" name="投影片編號版面配置區 3">
+            <a:extLst>
+              <a:ext uri="{FF2B5EF4-FFF2-40B4-BE49-F238E27FC236}">
+                <a16:creationId xmlns:a16="http://schemas.microsoft.com/office/drawing/2014/main" id="{555869EE-00D9-08A8-0A08-F3D5AF564A4E}"/>
+              </a:ext>
+            </a:extLst>
+          </p:cNvPr>
+          <p:cNvSpPr>
+            <a:spLocks noGrp="1"/>
+          </p:cNvSpPr>
+          <p:nvPr>
+            <p:ph type="sldNum" sz="quarter" idx="12"/>
+          </p:nvPr>
+        </p:nvSpPr>
+        <p:spPr/>
+        <p:txBody>
+          <a:bodyPr/>
+          <a:lstStyle/>
+          <a:p>
+            <a:fld id="{666274A1-CF9C-426A-8DD4-B13ED0C24231}" type="slidenum">
+              <a:rPr lang="en-US" smtClean="0"/>
+              <a:t>15</a:t>
+            </a:fld>
+            <a:endParaRPr lang="en-US"/>
+          </a:p>
+        </p:txBody>
+      </p:sp>
       <p:pic>
         <p:nvPicPr>
           <p:cNvPr id="6" name="圖片 5">
@@ -10180,110 +11161,404 @@
           <p:nvPr/>
         </p:nvPicPr>
         <p:blipFill>
-          <a:blip r:embed="rId4"/>
+          <a:blip r:embed="rId3"/>
           <a:stretch>
             <a:fillRect/>
           </a:stretch>
         </p:blipFill>
         <p:spPr>
           <a:xfrm>
-            <a:off x="0" y="2415228"/>
-            <a:ext cx="12192000" cy="4077647"/>
+            <a:off x="640080" y="2176547"/>
+            <a:ext cx="10911840" cy="3649494"/>
           </a:xfrm>
           <a:prstGeom prst="rect">
             <a:avLst/>
           </a:prstGeom>
         </p:spPr>
       </p:pic>
+      <mc:AlternateContent xmlns:mc="http://schemas.openxmlformats.org/markup-compatibility/2006">
+        <mc:Choice xmlns:a14="http://schemas.microsoft.com/office/drawing/2010/main" Requires="a14">
+          <p:sp>
+            <p:nvSpPr>
+              <p:cNvPr id="5" name="文字方塊 4">
+                <a:extLst>
+                  <a:ext uri="{FF2B5EF4-FFF2-40B4-BE49-F238E27FC236}">
+                    <a16:creationId xmlns:a16="http://schemas.microsoft.com/office/drawing/2014/main" id="{6638B058-EBF7-C4DC-5173-B3D45A2DCDE3}"/>
+                  </a:ext>
+                </a:extLst>
+              </p:cNvPr>
+              <p:cNvSpPr txBox="1"/>
+              <p:nvPr/>
+            </p:nvSpPr>
+            <p:spPr>
+              <a:xfrm>
+                <a:off x="9471259" y="1468786"/>
+                <a:ext cx="1626670" cy="487056"/>
+              </a:xfrm>
+              <a:prstGeom prst="rect">
+                <a:avLst/>
+              </a:prstGeom>
+              <a:noFill/>
+              <a:ln>
+                <a:solidFill>
+                  <a:schemeClr val="tx1"/>
+                </a:solidFill>
+              </a:ln>
+            </p:spPr>
+            <p:txBody>
+              <a:bodyPr wrap="square" rtlCol="0">
+                <a:spAutoFit/>
+              </a:bodyPr>
+              <a:lstStyle/>
+              <a:p>
+                <a:r>
+                  <a:rPr lang="en-US" altLang="zh-TW" dirty="0"/>
+                  <a:t>Ratio = </a:t>
+                </a:r>
+                <a14:m>
+                  <m:oMath xmlns:m="http://schemas.openxmlformats.org/officeDocument/2006/math">
+                    <m:f>
+                      <m:fPr>
+                        <m:ctrlPr>
+                          <a:rPr lang="en-US" altLang="zh-TW" i="1" smtClean="0">
+                            <a:latin typeface="Cambria Math" panose="02040503050406030204" pitchFamily="18" charset="0"/>
+                          </a:rPr>
+                        </m:ctrlPr>
+                      </m:fPr>
+                      <m:num>
+                        <m:r>
+                          <a:rPr lang="en-US" altLang="zh-TW" b="0" i="1" smtClean="0">
+                            <a:latin typeface="Cambria Math" panose="02040503050406030204" pitchFamily="18" charset="0"/>
+                          </a:rPr>
+                          <m:t>𝑆𝑡𝑊𝐿</m:t>
+                        </m:r>
+                      </m:num>
+                      <m:den>
+                        <m:r>
+                          <a:rPr lang="en-US" altLang="zh-TW" b="0" i="1" smtClean="0">
+                            <a:latin typeface="Cambria Math" panose="02040503050406030204" pitchFamily="18" charset="0"/>
+                          </a:rPr>
+                          <m:t>𝐻𝑃𝑊𝐿</m:t>
+                        </m:r>
+                      </m:den>
+                    </m:f>
+                  </m:oMath>
+                </a14:m>
+                <a:endParaRPr lang="zh-TW" altLang="en-US" dirty="0"/>
+              </a:p>
+            </p:txBody>
+          </p:sp>
+        </mc:Choice>
+        <mc:Fallback>
+          <p:sp>
+            <p:nvSpPr>
+              <p:cNvPr id="5" name="文字方塊 4">
+                <a:extLst>
+                  <a:ext uri="{FF2B5EF4-FFF2-40B4-BE49-F238E27FC236}">
+                    <a16:creationId xmlns:a16="http://schemas.microsoft.com/office/drawing/2014/main" id="{6638B058-EBF7-C4DC-5173-B3D45A2DCDE3}"/>
+                  </a:ext>
+                </a:extLst>
+              </p:cNvPr>
+              <p:cNvSpPr txBox="1">
+                <a:spLocks noRot="1" noChangeAspect="1" noMove="1" noResize="1" noEditPoints="1" noAdjustHandles="1" noChangeArrowheads="1" noChangeShapeType="1" noTextEdit="1"/>
+              </p:cNvSpPr>
+              <p:nvPr/>
+            </p:nvSpPr>
+            <p:spPr>
+              <a:xfrm>
+                <a:off x="9471259" y="1468786"/>
+                <a:ext cx="1626670" cy="487056"/>
+              </a:xfrm>
+              <a:prstGeom prst="rect">
+                <a:avLst/>
+              </a:prstGeom>
+              <a:blipFill>
+                <a:blip r:embed="rId4"/>
+                <a:stretch>
+                  <a:fillRect l="-2974" b="-4878"/>
+                </a:stretch>
+              </a:blipFill>
+              <a:ln>
+                <a:solidFill>
+                  <a:schemeClr val="tx1"/>
+                </a:solidFill>
+              </a:ln>
+            </p:spPr>
+            <p:txBody>
+              <a:bodyPr/>
+              <a:lstStyle/>
+              <a:p>
+                <a:r>
+                  <a:rPr lang="zh-TW" altLang="en-US">
+                    <a:noFill/>
+                  </a:rPr>
+                  <a:t> </a:t>
+                </a:r>
+              </a:p>
+            </p:txBody>
+          </p:sp>
+        </mc:Fallback>
+      </mc:AlternateContent>
     </p:spTree>
     <p:extLst>
       <p:ext uri="{BB962C8B-B14F-4D97-AF65-F5344CB8AC3E}">
-        <p14:creationId xmlns:p14="http://schemas.microsoft.com/office/powerpoint/2010/main" val="3427306375"/>
+        <p14:creationId xmlns:p14="http://schemas.microsoft.com/office/powerpoint/2010/main" val="1895056996"/>
       </p:ext>
     </p:extLst>
   </p:cSld>
   <p:clrMapOvr>
     <a:masterClrMapping/>
   </p:clrMapOvr>
-  <p:timing>
-    <p:tnLst>
-      <p:par>
-        <p:cTn id="1" dur="indefinite" restart="never" nodeType="tmRoot">
-          <p:childTnLst>
-            <p:seq concurrent="1" nextAc="seek">
-              <p:cTn id="2" dur="indefinite" nodeType="mainSeq">
-                <p:childTnLst>
-                  <p:par>
-                    <p:cTn id="3" fill="hold">
-                      <p:stCondLst>
-                        <p:cond delay="indefinite"/>
-                      </p:stCondLst>
-                      <p:childTnLst>
-                        <p:par>
-                          <p:cTn id="4" fill="hold">
-                            <p:stCondLst>
-                              <p:cond delay="0"/>
-                            </p:stCondLst>
-                            <p:childTnLst>
-                              <p:par>
-                                <p:cTn id="5" presetID="1" presetClass="entr" presetSubtype="0" fill="hold" nodeType="clickEffect">
-                                  <p:stCondLst>
-                                    <p:cond delay="0"/>
-                                  </p:stCondLst>
-                                  <p:childTnLst>
-                                    <p:set>
-                                      <p:cBhvr>
-                                        <p:cTn id="6" dur="1" fill="hold">
-                                          <p:stCondLst>
-                                            <p:cond delay="0"/>
-                                          </p:stCondLst>
-                                        </p:cTn>
-                                        <p:tgtEl>
-                                          <p:spTgt spid="6"/>
-                                        </p:tgtEl>
-                                        <p:attrNameLst>
-                                          <p:attrName>style.visibility</p:attrName>
-                                        </p:attrNameLst>
-                                      </p:cBhvr>
-                                      <p:to>
-                                        <p:strVal val="visible"/>
-                                      </p:to>
-                                    </p:set>
-                                  </p:childTnLst>
-                                </p:cTn>
-                              </p:par>
-                            </p:childTnLst>
-                          </p:cTn>
-                        </p:par>
-                      </p:childTnLst>
-                    </p:cTn>
-                  </p:par>
-                </p:childTnLst>
-              </p:cTn>
-              <p:prevCondLst>
-                <p:cond evt="onPrev" delay="0">
-                  <p:tgtEl>
-                    <p:sldTgt/>
-                  </p:tgtEl>
-                </p:cond>
-              </p:prevCondLst>
-              <p:nextCondLst>
-                <p:cond evt="onNext" delay="0">
-                  <p:tgtEl>
-                    <p:sldTgt/>
-                  </p:tgtEl>
-                </p:cond>
-              </p:nextCondLst>
-            </p:seq>
-          </p:childTnLst>
-        </p:cTn>
-      </p:par>
-    </p:tnLst>
-  </p:timing>
 </p:sld>
 </file>
 
-<file path=ppt/slides/slide16.xml><?xml version="1.0" encoding="utf-8"?>
+<file path=ppt/slides/slide17.xml><?xml version="1.0" encoding="utf-8"?>
+<p:sld xmlns:a="http://schemas.openxmlformats.org/drawingml/2006/main" xmlns:r="http://schemas.openxmlformats.org/officeDocument/2006/relationships" xmlns:p="http://schemas.openxmlformats.org/presentationml/2006/main">
+  <p:cSld>
+    <p:spTree>
+      <p:nvGrpSpPr>
+        <p:cNvPr id="1" name="">
+          <a:extLst>
+            <a:ext uri="{FF2B5EF4-FFF2-40B4-BE49-F238E27FC236}">
+              <a16:creationId xmlns:a16="http://schemas.microsoft.com/office/drawing/2014/main" id="{878E36EF-7191-7A9B-6E40-070492BCCB57}"/>
+            </a:ext>
+          </a:extLst>
+        </p:cNvPr>
+        <p:cNvGrpSpPr/>
+        <p:nvPr/>
+      </p:nvGrpSpPr>
+      <p:grpSpPr>
+        <a:xfrm>
+          <a:off x="0" y="0"/>
+          <a:ext cx="0" cy="0"/>
+          <a:chOff x="0" y="0"/>
+          <a:chExt cx="0" cy="0"/>
+        </a:xfrm>
+      </p:grpSpPr>
+      <p:sp>
+        <p:nvSpPr>
+          <p:cNvPr id="2" name="標題 1">
+            <a:extLst>
+              <a:ext uri="{FF2B5EF4-FFF2-40B4-BE49-F238E27FC236}">
+                <a16:creationId xmlns:a16="http://schemas.microsoft.com/office/drawing/2014/main" id="{111DF3C1-C18C-9E61-A5B4-A8B2EDD4FA65}"/>
+              </a:ext>
+            </a:extLst>
+          </p:cNvPr>
+          <p:cNvSpPr>
+            <a:spLocks noGrp="1"/>
+          </p:cNvSpPr>
+          <p:nvPr>
+            <p:ph type="title"/>
+          </p:nvPr>
+        </p:nvSpPr>
+        <p:spPr/>
+        <p:txBody>
+          <a:bodyPr/>
+          <a:lstStyle/>
+          <a:p>
+            <a:r>
+              <a:rPr lang="en-US" altLang="zh-TW" dirty="0">
+                <a:latin typeface="Times" panose="02020603050405020304" pitchFamily="18" charset="0"/>
+                <a:cs typeface="Times" panose="02020603050405020304" pitchFamily="18" charset="0"/>
+              </a:rPr>
+              <a:t>Outline</a:t>
+            </a:r>
+            <a:endParaRPr lang="zh-TW" altLang="en-US" dirty="0">
+              <a:latin typeface="Times" panose="02020603050405020304" pitchFamily="18" charset="0"/>
+              <a:cs typeface="Times" panose="02020603050405020304" pitchFamily="18" charset="0"/>
+            </a:endParaRPr>
+          </a:p>
+        </p:txBody>
+      </p:sp>
+      <p:sp>
+        <p:nvSpPr>
+          <p:cNvPr id="3" name="內容版面配置區 2">
+            <a:extLst>
+              <a:ext uri="{FF2B5EF4-FFF2-40B4-BE49-F238E27FC236}">
+                <a16:creationId xmlns:a16="http://schemas.microsoft.com/office/drawing/2014/main" id="{7ED6EAB7-BFCA-DAB1-06B0-D3C36F142E42}"/>
+              </a:ext>
+            </a:extLst>
+          </p:cNvPr>
+          <p:cNvSpPr>
+            <a:spLocks noGrp="1"/>
+          </p:cNvSpPr>
+          <p:nvPr>
+            <p:ph idx="1"/>
+          </p:nvPr>
+        </p:nvSpPr>
+        <p:spPr bwMode="auto">
+          <a:xfrm>
+            <a:off x="838200" y="1620000"/>
+            <a:ext cx="10515600" cy="4351338"/>
+          </a:xfrm>
+        </p:spPr>
+        <p:txBody>
+          <a:bodyPr>
+            <a:normAutofit/>
+          </a:bodyPr>
+          <a:lstStyle/>
+          <a:p>
+            <a:pPr>
+              <a:lnSpc>
+                <a:spcPct val="150000"/>
+              </a:lnSpc>
+            </a:pPr>
+            <a:r>
+              <a:rPr lang="en-US" altLang="zh-TW" sz="2400" dirty="0">
+                <a:solidFill>
+                  <a:schemeClr val="bg1">
+                    <a:lumMod val="65000"/>
+                  </a:schemeClr>
+                </a:solidFill>
+              </a:rPr>
+              <a:t>Introduction</a:t>
+            </a:r>
+          </a:p>
+          <a:p>
+            <a:pPr>
+              <a:lnSpc>
+                <a:spcPct val="150000"/>
+              </a:lnSpc>
+            </a:pPr>
+            <a:r>
+              <a:rPr lang="en-US" altLang="zh-TW" sz="2400" dirty="0">
+                <a:solidFill>
+                  <a:schemeClr val="bg1">
+                    <a:lumMod val="65000"/>
+                  </a:schemeClr>
+                </a:solidFill>
+              </a:rPr>
+              <a:t>Preliminaries</a:t>
+            </a:r>
+          </a:p>
+          <a:p>
+            <a:pPr>
+              <a:lnSpc>
+                <a:spcPct val="150000"/>
+              </a:lnSpc>
+            </a:pPr>
+            <a:r>
+              <a:rPr lang="en-US" altLang="zh-TW" sz="2400" dirty="0"/>
+              <a:t>Proposed Algorithm</a:t>
+            </a:r>
+          </a:p>
+          <a:p>
+            <a:pPr lvl="1">
+              <a:lnSpc>
+                <a:spcPct val="150000"/>
+              </a:lnSpc>
+            </a:pPr>
+            <a:r>
+              <a:rPr lang="en-US" altLang="zh-TW" sz="2000" dirty="0">
+                <a:solidFill>
+                  <a:schemeClr val="bg1">
+                    <a:lumMod val="65000"/>
+                  </a:schemeClr>
+                </a:solidFill>
+              </a:rPr>
+              <a:t>StWL Optimization in Global Placement</a:t>
+            </a:r>
+          </a:p>
+          <a:p>
+            <a:pPr lvl="1">
+              <a:lnSpc>
+                <a:spcPct val="150000"/>
+              </a:lnSpc>
+            </a:pPr>
+            <a:r>
+              <a:rPr lang="en-US" altLang="zh-TW" sz="2000" dirty="0"/>
+              <a:t>StWL Optimization in Cell Refinement</a:t>
+            </a:r>
+          </a:p>
+          <a:p>
+            <a:pPr>
+              <a:lnSpc>
+                <a:spcPct val="150000"/>
+              </a:lnSpc>
+            </a:pPr>
+            <a:r>
+              <a:rPr lang="en-US" altLang="zh-TW" sz="2400" dirty="0">
+                <a:solidFill>
+                  <a:schemeClr val="bg1">
+                    <a:lumMod val="65000"/>
+                  </a:schemeClr>
+                </a:solidFill>
+              </a:rPr>
+              <a:t>Experimental</a:t>
+            </a:r>
+            <a:r>
+              <a:rPr lang="en-US" altLang="zh-TW" dirty="0">
+                <a:solidFill>
+                  <a:schemeClr val="bg1">
+                    <a:lumMod val="65000"/>
+                  </a:schemeClr>
+                </a:solidFill>
+              </a:rPr>
+              <a:t> </a:t>
+            </a:r>
+            <a:r>
+              <a:rPr lang="en-US" altLang="zh-TW" sz="2400" dirty="0">
+                <a:solidFill>
+                  <a:schemeClr val="bg1">
+                    <a:lumMod val="65000"/>
+                  </a:schemeClr>
+                </a:solidFill>
+              </a:rPr>
+              <a:t>Result</a:t>
+            </a:r>
+            <a:endParaRPr lang="zh-TW" altLang="en-US" dirty="0">
+              <a:solidFill>
+                <a:schemeClr val="bg1">
+                  <a:lumMod val="65000"/>
+                </a:schemeClr>
+              </a:solidFill>
+            </a:endParaRPr>
+          </a:p>
+        </p:txBody>
+      </p:sp>
+      <p:sp>
+        <p:nvSpPr>
+          <p:cNvPr id="4" name="投影片編號版面配置區 3">
+            <a:extLst>
+              <a:ext uri="{FF2B5EF4-FFF2-40B4-BE49-F238E27FC236}">
+                <a16:creationId xmlns:a16="http://schemas.microsoft.com/office/drawing/2014/main" id="{CF9994B7-A9D0-AEE1-3001-07D1C06A65FA}"/>
+              </a:ext>
+            </a:extLst>
+          </p:cNvPr>
+          <p:cNvSpPr>
+            <a:spLocks noGrp="1"/>
+          </p:cNvSpPr>
+          <p:nvPr>
+            <p:ph type="sldNum" sz="quarter" idx="12"/>
+          </p:nvPr>
+        </p:nvSpPr>
+        <p:spPr/>
+        <p:txBody>
+          <a:bodyPr/>
+          <a:lstStyle/>
+          <a:p>
+            <a:fld id="{666274A1-CF9C-426A-8DD4-B13ED0C24231}" type="slidenum">
+              <a:rPr lang="en-US" smtClean="0"/>
+              <a:t>16</a:t>
+            </a:fld>
+            <a:endParaRPr lang="en-US"/>
+          </a:p>
+        </p:txBody>
+      </p:sp>
+    </p:spTree>
+    <p:extLst>
+      <p:ext uri="{BB962C8B-B14F-4D97-AF65-F5344CB8AC3E}">
+        <p14:creationId xmlns:p14="http://schemas.microsoft.com/office/powerpoint/2010/main" val="389892487"/>
+      </p:ext>
+    </p:extLst>
+  </p:cSld>
+  <p:clrMapOvr>
+    <a:masterClrMapping/>
+  </p:clrMapOvr>
+</p:sld>
+</file>
+
+<file path=ppt/slides/slide18.xml><?xml version="1.0" encoding="utf-8"?>
 <p:sld xmlns:a="http://schemas.openxmlformats.org/drawingml/2006/main" xmlns:r="http://schemas.openxmlformats.org/officeDocument/2006/relationships" xmlns:p="http://schemas.openxmlformats.org/presentationml/2006/main">
   <p:cSld>
     <p:spTree>
@@ -10352,12 +11627,12 @@
         <p:spPr>
           <a:xfrm>
             <a:off x="838200" y="1619999"/>
-            <a:ext cx="10515600" cy="4872875"/>
+            <a:ext cx="11353800" cy="4736351"/>
           </a:xfrm>
         </p:spPr>
         <p:txBody>
           <a:bodyPr>
-            <a:normAutofit fontScale="92500" lnSpcReduction="20000"/>
+            <a:normAutofit lnSpcReduction="10000"/>
           </a:bodyPr>
           <a:lstStyle/>
           <a:p>
@@ -10380,6 +11655,17 @@
             <a:r>
               <a:rPr lang="en-US" altLang="zh-TW" sz="1700" dirty="0"/>
               <a:t>If convergence, further iterations only perform trivial cell displacement.</a:t>
+            </a:r>
+          </a:p>
+          <a:p>
+            <a:pPr lvl="1">
+              <a:lnSpc>
+                <a:spcPct val="150000"/>
+              </a:lnSpc>
+            </a:pPr>
+            <a:r>
+              <a:rPr lang="en-US" altLang="zh-TW" sz="1800" dirty="0"/>
+              <a:t>Aside from gradient descent, there is still room for RSMT refinement with routing-topology-aware wirelength model.</a:t>
             </a:r>
           </a:p>
           <a:p>
@@ -10398,7 +11684,7 @@
             </a:pPr>
             <a:r>
               <a:rPr lang="en-US" altLang="zh-TW" sz="2000" dirty="0"/>
-              <a:t>Aside from gradient descent, there is still room for RSMT refinement with routing-topology-aware wirelength model.</a:t>
+              <a:t>They propose a placement violation refinement algorithm with a heuristic RSMT optimization strategy.</a:t>
             </a:r>
           </a:p>
           <a:p>
@@ -10407,35 +11693,8 @@
                 <a:spcPct val="150000"/>
               </a:lnSpc>
             </a:pPr>
-            <a:endParaRPr lang="en-US" altLang="zh-TW" sz="400" dirty="0"/>
-          </a:p>
-          <a:p>
-            <a:pPr>
-              <a:lnSpc>
-                <a:spcPct val="150000"/>
-              </a:lnSpc>
-            </a:pPr>
-            <a:r>
-              <a:rPr lang="en-US" altLang="zh-TW" sz="2000" dirty="0"/>
-              <a:t>They propose a placement violation refinement algorithm with a heuristic RSMT optimization strategy.</a:t>
-            </a:r>
-          </a:p>
-          <a:p>
-            <a:pPr>
-              <a:lnSpc>
-                <a:spcPct val="150000"/>
-              </a:lnSpc>
-            </a:pPr>
-            <a:endParaRPr lang="en-US" altLang="zh-TW" sz="400" dirty="0"/>
-          </a:p>
-          <a:p>
-            <a:pPr>
-              <a:lnSpc>
-                <a:spcPct val="150000"/>
-              </a:lnSpc>
-            </a:pPr>
-            <a:r>
-              <a:rPr lang="en-US" altLang="zh-TW" sz="2000" dirty="0"/>
+            <a:r>
+              <a:rPr lang="en-US" altLang="zh-TW" sz="1800" dirty="0"/>
               <a:t>Moving cells to their wirelength-optimal region hastily would obviously deteriorate the low overlap distribution given by analytical global placement.</a:t>
             </a:r>
           </a:p>
@@ -10455,7 +11714,7 @@
             </a:pPr>
             <a:r>
               <a:rPr lang="en-US" altLang="zh-TW" sz="2000" dirty="0"/>
-              <a:t>They posed bin-level density control in cell movement to keep the incremental refinement swift and plausible.</a:t>
+              <a:t>They proposed bin-level density control in cell movement to keep the incremental refinement swift and plausible.</a:t>
             </a:r>
           </a:p>
           <a:p>
@@ -10499,7 +11758,7 @@
           <a:p>
             <a:fld id="{666274A1-CF9C-426A-8DD4-B13ED0C24231}" type="slidenum">
               <a:rPr lang="en-US" smtClean="0"/>
-              <a:t>15</a:t>
+              <a:t>17</a:t>
             </a:fld>
             <a:endParaRPr lang="en-US"/>
           </a:p>
@@ -10518,8 +11777,8 @@
 </p:sld>
 </file>
 
-<file path=ppt/slides/slide17.xml><?xml version="1.0" encoding="utf-8"?>
-<p:sld xmlns:a="http://schemas.openxmlformats.org/drawingml/2006/main" xmlns:r="http://schemas.openxmlformats.org/officeDocument/2006/relationships" xmlns:p="http://schemas.openxmlformats.org/presentationml/2006/main">
+<file path=ppt/slides/slide19.xml><?xml version="1.0" encoding="utf-8"?>
+<p:sld xmlns:a="http://schemas.openxmlformats.org/drawingml/2006/main" xmlns:r="http://schemas.openxmlformats.org/officeDocument/2006/relationships" xmlns:p="http://schemas.openxmlformats.org/presentationml/2006/main" show="0">
   <p:cSld>
     <p:spTree>
       <p:nvGrpSpPr>
@@ -10662,7 +11921,7 @@
           <a:p>
             <a:fld id="{666274A1-CF9C-426A-8DD4-B13ED0C24231}" type="slidenum">
               <a:rPr lang="en-US" smtClean="0"/>
-              <a:t>16</a:t>
+              <a:t>18</a:t>
             </a:fld>
             <a:endParaRPr lang="en-US"/>
           </a:p>
@@ -10886,7 +12145,571 @@
 </p:sld>
 </file>
 
-<file path=ppt/slides/slide18.xml><?xml version="1.0" encoding="utf-8"?>
+<file path=ppt/slides/slide2.xml><?xml version="1.0" encoding="utf-8"?>
+<p:sld xmlns:a="http://schemas.openxmlformats.org/drawingml/2006/main" xmlns:r="http://schemas.openxmlformats.org/officeDocument/2006/relationships" xmlns:p="http://schemas.openxmlformats.org/presentationml/2006/main">
+  <p:cSld>
+    <p:spTree>
+      <p:nvGrpSpPr>
+        <p:cNvPr id="1" name=""/>
+        <p:cNvGrpSpPr/>
+        <p:nvPr/>
+      </p:nvGrpSpPr>
+      <p:grpSpPr>
+        <a:xfrm>
+          <a:off x="0" y="0"/>
+          <a:ext cx="0" cy="0"/>
+          <a:chOff x="0" y="0"/>
+          <a:chExt cx="0" cy="0"/>
+        </a:xfrm>
+      </p:grpSpPr>
+      <p:sp>
+        <p:nvSpPr>
+          <p:cNvPr id="2" name="標題 1">
+            <a:extLst>
+              <a:ext uri="{FF2B5EF4-FFF2-40B4-BE49-F238E27FC236}">
+                <a16:creationId xmlns:a16="http://schemas.microsoft.com/office/drawing/2014/main" id="{F95E0C03-DA09-BCA5-440A-A05C34D99715}"/>
+              </a:ext>
+            </a:extLst>
+          </p:cNvPr>
+          <p:cNvSpPr>
+            <a:spLocks noGrp="1"/>
+          </p:cNvSpPr>
+          <p:nvPr>
+            <p:ph type="title"/>
+          </p:nvPr>
+        </p:nvSpPr>
+        <p:spPr/>
+        <p:txBody>
+          <a:bodyPr/>
+          <a:lstStyle/>
+          <a:p>
+            <a:r>
+              <a:rPr lang="en-US" altLang="zh-TW" dirty="0">
+                <a:latin typeface="Times" panose="02020603050405020304" pitchFamily="18" charset="0"/>
+                <a:cs typeface="Times" panose="02020603050405020304" pitchFamily="18" charset="0"/>
+              </a:rPr>
+              <a:t>Outline</a:t>
+            </a:r>
+            <a:endParaRPr lang="zh-TW" altLang="en-US" dirty="0">
+              <a:latin typeface="Times" panose="02020603050405020304" pitchFamily="18" charset="0"/>
+              <a:cs typeface="Times" panose="02020603050405020304" pitchFamily="18" charset="0"/>
+            </a:endParaRPr>
+          </a:p>
+        </p:txBody>
+      </p:sp>
+      <p:sp>
+        <p:nvSpPr>
+          <p:cNvPr id="3" name="內容版面配置區 2">
+            <a:extLst>
+              <a:ext uri="{FF2B5EF4-FFF2-40B4-BE49-F238E27FC236}">
+                <a16:creationId xmlns:a16="http://schemas.microsoft.com/office/drawing/2014/main" id="{F671C038-AE51-E136-6B1E-6C38BF235BBE}"/>
+              </a:ext>
+            </a:extLst>
+          </p:cNvPr>
+          <p:cNvSpPr>
+            <a:spLocks noGrp="1"/>
+          </p:cNvSpPr>
+          <p:nvPr>
+            <p:ph idx="1"/>
+          </p:nvPr>
+        </p:nvSpPr>
+        <p:spPr bwMode="auto">
+          <a:xfrm>
+            <a:off x="838200" y="1620000"/>
+            <a:ext cx="10515600" cy="4351338"/>
+          </a:xfrm>
+        </p:spPr>
+        <p:txBody>
+          <a:bodyPr>
+            <a:normAutofit/>
+          </a:bodyPr>
+          <a:lstStyle/>
+          <a:p>
+            <a:pPr>
+              <a:lnSpc>
+                <a:spcPct val="150000"/>
+              </a:lnSpc>
+            </a:pPr>
+            <a:r>
+              <a:rPr lang="en-US" altLang="zh-TW" sz="2400" dirty="0"/>
+              <a:t>Introduction</a:t>
+            </a:r>
+          </a:p>
+          <a:p>
+            <a:pPr>
+              <a:lnSpc>
+                <a:spcPct val="150000"/>
+              </a:lnSpc>
+            </a:pPr>
+            <a:r>
+              <a:rPr lang="en-US" altLang="zh-TW" sz="2400" dirty="0"/>
+              <a:t>Preliminaries</a:t>
+            </a:r>
+          </a:p>
+          <a:p>
+            <a:pPr>
+              <a:lnSpc>
+                <a:spcPct val="150000"/>
+              </a:lnSpc>
+            </a:pPr>
+            <a:r>
+              <a:rPr lang="en-US" altLang="zh-TW" sz="2400" dirty="0"/>
+              <a:t>Proposed Algorithm</a:t>
+            </a:r>
+          </a:p>
+          <a:p>
+            <a:pPr lvl="1">
+              <a:lnSpc>
+                <a:spcPct val="150000"/>
+              </a:lnSpc>
+            </a:pPr>
+            <a:r>
+              <a:rPr lang="en-US" altLang="zh-TW" sz="2000" dirty="0"/>
+              <a:t>StWL Optimization in Global Placement</a:t>
+            </a:r>
+          </a:p>
+          <a:p>
+            <a:pPr lvl="1">
+              <a:lnSpc>
+                <a:spcPct val="150000"/>
+              </a:lnSpc>
+            </a:pPr>
+            <a:r>
+              <a:rPr lang="en-US" altLang="zh-TW" sz="2000" dirty="0"/>
+              <a:t>StWL Optimization in Cell Refinement</a:t>
+            </a:r>
+          </a:p>
+          <a:p>
+            <a:pPr>
+              <a:lnSpc>
+                <a:spcPct val="150000"/>
+              </a:lnSpc>
+            </a:pPr>
+            <a:r>
+              <a:rPr lang="en-US" altLang="zh-TW" sz="2400" dirty="0"/>
+              <a:t>Experimental</a:t>
+            </a:r>
+            <a:r>
+              <a:rPr lang="en-US" altLang="zh-TW" dirty="0"/>
+              <a:t> </a:t>
+            </a:r>
+            <a:r>
+              <a:rPr lang="en-US" altLang="zh-TW" sz="2400" dirty="0"/>
+              <a:t>Result</a:t>
+            </a:r>
+            <a:endParaRPr lang="zh-TW" altLang="en-US" dirty="0"/>
+          </a:p>
+        </p:txBody>
+      </p:sp>
+      <p:sp>
+        <p:nvSpPr>
+          <p:cNvPr id="4" name="投影片編號版面配置區 3">
+            <a:extLst>
+              <a:ext uri="{FF2B5EF4-FFF2-40B4-BE49-F238E27FC236}">
+                <a16:creationId xmlns:a16="http://schemas.microsoft.com/office/drawing/2014/main" id="{5891B803-9796-C957-1032-D2F5DFAFFD47}"/>
+              </a:ext>
+            </a:extLst>
+          </p:cNvPr>
+          <p:cNvSpPr>
+            <a:spLocks noGrp="1"/>
+          </p:cNvSpPr>
+          <p:nvPr>
+            <p:ph type="sldNum" sz="quarter" idx="12"/>
+          </p:nvPr>
+        </p:nvSpPr>
+        <p:spPr/>
+        <p:txBody>
+          <a:bodyPr/>
+          <a:lstStyle/>
+          <a:p>
+            <a:fld id="{666274A1-CF9C-426A-8DD4-B13ED0C24231}" type="slidenum">
+              <a:rPr lang="en-US" smtClean="0"/>
+              <a:t>1</a:t>
+            </a:fld>
+            <a:endParaRPr lang="en-US"/>
+          </a:p>
+        </p:txBody>
+      </p:sp>
+    </p:spTree>
+    <p:extLst>
+      <p:ext uri="{BB962C8B-B14F-4D97-AF65-F5344CB8AC3E}">
+        <p14:creationId xmlns:p14="http://schemas.microsoft.com/office/powerpoint/2010/main" val="701454037"/>
+      </p:ext>
+    </p:extLst>
+  </p:cSld>
+  <p:clrMapOvr>
+    <a:masterClrMapping/>
+  </p:clrMapOvr>
+</p:sld>
+</file>
+
+<file path=ppt/slides/slide20.xml><?xml version="1.0" encoding="utf-8"?>
+<p:sld xmlns:a="http://schemas.openxmlformats.org/drawingml/2006/main" xmlns:r="http://schemas.openxmlformats.org/officeDocument/2006/relationships" xmlns:p="http://schemas.openxmlformats.org/presentationml/2006/main">
+  <p:cSld>
+    <p:spTree>
+      <p:nvGrpSpPr>
+        <p:cNvPr id="1" name=""/>
+        <p:cNvGrpSpPr/>
+        <p:nvPr/>
+      </p:nvGrpSpPr>
+      <p:grpSpPr>
+        <a:xfrm>
+          <a:off x="0" y="0"/>
+          <a:ext cx="0" cy="0"/>
+          <a:chOff x="0" y="0"/>
+          <a:chExt cx="0" cy="0"/>
+        </a:xfrm>
+      </p:grpSpPr>
+      <p:sp>
+        <p:nvSpPr>
+          <p:cNvPr id="2" name="標題 1">
+            <a:extLst>
+              <a:ext uri="{FF2B5EF4-FFF2-40B4-BE49-F238E27FC236}">
+                <a16:creationId xmlns:a16="http://schemas.microsoft.com/office/drawing/2014/main" id="{5EAD4BB5-5F9C-165F-6EB2-643B20060896}"/>
+              </a:ext>
+            </a:extLst>
+          </p:cNvPr>
+          <p:cNvSpPr>
+            <a:spLocks noGrp="1"/>
+          </p:cNvSpPr>
+          <p:nvPr>
+            <p:ph type="title"/>
+          </p:nvPr>
+        </p:nvSpPr>
+        <p:spPr/>
+        <p:txBody>
+          <a:bodyPr>
+            <a:normAutofit/>
+          </a:bodyPr>
+          <a:lstStyle/>
+          <a:p>
+            <a:r>
+              <a:rPr kumimoji="0" lang="en-US" altLang="zh-TW" sz="4400" b="0" i="0" u="none" strike="noStrike" kern="1200" cap="none" spc="0" normalizeH="0" baseline="0" noProof="0" dirty="0">
+                <a:ln>
+                  <a:noFill/>
+                </a:ln>
+                <a:solidFill>
+                  <a:prstClr val="black"/>
+                </a:solidFill>
+                <a:effectLst/>
+                <a:uLnTx/>
+                <a:uFillTx/>
+                <a:latin typeface="Times New Roman"/>
+                <a:ea typeface="標楷體"/>
+                <a:cs typeface="+mj-cs"/>
+              </a:rPr>
+              <a:t>Proposed Algorithm - </a:t>
+            </a:r>
+            <a:r>
+              <a:rPr kumimoji="0" lang="en-US" altLang="zh-TW" sz="2600" b="0" i="0" u="none" strike="noStrike" kern="1200" cap="none" spc="0" normalizeH="0" baseline="0" noProof="0" dirty="0">
+                <a:ln>
+                  <a:noFill/>
+                </a:ln>
+                <a:solidFill>
+                  <a:prstClr val="black"/>
+                </a:solidFill>
+                <a:effectLst/>
+                <a:uLnTx/>
+                <a:uFillTx/>
+                <a:latin typeface="Times New Roman"/>
+                <a:ea typeface="標楷體"/>
+                <a:cs typeface="+mj-cs"/>
+              </a:rPr>
+              <a:t>StWL Optimization in Cell Refinement</a:t>
+            </a:r>
+            <a:endParaRPr lang="zh-TW" altLang="en-US" dirty="0"/>
+          </a:p>
+        </p:txBody>
+      </p:sp>
+      <mc:AlternateContent xmlns:mc="http://schemas.openxmlformats.org/markup-compatibility/2006" xmlns:a14="http://schemas.microsoft.com/office/drawing/2010/main">
+        <mc:Choice Requires="a14">
+          <p:sp>
+            <p:nvSpPr>
+              <p:cNvPr id="3" name="內容版面配置區 2">
+                <a:extLst>
+                  <a:ext uri="{FF2B5EF4-FFF2-40B4-BE49-F238E27FC236}">
+                    <a16:creationId xmlns:a16="http://schemas.microsoft.com/office/drawing/2014/main" id="{C91B5373-563F-7C1E-9902-9F78DEF2F2FC}"/>
+                  </a:ext>
+                </a:extLst>
+              </p:cNvPr>
+              <p:cNvSpPr>
+                <a:spLocks noGrp="1"/>
+              </p:cNvSpPr>
+              <p:nvPr>
+                <p:ph idx="1"/>
+              </p:nvPr>
+            </p:nvSpPr>
+            <p:spPr/>
+            <p:txBody>
+              <a:bodyPr>
+                <a:normAutofit/>
+              </a:bodyPr>
+              <a:lstStyle/>
+              <a:p>
+                <a:pPr marL="514350" indent="-514350">
+                  <a:lnSpc>
+                    <a:spcPct val="125000"/>
+                  </a:lnSpc>
+                  <a:buFont typeface="Wingdings" panose="05000000000000000000" pitchFamily="2" charset="2"/>
+                  <a:buAutoNum type="circleNumWdWhitePlain"/>
+                </a:pPr>
+                <a:r>
+                  <a:rPr lang="en-US" altLang="zh-TW" sz="2000" dirty="0"/>
+                  <a:t>If segment</a:t>
+                </a:r>
+                <a:r>
+                  <a:rPr lang="zh-TW" altLang="en-US" sz="2000" dirty="0"/>
+                  <a:t> </a:t>
+                </a:r>
+                <a:r>
+                  <a:rPr lang="en-US" altLang="zh-TW" sz="2000" dirty="0"/>
+                  <a:t>is consist of pin + steiner point  </a:t>
+                </a:r>
+                <a14:m>
+                  <m:oMath xmlns:m="http://schemas.openxmlformats.org/officeDocument/2006/math">
+                    <m:r>
+                      <a:rPr lang="en-US" altLang="zh-TW" sz="2000" i="1" smtClean="0">
+                        <a:latin typeface="Cambria Math" panose="02040503050406030204" pitchFamily="18" charset="0"/>
+                        <a:ea typeface="Cambria Math" panose="02040503050406030204" pitchFamily="18" charset="0"/>
+                      </a:rPr>
+                      <m:t>→</m:t>
+                    </m:r>
+                  </m:oMath>
+                </a14:m>
+                <a:r>
+                  <a:rPr lang="zh-TW" altLang="en-US" sz="2000" dirty="0"/>
+                  <a:t>  </a:t>
+                </a:r>
+                <a:r>
+                  <a:rPr lang="en-US" altLang="zh-TW" sz="2000" dirty="0"/>
+                  <a:t>anchor</a:t>
+                </a:r>
+                <a:r>
+                  <a:rPr lang="zh-TW" altLang="en-US" sz="2000" dirty="0"/>
+                  <a:t> </a:t>
+                </a:r>
+                <a:r>
+                  <a:rPr lang="en-US" altLang="zh-TW" sz="2000" dirty="0"/>
+                  <a:t>is on the steiner point.</a:t>
+                </a:r>
+              </a:p>
+              <a:p>
+                <a:pPr marL="514350" indent="-514350">
+                  <a:lnSpc>
+                    <a:spcPct val="125000"/>
+                  </a:lnSpc>
+                  <a:buFont typeface="Wingdings" panose="05000000000000000000" pitchFamily="2" charset="2"/>
+                  <a:buAutoNum type="circleNumWdWhitePlain"/>
+                </a:pPr>
+                <a:r>
+                  <a:rPr lang="en-US" altLang="zh-TW" sz="2000" dirty="0"/>
+                  <a:t>If segment</a:t>
+                </a:r>
+                <a:r>
+                  <a:rPr lang="zh-TW" altLang="en-US" sz="2000" dirty="0"/>
+                  <a:t> </a:t>
+                </a:r>
+                <a:r>
+                  <a:rPr lang="en-US" altLang="zh-TW" sz="2000" dirty="0"/>
+                  <a:t>is consist of pin + pin                </a:t>
+                </a:r>
+                <a14:m>
+                  <m:oMath xmlns:m="http://schemas.openxmlformats.org/officeDocument/2006/math">
+                    <m:r>
+                      <a:rPr lang="en-US" altLang="zh-TW" sz="2000" b="0" i="0" smtClean="0">
+                        <a:latin typeface="Cambria Math" panose="02040503050406030204" pitchFamily="18" charset="0"/>
+                        <a:ea typeface="Cambria Math" panose="02040503050406030204" pitchFamily="18" charset="0"/>
+                      </a:rPr>
+                      <m:t> </m:t>
+                    </m:r>
+                    <m:r>
+                      <a:rPr lang="en-US" altLang="zh-TW" sz="2000" i="1" smtClean="0">
+                        <a:latin typeface="Cambria Math" panose="02040503050406030204" pitchFamily="18" charset="0"/>
+                        <a:ea typeface="Cambria Math" panose="02040503050406030204" pitchFamily="18" charset="0"/>
+                      </a:rPr>
+                      <m:t>→</m:t>
+                    </m:r>
+                    <m:r>
+                      <a:rPr lang="en-US" altLang="zh-TW" sz="2000" b="0" i="1" smtClean="0">
+                        <a:latin typeface="Cambria Math" panose="02040503050406030204" pitchFamily="18" charset="0"/>
+                        <a:ea typeface="Cambria Math" panose="02040503050406030204" pitchFamily="18" charset="0"/>
+                      </a:rPr>
+                      <m:t> </m:t>
+                    </m:r>
+                  </m:oMath>
+                </a14:m>
+                <a:r>
+                  <a:rPr lang="zh-TW" altLang="en-US" sz="2000" dirty="0"/>
+                  <a:t> </a:t>
+                </a:r>
+                <a:r>
+                  <a:rPr lang="en-US" altLang="zh-TW" sz="2000" dirty="0"/>
+                  <a:t>anchor</a:t>
+                </a:r>
+                <a:r>
+                  <a:rPr lang="zh-TW" altLang="en-US" sz="2000" dirty="0"/>
+                  <a:t> </a:t>
+                </a:r>
+                <a:r>
+                  <a:rPr lang="en-US" altLang="zh-TW" sz="2000" dirty="0"/>
+                  <a:t>is on the steiner point.</a:t>
+                </a:r>
+              </a:p>
+              <a:p>
+                <a:pPr marL="514350" indent="-514350">
+                  <a:lnSpc>
+                    <a:spcPct val="125000"/>
+                  </a:lnSpc>
+                  <a:buFont typeface="Wingdings" panose="05000000000000000000" pitchFamily="2" charset="2"/>
+                  <a:buAutoNum type="circleNumWdWhitePlain"/>
+                </a:pPr>
+                <a:r>
+                  <a:rPr lang="en-US" altLang="zh-TW" sz="2000" dirty="0"/>
+                  <a:t>If 2 pins is in the same bin                           </a:t>
+                </a:r>
+                <a14:m>
+                  <m:oMath xmlns:m="http://schemas.openxmlformats.org/officeDocument/2006/math">
+                    <m:r>
+                      <a:rPr lang="en-US" altLang="zh-TW" sz="2000" i="1" smtClean="0">
+                        <a:latin typeface="Cambria Math" panose="02040503050406030204" pitchFamily="18" charset="0"/>
+                        <a:ea typeface="Cambria Math" panose="02040503050406030204" pitchFamily="18" charset="0"/>
+                      </a:rPr>
+                      <m:t>→</m:t>
+                    </m:r>
+                  </m:oMath>
+                </a14:m>
+                <a:r>
+                  <a:rPr lang="zh-TW" altLang="en-US" sz="2000" dirty="0"/>
+                  <a:t>  </a:t>
+                </a:r>
+                <a:r>
+                  <a:rPr lang="en-US" altLang="zh-TW" sz="2000" dirty="0"/>
+                  <a:t>need additional one anchor</a:t>
+                </a:r>
+              </a:p>
+              <a:p>
+                <a:pPr marL="514350" indent="-514350">
+                  <a:buFont typeface="+mj-lt"/>
+                  <a:buAutoNum type="circleNumWdWhitePlain"/>
+                </a:pPr>
+                <a:endParaRPr lang="zh-TW" altLang="en-US" sz="2000" dirty="0"/>
+              </a:p>
+            </p:txBody>
+          </p:sp>
+        </mc:Choice>
+        <mc:Fallback xmlns="">
+          <p:sp>
+            <p:nvSpPr>
+              <p:cNvPr id="3" name="內容版面配置區 2">
+                <a:extLst>
+                  <a:ext uri="{FF2B5EF4-FFF2-40B4-BE49-F238E27FC236}">
+                    <a16:creationId xmlns:a16="http://schemas.microsoft.com/office/drawing/2014/main" id="{C91B5373-563F-7C1E-9902-9F78DEF2F2FC}"/>
+                  </a:ext>
+                </a:extLst>
+              </p:cNvPr>
+              <p:cNvSpPr>
+                <a:spLocks noGrp="1" noRot="1" noChangeAspect="1" noMove="1" noResize="1" noEditPoints="1" noAdjustHandles="1" noChangeArrowheads="1" noChangeShapeType="1" noTextEdit="1"/>
+              </p:cNvSpPr>
+              <p:nvPr>
+                <p:ph idx="1"/>
+              </p:nvPr>
+            </p:nvSpPr>
+            <p:spPr>
+              <a:blipFill>
+                <a:blip r:embed="rId2"/>
+                <a:stretch>
+                  <a:fillRect l="-522"/>
+                </a:stretch>
+              </a:blipFill>
+            </p:spPr>
+            <p:txBody>
+              <a:bodyPr/>
+              <a:lstStyle/>
+              <a:p>
+                <a:r>
+                  <a:rPr lang="zh-TW" altLang="en-US">
+                    <a:noFill/>
+                  </a:rPr>
+                  <a:t> </a:t>
+                </a:r>
+              </a:p>
+            </p:txBody>
+          </p:sp>
+        </mc:Fallback>
+      </mc:AlternateContent>
+      <p:sp>
+        <p:nvSpPr>
+          <p:cNvPr id="4" name="投影片編號版面配置區 3">
+            <a:extLst>
+              <a:ext uri="{FF2B5EF4-FFF2-40B4-BE49-F238E27FC236}">
+                <a16:creationId xmlns:a16="http://schemas.microsoft.com/office/drawing/2014/main" id="{5B646021-F110-6F3D-B611-7CBCB5E1B930}"/>
+              </a:ext>
+            </a:extLst>
+          </p:cNvPr>
+          <p:cNvSpPr>
+            <a:spLocks noGrp="1"/>
+          </p:cNvSpPr>
+          <p:nvPr>
+            <p:ph type="sldNum" sz="quarter" idx="12"/>
+          </p:nvPr>
+        </p:nvSpPr>
+        <p:spPr/>
+        <p:txBody>
+          <a:bodyPr/>
+          <a:lstStyle/>
+          <a:p>
+            <a:fld id="{666274A1-CF9C-426A-8DD4-B13ED0C24231}" type="slidenum">
+              <a:rPr lang="en-US" smtClean="0"/>
+              <a:t>19</a:t>
+            </a:fld>
+            <a:endParaRPr lang="en-US"/>
+          </a:p>
+        </p:txBody>
+      </p:sp>
+      <p:pic>
+        <p:nvPicPr>
+          <p:cNvPr id="6" name="圖片 5">
+            <a:extLst>
+              <a:ext uri="{FF2B5EF4-FFF2-40B4-BE49-F238E27FC236}">
+                <a16:creationId xmlns:a16="http://schemas.microsoft.com/office/drawing/2014/main" id="{86C2024B-EB45-7BC6-6484-56A71D891957}"/>
+              </a:ext>
+            </a:extLst>
+          </p:cNvPr>
+          <p:cNvPicPr>
+            <a:picLocks noChangeAspect="1"/>
+          </p:cNvPicPr>
+          <p:nvPr/>
+        </p:nvPicPr>
+        <p:blipFill>
+          <a:blip r:embed="rId3"/>
+          <a:stretch>
+            <a:fillRect/>
+          </a:stretch>
+        </p:blipFill>
+        <p:spPr>
+          <a:xfrm>
+            <a:off x="838200" y="3703895"/>
+            <a:ext cx="10443411" cy="2473068"/>
+          </a:xfrm>
+          <a:prstGeom prst="rect">
+            <a:avLst/>
+          </a:prstGeom>
+        </p:spPr>
+      </p:pic>
+    </p:spTree>
+    <p:extLst>
+      <p:ext uri="{BB962C8B-B14F-4D97-AF65-F5344CB8AC3E}">
+        <p14:creationId xmlns:p14="http://schemas.microsoft.com/office/powerpoint/2010/main" val="3380151370"/>
+      </p:ext>
+    </p:extLst>
+  </p:cSld>
+  <p:clrMapOvr>
+    <a:masterClrMapping/>
+  </p:clrMapOvr>
+</p:sld>
+</file>
+
+<file path=ppt/slides/slide21.xml><?xml version="1.0" encoding="utf-8"?>
 <p:sld xmlns:a="http://schemas.openxmlformats.org/drawingml/2006/main" xmlns:r="http://schemas.openxmlformats.org/officeDocument/2006/relationships" xmlns:p="http://schemas.openxmlformats.org/presentationml/2006/main">
   <p:cSld>
     <p:spTree>
@@ -11042,7 +12865,15 @@
             </a:pPr>
             <a:r>
               <a:rPr lang="en-US" altLang="zh-TW" sz="1600" dirty="0"/>
-              <a:t>The whole die is divided into four identical coarse bins.</a:t>
+              <a:t>The whole die is divided into </a:t>
+            </a:r>
+            <a:r>
+              <a:rPr lang="en-US" altLang="zh-TW" sz="1600" b="1" dirty="0"/>
+              <a:t>four</a:t>
+            </a:r>
+            <a:r>
+              <a:rPr lang="en-US" altLang="zh-TW" sz="1600" dirty="0"/>
+              <a:t> identical coarse bins.</a:t>
             </a:r>
           </a:p>
           <a:p>
@@ -11117,7 +12948,7 @@
           <a:p>
             <a:fld id="{666274A1-CF9C-426A-8DD4-B13ED0C24231}" type="slidenum">
               <a:rPr lang="en-US" smtClean="0"/>
-              <a:t>17</a:t>
+              <a:t>20</a:t>
             </a:fld>
             <a:endParaRPr lang="en-US"/>
           </a:p>
@@ -11166,7 +12997,7 @@
 </p:sld>
 </file>
 
-<file path=ppt/slides/slide19.xml><?xml version="1.0" encoding="utf-8"?>
+<file path=ppt/slides/slide22.xml><?xml version="1.0" encoding="utf-8"?>
 <p:sld xmlns:a="http://schemas.openxmlformats.org/drawingml/2006/main" xmlns:r="http://schemas.openxmlformats.org/officeDocument/2006/relationships" xmlns:p="http://schemas.openxmlformats.org/presentationml/2006/main">
   <p:cSld>
     <p:spTree>
@@ -11293,7 +13124,7 @@
             </a:pPr>
             <a:r>
               <a:rPr lang="en-US" altLang="zh-TW" sz="2000" dirty="0"/>
-              <a:t>For a new cell, the algorithm traverses the quadtree to find potential regions with enough area.</a:t>
+              <a:t>For each cell, the algorithm traverses the quadtree to find potential regions with enough area.</a:t>
             </a:r>
           </a:p>
           <a:p>
@@ -11362,7 +13193,7 @@
           <a:p>
             <a:fld id="{666274A1-CF9C-426A-8DD4-B13ED0C24231}" type="slidenum">
               <a:rPr lang="en-US" smtClean="0"/>
-              <a:t>18</a:t>
+              <a:t>21</a:t>
             </a:fld>
             <a:endParaRPr lang="en-US"/>
           </a:p>
@@ -11381,12 +13212,18 @@
 </p:sld>
 </file>
 
-<file path=ppt/slides/slide2.xml><?xml version="1.0" encoding="utf-8"?>
+<file path=ppt/slides/slide23.xml><?xml version="1.0" encoding="utf-8"?>
 <p:sld xmlns:a="http://schemas.openxmlformats.org/drawingml/2006/main" xmlns:r="http://schemas.openxmlformats.org/officeDocument/2006/relationships" xmlns:p="http://schemas.openxmlformats.org/presentationml/2006/main">
   <p:cSld>
     <p:spTree>
       <p:nvGrpSpPr>
-        <p:cNvPr id="1" name=""/>
+        <p:cNvPr id="1" name="">
+          <a:extLst>
+            <a:ext uri="{FF2B5EF4-FFF2-40B4-BE49-F238E27FC236}">
+              <a16:creationId xmlns:a16="http://schemas.microsoft.com/office/drawing/2014/main" id="{1FC7915B-A9DD-A580-C5F3-8EE5E4C43EB8}"/>
+            </a:ext>
+          </a:extLst>
+        </p:cNvPr>
         <p:cNvGrpSpPr/>
         <p:nvPr/>
       </p:nvGrpSpPr>
@@ -11403,7 +13240,7 @@
           <p:cNvPr id="2" name="標題 1">
             <a:extLst>
               <a:ext uri="{FF2B5EF4-FFF2-40B4-BE49-F238E27FC236}">
-                <a16:creationId xmlns:a16="http://schemas.microsoft.com/office/drawing/2014/main" id="{F95E0C03-DA09-BCA5-440A-A05C34D99715}"/>
+                <a16:creationId xmlns:a16="http://schemas.microsoft.com/office/drawing/2014/main" id="{F35312E1-D863-9AB2-C930-B4D8309BE9F3}"/>
               </a:ext>
             </a:extLst>
           </p:cNvPr>
@@ -11420,99 +13257,554 @@
           <a:lstStyle/>
           <a:p>
             <a:r>
-              <a:rPr lang="en-US" altLang="zh-TW" dirty="0">
-                <a:latin typeface="Times" panose="02020603050405020304" pitchFamily="18" charset="0"/>
-                <a:cs typeface="Times" panose="02020603050405020304" pitchFamily="18" charset="0"/>
+              <a:rPr kumimoji="0" lang="en-US" altLang="zh-TW" sz="4400" b="0" i="0" u="none" strike="noStrike" kern="1200" cap="none" spc="0" normalizeH="0" baseline="0" noProof="0">
+                <a:ln>
+                  <a:noFill/>
+                </a:ln>
+                <a:solidFill>
+                  <a:prstClr val="black"/>
+                </a:solidFill>
+                <a:effectLst/>
+                <a:uLnTx/>
+                <a:uFillTx/>
+                <a:latin typeface="Times New Roman"/>
+                <a:ea typeface="標楷體"/>
+                <a:cs typeface="+mj-cs"/>
               </a:rPr>
-              <a:t>Outline</a:t>
-            </a:r>
-            <a:endParaRPr lang="zh-TW" altLang="en-US" dirty="0">
-              <a:latin typeface="Times" panose="02020603050405020304" pitchFamily="18" charset="0"/>
-              <a:cs typeface="Times" panose="02020603050405020304" pitchFamily="18" charset="0"/>
-            </a:endParaRPr>
+              <a:t>Proposed Algorithm - </a:t>
+            </a:r>
+            <a:r>
+              <a:rPr kumimoji="0" lang="en-US" altLang="zh-TW" sz="2600" b="0" i="0" u="none" strike="noStrike" kern="1200" cap="none" spc="0" normalizeH="0" baseline="0" noProof="0">
+                <a:ln>
+                  <a:noFill/>
+                </a:ln>
+                <a:solidFill>
+                  <a:prstClr val="black"/>
+                </a:solidFill>
+                <a:effectLst/>
+                <a:uLnTx/>
+                <a:uFillTx/>
+                <a:latin typeface="Times New Roman"/>
+                <a:ea typeface="標楷體"/>
+                <a:cs typeface="+mj-cs"/>
+              </a:rPr>
+              <a:t>StWL Optimization in Cell Refinement</a:t>
+            </a:r>
+            <a:endParaRPr lang="zh-TW" altLang="en-US" dirty="0"/>
           </a:p>
         </p:txBody>
       </p:sp>
-      <p:sp>
-        <p:nvSpPr>
-          <p:cNvPr id="3" name="內容版面配置區 2">
-            <a:extLst>
-              <a:ext uri="{FF2B5EF4-FFF2-40B4-BE49-F238E27FC236}">
-                <a16:creationId xmlns:a16="http://schemas.microsoft.com/office/drawing/2014/main" id="{F671C038-AE51-E136-6B1E-6C38BF235BBE}"/>
-              </a:ext>
-            </a:extLst>
-          </p:cNvPr>
-          <p:cNvSpPr>
-            <a:spLocks noGrp="1"/>
-          </p:cNvSpPr>
-          <p:nvPr>
-            <p:ph idx="1"/>
-          </p:nvPr>
-        </p:nvSpPr>
-        <p:spPr bwMode="auto">
-          <a:xfrm>
-            <a:off x="838200" y="1620000"/>
-            <a:ext cx="10515600" cy="4351338"/>
-          </a:xfrm>
-        </p:spPr>
-        <p:txBody>
-          <a:bodyPr>
-            <a:normAutofit/>
-          </a:bodyPr>
-          <a:lstStyle/>
-          <a:p>
-            <a:pPr>
-              <a:lnSpc>
-                <a:spcPct val="150000"/>
-              </a:lnSpc>
-            </a:pPr>
-            <a:r>
-              <a:rPr lang="en-US" altLang="zh-TW" sz="2400" dirty="0"/>
-              <a:t>Introduction</a:t>
-            </a:r>
-          </a:p>
-          <a:p>
-            <a:pPr>
-              <a:lnSpc>
-                <a:spcPct val="150000"/>
-              </a:lnSpc>
-            </a:pPr>
-            <a:r>
-              <a:rPr lang="en-US" altLang="zh-TW" sz="2400" dirty="0"/>
-              <a:t>Preliminaries</a:t>
-            </a:r>
-          </a:p>
-          <a:p>
-            <a:pPr>
-              <a:lnSpc>
-                <a:spcPct val="150000"/>
-              </a:lnSpc>
-            </a:pPr>
-            <a:r>
-              <a:rPr lang="en-US" altLang="zh-TW" sz="2400" dirty="0"/>
-              <a:t>Proposed Algorithm</a:t>
-            </a:r>
-          </a:p>
-          <a:p>
-            <a:pPr>
-              <a:lnSpc>
-                <a:spcPct val="150000"/>
-              </a:lnSpc>
-            </a:pPr>
-            <a:r>
-              <a:rPr lang="en-US" altLang="zh-TW" sz="2400" dirty="0"/>
-              <a:t>Experimental Result</a:t>
-            </a:r>
-            <a:endParaRPr lang="zh-TW" altLang="en-US" sz="2400" dirty="0"/>
-          </a:p>
-        </p:txBody>
-      </p:sp>
+      <mc:AlternateContent xmlns:mc="http://schemas.openxmlformats.org/markup-compatibility/2006" xmlns:a14="http://schemas.microsoft.com/office/drawing/2010/main">
+        <mc:Choice Requires="a14">
+          <p:sp>
+            <p:nvSpPr>
+              <p:cNvPr id="3" name="內容版面配置區 2">
+                <a:extLst>
+                  <a:ext uri="{FF2B5EF4-FFF2-40B4-BE49-F238E27FC236}">
+                    <a16:creationId xmlns:a16="http://schemas.microsoft.com/office/drawing/2014/main" id="{5AFEE557-734F-FA16-0174-9BE0CB22EC11}"/>
+                  </a:ext>
+                </a:extLst>
+              </p:cNvPr>
+              <p:cNvSpPr>
+                <a:spLocks noGrp="1"/>
+              </p:cNvSpPr>
+              <p:nvPr>
+                <p:ph idx="1"/>
+              </p:nvPr>
+            </p:nvSpPr>
+            <p:spPr/>
+            <p:txBody>
+              <a:bodyPr>
+                <a:normAutofit lnSpcReduction="10000"/>
+              </a:bodyPr>
+              <a:lstStyle/>
+              <a:p>
+                <a:pPr marL="0" indent="0">
+                  <a:buNone/>
+                </a:pPr>
+                <a:r>
+                  <a:rPr lang="en-US" altLang="zh-TW" sz="2200" b="1" dirty="0"/>
+                  <a:t>(2)  Framework of the refinement algorithm</a:t>
+                </a:r>
+              </a:p>
+              <a:p>
+                <a:pPr marL="457200" indent="-457200">
+                  <a:buAutoNum type="arabicParenBoth"/>
+                </a:pPr>
+                <a:endParaRPr lang="en-US" altLang="zh-TW" sz="400" b="1" dirty="0"/>
+              </a:p>
+              <a:p>
+                <a:pPr lvl="1">
+                  <a:lnSpc>
+                    <a:spcPct val="150000"/>
+                  </a:lnSpc>
+                </a:pPr>
+                <a:r>
+                  <a:rPr lang="en-US" altLang="zh-TW" sz="2000" dirty="0"/>
+                  <a:t> To determine the optimal child node in the quadtree.</a:t>
+                </a:r>
+              </a:p>
+              <a:p>
+                <a:pPr lvl="1">
+                  <a:lnSpc>
+                    <a:spcPct val="150000"/>
+                  </a:lnSpc>
+                </a:pPr>
+                <a:endParaRPr lang="en-US" altLang="zh-TW" sz="500" dirty="0"/>
+              </a:p>
+              <a:p>
+                <a:pPr lvl="1">
+                  <a:lnSpc>
+                    <a:spcPct val="150000"/>
+                  </a:lnSpc>
+                </a:pPr>
+                <a:r>
+                  <a:rPr lang="en-US" altLang="zh-TW" sz="2000" dirty="0"/>
+                  <a:t> </a:t>
+                </a:r>
+              </a:p>
+              <a:p>
+                <a:pPr lvl="1">
+                  <a:lnSpc>
+                    <a:spcPct val="150000"/>
+                  </a:lnSpc>
+                </a:pPr>
+                <a:endParaRPr lang="en-US" altLang="zh-TW" sz="2000" dirty="0"/>
+              </a:p>
+              <a:p>
+                <a:pPr lvl="1">
+                  <a:lnSpc>
+                    <a:spcPct val="150000"/>
+                  </a:lnSpc>
+                </a:pPr>
+                <a:endParaRPr lang="en-US" altLang="zh-TW" sz="1200" dirty="0"/>
+              </a:p>
+              <a:p>
+                <a:pPr lvl="1">
+                  <a:lnSpc>
+                    <a:spcPct val="150000"/>
+                  </a:lnSpc>
+                  <a:buFont typeface="Wingdings" panose="05000000000000000000" pitchFamily="2" charset="2"/>
+                  <a:buChar char="Ø"/>
+                </a:pPr>
+                <a:r>
+                  <a:rPr lang="en-US" altLang="zh-TW" sz="1600" dirty="0"/>
+                  <a:t> </a:t>
+                </a:r>
+                <a14:m>
+                  <m:oMath xmlns:m="http://schemas.openxmlformats.org/officeDocument/2006/math">
+                    <m:sSub>
+                      <m:sSubPr>
+                        <m:ctrlPr>
+                          <a:rPr lang="en-US" altLang="zh-TW" sz="1600" i="1" smtClean="0">
+                            <a:latin typeface="Cambria Math" panose="02040503050406030204" pitchFamily="18" charset="0"/>
+                          </a:rPr>
+                        </m:ctrlPr>
+                      </m:sSubPr>
+                      <m:e>
+                        <m:r>
+                          <a:rPr lang="en-US" altLang="zh-TW" sz="1600" b="0" i="1" smtClean="0">
+                            <a:latin typeface="Cambria Math" panose="02040503050406030204" pitchFamily="18" charset="0"/>
+                          </a:rPr>
+                          <m:t>𝐺</m:t>
+                        </m:r>
+                      </m:e>
+                      <m:sub>
+                        <m:r>
+                          <a:rPr lang="en-US" altLang="zh-TW" sz="1600" b="0" i="1" smtClean="0">
+                            <a:latin typeface="Cambria Math" panose="02040503050406030204" pitchFamily="18" charset="0"/>
+                          </a:rPr>
+                          <m:t>𝑣</m:t>
+                        </m:r>
+                      </m:sub>
+                    </m:sSub>
+                    <m:r>
+                      <a:rPr lang="en-US" altLang="zh-TW" sz="1600" b="0" i="1" smtClean="0">
+                        <a:latin typeface="Cambria Math" panose="02040503050406030204" pitchFamily="18" charset="0"/>
+                      </a:rPr>
+                      <m:t> :</m:t>
+                    </m:r>
+                    <m:r>
+                      <a:rPr lang="en-US" altLang="zh-TW" sz="1600" b="0" i="0" smtClean="0">
+                        <a:latin typeface="Cambria Math" panose="02040503050406030204" pitchFamily="18" charset="0"/>
+                      </a:rPr>
+                      <m:t> </m:t>
+                    </m:r>
+                  </m:oMath>
+                </a14:m>
+                <a:r>
+                  <a:rPr lang="en-US" altLang="zh-TW" sz="1600" dirty="0"/>
+                  <a:t>the complete set of anchors for cell </a:t>
+                </a:r>
+                <a14:m>
+                  <m:oMath xmlns:m="http://schemas.openxmlformats.org/officeDocument/2006/math">
+                    <m:r>
+                      <a:rPr lang="en-US" altLang="zh-TW" sz="1600" b="0" i="1" smtClean="0">
+                        <a:latin typeface="Cambria Math" panose="02040503050406030204" pitchFamily="18" charset="0"/>
+                      </a:rPr>
+                      <m:t>𝑣</m:t>
+                    </m:r>
+                  </m:oMath>
+                </a14:m>
+                <a:r>
+                  <a:rPr lang="en-US" altLang="zh-TW" sz="1600" dirty="0"/>
+                  <a:t>.</a:t>
+                </a:r>
+              </a:p>
+              <a:p>
+                <a:pPr lvl="1">
+                  <a:lnSpc>
+                    <a:spcPct val="150000"/>
+                  </a:lnSpc>
+                  <a:buFont typeface="Wingdings" panose="05000000000000000000" pitchFamily="2" charset="2"/>
+                  <a:buChar char="Ø"/>
+                </a:pPr>
+                <a:r>
+                  <a:rPr lang="en-US" altLang="zh-TW" sz="1600" dirty="0"/>
+                  <a:t> </a:t>
+                </a:r>
+                <a14:m>
+                  <m:oMath xmlns:m="http://schemas.openxmlformats.org/officeDocument/2006/math">
+                    <m:sSub>
+                      <m:sSubPr>
+                        <m:ctrlPr>
+                          <a:rPr lang="en-US" altLang="zh-TW" sz="1600" i="1" smtClean="0">
+                            <a:latin typeface="Cambria Math" panose="02040503050406030204" pitchFamily="18" charset="0"/>
+                          </a:rPr>
+                        </m:ctrlPr>
+                      </m:sSubPr>
+                      <m:e>
+                        <m:r>
+                          <a:rPr lang="en-US" altLang="zh-TW" sz="1600" b="0" i="1" smtClean="0">
+                            <a:latin typeface="Cambria Math" panose="02040503050406030204" pitchFamily="18" charset="0"/>
+                          </a:rPr>
+                          <m:t>𝑤</m:t>
+                        </m:r>
+                      </m:e>
+                      <m:sub>
+                        <m:r>
+                          <a:rPr lang="en-US" altLang="zh-TW" sz="1600" b="0" i="1" smtClean="0">
+                            <a:latin typeface="Cambria Math" panose="02040503050406030204" pitchFamily="18" charset="0"/>
+                          </a:rPr>
+                          <m:t>𝑔</m:t>
+                        </m:r>
+                      </m:sub>
+                    </m:sSub>
+                    <m:r>
+                      <a:rPr lang="en-US" altLang="zh-TW" sz="1600" b="0" i="1" smtClean="0">
+                        <a:latin typeface="Cambria Math" panose="02040503050406030204" pitchFamily="18" charset="0"/>
+                      </a:rPr>
+                      <m:t>:</m:t>
+                    </m:r>
+                  </m:oMath>
+                </a14:m>
+                <a:r>
+                  <a:rPr lang="en-US" altLang="zh-TW" sz="1600" dirty="0"/>
+                  <a:t> the weight of the anchor connection </a:t>
+                </a:r>
+                <a14:m>
+                  <m:oMath xmlns:m="http://schemas.openxmlformats.org/officeDocument/2006/math">
+                    <m:r>
+                      <a:rPr lang="en-US" altLang="zh-TW" sz="1600" b="0" i="1" smtClean="0">
+                        <a:latin typeface="Cambria Math" panose="02040503050406030204" pitchFamily="18" charset="0"/>
+                      </a:rPr>
+                      <m:t>𝑔</m:t>
+                    </m:r>
+                  </m:oMath>
+                </a14:m>
+                <a:r>
+                  <a:rPr lang="en-US" altLang="zh-TW" sz="1600" dirty="0"/>
+                  <a:t> (</a:t>
+                </a:r>
+                <a14:m>
+                  <m:oMath xmlns:m="http://schemas.openxmlformats.org/officeDocument/2006/math">
+                    <m:sSub>
+                      <m:sSubPr>
+                        <m:ctrlPr>
+                          <a:rPr lang="en-US" altLang="zh-TW" sz="1600" i="1" dirty="0" smtClean="0">
+                            <a:latin typeface="Cambria Math" panose="02040503050406030204" pitchFamily="18" charset="0"/>
+                          </a:rPr>
+                        </m:ctrlPr>
+                      </m:sSubPr>
+                      <m:e>
+                        <m:r>
+                          <a:rPr lang="en-US" altLang="zh-TW" sz="1600" b="0" i="1" dirty="0" smtClean="0">
+                            <a:latin typeface="Cambria Math" panose="02040503050406030204" pitchFamily="18" charset="0"/>
+                          </a:rPr>
+                          <m:t>𝑤</m:t>
+                        </m:r>
+                      </m:e>
+                      <m:sub>
+                        <m:r>
+                          <a:rPr lang="en-US" altLang="zh-TW" sz="1600" b="0" i="1" dirty="0" smtClean="0">
+                            <a:latin typeface="Cambria Math" panose="02040503050406030204" pitchFamily="18" charset="0"/>
+                          </a:rPr>
+                          <m:t>𝑔</m:t>
+                        </m:r>
+                      </m:sub>
+                    </m:sSub>
+                    <m:r>
+                      <a:rPr lang="en-US" altLang="zh-TW" sz="1600" b="0" i="1" dirty="0" smtClean="0">
+                        <a:latin typeface="Cambria Math" panose="02040503050406030204" pitchFamily="18" charset="0"/>
+                      </a:rPr>
+                      <m:t>= </m:t>
+                    </m:r>
+                    <m:f>
+                      <m:fPr>
+                        <m:ctrlPr>
+                          <a:rPr lang="en-US" altLang="zh-TW" sz="1600" b="0" i="1" dirty="0" smtClean="0">
+                            <a:latin typeface="Cambria Math" panose="02040503050406030204" pitchFamily="18" charset="0"/>
+                          </a:rPr>
+                        </m:ctrlPr>
+                      </m:fPr>
+                      <m:num>
+                        <m:r>
+                          <a:rPr lang="en-US" altLang="zh-TW" sz="1600" b="0" i="1" dirty="0" smtClean="0">
+                            <a:latin typeface="Cambria Math" panose="02040503050406030204" pitchFamily="18" charset="0"/>
+                          </a:rPr>
+                          <m:t>1</m:t>
+                        </m:r>
+                      </m:num>
+                      <m:den>
+                        <m:sSub>
+                          <m:sSubPr>
+                            <m:ctrlPr>
+                              <a:rPr lang="en-US" altLang="zh-TW" sz="1600" b="0" i="1" dirty="0" smtClean="0">
+                                <a:latin typeface="Cambria Math" panose="02040503050406030204" pitchFamily="18" charset="0"/>
+                              </a:rPr>
+                            </m:ctrlPr>
+                          </m:sSubPr>
+                          <m:e>
+                            <m:r>
+                              <a:rPr lang="en-US" altLang="zh-TW" sz="1600" b="0" i="1" dirty="0" smtClean="0">
+                                <a:latin typeface="Cambria Math" panose="02040503050406030204" pitchFamily="18" charset="0"/>
+                              </a:rPr>
+                              <m:t>𝑁</m:t>
+                            </m:r>
+                          </m:e>
+                          <m:sub>
+                            <m:r>
+                              <a:rPr lang="en-US" altLang="zh-TW" sz="1600" b="0" i="1" dirty="0" smtClean="0">
+                                <a:latin typeface="Cambria Math" panose="02040503050406030204" pitchFamily="18" charset="0"/>
+                              </a:rPr>
+                              <m:t>𝑎𝑛𝑐h𝑜𝑟</m:t>
+                            </m:r>
+                          </m:sub>
+                        </m:sSub>
+                      </m:den>
+                    </m:f>
+                  </m:oMath>
+                </a14:m>
+                <a:r>
+                  <a:rPr lang="en-US" altLang="zh-TW" sz="1600" dirty="0"/>
+                  <a:t>).</a:t>
+                </a:r>
+              </a:p>
+              <a:p>
+                <a:pPr lvl="1">
+                  <a:lnSpc>
+                    <a:spcPct val="150000"/>
+                  </a:lnSpc>
+                  <a:buFont typeface="Wingdings" panose="05000000000000000000" pitchFamily="2" charset="2"/>
+                  <a:buChar char="Ø"/>
+                </a:pPr>
+                <a:r>
+                  <a:rPr lang="en-US" altLang="zh-TW" sz="1600" dirty="0"/>
+                  <a:t> </a:t>
+                </a:r>
+                <a14:m>
+                  <m:oMath xmlns:m="http://schemas.openxmlformats.org/officeDocument/2006/math">
+                    <m:sSub>
+                      <m:sSubPr>
+                        <m:ctrlPr>
+                          <a:rPr lang="en-US" altLang="zh-TW" sz="1600" i="1" smtClean="0">
+                            <a:latin typeface="Cambria Math" panose="02040503050406030204" pitchFamily="18" charset="0"/>
+                          </a:rPr>
+                        </m:ctrlPr>
+                      </m:sSubPr>
+                      <m:e>
+                        <m:r>
+                          <a:rPr lang="en-US" altLang="zh-TW" sz="1600" b="0" i="1" smtClean="0">
+                            <a:latin typeface="Cambria Math" panose="02040503050406030204" pitchFamily="18" charset="0"/>
+                          </a:rPr>
+                          <m:t>𝑑</m:t>
+                        </m:r>
+                      </m:e>
+                      <m:sub>
+                        <m:r>
+                          <a:rPr lang="en-US" altLang="zh-TW" sz="1600" b="0" i="1" smtClean="0">
+                            <a:latin typeface="Cambria Math" panose="02040503050406030204" pitchFamily="18" charset="0"/>
+                          </a:rPr>
+                          <m:t>𝑥</m:t>
+                        </m:r>
+                      </m:sub>
+                    </m:sSub>
+                    <m:r>
+                      <a:rPr lang="en-US" altLang="zh-TW" sz="1600" b="0" i="1" smtClean="0">
+                        <a:latin typeface="Cambria Math" panose="02040503050406030204" pitchFamily="18" charset="0"/>
+                      </a:rPr>
+                      <m:t>(</m:t>
+                    </m:r>
+                    <m:r>
+                      <a:rPr lang="en-US" altLang="zh-TW" sz="1600" b="0" i="1" smtClean="0">
+                        <a:latin typeface="Cambria Math" panose="02040503050406030204" pitchFamily="18" charset="0"/>
+                      </a:rPr>
+                      <m:t>𝑔</m:t>
+                    </m:r>
+                    <m:r>
+                      <a:rPr lang="en-US" altLang="zh-TW" sz="1600" b="0" i="1" smtClean="0">
+                        <a:latin typeface="Cambria Math" panose="02040503050406030204" pitchFamily="18" charset="0"/>
+                      </a:rPr>
+                      <m:t>)</m:t>
+                    </m:r>
+                  </m:oMath>
+                </a14:m>
+                <a:r>
+                  <a:rPr lang="en-US" altLang="zh-TW" sz="1600" dirty="0"/>
+                  <a:t>: the spanning lengths of connection </a:t>
+                </a:r>
+                <a14:m>
+                  <m:oMath xmlns:m="http://schemas.openxmlformats.org/officeDocument/2006/math">
+                    <m:r>
+                      <a:rPr lang="en-US" altLang="zh-TW" sz="1600" b="0" i="1" smtClean="0">
+                        <a:latin typeface="Cambria Math" panose="02040503050406030204" pitchFamily="18" charset="0"/>
+                      </a:rPr>
+                      <m:t>𝑔</m:t>
+                    </m:r>
+                  </m:oMath>
+                </a14:m>
+                <a:r>
+                  <a:rPr lang="en-US" altLang="zh-TW" sz="1600" dirty="0"/>
+                  <a:t> in x direction. </a:t>
+                </a:r>
+              </a:p>
+              <a:p>
+                <a:pPr lvl="1">
+                  <a:lnSpc>
+                    <a:spcPct val="150000"/>
+                  </a:lnSpc>
+                  <a:buFont typeface="Wingdings" panose="05000000000000000000" pitchFamily="2" charset="2"/>
+                  <a:buChar char="Ø"/>
+                </a:pPr>
+                <a:r>
+                  <a:rPr lang="en-US" altLang="zh-TW" sz="1600" dirty="0"/>
+                  <a:t> </a:t>
+                </a:r>
+                <a14:m>
+                  <m:oMath xmlns:m="http://schemas.openxmlformats.org/officeDocument/2006/math">
+                    <m:sSub>
+                      <m:sSubPr>
+                        <m:ctrlPr>
+                          <a:rPr lang="en-US" altLang="zh-TW" sz="1600" i="1" smtClean="0">
+                            <a:latin typeface="Cambria Math" panose="02040503050406030204" pitchFamily="18" charset="0"/>
+                          </a:rPr>
+                        </m:ctrlPr>
+                      </m:sSubPr>
+                      <m:e>
+                        <m:r>
+                          <a:rPr lang="en-US" altLang="zh-TW" sz="1600" b="0" i="1" smtClean="0">
+                            <a:latin typeface="Cambria Math" panose="02040503050406030204" pitchFamily="18" charset="0"/>
+                          </a:rPr>
+                          <m:t>𝑑</m:t>
+                        </m:r>
+                      </m:e>
+                      <m:sub>
+                        <m:r>
+                          <a:rPr lang="en-US" altLang="zh-TW" sz="1600" b="0" i="1" smtClean="0">
+                            <a:latin typeface="Cambria Math" panose="02040503050406030204" pitchFamily="18" charset="0"/>
+                          </a:rPr>
+                          <m:t>𝑦</m:t>
+                        </m:r>
+                      </m:sub>
+                    </m:sSub>
+                    <m:r>
+                      <a:rPr lang="en-US" altLang="zh-TW" sz="1600" b="0" i="1" smtClean="0">
+                        <a:latin typeface="Cambria Math" panose="02040503050406030204" pitchFamily="18" charset="0"/>
+                      </a:rPr>
+                      <m:t>(</m:t>
+                    </m:r>
+                    <m:r>
+                      <a:rPr lang="en-US" altLang="zh-TW" sz="1600" b="0" i="1" smtClean="0">
+                        <a:latin typeface="Cambria Math" panose="02040503050406030204" pitchFamily="18" charset="0"/>
+                      </a:rPr>
+                      <m:t>𝑔</m:t>
+                    </m:r>
+                    <m:r>
+                      <a:rPr lang="en-US" altLang="zh-TW" sz="1600" b="0" i="1" smtClean="0">
+                        <a:latin typeface="Cambria Math" panose="02040503050406030204" pitchFamily="18" charset="0"/>
+                      </a:rPr>
+                      <m:t>)</m:t>
+                    </m:r>
+                  </m:oMath>
+                </a14:m>
+                <a:r>
+                  <a:rPr lang="en-US" altLang="zh-TW" sz="1600" dirty="0"/>
+                  <a:t>: the spanning lengths of connection </a:t>
+                </a:r>
+                <a14:m>
+                  <m:oMath xmlns:m="http://schemas.openxmlformats.org/officeDocument/2006/math">
+                    <m:r>
+                      <a:rPr lang="en-US" altLang="zh-TW" sz="1600" b="0" i="1" smtClean="0">
+                        <a:latin typeface="Cambria Math" panose="02040503050406030204" pitchFamily="18" charset="0"/>
+                      </a:rPr>
+                      <m:t>𝑔</m:t>
+                    </m:r>
+                  </m:oMath>
+                </a14:m>
+                <a:r>
+                  <a:rPr lang="en-US" altLang="zh-TW" sz="1600" dirty="0"/>
+                  <a:t> in y direction.</a:t>
+                </a:r>
+              </a:p>
+            </p:txBody>
+          </p:sp>
+        </mc:Choice>
+        <mc:Fallback xmlns="">
+          <p:sp>
+            <p:nvSpPr>
+              <p:cNvPr id="3" name="內容版面配置區 2">
+                <a:extLst>
+                  <a:ext uri="{FF2B5EF4-FFF2-40B4-BE49-F238E27FC236}">
+                    <a16:creationId xmlns:a16="http://schemas.microsoft.com/office/drawing/2014/main" id="{5AFEE557-734F-FA16-0174-9BE0CB22EC11}"/>
+                  </a:ext>
+                </a:extLst>
+              </p:cNvPr>
+              <p:cNvSpPr>
+                <a:spLocks noGrp="1" noRot="1" noChangeAspect="1" noMove="1" noResize="1" noEditPoints="1" noAdjustHandles="1" noChangeArrowheads="1" noChangeShapeType="1" noTextEdit="1"/>
+              </p:cNvSpPr>
+              <p:nvPr>
+                <p:ph idx="1"/>
+              </p:nvPr>
+            </p:nvSpPr>
+            <p:spPr>
+              <a:blipFill>
+                <a:blip r:embed="rId3"/>
+                <a:stretch>
+                  <a:fillRect l="-754" t="-2381" b="-140"/>
+                </a:stretch>
+              </a:blipFill>
+            </p:spPr>
+            <p:txBody>
+              <a:bodyPr/>
+              <a:lstStyle/>
+              <a:p>
+                <a:r>
+                  <a:rPr lang="zh-TW" altLang="en-US">
+                    <a:noFill/>
+                  </a:rPr>
+                  <a:t> </a:t>
+                </a:r>
+              </a:p>
+            </p:txBody>
+          </p:sp>
+        </mc:Fallback>
+      </mc:AlternateContent>
       <p:sp>
         <p:nvSpPr>
           <p:cNvPr id="4" name="投影片編號版面配置區 3">
             <a:extLst>
               <a:ext uri="{FF2B5EF4-FFF2-40B4-BE49-F238E27FC236}">
-                <a16:creationId xmlns:a16="http://schemas.microsoft.com/office/drawing/2014/main" id="{5891B803-9796-C957-1032-D2F5DFAFFD47}"/>
+                <a16:creationId xmlns:a16="http://schemas.microsoft.com/office/drawing/2014/main" id="{72801BE4-BCD6-0DEB-C76E-5A0BD501A322}"/>
               </a:ext>
             </a:extLst>
           </p:cNvPr>
@@ -11530,16 +13822,46 @@
           <a:p>
             <a:fld id="{666274A1-CF9C-426A-8DD4-B13ED0C24231}" type="slidenum">
               <a:rPr lang="en-US" smtClean="0"/>
-              <a:t>1</a:t>
+              <a:t>22</a:t>
             </a:fld>
             <a:endParaRPr lang="en-US"/>
           </a:p>
         </p:txBody>
       </p:sp>
+      <p:pic>
+        <p:nvPicPr>
+          <p:cNvPr id="6" name="圖片 5">
+            <a:extLst>
+              <a:ext uri="{FF2B5EF4-FFF2-40B4-BE49-F238E27FC236}">
+                <a16:creationId xmlns:a16="http://schemas.microsoft.com/office/drawing/2014/main" id="{0AD2AC69-E18B-3535-760D-8DC27F202DF7}"/>
+              </a:ext>
+            </a:extLst>
+          </p:cNvPr>
+          <p:cNvPicPr>
+            <a:picLocks noChangeAspect="1"/>
+          </p:cNvPicPr>
+          <p:nvPr/>
+        </p:nvPicPr>
+        <p:blipFill>
+          <a:blip r:embed="rId4"/>
+          <a:stretch>
+            <a:fillRect/>
+          </a:stretch>
+        </p:blipFill>
+        <p:spPr>
+          <a:xfrm>
+            <a:off x="1639502" y="3090834"/>
+            <a:ext cx="4081112" cy="676332"/>
+          </a:xfrm>
+          <a:prstGeom prst="rect">
+            <a:avLst/>
+          </a:prstGeom>
+        </p:spPr>
+      </p:pic>
     </p:spTree>
     <p:extLst>
       <p:ext uri="{BB962C8B-B14F-4D97-AF65-F5344CB8AC3E}">
-        <p14:creationId xmlns:p14="http://schemas.microsoft.com/office/powerpoint/2010/main" val="701454037"/>
+        <p14:creationId xmlns:p14="http://schemas.microsoft.com/office/powerpoint/2010/main" val="584877788"/>
       </p:ext>
     </p:extLst>
   </p:cSld>
@@ -11549,7 +13871,7 @@
 </p:sld>
 </file>
 
-<file path=ppt/slides/slide20.xml><?xml version="1.0" encoding="utf-8"?>
+<file path=ppt/slides/slide24.xml><?xml version="1.0" encoding="utf-8"?>
 <p:sld xmlns:a="http://schemas.openxmlformats.org/drawingml/2006/main" xmlns:r="http://schemas.openxmlformats.org/officeDocument/2006/relationships" xmlns:p="http://schemas.openxmlformats.org/presentationml/2006/main">
   <p:cSld>
     <p:spTree>
@@ -11633,39 +13955,6 @@
       </p:sp>
       <p:sp>
         <p:nvSpPr>
-          <p:cNvPr id="3" name="內容版面配置區 2">
-            <a:extLst>
-              <a:ext uri="{FF2B5EF4-FFF2-40B4-BE49-F238E27FC236}">
-                <a16:creationId xmlns:a16="http://schemas.microsoft.com/office/drawing/2014/main" id="{78167244-533E-F277-9ABA-3735AECF848E}"/>
-              </a:ext>
-            </a:extLst>
-          </p:cNvPr>
-          <p:cNvSpPr>
-            <a:spLocks noGrp="1"/>
-          </p:cNvSpPr>
-          <p:nvPr>
-            <p:ph idx="1"/>
-          </p:nvPr>
-        </p:nvSpPr>
-        <p:spPr/>
-        <p:txBody>
-          <a:bodyPr>
-            <a:normAutofit/>
-          </a:bodyPr>
-          <a:lstStyle/>
-          <a:p>
-            <a:pPr marL="0" indent="0">
-              <a:buNone/>
-            </a:pPr>
-            <a:r>
-              <a:rPr lang="en-US" altLang="zh-TW" sz="2200" b="1" dirty="0"/>
-              <a:t>(2)  Framework of the refinement algorithm</a:t>
-            </a:r>
-          </a:p>
-        </p:txBody>
-      </p:sp>
-      <p:sp>
-        <p:nvSpPr>
           <p:cNvPr id="4" name="投影片編號版面配置區 3">
             <a:extLst>
               <a:ext uri="{FF2B5EF4-FFF2-40B4-BE49-F238E27FC236}">
@@ -11687,94 +13976,115 @@
           <a:p>
             <a:fld id="{666274A1-CF9C-426A-8DD4-B13ED0C24231}" type="slidenum">
               <a:rPr lang="en-US" smtClean="0"/>
-              <a:t>19</a:t>
+              <a:t>23</a:t>
             </a:fld>
             <a:endParaRPr lang="en-US"/>
           </a:p>
         </p:txBody>
       </p:sp>
-      <p:pic>
-        <p:nvPicPr>
-          <p:cNvPr id="6" name="圖片 5">
+      <p:grpSp>
+        <p:nvGrpSpPr>
+          <p:cNvPr id="5" name="群組 4">
             <a:extLst>
               <a:ext uri="{FF2B5EF4-FFF2-40B4-BE49-F238E27FC236}">
-                <a16:creationId xmlns:a16="http://schemas.microsoft.com/office/drawing/2014/main" id="{B550A429-2FCA-F7E5-E55C-0B8FF06B360D}"/>
+                <a16:creationId xmlns:a16="http://schemas.microsoft.com/office/drawing/2014/main" id="{0835DCF3-09CF-3CE1-D66F-87B2ABB10645}"/>
               </a:ext>
             </a:extLst>
           </p:cNvPr>
-          <p:cNvPicPr>
-            <a:picLocks noChangeAspect="1"/>
-          </p:cNvPicPr>
+          <p:cNvGrpSpPr/>
           <p:nvPr/>
-        </p:nvPicPr>
-        <p:blipFill>
-          <a:blip r:embed="rId3"/>
-          <a:stretch>
-            <a:fillRect/>
-          </a:stretch>
-        </p:blipFill>
-        <p:spPr>
+        </p:nvGrpSpPr>
+        <p:grpSpPr>
           <a:xfrm>
-            <a:off x="2446731" y="229381"/>
-            <a:ext cx="7298537" cy="6399237"/>
+            <a:off x="3132699" y="1578319"/>
+            <a:ext cx="5926601" cy="4825933"/>
+            <a:chOff x="2446731" y="229381"/>
+            <a:chExt cx="7602044" cy="6399237"/>
           </a:xfrm>
-          <a:prstGeom prst="rect">
-            <a:avLst/>
-          </a:prstGeom>
-        </p:spPr>
-      </p:pic>
-      <p:sp>
-        <p:nvSpPr>
-          <p:cNvPr id="7" name="矩形 6">
-            <a:extLst>
-              <a:ext uri="{FF2B5EF4-FFF2-40B4-BE49-F238E27FC236}">
-                <a16:creationId xmlns:a16="http://schemas.microsoft.com/office/drawing/2014/main" id="{04C61EFA-6A10-E726-96B1-1F24100DA7B4}"/>
-              </a:ext>
-            </a:extLst>
-          </p:cNvPr>
-          <p:cNvSpPr/>
-          <p:nvPr/>
-        </p:nvSpPr>
-        <p:spPr>
-          <a:xfrm>
-            <a:off x="3118585" y="2387065"/>
-            <a:ext cx="6930190" cy="1597794"/>
-          </a:xfrm>
-          <a:prstGeom prst="rect">
-            <a:avLst/>
-          </a:prstGeom>
-          <a:noFill/>
-          <a:ln w="28575">
-            <a:solidFill>
-              <a:srgbClr val="FF0000"/>
-            </a:solidFill>
-          </a:ln>
-        </p:spPr>
-        <p:style>
-          <a:lnRef idx="2">
-            <a:schemeClr val="accent1">
-              <a:shade val="15000"/>
-            </a:schemeClr>
-          </a:lnRef>
-          <a:fillRef idx="1">
-            <a:schemeClr val="accent1"/>
-          </a:fillRef>
-          <a:effectRef idx="0">
-            <a:schemeClr val="accent1"/>
-          </a:effectRef>
-          <a:fontRef idx="minor">
-            <a:schemeClr val="lt1"/>
-          </a:fontRef>
-        </p:style>
-        <p:txBody>
-          <a:bodyPr rtlCol="0" anchor="ctr"/>
-          <a:lstStyle/>
-          <a:p>
-            <a:pPr algn="ctr"/>
-            <a:endParaRPr lang="zh-TW" altLang="en-US"/>
-          </a:p>
-        </p:txBody>
-      </p:sp>
+        </p:grpSpPr>
+        <p:pic>
+          <p:nvPicPr>
+            <p:cNvPr id="6" name="圖片 5">
+              <a:extLst>
+                <a:ext uri="{FF2B5EF4-FFF2-40B4-BE49-F238E27FC236}">
+                  <a16:creationId xmlns:a16="http://schemas.microsoft.com/office/drawing/2014/main" id="{B550A429-2FCA-F7E5-E55C-0B8FF06B360D}"/>
+                </a:ext>
+              </a:extLst>
+            </p:cNvPr>
+            <p:cNvPicPr>
+              <a:picLocks noChangeAspect="1"/>
+            </p:cNvPicPr>
+            <p:nvPr/>
+          </p:nvPicPr>
+          <p:blipFill>
+            <a:blip r:embed="rId3"/>
+            <a:stretch>
+              <a:fillRect/>
+            </a:stretch>
+          </p:blipFill>
+          <p:spPr>
+            <a:xfrm>
+              <a:off x="2446731" y="229381"/>
+              <a:ext cx="7298537" cy="6399237"/>
+            </a:xfrm>
+            <a:prstGeom prst="rect">
+              <a:avLst/>
+            </a:prstGeom>
+          </p:spPr>
+        </p:pic>
+        <p:sp>
+          <p:nvSpPr>
+            <p:cNvPr id="7" name="矩形 6">
+              <a:extLst>
+                <a:ext uri="{FF2B5EF4-FFF2-40B4-BE49-F238E27FC236}">
+                  <a16:creationId xmlns:a16="http://schemas.microsoft.com/office/drawing/2014/main" id="{04C61EFA-6A10-E726-96B1-1F24100DA7B4}"/>
+                </a:ext>
+              </a:extLst>
+            </p:cNvPr>
+            <p:cNvSpPr/>
+            <p:nvPr/>
+          </p:nvSpPr>
+          <p:spPr>
+            <a:xfrm>
+              <a:off x="3118585" y="2339503"/>
+              <a:ext cx="6930190" cy="1597794"/>
+            </a:xfrm>
+            <a:prstGeom prst="rect">
+              <a:avLst/>
+            </a:prstGeom>
+            <a:noFill/>
+            <a:ln w="28575">
+              <a:solidFill>
+                <a:srgbClr val="FF0000"/>
+              </a:solidFill>
+            </a:ln>
+          </p:spPr>
+          <p:style>
+            <a:lnRef idx="2">
+              <a:schemeClr val="accent1">
+                <a:shade val="15000"/>
+              </a:schemeClr>
+            </a:lnRef>
+            <a:fillRef idx="1">
+              <a:schemeClr val="accent1"/>
+            </a:fillRef>
+            <a:effectRef idx="0">
+              <a:schemeClr val="accent1"/>
+            </a:effectRef>
+            <a:fontRef idx="minor">
+              <a:schemeClr val="lt1"/>
+            </a:fontRef>
+          </p:style>
+          <p:txBody>
+            <a:bodyPr rtlCol="0" anchor="ctr"/>
+            <a:lstStyle/>
+            <a:p>
+              <a:pPr algn="ctr"/>
+              <a:endParaRPr lang="zh-TW" altLang="en-US"/>
+            </a:p>
+          </p:txBody>
+        </p:sp>
+      </p:grpSp>
     </p:spTree>
     <p:extLst>
       <p:ext uri="{BB962C8B-B14F-4D97-AF65-F5344CB8AC3E}">
@@ -11785,89 +14095,11 @@
   <p:clrMapOvr>
     <a:masterClrMapping/>
   </p:clrMapOvr>
-  <p:timing>
-    <p:tnLst>
-      <p:par>
-        <p:cTn id="1" dur="indefinite" restart="never" nodeType="tmRoot">
-          <p:childTnLst>
-            <p:seq concurrent="1" nextAc="seek">
-              <p:cTn id="2" dur="indefinite" nodeType="mainSeq">
-                <p:childTnLst>
-                  <p:par>
-                    <p:cTn id="3" fill="hold">
-                      <p:stCondLst>
-                        <p:cond delay="indefinite"/>
-                      </p:stCondLst>
-                      <p:childTnLst>
-                        <p:par>
-                          <p:cTn id="4" fill="hold">
-                            <p:stCondLst>
-                              <p:cond delay="0"/>
-                            </p:stCondLst>
-                            <p:childTnLst>
-                              <p:par>
-                                <p:cTn id="5" presetID="1" presetClass="entr" presetSubtype="0" fill="hold" grpId="0" nodeType="clickEffect">
-                                  <p:stCondLst>
-                                    <p:cond delay="0"/>
-                                  </p:stCondLst>
-                                  <p:childTnLst>
-                                    <p:set>
-                                      <p:cBhvr>
-                                        <p:cTn id="6" dur="1" fill="hold">
-                                          <p:stCondLst>
-                                            <p:cond delay="0"/>
-                                          </p:stCondLst>
-                                        </p:cTn>
-                                        <p:tgtEl>
-                                          <p:spTgt spid="7"/>
-                                        </p:tgtEl>
-                                        <p:attrNameLst>
-                                          <p:attrName>style.visibility</p:attrName>
-                                        </p:attrNameLst>
-                                      </p:cBhvr>
-                                      <p:to>
-                                        <p:strVal val="visible"/>
-                                      </p:to>
-                                    </p:set>
-                                  </p:childTnLst>
-                                </p:cTn>
-                              </p:par>
-                            </p:childTnLst>
-                          </p:cTn>
-                        </p:par>
-                      </p:childTnLst>
-                    </p:cTn>
-                  </p:par>
-                </p:childTnLst>
-              </p:cTn>
-              <p:prevCondLst>
-                <p:cond evt="onPrev" delay="0">
-                  <p:tgtEl>
-                    <p:sldTgt/>
-                  </p:tgtEl>
-                </p:cond>
-              </p:prevCondLst>
-              <p:nextCondLst>
-                <p:cond evt="onNext" delay="0">
-                  <p:tgtEl>
-                    <p:sldTgt/>
-                  </p:tgtEl>
-                </p:cond>
-              </p:nextCondLst>
-            </p:seq>
-          </p:childTnLst>
-        </p:cTn>
-      </p:par>
-    </p:tnLst>
-    <p:bldLst>
-      <p:bldP spid="7" grpId="0" animBg="1"/>
-    </p:bldLst>
-  </p:timing>
 </p:sld>
 </file>
 
-<file path=ppt/slides/slide21.xml><?xml version="1.0" encoding="utf-8"?>
-<p:sld xmlns:a="http://schemas.openxmlformats.org/drawingml/2006/main" xmlns:r="http://schemas.openxmlformats.org/officeDocument/2006/relationships" xmlns:p="http://schemas.openxmlformats.org/presentationml/2006/main">
+<file path=ppt/slides/slide25.xml><?xml version="1.0" encoding="utf-8"?>
+<p:sld xmlns:a="http://schemas.openxmlformats.org/drawingml/2006/main" xmlns:r="http://schemas.openxmlformats.org/officeDocument/2006/relationships" xmlns:p="http://schemas.openxmlformats.org/presentationml/2006/main" show="0">
   <p:cSld>
     <p:spTree>
       <p:nvGrpSpPr>
@@ -12519,7 +14751,7 @@
           <a:p>
             <a:fld id="{666274A1-CF9C-426A-8DD4-B13ED0C24231}" type="slidenum">
               <a:rPr lang="en-US" smtClean="0"/>
-              <a:t>20</a:t>
+              <a:t>24</a:t>
             </a:fld>
             <a:endParaRPr lang="en-US"/>
           </a:p>
@@ -12538,7 +14770,7 @@
 </p:sld>
 </file>
 
-<file path=ppt/slides/slide22.xml><?xml version="1.0" encoding="utf-8"?>
+<file path=ppt/slides/slide26.xml><?xml version="1.0" encoding="utf-8"?>
 <p:sld xmlns:a="http://schemas.openxmlformats.org/drawingml/2006/main" xmlns:r="http://schemas.openxmlformats.org/officeDocument/2006/relationships" xmlns:p="http://schemas.openxmlformats.org/presentationml/2006/main">
   <p:cSld>
     <p:spTree>
@@ -12675,6 +14907,40 @@
             </a:r>
           </a:p>
           <a:p>
+            <a:pPr lvl="1">
+              <a:lnSpc>
+                <a:spcPct val="150000"/>
+              </a:lnSpc>
+            </a:pPr>
+            <a:r>
+              <a:rPr lang="en-US" altLang="zh-TW" sz="2000" dirty="0">
+                <a:solidFill>
+                  <a:schemeClr val="bg1">
+                    <a:lumMod val="65000"/>
+                  </a:schemeClr>
+                </a:solidFill>
+              </a:rPr>
+              <a:t>StWL Optimization in Global Placement</a:t>
+            </a:r>
+          </a:p>
+          <a:p>
+            <a:pPr lvl="1">
+              <a:lnSpc>
+                <a:spcPct val="150000"/>
+              </a:lnSpc>
+            </a:pPr>
+            <a:r>
+              <a:rPr lang="en-US" altLang="zh-TW" sz="2000" dirty="0">
+                <a:solidFill>
+                  <a:schemeClr val="bg1">
+                    <a:lumMod val="65000"/>
+                  </a:schemeClr>
+                </a:solidFill>
+              </a:rPr>
+              <a:t>StWL Optimization in Cell Refinement</a:t>
+            </a:r>
+          </a:p>
+          <a:p>
             <a:pPr>
               <a:lnSpc>
                 <a:spcPct val="150000"/>
@@ -12682,9 +14948,17 @@
             </a:pPr>
             <a:r>
               <a:rPr lang="en-US" altLang="zh-TW" sz="2400" dirty="0"/>
-              <a:t>Experimental Result</a:t>
-            </a:r>
-            <a:endParaRPr lang="zh-TW" altLang="en-US" sz="2400" dirty="0"/>
+              <a:t>Experimental</a:t>
+            </a:r>
+            <a:r>
+              <a:rPr lang="en-US" altLang="zh-TW" dirty="0"/>
+              <a:t> </a:t>
+            </a:r>
+            <a:r>
+              <a:rPr lang="en-US" altLang="zh-TW" sz="2400" dirty="0"/>
+              <a:t>Result</a:t>
+            </a:r>
+            <a:endParaRPr lang="zh-TW" altLang="en-US" dirty="0"/>
           </a:p>
         </p:txBody>
       </p:sp>
@@ -12711,7 +14985,7 @@
           <a:p>
             <a:fld id="{666274A1-CF9C-426A-8DD4-B13ED0C24231}" type="slidenum">
               <a:rPr lang="en-US" smtClean="0"/>
-              <a:t>21</a:t>
+              <a:t>25</a:t>
             </a:fld>
             <a:endParaRPr lang="en-US"/>
           </a:p>
@@ -12730,7 +15004,7 @@
 </p:sld>
 </file>
 
-<file path=ppt/slides/slide23.xml><?xml version="1.0" encoding="utf-8"?>
+<file path=ppt/slides/slide27.xml><?xml version="1.0" encoding="utf-8"?>
 <p:sld xmlns:a="http://schemas.openxmlformats.org/drawingml/2006/main" xmlns:r="http://schemas.openxmlformats.org/officeDocument/2006/relationships" xmlns:p="http://schemas.openxmlformats.org/presentationml/2006/main">
   <p:cSld>
     <p:spTree>
@@ -12896,7 +15170,31 @@
               <a:rPr lang="en-US" altLang="zh-TW" sz="2000" dirty="0">
                 <a:latin typeface="+mj-lt"/>
               </a:rPr>
-              <a:t>Utilize Innovus refinePlace for layout legalization and fine-tuning.</a:t>
+              <a:t>Utilize Innovus refinePlace for </a:t>
+            </a:r>
+            <a:r>
+              <a:rPr lang="en-US" altLang="zh-TW" sz="2000" b="1" dirty="0">
+                <a:latin typeface="+mj-lt"/>
+              </a:rPr>
+              <a:t>layout legalization</a:t>
+            </a:r>
+            <a:r>
+              <a:rPr lang="en-US" altLang="zh-TW" sz="2000" dirty="0">
+                <a:latin typeface="+mj-lt"/>
+              </a:rPr>
+              <a:t> and </a:t>
+            </a:r>
+            <a:r>
+              <a:rPr lang="en-US" altLang="zh-TW" sz="2000" b="1" dirty="0">
+                <a:latin typeface="+mj-lt"/>
+              </a:rPr>
+              <a:t>fine-tuning</a:t>
+            </a:r>
+            <a:r>
+              <a:rPr lang="en-US" altLang="zh-TW" sz="2000" dirty="0">
+                <a:latin typeface="+mj-lt"/>
+              </a:rPr>
+              <a:t>.</a:t>
             </a:r>
           </a:p>
           <a:p>
@@ -12909,7 +15207,19 @@
               <a:rPr lang="en-US" altLang="zh-TW" sz="2000" dirty="0">
                 <a:latin typeface="+mj-lt"/>
               </a:rPr>
-              <a:t>Compared the routed wirelength(RWL) by Innovus earlyGlobalRoute.</a:t>
+              <a:t>Compared the </a:t>
+            </a:r>
+            <a:r>
+              <a:rPr lang="en-US" altLang="zh-TW" sz="2000" b="1" dirty="0">
+                <a:latin typeface="+mj-lt"/>
+              </a:rPr>
+              <a:t>routed wirelength</a:t>
+            </a:r>
+            <a:r>
+              <a:rPr lang="en-US" altLang="zh-TW" sz="2000" dirty="0">
+                <a:latin typeface="+mj-lt"/>
+              </a:rPr>
+              <a:t>(RWL) by Innovus earlyGlobalRoute.</a:t>
             </a:r>
           </a:p>
           <a:p>
@@ -12922,7 +15232,19 @@
               <a:rPr lang="en-US" altLang="zh-TW" sz="2000" dirty="0">
                 <a:latin typeface="+mj-lt"/>
               </a:rPr>
-              <a:t>Compared the timing metrics by UItimer2.0.</a:t>
+              <a:t>Compared the </a:t>
+            </a:r>
+            <a:r>
+              <a:rPr lang="en-US" altLang="zh-TW" sz="2000" b="1" dirty="0">
+                <a:latin typeface="+mj-lt"/>
+              </a:rPr>
+              <a:t>timing</a:t>
+            </a:r>
+            <a:r>
+              <a:rPr lang="en-US" altLang="zh-TW" sz="2000" dirty="0">
+                <a:latin typeface="+mj-lt"/>
+              </a:rPr>
+              <a:t> metrics by UItimer2.0.</a:t>
             </a:r>
             <a:endParaRPr lang="zh-TW" altLang="en-US" sz="2000" dirty="0">
               <a:latin typeface="+mj-lt"/>
@@ -12953,7 +15275,7 @@
           <a:p>
             <a:fld id="{666274A1-CF9C-426A-8DD4-B13ED0C24231}" type="slidenum">
               <a:rPr lang="en-US" smtClean="0"/>
-              <a:t>22</a:t>
+              <a:t>26</a:t>
             </a:fld>
             <a:endParaRPr lang="en-US"/>
           </a:p>
@@ -12972,7 +15294,7 @@
 </p:sld>
 </file>
 
-<file path=ppt/slides/slide24.xml><?xml version="1.0" encoding="utf-8"?>
+<file path=ppt/slides/slide28.xml><?xml version="1.0" encoding="utf-8"?>
 <p:sld xmlns:a="http://schemas.openxmlformats.org/drawingml/2006/main" xmlns:r="http://schemas.openxmlformats.org/officeDocument/2006/relationships" xmlns:p="http://schemas.openxmlformats.org/presentationml/2006/main">
   <p:cSld>
     <p:spTree>
@@ -13047,7 +15369,7 @@
           <a:p>
             <a:fld id="{666274A1-CF9C-426A-8DD4-B13ED0C24231}" type="slidenum">
               <a:rPr lang="en-US" smtClean="0"/>
-              <a:t>23</a:t>
+              <a:t>27</a:t>
             </a:fld>
             <a:endParaRPr lang="en-US"/>
           </a:p>
@@ -13096,7 +15418,7 @@
 </p:sld>
 </file>
 
-<file path=ppt/slides/slide25.xml><?xml version="1.0" encoding="utf-8"?>
+<file path=ppt/slides/slide29.xml><?xml version="1.0" encoding="utf-8"?>
 <p:sld xmlns:a="http://schemas.openxmlformats.org/drawingml/2006/main" xmlns:r="http://schemas.openxmlformats.org/officeDocument/2006/relationships" xmlns:p="http://schemas.openxmlformats.org/presentationml/2006/main">
   <p:cSld>
     <p:spTree>
@@ -13171,7 +15493,7 @@
           <a:p>
             <a:fld id="{666274A1-CF9C-426A-8DD4-B13ED0C24231}" type="slidenum">
               <a:rPr lang="en-US" smtClean="0"/>
-              <a:t>24</a:t>
+              <a:t>28</a:t>
             </a:fld>
             <a:endParaRPr lang="en-US"/>
           </a:p>
@@ -13220,224 +15542,6 @@
 </p:sld>
 </file>
 
-<file path=ppt/slides/slide26.xml><?xml version="1.0" encoding="utf-8"?>
-<p:sld xmlns:a="http://schemas.openxmlformats.org/drawingml/2006/main" xmlns:r="http://schemas.openxmlformats.org/officeDocument/2006/relationships" xmlns:p="http://schemas.openxmlformats.org/presentationml/2006/main">
-  <p:cSld>
-    <p:spTree>
-      <p:nvGrpSpPr>
-        <p:cNvPr id="1" name=""/>
-        <p:cNvGrpSpPr/>
-        <p:nvPr/>
-      </p:nvGrpSpPr>
-      <p:grpSpPr>
-        <a:xfrm>
-          <a:off x="0" y="0"/>
-          <a:ext cx="0" cy="0"/>
-          <a:chOff x="0" y="0"/>
-          <a:chExt cx="0" cy="0"/>
-        </a:xfrm>
-      </p:grpSpPr>
-      <p:sp>
-        <p:nvSpPr>
-          <p:cNvPr id="2" name="標題 1">
-            <a:extLst>
-              <a:ext uri="{FF2B5EF4-FFF2-40B4-BE49-F238E27FC236}">
-                <a16:creationId xmlns:a16="http://schemas.microsoft.com/office/drawing/2014/main" id="{928794AF-0DE9-3C15-C100-845D5B26527D}"/>
-              </a:ext>
-            </a:extLst>
-          </p:cNvPr>
-          <p:cNvSpPr>
-            <a:spLocks noGrp="1"/>
-          </p:cNvSpPr>
-          <p:nvPr>
-            <p:ph type="title"/>
-          </p:nvPr>
-        </p:nvSpPr>
-        <p:spPr/>
-        <p:txBody>
-          <a:bodyPr/>
-          <a:lstStyle/>
-          <a:p>
-            <a:r>
-              <a:rPr lang="en-US" altLang="zh-TW" dirty="0"/>
-              <a:t>Experimental Result</a:t>
-            </a:r>
-            <a:endParaRPr lang="zh-TW" altLang="en-US" dirty="0"/>
-          </a:p>
-        </p:txBody>
-      </p:sp>
-      <p:pic>
-        <p:nvPicPr>
-          <p:cNvPr id="6" name="內容版面配置區 5">
-            <a:extLst>
-              <a:ext uri="{FF2B5EF4-FFF2-40B4-BE49-F238E27FC236}">
-                <a16:creationId xmlns:a16="http://schemas.microsoft.com/office/drawing/2014/main" id="{4F00089C-9DEC-05A4-4031-0A67DBE6AD37}"/>
-              </a:ext>
-            </a:extLst>
-          </p:cNvPr>
-          <p:cNvPicPr>
-            <a:picLocks noGrp="1" noChangeAspect="1"/>
-          </p:cNvPicPr>
-          <p:nvPr>
-            <p:ph idx="1"/>
-          </p:nvPr>
-        </p:nvPicPr>
-        <p:blipFill>
-          <a:blip r:embed="rId2"/>
-          <a:stretch>
-            <a:fillRect/>
-          </a:stretch>
-        </p:blipFill>
-        <p:spPr>
-          <a:xfrm>
-            <a:off x="16798" y="1974231"/>
-            <a:ext cx="12158403" cy="4098575"/>
-          </a:xfrm>
-        </p:spPr>
-      </p:pic>
-      <p:sp>
-        <p:nvSpPr>
-          <p:cNvPr id="4" name="投影片編號版面配置區 3">
-            <a:extLst>
-              <a:ext uri="{FF2B5EF4-FFF2-40B4-BE49-F238E27FC236}">
-                <a16:creationId xmlns:a16="http://schemas.microsoft.com/office/drawing/2014/main" id="{C2B8DF60-8451-5385-E96C-1BC41477E6DA}"/>
-              </a:ext>
-            </a:extLst>
-          </p:cNvPr>
-          <p:cNvSpPr>
-            <a:spLocks noGrp="1"/>
-          </p:cNvSpPr>
-          <p:nvPr>
-            <p:ph type="sldNum" sz="quarter" idx="12"/>
-          </p:nvPr>
-        </p:nvSpPr>
-        <p:spPr/>
-        <p:txBody>
-          <a:bodyPr/>
-          <a:lstStyle/>
-          <a:p>
-            <a:fld id="{666274A1-CF9C-426A-8DD4-B13ED0C24231}" type="slidenum">
-              <a:rPr lang="en-US" smtClean="0"/>
-              <a:t>25</a:t>
-            </a:fld>
-            <a:endParaRPr lang="en-US"/>
-          </a:p>
-        </p:txBody>
-      </p:sp>
-    </p:spTree>
-    <p:extLst>
-      <p:ext uri="{BB962C8B-B14F-4D97-AF65-F5344CB8AC3E}">
-        <p14:creationId xmlns:p14="http://schemas.microsoft.com/office/powerpoint/2010/main" val="547074742"/>
-      </p:ext>
-    </p:extLst>
-  </p:cSld>
-  <p:clrMapOvr>
-    <a:masterClrMapping/>
-  </p:clrMapOvr>
-</p:sld>
-</file>
-
-<file path=ppt/slides/slide27.xml><?xml version="1.0" encoding="utf-8"?>
-<p:sld xmlns:a="http://schemas.openxmlformats.org/drawingml/2006/main" xmlns:r="http://schemas.openxmlformats.org/officeDocument/2006/relationships" xmlns:p="http://schemas.openxmlformats.org/presentationml/2006/main">
-  <p:cSld>
-    <p:spTree>
-      <p:nvGrpSpPr>
-        <p:cNvPr id="1" name=""/>
-        <p:cNvGrpSpPr/>
-        <p:nvPr/>
-      </p:nvGrpSpPr>
-      <p:grpSpPr>
-        <a:xfrm>
-          <a:off x="0" y="0"/>
-          <a:ext cx="0" cy="0"/>
-          <a:chOff x="0" y="0"/>
-          <a:chExt cx="0" cy="0"/>
-        </a:xfrm>
-      </p:grpSpPr>
-      <p:sp>
-        <p:nvSpPr>
-          <p:cNvPr id="4" name="Slide Number Placeholder 3">
-            <a:extLst>
-              <a:ext uri="{FF2B5EF4-FFF2-40B4-BE49-F238E27FC236}">
-                <a16:creationId xmlns:a16="http://schemas.microsoft.com/office/drawing/2014/main" id="{DB47E6D4-11C1-7FA3-40FD-EC8CC1AC8613}"/>
-              </a:ext>
-            </a:extLst>
-          </p:cNvPr>
-          <p:cNvSpPr>
-            <a:spLocks noGrp="1"/>
-          </p:cNvSpPr>
-          <p:nvPr>
-            <p:ph type="sldNum" sz="quarter" idx="12"/>
-          </p:nvPr>
-        </p:nvSpPr>
-        <p:spPr/>
-        <p:txBody>
-          <a:bodyPr/>
-          <a:lstStyle/>
-          <a:p>
-            <a:fld id="{666274A1-CF9C-426A-8DD4-B13ED0C24231}" type="slidenum">
-              <a:rPr lang="en-US" smtClean="0"/>
-              <a:t>26</a:t>
-            </a:fld>
-            <a:endParaRPr lang="en-US"/>
-          </a:p>
-        </p:txBody>
-      </p:sp>
-      <p:sp>
-        <p:nvSpPr>
-          <p:cNvPr id="5" name="TextBox 4">
-            <a:extLst>
-              <a:ext uri="{FF2B5EF4-FFF2-40B4-BE49-F238E27FC236}">
-                <a16:creationId xmlns:a16="http://schemas.microsoft.com/office/drawing/2014/main" id="{DE342AA9-4E4B-2420-9858-9BBA5A519307}"/>
-              </a:ext>
-            </a:extLst>
-          </p:cNvPr>
-          <p:cNvSpPr txBox="1"/>
-          <p:nvPr/>
-        </p:nvSpPr>
-        <p:spPr>
-          <a:xfrm>
-            <a:off x="2627743" y="2967335"/>
-            <a:ext cx="6936514" cy="923330"/>
-          </a:xfrm>
-          <a:prstGeom prst="rect">
-            <a:avLst/>
-          </a:prstGeom>
-          <a:noFill/>
-        </p:spPr>
-        <p:txBody>
-          <a:bodyPr wrap="none" rtlCol="0">
-            <a:spAutoFit/>
-          </a:bodyPr>
-          <a:lstStyle/>
-          <a:p>
-            <a:r>
-              <a:rPr lang="en-US" altLang="zh-TW" sz="5400" dirty="0">
-                <a:latin typeface="Times" panose="02020603050405020304" pitchFamily="18" charset="0"/>
-                <a:cs typeface="Times" panose="02020603050405020304" pitchFamily="18" charset="0"/>
-              </a:rPr>
-              <a:t>Thank you for listening!</a:t>
-            </a:r>
-            <a:endParaRPr lang="zh-TW" altLang="en-US" sz="5400" dirty="0">
-              <a:latin typeface="Times" panose="02020603050405020304" pitchFamily="18" charset="0"/>
-              <a:cs typeface="Times" panose="02020603050405020304" pitchFamily="18" charset="0"/>
-            </a:endParaRPr>
-          </a:p>
-        </p:txBody>
-      </p:sp>
-    </p:spTree>
-    <p:extLst>
-      <p:ext uri="{BB962C8B-B14F-4D97-AF65-F5344CB8AC3E}">
-        <p14:creationId xmlns:p14="http://schemas.microsoft.com/office/powerpoint/2010/main" val="1947749228"/>
-      </p:ext>
-    </p:extLst>
-  </p:cSld>
-  <p:clrMapOvr>
-    <a:masterClrMapping/>
-  </p:clrMapOvr>
-</p:sld>
-</file>
-
 <file path=ppt/slides/slide3.xml><?xml version="1.0" encoding="utf-8"?>
 <p:sld xmlns:a="http://schemas.openxmlformats.org/drawingml/2006/main" xmlns:r="http://schemas.openxmlformats.org/officeDocument/2006/relationships" xmlns:p="http://schemas.openxmlformats.org/presentationml/2006/main">
   <p:cSld>
@@ -13569,6 +15673,40 @@
             </a:r>
           </a:p>
           <a:p>
+            <a:pPr lvl="1">
+              <a:lnSpc>
+                <a:spcPct val="150000"/>
+              </a:lnSpc>
+            </a:pPr>
+            <a:r>
+              <a:rPr lang="en-US" altLang="zh-TW" sz="2000" dirty="0">
+                <a:solidFill>
+                  <a:schemeClr val="bg1">
+                    <a:lumMod val="65000"/>
+                  </a:schemeClr>
+                </a:solidFill>
+              </a:rPr>
+              <a:t>StWL Optimization in Global Placement</a:t>
+            </a:r>
+          </a:p>
+          <a:p>
+            <a:pPr lvl="1">
+              <a:lnSpc>
+                <a:spcPct val="150000"/>
+              </a:lnSpc>
+            </a:pPr>
+            <a:r>
+              <a:rPr lang="en-US" altLang="zh-TW" sz="2000" dirty="0">
+                <a:solidFill>
+                  <a:schemeClr val="bg1">
+                    <a:lumMod val="65000"/>
+                  </a:schemeClr>
+                </a:solidFill>
+              </a:rPr>
+              <a:t>StWL Optimization in Cell Refinement</a:t>
+            </a:r>
+          </a:p>
+          <a:p>
             <a:pPr>
               <a:lnSpc>
                 <a:spcPct val="150000"/>
@@ -13582,9 +15720,29 @@
                   </a:schemeClr>
                 </a:solidFill>
               </a:rPr>
-              <a:t>Experimental Result</a:t>
-            </a:r>
-            <a:endParaRPr lang="zh-TW" altLang="en-US" sz="2400" dirty="0">
+              <a:t>Experimental</a:t>
+            </a:r>
+            <a:r>
+              <a:rPr lang="en-US" altLang="zh-TW" dirty="0">
+                <a:solidFill>
+                  <a:schemeClr val="bg1">
+                    <a:lumMod val="65000"/>
+                  </a:schemeClr>
+                </a:solidFill>
+              </a:rPr>
+              <a:t> </a:t>
+            </a:r>
+            <a:r>
+              <a:rPr lang="en-US" altLang="zh-TW" sz="2400" dirty="0">
+                <a:solidFill>
+                  <a:schemeClr val="bg1">
+                    <a:lumMod val="65000"/>
+                  </a:schemeClr>
+                </a:solidFill>
+              </a:rPr>
+              <a:t>Result</a:t>
+            </a:r>
+            <a:endParaRPr lang="zh-TW" altLang="en-US" dirty="0">
               <a:solidFill>
                 <a:schemeClr val="bg1">
                   <a:lumMod val="65000"/>
@@ -13627,6 +15785,224 @@
     <p:extLst>
       <p:ext uri="{BB962C8B-B14F-4D97-AF65-F5344CB8AC3E}">
         <p14:creationId xmlns:p14="http://schemas.microsoft.com/office/powerpoint/2010/main" val="3510111399"/>
+      </p:ext>
+    </p:extLst>
+  </p:cSld>
+  <p:clrMapOvr>
+    <a:masterClrMapping/>
+  </p:clrMapOvr>
+</p:sld>
+</file>
+
+<file path=ppt/slides/slide30.xml><?xml version="1.0" encoding="utf-8"?>
+<p:sld xmlns:a="http://schemas.openxmlformats.org/drawingml/2006/main" xmlns:r="http://schemas.openxmlformats.org/officeDocument/2006/relationships" xmlns:p="http://schemas.openxmlformats.org/presentationml/2006/main">
+  <p:cSld>
+    <p:spTree>
+      <p:nvGrpSpPr>
+        <p:cNvPr id="1" name=""/>
+        <p:cNvGrpSpPr/>
+        <p:nvPr/>
+      </p:nvGrpSpPr>
+      <p:grpSpPr>
+        <a:xfrm>
+          <a:off x="0" y="0"/>
+          <a:ext cx="0" cy="0"/>
+          <a:chOff x="0" y="0"/>
+          <a:chExt cx="0" cy="0"/>
+        </a:xfrm>
+      </p:grpSpPr>
+      <p:sp>
+        <p:nvSpPr>
+          <p:cNvPr id="2" name="標題 1">
+            <a:extLst>
+              <a:ext uri="{FF2B5EF4-FFF2-40B4-BE49-F238E27FC236}">
+                <a16:creationId xmlns:a16="http://schemas.microsoft.com/office/drawing/2014/main" id="{928794AF-0DE9-3C15-C100-845D5B26527D}"/>
+              </a:ext>
+            </a:extLst>
+          </p:cNvPr>
+          <p:cNvSpPr>
+            <a:spLocks noGrp="1"/>
+          </p:cNvSpPr>
+          <p:nvPr>
+            <p:ph type="title"/>
+          </p:nvPr>
+        </p:nvSpPr>
+        <p:spPr/>
+        <p:txBody>
+          <a:bodyPr/>
+          <a:lstStyle/>
+          <a:p>
+            <a:r>
+              <a:rPr lang="en-US" altLang="zh-TW" dirty="0"/>
+              <a:t>Experimental Result</a:t>
+            </a:r>
+            <a:endParaRPr lang="zh-TW" altLang="en-US" dirty="0"/>
+          </a:p>
+        </p:txBody>
+      </p:sp>
+      <p:pic>
+        <p:nvPicPr>
+          <p:cNvPr id="6" name="內容版面配置區 5">
+            <a:extLst>
+              <a:ext uri="{FF2B5EF4-FFF2-40B4-BE49-F238E27FC236}">
+                <a16:creationId xmlns:a16="http://schemas.microsoft.com/office/drawing/2014/main" id="{4F00089C-9DEC-05A4-4031-0A67DBE6AD37}"/>
+              </a:ext>
+            </a:extLst>
+          </p:cNvPr>
+          <p:cNvPicPr>
+            <a:picLocks noGrp="1" noChangeAspect="1"/>
+          </p:cNvPicPr>
+          <p:nvPr>
+            <p:ph idx="1"/>
+          </p:nvPr>
+        </p:nvPicPr>
+        <p:blipFill>
+          <a:blip r:embed="rId2"/>
+          <a:stretch>
+            <a:fillRect/>
+          </a:stretch>
+        </p:blipFill>
+        <p:spPr>
+          <a:xfrm>
+            <a:off x="16798" y="1974231"/>
+            <a:ext cx="12158403" cy="4098575"/>
+          </a:xfrm>
+        </p:spPr>
+      </p:pic>
+      <p:sp>
+        <p:nvSpPr>
+          <p:cNvPr id="4" name="投影片編號版面配置區 3">
+            <a:extLst>
+              <a:ext uri="{FF2B5EF4-FFF2-40B4-BE49-F238E27FC236}">
+                <a16:creationId xmlns:a16="http://schemas.microsoft.com/office/drawing/2014/main" id="{C2B8DF60-8451-5385-E96C-1BC41477E6DA}"/>
+              </a:ext>
+            </a:extLst>
+          </p:cNvPr>
+          <p:cNvSpPr>
+            <a:spLocks noGrp="1"/>
+          </p:cNvSpPr>
+          <p:nvPr>
+            <p:ph type="sldNum" sz="quarter" idx="12"/>
+          </p:nvPr>
+        </p:nvSpPr>
+        <p:spPr/>
+        <p:txBody>
+          <a:bodyPr/>
+          <a:lstStyle/>
+          <a:p>
+            <a:fld id="{666274A1-CF9C-426A-8DD4-B13ED0C24231}" type="slidenum">
+              <a:rPr lang="en-US" smtClean="0"/>
+              <a:t>29</a:t>
+            </a:fld>
+            <a:endParaRPr lang="en-US"/>
+          </a:p>
+        </p:txBody>
+      </p:sp>
+    </p:spTree>
+    <p:extLst>
+      <p:ext uri="{BB962C8B-B14F-4D97-AF65-F5344CB8AC3E}">
+        <p14:creationId xmlns:p14="http://schemas.microsoft.com/office/powerpoint/2010/main" val="547074742"/>
+      </p:ext>
+    </p:extLst>
+  </p:cSld>
+  <p:clrMapOvr>
+    <a:masterClrMapping/>
+  </p:clrMapOvr>
+</p:sld>
+</file>
+
+<file path=ppt/slides/slide31.xml><?xml version="1.0" encoding="utf-8"?>
+<p:sld xmlns:a="http://schemas.openxmlformats.org/drawingml/2006/main" xmlns:r="http://schemas.openxmlformats.org/officeDocument/2006/relationships" xmlns:p="http://schemas.openxmlformats.org/presentationml/2006/main">
+  <p:cSld>
+    <p:spTree>
+      <p:nvGrpSpPr>
+        <p:cNvPr id="1" name=""/>
+        <p:cNvGrpSpPr/>
+        <p:nvPr/>
+      </p:nvGrpSpPr>
+      <p:grpSpPr>
+        <a:xfrm>
+          <a:off x="0" y="0"/>
+          <a:ext cx="0" cy="0"/>
+          <a:chOff x="0" y="0"/>
+          <a:chExt cx="0" cy="0"/>
+        </a:xfrm>
+      </p:grpSpPr>
+      <p:sp>
+        <p:nvSpPr>
+          <p:cNvPr id="4" name="Slide Number Placeholder 3">
+            <a:extLst>
+              <a:ext uri="{FF2B5EF4-FFF2-40B4-BE49-F238E27FC236}">
+                <a16:creationId xmlns:a16="http://schemas.microsoft.com/office/drawing/2014/main" id="{DB47E6D4-11C1-7FA3-40FD-EC8CC1AC8613}"/>
+              </a:ext>
+            </a:extLst>
+          </p:cNvPr>
+          <p:cNvSpPr>
+            <a:spLocks noGrp="1"/>
+          </p:cNvSpPr>
+          <p:nvPr>
+            <p:ph type="sldNum" sz="quarter" idx="12"/>
+          </p:nvPr>
+        </p:nvSpPr>
+        <p:spPr/>
+        <p:txBody>
+          <a:bodyPr/>
+          <a:lstStyle/>
+          <a:p>
+            <a:fld id="{666274A1-CF9C-426A-8DD4-B13ED0C24231}" type="slidenum">
+              <a:rPr lang="en-US" smtClean="0"/>
+              <a:t>30</a:t>
+            </a:fld>
+            <a:endParaRPr lang="en-US"/>
+          </a:p>
+        </p:txBody>
+      </p:sp>
+      <p:sp>
+        <p:nvSpPr>
+          <p:cNvPr id="5" name="TextBox 4">
+            <a:extLst>
+              <a:ext uri="{FF2B5EF4-FFF2-40B4-BE49-F238E27FC236}">
+                <a16:creationId xmlns:a16="http://schemas.microsoft.com/office/drawing/2014/main" id="{DE342AA9-4E4B-2420-9858-9BBA5A519307}"/>
+              </a:ext>
+            </a:extLst>
+          </p:cNvPr>
+          <p:cNvSpPr txBox="1"/>
+          <p:nvPr/>
+        </p:nvSpPr>
+        <p:spPr>
+          <a:xfrm>
+            <a:off x="2627743" y="2967335"/>
+            <a:ext cx="6936514" cy="923330"/>
+          </a:xfrm>
+          <a:prstGeom prst="rect">
+            <a:avLst/>
+          </a:prstGeom>
+          <a:noFill/>
+        </p:spPr>
+        <p:txBody>
+          <a:bodyPr wrap="none" rtlCol="0">
+            <a:spAutoFit/>
+          </a:bodyPr>
+          <a:lstStyle/>
+          <a:p>
+            <a:r>
+              <a:rPr lang="en-US" altLang="zh-TW" sz="5400" dirty="0">
+                <a:latin typeface="Times" panose="02020603050405020304" pitchFamily="18" charset="0"/>
+                <a:cs typeface="Times" panose="02020603050405020304" pitchFamily="18" charset="0"/>
+              </a:rPr>
+              <a:t>Thank you for listening!</a:t>
+            </a:r>
+            <a:endParaRPr lang="zh-TW" altLang="en-US" sz="5400" dirty="0">
+              <a:latin typeface="Times" panose="02020603050405020304" pitchFamily="18" charset="0"/>
+              <a:cs typeface="Times" panose="02020603050405020304" pitchFamily="18" charset="0"/>
+            </a:endParaRPr>
+          </a:p>
+        </p:txBody>
+      </p:sp>
+    </p:spTree>
+    <p:extLst>
+      <p:ext uri="{BB962C8B-B14F-4D97-AF65-F5344CB8AC3E}">
+        <p14:creationId xmlns:p14="http://schemas.microsoft.com/office/powerpoint/2010/main" val="1947749228"/>
       </p:ext>
     </p:extLst>
   </p:cSld>
@@ -13797,7 +16173,19 @@
                   <a:rPr lang="en-US" altLang="zh-TW" sz="2000" dirty="0">
                     <a:latin typeface="+mj-lt"/>
                   </a:rPr>
-                  <a:t>shorter RC segment, which resulting in a delay decrease in wire connection. </a:t>
+                  <a:t>shorter RC segment, which resulting in a </a:t>
+                </a:r>
+                <a:r>
+                  <a:rPr lang="en-US" altLang="zh-TW" sz="2000" b="1" dirty="0">
+                    <a:latin typeface="+mj-lt"/>
+                  </a:rPr>
+                  <a:t>delay decrease </a:t>
+                </a:r>
+                <a:r>
+                  <a:rPr lang="en-US" altLang="zh-TW" sz="2000" dirty="0">
+                    <a:latin typeface="+mj-lt"/>
+                  </a:rPr>
+                  <a:t>in wire connection. </a:t>
                 </a:r>
               </a:p>
               <a:p>
@@ -13833,7 +16221,19 @@
                   <a:rPr lang="en-US" altLang="zh-TW" sz="2000" dirty="0">
                     <a:latin typeface="+mj-lt"/>
                   </a:rPr>
-                  <a:t>alleviate the congestion pressure for the routing.</a:t>
+                  <a:t>alleviate the </a:t>
+                </a:r>
+                <a:r>
+                  <a:rPr lang="en-US" altLang="zh-TW" sz="2000" b="1" dirty="0">
+                    <a:latin typeface="+mj-lt"/>
+                  </a:rPr>
+                  <a:t>congestion</a:t>
+                </a:r>
+                <a:r>
+                  <a:rPr lang="en-US" altLang="zh-TW" sz="2000" dirty="0">
+                    <a:latin typeface="+mj-lt"/>
+                  </a:rPr>
+                  <a:t> pressure for the routing.</a:t>
                 </a:r>
               </a:p>
               <a:p>
@@ -14471,6 +16871,40 @@
             </a:r>
           </a:p>
           <a:p>
+            <a:pPr lvl="1">
+              <a:lnSpc>
+                <a:spcPct val="150000"/>
+              </a:lnSpc>
+            </a:pPr>
+            <a:r>
+              <a:rPr lang="en-US" altLang="zh-TW" sz="2000" dirty="0">
+                <a:solidFill>
+                  <a:schemeClr val="bg1">
+                    <a:lumMod val="65000"/>
+                  </a:schemeClr>
+                </a:solidFill>
+              </a:rPr>
+              <a:t>StWL Optimization in Global Placement</a:t>
+            </a:r>
+          </a:p>
+          <a:p>
+            <a:pPr lvl="1">
+              <a:lnSpc>
+                <a:spcPct val="150000"/>
+              </a:lnSpc>
+            </a:pPr>
+            <a:r>
+              <a:rPr lang="en-US" altLang="zh-TW" sz="2000" dirty="0">
+                <a:solidFill>
+                  <a:schemeClr val="bg1">
+                    <a:lumMod val="65000"/>
+                  </a:schemeClr>
+                </a:solidFill>
+              </a:rPr>
+              <a:t>StWL Optimization in Cell Refinement</a:t>
+            </a:r>
+          </a:p>
+          <a:p>
             <a:pPr>
               <a:lnSpc>
                 <a:spcPct val="150000"/>
@@ -14484,9 +16918,29 @@
                   </a:schemeClr>
                 </a:solidFill>
               </a:rPr>
-              <a:t>Experimental Result</a:t>
-            </a:r>
-            <a:endParaRPr lang="zh-TW" altLang="en-US" sz="2400" dirty="0">
+              <a:t>Experimental</a:t>
+            </a:r>
+            <a:r>
+              <a:rPr lang="en-US" altLang="zh-TW" dirty="0">
+                <a:solidFill>
+                  <a:schemeClr val="bg1">
+                    <a:lumMod val="65000"/>
+                  </a:schemeClr>
+                </a:solidFill>
+              </a:rPr>
+              <a:t> </a:t>
+            </a:r>
+            <a:r>
+              <a:rPr lang="en-US" altLang="zh-TW" sz="2400" dirty="0">
+                <a:solidFill>
+                  <a:schemeClr val="bg1">
+                    <a:lumMod val="65000"/>
+                  </a:schemeClr>
+                </a:solidFill>
+              </a:rPr>
+              <a:t>Result</a:t>
+            </a:r>
+            <a:endParaRPr lang="zh-TW" altLang="en-US" dirty="0">
               <a:solidFill>
                 <a:schemeClr val="bg1">
                   <a:lumMod val="65000"/>
@@ -14599,58 +17053,296 @@
           </a:p>
         </p:txBody>
       </p:sp>
-      <p:sp>
-        <p:nvSpPr>
-          <p:cNvPr id="3" name="內容版面配置區 2">
-            <a:extLst>
-              <a:ext uri="{FF2B5EF4-FFF2-40B4-BE49-F238E27FC236}">
-                <a16:creationId xmlns:a16="http://schemas.microsoft.com/office/drawing/2014/main" id="{E7036AD7-1245-B639-912F-6B31E2CCA4AD}"/>
-              </a:ext>
-            </a:extLst>
-          </p:cNvPr>
-          <p:cNvSpPr>
-            <a:spLocks noGrp="1"/>
-          </p:cNvSpPr>
-          <p:nvPr>
-            <p:ph idx="1"/>
-          </p:nvPr>
-        </p:nvSpPr>
-        <p:spPr>
-          <a:xfrm>
-            <a:off x="838200" y="1620000"/>
-            <a:ext cx="10515600" cy="4351338"/>
-          </a:xfrm>
-        </p:spPr>
-        <p:txBody>
-          <a:bodyPr>
-            <a:normAutofit/>
-          </a:bodyPr>
-          <a:lstStyle/>
-          <a:p>
-            <a:pPr>
-              <a:lnSpc>
-                <a:spcPct val="150000"/>
-              </a:lnSpc>
-            </a:pPr>
-            <a:r>
-              <a:rPr lang="en-US" altLang="zh-TW" sz="2200" dirty="0"/>
-              <a:t>The placers construct a minimization problem of the total wirelength under the cell density constraints.</a:t>
-            </a:r>
-          </a:p>
-          <a:p>
-            <a:pPr>
-              <a:lnSpc>
-                <a:spcPct val="150000"/>
-              </a:lnSpc>
-            </a:pPr>
-            <a:r>
-              <a:rPr lang="en-US" altLang="zh-TW" sz="2200" dirty="0"/>
-              <a:t>Objective function:</a:t>
-            </a:r>
-            <a:endParaRPr lang="zh-TW" altLang="en-US" sz="2200" dirty="0"/>
-          </a:p>
-        </p:txBody>
-      </p:sp>
+      <mc:AlternateContent xmlns:mc="http://schemas.openxmlformats.org/markup-compatibility/2006" xmlns:a14="http://schemas.microsoft.com/office/drawing/2010/main">
+        <mc:Choice Requires="a14">
+          <p:sp>
+            <p:nvSpPr>
+              <p:cNvPr id="3" name="內容版面配置區 2">
+                <a:extLst>
+                  <a:ext uri="{FF2B5EF4-FFF2-40B4-BE49-F238E27FC236}">
+                    <a16:creationId xmlns:a16="http://schemas.microsoft.com/office/drawing/2014/main" id="{E7036AD7-1245-B639-912F-6B31E2CCA4AD}"/>
+                  </a:ext>
+                </a:extLst>
+              </p:cNvPr>
+              <p:cNvSpPr>
+                <a:spLocks noGrp="1"/>
+              </p:cNvSpPr>
+              <p:nvPr>
+                <p:ph idx="1"/>
+              </p:nvPr>
+            </p:nvSpPr>
+            <p:spPr>
+              <a:xfrm>
+                <a:off x="838200" y="1620000"/>
+                <a:ext cx="10515600" cy="4351338"/>
+              </a:xfrm>
+            </p:spPr>
+            <p:txBody>
+              <a:bodyPr>
+                <a:normAutofit/>
+              </a:bodyPr>
+              <a:lstStyle/>
+              <a:p>
+                <a:pPr>
+                  <a:lnSpc>
+                    <a:spcPct val="150000"/>
+                  </a:lnSpc>
+                </a:pPr>
+                <a:r>
+                  <a:rPr lang="en-US" altLang="zh-TW" sz="2200" dirty="0"/>
+                  <a:t>The placers construct a minimization problem of the total wirelength under the cell density constraints.</a:t>
+                </a:r>
+              </a:p>
+              <a:p>
+                <a:pPr>
+                  <a:lnSpc>
+                    <a:spcPct val="150000"/>
+                  </a:lnSpc>
+                </a:pPr>
+                <a:r>
+                  <a:rPr lang="en-US" altLang="zh-TW" sz="2200" dirty="0"/>
+                  <a:t>Objective function:</a:t>
+                </a:r>
+              </a:p>
+              <a:p>
+                <a:pPr>
+                  <a:lnSpc>
+                    <a:spcPct val="150000"/>
+                  </a:lnSpc>
+                  <a:buFont typeface="Wingdings" panose="05000000000000000000" pitchFamily="2" charset="2"/>
+                  <a:buChar char="Ø"/>
+                </a:pPr>
+                <a:endParaRPr lang="en-US" altLang="zh-TW" sz="2200" dirty="0"/>
+              </a:p>
+              <a:p>
+                <a:pPr>
+                  <a:lnSpc>
+                    <a:spcPct val="150000"/>
+                  </a:lnSpc>
+                  <a:buFont typeface="Wingdings" panose="05000000000000000000" pitchFamily="2" charset="2"/>
+                  <a:buChar char="Ø"/>
+                </a:pPr>
+                <a:endParaRPr lang="en-US" altLang="zh-TW" sz="1200" dirty="0"/>
+              </a:p>
+              <a:p>
+                <a:pPr>
+                  <a:lnSpc>
+                    <a:spcPct val="150000"/>
+                  </a:lnSpc>
+                  <a:buFont typeface="Wingdings" panose="05000000000000000000" pitchFamily="2" charset="2"/>
+                  <a:buChar char="Ø"/>
+                </a:pPr>
+                <a:r>
+                  <a:rPr lang="zh-TW" altLang="en-US" sz="1600" dirty="0"/>
+                  <a:t> </a:t>
+                </a:r>
+                <a14:m>
+                  <m:oMath xmlns:m="http://schemas.openxmlformats.org/officeDocument/2006/math">
+                    <m:r>
+                      <a:rPr lang="en-US" altLang="zh-TW" sz="1600" b="0" i="1" smtClean="0">
+                        <a:latin typeface="Cambria Math" panose="02040503050406030204" pitchFamily="18" charset="0"/>
+                      </a:rPr>
+                      <m:t>𝐸</m:t>
+                    </m:r>
+                    <m:r>
+                      <a:rPr lang="en-US" altLang="zh-TW" sz="1600" b="0" i="1" smtClean="0">
+                        <a:latin typeface="Cambria Math" panose="02040503050406030204" pitchFamily="18" charset="0"/>
+                      </a:rPr>
+                      <m:t>: </m:t>
+                    </m:r>
+                  </m:oMath>
+                </a14:m>
+                <a:r>
+                  <a:rPr lang="en-US" altLang="zh-TW" sz="1600" dirty="0"/>
+                  <a:t>Complete set of the net in the design</a:t>
+                </a:r>
+              </a:p>
+              <a:p>
+                <a:pPr>
+                  <a:lnSpc>
+                    <a:spcPct val="150000"/>
+                  </a:lnSpc>
+                  <a:buFont typeface="Wingdings" panose="05000000000000000000" pitchFamily="2" charset="2"/>
+                  <a:buChar char="Ø"/>
+                </a:pPr>
+                <a14:m>
+                  <m:oMath xmlns:m="http://schemas.openxmlformats.org/officeDocument/2006/math">
+                    <m:r>
+                      <a:rPr lang="en-US" altLang="zh-TW" sz="1600" b="0" i="1" smtClean="0">
+                        <a:latin typeface="Cambria Math" panose="02040503050406030204" pitchFamily="18" charset="0"/>
+                      </a:rPr>
+                      <m:t> </m:t>
+                    </m:r>
+                    <m:d>
+                      <m:dPr>
+                        <m:ctrlPr>
+                          <a:rPr lang="en-US" altLang="zh-TW" sz="1600" b="0" i="1" smtClean="0">
+                            <a:latin typeface="Cambria Math" panose="02040503050406030204" pitchFamily="18" charset="0"/>
+                          </a:rPr>
+                        </m:ctrlPr>
+                      </m:dPr>
+                      <m:e>
+                        <m:r>
+                          <a:rPr lang="en-US" altLang="zh-TW" sz="1600" b="0" i="1" smtClean="0">
+                            <a:latin typeface="Cambria Math" panose="02040503050406030204" pitchFamily="18" charset="0"/>
+                          </a:rPr>
+                          <m:t>𝑥</m:t>
+                        </m:r>
+                        <m:r>
+                          <a:rPr lang="en-US" altLang="zh-TW" sz="1600" b="0" i="1" smtClean="0">
+                            <a:latin typeface="Cambria Math" panose="02040503050406030204" pitchFamily="18" charset="0"/>
+                          </a:rPr>
+                          <m:t>, </m:t>
+                        </m:r>
+                        <m:r>
+                          <a:rPr lang="en-US" altLang="zh-TW" sz="1600" b="0" i="1" smtClean="0">
+                            <a:latin typeface="Cambria Math" panose="02040503050406030204" pitchFamily="18" charset="0"/>
+                          </a:rPr>
+                          <m:t>𝑦</m:t>
+                        </m:r>
+                      </m:e>
+                    </m:d>
+                    <m:r>
+                      <a:rPr lang="en-US" altLang="zh-TW" sz="1600" b="0" i="1" smtClean="0">
+                        <a:latin typeface="Cambria Math" panose="02040503050406030204" pitchFamily="18" charset="0"/>
+                      </a:rPr>
+                      <m:t>: </m:t>
+                    </m:r>
+                  </m:oMath>
+                </a14:m>
+                <a:r>
+                  <a:rPr lang="en-US" altLang="zh-TW" sz="1600" dirty="0"/>
+                  <a:t>the cell location</a:t>
+                </a:r>
+              </a:p>
+              <a:p>
+                <a:pPr>
+                  <a:lnSpc>
+                    <a:spcPct val="150000"/>
+                  </a:lnSpc>
+                  <a:buFont typeface="Wingdings" panose="05000000000000000000" pitchFamily="2" charset="2"/>
+                  <a:buChar char="Ø"/>
+                </a:pPr>
+                <a14:m>
+                  <m:oMath xmlns:m="http://schemas.openxmlformats.org/officeDocument/2006/math">
+                    <m:r>
+                      <a:rPr lang="en-US" altLang="zh-TW" sz="1600" b="0" i="1" smtClean="0">
+                        <a:latin typeface="Cambria Math" panose="02040503050406030204" pitchFamily="18" charset="0"/>
+                      </a:rPr>
+                      <m:t> </m:t>
+                    </m:r>
+                    <m:r>
+                      <a:rPr lang="zh-TW" altLang="en-US" sz="1600" i="1" smtClean="0">
+                        <a:latin typeface="Cambria Math" panose="02040503050406030204" pitchFamily="18" charset="0"/>
+                      </a:rPr>
+                      <m:t>𝜆</m:t>
+                    </m:r>
+                    <m:r>
+                      <a:rPr lang="en-US" altLang="zh-TW" sz="1600" b="0" i="1" smtClean="0">
+                        <a:latin typeface="Cambria Math" panose="02040503050406030204" pitchFamily="18" charset="0"/>
+                      </a:rPr>
+                      <m:t>𝐷</m:t>
+                    </m:r>
+                    <m:d>
+                      <m:dPr>
+                        <m:ctrlPr>
+                          <a:rPr lang="en-US" altLang="zh-TW" sz="1600" b="0" i="1" smtClean="0">
+                            <a:latin typeface="Cambria Math" panose="02040503050406030204" pitchFamily="18" charset="0"/>
+                          </a:rPr>
+                        </m:ctrlPr>
+                      </m:dPr>
+                      <m:e>
+                        <m:r>
+                          <a:rPr lang="en-US" altLang="zh-TW" sz="1600" b="0" i="1" smtClean="0">
+                            <a:latin typeface="Cambria Math" panose="02040503050406030204" pitchFamily="18" charset="0"/>
+                          </a:rPr>
+                          <m:t>𝑥</m:t>
+                        </m:r>
+                        <m:r>
+                          <a:rPr lang="en-US" altLang="zh-TW" sz="1600" b="0" i="1" smtClean="0">
+                            <a:latin typeface="Cambria Math" panose="02040503050406030204" pitchFamily="18" charset="0"/>
+                          </a:rPr>
+                          <m:t>, </m:t>
+                        </m:r>
+                        <m:r>
+                          <a:rPr lang="en-US" altLang="zh-TW" sz="1600" b="0" i="1" smtClean="0">
+                            <a:latin typeface="Cambria Math" panose="02040503050406030204" pitchFamily="18" charset="0"/>
+                          </a:rPr>
+                          <m:t>𝑦</m:t>
+                        </m:r>
+                      </m:e>
+                    </m:d>
+                    <m:r>
+                      <a:rPr lang="en-US" altLang="zh-TW" sz="1600" b="0" i="1" smtClean="0">
+                        <a:latin typeface="Cambria Math" panose="02040503050406030204" pitchFamily="18" charset="0"/>
+                      </a:rPr>
+                      <m:t>: </m:t>
+                    </m:r>
+                  </m:oMath>
+                </a14:m>
+                <a:r>
+                  <a:rPr lang="en-US" altLang="zh-TW" sz="1600" dirty="0"/>
+                  <a:t>density penalty term with density penalty weight </a:t>
+                </a:r>
+                <a14:m>
+                  <m:oMath xmlns:m="http://schemas.openxmlformats.org/officeDocument/2006/math">
+                    <m:r>
+                      <a:rPr lang="zh-TW" altLang="en-US" sz="1600" i="1" smtClean="0">
+                        <a:latin typeface="Cambria Math" panose="02040503050406030204" pitchFamily="18" charset="0"/>
+                      </a:rPr>
+                      <m:t>𝜆</m:t>
+                    </m:r>
+                  </m:oMath>
+                </a14:m>
+                <a:endParaRPr lang="zh-TW" altLang="en-US" sz="1600" dirty="0"/>
+              </a:p>
+            </p:txBody>
+          </p:sp>
+        </mc:Choice>
+        <mc:Fallback xmlns="">
+          <p:sp>
+            <p:nvSpPr>
+              <p:cNvPr id="3" name="內容版面配置區 2">
+                <a:extLst>
+                  <a:ext uri="{FF2B5EF4-FFF2-40B4-BE49-F238E27FC236}">
+                    <a16:creationId xmlns:a16="http://schemas.microsoft.com/office/drawing/2014/main" id="{E7036AD7-1245-B639-912F-6B31E2CCA4AD}"/>
+                  </a:ext>
+                </a:extLst>
+              </p:cNvPr>
+              <p:cNvSpPr>
+                <a:spLocks noGrp="1" noRot="1" noChangeAspect="1" noMove="1" noResize="1" noEditPoints="1" noAdjustHandles="1" noChangeArrowheads="1" noChangeShapeType="1" noTextEdit="1"/>
+              </p:cNvSpPr>
+              <p:nvPr>
+                <p:ph idx="1"/>
+              </p:nvPr>
+            </p:nvSpPr>
+            <p:spPr>
+              <a:xfrm>
+                <a:off x="838200" y="1620000"/>
+                <a:ext cx="10515600" cy="4351338"/>
+              </a:xfrm>
+              <a:blipFill>
+                <a:blip r:embed="rId2"/>
+                <a:stretch>
+                  <a:fillRect l="-696"/>
+                </a:stretch>
+              </a:blipFill>
+            </p:spPr>
+            <p:txBody>
+              <a:bodyPr/>
+              <a:lstStyle/>
+              <a:p>
+                <a:r>
+                  <a:rPr lang="zh-TW" altLang="en-US">
+                    <a:noFill/>
+                  </a:rPr>
+                  <a:t> </a:t>
+                </a:r>
+              </a:p>
+            </p:txBody>
+          </p:sp>
+        </mc:Fallback>
+      </mc:AlternateContent>
       <p:sp>
         <p:nvSpPr>
           <p:cNvPr id="4" name="投影片編號版面配置區 3">
@@ -14695,7 +17387,7 @@
           <p:nvPr/>
         </p:nvPicPr>
         <p:blipFill>
-          <a:blip r:embed="rId2"/>
+          <a:blip r:embed="rId3"/>
           <a:stretch>
             <a:fillRect/>
           </a:stretch>
@@ -14820,7 +17512,7 @@
                 <a14:m>
                   <m:oMath xmlns:m="http://schemas.openxmlformats.org/officeDocument/2006/math">
                     <m:r>
-                      <a:rPr lang="en-US" altLang="zh-TW" sz="2200" b="0" i="1" smtClean="0">
+                      <a:rPr lang="en-US" altLang="zh-TW" sz="2000" b="0" i="1" smtClean="0">
                         <a:latin typeface="Cambria Math" panose="02040503050406030204" pitchFamily="18" charset="0"/>
                       </a:rPr>
                       <m:t>𝐻𝑃𝑊𝐿</m:t>
@@ -14828,26 +17520,26 @@
                     <m:d>
                       <m:dPr>
                         <m:ctrlPr>
-                          <a:rPr lang="en-US" altLang="zh-TW" sz="2200" b="0" i="1" smtClean="0">
+                          <a:rPr lang="en-US" altLang="zh-TW" sz="2000" b="0" i="1" smtClean="0">
                             <a:latin typeface="Cambria Math" panose="02040503050406030204" pitchFamily="18" charset="0"/>
                           </a:rPr>
                         </m:ctrlPr>
                       </m:dPr>
                       <m:e>
                         <m:r>
-                          <a:rPr lang="en-US" altLang="zh-TW" sz="2200" b="1" i="0" smtClean="0">
+                          <a:rPr lang="en-US" altLang="zh-TW" sz="2000" b="1" i="0" smtClean="0">
                             <a:latin typeface="Cambria Math" panose="02040503050406030204" pitchFamily="18" charset="0"/>
                           </a:rPr>
                           <m:t>𝐱</m:t>
                         </m:r>
                         <m:r>
-                          <a:rPr lang="en-US" altLang="zh-TW" sz="2200" b="0" i="1" smtClean="0">
+                          <a:rPr lang="en-US" altLang="zh-TW" sz="2000" b="0" i="1" smtClean="0">
                             <a:latin typeface="Cambria Math" panose="02040503050406030204" pitchFamily="18" charset="0"/>
                           </a:rPr>
                           <m:t>,</m:t>
                         </m:r>
                         <m:r>
-                          <a:rPr lang="en-US" altLang="zh-TW" sz="2200" b="1" i="0" smtClean="0">
+                          <a:rPr lang="en-US" altLang="zh-TW" sz="2000" b="1" i="0" smtClean="0">
                             <a:latin typeface="Cambria Math" panose="02040503050406030204" pitchFamily="18" charset="0"/>
                           </a:rPr>
                           <m:t>𝐲</m:t>
@@ -14855,7 +17547,7 @@
                       </m:e>
                     </m:d>
                     <m:r>
-                      <a:rPr lang="en-US" altLang="zh-TW" sz="2200" b="0" i="0" smtClean="0">
+                      <a:rPr lang="en-US" altLang="zh-TW" sz="2000" b="0" i="0" smtClean="0">
                         <a:latin typeface="Cambria Math" panose="02040503050406030204" pitchFamily="18" charset="0"/>
                       </a:rPr>
                       <m:t>= </m:t>
@@ -14865,7 +17557,7 @@
                         <m:chr m:val="∑"/>
                         <m:supHide m:val="on"/>
                         <m:ctrlPr>
-                          <a:rPr lang="en-US" altLang="zh-TW" sz="2200" b="0" i="1" smtClean="0">
+                          <a:rPr lang="en-US" altLang="zh-TW" sz="2000" b="0" i="1" smtClean="0">
                             <a:latin typeface="Cambria Math" panose="02040503050406030204" pitchFamily="18" charset="0"/>
                           </a:rPr>
                         </m:ctrlPr>
@@ -14875,20 +17567,20 @@
                           <m:rPr>
                             <m:brk m:alnAt="7"/>
                           </m:rPr>
-                          <a:rPr lang="en-US" altLang="zh-TW" sz="2200" b="0" i="1" smtClean="0">
+                          <a:rPr lang="en-US" altLang="zh-TW" sz="2000" b="0" i="1" smtClean="0">
                             <a:latin typeface="Cambria Math" panose="02040503050406030204" pitchFamily="18" charset="0"/>
                           </a:rPr>
                           <m:t>𝑒</m:t>
                         </m:r>
                         <m:r>
-                          <a:rPr lang="en-US" altLang="zh-TW" sz="2200" b="0" i="1" smtClean="0">
+                          <a:rPr lang="en-US" altLang="zh-TW" sz="2000" b="0" i="1" smtClean="0">
                             <a:latin typeface="Cambria Math" panose="02040503050406030204" pitchFamily="18" charset="0"/>
                             <a:ea typeface="Cambria Math" panose="02040503050406030204" pitchFamily="18" charset="0"/>
                           </a:rPr>
                           <m:t>∈</m:t>
                         </m:r>
                         <m:r>
-                          <a:rPr lang="en-US" altLang="zh-TW" sz="2200" b="0" i="1" smtClean="0">
+                          <a:rPr lang="en-US" altLang="zh-TW" sz="2000" b="0" i="1" smtClean="0">
                             <a:latin typeface="Cambria Math" panose="02040503050406030204" pitchFamily="18" charset="0"/>
                             <a:ea typeface="Cambria Math" panose="02040503050406030204" pitchFamily="18" charset="0"/>
                           </a:rPr>
@@ -14898,7 +17590,7 @@
                       <m:sup/>
                       <m:e>
                         <m:r>
-                          <a:rPr lang="en-US" altLang="zh-TW" sz="2200" b="0" i="1" smtClean="0">
+                          <a:rPr lang="en-US" altLang="zh-TW" sz="2000" b="0" i="1" smtClean="0">
                             <a:latin typeface="Cambria Math" panose="02040503050406030204" pitchFamily="18" charset="0"/>
                           </a:rPr>
                           <m:t>(</m:t>
@@ -14906,7 +17598,7 @@
                         <m:func>
                           <m:funcPr>
                             <m:ctrlPr>
-                              <a:rPr lang="en-US" altLang="zh-TW" sz="2200" i="1">
+                              <a:rPr lang="en-US" altLang="zh-TW" sz="2000" i="1">
                                 <a:latin typeface="Cambria Math" panose="02040503050406030204" pitchFamily="18" charset="0"/>
                               </a:rPr>
                             </m:ctrlPr>
@@ -14915,7 +17607,7 @@
                             <m:limLow>
                               <m:limLowPr>
                                 <m:ctrlPr>
-                                  <a:rPr lang="en-US" altLang="zh-TW" sz="2200" i="1">
+                                  <a:rPr lang="en-US" altLang="zh-TW" sz="2000" i="1">
                                     <a:latin typeface="Cambria Math" panose="02040503050406030204" pitchFamily="18" charset="0"/>
                                   </a:rPr>
                                 </m:ctrlPr>
@@ -14925,7 +17617,7 @@
                                   <m:rPr>
                                     <m:sty m:val="p"/>
                                   </m:rPr>
-                                  <a:rPr lang="en-US" altLang="zh-TW" sz="2200">
+                                  <a:rPr lang="en-US" altLang="zh-TW" sz="2000">
                                     <a:latin typeface="Cambria Math" panose="02040503050406030204" pitchFamily="18" charset="0"/>
                                   </a:rPr>
                                   <m:t>max</m:t>
@@ -14933,32 +17625,32 @@
                               </m:e>
                               <m:lim>
                                 <m:r>
-                                  <a:rPr lang="en-US" altLang="zh-TW" sz="2200" i="1">
+                                  <a:rPr lang="en-US" altLang="zh-TW" sz="2000" i="1">
                                     <a:latin typeface="Cambria Math" panose="02040503050406030204" pitchFamily="18" charset="0"/>
                                   </a:rPr>
                                   <m:t>𝑖</m:t>
                                 </m:r>
                                 <m:r>
-                                  <a:rPr lang="en-US" altLang="zh-TW" sz="2200" i="1">
+                                  <a:rPr lang="en-US" altLang="zh-TW" sz="2000" i="1">
                                     <a:latin typeface="Cambria Math" panose="02040503050406030204" pitchFamily="18" charset="0"/>
                                   </a:rPr>
                                   <m:t>,</m:t>
                                 </m:r>
                                 <m:r>
-                                  <a:rPr lang="en-US" altLang="zh-TW" sz="2200" i="1">
+                                  <a:rPr lang="en-US" altLang="zh-TW" sz="2000" i="1">
                                     <a:latin typeface="Cambria Math" panose="02040503050406030204" pitchFamily="18" charset="0"/>
                                   </a:rPr>
                                   <m:t>𝑗</m:t>
                                 </m:r>
                                 <m:r>
-                                  <a:rPr lang="en-US" altLang="zh-TW" sz="2200" i="1">
+                                  <a:rPr lang="en-US" altLang="zh-TW" sz="2000" i="1">
                                     <a:latin typeface="Cambria Math" panose="02040503050406030204" pitchFamily="18" charset="0"/>
                                     <a:ea typeface="Cambria Math" panose="02040503050406030204" pitchFamily="18" charset="0"/>
                                   </a:rPr>
                                   <m:t>∈</m:t>
                                 </m:r>
                                 <m:r>
-                                  <a:rPr lang="en-US" altLang="zh-TW" sz="2200" i="1">
+                                  <a:rPr lang="en-US" altLang="zh-TW" sz="2000" i="1">
                                     <a:latin typeface="Cambria Math" panose="02040503050406030204" pitchFamily="18" charset="0"/>
                                     <a:ea typeface="Cambria Math" panose="02040503050406030204" pitchFamily="18" charset="0"/>
                                   </a:rPr>
@@ -14973,7 +17665,7 @@
                                 <m:begChr m:val="|"/>
                                 <m:endChr m:val="|"/>
                                 <m:ctrlPr>
-                                  <a:rPr lang="en-US" altLang="zh-TW" sz="2200" i="1">
+                                  <a:rPr lang="en-US" altLang="zh-TW" sz="2000" i="1">
                                     <a:latin typeface="Cambria Math" panose="02040503050406030204" pitchFamily="18" charset="0"/>
                                   </a:rPr>
                                 </m:ctrlPr>
@@ -14982,14 +17674,14 @@
                                 <m:sSub>
                                   <m:sSubPr>
                                     <m:ctrlPr>
-                                      <a:rPr lang="en-US" altLang="zh-TW" sz="2200" i="1">
+                                      <a:rPr lang="en-US" altLang="zh-TW" sz="2000" i="1">
                                         <a:latin typeface="Cambria Math" panose="02040503050406030204" pitchFamily="18" charset="0"/>
                                       </a:rPr>
                                     </m:ctrlPr>
                                   </m:sSubPr>
                                   <m:e>
                                     <m:r>
-                                      <a:rPr lang="en-US" altLang="zh-TW" sz="2200" i="1">
+                                      <a:rPr lang="en-US" altLang="zh-TW" sz="2000" i="1">
                                         <a:latin typeface="Cambria Math" panose="02040503050406030204" pitchFamily="18" charset="0"/>
                                       </a:rPr>
                                       <m:t>𝑥</m:t>
@@ -14997,7 +17689,7 @@
                                   </m:e>
                                   <m:sub>
                                     <m:r>
-                                      <a:rPr lang="en-US" altLang="zh-TW" sz="2200" i="1">
+                                      <a:rPr lang="en-US" altLang="zh-TW" sz="2000" i="1">
                                         <a:latin typeface="Cambria Math" panose="02040503050406030204" pitchFamily="18" charset="0"/>
                                       </a:rPr>
                                       <m:t>𝑖</m:t>
@@ -15005,7 +17697,7 @@
                                   </m:sub>
                                 </m:sSub>
                                 <m:r>
-                                  <a:rPr lang="en-US" altLang="zh-TW" sz="2200" i="1">
+                                  <a:rPr lang="en-US" altLang="zh-TW" sz="2000" i="1">
                                     <a:latin typeface="Cambria Math" panose="02040503050406030204" pitchFamily="18" charset="0"/>
                                   </a:rPr>
                                   <m:t>−</m:t>
@@ -15013,14 +17705,14 @@
                                 <m:sSub>
                                   <m:sSubPr>
                                     <m:ctrlPr>
-                                      <a:rPr lang="en-US" altLang="zh-TW" sz="2200" i="1">
+                                      <a:rPr lang="en-US" altLang="zh-TW" sz="2000" i="1">
                                         <a:latin typeface="Cambria Math" panose="02040503050406030204" pitchFamily="18" charset="0"/>
                                       </a:rPr>
                                     </m:ctrlPr>
                                   </m:sSubPr>
                                   <m:e>
                                     <m:r>
-                                      <a:rPr lang="en-US" altLang="zh-TW" sz="2200" i="1">
+                                      <a:rPr lang="en-US" altLang="zh-TW" sz="2000" i="1">
                                         <a:latin typeface="Cambria Math" panose="02040503050406030204" pitchFamily="18" charset="0"/>
                                       </a:rPr>
                                       <m:t>𝑥</m:t>
@@ -15028,7 +17720,7 @@
                                   </m:e>
                                   <m:sub>
                                     <m:r>
-                                      <a:rPr lang="en-US" altLang="zh-TW" sz="2200" i="1">
+                                      <a:rPr lang="en-US" altLang="zh-TW" sz="2000" i="1">
                                         <a:latin typeface="Cambria Math" panose="02040503050406030204" pitchFamily="18" charset="0"/>
                                       </a:rPr>
                                       <m:t>𝑗</m:t>
@@ -15038,7 +17730,7 @@
                               </m:e>
                             </m:d>
                             <m:r>
-                              <a:rPr lang="en-US" altLang="zh-TW" sz="2200" i="1">
+                              <a:rPr lang="en-US" altLang="zh-TW" sz="2000" i="1">
                                 <a:latin typeface="Cambria Math" panose="02040503050406030204" pitchFamily="18" charset="0"/>
                               </a:rPr>
                               <m:t>+ </m:t>
@@ -15048,7 +17740,7 @@
                         <m:func>
                           <m:funcPr>
                             <m:ctrlPr>
-                              <a:rPr lang="en-US" altLang="zh-TW" sz="2200" i="1">
+                              <a:rPr lang="en-US" altLang="zh-TW" sz="2000" i="1">
                                 <a:latin typeface="Cambria Math" panose="02040503050406030204" pitchFamily="18" charset="0"/>
                               </a:rPr>
                             </m:ctrlPr>
@@ -15057,7 +17749,7 @@
                             <m:limLow>
                               <m:limLowPr>
                                 <m:ctrlPr>
-                                  <a:rPr lang="en-US" altLang="zh-TW" sz="2200" i="1">
+                                  <a:rPr lang="en-US" altLang="zh-TW" sz="2000" i="1">
                                     <a:latin typeface="Cambria Math" panose="02040503050406030204" pitchFamily="18" charset="0"/>
                                   </a:rPr>
                                 </m:ctrlPr>
@@ -15067,7 +17759,7 @@
                                   <m:rPr>
                                     <m:sty m:val="p"/>
                                   </m:rPr>
-                                  <a:rPr lang="en-US" altLang="zh-TW" sz="2200">
+                                  <a:rPr lang="en-US" altLang="zh-TW" sz="2000">
                                     <a:latin typeface="Cambria Math" panose="02040503050406030204" pitchFamily="18" charset="0"/>
                                   </a:rPr>
                                   <m:t>max</m:t>
@@ -15075,32 +17767,32 @@
                               </m:e>
                               <m:lim>
                                 <m:r>
-                                  <a:rPr lang="en-US" altLang="zh-TW" sz="2200" i="1">
+                                  <a:rPr lang="en-US" altLang="zh-TW" sz="2000" i="1">
                                     <a:latin typeface="Cambria Math" panose="02040503050406030204" pitchFamily="18" charset="0"/>
                                   </a:rPr>
                                   <m:t>𝑖</m:t>
                                 </m:r>
                                 <m:r>
-                                  <a:rPr lang="en-US" altLang="zh-TW" sz="2200" i="1">
+                                  <a:rPr lang="en-US" altLang="zh-TW" sz="2000" i="1">
                                     <a:latin typeface="Cambria Math" panose="02040503050406030204" pitchFamily="18" charset="0"/>
                                   </a:rPr>
                                   <m:t>,</m:t>
                                 </m:r>
                                 <m:r>
-                                  <a:rPr lang="en-US" altLang="zh-TW" sz="2200" i="1">
+                                  <a:rPr lang="en-US" altLang="zh-TW" sz="2000" i="1">
                                     <a:latin typeface="Cambria Math" panose="02040503050406030204" pitchFamily="18" charset="0"/>
                                   </a:rPr>
                                   <m:t>𝑗</m:t>
                                 </m:r>
                                 <m:r>
-                                  <a:rPr lang="en-US" altLang="zh-TW" sz="2200" i="1">
+                                  <a:rPr lang="en-US" altLang="zh-TW" sz="2000" i="1">
                                     <a:latin typeface="Cambria Math" panose="02040503050406030204" pitchFamily="18" charset="0"/>
                                     <a:ea typeface="Cambria Math" panose="02040503050406030204" pitchFamily="18" charset="0"/>
                                   </a:rPr>
                                   <m:t>∈</m:t>
                                 </m:r>
                                 <m:r>
-                                  <a:rPr lang="en-US" altLang="zh-TW" sz="2200" i="1">
+                                  <a:rPr lang="en-US" altLang="zh-TW" sz="2000" i="1">
                                     <a:latin typeface="Cambria Math" panose="02040503050406030204" pitchFamily="18" charset="0"/>
                                     <a:ea typeface="Cambria Math" panose="02040503050406030204" pitchFamily="18" charset="0"/>
                                   </a:rPr>
@@ -15115,7 +17807,7 @@
                                 <m:begChr m:val="|"/>
                                 <m:endChr m:val="|"/>
                                 <m:ctrlPr>
-                                  <a:rPr lang="en-US" altLang="zh-TW" sz="2200" i="1">
+                                  <a:rPr lang="en-US" altLang="zh-TW" sz="2000" i="1">
                                     <a:latin typeface="Cambria Math" panose="02040503050406030204" pitchFamily="18" charset="0"/>
                                   </a:rPr>
                                 </m:ctrlPr>
@@ -15124,14 +17816,14 @@
                                 <m:sSub>
                                   <m:sSubPr>
                                     <m:ctrlPr>
-                                      <a:rPr lang="en-US" altLang="zh-TW" sz="2200" i="1">
+                                      <a:rPr lang="en-US" altLang="zh-TW" sz="2000" i="1">
                                         <a:latin typeface="Cambria Math" panose="02040503050406030204" pitchFamily="18" charset="0"/>
                                       </a:rPr>
                                     </m:ctrlPr>
                                   </m:sSubPr>
                                   <m:e>
                                     <m:r>
-                                      <a:rPr lang="en-US" altLang="zh-TW" sz="2200" b="0" i="1" smtClean="0">
+                                      <a:rPr lang="en-US" altLang="zh-TW" sz="2000" b="0" i="1" smtClean="0">
                                         <a:latin typeface="Cambria Math" panose="02040503050406030204" pitchFamily="18" charset="0"/>
                                       </a:rPr>
                                       <m:t>𝑦</m:t>
@@ -15139,7 +17831,7 @@
                                   </m:e>
                                   <m:sub>
                                     <m:r>
-                                      <a:rPr lang="en-US" altLang="zh-TW" sz="2200" i="1">
+                                      <a:rPr lang="en-US" altLang="zh-TW" sz="2000" i="1">
                                         <a:latin typeface="Cambria Math" panose="02040503050406030204" pitchFamily="18" charset="0"/>
                                       </a:rPr>
                                       <m:t>𝑖</m:t>
@@ -15147,7 +17839,7 @@
                                   </m:sub>
                                 </m:sSub>
                                 <m:r>
-                                  <a:rPr lang="en-US" altLang="zh-TW" sz="2200" i="1">
+                                  <a:rPr lang="en-US" altLang="zh-TW" sz="2000" i="1">
                                     <a:latin typeface="Cambria Math" panose="02040503050406030204" pitchFamily="18" charset="0"/>
                                   </a:rPr>
                                   <m:t>−</m:t>
@@ -15155,14 +17847,14 @@
                                 <m:sSub>
                                   <m:sSubPr>
                                     <m:ctrlPr>
-                                      <a:rPr lang="en-US" altLang="zh-TW" sz="2200" i="1">
+                                      <a:rPr lang="en-US" altLang="zh-TW" sz="2000" i="1">
                                         <a:latin typeface="Cambria Math" panose="02040503050406030204" pitchFamily="18" charset="0"/>
                                       </a:rPr>
                                     </m:ctrlPr>
                                   </m:sSubPr>
                                   <m:e>
                                     <m:r>
-                                      <a:rPr lang="en-US" altLang="zh-TW" sz="2200" b="0" i="1" smtClean="0">
+                                      <a:rPr lang="en-US" altLang="zh-TW" sz="2000" b="0" i="1" smtClean="0">
                                         <a:latin typeface="Cambria Math" panose="02040503050406030204" pitchFamily="18" charset="0"/>
                                       </a:rPr>
                                       <m:t>𝑦</m:t>
@@ -15170,7 +17862,7 @@
                                   </m:e>
                                   <m:sub>
                                     <m:r>
-                                      <a:rPr lang="en-US" altLang="zh-TW" sz="2200" i="1">
+                                      <a:rPr lang="en-US" altLang="zh-TW" sz="2000" i="1">
                                         <a:latin typeface="Cambria Math" panose="02040503050406030204" pitchFamily="18" charset="0"/>
                                       </a:rPr>
                                       <m:t>𝑗</m:t>
@@ -15180,7 +17872,7 @@
                               </m:e>
                             </m:d>
                             <m:r>
-                              <a:rPr lang="en-US" altLang="zh-TW" sz="2200" i="1">
+                              <a:rPr lang="en-US" altLang="zh-TW" sz="2000" i="1">
                                 <a:latin typeface="Cambria Math" panose="02040503050406030204" pitchFamily="18" charset="0"/>
                               </a:rPr>
                               <m:t> </m:t>
@@ -15188,7 +17880,7 @@
                           </m:e>
                         </m:func>
                         <m:r>
-                          <a:rPr lang="en-US" altLang="zh-TW" sz="2200" b="0" i="1" smtClean="0">
+                          <a:rPr lang="en-US" altLang="zh-TW" sz="2000" b="0" i="1" smtClean="0">
                             <a:latin typeface="Cambria Math" panose="02040503050406030204" pitchFamily="18" charset="0"/>
                           </a:rPr>
                           <m:t>)</m:t>
@@ -15197,7 +17889,7 @@
                     </m:nary>
                   </m:oMath>
                 </a14:m>
-                <a:endParaRPr lang="en-US" altLang="zh-TW" sz="2200" dirty="0"/>
+                <a:endParaRPr lang="en-US" altLang="zh-TW" sz="2000" dirty="0"/>
               </a:p>
               <a:p>
                 <a:pPr>
@@ -15206,7 +17898,7 @@
                   </a:lnSpc>
                 </a:pPr>
                 <a:r>
-                  <a:rPr lang="en-US" altLang="zh-TW" sz="2200" dirty="0"/>
+                  <a:rPr lang="en-US" altLang="zh-TW" sz="2000" dirty="0"/>
                   <a:t>But hard to minimize it directly with gradient descent.</a:t>
                 </a:r>
               </a:p>
@@ -15217,7 +17909,7 @@
                   </a:lnSpc>
                 </a:pPr>
                 <a:r>
-                  <a:rPr lang="en-US" altLang="zh-TW" sz="2200" dirty="0"/>
+                  <a:rPr lang="en-US" altLang="zh-TW" sz="2000" dirty="0"/>
                   <a:t>Utilize weighted average(WA) function to approximate HPWL:</a:t>
                 </a:r>
               </a:p>
@@ -15227,7 +17919,7 @@
                     <a:spcPct val="100000"/>
                   </a:lnSpc>
                 </a:pPr>
-                <a:endParaRPr lang="en-US" altLang="zh-TW" sz="300" dirty="0"/>
+                <a:endParaRPr lang="en-US" altLang="zh-TW" sz="2000" dirty="0"/>
               </a:p>
               <a:p>
                 <a:pPr>
@@ -15238,7 +17930,7 @@
                 <a14:m>
                   <m:oMath xmlns:m="http://schemas.openxmlformats.org/officeDocument/2006/math">
                     <m:r>
-                      <a:rPr lang="en-US" altLang="zh-TW" sz="2200" b="0" i="1" smtClean="0">
+                      <a:rPr lang="en-US" altLang="zh-TW" sz="2000" b="0" i="1" smtClean="0">
                         <a:latin typeface="Cambria Math" panose="02040503050406030204" pitchFamily="18" charset="0"/>
                       </a:rPr>
                       <m:t>𝑊𝐴</m:t>
@@ -15246,26 +17938,26 @@
                     <m:d>
                       <m:dPr>
                         <m:ctrlPr>
-                          <a:rPr lang="en-US" altLang="zh-TW" sz="2200" b="0" i="1" smtClean="0">
+                          <a:rPr lang="en-US" altLang="zh-TW" sz="2000" b="0" i="1" smtClean="0">
                             <a:latin typeface="Cambria Math" panose="02040503050406030204" pitchFamily="18" charset="0"/>
                           </a:rPr>
                         </m:ctrlPr>
                       </m:dPr>
                       <m:e>
                         <m:r>
-                          <a:rPr lang="en-US" altLang="zh-TW" sz="2200" b="1" i="0" smtClean="0">
+                          <a:rPr lang="en-US" altLang="zh-TW" sz="2000" b="1" i="0" smtClean="0">
                             <a:latin typeface="Cambria Math" panose="02040503050406030204" pitchFamily="18" charset="0"/>
                           </a:rPr>
                           <m:t>𝐱</m:t>
                         </m:r>
                         <m:r>
-                          <a:rPr lang="en-US" altLang="zh-TW" sz="2200" b="1" i="0" smtClean="0">
+                          <a:rPr lang="en-US" altLang="zh-TW" sz="2000" b="1" i="0" smtClean="0">
                             <a:latin typeface="Cambria Math" panose="02040503050406030204" pitchFamily="18" charset="0"/>
                           </a:rPr>
                           <m:t>,</m:t>
                         </m:r>
                         <m:r>
-                          <a:rPr lang="en-US" altLang="zh-TW" sz="2200" b="1" i="0" smtClean="0">
+                          <a:rPr lang="en-US" altLang="zh-TW" sz="2000" b="1" i="0" smtClean="0">
                             <a:latin typeface="Cambria Math" panose="02040503050406030204" pitchFamily="18" charset="0"/>
                           </a:rPr>
                           <m:t>𝐲</m:t>
@@ -15273,14 +17965,14 @@
                       </m:e>
                     </m:d>
                     <m:r>
-                      <a:rPr lang="en-US" altLang="zh-TW" sz="2200" b="0" i="1" smtClean="0">
+                      <a:rPr lang="en-US" altLang="zh-TW" sz="2000" b="0" i="1" smtClean="0">
                         <a:latin typeface="Cambria Math" panose="02040503050406030204" pitchFamily="18" charset="0"/>
                       </a:rPr>
                       <m:t>= </m:t>
                     </m:r>
                   </m:oMath>
                 </a14:m>
-                <a:endParaRPr lang="zh-TW" altLang="en-US" sz="2200" dirty="0"/>
+                <a:endParaRPr lang="zh-TW" altLang="en-US" sz="2000" dirty="0"/>
               </a:p>
             </p:txBody>
           </p:sp>
@@ -15310,7 +18002,7 @@
               <a:blipFill>
                 <a:blip r:embed="rId3"/>
                 <a:stretch>
-                  <a:fillRect l="-696" t="-5882"/>
+                  <a:fillRect l="-522" t="-5214"/>
                 </a:stretch>
               </a:blipFill>
             </p:spPr>
@@ -15380,8 +18072,8 @@
         </p:blipFill>
         <p:spPr>
           <a:xfrm>
-            <a:off x="2635135" y="3940758"/>
-            <a:ext cx="6099777" cy="1757398"/>
+            <a:off x="2529258" y="4051348"/>
+            <a:ext cx="5296082" cy="1525847"/>
           </a:xfrm>
           <a:prstGeom prst="rect">
             <a:avLst/>
@@ -15404,8 +18096,8 @@
             </p:nvSpPr>
             <p:spPr>
               <a:xfrm>
-                <a:off x="1880135" y="5867825"/>
-                <a:ext cx="3609474" cy="584775"/>
+                <a:off x="2106840" y="5867823"/>
+                <a:ext cx="3070459" cy="584775"/>
               </a:xfrm>
               <a:prstGeom prst="rect">
                 <a:avLst/>
@@ -15499,6 +18191,12 @@
                         </a:rPr>
                         <m:t>𝑥</m:t>
                       </m:r>
+                      <m:r>
+                        <a:rPr lang="en-US" altLang="zh-TW" sz="1600" b="0" i="1" smtClean="0">
+                          <a:latin typeface="Cambria Math" panose="02040503050406030204" pitchFamily="18" charset="0"/>
+                        </a:rPr>
+                        <m:t> </m:t>
+                      </m:r>
                       <m:d>
                         <m:dPr>
                           <m:ctrlPr>
@@ -15547,8 +18245,8 @@
             </p:nvSpPr>
             <p:spPr>
               <a:xfrm>
-                <a:off x="1880135" y="5867825"/>
-                <a:ext cx="3609474" cy="584775"/>
+                <a:off x="2106840" y="5867823"/>
+                <a:ext cx="3070459" cy="584775"/>
               </a:xfrm>
               <a:prstGeom prst="rect">
                 <a:avLst/>
@@ -15596,8 +18294,8 @@
             </p:nvSpPr>
             <p:spPr>
               <a:xfrm>
-                <a:off x="5871410" y="5867824"/>
-                <a:ext cx="3609474" cy="584775"/>
+                <a:off x="5419022" y="5867824"/>
+                <a:ext cx="3070459" cy="584775"/>
               </a:xfrm>
               <a:prstGeom prst="rect">
                 <a:avLst/>
@@ -15691,6 +18389,12 @@
                         </a:rPr>
                         <m:t>𝑥</m:t>
                       </m:r>
+                      <m:r>
+                        <a:rPr lang="en-US" altLang="zh-TW" sz="1600" b="0" i="1" smtClean="0">
+                          <a:latin typeface="Cambria Math" panose="02040503050406030204" pitchFamily="18" charset="0"/>
+                        </a:rPr>
+                        <m:t> </m:t>
+                      </m:r>
                       <m:d>
                         <m:dPr>
                           <m:ctrlPr>
@@ -15739,8 +18443,8 @@
             </p:nvSpPr>
             <p:spPr>
               <a:xfrm>
-                <a:off x="5871410" y="5867824"/>
-                <a:ext cx="3609474" cy="584775"/>
+                <a:off x="5419022" y="5867824"/>
+                <a:ext cx="3070459" cy="584775"/>
               </a:xfrm>
               <a:prstGeom prst="rect">
                 <a:avLst/>
@@ -15869,9 +18573,10 @@
               </a:lnSpc>
             </a:pPr>
             <a:r>
-              <a:rPr lang="en-US" altLang="zh-TW" sz="2200" dirty="0"/>
-              <a:t>HPWL model ignores the distribution of interior points, thus losing  track of the practical gradient guidance.</a:t>
-            </a:r>
+              <a:rPr lang="en-US" altLang="zh-TW" sz="2000" dirty="0"/>
+              <a:t>HPWL model ignores the distribution of interior points, thus losing track of the practical gradient guidance.</a:t>
+            </a:r>
+            <a:endParaRPr lang="en-US" altLang="zh-TW" sz="2200" dirty="0"/>
           </a:p>
           <a:p>
             <a:pPr>
@@ -15880,8 +18585,8 @@
               </a:lnSpc>
             </a:pPr>
             <a:r>
-              <a:rPr lang="en-US" altLang="zh-TW" sz="2200" dirty="0"/>
-              <a:t>Trunks:</a:t>
+              <a:rPr lang="en-US" altLang="zh-TW" sz="2000" dirty="0"/>
+              <a:t>Branches :</a:t>
             </a:r>
           </a:p>
           <a:p>
@@ -15914,8 +18619,12 @@
               </a:lnSpc>
             </a:pPr>
             <a:r>
+              <a:rPr lang="en-US" altLang="zh-TW" sz="2000" dirty="0"/>
+              <a:t>Trunks </a:t>
+            </a:r>
+            <a:r>
               <a:rPr lang="en-US" altLang="zh-TW" sz="2200" dirty="0"/>
-              <a:t>Branches:</a:t>
+              <a:t>:</a:t>
             </a:r>
           </a:p>
           <a:p>
